--- a/doc/Task14/task14_presentation Schlurp.pptx
+++ b/doc/Task14/task14_presentation Schlurp.pptx
@@ -5,43 +5,26 @@
     <p:sldMasterId id="2147483669" r:id="rId4"/>
   </p:sldMasterIdLst>
   <p:notesMasterIdLst>
-    <p:notesMasterId r:id="rId36"/>
+    <p:notesMasterId r:id="rId19"/>
   </p:notesMasterIdLst>
   <p:handoutMasterIdLst>
-    <p:handoutMasterId r:id="rId37"/>
+    <p:handoutMasterId r:id="rId20"/>
   </p:handoutMasterIdLst>
   <p:sldIdLst>
     <p:sldId id="259" r:id="rId5"/>
     <p:sldId id="303" r:id="rId6"/>
-    <p:sldId id="257" r:id="rId7"/>
-    <p:sldId id="263" r:id="rId8"/>
-    <p:sldId id="270" r:id="rId9"/>
-    <p:sldId id="271" r:id="rId10"/>
-    <p:sldId id="272" r:id="rId11"/>
-    <p:sldId id="274" r:id="rId12"/>
-    <p:sldId id="276" r:id="rId13"/>
-    <p:sldId id="277" r:id="rId14"/>
-    <p:sldId id="285" r:id="rId15"/>
-    <p:sldId id="286" r:id="rId16"/>
-    <p:sldId id="282" r:id="rId17"/>
-    <p:sldId id="283" r:id="rId18"/>
-    <p:sldId id="284" r:id="rId19"/>
-    <p:sldId id="273" r:id="rId20"/>
-    <p:sldId id="275" r:id="rId21"/>
-    <p:sldId id="278" r:id="rId22"/>
-    <p:sldId id="279" r:id="rId23"/>
-    <p:sldId id="280" r:id="rId24"/>
-    <p:sldId id="281" r:id="rId25"/>
-    <p:sldId id="287" r:id="rId26"/>
-    <p:sldId id="288" r:id="rId27"/>
-    <p:sldId id="290" r:id="rId28"/>
-    <p:sldId id="289" r:id="rId29"/>
-    <p:sldId id="291" r:id="rId30"/>
-    <p:sldId id="292" r:id="rId31"/>
-    <p:sldId id="302" r:id="rId32"/>
-    <p:sldId id="300" r:id="rId33"/>
-    <p:sldId id="301" r:id="rId34"/>
-    <p:sldId id="299" r:id="rId35"/>
+    <p:sldId id="263" r:id="rId7"/>
+    <p:sldId id="270" r:id="rId8"/>
+    <p:sldId id="304" r:id="rId9"/>
+    <p:sldId id="305" r:id="rId10"/>
+    <p:sldId id="306" r:id="rId11"/>
+    <p:sldId id="307" r:id="rId12"/>
+    <p:sldId id="308" r:id="rId13"/>
+    <p:sldId id="309" r:id="rId14"/>
+    <p:sldId id="310" r:id="rId15"/>
+    <p:sldId id="311" r:id="rId16"/>
+    <p:sldId id="312" r:id="rId17"/>
+    <p:sldId id="299" r:id="rId18"/>
   </p:sldIdLst>
   <p:sldSz cx="9144000" cy="6858000" type="screen4x3"/>
   <p:notesSz cx="6669088" cy="9926638"/>
@@ -170,6 +153,36 @@
       </a:defRPr>
     </a:lvl9pPr>
   </p:defaultTextStyle>
+  <p:extLst>
+    <p:ext uri="{EFAFB233-063F-42B5-8137-9DF3F51BA10A}">
+      <p15:sldGuideLst xmlns:p15="http://schemas.microsoft.com/office/powerpoint/2012/main">
+        <p15:guide id="1" orient="horz" pos="2160">
+          <p15:clr>
+            <a:srgbClr val="A4A3A4"/>
+          </p15:clr>
+        </p15:guide>
+        <p15:guide id="2" pos="2880">
+          <p15:clr>
+            <a:srgbClr val="A4A3A4"/>
+          </p15:clr>
+        </p15:guide>
+      </p15:sldGuideLst>
+    </p:ext>
+    <p:ext uri="{2D200454-40CA-4A62-9FC3-DE9A4176ACB9}">
+      <p15:notesGuideLst xmlns:p15="http://schemas.microsoft.com/office/powerpoint/2012/main">
+        <p15:guide id="1" orient="horz" pos="3127">
+          <p15:clr>
+            <a:srgbClr val="A4A3A4"/>
+          </p15:clr>
+        </p15:guide>
+        <p15:guide id="2" pos="2101">
+          <p15:clr>
+            <a:srgbClr val="A4A3A4"/>
+          </p15:clr>
+        </p15:guide>
+      </p15:notesGuideLst>
+    </p:ext>
+  </p:extLst>
 </p:presentation>
 </file>
 
@@ -255,7 +268,7 @@
           <a:p>
             <a:fld id="{EFA0D184-D464-48E9-9CA0-A94E873F6C2C}" type="datetimeFigureOut">
               <a:rPr lang="de-CH" smtClean="0"/>
-              <a:t>12.09.15</a:t>
+              <a:t>tt.01.jjjj</a:t>
             </a:fld>
             <a:endParaRPr lang="de-CH"/>
           </a:p>
@@ -420,7 +433,7 @@
           <a:p>
             <a:fld id="{5AF2B663-2BA9-4D7E-8201-5DE4109E1EDD}" type="datetimeFigureOut">
               <a:rPr lang="de-CH" smtClean="0"/>
-              <a:t>12.09.15</a:t>
+              <a:t>tt.01.jjjj</a:t>
             </a:fld>
             <a:endParaRPr lang="de-CH"/>
           </a:p>
@@ -804,654 +817,6 @@
 </p:notes>
 </file>
 
-<file path=ppt/notesSlides/notesSlide2.xml><?xml version="1.0" encoding="utf-8"?>
-<p:notes xmlns:a="http://schemas.openxmlformats.org/drawingml/2006/main" xmlns:r="http://schemas.openxmlformats.org/officeDocument/2006/relationships" xmlns:p="http://schemas.openxmlformats.org/presentationml/2006/main">
-  <p:cSld>
-    <p:spTree>
-      <p:nvGrpSpPr>
-        <p:cNvPr id="1" name=""/>
-        <p:cNvGrpSpPr/>
-        <p:nvPr/>
-      </p:nvGrpSpPr>
-      <p:grpSpPr>
-        <a:xfrm>
-          <a:off x="0" y="0"/>
-          <a:ext cx="0" cy="0"/>
-          <a:chOff x="0" y="0"/>
-          <a:chExt cx="0" cy="0"/>
-        </a:xfrm>
-      </p:grpSpPr>
-      <p:sp>
-        <p:nvSpPr>
-          <p:cNvPr id="2" name="Folienbildplatzhalter 1"/>
-          <p:cNvSpPr>
-            <a:spLocks noGrp="1" noRot="1" noChangeAspect="1"/>
-          </p:cNvSpPr>
-          <p:nvPr>
-            <p:ph type="sldImg"/>
-          </p:nvPr>
-        </p:nvSpPr>
-        <p:spPr/>
-      </p:sp>
-      <p:sp>
-        <p:nvSpPr>
-          <p:cNvPr id="3" name="Notizenplatzhalter 2"/>
-          <p:cNvSpPr>
-            <a:spLocks noGrp="1"/>
-          </p:cNvSpPr>
-          <p:nvPr>
-            <p:ph type="body" idx="1"/>
-          </p:nvPr>
-        </p:nvSpPr>
-        <p:spPr/>
-        <p:txBody>
-          <a:bodyPr/>
-          <a:lstStyle/>
-          <a:p>
-            <a:endParaRPr lang="de-CH" dirty="0"/>
-          </a:p>
-        </p:txBody>
-      </p:sp>
-      <p:sp>
-        <p:nvSpPr>
-          <p:cNvPr id="4" name="Foliennummernplatzhalter 3"/>
-          <p:cNvSpPr>
-            <a:spLocks noGrp="1"/>
-          </p:cNvSpPr>
-          <p:nvPr>
-            <p:ph type="sldNum" sz="quarter" idx="10"/>
-          </p:nvPr>
-        </p:nvSpPr>
-        <p:spPr/>
-        <p:txBody>
-          <a:bodyPr/>
-          <a:lstStyle/>
-          <a:p>
-            <a:fld id="{37E44704-8E6D-4CF2-8CFA-A0F7BC751896}" type="slidenum">
-              <a:rPr lang="de-CH" smtClean="0"/>
-              <a:t>27</a:t>
-            </a:fld>
-            <a:endParaRPr lang="de-CH"/>
-          </a:p>
-        </p:txBody>
-      </p:sp>
-    </p:spTree>
-    <p:extLst>
-      <p:ext uri="{BB962C8B-B14F-4D97-AF65-F5344CB8AC3E}">
-        <p14:creationId xmlns:p14="http://schemas.microsoft.com/office/powerpoint/2010/main" val="990257639"/>
-      </p:ext>
-    </p:extLst>
-  </p:cSld>
-  <p:clrMapOvr>
-    <a:masterClrMapping/>
-  </p:clrMapOvr>
-</p:notes>
-</file>
-
-<file path=ppt/notesSlides/notesSlide3.xml><?xml version="1.0" encoding="utf-8"?>
-<p:notes xmlns:a="http://schemas.openxmlformats.org/drawingml/2006/main" xmlns:r="http://schemas.openxmlformats.org/officeDocument/2006/relationships" xmlns:p="http://schemas.openxmlformats.org/presentationml/2006/main">
-  <p:cSld>
-    <p:spTree>
-      <p:nvGrpSpPr>
-        <p:cNvPr id="1" name=""/>
-        <p:cNvGrpSpPr/>
-        <p:nvPr/>
-      </p:nvGrpSpPr>
-      <p:grpSpPr>
-        <a:xfrm>
-          <a:off x="0" y="0"/>
-          <a:ext cx="0" cy="0"/>
-          <a:chOff x="0" y="0"/>
-          <a:chExt cx="0" cy="0"/>
-        </a:xfrm>
-      </p:grpSpPr>
-      <p:sp>
-        <p:nvSpPr>
-          <p:cNvPr id="2" name="Slide Image Placeholder 1"/>
-          <p:cNvSpPr>
-            <a:spLocks noGrp="1" noRot="1" noChangeAspect="1"/>
-          </p:cNvSpPr>
-          <p:nvPr>
-            <p:ph type="sldImg"/>
-          </p:nvPr>
-        </p:nvSpPr>
-        <p:spPr/>
-      </p:sp>
-      <p:sp>
-        <p:nvSpPr>
-          <p:cNvPr id="3" name="Notes Placeholder 2"/>
-          <p:cNvSpPr>
-            <a:spLocks noGrp="1"/>
-          </p:cNvSpPr>
-          <p:nvPr>
-            <p:ph type="body" idx="1"/>
-          </p:nvPr>
-        </p:nvSpPr>
-        <p:spPr/>
-        <p:txBody>
-          <a:bodyPr/>
-          <a:lstStyle/>
-          <a:p>
-            <a:r>
-              <a:rPr lang="de-CH" sz="1100" b="0" u="none" baseline="0" dirty="0" smtClean="0"/>
-              <a:t>Beispiele aus der Forschung:</a:t>
-            </a:r>
-          </a:p>
-          <a:p>
-            <a:endParaRPr lang="de-CH" sz="1100" b="0" u="sng" baseline="0" dirty="0" smtClean="0"/>
-          </a:p>
-          <a:p>
-            <a:r>
-              <a:rPr lang="de-CH" sz="1100" b="0" u="sng" dirty="0" err="1" smtClean="0"/>
-              <a:t>Energy</a:t>
-            </a:r>
-            <a:r>
-              <a:rPr lang="de-CH" sz="1100" b="0" u="sng" dirty="0" smtClean="0"/>
-              <a:t> </a:t>
-            </a:r>
-            <a:r>
-              <a:rPr lang="de-CH" sz="1100" b="0" u="sng" dirty="0" err="1" smtClean="0"/>
-              <a:t>and</a:t>
-            </a:r>
-            <a:r>
-              <a:rPr lang="de-CH" sz="1100" b="0" u="sng" dirty="0" smtClean="0"/>
-              <a:t> Mobility Research</a:t>
-            </a:r>
-          </a:p>
-          <a:p>
-            <a:r>
-              <a:rPr lang="de-CH" sz="1100" dirty="0" smtClean="0"/>
-              <a:t>Seit mehr</a:t>
-            </a:r>
-            <a:r>
-              <a:rPr lang="de-CH" sz="1100" baseline="0" dirty="0" smtClean="0"/>
-              <a:t> als 25 Jahren forscht die BFH im Gebiet der Photovoltaik und ist beispielsweise im Test von Photovoltaik-Installationen führend. Seit 10 Jahren forscht die BFH an Lithium-Ionen-Batteriesystemen. Hier wurde der Grundstein gelegt für die neuen Elektromagnetmotoren der Bombardier-Züge, welche in der Schweiz ab 2015 zum Einsatz kommen werden. Das Wissen aus der </a:t>
-            </a:r>
-            <a:r>
-              <a:rPr lang="de-CH" sz="1100" baseline="0" dirty="0" err="1" smtClean="0"/>
-              <a:t>Energy</a:t>
-            </a:r>
-            <a:r>
-              <a:rPr lang="de-CH" sz="1100" baseline="0" dirty="0" smtClean="0"/>
-              <a:t> </a:t>
-            </a:r>
-            <a:r>
-              <a:rPr lang="de-CH" sz="1100" baseline="0" dirty="0" err="1" smtClean="0"/>
-              <a:t>and</a:t>
-            </a:r>
-            <a:r>
-              <a:rPr lang="de-CH" sz="1100" baseline="0" dirty="0" smtClean="0"/>
-              <a:t> Mobility Research fliesst zudem in ökologisches Engineering für Entwicklungs- und Schwellenländer (Solarzellen, Brennstoffzellen) ein.</a:t>
-            </a:r>
-            <a:endParaRPr lang="de-CH" sz="1100" dirty="0" smtClean="0"/>
-          </a:p>
-          <a:p>
-            <a:endParaRPr lang="de-CH" sz="1100" dirty="0" smtClean="0"/>
-          </a:p>
-          <a:p>
-            <a:r>
-              <a:rPr lang="de-CH" sz="1100" b="0" u="sng" dirty="0" smtClean="0"/>
-              <a:t>Holz-</a:t>
-            </a:r>
-            <a:r>
-              <a:rPr lang="de-CH" sz="1100" b="0" u="sng" baseline="0" dirty="0" smtClean="0"/>
-              <a:t> und Verbundbau</a:t>
-            </a:r>
-          </a:p>
-          <a:p>
-            <a:r>
-              <a:rPr lang="de-CH" sz="1100" baseline="0" dirty="0" smtClean="0"/>
-              <a:t>Die BFH ist die einzige Schweizer Fachhochschule mit Kompetenz in Holz. Sie kann auf 60 Jahre Erfahrung in diesem Bereich zurückblicken. Sie verfügt beispielsweise über einen Leichtbauprüfstand zusammen mit der EMPA, wo Schalltests für mehrgeschossige Holzbauten durchgeführt werden. Sie entwickelt energieeffiziente Gebäudehüllen aus Holz. Ein Beispiel ist das Holzbausystem </a:t>
-            </a:r>
-            <a:r>
-              <a:rPr lang="de-CH" sz="1100" baseline="0" dirty="0" err="1" smtClean="0"/>
-              <a:t>Eggo</a:t>
-            </a:r>
-            <a:r>
-              <a:rPr lang="de-CH" sz="1100" baseline="0" dirty="0" smtClean="0"/>
-              <a:t>, welches auch kleinen Holzbetrieben den Zugang zum Markt für Wohnbauten ermöglicht. </a:t>
-            </a:r>
-          </a:p>
-          <a:p>
-            <a:endParaRPr lang="de-CH" sz="1100" baseline="0" dirty="0" smtClean="0"/>
-          </a:p>
-          <a:p>
-            <a:r>
-              <a:rPr lang="de-CH" sz="1100" b="0" u="sng" baseline="0" dirty="0" smtClean="0"/>
-              <a:t>Tierproduktionssysteme</a:t>
-            </a:r>
-          </a:p>
-          <a:p>
-            <a:r>
-              <a:rPr lang="de-CH" sz="1100" baseline="0" dirty="0" smtClean="0"/>
-              <a:t>Tierproduzenten in der Schweiz, aber auch international, werden bei der Anpassung ihrer Produktionssysteme an sich verändernde Rahmenbedingungen unterstützt. Im Auftrag des Schweiz. Bundesamts für Landwirtschaft überwacht die BFH den Prozess zur Entwicklung und Umsetzung der Initiative der FAO (Food </a:t>
-            </a:r>
-            <a:r>
-              <a:rPr lang="de-CH" sz="1100" baseline="0" dirty="0" err="1" smtClean="0"/>
-              <a:t>and</a:t>
-            </a:r>
-            <a:r>
-              <a:rPr lang="de-CH" sz="1100" baseline="0" dirty="0" smtClean="0"/>
-              <a:t> </a:t>
-            </a:r>
-            <a:r>
-              <a:rPr lang="de-CH" sz="1100" baseline="0" dirty="0" err="1" smtClean="0"/>
-              <a:t>Agriculture</a:t>
-            </a:r>
-            <a:r>
-              <a:rPr lang="de-CH" sz="1100" baseline="0" dirty="0" smtClean="0"/>
-              <a:t> </a:t>
-            </a:r>
-            <a:r>
-              <a:rPr lang="de-CH" sz="1100" baseline="0" dirty="0" err="1" smtClean="0"/>
-              <a:t>Organization</a:t>
-            </a:r>
-            <a:r>
-              <a:rPr lang="de-CH" sz="1100" baseline="0" dirty="0" smtClean="0"/>
-              <a:t> </a:t>
-            </a:r>
-            <a:r>
-              <a:rPr lang="de-CH" sz="1100" baseline="0" dirty="0" err="1" smtClean="0"/>
-              <a:t>of</a:t>
-            </a:r>
-            <a:r>
-              <a:rPr lang="de-CH" sz="1100" baseline="0" dirty="0" smtClean="0"/>
-              <a:t> </a:t>
-            </a:r>
-            <a:r>
-              <a:rPr lang="de-CH" sz="1100" baseline="0" dirty="0" err="1" smtClean="0"/>
-              <a:t>the</a:t>
-            </a:r>
-            <a:r>
-              <a:rPr lang="de-CH" sz="1100" baseline="0" dirty="0" smtClean="0"/>
-              <a:t> United </a:t>
-            </a:r>
-            <a:r>
-              <a:rPr lang="de-CH" sz="1100" baseline="0" dirty="0" err="1" smtClean="0"/>
-              <a:t>Nations</a:t>
-            </a:r>
-            <a:r>
-              <a:rPr lang="de-CH" sz="1100" baseline="0" dirty="0" smtClean="0"/>
-              <a:t>), die «Global Agenda </a:t>
-            </a:r>
-            <a:r>
-              <a:rPr lang="de-CH" sz="1100" baseline="0" dirty="0" err="1" smtClean="0"/>
-              <a:t>of</a:t>
-            </a:r>
-            <a:r>
-              <a:rPr lang="de-CH" sz="1100" baseline="0" dirty="0" smtClean="0"/>
-              <a:t> Action in </a:t>
-            </a:r>
-            <a:r>
-              <a:rPr lang="de-CH" sz="1100" baseline="0" dirty="0" err="1" smtClean="0"/>
-              <a:t>support</a:t>
-            </a:r>
-            <a:r>
-              <a:rPr lang="de-CH" sz="1100" baseline="0" dirty="0" smtClean="0"/>
-              <a:t> </a:t>
-            </a:r>
-            <a:r>
-              <a:rPr lang="de-CH" sz="1100" baseline="0" dirty="0" err="1" smtClean="0"/>
-              <a:t>of</a:t>
-            </a:r>
-            <a:r>
-              <a:rPr lang="de-CH" sz="1100" baseline="0" dirty="0" smtClean="0"/>
-              <a:t> </a:t>
-            </a:r>
-            <a:r>
-              <a:rPr lang="de-CH" sz="1100" baseline="0" dirty="0" err="1" smtClean="0"/>
-              <a:t>Sustainable</a:t>
-            </a:r>
-            <a:r>
-              <a:rPr lang="de-CH" sz="1100" baseline="0" dirty="0" smtClean="0"/>
-              <a:t> Livestock </a:t>
-            </a:r>
-            <a:r>
-              <a:rPr lang="de-CH" sz="1100" baseline="0" dirty="0" err="1" smtClean="0"/>
-              <a:t>Sector</a:t>
-            </a:r>
-            <a:r>
-              <a:rPr lang="de-CH" sz="1100" baseline="0" dirty="0" smtClean="0"/>
-              <a:t> Development».</a:t>
-            </a:r>
-          </a:p>
-          <a:p>
-            <a:endParaRPr lang="de-CH" sz="1100" baseline="0" dirty="0" smtClean="0"/>
-          </a:p>
-          <a:p>
-            <a:r>
-              <a:rPr lang="de-CH" sz="1100" b="0" u="sng" baseline="0" dirty="0" err="1" smtClean="0"/>
-              <a:t>eGovernment</a:t>
-            </a:r>
-            <a:endParaRPr lang="de-CH" sz="1100" b="0" u="sng" baseline="0" dirty="0" smtClean="0"/>
-          </a:p>
-          <a:p>
-            <a:r>
-              <a:rPr lang="de-CH" sz="1100" baseline="0" dirty="0" smtClean="0"/>
-              <a:t>Open </a:t>
-            </a:r>
-            <a:r>
-              <a:rPr lang="de-CH" sz="1100" baseline="0" dirty="0" err="1" smtClean="0"/>
-              <a:t>Government</a:t>
-            </a:r>
-            <a:r>
-              <a:rPr lang="de-CH" sz="1100" baseline="0" dirty="0" smtClean="0"/>
-              <a:t> Data rückt in der Schweiz zunehmend in den Fokus des Interesses der Behörden. Die BFH erarbeitet hier die notwendigen Grundlagen zur koordinierten Umsetzung von Open </a:t>
-            </a:r>
-            <a:r>
-              <a:rPr lang="de-CH" sz="1100" baseline="0" dirty="0" err="1" smtClean="0"/>
-              <a:t>Government</a:t>
-            </a:r>
-            <a:r>
-              <a:rPr lang="de-CH" sz="1100" baseline="0" dirty="0" smtClean="0"/>
-              <a:t> Data in der Schweiz. Im Rahmen des EU-Projektes «</a:t>
-            </a:r>
-            <a:r>
-              <a:rPr lang="de-CH" sz="1100" baseline="0" dirty="0" err="1" smtClean="0"/>
-              <a:t>Fusepool</a:t>
-            </a:r>
-            <a:r>
-              <a:rPr lang="de-CH" sz="1100" baseline="0" dirty="0" smtClean="0"/>
-              <a:t>» arbeitet die BFH an der Integration, dem Schutz und der Verlinkung von internen und externen Daten. Dies erleichtert z.B. Einsatzkräften in Notsituationen die Arbeit.</a:t>
-            </a:r>
-          </a:p>
-          <a:p>
-            <a:endParaRPr lang="de-CH" sz="1100" baseline="0" dirty="0" smtClean="0"/>
-          </a:p>
-          <a:p>
-            <a:r>
-              <a:rPr lang="de-CH" sz="1100" b="0" u="sng" baseline="0" dirty="0" smtClean="0"/>
-              <a:t>Materialität in Kunst und Kultur</a:t>
-            </a:r>
-          </a:p>
-          <a:p>
-            <a:r>
-              <a:rPr lang="de-CH" sz="1100" baseline="0" dirty="0" smtClean="0"/>
-              <a:t>An der BFH wird untersucht, wie Farbfotografien und Bilder, die in </a:t>
-            </a:r>
-            <a:r>
-              <a:rPr lang="de-CH" sz="1100" baseline="0" dirty="0" err="1" smtClean="0"/>
-              <a:t>Inkjet</a:t>
-            </a:r>
-            <a:r>
-              <a:rPr lang="de-CH" sz="1100" baseline="0" dirty="0" smtClean="0"/>
-              <a:t> gedruckt wurden, altern. Ziel ist es, die im Licht stabilsten Materialkombinationen zu finden, um sie dann </a:t>
-            </a:r>
-            <a:r>
-              <a:rPr lang="de-CH" sz="1100" baseline="0" dirty="0" err="1" smtClean="0"/>
-              <a:t>KünstlerInnen</a:t>
-            </a:r>
-            <a:r>
-              <a:rPr lang="de-CH" sz="1100" baseline="0" dirty="0" smtClean="0"/>
-              <a:t>, Sammlungen und Museen zu empfehlen. Dies zum Schutz und Erhalt der Fotografien. Dafür arbeitet sie mit den Unternehmen ILFORD Imaging </a:t>
-            </a:r>
-            <a:r>
-              <a:rPr lang="de-CH" sz="1100" baseline="0" dirty="0" err="1" smtClean="0"/>
-              <a:t>Switzerland</a:t>
-            </a:r>
-            <a:r>
-              <a:rPr lang="de-CH" sz="1100" baseline="0" dirty="0" smtClean="0"/>
-              <a:t> und Sihl AG zusammen. Das Projekt wird von der Swiss National Science </a:t>
-            </a:r>
-            <a:r>
-              <a:rPr lang="de-CH" sz="1100" baseline="0" dirty="0" err="1" smtClean="0"/>
-              <a:t>Foundation</a:t>
-            </a:r>
-            <a:r>
-              <a:rPr lang="de-CH" sz="1100" baseline="0" dirty="0" smtClean="0"/>
-              <a:t> (SNF) finanziert. </a:t>
-            </a:r>
-          </a:p>
-          <a:p>
-            <a:endParaRPr lang="de-CH" sz="1100" baseline="0" dirty="0" smtClean="0"/>
-          </a:p>
-          <a:p>
-            <a:r>
-              <a:rPr lang="de-CH" sz="1100" b="0" u="sng" baseline="0" dirty="0" smtClean="0"/>
-              <a:t>Sport</a:t>
-            </a:r>
-          </a:p>
-          <a:p>
-            <a:r>
-              <a:rPr lang="en-US" sz="1100" dirty="0" smtClean="0"/>
-              <a:t>Das</a:t>
-            </a:r>
-            <a:r>
-              <a:rPr lang="en-US" sz="1100" baseline="0" dirty="0" smtClean="0"/>
-              <a:t> S</a:t>
-            </a:r>
-            <a:r>
-              <a:rPr lang="en-US" sz="1100" dirty="0" smtClean="0"/>
-              <a:t>wiss Federal Institute of Sports </a:t>
-            </a:r>
-            <a:r>
-              <a:rPr lang="en-US" sz="1100" dirty="0" err="1" smtClean="0"/>
-              <a:t>Magglingen</a:t>
-            </a:r>
-            <a:r>
-              <a:rPr lang="en-US" sz="1100" dirty="0" smtClean="0"/>
-              <a:t> </a:t>
-            </a:r>
-            <a:r>
-              <a:rPr lang="de-CH" sz="1100" b="0" u="none" baseline="0" dirty="0" smtClean="0"/>
-              <a:t>ist die führende Aus- und Weiterbildungsstätte für Sport in der Schweiz. Sie ist führend in der Forschung im Bereich Leistungs- und Spitzensport wenn es darum geht, Methoden zur Leistungsverbesserung zu entwickeln. Zudem erstellt sie Studien über den wirtschaftlichen Impact von Grossanlässen wie Weltmeisterschaften oder Olympischen Spielen.</a:t>
-            </a:r>
-            <a:endParaRPr lang="de-CH" sz="1100" b="0" u="none" dirty="0"/>
-          </a:p>
-        </p:txBody>
-      </p:sp>
-      <p:sp>
-        <p:nvSpPr>
-          <p:cNvPr id="4" name="Slide Number Placeholder 3"/>
-          <p:cNvSpPr>
-            <a:spLocks noGrp="1"/>
-          </p:cNvSpPr>
-          <p:nvPr>
-            <p:ph type="sldNum" sz="quarter" idx="10"/>
-          </p:nvPr>
-        </p:nvSpPr>
-        <p:spPr/>
-        <p:txBody>
-          <a:bodyPr/>
-          <a:lstStyle/>
-          <a:p>
-            <a:fld id="{37E44704-8E6D-4CF2-8CFA-A0F7BC751896}" type="slidenum">
-              <a:rPr lang="de-CH" smtClean="0"/>
-              <a:t>28</a:t>
-            </a:fld>
-            <a:endParaRPr lang="de-CH"/>
-          </a:p>
-        </p:txBody>
-      </p:sp>
-    </p:spTree>
-    <p:extLst>
-      <p:ext uri="{BB962C8B-B14F-4D97-AF65-F5344CB8AC3E}">
-        <p14:creationId xmlns:p14="http://schemas.microsoft.com/office/powerpoint/2010/main" val="3696528360"/>
-      </p:ext>
-    </p:extLst>
-  </p:cSld>
-  <p:clrMapOvr>
-    <a:masterClrMapping/>
-  </p:clrMapOvr>
-</p:notes>
-</file>
-
-<file path=ppt/notesSlides/notesSlide4.xml><?xml version="1.0" encoding="utf-8"?>
-<p:notes xmlns:a="http://schemas.openxmlformats.org/drawingml/2006/main" xmlns:r="http://schemas.openxmlformats.org/officeDocument/2006/relationships" xmlns:p="http://schemas.openxmlformats.org/presentationml/2006/main">
-  <p:cSld>
-    <p:spTree>
-      <p:nvGrpSpPr>
-        <p:cNvPr id="1" name=""/>
-        <p:cNvGrpSpPr/>
-        <p:nvPr/>
-      </p:nvGrpSpPr>
-      <p:grpSpPr>
-        <a:xfrm>
-          <a:off x="0" y="0"/>
-          <a:ext cx="0" cy="0"/>
-          <a:chOff x="0" y="0"/>
-          <a:chExt cx="0" cy="0"/>
-        </a:xfrm>
-      </p:grpSpPr>
-      <p:sp>
-        <p:nvSpPr>
-          <p:cNvPr id="2" name="Slide Image Placeholder 1"/>
-          <p:cNvSpPr>
-            <a:spLocks noGrp="1" noRot="1" noChangeAspect="1"/>
-          </p:cNvSpPr>
-          <p:nvPr>
-            <p:ph type="sldImg"/>
-          </p:nvPr>
-        </p:nvSpPr>
-        <p:spPr/>
-      </p:sp>
-      <p:sp>
-        <p:nvSpPr>
-          <p:cNvPr id="3" name="Notes Placeholder 2"/>
-          <p:cNvSpPr>
-            <a:spLocks noGrp="1"/>
-          </p:cNvSpPr>
-          <p:nvPr>
-            <p:ph type="body" idx="1"/>
-          </p:nvPr>
-        </p:nvSpPr>
-        <p:spPr/>
-        <p:txBody>
-          <a:bodyPr/>
-          <a:lstStyle/>
-          <a:p>
-            <a:endParaRPr lang="de-CH"/>
-          </a:p>
-        </p:txBody>
-      </p:sp>
-      <p:sp>
-        <p:nvSpPr>
-          <p:cNvPr id="4" name="Slide Number Placeholder 3"/>
-          <p:cNvSpPr>
-            <a:spLocks noGrp="1"/>
-          </p:cNvSpPr>
-          <p:nvPr>
-            <p:ph type="sldNum" sz="quarter" idx="10"/>
-          </p:nvPr>
-        </p:nvSpPr>
-        <p:spPr/>
-        <p:txBody>
-          <a:bodyPr/>
-          <a:lstStyle/>
-          <a:p>
-            <a:fld id="{37E44704-8E6D-4CF2-8CFA-A0F7BC751896}" type="slidenum">
-              <a:rPr lang="de-CH" smtClean="0"/>
-              <a:t>29</a:t>
-            </a:fld>
-            <a:endParaRPr lang="de-CH"/>
-          </a:p>
-        </p:txBody>
-      </p:sp>
-    </p:spTree>
-    <p:extLst>
-      <p:ext uri="{BB962C8B-B14F-4D97-AF65-F5344CB8AC3E}">
-        <p14:creationId xmlns:p14="http://schemas.microsoft.com/office/powerpoint/2010/main" val="1122177708"/>
-      </p:ext>
-    </p:extLst>
-  </p:cSld>
-  <p:clrMapOvr>
-    <a:masterClrMapping/>
-  </p:clrMapOvr>
-</p:notes>
-</file>
-
-<file path=ppt/notesSlides/notesSlide5.xml><?xml version="1.0" encoding="utf-8"?>
-<p:notes xmlns:a="http://schemas.openxmlformats.org/drawingml/2006/main" xmlns:r="http://schemas.openxmlformats.org/officeDocument/2006/relationships" xmlns:p="http://schemas.openxmlformats.org/presentationml/2006/main">
-  <p:cSld>
-    <p:spTree>
-      <p:nvGrpSpPr>
-        <p:cNvPr id="1" name=""/>
-        <p:cNvGrpSpPr/>
-        <p:nvPr/>
-      </p:nvGrpSpPr>
-      <p:grpSpPr>
-        <a:xfrm>
-          <a:off x="0" y="0"/>
-          <a:ext cx="0" cy="0"/>
-          <a:chOff x="0" y="0"/>
-          <a:chExt cx="0" cy="0"/>
-        </a:xfrm>
-      </p:grpSpPr>
-      <p:sp>
-        <p:nvSpPr>
-          <p:cNvPr id="2" name="Folienbildplatzhalter 1"/>
-          <p:cNvSpPr>
-            <a:spLocks noGrp="1" noRot="1" noChangeAspect="1"/>
-          </p:cNvSpPr>
-          <p:nvPr>
-            <p:ph type="sldImg"/>
-          </p:nvPr>
-        </p:nvSpPr>
-        <p:spPr/>
-      </p:sp>
-      <p:sp>
-        <p:nvSpPr>
-          <p:cNvPr id="3" name="Notizenplatzhalter 2"/>
-          <p:cNvSpPr>
-            <a:spLocks noGrp="1"/>
-          </p:cNvSpPr>
-          <p:nvPr>
-            <p:ph type="body" idx="1"/>
-          </p:nvPr>
-        </p:nvSpPr>
-        <p:spPr/>
-        <p:txBody>
-          <a:bodyPr/>
-          <a:lstStyle/>
-          <a:p>
-            <a:pPr marL="171450" indent="-171450" rtl="0">
-              <a:buFontTx/>
-              <a:buChar char="-"/>
-            </a:pPr>
-            <a:endParaRPr lang="de-CH" sz="1100" b="0" i="0" u="none" strike="noStrike" kern="1200" baseline="0" dirty="0" smtClean="0">
-              <a:solidFill>
-                <a:schemeClr val="tx1"/>
-              </a:solidFill>
-              <a:latin typeface="+mn-lt"/>
-              <a:ea typeface="+mn-ea"/>
-              <a:cs typeface="+mn-cs"/>
-            </a:endParaRPr>
-          </a:p>
-          <a:p>
-            <a:pPr marL="0" marR="0" indent="0" algn="l" defTabSz="457200" rtl="0" eaLnBrk="1" fontAlgn="auto" latinLnBrk="0" hangingPunct="1">
-              <a:lnSpc>
-                <a:spcPct val="100000"/>
-              </a:lnSpc>
-              <a:spcBef>
-                <a:spcPts val="0"/>
-              </a:spcBef>
-              <a:spcAft>
-                <a:spcPts val="0"/>
-              </a:spcAft>
-              <a:buClrTx/>
-              <a:buSzTx/>
-              <a:buFontTx/>
-              <a:buNone/>
-              <a:tabLst/>
-              <a:defRPr/>
-            </a:pPr>
-            <a:endParaRPr lang="de-CH" sz="1100" dirty="0" smtClean="0"/>
-          </a:p>
-        </p:txBody>
-      </p:sp>
-    </p:spTree>
-    <p:extLst>
-      <p:ext uri="{BB962C8B-B14F-4D97-AF65-F5344CB8AC3E}">
-        <p14:creationId xmlns:p14="http://schemas.microsoft.com/office/powerpoint/2010/main" val="3065749852"/>
-      </p:ext>
-    </p:extLst>
-  </p:cSld>
-  <p:clrMapOvr>
-    <a:masterClrMapping/>
-  </p:clrMapOvr>
-</p:notes>
-</file>
-
 <file path=ppt/slideLayouts/slideLayout1.xml><?xml version="1.0" encoding="utf-8"?>
 <p:sldLayout xmlns:a="http://schemas.openxmlformats.org/drawingml/2006/main" xmlns:r="http://schemas.openxmlformats.org/officeDocument/2006/relationships" xmlns:p="http://schemas.openxmlformats.org/presentationml/2006/main" preserve="1" userDrawn="1">
   <p:cSld name="Titelfolie mit Bild">
@@ -1677,14 +1042,14 @@
           </a:ln>
           <a:extLst>
             <a:ext uri="{909E8E84-426E-40dd-AFC4-6F175D3DCCD1}">
-              <a14:hiddenFill xmlns:a14="http://schemas.microsoft.com/office/drawing/2010/main">
+              <a14:hiddenFill xmlns:a14="http://schemas.microsoft.com/office/drawing/2010/main" xmlns="">
                 <a:solidFill>
                   <a:srgbClr val="FFFFFF"/>
                 </a:solidFill>
               </a14:hiddenFill>
             </a:ext>
             <a:ext uri="{91240B29-F687-4f45-9708-019B960494DF}">
-              <a14:hiddenLine xmlns:a14="http://schemas.microsoft.com/office/drawing/2010/main" w="9525">
+              <a14:hiddenLine xmlns:a14="http://schemas.microsoft.com/office/drawing/2010/main" xmlns="" w="9525">
                 <a:solidFill>
                   <a:srgbClr val="000000"/>
                 </a:solidFill>
@@ -2868,217 +2233,6 @@
 
 <file path=ppt/slideLayouts/slideLayout12.xml><?xml version="1.0" encoding="utf-8"?>
 <p:sldLayout xmlns:a="http://schemas.openxmlformats.org/drawingml/2006/main" xmlns:r="http://schemas.openxmlformats.org/officeDocument/2006/relationships" xmlns:p="http://schemas.openxmlformats.org/presentationml/2006/main" userDrawn="1">
-  <p:cSld name="Bild/Text">
-    <p:spTree>
-      <p:nvGrpSpPr>
-        <p:cNvPr id="1" name=""/>
-        <p:cNvGrpSpPr/>
-        <p:nvPr/>
-      </p:nvGrpSpPr>
-      <p:grpSpPr>
-        <a:xfrm>
-          <a:off x="0" y="0"/>
-          <a:ext cx="0" cy="0"/>
-          <a:chOff x="0" y="0"/>
-          <a:chExt cx="0" cy="0"/>
-        </a:xfrm>
-      </p:grpSpPr>
-      <p:sp>
-        <p:nvSpPr>
-          <p:cNvPr id="3" name="Inhaltsplatzhalter 2"/>
-          <p:cNvSpPr>
-            <a:spLocks noGrp="1"/>
-          </p:cNvSpPr>
-          <p:nvPr>
-            <p:ph sz="half" idx="1"/>
-          </p:nvPr>
-        </p:nvSpPr>
-        <p:spPr>
-          <a:xfrm>
-            <a:off x="468000" y="1439999"/>
-            <a:ext cx="8100000" cy="4680000"/>
-          </a:xfrm>
-          <a:prstGeom prst="rect">
-            <a:avLst/>
-          </a:prstGeom>
-        </p:spPr>
-        <p:txBody>
-          <a:bodyPr lIns="0" rIns="0"/>
-          <a:lstStyle>
-            <a:lvl1pPr marL="271463" indent="-271463">
-              <a:buClr>
-                <a:srgbClr val="FAA500"/>
-              </a:buClr>
-              <a:buSzPct val="80000"/>
-              <a:buFont typeface="Lucida Grande"/>
-              <a:buChar char="▶"/>
-              <a:defRPr sz="1800">
-                <a:latin typeface="Lucida Sans"/>
-                <a:cs typeface="Lucida Sans"/>
-              </a:defRPr>
-            </a:lvl1pPr>
-            <a:lvl2pPr marL="742950" indent="-285750">
-              <a:buClr>
-                <a:srgbClr val="FAA500"/>
-              </a:buClr>
-              <a:buSzPct val="80000"/>
-              <a:buFont typeface="Lucida Grande"/>
-              <a:buChar char="▶"/>
-              <a:defRPr sz="1800">
-                <a:latin typeface="Lucida Sans"/>
-                <a:cs typeface="Lucida Sans"/>
-              </a:defRPr>
-            </a:lvl2pPr>
-            <a:lvl3pPr marL="1143000" indent="-228600">
-              <a:buClr>
-                <a:srgbClr val="FAA500"/>
-              </a:buClr>
-              <a:buSzPct val="80000"/>
-              <a:buFont typeface="Lucida Grande"/>
-              <a:buChar char="▶"/>
-              <a:defRPr sz="1800">
-                <a:latin typeface="Lucida Sans"/>
-                <a:cs typeface="Lucida Sans"/>
-              </a:defRPr>
-            </a:lvl3pPr>
-            <a:lvl4pPr marL="1600200" indent="-228600">
-              <a:buClr>
-                <a:srgbClr val="FAA500"/>
-              </a:buClr>
-              <a:buSzPct val="80000"/>
-              <a:buFont typeface="Lucida Grande"/>
-              <a:buChar char="▶"/>
-              <a:defRPr sz="1800">
-                <a:latin typeface="Lucida Sans"/>
-                <a:cs typeface="Lucida Sans"/>
-              </a:defRPr>
-            </a:lvl4pPr>
-            <a:lvl5pPr marL="2057400" indent="-228600">
-              <a:buClr>
-                <a:srgbClr val="FAA500"/>
-              </a:buClr>
-              <a:buSzPct val="80000"/>
-              <a:buFont typeface="Lucida Grande"/>
-              <a:buChar char="▶"/>
-              <a:defRPr sz="1800">
-                <a:latin typeface="Lucida Sans"/>
-                <a:cs typeface="Lucida Sans"/>
-              </a:defRPr>
-            </a:lvl5pPr>
-            <a:lvl6pPr>
-              <a:defRPr sz="1800"/>
-            </a:lvl6pPr>
-            <a:lvl7pPr>
-              <a:defRPr sz="1800"/>
-            </a:lvl7pPr>
-            <a:lvl8pPr>
-              <a:defRPr sz="1800"/>
-            </a:lvl8pPr>
-            <a:lvl9pPr>
-              <a:defRPr sz="1800"/>
-            </a:lvl9pPr>
-          </a:lstStyle>
-          <a:p>
-            <a:pPr lvl="0"/>
-            <a:r>
-              <a:rPr lang="de-DE" smtClean="0"/>
-              <a:t>Textmasterformat bearbeiten</a:t>
-            </a:r>
-          </a:p>
-          <a:p>
-            <a:pPr lvl="1"/>
-            <a:r>
-              <a:rPr lang="de-DE" smtClean="0"/>
-              <a:t>Zweite Ebene</a:t>
-            </a:r>
-          </a:p>
-          <a:p>
-            <a:pPr lvl="2"/>
-            <a:r>
-              <a:rPr lang="de-DE" smtClean="0"/>
-              <a:t>Dritte Ebene</a:t>
-            </a:r>
-          </a:p>
-          <a:p>
-            <a:pPr lvl="3"/>
-            <a:r>
-              <a:rPr lang="de-DE" smtClean="0"/>
-              <a:t>Vierte Ebene</a:t>
-            </a:r>
-          </a:p>
-          <a:p>
-            <a:pPr lvl="4"/>
-            <a:r>
-              <a:rPr lang="de-DE" smtClean="0"/>
-              <a:t>Fünfte Ebene</a:t>
-            </a:r>
-            <a:endParaRPr lang="de-DE" dirty="0"/>
-          </a:p>
-        </p:txBody>
-      </p:sp>
-      <p:sp>
-        <p:nvSpPr>
-          <p:cNvPr id="8" name="Titel 1"/>
-          <p:cNvSpPr>
-            <a:spLocks noGrp="1"/>
-          </p:cNvSpPr>
-          <p:nvPr>
-            <p:ph type="ctrTitle"/>
-          </p:nvPr>
-        </p:nvSpPr>
-        <p:spPr>
-          <a:xfrm>
-            <a:off x="468000" y="360000"/>
-            <a:ext cx="8100000" cy="540000"/>
-          </a:xfrm>
-          <a:prstGeom prst="rect">
-            <a:avLst/>
-          </a:prstGeom>
-        </p:spPr>
-        <p:txBody>
-          <a:bodyPr lIns="0" rIns="0"/>
-          <a:lstStyle>
-            <a:lvl1pPr algn="l">
-              <a:defRPr sz="2600" b="0" i="0">
-                <a:solidFill>
-                  <a:srgbClr val="697D91"/>
-                </a:solidFill>
-                <a:latin typeface="Lucida Sans"/>
-                <a:cs typeface="Lucida Sans"/>
-              </a:defRPr>
-            </a:lvl1pPr>
-          </a:lstStyle>
-          <a:p>
-            <a:r>
-              <a:rPr lang="de-DE" smtClean="0"/>
-              <a:t>Titelmasterformat durch Klicken bearbeiten</a:t>
-            </a:r>
-            <a:endParaRPr lang="de-DE" dirty="0"/>
-          </a:p>
-        </p:txBody>
-      </p:sp>
-    </p:spTree>
-    <p:extLst>
-      <p:ext uri="{BB962C8B-B14F-4D97-AF65-F5344CB8AC3E}">
-        <p14:creationId xmlns:p14="http://schemas.microsoft.com/office/powerpoint/2010/main" val="3631600827"/>
-      </p:ext>
-    </p:extLst>
-  </p:cSld>
-  <p:clrMapOvr>
-    <a:masterClrMapping/>
-  </p:clrMapOvr>
-  <p:timing>
-    <p:tnLst>
-      <p:par>
-        <p:cTn xmlns:p14="http://schemas.microsoft.com/office/powerpoint/2010/main" id="1" dur="indefinite" restart="never" nodeType="tmRoot"/>
-      </p:par>
-    </p:tnLst>
-  </p:timing>
-</p:sldLayout>
-</file>
-
-<file path=ppt/slideLayouts/slideLayout13.xml><?xml version="1.0" encoding="utf-8"?>
-<p:sldLayout xmlns:a="http://schemas.openxmlformats.org/drawingml/2006/main" xmlns:r="http://schemas.openxmlformats.org/officeDocument/2006/relationships" xmlns:p="http://schemas.openxmlformats.org/presentationml/2006/main" userDrawn="1">
   <p:cSld name="Text/Bild Medinf">
     <p:spTree>
       <p:nvGrpSpPr>
@@ -3331,13 +2485,6 @@
   <p:clrMapOvr>
     <a:masterClrMapping/>
   </p:clrMapOvr>
-  <p:timing>
-    <p:tnLst>
-      <p:par>
-        <p:cTn xmlns:p14="http://schemas.microsoft.com/office/powerpoint/2010/main" id="1" dur="indefinite" restart="never" nodeType="tmRoot"/>
-      </p:par>
-    </p:tnLst>
-  </p:timing>
 </p:sldLayout>
 </file>
 
@@ -3628,14 +2775,14 @@
           </a:ln>
           <a:extLst>
             <a:ext uri="{909E8E84-426E-40dd-AFC4-6F175D3DCCD1}">
-              <a14:hiddenFill xmlns:a14="http://schemas.microsoft.com/office/drawing/2010/main">
+              <a14:hiddenFill xmlns:a14="http://schemas.microsoft.com/office/drawing/2010/main" xmlns="">
                 <a:solidFill>
                   <a:srgbClr val="FFFFFF"/>
                 </a:solidFill>
               </a14:hiddenFill>
             </a:ext>
             <a:ext uri="{91240B29-F687-4f45-9708-019B960494DF}">
-              <a14:hiddenLine xmlns:a14="http://schemas.microsoft.com/office/drawing/2010/main" w="9525">
+              <a14:hiddenLine xmlns:a14="http://schemas.microsoft.com/office/drawing/2010/main" xmlns="" w="9525">
                 <a:solidFill>
                   <a:srgbClr val="000000"/>
                 </a:solidFill>
@@ -7109,14 +6256,14 @@
           </a:ln>
           <a:extLst>
             <a:ext uri="{909E8E84-426E-40dd-AFC4-6F175D3DCCD1}">
-              <a14:hiddenFill xmlns:a14="http://schemas.microsoft.com/office/drawing/2010/main">
+              <a14:hiddenFill xmlns:a14="http://schemas.microsoft.com/office/drawing/2010/main" xmlns="">
                 <a:solidFill>
                   <a:srgbClr val="FFFFFF"/>
                 </a:solidFill>
               </a14:hiddenFill>
             </a:ext>
             <a:ext uri="{91240B29-F687-4f45-9708-019B960494DF}">
-              <a14:hiddenLine xmlns:a14="http://schemas.microsoft.com/office/drawing/2010/main" w="9525">
+              <a14:hiddenLine xmlns:a14="http://schemas.microsoft.com/office/drawing/2010/main" xmlns="" w="9525">
                 <a:solidFill>
                   <a:srgbClr val="000000"/>
                 </a:solidFill>
@@ -7450,16 +6597,8 @@
     <p:sldLayoutId id="2147483788" r:id="rId9"/>
     <p:sldLayoutId id="2147483789" r:id="rId10"/>
     <p:sldLayoutId id="2147483790" r:id="rId11"/>
-    <p:sldLayoutId id="2147483795" r:id="rId12"/>
-    <p:sldLayoutId id="2147483796" r:id="rId13"/>
+    <p:sldLayoutId id="2147483796" r:id="rId12"/>
   </p:sldLayoutIdLst>
-  <p:timing>
-    <p:tnLst>
-      <p:par>
-        <p:cTn xmlns:p14="http://schemas.microsoft.com/office/powerpoint/2010/main" id="1" dur="indefinite" restart="never" nodeType="tmRoot"/>
-      </p:par>
-    </p:tnLst>
-  </p:timing>
   <p:hf sldNum="0" hdr="0" ftr="0" dt="0"/>
   <p:txStyles>
     <p:titleStyle>
@@ -7892,8 +7031,8 @@
           <a:lstStyle/>
           <a:p>
             <a:r>
-              <a:rPr lang="de-DE" dirty="0"/>
-              <a:t>Titel der Veranstaltung</a:t>
+              <a:rPr lang="de-DE" dirty="0" smtClean="0"/>
+              <a:t>Task 14</a:t>
             </a:r>
             <a:endParaRPr lang="de-CH" dirty="0"/>
           </a:p>
@@ -7915,8 +7054,8 @@
           <a:lstStyle/>
           <a:p>
             <a:r>
-              <a:rPr lang="de-CH" b="1" dirty="0"/>
-              <a:t>Datum, Referent</a:t>
+              <a:rPr lang="de-CH" b="1" dirty="0" smtClean="0"/>
+              <a:t>21.01.2016, Team rot</a:t>
             </a:r>
             <a:endParaRPr lang="de-DE" b="1" dirty="0"/>
           </a:p>
@@ -7940,10 +7079,38 @@
           <a:bodyPr/>
           <a:lstStyle/>
           <a:p>
+            <a:r>
+              <a:rPr lang="de-CH" dirty="0" smtClean="0"/>
+              <a:t>BFH Medizininformatik</a:t>
+            </a:r>
             <a:endParaRPr lang="de-CH" dirty="0"/>
           </a:p>
         </p:txBody>
       </p:sp>
+      <p:pic>
+        <p:nvPicPr>
+          <p:cNvPr id="5" name="Grafik 4"/>
+          <p:cNvPicPr>
+            <a:picLocks noChangeAspect="1"/>
+          </p:cNvPicPr>
+          <p:nvPr/>
+        </p:nvPicPr>
+        <p:blipFill>
+          <a:blip r:embed="rId2"/>
+          <a:stretch>
+            <a:fillRect/>
+          </a:stretch>
+        </p:blipFill>
+        <p:spPr>
+          <a:xfrm>
+            <a:off x="4876800" y="1839808"/>
+            <a:ext cx="2105084" cy="2338982"/>
+          </a:xfrm>
+          <a:prstGeom prst="rect">
+            <a:avLst/>
+          </a:prstGeom>
+        </p:spPr>
+      </p:pic>
     </p:spTree>
     <p:extLst>
       <p:ext uri="{BB962C8B-B14F-4D97-AF65-F5344CB8AC3E}">
@@ -7954,13 +7121,6 @@
   <p:clrMapOvr>
     <a:masterClrMapping/>
   </p:clrMapOvr>
-  <p:timing>
-    <p:tnLst>
-      <p:par>
-        <p:cTn xmlns:p14="http://schemas.microsoft.com/office/powerpoint/2010/main" id="1" dur="indefinite" restart="never" nodeType="tmRoot"/>
-      </p:par>
-    </p:tnLst>
-  </p:timing>
 </p:sld>
 </file>
 
@@ -7983,111 +7143,40 @@
       </p:grpSpPr>
       <p:sp>
         <p:nvSpPr>
-          <p:cNvPr id="2" name="Inhaltsplatzhalter 1"/>
-          <p:cNvSpPr>
-            <a:spLocks noGrp="1"/>
-          </p:cNvSpPr>
-          <p:nvPr>
-            <p:ph sz="half" idx="1"/>
-          </p:nvPr>
-        </p:nvSpPr>
-        <p:spPr/>
+          <p:cNvPr id="5" name="Textplatzhalter 4"/>
+          <p:cNvSpPr>
+            <a:spLocks noGrp="1"/>
+          </p:cNvSpPr>
+          <p:nvPr>
+            <p:ph type="body" idx="1"/>
+          </p:nvPr>
+        </p:nvSpPr>
+        <p:spPr>
+          <a:xfrm>
+            <a:off x="468000" y="990000"/>
+            <a:ext cx="8100000" cy="540000"/>
+          </a:xfrm>
+        </p:spPr>
         <p:txBody>
           <a:bodyPr/>
           <a:lstStyle/>
           <a:p>
-            <a:pPr marL="0" indent="0">
-              <a:buNone/>
-            </a:pPr>
-            <a:r>
-              <a:rPr lang="de-DE" b="1" dirty="0"/>
-              <a:t>Bachelorstudiengänge</a:t>
-            </a:r>
-          </a:p>
-          <a:p>
-            <a:r>
-              <a:rPr lang="de-CH" dirty="0"/>
-              <a:t>Architektur</a:t>
-            </a:r>
-          </a:p>
-          <a:p>
-            <a:r>
-              <a:rPr lang="de-CH" dirty="0"/>
-              <a:t>Holztechnik</a:t>
-            </a:r>
-          </a:p>
-          <a:p>
-            <a:r>
-              <a:rPr lang="de-CH" dirty="0"/>
-              <a:t>Bauingenieurwesen</a:t>
-            </a:r>
-          </a:p>
-          <a:p>
+            <a:r>
+              <a:rPr lang="de-CH" dirty="0" smtClean="0"/>
+              <a:t>Kaspar</a:t>
+            </a:r>
             <a:endParaRPr lang="de-CH" dirty="0"/>
           </a:p>
-          <a:p>
-            <a:pPr marL="0" indent="0">
-              <a:buNone/>
-            </a:pPr>
-            <a:r>
-              <a:rPr lang="de-CH" b="1" dirty="0"/>
-              <a:t>Masterstudiengänge</a:t>
-            </a:r>
-          </a:p>
-          <a:p>
-            <a:r>
-              <a:rPr lang="de-CH" dirty="0"/>
-              <a:t>Engineering</a:t>
-            </a:r>
-          </a:p>
-          <a:p>
-            <a:r>
-              <a:rPr lang="de-CH" dirty="0" err="1"/>
-              <a:t>Architecture</a:t>
-            </a:r>
-            <a:endParaRPr lang="de-CH" dirty="0"/>
-          </a:p>
-          <a:p>
-            <a:r>
-              <a:rPr lang="de-CH" dirty="0"/>
-              <a:t>Wood Technology</a:t>
-            </a:r>
-          </a:p>
-          <a:p>
-            <a:endParaRPr lang="de-CH" dirty="0"/>
-          </a:p>
-          <a:p>
-            <a:pPr marL="0" indent="0">
-              <a:buNone/>
-            </a:pPr>
-            <a:r>
-              <a:rPr lang="de-CH" b="1" dirty="0"/>
-              <a:t>Anzahl Studierende</a:t>
-            </a:r>
-          </a:p>
-          <a:p>
-            <a:r>
-              <a:rPr lang="de-CH" dirty="0" smtClean="0"/>
-              <a:t>668 </a:t>
-            </a:r>
-            <a:r>
-              <a:rPr lang="de-CH" dirty="0"/>
-              <a:t>Studierende (Frauenanteil: 22 Prozent)</a:t>
-            </a:r>
-          </a:p>
-          <a:p>
-            <a:endParaRPr lang="de-CH" dirty="0"/>
-          </a:p>
-        </p:txBody>
-      </p:sp>
-      <p:sp>
-        <p:nvSpPr>
-          <p:cNvPr id="3" name="Titel 2"/>
-          <p:cNvSpPr>
-            <a:spLocks noGrp="1"/>
-          </p:cNvSpPr>
-          <p:nvPr>
-            <p:ph type="ctrTitle"/>
+        </p:txBody>
+      </p:sp>
+      <p:sp>
+        <p:nvSpPr>
+          <p:cNvPr id="6" name="Inhaltsplatzhalter 5"/>
+          <p:cNvSpPr>
+            <a:spLocks noGrp="1"/>
+          </p:cNvSpPr>
+          <p:nvPr>
+            <p:ph sz="half" idx="13"/>
           </p:nvPr>
         </p:nvSpPr>
         <p:spPr/>
@@ -8095,9 +7184,33 @@
           <a:bodyPr/>
           <a:lstStyle/>
           <a:p>
-            <a:r>
-              <a:rPr lang="de-DE" b="1" dirty="0"/>
-              <a:t>Architektur, Holz und Bau</a:t>
+            <a:endParaRPr lang="de-CH"/>
+          </a:p>
+        </p:txBody>
+      </p:sp>
+      <p:sp>
+        <p:nvSpPr>
+          <p:cNvPr id="10" name="Titel 2"/>
+          <p:cNvSpPr>
+            <a:spLocks noGrp="1"/>
+          </p:cNvSpPr>
+          <p:nvPr>
+            <p:ph type="ctrTitle"/>
+          </p:nvPr>
+        </p:nvSpPr>
+        <p:spPr>
+          <a:xfrm>
+            <a:off x="468000" y="360000"/>
+            <a:ext cx="8100000" cy="540000"/>
+          </a:xfrm>
+        </p:spPr>
+        <p:txBody>
+          <a:bodyPr/>
+          <a:lstStyle/>
+          <a:p>
+            <a:r>
+              <a:rPr lang="de-DE" b="1" dirty="0" smtClean="0"/>
+              <a:t>Gewonnene Erkenntnisse</a:t>
             </a:r>
             <a:endParaRPr lang="de-CH" dirty="0"/>
           </a:p>
@@ -8106,7 +7219,7 @@
     </p:spTree>
     <p:extLst>
       <p:ext uri="{BB962C8B-B14F-4D97-AF65-F5344CB8AC3E}">
-        <p14:creationId xmlns:p14="http://schemas.microsoft.com/office/powerpoint/2010/main" val="3709291995"/>
+        <p14:creationId xmlns:p14="http://schemas.microsoft.com/office/powerpoint/2010/main" val="3816382525"/>
       </p:ext>
     </p:extLst>
   </p:cSld>
@@ -8135,12 +7248,12 @@
       </p:grpSpPr>
       <p:sp>
         <p:nvSpPr>
-          <p:cNvPr id="2" name="Inhaltsplatzhalter 1"/>
-          <p:cNvSpPr>
-            <a:spLocks noGrp="1"/>
-          </p:cNvSpPr>
-          <p:nvPr>
-            <p:ph sz="half" idx="1"/>
+          <p:cNvPr id="3" name="Titel 2"/>
+          <p:cNvSpPr>
+            <a:spLocks noGrp="1"/>
+          </p:cNvSpPr>
+          <p:nvPr>
+            <p:ph type="ctrTitle"/>
           </p:nvPr>
         </p:nvSpPr>
         <p:spPr/>
@@ -8148,24 +7261,28 @@
           <a:bodyPr/>
           <a:lstStyle/>
           <a:p>
+            <a:r>
+              <a:rPr lang="de-DE" b="1" dirty="0"/>
+              <a:t>Gewonnene Erkenntnisse</a:t>
+            </a:r>
             <a:endParaRPr lang="de-CH" dirty="0"/>
           </a:p>
         </p:txBody>
       </p:sp>
       <p:sp>
         <p:nvSpPr>
-          <p:cNvPr id="3" name="Titel 2"/>
-          <p:cNvSpPr>
-            <a:spLocks noGrp="1"/>
-          </p:cNvSpPr>
-          <p:nvPr>
-            <p:ph type="ctrTitle"/>
+          <p:cNvPr id="5" name="Textplatzhalter 4"/>
+          <p:cNvSpPr>
+            <a:spLocks noGrp="1"/>
+          </p:cNvSpPr>
+          <p:nvPr>
+            <p:ph type="body" idx="1"/>
           </p:nvPr>
         </p:nvSpPr>
         <p:spPr>
           <a:xfrm>
-            <a:off x="468000" y="359999"/>
-            <a:ext cx="8100000" cy="906825"/>
+            <a:off x="468000" y="990000"/>
+            <a:ext cx="8100000" cy="540000"/>
           </a:xfrm>
         </p:spPr>
         <p:txBody>
@@ -8173,74 +7290,36 @@
           <a:lstStyle/>
           <a:p>
             <a:r>
-              <a:rPr lang="de-CH" b="1" dirty="0"/>
-              <a:t>Hochschule für Agrar-, Forst- und Lebensmittelwissenschaften </a:t>
-            </a:r>
-            <a:r>
-              <a:rPr lang="de-CH" dirty="0"/>
-              <a:t>(Zollikofen)</a:t>
-            </a:r>
-          </a:p>
-        </p:txBody>
-      </p:sp>
-      <p:pic>
-        <p:nvPicPr>
-          <p:cNvPr id="6146" name="Picture 2"/>
-          <p:cNvPicPr>
-            <a:picLocks noChangeAspect="1" noChangeArrowheads="1"/>
-          </p:cNvPicPr>
-          <p:nvPr/>
-        </p:nvPicPr>
-        <p:blipFill>
-          <a:blip r:embed="rId2">
-            <a:extLst>
-              <a:ext uri="{28A0092B-C50C-407E-A947-70E740481C1C}">
-                <a14:useLocalDpi xmlns:a14="http://schemas.microsoft.com/office/drawing/2010/main" val="0"/>
-              </a:ext>
-            </a:extLst>
-          </a:blip>
-          <a:srcRect/>
-          <a:stretch>
-            <a:fillRect/>
-          </a:stretch>
-        </p:blipFill>
-        <p:spPr bwMode="auto">
-          <a:xfrm>
-            <a:off x="468000" y="1439999"/>
-            <a:ext cx="7036212" cy="4680000"/>
-          </a:xfrm>
-          <a:prstGeom prst="rect">
-            <a:avLst/>
-          </a:prstGeom>
-          <a:noFill/>
-          <a:ln>
-            <a:noFill/>
-          </a:ln>
-          <a:extLst>
-            <a:ext uri="{909E8E84-426E-40dd-AFC4-6F175D3DCCD1}">
-              <a14:hiddenFill xmlns:a14="http://schemas.microsoft.com/office/drawing/2010/main">
-                <a:solidFill>
-                  <a:schemeClr val="accent1"/>
-                </a:solidFill>
-              </a14:hiddenFill>
-            </a:ext>
-            <a:ext uri="{91240B29-F687-4f45-9708-019B960494DF}">
-              <a14:hiddenLine xmlns:a14="http://schemas.microsoft.com/office/drawing/2010/main" w="9525">
-                <a:solidFill>
-                  <a:schemeClr val="tx1"/>
-                </a:solidFill>
-                <a:miter lim="800000"/>
-                <a:headEnd/>
-                <a:tailEnd/>
-              </a14:hiddenLine>
-            </a:ext>
-          </a:extLst>
-        </p:spPr>
-      </p:pic>
+              <a:rPr lang="de-CH" dirty="0" smtClean="0"/>
+              <a:t>Maurice</a:t>
+            </a:r>
+            <a:endParaRPr lang="de-CH" dirty="0"/>
+          </a:p>
+        </p:txBody>
+      </p:sp>
+      <p:sp>
+        <p:nvSpPr>
+          <p:cNvPr id="6" name="Inhaltsplatzhalter 5"/>
+          <p:cNvSpPr>
+            <a:spLocks noGrp="1"/>
+          </p:cNvSpPr>
+          <p:nvPr>
+            <p:ph sz="half" idx="13"/>
+          </p:nvPr>
+        </p:nvSpPr>
+        <p:spPr/>
+        <p:txBody>
+          <a:bodyPr/>
+          <a:lstStyle/>
+          <a:p>
+            <a:endParaRPr lang="de-CH"/>
+          </a:p>
+        </p:txBody>
+      </p:sp>
     </p:spTree>
     <p:extLst>
       <p:ext uri="{BB962C8B-B14F-4D97-AF65-F5344CB8AC3E}">
-        <p14:creationId xmlns:p14="http://schemas.microsoft.com/office/powerpoint/2010/main" val="4124948362"/>
+        <p14:creationId xmlns:p14="http://schemas.microsoft.com/office/powerpoint/2010/main" val="2182772094"/>
       </p:ext>
     </p:extLst>
   </p:cSld>
@@ -8269,12 +7348,12 @@
       </p:grpSpPr>
       <p:sp>
         <p:nvSpPr>
-          <p:cNvPr id="2" name="Inhaltsplatzhalter 1"/>
-          <p:cNvSpPr>
-            <a:spLocks noGrp="1"/>
-          </p:cNvSpPr>
-          <p:nvPr>
-            <p:ph sz="half" idx="1"/>
+          <p:cNvPr id="3" name="Titel 2"/>
+          <p:cNvSpPr>
+            <a:spLocks noGrp="1"/>
+          </p:cNvSpPr>
+          <p:nvPr>
+            <p:ph type="ctrTitle"/>
           </p:nvPr>
         </p:nvSpPr>
         <p:spPr/>
@@ -8282,107 +7361,28 @@
           <a:bodyPr/>
           <a:lstStyle/>
           <a:p>
-            <a:pPr marL="0" indent="0">
-              <a:buNone/>
-            </a:pPr>
             <a:r>
               <a:rPr lang="de-DE" b="1" dirty="0"/>
-              <a:t>Bachelorstudiengänge</a:t>
-            </a:r>
-          </a:p>
-          <a:p>
-            <a:r>
-              <a:rPr lang="de-CH" dirty="0"/>
-              <a:t>Agronomie</a:t>
-            </a:r>
-          </a:p>
-          <a:p>
-            <a:r>
-              <a:rPr lang="de-CH" dirty="0"/>
-              <a:t>Forstwirtschaft</a:t>
-            </a:r>
-          </a:p>
-          <a:p>
-            <a:r>
-              <a:rPr lang="de-CH" dirty="0"/>
-              <a:t>Food Science &amp; Management (Lebensmitteltechnologie)</a:t>
-            </a:r>
-          </a:p>
-          <a:p>
+              <a:t>Gewonnene Erkenntnisse</a:t>
+            </a:r>
             <a:endParaRPr lang="de-CH" dirty="0"/>
           </a:p>
-          <a:p>
-            <a:pPr marL="0" indent="0">
-              <a:buNone/>
-            </a:pPr>
-            <a:r>
-              <a:rPr lang="de-CH" b="1" dirty="0"/>
-              <a:t>Masterstudiengang</a:t>
-            </a:r>
-          </a:p>
-          <a:p>
-            <a:r>
-              <a:rPr lang="de-CH" dirty="0"/>
-              <a:t>Life </a:t>
-            </a:r>
-            <a:r>
-              <a:rPr lang="de-CH" dirty="0" err="1"/>
-              <a:t>Sciences</a:t>
-            </a:r>
-            <a:endParaRPr lang="de-CH" dirty="0"/>
-          </a:p>
-          <a:p>
-            <a:endParaRPr lang="de-CH" dirty="0"/>
-          </a:p>
-          <a:p>
-            <a:pPr marL="0" indent="0">
-              <a:buNone/>
-            </a:pPr>
-            <a:r>
-              <a:rPr lang="de-CH" b="1" dirty="0"/>
-              <a:t>Anzahl Studierende</a:t>
-            </a:r>
-          </a:p>
-          <a:p>
-            <a:r>
-              <a:rPr lang="de-CH" dirty="0" smtClean="0"/>
-              <a:t>543 </a:t>
-            </a:r>
-            <a:r>
-              <a:rPr lang="de-CH" dirty="0"/>
-              <a:t>Studierende (Frauenanteil: </a:t>
-            </a:r>
-            <a:r>
-              <a:rPr lang="de-CH" dirty="0" smtClean="0"/>
-              <a:t>44 </a:t>
-            </a:r>
-            <a:r>
-              <a:rPr lang="de-CH" dirty="0"/>
-              <a:t>Prozent)</a:t>
-            </a:r>
-          </a:p>
-          <a:p>
-            <a:endParaRPr lang="de-CH" dirty="0"/>
-          </a:p>
-          <a:p>
-            <a:endParaRPr lang="de-CH" dirty="0"/>
-          </a:p>
-        </p:txBody>
-      </p:sp>
-      <p:sp>
-        <p:nvSpPr>
-          <p:cNvPr id="3" name="Titel 2"/>
-          <p:cNvSpPr>
-            <a:spLocks noGrp="1"/>
-          </p:cNvSpPr>
-          <p:nvPr>
-            <p:ph type="ctrTitle"/>
+        </p:txBody>
+      </p:sp>
+      <p:sp>
+        <p:nvSpPr>
+          <p:cNvPr id="5" name="Textplatzhalter 4"/>
+          <p:cNvSpPr>
+            <a:spLocks noGrp="1"/>
+          </p:cNvSpPr>
+          <p:nvPr>
+            <p:ph type="body" idx="1"/>
           </p:nvPr>
         </p:nvSpPr>
         <p:spPr>
           <a:xfrm>
-            <a:off x="468000" y="359999"/>
-            <a:ext cx="8100000" cy="1002075"/>
+            <a:off x="468000" y="990000"/>
+            <a:ext cx="8100000" cy="540000"/>
           </a:xfrm>
         </p:spPr>
         <p:txBody>
@@ -8390,17 +7390,36 @@
           <a:lstStyle/>
           <a:p>
             <a:r>
-              <a:rPr lang="de-CH" b="1" dirty="0"/>
-              <a:t>Hochschule für Agrar-, Forst- und Lebensmittelwissenschaften</a:t>
+              <a:rPr lang="de-CH" dirty="0" smtClean="0"/>
+              <a:t>Mauro</a:t>
             </a:r>
             <a:endParaRPr lang="de-CH" dirty="0"/>
+          </a:p>
+        </p:txBody>
+      </p:sp>
+      <p:sp>
+        <p:nvSpPr>
+          <p:cNvPr id="6" name="Inhaltsplatzhalter 5"/>
+          <p:cNvSpPr>
+            <a:spLocks noGrp="1"/>
+          </p:cNvSpPr>
+          <p:nvPr>
+            <p:ph sz="half" idx="13"/>
+          </p:nvPr>
+        </p:nvSpPr>
+        <p:spPr/>
+        <p:txBody>
+          <a:bodyPr/>
+          <a:lstStyle/>
+          <a:p>
+            <a:endParaRPr lang="de-CH"/>
           </a:p>
         </p:txBody>
       </p:sp>
     </p:spTree>
     <p:extLst>
       <p:ext uri="{BB962C8B-B14F-4D97-AF65-F5344CB8AC3E}">
-        <p14:creationId xmlns:p14="http://schemas.microsoft.com/office/powerpoint/2010/main" val="3187175710"/>
+        <p14:creationId xmlns:p14="http://schemas.microsoft.com/office/powerpoint/2010/main" val="2314728269"/>
       </p:ext>
     </p:extLst>
   </p:cSld>
@@ -8429,12 +7448,12 @@
       </p:grpSpPr>
       <p:sp>
         <p:nvSpPr>
-          <p:cNvPr id="2" name="Inhaltsplatzhalter 1"/>
-          <p:cNvSpPr>
-            <a:spLocks noGrp="1"/>
-          </p:cNvSpPr>
-          <p:nvPr>
-            <p:ph sz="half" idx="1"/>
+          <p:cNvPr id="3" name="Titel 2"/>
+          <p:cNvSpPr>
+            <a:spLocks noGrp="1"/>
+          </p:cNvSpPr>
+          <p:nvPr>
+            <p:ph type="ctrTitle"/>
           </p:nvPr>
         </p:nvSpPr>
         <p:spPr/>
@@ -8442,105 +7461,65 @@
           <a:bodyPr/>
           <a:lstStyle/>
           <a:p>
+            <a:r>
+              <a:rPr lang="de-DE" b="1" dirty="0"/>
+              <a:t>Gewonnene Erkenntnisse</a:t>
+            </a:r>
             <a:endParaRPr lang="de-CH" dirty="0"/>
           </a:p>
         </p:txBody>
       </p:sp>
       <p:sp>
         <p:nvSpPr>
-          <p:cNvPr id="3" name="Titel 2"/>
-          <p:cNvSpPr>
-            <a:spLocks noGrp="1"/>
-          </p:cNvSpPr>
-          <p:nvPr>
-            <p:ph type="ctrTitle"/>
-          </p:nvPr>
-        </p:nvSpPr>
-        <p:spPr/>
+          <p:cNvPr id="5" name="Textplatzhalter 4"/>
+          <p:cNvSpPr>
+            <a:spLocks noGrp="1"/>
+          </p:cNvSpPr>
+          <p:nvPr>
+            <p:ph type="body" idx="1"/>
+          </p:nvPr>
+        </p:nvSpPr>
+        <p:spPr>
+          <a:xfrm>
+            <a:off x="468000" y="990000"/>
+            <a:ext cx="8100000" cy="540000"/>
+          </a:xfrm>
+        </p:spPr>
         <p:txBody>
           <a:bodyPr/>
           <a:lstStyle/>
           <a:p>
             <a:r>
-              <a:rPr lang="de-CH" b="1" dirty="0"/>
-              <a:t>Hochschule der Künste </a:t>
-            </a:r>
-            <a:r>
-              <a:rPr lang="de-CH" b="1" dirty="0" smtClean="0"/>
-              <a:t>Bern</a:t>
-            </a:r>
-            <a:br>
-              <a:rPr lang="de-CH" b="1" dirty="0" smtClean="0"/>
-            </a:br>
-            <a:r>
               <a:rPr lang="de-CH" dirty="0" smtClean="0"/>
-              <a:t>(Bern/Biel</a:t>
-            </a:r>
-            <a:r>
-              <a:rPr lang="de-CH" dirty="0"/>
-              <a:t>)</a:t>
-            </a:r>
-          </a:p>
-        </p:txBody>
-      </p:sp>
-      <p:pic>
-        <p:nvPicPr>
-          <p:cNvPr id="5122" name="Picture 2"/>
-          <p:cNvPicPr>
-            <a:picLocks noChangeAspect="1" noChangeArrowheads="1"/>
-          </p:cNvPicPr>
-          <p:nvPr/>
-        </p:nvPicPr>
-        <p:blipFill>
-          <a:blip r:embed="rId2">
-            <a:extLst>
-              <a:ext uri="{28A0092B-C50C-407E-A947-70E740481C1C}">
-                <a14:useLocalDpi xmlns:a14="http://schemas.microsoft.com/office/drawing/2010/main" val="0"/>
-              </a:ext>
-            </a:extLst>
-          </a:blip>
-          <a:srcRect/>
-          <a:stretch>
-            <a:fillRect/>
-          </a:stretch>
-        </p:blipFill>
-        <p:spPr bwMode="auto">
-          <a:xfrm>
-            <a:off x="467999" y="1439999"/>
-            <a:ext cx="7358897" cy="4680000"/>
-          </a:xfrm>
-          <a:prstGeom prst="rect">
-            <a:avLst/>
-          </a:prstGeom>
-          <a:noFill/>
-          <a:ln>
-            <a:noFill/>
-          </a:ln>
-          <a:extLst>
-            <a:ext uri="{909E8E84-426E-40dd-AFC4-6F175D3DCCD1}">
-              <a14:hiddenFill xmlns:a14="http://schemas.microsoft.com/office/drawing/2010/main">
-                <a:solidFill>
-                  <a:schemeClr val="accent1"/>
-                </a:solidFill>
-              </a14:hiddenFill>
-            </a:ext>
-            <a:ext uri="{91240B29-F687-4f45-9708-019B960494DF}">
-              <a14:hiddenLine xmlns:a14="http://schemas.microsoft.com/office/drawing/2010/main" w="9525">
-                <a:solidFill>
-                  <a:schemeClr val="tx1"/>
-                </a:solidFill>
-                <a:miter lim="800000"/>
-                <a:headEnd/>
-                <a:tailEnd/>
-              </a14:hiddenLine>
-            </a:ext>
-          </a:extLst>
-        </p:spPr>
-      </p:pic>
+              <a:t>Philipp</a:t>
+            </a:r>
+            <a:endParaRPr lang="de-CH" dirty="0"/>
+          </a:p>
+        </p:txBody>
+      </p:sp>
+      <p:sp>
+        <p:nvSpPr>
+          <p:cNvPr id="6" name="Inhaltsplatzhalter 5"/>
+          <p:cNvSpPr>
+            <a:spLocks noGrp="1"/>
+          </p:cNvSpPr>
+          <p:nvPr>
+            <p:ph sz="half" idx="13"/>
+          </p:nvPr>
+        </p:nvSpPr>
+        <p:spPr/>
+        <p:txBody>
+          <a:bodyPr/>
+          <a:lstStyle/>
+          <a:p>
+            <a:endParaRPr lang="de-CH"/>
+          </a:p>
+        </p:txBody>
+      </p:sp>
     </p:spTree>
     <p:extLst>
       <p:ext uri="{BB962C8B-B14F-4D97-AF65-F5344CB8AC3E}">
-        <p14:creationId xmlns:p14="http://schemas.microsoft.com/office/powerpoint/2010/main" val="4239299926"/>
+        <p14:creationId xmlns:p14="http://schemas.microsoft.com/office/powerpoint/2010/main" val="2471604474"/>
       </p:ext>
     </p:extLst>
   </p:cSld>
@@ -8569,12 +7548,12 @@
       </p:grpSpPr>
       <p:sp>
         <p:nvSpPr>
-          <p:cNvPr id="2" name="Inhaltsplatzhalter 1"/>
-          <p:cNvSpPr>
-            <a:spLocks noGrp="1"/>
-          </p:cNvSpPr>
-          <p:nvPr>
-            <p:ph sz="half" idx="1"/>
+          <p:cNvPr id="2" name="Titel 1"/>
+          <p:cNvSpPr>
+            <a:spLocks noGrp="1"/>
+          </p:cNvSpPr>
+          <p:nvPr>
+            <p:ph type="ctrTitle"/>
           </p:nvPr>
         </p:nvSpPr>
         <p:spPr/>
@@ -8582,85 +7561,9 @@
           <a:bodyPr/>
           <a:lstStyle/>
           <a:p>
-            <a:pPr marL="0" indent="0">
-              <a:buNone/>
-            </a:pPr>
-            <a:r>
-              <a:rPr lang="de-DE" b="1" dirty="0"/>
-              <a:t>Bachelorstudiengänge</a:t>
-            </a:r>
-          </a:p>
-          <a:p>
-            <a:r>
-              <a:rPr lang="de-CH" dirty="0"/>
-              <a:t>Musik</a:t>
-            </a:r>
-          </a:p>
-          <a:p>
-            <a:r>
-              <a:rPr lang="de-CH" dirty="0"/>
-              <a:t>Musik und Bewegung/Rhythmik</a:t>
-            </a:r>
-          </a:p>
-          <a:p>
-            <a:r>
-              <a:rPr lang="de-CH" dirty="0"/>
-              <a:t>Kunst</a:t>
-            </a:r>
-          </a:p>
-          <a:p>
-            <a:r>
-              <a:rPr lang="de-CH" dirty="0"/>
-              <a:t>Vermittlung in Kunst und Design</a:t>
-            </a:r>
-          </a:p>
-          <a:p>
-            <a:r>
-              <a:rPr lang="de-CH" dirty="0"/>
-              <a:t>Theater</a:t>
-            </a:r>
-          </a:p>
-          <a:p>
-            <a:r>
-              <a:rPr lang="de-CH" dirty="0"/>
-              <a:t>Literarisches Schreiben</a:t>
-            </a:r>
-          </a:p>
-          <a:p>
-            <a:r>
-              <a:rPr lang="de-CH" dirty="0"/>
-              <a:t>Visuelle Kommunikation</a:t>
-            </a:r>
-          </a:p>
-          <a:p>
-            <a:r>
-              <a:rPr lang="de-CH" dirty="0"/>
-              <a:t>Konservierung</a:t>
-            </a:r>
-          </a:p>
-          <a:p>
-            <a:endParaRPr lang="de-CH" dirty="0"/>
-          </a:p>
-        </p:txBody>
-      </p:sp>
-      <p:sp>
-        <p:nvSpPr>
-          <p:cNvPr id="3" name="Titel 2"/>
-          <p:cNvSpPr>
-            <a:spLocks noGrp="1"/>
-          </p:cNvSpPr>
-          <p:nvPr>
-            <p:ph type="ctrTitle"/>
-          </p:nvPr>
-        </p:nvSpPr>
-        <p:spPr/>
-        <p:txBody>
-          <a:bodyPr/>
-          <a:lstStyle/>
-          <a:p>
-            <a:r>
-              <a:rPr lang="de-CH" b="1" dirty="0"/>
-              <a:t>Hochschule der Künste Bern I</a:t>
+            <a:r>
+              <a:rPr lang="de-DE" dirty="0"/>
+              <a:t>Herzlichen Dank!</a:t>
             </a:r>
             <a:endParaRPr lang="de-CH" dirty="0"/>
           </a:p>
@@ -8669,824 +7572,7 @@
     </p:spTree>
     <p:extLst>
       <p:ext uri="{BB962C8B-B14F-4D97-AF65-F5344CB8AC3E}">
-        <p14:creationId xmlns:p14="http://schemas.microsoft.com/office/powerpoint/2010/main" val="3215048139"/>
-      </p:ext>
-    </p:extLst>
-  </p:cSld>
-  <p:clrMapOvr>
-    <a:masterClrMapping/>
-  </p:clrMapOvr>
-</p:sld>
-</file>
-
-<file path=ppt/slides/slide15.xml><?xml version="1.0" encoding="utf-8"?>
-<p:sld xmlns:a="http://schemas.openxmlformats.org/drawingml/2006/main" xmlns:r="http://schemas.openxmlformats.org/officeDocument/2006/relationships" xmlns:p="http://schemas.openxmlformats.org/presentationml/2006/main">
-  <p:cSld>
-    <p:spTree>
-      <p:nvGrpSpPr>
-        <p:cNvPr id="1" name=""/>
-        <p:cNvGrpSpPr/>
-        <p:nvPr/>
-      </p:nvGrpSpPr>
-      <p:grpSpPr>
-        <a:xfrm>
-          <a:off x="0" y="0"/>
-          <a:ext cx="0" cy="0"/>
-          <a:chOff x="0" y="0"/>
-          <a:chExt cx="0" cy="0"/>
-        </a:xfrm>
-      </p:grpSpPr>
-      <p:sp>
-        <p:nvSpPr>
-          <p:cNvPr id="2" name="Inhaltsplatzhalter 1"/>
-          <p:cNvSpPr>
-            <a:spLocks noGrp="1"/>
-          </p:cNvSpPr>
-          <p:nvPr>
-            <p:ph sz="half" idx="1"/>
-          </p:nvPr>
-        </p:nvSpPr>
-        <p:spPr/>
-        <p:txBody>
-          <a:bodyPr/>
-          <a:lstStyle/>
-          <a:p>
-            <a:pPr marL="0" indent="0">
-              <a:buNone/>
-            </a:pPr>
-            <a:r>
-              <a:rPr lang="de-DE" sz="1600" b="1" dirty="0"/>
-              <a:t>Masterstudiengänge</a:t>
-            </a:r>
-          </a:p>
-          <a:p>
-            <a:r>
-              <a:rPr lang="de-CH" sz="1600" dirty="0"/>
-              <a:t>Music Performance</a:t>
-            </a:r>
-          </a:p>
-          <a:p>
-            <a:r>
-              <a:rPr lang="de-CH" sz="1600" dirty="0" err="1"/>
-              <a:t>Specialized</a:t>
-            </a:r>
-            <a:r>
-              <a:rPr lang="de-CH" sz="1600" dirty="0"/>
-              <a:t> Music Performance</a:t>
-            </a:r>
-          </a:p>
-          <a:p>
-            <a:r>
-              <a:rPr lang="de-CH" sz="1600" dirty="0"/>
-              <a:t>Music </a:t>
-            </a:r>
-            <a:r>
-              <a:rPr lang="de-CH" sz="1600" dirty="0" err="1"/>
-              <a:t>Pedagogy</a:t>
-            </a:r>
-            <a:endParaRPr lang="de-CH" sz="1600" dirty="0"/>
-          </a:p>
-          <a:p>
-            <a:r>
-              <a:rPr lang="de-CH" sz="1600" dirty="0" err="1"/>
-              <a:t>Composition</a:t>
-            </a:r>
-            <a:r>
-              <a:rPr lang="de-CH" sz="1600" dirty="0"/>
-              <a:t>/</a:t>
-            </a:r>
-            <a:r>
-              <a:rPr lang="de-CH" sz="1600" dirty="0" err="1"/>
-              <a:t>Theory</a:t>
-            </a:r>
-            <a:endParaRPr lang="de-CH" sz="1600" dirty="0"/>
-          </a:p>
-          <a:p>
-            <a:r>
-              <a:rPr lang="de-CH" sz="1600" dirty="0"/>
-              <a:t>Contemporary </a:t>
-            </a:r>
-            <a:r>
-              <a:rPr lang="de-CH" sz="1600" dirty="0" err="1"/>
-              <a:t>Arts</a:t>
-            </a:r>
-            <a:r>
-              <a:rPr lang="de-CH" sz="1600" dirty="0"/>
-              <a:t> Practice</a:t>
-            </a:r>
-          </a:p>
-          <a:p>
-            <a:r>
-              <a:rPr lang="de-CH" sz="1600" dirty="0" err="1"/>
-              <a:t>Conservation</a:t>
-            </a:r>
-            <a:r>
-              <a:rPr lang="de-CH" sz="1600" dirty="0"/>
-              <a:t>-Restoration</a:t>
-            </a:r>
-          </a:p>
-          <a:p>
-            <a:r>
-              <a:rPr lang="de-CH" sz="1600" dirty="0"/>
-              <a:t>Communication Design</a:t>
-            </a:r>
-          </a:p>
-          <a:p>
-            <a:r>
-              <a:rPr lang="de-CH" sz="1600" dirty="0"/>
-              <a:t>Theater</a:t>
-            </a:r>
-          </a:p>
-          <a:p>
-            <a:r>
-              <a:rPr lang="de-CH" sz="1600" dirty="0"/>
-              <a:t>Art Education</a:t>
-            </a:r>
-          </a:p>
-          <a:p>
-            <a:endParaRPr lang="de-CH" sz="1600" dirty="0"/>
-          </a:p>
-          <a:p>
-            <a:pPr marL="0" indent="0">
-              <a:buNone/>
-            </a:pPr>
-            <a:r>
-              <a:rPr lang="de-CH" sz="1600" b="1" dirty="0"/>
-              <a:t>Anzahl Studierende</a:t>
-            </a:r>
-          </a:p>
-          <a:p>
-            <a:r>
-              <a:rPr lang="de-CH" sz="1600" dirty="0" smtClean="0"/>
-              <a:t>1036 </a:t>
-            </a:r>
-            <a:r>
-              <a:rPr lang="de-CH" sz="1600" dirty="0"/>
-              <a:t>Studierende (Frauenanteil: 60 Prozent)</a:t>
-            </a:r>
-          </a:p>
-          <a:p>
-            <a:endParaRPr lang="de-CH" sz="1600" dirty="0"/>
-          </a:p>
-          <a:p>
-            <a:pPr marL="0" indent="0">
-              <a:buNone/>
-            </a:pPr>
-            <a:r>
-              <a:rPr lang="de-CH" sz="1600" b="1" dirty="0"/>
-              <a:t>Aufnahme</a:t>
-            </a:r>
-          </a:p>
-          <a:p>
-            <a:r>
-              <a:rPr lang="de-CH" sz="1600" dirty="0"/>
-              <a:t>Numerus Clausus mit Fokus auf künstlerischem Talent</a:t>
-            </a:r>
-          </a:p>
-          <a:p>
-            <a:endParaRPr lang="de-CH" sz="1600" dirty="0"/>
-          </a:p>
-        </p:txBody>
-      </p:sp>
-      <p:sp>
-        <p:nvSpPr>
-          <p:cNvPr id="3" name="Titel 2"/>
-          <p:cNvSpPr>
-            <a:spLocks noGrp="1"/>
-          </p:cNvSpPr>
-          <p:nvPr>
-            <p:ph type="ctrTitle"/>
-          </p:nvPr>
-        </p:nvSpPr>
-        <p:spPr/>
-        <p:txBody>
-          <a:bodyPr/>
-          <a:lstStyle/>
-          <a:p>
-            <a:r>
-              <a:rPr lang="de-CH" b="1" dirty="0"/>
-              <a:t>Hochschule der Künste Bern II</a:t>
-            </a:r>
-            <a:endParaRPr lang="de-CH" dirty="0"/>
-          </a:p>
-        </p:txBody>
-      </p:sp>
-    </p:spTree>
-    <p:extLst>
-      <p:ext uri="{BB962C8B-B14F-4D97-AF65-F5344CB8AC3E}">
-        <p14:creationId xmlns:p14="http://schemas.microsoft.com/office/powerpoint/2010/main" val="781514821"/>
-      </p:ext>
-    </p:extLst>
-  </p:cSld>
-  <p:clrMapOvr>
-    <a:masterClrMapping/>
-  </p:clrMapOvr>
-</p:sld>
-</file>
-
-<file path=ppt/slides/slide16.xml><?xml version="1.0" encoding="utf-8"?>
-<p:sld xmlns:a="http://schemas.openxmlformats.org/drawingml/2006/main" xmlns:r="http://schemas.openxmlformats.org/officeDocument/2006/relationships" xmlns:p="http://schemas.openxmlformats.org/presentationml/2006/main">
-  <p:cSld>
-    <p:spTree>
-      <p:nvGrpSpPr>
-        <p:cNvPr id="1" name=""/>
-        <p:cNvGrpSpPr/>
-        <p:nvPr/>
-      </p:nvGrpSpPr>
-      <p:grpSpPr>
-        <a:xfrm>
-          <a:off x="0" y="0"/>
-          <a:ext cx="0" cy="0"/>
-          <a:chOff x="0" y="0"/>
-          <a:chExt cx="0" cy="0"/>
-        </a:xfrm>
-      </p:grpSpPr>
-      <p:sp>
-        <p:nvSpPr>
-          <p:cNvPr id="2" name="Inhaltsplatzhalter 1"/>
-          <p:cNvSpPr>
-            <a:spLocks noGrp="1"/>
-          </p:cNvSpPr>
-          <p:nvPr>
-            <p:ph sz="half" idx="1"/>
-          </p:nvPr>
-        </p:nvSpPr>
-        <p:spPr/>
-        <p:txBody>
-          <a:bodyPr/>
-          <a:lstStyle/>
-          <a:p>
-            <a:endParaRPr lang="de-CH" dirty="0"/>
-          </a:p>
-        </p:txBody>
-      </p:sp>
-      <p:sp>
-        <p:nvSpPr>
-          <p:cNvPr id="3" name="Titel 2"/>
-          <p:cNvSpPr>
-            <a:spLocks noGrp="1"/>
-          </p:cNvSpPr>
-          <p:nvPr>
-            <p:ph type="ctrTitle"/>
-          </p:nvPr>
-        </p:nvSpPr>
-        <p:spPr/>
-        <p:txBody>
-          <a:bodyPr/>
-          <a:lstStyle/>
-          <a:p>
-            <a:r>
-              <a:rPr lang="de-DE" b="1" dirty="0"/>
-              <a:t>Technik und </a:t>
-            </a:r>
-            <a:r>
-              <a:rPr lang="de-DE" b="1" dirty="0" smtClean="0"/>
-              <a:t>Informatik</a:t>
-            </a:r>
-            <a:br>
-              <a:rPr lang="de-DE" b="1" dirty="0" smtClean="0"/>
-            </a:br>
-            <a:r>
-              <a:rPr lang="de-DE" dirty="0" smtClean="0"/>
-              <a:t>(Biel/Burgdorf/Bern)</a:t>
-            </a:r>
-            <a:endParaRPr lang="de-CH" dirty="0"/>
-          </a:p>
-        </p:txBody>
-      </p:sp>
-      <p:pic>
-        <p:nvPicPr>
-          <p:cNvPr id="2050" name="Picture 2"/>
-          <p:cNvPicPr>
-            <a:picLocks noChangeAspect="1" noChangeArrowheads="1"/>
-          </p:cNvPicPr>
-          <p:nvPr/>
-        </p:nvPicPr>
-        <p:blipFill>
-          <a:blip r:embed="rId2">
-            <a:extLst>
-              <a:ext uri="{28A0092B-C50C-407E-A947-70E740481C1C}">
-                <a14:useLocalDpi xmlns:a14="http://schemas.microsoft.com/office/drawing/2010/main" val="0"/>
-              </a:ext>
-            </a:extLst>
-          </a:blip>
-          <a:srcRect/>
-          <a:stretch>
-            <a:fillRect/>
-          </a:stretch>
-        </p:blipFill>
-        <p:spPr bwMode="auto">
-          <a:xfrm>
-            <a:off x="468000" y="1439999"/>
-            <a:ext cx="7036212" cy="4680000"/>
-          </a:xfrm>
-          <a:prstGeom prst="rect">
-            <a:avLst/>
-          </a:prstGeom>
-          <a:noFill/>
-          <a:ln>
-            <a:noFill/>
-          </a:ln>
-          <a:extLst>
-            <a:ext uri="{909E8E84-426E-40dd-AFC4-6F175D3DCCD1}">
-              <a14:hiddenFill xmlns:a14="http://schemas.microsoft.com/office/drawing/2010/main">
-                <a:solidFill>
-                  <a:schemeClr val="accent1"/>
-                </a:solidFill>
-              </a14:hiddenFill>
-            </a:ext>
-            <a:ext uri="{91240B29-F687-4f45-9708-019B960494DF}">
-              <a14:hiddenLine xmlns:a14="http://schemas.microsoft.com/office/drawing/2010/main" w="9525">
-                <a:solidFill>
-                  <a:schemeClr val="tx1"/>
-                </a:solidFill>
-                <a:miter lim="800000"/>
-                <a:headEnd/>
-                <a:tailEnd/>
-              </a14:hiddenLine>
-            </a:ext>
-          </a:extLst>
-        </p:spPr>
-      </p:pic>
-    </p:spTree>
-    <p:extLst>
-      <p:ext uri="{BB962C8B-B14F-4D97-AF65-F5344CB8AC3E}">
-        <p14:creationId xmlns:p14="http://schemas.microsoft.com/office/powerpoint/2010/main" val="388385551"/>
-      </p:ext>
-    </p:extLst>
-  </p:cSld>
-  <p:clrMapOvr>
-    <a:masterClrMapping/>
-  </p:clrMapOvr>
-</p:sld>
-</file>
-
-<file path=ppt/slides/slide17.xml><?xml version="1.0" encoding="utf-8"?>
-<p:sld xmlns:a="http://schemas.openxmlformats.org/drawingml/2006/main" xmlns:r="http://schemas.openxmlformats.org/officeDocument/2006/relationships" xmlns:p="http://schemas.openxmlformats.org/presentationml/2006/main">
-  <p:cSld>
-    <p:spTree>
-      <p:nvGrpSpPr>
-        <p:cNvPr id="1" name=""/>
-        <p:cNvGrpSpPr/>
-        <p:nvPr/>
-      </p:nvGrpSpPr>
-      <p:grpSpPr>
-        <a:xfrm>
-          <a:off x="0" y="0"/>
-          <a:ext cx="0" cy="0"/>
-          <a:chOff x="0" y="0"/>
-          <a:chExt cx="0" cy="0"/>
-        </a:xfrm>
-      </p:grpSpPr>
-      <p:sp>
-        <p:nvSpPr>
-          <p:cNvPr id="2" name="Inhaltsplatzhalter 1"/>
-          <p:cNvSpPr>
-            <a:spLocks noGrp="1"/>
-          </p:cNvSpPr>
-          <p:nvPr>
-            <p:ph sz="half" idx="1"/>
-          </p:nvPr>
-        </p:nvSpPr>
-        <p:spPr/>
-        <p:txBody>
-          <a:bodyPr/>
-          <a:lstStyle/>
-          <a:p>
-            <a:pPr marL="0" indent="0">
-              <a:buNone/>
-            </a:pPr>
-            <a:r>
-              <a:rPr lang="de-DE" b="1" dirty="0"/>
-              <a:t>Bachelorstudiengänge</a:t>
-            </a:r>
-          </a:p>
-          <a:p>
-            <a:r>
-              <a:rPr lang="de-DE" dirty="0"/>
-              <a:t>Automobiltechnik</a:t>
-            </a:r>
-          </a:p>
-          <a:p>
-            <a:r>
-              <a:rPr lang="de-CH" dirty="0"/>
-              <a:t>Elektro- und Kommunikationstechnik</a:t>
-            </a:r>
-          </a:p>
-          <a:p>
-            <a:r>
-              <a:rPr lang="de-CH" dirty="0"/>
-              <a:t>Informatik</a:t>
-            </a:r>
-          </a:p>
-          <a:p>
-            <a:r>
-              <a:rPr lang="de-CH" dirty="0"/>
-              <a:t>Maschinentechnik</a:t>
-            </a:r>
-          </a:p>
-          <a:p>
-            <a:r>
-              <a:rPr lang="de-CH" dirty="0"/>
-              <a:t>Medizininformatik</a:t>
-            </a:r>
-          </a:p>
-          <a:p>
-            <a:r>
-              <a:rPr lang="de-CH" dirty="0"/>
-              <a:t>Mikro- und Medizintechnik</a:t>
-            </a:r>
-          </a:p>
-          <a:p>
-            <a:endParaRPr lang="de-CH" dirty="0"/>
-          </a:p>
-          <a:p>
-            <a:pPr marL="0" indent="0">
-              <a:buNone/>
-            </a:pPr>
-            <a:r>
-              <a:rPr lang="de-CH" b="1" dirty="0"/>
-              <a:t>Masterstudiengänge</a:t>
-            </a:r>
-          </a:p>
-          <a:p>
-            <a:r>
-              <a:rPr lang="de-CH" dirty="0"/>
-              <a:t>Engineering</a:t>
-            </a:r>
-          </a:p>
-          <a:p>
-            <a:r>
-              <a:rPr lang="de-CH" dirty="0"/>
-              <a:t>Biomedical Engineering (in Zusammenarbeit mit der Universität Bern)</a:t>
-            </a:r>
-          </a:p>
-          <a:p>
-            <a:endParaRPr lang="de-CH" dirty="0"/>
-          </a:p>
-          <a:p>
-            <a:pPr marL="0" indent="0">
-              <a:buNone/>
-            </a:pPr>
-            <a:r>
-              <a:rPr lang="de-CH" b="1" dirty="0"/>
-              <a:t>Anzahl Studierende</a:t>
-            </a:r>
-          </a:p>
-          <a:p>
-            <a:r>
-              <a:rPr lang="de-CH" dirty="0" smtClean="0"/>
-              <a:t>1470 </a:t>
-            </a:r>
-            <a:r>
-              <a:rPr lang="de-CH" dirty="0"/>
-              <a:t>Studierende (Frauenanteil: 8 Prozent)</a:t>
-            </a:r>
-          </a:p>
-          <a:p>
-            <a:endParaRPr lang="de-CH" dirty="0"/>
-          </a:p>
-        </p:txBody>
-      </p:sp>
-      <p:sp>
-        <p:nvSpPr>
-          <p:cNvPr id="3" name="Titel 2"/>
-          <p:cNvSpPr>
-            <a:spLocks noGrp="1"/>
-          </p:cNvSpPr>
-          <p:nvPr>
-            <p:ph type="ctrTitle"/>
-          </p:nvPr>
-        </p:nvSpPr>
-        <p:spPr/>
-        <p:txBody>
-          <a:bodyPr/>
-          <a:lstStyle/>
-          <a:p>
-            <a:r>
-              <a:rPr lang="de-DE" b="1" dirty="0"/>
-              <a:t>Technik und Informatik</a:t>
-            </a:r>
-            <a:endParaRPr lang="de-CH" dirty="0"/>
-          </a:p>
-        </p:txBody>
-      </p:sp>
-    </p:spTree>
-    <p:extLst>
-      <p:ext uri="{BB962C8B-B14F-4D97-AF65-F5344CB8AC3E}">
-        <p14:creationId xmlns:p14="http://schemas.microsoft.com/office/powerpoint/2010/main" val="3141980247"/>
-      </p:ext>
-    </p:extLst>
-  </p:cSld>
-  <p:clrMapOvr>
-    <a:masterClrMapping/>
-  </p:clrMapOvr>
-</p:sld>
-</file>
-
-<file path=ppt/slides/slide18.xml><?xml version="1.0" encoding="utf-8"?>
-<p:sld xmlns:a="http://schemas.openxmlformats.org/drawingml/2006/main" xmlns:r="http://schemas.openxmlformats.org/officeDocument/2006/relationships" xmlns:p="http://schemas.openxmlformats.org/presentationml/2006/main">
-  <p:cSld>
-    <p:spTree>
-      <p:nvGrpSpPr>
-        <p:cNvPr id="1" name=""/>
-        <p:cNvGrpSpPr/>
-        <p:nvPr/>
-      </p:nvGrpSpPr>
-      <p:grpSpPr>
-        <a:xfrm>
-          <a:off x="0" y="0"/>
-          <a:ext cx="0" cy="0"/>
-          <a:chOff x="0" y="0"/>
-          <a:chExt cx="0" cy="0"/>
-        </a:xfrm>
-      </p:grpSpPr>
-      <p:sp>
-        <p:nvSpPr>
-          <p:cNvPr id="2" name="Inhaltsplatzhalter 1"/>
-          <p:cNvSpPr>
-            <a:spLocks noGrp="1"/>
-          </p:cNvSpPr>
-          <p:nvPr>
-            <p:ph sz="half" idx="1"/>
-          </p:nvPr>
-        </p:nvSpPr>
-        <p:spPr/>
-        <p:txBody>
-          <a:bodyPr/>
-          <a:lstStyle/>
-          <a:p>
-            <a:endParaRPr lang="de-CH" dirty="0"/>
-          </a:p>
-        </p:txBody>
-      </p:sp>
-      <p:sp>
-        <p:nvSpPr>
-          <p:cNvPr id="3" name="Titel 2"/>
-          <p:cNvSpPr>
-            <a:spLocks noGrp="1"/>
-          </p:cNvSpPr>
-          <p:nvPr>
-            <p:ph type="ctrTitle"/>
-          </p:nvPr>
-        </p:nvSpPr>
-        <p:spPr/>
-        <p:txBody>
-          <a:bodyPr/>
-          <a:lstStyle/>
-          <a:p>
-            <a:r>
-              <a:rPr lang="de-CH" b="1" dirty="0"/>
-              <a:t>Wirtschaft, Gesundheit, Soziale </a:t>
-            </a:r>
-            <a:r>
-              <a:rPr lang="de-CH" b="1" dirty="0" smtClean="0"/>
-              <a:t>Arbeit</a:t>
-            </a:r>
-            <a:br>
-              <a:rPr lang="de-CH" b="1" dirty="0" smtClean="0"/>
-            </a:br>
-            <a:r>
-              <a:rPr lang="de-CH" dirty="0" smtClean="0"/>
-              <a:t>(Bern</a:t>
-            </a:r>
-            <a:r>
-              <a:rPr lang="de-CH" dirty="0"/>
-              <a:t>)</a:t>
-            </a:r>
-          </a:p>
-        </p:txBody>
-      </p:sp>
-      <p:pic>
-        <p:nvPicPr>
-          <p:cNvPr id="4098" name="Picture 2"/>
-          <p:cNvPicPr>
-            <a:picLocks noChangeAspect="1" noChangeArrowheads="1"/>
-          </p:cNvPicPr>
-          <p:nvPr/>
-        </p:nvPicPr>
-        <p:blipFill>
-          <a:blip r:embed="rId2">
-            <a:extLst>
-              <a:ext uri="{28A0092B-C50C-407E-A947-70E740481C1C}">
-                <a14:useLocalDpi xmlns:a14="http://schemas.microsoft.com/office/drawing/2010/main" val="0"/>
-              </a:ext>
-            </a:extLst>
-          </a:blip>
-          <a:srcRect/>
-          <a:stretch>
-            <a:fillRect/>
-          </a:stretch>
-        </p:blipFill>
-        <p:spPr bwMode="auto">
-          <a:xfrm>
-            <a:off x="468000" y="1439999"/>
-            <a:ext cx="7036212" cy="4680000"/>
-          </a:xfrm>
-          <a:prstGeom prst="rect">
-            <a:avLst/>
-          </a:prstGeom>
-          <a:noFill/>
-          <a:ln>
-            <a:noFill/>
-          </a:ln>
-          <a:extLst>
-            <a:ext uri="{909E8E84-426E-40dd-AFC4-6F175D3DCCD1}">
-              <a14:hiddenFill xmlns:a14="http://schemas.microsoft.com/office/drawing/2010/main">
-                <a:solidFill>
-                  <a:schemeClr val="accent1"/>
-                </a:solidFill>
-              </a14:hiddenFill>
-            </a:ext>
-            <a:ext uri="{91240B29-F687-4f45-9708-019B960494DF}">
-              <a14:hiddenLine xmlns:a14="http://schemas.microsoft.com/office/drawing/2010/main" w="9525">
-                <a:solidFill>
-                  <a:schemeClr val="tx1"/>
-                </a:solidFill>
-                <a:miter lim="800000"/>
-                <a:headEnd/>
-                <a:tailEnd/>
-              </a14:hiddenLine>
-            </a:ext>
-          </a:extLst>
-        </p:spPr>
-      </p:pic>
-    </p:spTree>
-    <p:extLst>
-      <p:ext uri="{BB962C8B-B14F-4D97-AF65-F5344CB8AC3E}">
-        <p14:creationId xmlns:p14="http://schemas.microsoft.com/office/powerpoint/2010/main" val="2107294295"/>
-      </p:ext>
-    </p:extLst>
-  </p:cSld>
-  <p:clrMapOvr>
-    <a:masterClrMapping/>
-  </p:clrMapOvr>
-</p:sld>
-</file>
-
-<file path=ppt/slides/slide19.xml><?xml version="1.0" encoding="utf-8"?>
-<p:sld xmlns:a="http://schemas.openxmlformats.org/drawingml/2006/main" xmlns:r="http://schemas.openxmlformats.org/officeDocument/2006/relationships" xmlns:p="http://schemas.openxmlformats.org/presentationml/2006/main">
-  <p:cSld>
-    <p:spTree>
-      <p:nvGrpSpPr>
-        <p:cNvPr id="1" name=""/>
-        <p:cNvGrpSpPr/>
-        <p:nvPr/>
-      </p:nvGrpSpPr>
-      <p:grpSpPr>
-        <a:xfrm>
-          <a:off x="0" y="0"/>
-          <a:ext cx="0" cy="0"/>
-          <a:chOff x="0" y="0"/>
-          <a:chExt cx="0" cy="0"/>
-        </a:xfrm>
-      </p:grpSpPr>
-      <p:sp>
-        <p:nvSpPr>
-          <p:cNvPr id="2" name="Inhaltsplatzhalter 1"/>
-          <p:cNvSpPr>
-            <a:spLocks noGrp="1"/>
-          </p:cNvSpPr>
-          <p:nvPr>
-            <p:ph sz="half" idx="1"/>
-          </p:nvPr>
-        </p:nvSpPr>
-        <p:spPr/>
-        <p:txBody>
-          <a:bodyPr/>
-          <a:lstStyle/>
-          <a:p>
-            <a:pPr marL="0" indent="0">
-              <a:buNone/>
-            </a:pPr>
-            <a:r>
-              <a:rPr lang="de-DE" b="1" dirty="0"/>
-              <a:t>Bachelorstudiengänge</a:t>
-            </a:r>
-          </a:p>
-          <a:p>
-            <a:r>
-              <a:rPr lang="de-CH" dirty="0"/>
-              <a:t>Betriebsökonomie</a:t>
-            </a:r>
-          </a:p>
-          <a:p>
-            <a:r>
-              <a:rPr lang="de-CH" dirty="0"/>
-              <a:t>Wirtschaftsinformatik</a:t>
-            </a:r>
-          </a:p>
-          <a:p>
-            <a:endParaRPr lang="de-CH" dirty="0"/>
-          </a:p>
-          <a:p>
-            <a:pPr marL="0" indent="0">
-              <a:buNone/>
-            </a:pPr>
-            <a:r>
-              <a:rPr lang="de-CH" b="1" dirty="0"/>
-              <a:t>Masterstudiengang</a:t>
-            </a:r>
-          </a:p>
-          <a:p>
-            <a:r>
-              <a:rPr lang="de-CH" dirty="0"/>
-              <a:t>Business Administration</a:t>
-            </a:r>
-          </a:p>
-          <a:p>
-            <a:r>
-              <a:rPr lang="de-CH" dirty="0"/>
-              <a:t>Wirtschaftsinformatik</a:t>
-            </a:r>
-          </a:p>
-          <a:p>
-            <a:endParaRPr lang="de-CH" dirty="0"/>
-          </a:p>
-          <a:p>
-            <a:pPr marL="0" indent="0">
-              <a:buNone/>
-            </a:pPr>
-            <a:r>
-              <a:rPr lang="de-CH" b="1" dirty="0"/>
-              <a:t>Anzahl Studierende Wirtschaft, Gesundheit, Soziale Arbeit</a:t>
-            </a:r>
-          </a:p>
-          <a:p>
-            <a:r>
-              <a:rPr lang="de-CH" dirty="0" smtClean="0"/>
-              <a:t>2837 </a:t>
-            </a:r>
-            <a:r>
-              <a:rPr lang="de-CH" dirty="0"/>
-              <a:t>Studierende (Frauenanteil: </a:t>
-            </a:r>
-            <a:r>
-              <a:rPr lang="de-CH" dirty="0" smtClean="0"/>
-              <a:t>65 </a:t>
-            </a:r>
-            <a:r>
-              <a:rPr lang="de-CH" dirty="0"/>
-              <a:t>Prozent)</a:t>
-            </a:r>
-          </a:p>
-          <a:p>
-            <a:endParaRPr lang="de-CH" dirty="0"/>
-          </a:p>
-          <a:p>
-            <a:pPr marL="0" indent="0">
-              <a:buNone/>
-            </a:pPr>
-            <a:r>
-              <a:rPr lang="de-CH" b="1" dirty="0"/>
-              <a:t>Anzahl Studierende Fachbereich Wirtschaft</a:t>
-            </a:r>
-          </a:p>
-          <a:p>
-            <a:r>
-              <a:rPr lang="de-CH" dirty="0" smtClean="0"/>
-              <a:t>1135 </a:t>
-            </a:r>
-            <a:r>
-              <a:rPr lang="de-CH" dirty="0"/>
-              <a:t>Studierende (exkl. Weiterbildung)</a:t>
-            </a:r>
-          </a:p>
-          <a:p>
-            <a:endParaRPr lang="de-CH" dirty="0"/>
-          </a:p>
-          <a:p>
-            <a:endParaRPr lang="de-CH" dirty="0"/>
-          </a:p>
-        </p:txBody>
-      </p:sp>
-      <p:sp>
-        <p:nvSpPr>
-          <p:cNvPr id="3" name="Titel 2"/>
-          <p:cNvSpPr>
-            <a:spLocks noGrp="1"/>
-          </p:cNvSpPr>
-          <p:nvPr>
-            <p:ph type="ctrTitle"/>
-          </p:nvPr>
-        </p:nvSpPr>
-        <p:spPr/>
-        <p:txBody>
-          <a:bodyPr/>
-          <a:lstStyle/>
-          <a:p>
-            <a:r>
-              <a:rPr lang="de-DE" b="1" dirty="0"/>
-              <a:t>Fachbereich Wirtschaft</a:t>
-            </a:r>
-            <a:endParaRPr lang="de-CH" dirty="0"/>
-          </a:p>
-        </p:txBody>
-      </p:sp>
-    </p:spTree>
-    <p:extLst>
-      <p:ext uri="{BB962C8B-B14F-4D97-AF65-F5344CB8AC3E}">
-        <p14:creationId xmlns:p14="http://schemas.microsoft.com/office/powerpoint/2010/main" val="339982551"/>
+        <p14:creationId xmlns:p14="http://schemas.microsoft.com/office/powerpoint/2010/main" val="1953900258"/>
       </p:ext>
     </p:extLst>
   </p:cSld>
@@ -9532,55 +7618,29 @@
           <a:p>
             <a:r>
               <a:rPr lang="de-CH" sz="2000" dirty="0" smtClean="0"/>
-              <a:t>Einführung</a:t>
-            </a:r>
-          </a:p>
-          <a:p>
+              <a:t>Live </a:t>
+            </a:r>
             <a:r>
               <a:rPr lang="de-CH" sz="2000" dirty="0" smtClean="0"/>
-              <a:t>Hypothese</a:t>
-            </a:r>
-          </a:p>
-          <a:p>
+              <a:t>D</a:t>
+            </a:r>
             <a:r>
               <a:rPr lang="de-CH" sz="2000" dirty="0" smtClean="0"/>
-              <a:t>Abgrenzungen</a:t>
-            </a:r>
-            <a:endParaRPr lang="de-CH" sz="2000" dirty="0" smtClean="0"/>
+              <a:t>emo</a:t>
+            </a:r>
+            <a:endParaRPr lang="de-CH" sz="2000" dirty="0"/>
           </a:p>
           <a:p>
             <a:r>
               <a:rPr lang="de-CH" sz="2000" dirty="0" smtClean="0"/>
-              <a:t>Vorgehensweise</a:t>
-            </a:r>
-            <a:endParaRPr lang="de-CH" sz="2000" dirty="0" smtClean="0"/>
+              <a:t>Persönliche Beiträge</a:t>
+            </a:r>
           </a:p>
           <a:p>
             <a:r>
               <a:rPr lang="de-CH" sz="2000" dirty="0" smtClean="0"/>
-              <a:t>Ergebnisse</a:t>
-            </a:r>
-            <a:endParaRPr lang="de-CH" sz="2000" dirty="0" smtClean="0"/>
-          </a:p>
-          <a:p>
-            <a:r>
-              <a:rPr lang="de-CH" sz="2000" dirty="0" smtClean="0"/>
-              <a:t>Diskussion</a:t>
-            </a:r>
-            <a:endParaRPr lang="de-CH" sz="2000" dirty="0"/>
-          </a:p>
-          <a:p>
-            <a:r>
-              <a:rPr lang="de-CH" sz="2000" dirty="0" smtClean="0"/>
-              <a:t>Ausblick</a:t>
-            </a:r>
-            <a:endParaRPr lang="de-CH" sz="2000" dirty="0"/>
-          </a:p>
-          <a:p>
-            <a:pPr marL="180612" lvl="2" indent="0">
-              <a:buNone/>
-            </a:pPr>
-            <a:endParaRPr lang="de-CH" sz="2000" dirty="0"/>
+              <a:t>Gewonnene Erkenntnisse</a:t>
+            </a:r>
           </a:p>
         </p:txBody>
       </p:sp>
@@ -9634,7 +7694,7 @@
   <p:timing>
     <p:tnLst>
       <p:par>
-        <p:cTn xmlns:p14="http://schemas.microsoft.com/office/powerpoint/2010/main" id="1" dur="indefinite" restart="never" nodeType="tmRoot">
+        <p:cTn id="1" dur="indefinite" restart="never" nodeType="tmRoot">
           <p:childTnLst>
             <p:seq concurrent="1" nextAc="seek">
               <p:cTn id="2" dur="indefinite" nodeType="mainSeq">
@@ -9780,166 +7840,6 @@
                                   </p:childTnLst>
                                 </p:cTn>
                               </p:par>
-                              <p:par>
-                                <p:cTn id="15" presetID="1" presetClass="entr" presetSubtype="0" fill="hold" nodeType="withEffect">
-                                  <p:stCondLst>
-                                    <p:cond delay="0"/>
-                                  </p:stCondLst>
-                                  <p:childTnLst>
-                                    <p:set>
-                                      <p:cBhvr>
-                                        <p:cTn id="16" dur="1" fill="hold">
-                                          <p:stCondLst>
-                                            <p:cond delay="0"/>
-                                          </p:stCondLst>
-                                        </p:cTn>
-                                        <p:tgtEl>
-                                          <p:spTgt spid="2">
-                                            <p:txEl>
-                                              <p:pRg st="3" end="3"/>
-                                            </p:txEl>
-                                          </p:spTgt>
-                                        </p:tgtEl>
-                                        <p:attrNameLst>
-                                          <p:attrName>style.visibility</p:attrName>
-                                        </p:attrNameLst>
-                                      </p:cBhvr>
-                                      <p:to>
-                                        <p:strVal val="visible"/>
-                                      </p:to>
-                                    </p:set>
-                                  </p:childTnLst>
-                                </p:cTn>
-                              </p:par>
-                            </p:childTnLst>
-                          </p:cTn>
-                        </p:par>
-                      </p:childTnLst>
-                    </p:cTn>
-                  </p:par>
-                  <p:par>
-                    <p:cTn id="17" fill="hold">
-                      <p:stCondLst>
-                        <p:cond delay="indefinite"/>
-                      </p:stCondLst>
-                      <p:childTnLst>
-                        <p:par>
-                          <p:cTn id="18" fill="hold">
-                            <p:stCondLst>
-                              <p:cond delay="0"/>
-                            </p:stCondLst>
-                            <p:childTnLst>
-                              <p:par>
-                                <p:cTn id="19" presetID="1" presetClass="entr" presetSubtype="0" fill="hold" nodeType="clickEffect">
-                                  <p:stCondLst>
-                                    <p:cond delay="0"/>
-                                  </p:stCondLst>
-                                  <p:childTnLst>
-                                    <p:set>
-                                      <p:cBhvr>
-                                        <p:cTn id="20" dur="1" fill="hold">
-                                          <p:stCondLst>
-                                            <p:cond delay="0"/>
-                                          </p:stCondLst>
-                                        </p:cTn>
-                                        <p:tgtEl>
-                                          <p:spTgt spid="2">
-                                            <p:txEl>
-                                              <p:pRg st="4" end="4"/>
-                                            </p:txEl>
-                                          </p:spTgt>
-                                        </p:tgtEl>
-                                        <p:attrNameLst>
-                                          <p:attrName>style.visibility</p:attrName>
-                                        </p:attrNameLst>
-                                      </p:cBhvr>
-                                      <p:to>
-                                        <p:strVal val="visible"/>
-                                      </p:to>
-                                    </p:set>
-                                  </p:childTnLst>
-                                </p:cTn>
-                              </p:par>
-                            </p:childTnLst>
-                          </p:cTn>
-                        </p:par>
-                      </p:childTnLst>
-                    </p:cTn>
-                  </p:par>
-                  <p:par>
-                    <p:cTn id="21" fill="hold">
-                      <p:stCondLst>
-                        <p:cond delay="indefinite"/>
-                      </p:stCondLst>
-                      <p:childTnLst>
-                        <p:par>
-                          <p:cTn id="22" fill="hold">
-                            <p:stCondLst>
-                              <p:cond delay="0"/>
-                            </p:stCondLst>
-                            <p:childTnLst>
-                              <p:par>
-                                <p:cTn id="23" presetID="1" presetClass="entr" presetSubtype="0" fill="hold" nodeType="clickEffect">
-                                  <p:stCondLst>
-                                    <p:cond delay="0"/>
-                                  </p:stCondLst>
-                                  <p:childTnLst>
-                                    <p:set>
-                                      <p:cBhvr>
-                                        <p:cTn id="24" dur="1" fill="hold">
-                                          <p:stCondLst>
-                                            <p:cond delay="0"/>
-                                          </p:stCondLst>
-                                        </p:cTn>
-                                        <p:tgtEl>
-                                          <p:spTgt spid="2">
-                                            <p:txEl>
-                                              <p:pRg st="6" end="6"/>
-                                            </p:txEl>
-                                          </p:spTgt>
-                                        </p:tgtEl>
-                                        <p:attrNameLst>
-                                          <p:attrName>style.visibility</p:attrName>
-                                        </p:attrNameLst>
-                                      </p:cBhvr>
-                                      <p:to>
-                                        <p:strVal val="visible"/>
-                                      </p:to>
-                                    </p:set>
-                                  </p:childTnLst>
-                                </p:cTn>
-                              </p:par>
-                              <p:par>
-                                <p:cTn id="25" presetID="1" presetClass="entr" presetSubtype="0" fill="hold" nodeType="withEffect">
-                                  <p:stCondLst>
-                                    <p:cond delay="0"/>
-                                  </p:stCondLst>
-                                  <p:childTnLst>
-                                    <p:set>
-                                      <p:cBhvr>
-                                        <p:cTn id="26" dur="1" fill="hold">
-                                          <p:stCondLst>
-                                            <p:cond delay="0"/>
-                                          </p:stCondLst>
-                                        </p:cTn>
-                                        <p:tgtEl>
-                                          <p:spTgt spid="2">
-                                            <p:txEl>
-                                              <p:pRg st="5" end="5"/>
-                                            </p:txEl>
-                                          </p:spTgt>
-                                        </p:tgtEl>
-                                        <p:attrNameLst>
-                                          <p:attrName>style.visibility</p:attrName>
-                                        </p:attrNameLst>
-                                      </p:cBhvr>
-                                      <p:to>
-                                        <p:strVal val="visible"/>
-                                      </p:to>
-                                    </p:set>
-                                  </p:childTnLst>
-                                </p:cTn>
-                              </p:par>
                             </p:childTnLst>
                           </p:cTn>
                         </p:par>
@@ -9971,1253 +7871,6 @@
 </p:sld>
 </file>
 
-<file path=ppt/slides/slide20.xml><?xml version="1.0" encoding="utf-8"?>
-<p:sld xmlns:a="http://schemas.openxmlformats.org/drawingml/2006/main" xmlns:r="http://schemas.openxmlformats.org/officeDocument/2006/relationships" xmlns:p="http://schemas.openxmlformats.org/presentationml/2006/main">
-  <p:cSld>
-    <p:spTree>
-      <p:nvGrpSpPr>
-        <p:cNvPr id="1" name=""/>
-        <p:cNvGrpSpPr/>
-        <p:nvPr/>
-      </p:nvGrpSpPr>
-      <p:grpSpPr>
-        <a:xfrm>
-          <a:off x="0" y="0"/>
-          <a:ext cx="0" cy="0"/>
-          <a:chOff x="0" y="0"/>
-          <a:chExt cx="0" cy="0"/>
-        </a:xfrm>
-      </p:grpSpPr>
-      <p:sp>
-        <p:nvSpPr>
-          <p:cNvPr id="2" name="Inhaltsplatzhalter 1"/>
-          <p:cNvSpPr>
-            <a:spLocks noGrp="1"/>
-          </p:cNvSpPr>
-          <p:nvPr>
-            <p:ph sz="half" idx="1"/>
-          </p:nvPr>
-        </p:nvSpPr>
-        <p:spPr/>
-        <p:txBody>
-          <a:bodyPr/>
-          <a:lstStyle/>
-          <a:p>
-            <a:pPr marL="0" indent="0">
-              <a:buNone/>
-            </a:pPr>
-            <a:r>
-              <a:rPr lang="de-DE" b="1" dirty="0"/>
-              <a:t>Bachelorstudiengänge</a:t>
-            </a:r>
-          </a:p>
-          <a:p>
-            <a:r>
-              <a:rPr lang="de-CH" dirty="0"/>
-              <a:t>Pflege</a:t>
-            </a:r>
-          </a:p>
-          <a:p>
-            <a:r>
-              <a:rPr lang="de-CH" dirty="0"/>
-              <a:t>Physiotherapie</a:t>
-            </a:r>
-          </a:p>
-          <a:p>
-            <a:r>
-              <a:rPr lang="de-CH" dirty="0"/>
-              <a:t>Ernährung und Diätetik</a:t>
-            </a:r>
-          </a:p>
-          <a:p>
-            <a:r>
-              <a:rPr lang="de-CH" dirty="0"/>
-              <a:t>Hebamme</a:t>
-            </a:r>
-            <a:br>
-              <a:rPr lang="de-CH" dirty="0"/>
-            </a:br>
-            <a:endParaRPr lang="de-CH" dirty="0"/>
-          </a:p>
-          <a:p>
-            <a:pPr marL="0" indent="0">
-              <a:buNone/>
-            </a:pPr>
-            <a:r>
-              <a:rPr lang="de-CH" b="1" dirty="0"/>
-              <a:t>Masterstudiengänge</a:t>
-            </a:r>
-          </a:p>
-          <a:p>
-            <a:r>
-              <a:rPr lang="de-CH" dirty="0"/>
-              <a:t>Pflege</a:t>
-            </a:r>
-          </a:p>
-          <a:p>
-            <a:r>
-              <a:rPr lang="de-CH" dirty="0"/>
-              <a:t>Physiotherapie</a:t>
-            </a:r>
-            <a:br>
-              <a:rPr lang="de-CH" dirty="0"/>
-            </a:br>
-            <a:endParaRPr lang="de-CH" dirty="0"/>
-          </a:p>
-          <a:p>
-            <a:pPr marL="0" indent="0">
-              <a:buNone/>
-            </a:pPr>
-            <a:r>
-              <a:rPr lang="de-CH" b="1" dirty="0"/>
-              <a:t>Anzahl Studierende Wirtschaft, Gesundheit, Soziale Arbeit</a:t>
-            </a:r>
-          </a:p>
-          <a:p>
-            <a:r>
-              <a:rPr lang="de-CH" dirty="0"/>
-              <a:t>2837 Studierende (Frauenanteil: 65 Prozent)</a:t>
-            </a:r>
-          </a:p>
-          <a:p>
-            <a:pPr marL="0" indent="0">
-              <a:buNone/>
-            </a:pPr>
-            <a:endParaRPr lang="de-CH" dirty="0"/>
-          </a:p>
-          <a:p>
-            <a:pPr marL="0" indent="0">
-              <a:buNone/>
-            </a:pPr>
-            <a:r>
-              <a:rPr lang="de-CH" b="1" dirty="0"/>
-              <a:t>Anzahl Studierende Fachbereich Gesundheit</a:t>
-            </a:r>
-          </a:p>
-          <a:p>
-            <a:r>
-              <a:rPr lang="de-CH" dirty="0" smtClean="0"/>
-              <a:t>986 </a:t>
-            </a:r>
-            <a:r>
-              <a:rPr lang="de-CH" dirty="0"/>
-              <a:t>Studierende (exkl. Weiterbildung)</a:t>
-            </a:r>
-          </a:p>
-          <a:p>
-            <a:endParaRPr lang="de-CH" dirty="0"/>
-          </a:p>
-        </p:txBody>
-      </p:sp>
-      <p:sp>
-        <p:nvSpPr>
-          <p:cNvPr id="3" name="Titel 2"/>
-          <p:cNvSpPr>
-            <a:spLocks noGrp="1"/>
-          </p:cNvSpPr>
-          <p:nvPr>
-            <p:ph type="ctrTitle"/>
-          </p:nvPr>
-        </p:nvSpPr>
-        <p:spPr/>
-        <p:txBody>
-          <a:bodyPr/>
-          <a:lstStyle/>
-          <a:p>
-            <a:r>
-              <a:rPr lang="de-DE" b="1" dirty="0"/>
-              <a:t>Fachbereich Gesundheit</a:t>
-            </a:r>
-            <a:endParaRPr lang="de-CH" dirty="0"/>
-          </a:p>
-        </p:txBody>
-      </p:sp>
-    </p:spTree>
-    <p:extLst>
-      <p:ext uri="{BB962C8B-B14F-4D97-AF65-F5344CB8AC3E}">
-        <p14:creationId xmlns:p14="http://schemas.microsoft.com/office/powerpoint/2010/main" val="2272159255"/>
-      </p:ext>
-    </p:extLst>
-  </p:cSld>
-  <p:clrMapOvr>
-    <a:masterClrMapping/>
-  </p:clrMapOvr>
-</p:sld>
-</file>
-
-<file path=ppt/slides/slide21.xml><?xml version="1.0" encoding="utf-8"?>
-<p:sld xmlns:a="http://schemas.openxmlformats.org/drawingml/2006/main" xmlns:r="http://schemas.openxmlformats.org/officeDocument/2006/relationships" xmlns:p="http://schemas.openxmlformats.org/presentationml/2006/main">
-  <p:cSld>
-    <p:spTree>
-      <p:nvGrpSpPr>
-        <p:cNvPr id="1" name=""/>
-        <p:cNvGrpSpPr/>
-        <p:nvPr/>
-      </p:nvGrpSpPr>
-      <p:grpSpPr>
-        <a:xfrm>
-          <a:off x="0" y="0"/>
-          <a:ext cx="0" cy="0"/>
-          <a:chOff x="0" y="0"/>
-          <a:chExt cx="0" cy="0"/>
-        </a:xfrm>
-      </p:grpSpPr>
-      <p:sp>
-        <p:nvSpPr>
-          <p:cNvPr id="2" name="Inhaltsplatzhalter 1"/>
-          <p:cNvSpPr>
-            <a:spLocks noGrp="1"/>
-          </p:cNvSpPr>
-          <p:nvPr>
-            <p:ph sz="half" idx="1"/>
-          </p:nvPr>
-        </p:nvSpPr>
-        <p:spPr/>
-        <p:txBody>
-          <a:bodyPr/>
-          <a:lstStyle/>
-          <a:p>
-            <a:pPr marL="0" indent="0">
-              <a:buNone/>
-            </a:pPr>
-            <a:r>
-              <a:rPr lang="de-DE" b="1" dirty="0"/>
-              <a:t>Bachelorstudiengang</a:t>
-            </a:r>
-          </a:p>
-          <a:p>
-            <a:r>
-              <a:rPr lang="de-CH" dirty="0"/>
-              <a:t>Soziale Arbeit</a:t>
-            </a:r>
-          </a:p>
-          <a:p>
-            <a:endParaRPr lang="de-CH" dirty="0"/>
-          </a:p>
-          <a:p>
-            <a:pPr marL="0" indent="0">
-              <a:buNone/>
-            </a:pPr>
-            <a:r>
-              <a:rPr lang="de-CH" b="1" dirty="0"/>
-              <a:t>Masterstudiengang</a:t>
-            </a:r>
-          </a:p>
-          <a:p>
-            <a:r>
-              <a:rPr lang="de-CH" dirty="0"/>
-              <a:t>Soziale Arbeit</a:t>
-            </a:r>
-          </a:p>
-          <a:p>
-            <a:endParaRPr lang="de-CH" dirty="0"/>
-          </a:p>
-          <a:p>
-            <a:pPr marL="0" indent="0">
-              <a:buNone/>
-            </a:pPr>
-            <a:r>
-              <a:rPr lang="de-CH" b="1" dirty="0"/>
-              <a:t>Anzahl Studierende Wirtschaft, Gesundheit, Soziale Arbeit</a:t>
-            </a:r>
-          </a:p>
-          <a:p>
-            <a:r>
-              <a:rPr lang="de-CH" dirty="0"/>
-              <a:t>2837 Studierende (Frauenanteil: 65 Prozent)</a:t>
-            </a:r>
-          </a:p>
-          <a:p>
-            <a:endParaRPr lang="de-CH" dirty="0"/>
-          </a:p>
-          <a:p>
-            <a:pPr marL="0" indent="0">
-              <a:buNone/>
-            </a:pPr>
-            <a:r>
-              <a:rPr lang="de-CH" b="1" dirty="0"/>
-              <a:t>Anzahl Studierende Fachbereich Soziale Arbeit</a:t>
-            </a:r>
-          </a:p>
-          <a:p>
-            <a:r>
-              <a:rPr lang="de-CH" dirty="0" smtClean="0"/>
-              <a:t>548 </a:t>
-            </a:r>
-            <a:r>
-              <a:rPr lang="de-CH" dirty="0"/>
-              <a:t>Studierende (exkl. Weiterbildung)</a:t>
-            </a:r>
-          </a:p>
-          <a:p>
-            <a:endParaRPr lang="de-CH" dirty="0"/>
-          </a:p>
-          <a:p>
-            <a:endParaRPr lang="de-CH" dirty="0"/>
-          </a:p>
-        </p:txBody>
-      </p:sp>
-      <p:sp>
-        <p:nvSpPr>
-          <p:cNvPr id="3" name="Titel 2"/>
-          <p:cNvSpPr>
-            <a:spLocks noGrp="1"/>
-          </p:cNvSpPr>
-          <p:nvPr>
-            <p:ph type="ctrTitle"/>
-          </p:nvPr>
-        </p:nvSpPr>
-        <p:spPr/>
-        <p:txBody>
-          <a:bodyPr/>
-          <a:lstStyle/>
-          <a:p>
-            <a:r>
-              <a:rPr lang="de-DE" b="1" dirty="0"/>
-              <a:t>Fachbereich Soziale Arbeit</a:t>
-            </a:r>
-            <a:endParaRPr lang="de-CH" dirty="0"/>
-          </a:p>
-        </p:txBody>
-      </p:sp>
-    </p:spTree>
-    <p:extLst>
-      <p:ext uri="{BB962C8B-B14F-4D97-AF65-F5344CB8AC3E}">
-        <p14:creationId xmlns:p14="http://schemas.microsoft.com/office/powerpoint/2010/main" val="110006448"/>
-      </p:ext>
-    </p:extLst>
-  </p:cSld>
-  <p:clrMapOvr>
-    <a:masterClrMapping/>
-  </p:clrMapOvr>
-</p:sld>
-</file>
-
-<file path=ppt/slides/slide22.xml><?xml version="1.0" encoding="utf-8"?>
-<p:sld xmlns:a="http://schemas.openxmlformats.org/drawingml/2006/main" xmlns:r="http://schemas.openxmlformats.org/officeDocument/2006/relationships" xmlns:p="http://schemas.openxmlformats.org/presentationml/2006/main">
-  <p:cSld>
-    <p:spTree>
-      <p:nvGrpSpPr>
-        <p:cNvPr id="1" name=""/>
-        <p:cNvGrpSpPr/>
-        <p:nvPr/>
-      </p:nvGrpSpPr>
-      <p:grpSpPr>
-        <a:xfrm>
-          <a:off x="0" y="0"/>
-          <a:ext cx="0" cy="0"/>
-          <a:chOff x="0" y="0"/>
-          <a:chExt cx="0" cy="0"/>
-        </a:xfrm>
-      </p:grpSpPr>
-      <p:sp>
-        <p:nvSpPr>
-          <p:cNvPr id="2" name="Inhaltsplatzhalter 1"/>
-          <p:cNvSpPr>
-            <a:spLocks noGrp="1"/>
-          </p:cNvSpPr>
-          <p:nvPr>
-            <p:ph sz="half" idx="1"/>
-          </p:nvPr>
-        </p:nvSpPr>
-        <p:spPr/>
-        <p:txBody>
-          <a:bodyPr/>
-          <a:lstStyle/>
-          <a:p>
-            <a:endParaRPr lang="de-CH" dirty="0"/>
-          </a:p>
-        </p:txBody>
-      </p:sp>
-      <p:sp>
-        <p:nvSpPr>
-          <p:cNvPr id="3" name="Titel 2"/>
-          <p:cNvSpPr>
-            <a:spLocks noGrp="1"/>
-          </p:cNvSpPr>
-          <p:nvPr>
-            <p:ph type="ctrTitle"/>
-          </p:nvPr>
-        </p:nvSpPr>
-        <p:spPr/>
-        <p:txBody>
-          <a:bodyPr/>
-          <a:lstStyle/>
-          <a:p>
-            <a:r>
-              <a:rPr lang="de-CH" b="1" dirty="0" err="1"/>
-              <a:t>Eidg</a:t>
-            </a:r>
-            <a:r>
-              <a:rPr lang="de-CH" b="1" dirty="0"/>
-              <a:t>. Hochschule für Sport </a:t>
-            </a:r>
-            <a:r>
-              <a:rPr lang="de-CH" b="1" dirty="0" err="1"/>
-              <a:t>Magglingen</a:t>
-            </a:r>
-            <a:r>
-              <a:rPr lang="de-CH" b="1" dirty="0"/>
-              <a:t> EHSM</a:t>
-            </a:r>
-            <a:endParaRPr lang="de-CH" dirty="0"/>
-          </a:p>
-        </p:txBody>
-      </p:sp>
-      <p:pic>
-        <p:nvPicPr>
-          <p:cNvPr id="7170" name="Picture 2"/>
-          <p:cNvPicPr>
-            <a:picLocks noChangeAspect="1" noChangeArrowheads="1"/>
-          </p:cNvPicPr>
-          <p:nvPr/>
-        </p:nvPicPr>
-        <p:blipFill>
-          <a:blip r:embed="rId2">
-            <a:extLst>
-              <a:ext uri="{28A0092B-C50C-407E-A947-70E740481C1C}">
-                <a14:useLocalDpi xmlns:a14="http://schemas.microsoft.com/office/drawing/2010/main" val="0"/>
-              </a:ext>
-            </a:extLst>
-          </a:blip>
-          <a:srcRect/>
-          <a:stretch>
-            <a:fillRect/>
-          </a:stretch>
-        </p:blipFill>
-        <p:spPr bwMode="auto">
-          <a:xfrm>
-            <a:off x="468000" y="1439999"/>
-            <a:ext cx="7015074" cy="4680000"/>
-          </a:xfrm>
-          <a:prstGeom prst="rect">
-            <a:avLst/>
-          </a:prstGeom>
-          <a:noFill/>
-          <a:ln>
-            <a:noFill/>
-          </a:ln>
-          <a:extLst>
-            <a:ext uri="{909E8E84-426E-40dd-AFC4-6F175D3DCCD1}">
-              <a14:hiddenFill xmlns:a14="http://schemas.microsoft.com/office/drawing/2010/main">
-                <a:solidFill>
-                  <a:schemeClr val="accent1"/>
-                </a:solidFill>
-              </a14:hiddenFill>
-            </a:ext>
-            <a:ext uri="{91240B29-F687-4f45-9708-019B960494DF}">
-              <a14:hiddenLine xmlns:a14="http://schemas.microsoft.com/office/drawing/2010/main" w="9525">
-                <a:solidFill>
-                  <a:schemeClr val="tx1"/>
-                </a:solidFill>
-                <a:miter lim="800000"/>
-                <a:headEnd/>
-                <a:tailEnd/>
-              </a14:hiddenLine>
-            </a:ext>
-          </a:extLst>
-        </p:spPr>
-      </p:pic>
-    </p:spTree>
-    <p:extLst>
-      <p:ext uri="{BB962C8B-B14F-4D97-AF65-F5344CB8AC3E}">
-        <p14:creationId xmlns:p14="http://schemas.microsoft.com/office/powerpoint/2010/main" val="1447968482"/>
-      </p:ext>
-    </p:extLst>
-  </p:cSld>
-  <p:clrMapOvr>
-    <a:masterClrMapping/>
-  </p:clrMapOvr>
-</p:sld>
-</file>
-
-<file path=ppt/slides/slide23.xml><?xml version="1.0" encoding="utf-8"?>
-<p:sld xmlns:a="http://schemas.openxmlformats.org/drawingml/2006/main" xmlns:r="http://schemas.openxmlformats.org/officeDocument/2006/relationships" xmlns:p="http://schemas.openxmlformats.org/presentationml/2006/main">
-  <p:cSld>
-    <p:spTree>
-      <p:nvGrpSpPr>
-        <p:cNvPr id="1" name=""/>
-        <p:cNvGrpSpPr/>
-        <p:nvPr/>
-      </p:nvGrpSpPr>
-      <p:grpSpPr>
-        <a:xfrm>
-          <a:off x="0" y="0"/>
-          <a:ext cx="0" cy="0"/>
-          <a:chOff x="0" y="0"/>
-          <a:chExt cx="0" cy="0"/>
-        </a:xfrm>
-      </p:grpSpPr>
-      <p:sp>
-        <p:nvSpPr>
-          <p:cNvPr id="2" name="Inhaltsplatzhalter 1"/>
-          <p:cNvSpPr>
-            <a:spLocks noGrp="1"/>
-          </p:cNvSpPr>
-          <p:nvPr>
-            <p:ph sz="half" idx="1"/>
-          </p:nvPr>
-        </p:nvSpPr>
-        <p:spPr/>
-        <p:txBody>
-          <a:bodyPr/>
-          <a:lstStyle/>
-          <a:p>
-            <a:pPr marL="0" indent="0">
-              <a:buNone/>
-            </a:pPr>
-            <a:r>
-              <a:rPr lang="de-DE" b="1" dirty="0"/>
-              <a:t>Bachelorstudiengang</a:t>
-            </a:r>
-          </a:p>
-          <a:p>
-            <a:r>
-              <a:rPr lang="de-CH" dirty="0"/>
-              <a:t>Sport</a:t>
-            </a:r>
-          </a:p>
-          <a:p>
-            <a:endParaRPr lang="de-CH" dirty="0"/>
-          </a:p>
-          <a:p>
-            <a:pPr marL="0" indent="0">
-              <a:buNone/>
-            </a:pPr>
-            <a:r>
-              <a:rPr lang="de-CH" b="1" dirty="0"/>
-              <a:t>Masterstudiengang</a:t>
-            </a:r>
-          </a:p>
-          <a:p>
-            <a:r>
-              <a:rPr lang="de-CH" dirty="0"/>
-              <a:t>Sports</a:t>
-            </a:r>
-          </a:p>
-          <a:p>
-            <a:r>
-              <a:rPr lang="de-CH" dirty="0"/>
-              <a:t>Sportwissenschaften</a:t>
-            </a:r>
-          </a:p>
-          <a:p>
-            <a:endParaRPr lang="de-CH" dirty="0"/>
-          </a:p>
-          <a:p>
-            <a:pPr marL="0" indent="0">
-              <a:buNone/>
-            </a:pPr>
-            <a:r>
-              <a:rPr lang="de-CH" b="1" dirty="0"/>
-              <a:t>Anzahl Studierende</a:t>
-            </a:r>
-          </a:p>
-          <a:p>
-            <a:r>
-              <a:rPr lang="de-CH" dirty="0" smtClean="0"/>
-              <a:t>163 Studierende </a:t>
-            </a:r>
-            <a:r>
-              <a:rPr lang="de-CH" dirty="0"/>
-              <a:t>(Frauenanteil: </a:t>
-            </a:r>
-            <a:r>
-              <a:rPr lang="de-CH" dirty="0" smtClean="0"/>
-              <a:t>25 </a:t>
-            </a:r>
-            <a:r>
-              <a:rPr lang="de-CH" dirty="0"/>
-              <a:t>Prozent)</a:t>
-            </a:r>
-          </a:p>
-          <a:p>
-            <a:endParaRPr lang="de-CH" dirty="0"/>
-          </a:p>
-          <a:p>
-            <a:endParaRPr lang="de-CH" dirty="0"/>
-          </a:p>
-        </p:txBody>
-      </p:sp>
-      <p:sp>
-        <p:nvSpPr>
-          <p:cNvPr id="3" name="Titel 2"/>
-          <p:cNvSpPr>
-            <a:spLocks noGrp="1"/>
-          </p:cNvSpPr>
-          <p:nvPr>
-            <p:ph type="ctrTitle"/>
-          </p:nvPr>
-        </p:nvSpPr>
-        <p:spPr/>
-        <p:txBody>
-          <a:bodyPr/>
-          <a:lstStyle/>
-          <a:p>
-            <a:r>
-              <a:rPr lang="de-CH" b="1" dirty="0" err="1"/>
-              <a:t>Eidg</a:t>
-            </a:r>
-            <a:r>
-              <a:rPr lang="de-CH" b="1" dirty="0"/>
-              <a:t>. Hochschule für Sport </a:t>
-            </a:r>
-            <a:r>
-              <a:rPr lang="de-CH" b="1" dirty="0" err="1"/>
-              <a:t>Magglingen</a:t>
-            </a:r>
-            <a:r>
-              <a:rPr lang="de-CH" b="1" dirty="0"/>
-              <a:t> EHSM</a:t>
-            </a:r>
-            <a:endParaRPr lang="de-CH" dirty="0"/>
-          </a:p>
-        </p:txBody>
-      </p:sp>
-    </p:spTree>
-    <p:extLst>
-      <p:ext uri="{BB962C8B-B14F-4D97-AF65-F5344CB8AC3E}">
-        <p14:creationId xmlns:p14="http://schemas.microsoft.com/office/powerpoint/2010/main" val="558079637"/>
-      </p:ext>
-    </p:extLst>
-  </p:cSld>
-  <p:clrMapOvr>
-    <a:masterClrMapping/>
-  </p:clrMapOvr>
-</p:sld>
-</file>
-
-<file path=ppt/slides/slide24.xml><?xml version="1.0" encoding="utf-8"?>
-<p:sld xmlns:a="http://schemas.openxmlformats.org/drawingml/2006/main" xmlns:r="http://schemas.openxmlformats.org/officeDocument/2006/relationships" xmlns:p="http://schemas.openxmlformats.org/presentationml/2006/main">
-  <p:cSld>
-    <p:spTree>
-      <p:nvGrpSpPr>
-        <p:cNvPr id="1" name=""/>
-        <p:cNvGrpSpPr/>
-        <p:nvPr/>
-      </p:nvGrpSpPr>
-      <p:grpSpPr>
-        <a:xfrm>
-          <a:off x="0" y="0"/>
-          <a:ext cx="0" cy="0"/>
-          <a:chOff x="0" y="0"/>
-          <a:chExt cx="0" cy="0"/>
-        </a:xfrm>
-      </p:grpSpPr>
-      <p:sp>
-        <p:nvSpPr>
-          <p:cNvPr id="2" name="Titel 1"/>
-          <p:cNvSpPr>
-            <a:spLocks noGrp="1"/>
-          </p:cNvSpPr>
-          <p:nvPr>
-            <p:ph type="ctrTitle"/>
-          </p:nvPr>
-        </p:nvSpPr>
-        <p:spPr/>
-        <p:txBody>
-          <a:bodyPr/>
-          <a:lstStyle/>
-          <a:p>
-            <a:r>
-              <a:rPr lang="de-DE" b="1" dirty="0"/>
-              <a:t>Weiterbildung</a:t>
-            </a:r>
-            <a:endParaRPr lang="de-CH" dirty="0"/>
-          </a:p>
-        </p:txBody>
-      </p:sp>
-      <p:sp>
-        <p:nvSpPr>
-          <p:cNvPr id="3" name="Untertitel 2"/>
-          <p:cNvSpPr>
-            <a:spLocks noGrp="1"/>
-          </p:cNvSpPr>
-          <p:nvPr>
-            <p:ph type="subTitle" idx="1"/>
-          </p:nvPr>
-        </p:nvSpPr>
-        <p:spPr/>
-        <p:txBody>
-          <a:bodyPr/>
-          <a:lstStyle/>
-          <a:p>
-            <a:endParaRPr lang="de-CH"/>
-          </a:p>
-        </p:txBody>
-      </p:sp>
-    </p:spTree>
-    <p:extLst>
-      <p:ext uri="{BB962C8B-B14F-4D97-AF65-F5344CB8AC3E}">
-        <p14:creationId xmlns:p14="http://schemas.microsoft.com/office/powerpoint/2010/main" val="1090772951"/>
-      </p:ext>
-    </p:extLst>
-  </p:cSld>
-  <p:clrMapOvr>
-    <a:masterClrMapping/>
-  </p:clrMapOvr>
-</p:sld>
-</file>
-
-<file path=ppt/slides/slide25.xml><?xml version="1.0" encoding="utf-8"?>
-<p:sld xmlns:a="http://schemas.openxmlformats.org/drawingml/2006/main" xmlns:r="http://schemas.openxmlformats.org/officeDocument/2006/relationships" xmlns:p="http://schemas.openxmlformats.org/presentationml/2006/main">
-  <p:cSld>
-    <p:spTree>
-      <p:nvGrpSpPr>
-        <p:cNvPr id="1" name=""/>
-        <p:cNvGrpSpPr/>
-        <p:nvPr/>
-      </p:nvGrpSpPr>
-      <p:grpSpPr>
-        <a:xfrm>
-          <a:off x="0" y="0"/>
-          <a:ext cx="0" cy="0"/>
-          <a:chOff x="0" y="0"/>
-          <a:chExt cx="0" cy="0"/>
-        </a:xfrm>
-      </p:grpSpPr>
-      <p:sp>
-        <p:nvSpPr>
-          <p:cNvPr id="2" name="Inhaltsplatzhalter 1"/>
-          <p:cNvSpPr>
-            <a:spLocks noGrp="1"/>
-          </p:cNvSpPr>
-          <p:nvPr>
-            <p:ph sz="half" idx="1"/>
-          </p:nvPr>
-        </p:nvSpPr>
-        <p:spPr/>
-        <p:txBody>
-          <a:bodyPr/>
-          <a:lstStyle/>
-          <a:p>
-            <a:pPr marL="0" indent="0">
-              <a:buNone/>
-            </a:pPr>
-            <a:r>
-              <a:rPr lang="de-DE" b="1" dirty="0"/>
-              <a:t>Breites Spektrum an Weiterbildungsangeboten</a:t>
-            </a:r>
-          </a:p>
-          <a:p>
-            <a:r>
-              <a:rPr lang="en-US" dirty="0"/>
-              <a:t>Certificate of Advanced Studies (CAS)</a:t>
-            </a:r>
-          </a:p>
-          <a:p>
-            <a:r>
-              <a:rPr lang="en-US" dirty="0"/>
-              <a:t>Diploma of Advanced Studies (DAS)</a:t>
-            </a:r>
-          </a:p>
-          <a:p>
-            <a:r>
-              <a:rPr lang="en-US" dirty="0"/>
-              <a:t>Master of Advanced Studies (MAS)</a:t>
-            </a:r>
-          </a:p>
-          <a:p>
-            <a:r>
-              <a:rPr lang="en-US" dirty="0"/>
-              <a:t>Executive Master of Business Administration (EMBA)</a:t>
-            </a:r>
-          </a:p>
-          <a:p>
-            <a:r>
-              <a:rPr lang="de-CH" dirty="0"/>
-              <a:t>Weiterbildungskurse</a:t>
-            </a:r>
-          </a:p>
-          <a:p>
-            <a:endParaRPr lang="de-CH" dirty="0"/>
-          </a:p>
-          <a:p>
-            <a:pPr marL="0" indent="0">
-              <a:buNone/>
-            </a:pPr>
-            <a:r>
-              <a:rPr lang="de-CH" b="1" dirty="0"/>
-              <a:t>Voraussetzungen</a:t>
-            </a:r>
-          </a:p>
-          <a:p>
-            <a:r>
-              <a:rPr lang="de-CH" dirty="0"/>
-              <a:t>Hochschulabschluss oder äquivalente Vorbildung</a:t>
-            </a:r>
-          </a:p>
-          <a:p>
-            <a:r>
-              <a:rPr lang="de-CH" dirty="0"/>
-              <a:t>Mindestens zwei Jahre einschlägige Berufserfahrung</a:t>
-            </a:r>
-          </a:p>
-          <a:p>
-            <a:r>
-              <a:rPr lang="de-CH" dirty="0"/>
-              <a:t>Weiterbildungsspezifische zusätzliche Zulassungskriterien</a:t>
-            </a:r>
-          </a:p>
-          <a:p>
-            <a:endParaRPr lang="de-CH" dirty="0"/>
-          </a:p>
-        </p:txBody>
-      </p:sp>
-      <p:sp>
-        <p:nvSpPr>
-          <p:cNvPr id="3" name="Titel 2"/>
-          <p:cNvSpPr>
-            <a:spLocks noGrp="1"/>
-          </p:cNvSpPr>
-          <p:nvPr>
-            <p:ph type="ctrTitle"/>
-          </p:nvPr>
-        </p:nvSpPr>
-        <p:spPr/>
-        <p:txBody>
-          <a:bodyPr/>
-          <a:lstStyle/>
-          <a:p>
-            <a:r>
-              <a:rPr lang="de-DE" b="1" dirty="0"/>
-              <a:t>Weiterbildung</a:t>
-            </a:r>
-            <a:endParaRPr lang="de-CH" dirty="0"/>
-          </a:p>
-        </p:txBody>
-      </p:sp>
-    </p:spTree>
-    <p:extLst>
-      <p:ext uri="{BB962C8B-B14F-4D97-AF65-F5344CB8AC3E}">
-        <p14:creationId xmlns:p14="http://schemas.microsoft.com/office/powerpoint/2010/main" val="1380285401"/>
-      </p:ext>
-    </p:extLst>
-  </p:cSld>
-  <p:clrMapOvr>
-    <a:masterClrMapping/>
-  </p:clrMapOvr>
-</p:sld>
-</file>
-
-<file path=ppt/slides/slide26.xml><?xml version="1.0" encoding="utf-8"?>
-<p:sld xmlns:a="http://schemas.openxmlformats.org/drawingml/2006/main" xmlns:r="http://schemas.openxmlformats.org/officeDocument/2006/relationships" xmlns:p="http://schemas.openxmlformats.org/presentationml/2006/main">
-  <p:cSld>
-    <p:spTree>
-      <p:nvGrpSpPr>
-        <p:cNvPr id="1" name=""/>
-        <p:cNvGrpSpPr/>
-        <p:nvPr/>
-      </p:nvGrpSpPr>
-      <p:grpSpPr>
-        <a:xfrm>
-          <a:off x="0" y="0"/>
-          <a:ext cx="0" cy="0"/>
-          <a:chOff x="0" y="0"/>
-          <a:chExt cx="0" cy="0"/>
-        </a:xfrm>
-      </p:grpSpPr>
-      <p:sp>
-        <p:nvSpPr>
-          <p:cNvPr id="2" name="Titel 1"/>
-          <p:cNvSpPr>
-            <a:spLocks noGrp="1"/>
-          </p:cNvSpPr>
-          <p:nvPr>
-            <p:ph type="ctrTitle"/>
-          </p:nvPr>
-        </p:nvSpPr>
-        <p:spPr>
-          <a:xfrm>
-            <a:off x="468000" y="1839808"/>
-            <a:ext cx="6513884" cy="1027217"/>
-          </a:xfrm>
-        </p:spPr>
-        <p:txBody>
-          <a:bodyPr/>
-          <a:lstStyle/>
-          <a:p>
-            <a:r>
-              <a:rPr lang="de-DE" b="1" dirty="0"/>
-              <a:t>Angewandte Forschung und Entwicklung</a:t>
-            </a:r>
-            <a:endParaRPr lang="de-CH" dirty="0"/>
-          </a:p>
-        </p:txBody>
-      </p:sp>
-    </p:spTree>
-    <p:extLst>
-      <p:ext uri="{BB962C8B-B14F-4D97-AF65-F5344CB8AC3E}">
-        <p14:creationId xmlns:p14="http://schemas.microsoft.com/office/powerpoint/2010/main" val="651939559"/>
-      </p:ext>
-    </p:extLst>
-  </p:cSld>
-  <p:clrMapOvr>
-    <a:masterClrMapping/>
-  </p:clrMapOvr>
-</p:sld>
-</file>
-
-<file path=ppt/slides/slide27.xml><?xml version="1.0" encoding="utf-8"?>
-<p:sld xmlns:a="http://schemas.openxmlformats.org/drawingml/2006/main" xmlns:r="http://schemas.openxmlformats.org/officeDocument/2006/relationships" xmlns:p="http://schemas.openxmlformats.org/presentationml/2006/main">
-  <p:cSld>
-    <p:spTree>
-      <p:nvGrpSpPr>
-        <p:cNvPr id="1" name=""/>
-        <p:cNvGrpSpPr/>
-        <p:nvPr/>
-      </p:nvGrpSpPr>
-      <p:grpSpPr>
-        <a:xfrm>
-          <a:off x="0" y="0"/>
-          <a:ext cx="0" cy="0"/>
-          <a:chOff x="0" y="0"/>
-          <a:chExt cx="0" cy="0"/>
-        </a:xfrm>
-      </p:grpSpPr>
-      <p:sp>
-        <p:nvSpPr>
-          <p:cNvPr id="2" name="Inhaltsplatzhalter 1"/>
-          <p:cNvSpPr>
-            <a:spLocks noGrp="1"/>
-          </p:cNvSpPr>
-          <p:nvPr>
-            <p:ph sz="half" idx="1"/>
-          </p:nvPr>
-        </p:nvSpPr>
-        <p:spPr/>
-        <p:txBody>
-          <a:bodyPr/>
-          <a:lstStyle/>
-          <a:p>
-            <a:pPr marL="0" indent="0">
-              <a:buNone/>
-            </a:pPr>
-            <a:r>
-              <a:rPr lang="de-DE" b="1" dirty="0"/>
-              <a:t>Merkmale</a:t>
-            </a:r>
-          </a:p>
-          <a:p>
-            <a:r>
-              <a:rPr lang="de-CH" dirty="0"/>
-              <a:t>Hoher Praxis- und Anwendungsbezug mit weitgespanntem Netzwerk</a:t>
-            </a:r>
-          </a:p>
-          <a:p>
-            <a:r>
-              <a:rPr lang="de-CH" dirty="0"/>
-              <a:t>Interdisziplinarität</a:t>
-            </a:r>
-          </a:p>
-          <a:p>
-            <a:r>
-              <a:rPr lang="de-CH" dirty="0"/>
-              <a:t>Schlüsseltechnologien der Zukunft treffen auf hohe Fach- und Forschungskompetenz</a:t>
-            </a:r>
-          </a:p>
-          <a:p>
-            <a:r>
-              <a:rPr lang="de-CH" dirty="0"/>
-              <a:t>Enge Zusammenarbeit mit Wirtschaft, Gesellschaft und Kultur in Form von gemeinsamen Projekten</a:t>
-            </a:r>
-          </a:p>
-          <a:p>
-            <a:r>
-              <a:rPr lang="de-CH" dirty="0"/>
-              <a:t>Wissens- und </a:t>
-            </a:r>
-            <a:r>
-              <a:rPr lang="de-CH" dirty="0" smtClean="0"/>
-              <a:t>Technologietransfer</a:t>
-            </a:r>
-          </a:p>
-          <a:p>
-            <a:r>
-              <a:rPr lang="de-CH" dirty="0" smtClean="0"/>
-              <a:t>Bündelung der Kompetenzen in Instituten</a:t>
-            </a:r>
-          </a:p>
-          <a:p>
-            <a:r>
-              <a:rPr lang="de-CH" dirty="0" smtClean="0"/>
-              <a:t>Rund 20 strategische Forschungsschwerpunkte</a:t>
-            </a:r>
-          </a:p>
-          <a:p>
-            <a:r>
-              <a:rPr lang="de-CH" dirty="0" smtClean="0"/>
-              <a:t>Aktuell 400 F&amp;E-Projekte in 580 Partnerschaften</a:t>
-            </a:r>
-          </a:p>
-          <a:p>
-            <a:endParaRPr lang="de-CH" dirty="0"/>
-          </a:p>
-          <a:p>
-            <a:endParaRPr lang="de-CH" dirty="0"/>
-          </a:p>
-        </p:txBody>
-      </p:sp>
-      <p:sp>
-        <p:nvSpPr>
-          <p:cNvPr id="3" name="Titel 2"/>
-          <p:cNvSpPr>
-            <a:spLocks noGrp="1"/>
-          </p:cNvSpPr>
-          <p:nvPr>
-            <p:ph type="ctrTitle"/>
-          </p:nvPr>
-        </p:nvSpPr>
-        <p:spPr/>
-        <p:txBody>
-          <a:bodyPr/>
-          <a:lstStyle/>
-          <a:p>
-            <a:r>
-              <a:rPr lang="de-DE" b="1" dirty="0"/>
-              <a:t>Angewandte Forschung und Entwicklung</a:t>
-            </a:r>
-            <a:endParaRPr lang="de-CH" dirty="0"/>
-          </a:p>
-        </p:txBody>
-      </p:sp>
-    </p:spTree>
-    <p:extLst>
-      <p:ext uri="{BB962C8B-B14F-4D97-AF65-F5344CB8AC3E}">
-        <p14:creationId xmlns:p14="http://schemas.microsoft.com/office/powerpoint/2010/main" val="2851177068"/>
-      </p:ext>
-    </p:extLst>
-  </p:cSld>
-  <p:clrMapOvr>
-    <a:masterClrMapping/>
-  </p:clrMapOvr>
-</p:sld>
-</file>
-
-<file path=ppt/slides/slide28.xml><?xml version="1.0" encoding="utf-8"?>
-<p:sld xmlns:a="http://schemas.openxmlformats.org/drawingml/2006/main" xmlns:r="http://schemas.openxmlformats.org/officeDocument/2006/relationships" xmlns:p="http://schemas.openxmlformats.org/presentationml/2006/main">
-  <p:cSld>
-    <p:spTree>
-      <p:nvGrpSpPr>
-        <p:cNvPr id="1" name=""/>
-        <p:cNvGrpSpPr/>
-        <p:nvPr/>
-      </p:nvGrpSpPr>
-      <p:grpSpPr>
-        <a:xfrm>
-          <a:off x="0" y="0"/>
-          <a:ext cx="0" cy="0"/>
-          <a:chOff x="0" y="0"/>
-          <a:chExt cx="0" cy="0"/>
-        </a:xfrm>
-      </p:grpSpPr>
-      <p:sp>
-        <p:nvSpPr>
-          <p:cNvPr id="2" name="Inhaltsplatzhalter 1"/>
-          <p:cNvSpPr>
-            <a:spLocks noGrp="1"/>
-          </p:cNvSpPr>
-          <p:nvPr>
-            <p:ph sz="half" idx="1"/>
-          </p:nvPr>
-        </p:nvSpPr>
-        <p:spPr/>
-        <p:txBody>
-          <a:bodyPr/>
-          <a:lstStyle/>
-          <a:p>
-            <a:r>
-              <a:rPr lang="de-CH" dirty="0" err="1" smtClean="0"/>
-              <a:t>Energy</a:t>
-            </a:r>
-            <a:r>
-              <a:rPr lang="de-CH" dirty="0" smtClean="0"/>
-              <a:t> </a:t>
-            </a:r>
-            <a:r>
-              <a:rPr lang="de-CH" dirty="0" err="1" smtClean="0"/>
-              <a:t>and</a:t>
-            </a:r>
-            <a:r>
-              <a:rPr lang="de-CH" dirty="0" smtClean="0"/>
-              <a:t> Mobility Research</a:t>
-            </a:r>
-            <a:endParaRPr lang="de-CH" dirty="0"/>
-          </a:p>
-          <a:p>
-            <a:r>
-              <a:rPr lang="de-CH" dirty="0" smtClean="0"/>
-              <a:t>Holz- und Verbundbau</a:t>
-            </a:r>
-            <a:endParaRPr lang="de-CH" dirty="0"/>
-          </a:p>
-          <a:p>
-            <a:r>
-              <a:rPr lang="de-CH" dirty="0" smtClean="0"/>
-              <a:t>Tierproduktionssysteme</a:t>
-            </a:r>
-            <a:endParaRPr lang="de-CH" dirty="0"/>
-          </a:p>
-          <a:p>
-            <a:r>
-              <a:rPr lang="de-CH" dirty="0" err="1"/>
-              <a:t>e</a:t>
-            </a:r>
-            <a:r>
-              <a:rPr lang="de-CH" dirty="0" err="1" smtClean="0"/>
-              <a:t>Government</a:t>
-            </a:r>
-            <a:endParaRPr lang="de-CH" dirty="0" smtClean="0"/>
-          </a:p>
-          <a:p>
-            <a:r>
-              <a:rPr lang="de-CH" dirty="0" smtClean="0"/>
-              <a:t>Materialität in Kunst und Kultur</a:t>
-            </a:r>
-          </a:p>
-          <a:p>
-            <a:r>
-              <a:rPr lang="de-CH" dirty="0" smtClean="0"/>
-              <a:t>Sport</a:t>
-            </a:r>
-            <a:endParaRPr lang="de-CH" dirty="0"/>
-          </a:p>
-          <a:p>
-            <a:endParaRPr lang="de-CH" sz="1600" dirty="0"/>
-          </a:p>
-          <a:p>
-            <a:pPr marL="0" indent="0">
-              <a:buNone/>
-            </a:pPr>
-            <a:endParaRPr lang="de-CH" sz="1600" dirty="0"/>
-          </a:p>
-          <a:p>
-            <a:endParaRPr lang="de-CH" sz="1600" dirty="0"/>
-          </a:p>
-        </p:txBody>
-      </p:sp>
-      <p:sp>
-        <p:nvSpPr>
-          <p:cNvPr id="3" name="Titel 2"/>
-          <p:cNvSpPr>
-            <a:spLocks noGrp="1"/>
-          </p:cNvSpPr>
-          <p:nvPr>
-            <p:ph type="ctrTitle"/>
-          </p:nvPr>
-        </p:nvSpPr>
-        <p:spPr/>
-        <p:txBody>
-          <a:bodyPr/>
-          <a:lstStyle/>
-          <a:p>
-            <a:r>
-              <a:rPr lang="de-CH" b="1" dirty="0" smtClean="0"/>
-              <a:t>Forschungskompetenzen – Beispiele</a:t>
-            </a:r>
-            <a:endParaRPr lang="de-CH" b="1" dirty="0"/>
-          </a:p>
-        </p:txBody>
-      </p:sp>
-    </p:spTree>
-    <p:extLst>
-      <p:ext uri="{BB962C8B-B14F-4D97-AF65-F5344CB8AC3E}">
-        <p14:creationId xmlns:p14="http://schemas.microsoft.com/office/powerpoint/2010/main" val="4137724811"/>
-      </p:ext>
-    </p:extLst>
-  </p:cSld>
-  <p:clrMapOvr>
-    <a:masterClrMapping/>
-  </p:clrMapOvr>
-</p:sld>
-</file>
-
-<file path=ppt/slides/slide29.xml><?xml version="1.0" encoding="utf-8"?>
-<p:sld xmlns:a="http://schemas.openxmlformats.org/drawingml/2006/main" xmlns:r="http://schemas.openxmlformats.org/officeDocument/2006/relationships" xmlns:p="http://schemas.openxmlformats.org/presentationml/2006/main">
-  <p:cSld>
-    <p:spTree>
-      <p:nvGrpSpPr>
-        <p:cNvPr id="1" name=""/>
-        <p:cNvGrpSpPr/>
-        <p:nvPr/>
-      </p:nvGrpSpPr>
-      <p:grpSpPr>
-        <a:xfrm>
-          <a:off x="0" y="0"/>
-          <a:ext cx="0" cy="0"/>
-          <a:chOff x="0" y="0"/>
-          <a:chExt cx="0" cy="0"/>
-        </a:xfrm>
-      </p:grpSpPr>
-      <p:sp>
-        <p:nvSpPr>
-          <p:cNvPr id="2" name="Titel 1"/>
-          <p:cNvSpPr>
-            <a:spLocks noGrp="1"/>
-          </p:cNvSpPr>
-          <p:nvPr>
-            <p:ph type="ctrTitle"/>
-          </p:nvPr>
-        </p:nvSpPr>
-        <p:spPr>
-          <a:xfrm>
-            <a:off x="468000" y="1839808"/>
-            <a:ext cx="6513884" cy="1074842"/>
-          </a:xfrm>
-        </p:spPr>
-        <p:txBody>
-          <a:bodyPr/>
-          <a:lstStyle/>
-          <a:p>
-            <a:r>
-              <a:rPr lang="en-US" b="1" dirty="0" err="1" smtClean="0"/>
-              <a:t>Grossprojekt</a:t>
-            </a:r>
-            <a:r>
-              <a:rPr lang="en-US" b="1" dirty="0" smtClean="0"/>
-              <a:t> Campus Biel/Bienne</a:t>
-            </a:r>
-            <a:endParaRPr lang="de-CH" dirty="0"/>
-          </a:p>
-        </p:txBody>
-      </p:sp>
-      <p:sp>
-        <p:nvSpPr>
-          <p:cNvPr id="3" name="Untertitel 2"/>
-          <p:cNvSpPr>
-            <a:spLocks noGrp="1"/>
-          </p:cNvSpPr>
-          <p:nvPr>
-            <p:ph type="subTitle" idx="1"/>
-          </p:nvPr>
-        </p:nvSpPr>
-        <p:spPr>
-          <a:xfrm>
-            <a:off x="468000" y="2877738"/>
-            <a:ext cx="6513884" cy="805526"/>
-          </a:xfrm>
-        </p:spPr>
-        <p:txBody>
-          <a:bodyPr/>
-          <a:lstStyle/>
-          <a:p>
-            <a:endParaRPr lang="de-CH" dirty="0"/>
-          </a:p>
-        </p:txBody>
-      </p:sp>
-    </p:spTree>
-    <p:extLst>
-      <p:ext uri="{BB962C8B-B14F-4D97-AF65-F5344CB8AC3E}">
-        <p14:creationId xmlns:p14="http://schemas.microsoft.com/office/powerpoint/2010/main" val="1323654921"/>
-      </p:ext>
-    </p:extLst>
-  </p:cSld>
-  <p:clrMapOvr>
-    <a:masterClrMapping/>
-  </p:clrMapOvr>
-</p:sld>
-</file>
-
 <file path=ppt/slides/slide3.xml><?xml version="1.0" encoding="utf-8"?>
 <p:sld xmlns:a="http://schemas.openxmlformats.org/drawingml/2006/main" xmlns:r="http://schemas.openxmlformats.org/officeDocument/2006/relationships" xmlns:p="http://schemas.openxmlformats.org/presentationml/2006/main">
   <p:cSld>
@@ -11237,7 +7890,7 @@
       </p:grpSpPr>
       <p:sp>
         <p:nvSpPr>
-          <p:cNvPr id="5" name="Titel 4"/>
+          <p:cNvPr id="3" name="Titel 2"/>
           <p:cNvSpPr>
             <a:spLocks noGrp="1"/>
           </p:cNvSpPr>
@@ -11251,28 +7904,11 @@
           <a:lstStyle/>
           <a:p>
             <a:r>
-              <a:rPr lang="de-DE" b="1" dirty="0" smtClean="0"/>
-              <a:t>Einführung</a:t>
-            </a:r>
-            <a:endParaRPr lang="de-CH" dirty="0"/>
-          </a:p>
-        </p:txBody>
-      </p:sp>
-      <p:sp>
-        <p:nvSpPr>
-          <p:cNvPr id="6" name="Untertitel 5"/>
-          <p:cNvSpPr>
-            <a:spLocks noGrp="1"/>
-          </p:cNvSpPr>
-          <p:nvPr>
-            <p:ph type="subTitle" idx="1"/>
-          </p:nvPr>
-        </p:nvSpPr>
-        <p:spPr/>
-        <p:txBody>
-          <a:bodyPr/>
-          <a:lstStyle/>
-          <a:p>
+              <a:rPr lang="de-DE" b="1" dirty="0" smtClean="0">
+                <a:hlinkClick r:id="rId2"/>
+              </a:rPr>
+              <a:t>Live Demo</a:t>
+            </a:r>
             <a:endParaRPr lang="de-CH" dirty="0"/>
           </a:p>
         </p:txBody>
@@ -11280,325 +7916,7 @@
     </p:spTree>
     <p:extLst>
       <p:ext uri="{BB962C8B-B14F-4D97-AF65-F5344CB8AC3E}">
-        <p14:creationId xmlns:p14="http://schemas.microsoft.com/office/powerpoint/2010/main" val="3399875752"/>
-      </p:ext>
-    </p:extLst>
-  </p:cSld>
-  <p:clrMapOvr>
-    <a:masterClrMapping/>
-  </p:clrMapOvr>
-  <p:timing>
-    <p:tnLst>
-      <p:par>
-        <p:cTn xmlns:p14="http://schemas.microsoft.com/office/powerpoint/2010/main" id="1" dur="indefinite" restart="never" nodeType="tmRoot"/>
-      </p:par>
-    </p:tnLst>
-  </p:timing>
-</p:sld>
-</file>
-
-<file path=ppt/slides/slide30.xml><?xml version="1.0" encoding="utf-8"?>
-<p:sld xmlns:a="http://schemas.openxmlformats.org/drawingml/2006/main" xmlns:r="http://schemas.openxmlformats.org/officeDocument/2006/relationships" xmlns:p="http://schemas.openxmlformats.org/presentationml/2006/main">
-  <p:cSld>
-    <p:spTree>
-      <p:nvGrpSpPr>
-        <p:cNvPr id="1" name=""/>
-        <p:cNvGrpSpPr/>
-        <p:nvPr/>
-      </p:nvGrpSpPr>
-      <p:grpSpPr>
-        <a:xfrm>
-          <a:off x="0" y="0"/>
-          <a:ext cx="0" cy="0"/>
-          <a:chOff x="0" y="0"/>
-          <a:chExt cx="0" cy="0"/>
-        </a:xfrm>
-      </p:grpSpPr>
-      <p:sp>
-        <p:nvSpPr>
-          <p:cNvPr id="2" name="Inhaltsplatzhalter 1"/>
-          <p:cNvSpPr>
-            <a:spLocks noGrp="1"/>
-          </p:cNvSpPr>
-          <p:nvPr>
-            <p:ph sz="half" idx="1"/>
-          </p:nvPr>
-        </p:nvSpPr>
-        <p:spPr>
-          <a:xfrm>
-            <a:off x="468000" y="1432684"/>
-            <a:ext cx="8100000" cy="4680000"/>
-          </a:xfrm>
-        </p:spPr>
-        <p:txBody>
-          <a:bodyPr/>
-          <a:lstStyle/>
-          <a:p>
-            <a:pPr marL="271463" lvl="1" indent="-271463"/>
-            <a:r>
-              <a:rPr lang="de-CH" dirty="0"/>
-              <a:t>Campus Biel/Bienne der BFH als </a:t>
-            </a:r>
-            <a:r>
-              <a:rPr lang="de-CH" dirty="0" smtClean="0"/>
-              <a:t>Leuchtturm</a:t>
-            </a:r>
-          </a:p>
-          <a:p>
-            <a:pPr marL="271463" lvl="1" indent="-271463"/>
-            <a:r>
-              <a:rPr lang="de-CH" dirty="0" smtClean="0"/>
-              <a:t>2016 Baustart Campus Biel/Bienne – 2020 Eröffnung </a:t>
-            </a:r>
-          </a:p>
-          <a:p>
-            <a:r>
-              <a:rPr lang="de-CH" dirty="0" smtClean="0"/>
-              <a:t>Die </a:t>
-            </a:r>
-            <a:r>
-              <a:rPr lang="de-CH" dirty="0"/>
-              <a:t>Aussicht auf Ergänzung </a:t>
-            </a:r>
-            <a:r>
-              <a:rPr lang="de-CH" dirty="0" smtClean="0"/>
-              <a:t>des Campus durch </a:t>
-            </a:r>
-            <a:r>
-              <a:rPr lang="de-CH" dirty="0"/>
-              <a:t>einen SIP-Netzwerkstandort ist </a:t>
-            </a:r>
-            <a:r>
-              <a:rPr lang="de-CH" dirty="0" smtClean="0"/>
-              <a:t>hochattraktiv</a:t>
-            </a:r>
-            <a:endParaRPr lang="de-CH" dirty="0"/>
-          </a:p>
-          <a:p>
-            <a:r>
-              <a:rPr lang="de-CH" dirty="0" smtClean="0"/>
-              <a:t>Steigerung des Volumens an Innovationsprojekten in der Region</a:t>
-            </a:r>
-          </a:p>
-          <a:p>
-            <a:r>
-              <a:rPr lang="de-CH" dirty="0" smtClean="0"/>
-              <a:t>SIP als Plattform für Treffen zwischen Talenten der BFH und der Wirtschaft</a:t>
-            </a:r>
-            <a:endParaRPr lang="de-CH" dirty="0"/>
-          </a:p>
-        </p:txBody>
-      </p:sp>
-      <p:sp>
-        <p:nvSpPr>
-          <p:cNvPr id="3" name="Titel 2"/>
-          <p:cNvSpPr>
-            <a:spLocks noGrp="1"/>
-          </p:cNvSpPr>
-          <p:nvPr>
-            <p:ph type="ctrTitle"/>
-          </p:nvPr>
-        </p:nvSpPr>
-        <p:spPr/>
-        <p:txBody>
-          <a:bodyPr/>
-          <a:lstStyle/>
-          <a:p>
-            <a:r>
-              <a:rPr lang="de-CH" b="1" dirty="0" smtClean="0"/>
-              <a:t>BFH Campus Biel/Bienne und Swiss Innovation Park – ein ideales Team!</a:t>
-            </a:r>
-            <a:endParaRPr lang="de-CH" b="1" dirty="0"/>
-          </a:p>
-        </p:txBody>
-      </p:sp>
-      <p:sp>
-        <p:nvSpPr>
-          <p:cNvPr id="4" name="Datumsplatzhalter 3"/>
-          <p:cNvSpPr txBox="1">
-            <a:spLocks/>
-          </p:cNvSpPr>
-          <p:nvPr/>
-        </p:nvSpPr>
-        <p:spPr>
-          <a:xfrm>
-            <a:off x="7544105" y="6300000"/>
-            <a:ext cx="1080000" cy="180000"/>
-          </a:xfrm>
-          <a:prstGeom prst="rect">
-            <a:avLst/>
-          </a:prstGeom>
-        </p:spPr>
-        <p:txBody>
-          <a:bodyPr vert="horz" lIns="91440" tIns="45720" rIns="91440" bIns="45720" rtlCol="0" anchor="t" anchorCtr="0"/>
-          <a:lstStyle>
-            <a:defPPr>
-              <a:defRPr lang="de-DE"/>
-            </a:defPPr>
-            <a:lvl1pPr marL="0" algn="r" defTabSz="457200" rtl="0" eaLnBrk="1" latinLnBrk="0" hangingPunct="1">
-              <a:defRPr sz="1000" kern="1200">
-                <a:solidFill>
-                  <a:srgbClr val="697D91"/>
-                </a:solidFill>
-                <a:latin typeface="Lucida Sans"/>
-                <a:ea typeface="+mn-ea"/>
-                <a:cs typeface="+mn-cs"/>
-              </a:defRPr>
-            </a:lvl1pPr>
-            <a:lvl2pPr marL="457200" algn="l" defTabSz="457200" rtl="0" eaLnBrk="1" latinLnBrk="0" hangingPunct="1">
-              <a:defRPr sz="1800" kern="1200">
-                <a:solidFill>
-                  <a:schemeClr val="tx1"/>
-                </a:solidFill>
-                <a:latin typeface="+mn-lt"/>
-                <a:ea typeface="+mn-ea"/>
-                <a:cs typeface="+mn-cs"/>
-              </a:defRPr>
-            </a:lvl2pPr>
-            <a:lvl3pPr marL="914400" algn="l" defTabSz="457200" rtl="0" eaLnBrk="1" latinLnBrk="0" hangingPunct="1">
-              <a:defRPr sz="1800" kern="1200">
-                <a:solidFill>
-                  <a:schemeClr val="tx1"/>
-                </a:solidFill>
-                <a:latin typeface="+mn-lt"/>
-                <a:ea typeface="+mn-ea"/>
-                <a:cs typeface="+mn-cs"/>
-              </a:defRPr>
-            </a:lvl3pPr>
-            <a:lvl4pPr marL="1371600" algn="l" defTabSz="457200" rtl="0" eaLnBrk="1" latinLnBrk="0" hangingPunct="1">
-              <a:defRPr sz="1800" kern="1200">
-                <a:solidFill>
-                  <a:schemeClr val="tx1"/>
-                </a:solidFill>
-                <a:latin typeface="+mn-lt"/>
-                <a:ea typeface="+mn-ea"/>
-                <a:cs typeface="+mn-cs"/>
-              </a:defRPr>
-            </a:lvl4pPr>
-            <a:lvl5pPr marL="1828800" algn="l" defTabSz="457200" rtl="0" eaLnBrk="1" latinLnBrk="0" hangingPunct="1">
-              <a:defRPr sz="1800" kern="1200">
-                <a:solidFill>
-                  <a:schemeClr val="tx1"/>
-                </a:solidFill>
-                <a:latin typeface="+mn-lt"/>
-                <a:ea typeface="+mn-ea"/>
-                <a:cs typeface="+mn-cs"/>
-              </a:defRPr>
-            </a:lvl5pPr>
-            <a:lvl6pPr marL="2286000" algn="l" defTabSz="457200" rtl="0" eaLnBrk="1" latinLnBrk="0" hangingPunct="1">
-              <a:defRPr sz="1800" kern="1200">
-                <a:solidFill>
-                  <a:schemeClr val="tx1"/>
-                </a:solidFill>
-                <a:latin typeface="+mn-lt"/>
-                <a:ea typeface="+mn-ea"/>
-                <a:cs typeface="+mn-cs"/>
-              </a:defRPr>
-            </a:lvl6pPr>
-            <a:lvl7pPr marL="2743200" algn="l" defTabSz="457200" rtl="0" eaLnBrk="1" latinLnBrk="0" hangingPunct="1">
-              <a:defRPr sz="1800" kern="1200">
-                <a:solidFill>
-                  <a:schemeClr val="tx1"/>
-                </a:solidFill>
-                <a:latin typeface="+mn-lt"/>
-                <a:ea typeface="+mn-ea"/>
-                <a:cs typeface="+mn-cs"/>
-              </a:defRPr>
-            </a:lvl7pPr>
-            <a:lvl8pPr marL="3200400" algn="l" defTabSz="457200" rtl="0" eaLnBrk="1" latinLnBrk="0" hangingPunct="1">
-              <a:defRPr sz="1800" kern="1200">
-                <a:solidFill>
-                  <a:schemeClr val="tx1"/>
-                </a:solidFill>
-                <a:latin typeface="+mn-lt"/>
-                <a:ea typeface="+mn-ea"/>
-                <a:cs typeface="+mn-cs"/>
-              </a:defRPr>
-            </a:lvl8pPr>
-            <a:lvl9pPr marL="3657600" algn="l" defTabSz="457200" rtl="0" eaLnBrk="1" latinLnBrk="0" hangingPunct="1">
-              <a:defRPr sz="1800" kern="1200">
-                <a:solidFill>
-                  <a:schemeClr val="tx1"/>
-                </a:solidFill>
-                <a:latin typeface="+mn-lt"/>
-                <a:ea typeface="+mn-ea"/>
-                <a:cs typeface="+mn-cs"/>
-              </a:defRPr>
-            </a:lvl9pPr>
-          </a:lstStyle>
-          <a:p>
-            <a:r>
-              <a:rPr lang="de-DE" dirty="0" smtClean="0"/>
-              <a:t>9</a:t>
-            </a:r>
-            <a:endParaRPr lang="de-DE" dirty="0"/>
-          </a:p>
-        </p:txBody>
-      </p:sp>
-    </p:spTree>
-    <p:extLst>
-      <p:ext uri="{BB962C8B-B14F-4D97-AF65-F5344CB8AC3E}">
-        <p14:creationId xmlns:p14="http://schemas.microsoft.com/office/powerpoint/2010/main" val="1256132955"/>
-      </p:ext>
-    </p:extLst>
-  </p:cSld>
-  <p:clrMapOvr>
-    <a:masterClrMapping/>
-  </p:clrMapOvr>
-  <p:timing>
-    <p:tnLst>
-      <p:par>
-        <p:cTn xmlns:p14="http://schemas.microsoft.com/office/powerpoint/2010/main" id="1" dur="indefinite" restart="never" nodeType="tmRoot"/>
-      </p:par>
-    </p:tnLst>
-  </p:timing>
-</p:sld>
-</file>
-
-<file path=ppt/slides/slide31.xml><?xml version="1.0" encoding="utf-8"?>
-<p:sld xmlns:a="http://schemas.openxmlformats.org/drawingml/2006/main" xmlns:r="http://schemas.openxmlformats.org/officeDocument/2006/relationships" xmlns:p="http://schemas.openxmlformats.org/presentationml/2006/main">
-  <p:cSld>
-    <p:spTree>
-      <p:nvGrpSpPr>
-        <p:cNvPr id="1" name=""/>
-        <p:cNvGrpSpPr/>
-        <p:nvPr/>
-      </p:nvGrpSpPr>
-      <p:grpSpPr>
-        <a:xfrm>
-          <a:off x="0" y="0"/>
-          <a:ext cx="0" cy="0"/>
-          <a:chOff x="0" y="0"/>
-          <a:chExt cx="0" cy="0"/>
-        </a:xfrm>
-      </p:grpSpPr>
-      <p:sp>
-        <p:nvSpPr>
-          <p:cNvPr id="2" name="Titel 1"/>
-          <p:cNvSpPr>
-            <a:spLocks noGrp="1"/>
-          </p:cNvSpPr>
-          <p:nvPr>
-            <p:ph type="ctrTitle"/>
-          </p:nvPr>
-        </p:nvSpPr>
-        <p:spPr/>
-        <p:txBody>
-          <a:bodyPr/>
-          <a:lstStyle/>
-          <a:p>
-            <a:r>
-              <a:rPr lang="de-DE" dirty="0"/>
-              <a:t>Herzlichen Dank!</a:t>
-            </a:r>
-            <a:endParaRPr lang="de-CH" dirty="0"/>
-          </a:p>
-        </p:txBody>
-      </p:sp>
-    </p:spTree>
-    <p:extLst>
-      <p:ext uri="{BB962C8B-B14F-4D97-AF65-F5344CB8AC3E}">
-        <p14:creationId xmlns:p14="http://schemas.microsoft.com/office/powerpoint/2010/main" val="1953900258"/>
+        <p14:creationId xmlns:p14="http://schemas.microsoft.com/office/powerpoint/2010/main" val="3741675672"/>
       </p:ext>
     </p:extLst>
   </p:cSld>
@@ -11627,12 +7945,12 @@
       </p:grpSpPr>
       <p:sp>
         <p:nvSpPr>
-          <p:cNvPr id="2" name="Inhaltsplatzhalter 1"/>
-          <p:cNvSpPr>
-            <a:spLocks noGrp="1"/>
-          </p:cNvSpPr>
-          <p:nvPr>
-            <p:ph sz="half" idx="1"/>
+          <p:cNvPr id="3" name="Titel 2"/>
+          <p:cNvSpPr>
+            <a:spLocks noGrp="1"/>
+          </p:cNvSpPr>
+          <p:nvPr>
+            <p:ph type="ctrTitle"/>
           </p:nvPr>
         </p:nvSpPr>
         <p:spPr/>
@@ -11640,104 +7958,75 @@
           <a:bodyPr/>
           <a:lstStyle/>
           <a:p>
+            <a:r>
+              <a:rPr lang="de-DE" b="1" dirty="0" smtClean="0"/>
+              <a:t>Persönliche Beitr</a:t>
+            </a:r>
+            <a:r>
+              <a:rPr lang="de-DE" b="1" dirty="0" smtClean="0"/>
+              <a:t>äge</a:t>
+            </a:r>
             <a:endParaRPr lang="de-CH" dirty="0"/>
           </a:p>
         </p:txBody>
       </p:sp>
       <p:sp>
         <p:nvSpPr>
-          <p:cNvPr id="3" name="Titel 2"/>
-          <p:cNvSpPr>
-            <a:spLocks noGrp="1"/>
-          </p:cNvSpPr>
-          <p:nvPr>
-            <p:ph type="ctrTitle"/>
-          </p:nvPr>
-        </p:nvSpPr>
-        <p:spPr/>
+          <p:cNvPr id="5" name="Textplatzhalter 4"/>
+          <p:cNvSpPr>
+            <a:spLocks noGrp="1"/>
+          </p:cNvSpPr>
+          <p:nvPr>
+            <p:ph type="body" idx="1"/>
+          </p:nvPr>
+        </p:nvSpPr>
+        <p:spPr>
+          <a:xfrm>
+            <a:off x="468000" y="990000"/>
+            <a:ext cx="8100000" cy="540000"/>
+          </a:xfrm>
+        </p:spPr>
         <p:txBody>
           <a:bodyPr/>
           <a:lstStyle/>
           <a:p>
             <a:r>
-              <a:rPr lang="de-DE" b="1" dirty="0"/>
-              <a:t>Standorte der Berner Fachhochschule</a:t>
+              <a:rPr lang="de-CH" dirty="0" smtClean="0"/>
+              <a:t>Rea</a:t>
             </a:r>
             <a:endParaRPr lang="de-CH" dirty="0"/>
           </a:p>
         </p:txBody>
       </p:sp>
-      <p:pic>
-        <p:nvPicPr>
-          <p:cNvPr id="1026" name="Picture 2"/>
-          <p:cNvPicPr>
-            <a:picLocks noChangeAspect="1" noChangeArrowheads="1"/>
-          </p:cNvPicPr>
-          <p:nvPr/>
-        </p:nvPicPr>
-        <p:blipFill>
-          <a:blip r:embed="rId2">
-            <a:extLst>
-              <a:ext uri="{28A0092B-C50C-407E-A947-70E740481C1C}">
-                <a14:useLocalDpi xmlns:a14="http://schemas.microsoft.com/office/drawing/2010/main" val="0"/>
-              </a:ext>
-            </a:extLst>
-          </a:blip>
-          <a:srcRect/>
-          <a:stretch>
-            <a:fillRect/>
-          </a:stretch>
-        </p:blipFill>
-        <p:spPr bwMode="auto">
-          <a:xfrm>
-            <a:off x="468000" y="1439999"/>
-            <a:ext cx="6600825" cy="4448175"/>
-          </a:xfrm>
-          <a:prstGeom prst="rect">
-            <a:avLst/>
-          </a:prstGeom>
-          <a:noFill/>
-          <a:ln>
-            <a:noFill/>
-          </a:ln>
-          <a:extLst>
-            <a:ext uri="{909E8E84-426E-40dd-AFC4-6F175D3DCCD1}">
-              <a14:hiddenFill xmlns:a14="http://schemas.microsoft.com/office/drawing/2010/main">
-                <a:solidFill>
-                  <a:schemeClr val="accent1"/>
-                </a:solidFill>
-              </a14:hiddenFill>
-            </a:ext>
-            <a:ext uri="{91240B29-F687-4f45-9708-019B960494DF}">
-              <a14:hiddenLine xmlns:a14="http://schemas.microsoft.com/office/drawing/2010/main" w="9525">
-                <a:solidFill>
-                  <a:schemeClr val="tx1"/>
-                </a:solidFill>
-                <a:miter lim="800000"/>
-                <a:headEnd/>
-                <a:tailEnd/>
-              </a14:hiddenLine>
-            </a:ext>
-          </a:extLst>
-        </p:spPr>
-      </p:pic>
+      <p:sp>
+        <p:nvSpPr>
+          <p:cNvPr id="6" name="Inhaltsplatzhalter 5"/>
+          <p:cNvSpPr>
+            <a:spLocks noGrp="1"/>
+          </p:cNvSpPr>
+          <p:nvPr>
+            <p:ph sz="half" idx="13"/>
+          </p:nvPr>
+        </p:nvSpPr>
+        <p:spPr/>
+        <p:txBody>
+          <a:bodyPr/>
+          <a:lstStyle/>
+          <a:p>
+            <a:endParaRPr lang="de-CH"/>
+          </a:p>
+        </p:txBody>
+      </p:sp>
     </p:spTree>
     <p:extLst>
       <p:ext uri="{BB962C8B-B14F-4D97-AF65-F5344CB8AC3E}">
-        <p14:creationId xmlns:p14="http://schemas.microsoft.com/office/powerpoint/2010/main" val="3741675672"/>
+        <p14:creationId xmlns:p14="http://schemas.microsoft.com/office/powerpoint/2010/main" val="1761532058"/>
       </p:ext>
     </p:extLst>
   </p:cSld>
   <p:clrMapOvr>
     <a:masterClrMapping/>
   </p:clrMapOvr>
-  <p:timing>
-    <p:tnLst>
-      <p:par>
-        <p:cTn xmlns:p14="http://schemas.microsoft.com/office/powerpoint/2010/main" id="1" dur="indefinite" restart="never" nodeType="tmRoot"/>
-      </p:par>
-    </p:tnLst>
-  </p:timing>
 </p:sld>
 </file>
 
@@ -11760,12 +8049,12 @@
       </p:grpSpPr>
       <p:sp>
         <p:nvSpPr>
-          <p:cNvPr id="2" name="Inhaltsplatzhalter 1"/>
-          <p:cNvSpPr>
-            <a:spLocks noGrp="1"/>
-          </p:cNvSpPr>
-          <p:nvPr>
-            <p:ph sz="half" idx="1"/>
+          <p:cNvPr id="3" name="Titel 2"/>
+          <p:cNvSpPr>
+            <a:spLocks noGrp="1"/>
+          </p:cNvSpPr>
+          <p:nvPr>
+            <p:ph type="ctrTitle"/>
           </p:nvPr>
         </p:nvSpPr>
         <p:spPr/>
@@ -11773,325 +8062,65 @@
           <a:bodyPr/>
           <a:lstStyle/>
           <a:p>
-            <a:pPr marL="0" indent="0">
-              <a:buNone/>
-            </a:pPr>
-            <a:r>
-              <a:rPr lang="de-DE" sz="1500" b="1" dirty="0"/>
-              <a:t>Gründung				</a:t>
-            </a:r>
-            <a:r>
-              <a:rPr lang="de-DE" sz="1500" dirty="0"/>
-              <a:t>1. Oktober 1997</a:t>
-            </a:r>
-          </a:p>
-          <a:p>
-            <a:pPr marL="0" indent="0">
-              <a:buNone/>
-            </a:pPr>
-            <a:r>
-              <a:rPr lang="de-CH" sz="1500" b="1" dirty="0"/>
-              <a:t>Departemente			</a:t>
-            </a:r>
-            <a:r>
-              <a:rPr lang="de-CH" sz="1500" dirty="0" smtClean="0"/>
-              <a:t>- </a:t>
-            </a:r>
-            <a:r>
-              <a:rPr lang="de-CH" sz="1500" dirty="0"/>
-              <a:t>Architektur, Holz und </a:t>
-            </a:r>
-            <a:r>
-              <a:rPr lang="de-CH" sz="1500" dirty="0" smtClean="0"/>
-              <a:t>Bau</a:t>
-            </a:r>
-          </a:p>
-          <a:p>
-            <a:pPr marL="0" indent="0">
-              <a:buNone/>
-            </a:pPr>
-            <a:r>
-              <a:rPr lang="de-CH" sz="1500" dirty="0" smtClean="0"/>
-              <a:t>						- </a:t>
-            </a:r>
-            <a:r>
-              <a:rPr lang="de-CH" sz="1500" dirty="0"/>
-              <a:t>Hochschule für Agrar-, Forst- und 										   </a:t>
-            </a:r>
-            <a:r>
-              <a:rPr lang="de-CH" sz="1500" dirty="0" smtClean="0"/>
-              <a:t>Lebensmittelwissenschaften</a:t>
-            </a:r>
-          </a:p>
-          <a:p>
-            <a:pPr marL="0" indent="0">
-              <a:buNone/>
-            </a:pPr>
-            <a:r>
-              <a:rPr lang="de-CH" sz="1500" dirty="0" smtClean="0"/>
-              <a:t>						- </a:t>
-            </a:r>
-            <a:r>
-              <a:rPr lang="de-CH" sz="1500" dirty="0"/>
-              <a:t>Hochschule der Künste </a:t>
-            </a:r>
-            <a:r>
-              <a:rPr lang="de-CH" sz="1500" dirty="0" smtClean="0"/>
-              <a:t>Bern</a:t>
-            </a:r>
-          </a:p>
-          <a:p>
-            <a:pPr marL="0" indent="0">
-              <a:buNone/>
-            </a:pPr>
-            <a:r>
-              <a:rPr lang="de-CH" sz="1500" dirty="0"/>
-              <a:t>	</a:t>
-            </a:r>
-            <a:r>
-              <a:rPr lang="de-CH" sz="1500" dirty="0" smtClean="0"/>
-              <a:t>					- Technik und Informatik</a:t>
-            </a:r>
-            <a:endParaRPr lang="de-CH" sz="1500" dirty="0"/>
-          </a:p>
-          <a:p>
-            <a:pPr marL="0" indent="0">
-              <a:buNone/>
-            </a:pPr>
-            <a:r>
-              <a:rPr lang="de-CH" sz="1500" dirty="0"/>
-              <a:t>					</a:t>
-            </a:r>
-            <a:r>
-              <a:rPr lang="de-CH" sz="1500" dirty="0" smtClean="0"/>
-              <a:t>	- </a:t>
-            </a:r>
-            <a:r>
-              <a:rPr lang="de-CH" sz="1500" dirty="0"/>
-              <a:t>Wirtschaft, Gesundheit, Soziale Arbeit</a:t>
-            </a:r>
-          </a:p>
-          <a:p>
-            <a:pPr marL="0" indent="0">
-              <a:buNone/>
-            </a:pPr>
-            <a:r>
-              <a:rPr lang="de-CH" sz="1500" dirty="0"/>
-              <a:t>					</a:t>
-            </a:r>
-            <a:r>
-              <a:rPr lang="de-CH" sz="1500" dirty="0" smtClean="0"/>
-              <a:t>	- </a:t>
-            </a:r>
-            <a:r>
-              <a:rPr lang="de-CH" sz="1500" dirty="0" err="1"/>
-              <a:t>Eidg</a:t>
-            </a:r>
-            <a:r>
-              <a:rPr lang="de-CH" sz="1500" dirty="0"/>
-              <a:t>. Hochschule für Sport </a:t>
-            </a:r>
-            <a:r>
-              <a:rPr lang="de-CH" sz="1500" dirty="0" err="1"/>
-              <a:t>Magglingen</a:t>
-            </a:r>
-            <a:r>
-              <a:rPr lang="de-CH" sz="1500" dirty="0"/>
-              <a:t> EHSM*</a:t>
-            </a:r>
-          </a:p>
-          <a:p>
-            <a:pPr marL="0" indent="0">
-              <a:buNone/>
-            </a:pPr>
-            <a:r>
-              <a:rPr lang="de-CH" sz="1500" dirty="0"/>
-              <a:t>					  </a:t>
-            </a:r>
-            <a:r>
-              <a:rPr lang="de-CH" sz="1500" dirty="0" smtClean="0"/>
-              <a:t>	 </a:t>
-            </a:r>
-            <a:r>
-              <a:rPr lang="de-CH" sz="1500" dirty="0"/>
-              <a:t>* </a:t>
-            </a:r>
-            <a:r>
-              <a:rPr lang="de-CH" sz="1200" dirty="0"/>
-              <a:t>angegliederte Hochschule</a:t>
-            </a:r>
-          </a:p>
-          <a:p>
-            <a:pPr marL="0" indent="0">
-              <a:buNone/>
-            </a:pPr>
-            <a:r>
-              <a:rPr lang="de-CH" sz="1500" b="1" dirty="0"/>
-              <a:t>Bachelorstudiengänge</a:t>
-            </a:r>
-            <a:r>
-              <a:rPr lang="de-CH" sz="1500" dirty="0"/>
-              <a:t>	</a:t>
-            </a:r>
-            <a:r>
-              <a:rPr lang="de-CH" sz="1500" dirty="0" smtClean="0"/>
-              <a:t>	28</a:t>
-            </a:r>
-            <a:endParaRPr lang="de-CH" sz="1500" dirty="0"/>
-          </a:p>
-          <a:p>
-            <a:pPr marL="0" indent="0">
-              <a:buNone/>
-            </a:pPr>
-            <a:r>
-              <a:rPr lang="de-CH" sz="1500" b="1" dirty="0"/>
-              <a:t>Masterstudiengänge</a:t>
-            </a:r>
-            <a:r>
-              <a:rPr lang="de-CH" sz="1500" dirty="0"/>
-              <a:t>		21</a:t>
-            </a:r>
-          </a:p>
-          <a:p>
-            <a:pPr marL="0" indent="0">
-              <a:buNone/>
-            </a:pPr>
-            <a:r>
-              <a:rPr lang="de-CH" sz="1500" b="1" dirty="0"/>
-              <a:t>Unterrichtssprachen</a:t>
-            </a:r>
-            <a:r>
-              <a:rPr lang="de-CH" sz="1500" dirty="0"/>
-              <a:t>		Deutsch, Französisch, teilweise Englisch</a:t>
-            </a:r>
-          </a:p>
-          <a:p>
-            <a:pPr marL="0" indent="0">
-              <a:buNone/>
-            </a:pPr>
-            <a:r>
-              <a:rPr lang="de-CH" sz="1500" b="1" dirty="0"/>
-              <a:t>Studierende</a:t>
-            </a:r>
-            <a:r>
-              <a:rPr lang="de-CH" sz="1500" dirty="0"/>
-              <a:t>			</a:t>
-            </a:r>
-            <a:r>
-              <a:rPr lang="de-CH" sz="1500" dirty="0" smtClean="0"/>
-              <a:t>	6724</a:t>
-            </a:r>
-            <a:endParaRPr lang="de-CH" sz="1500" dirty="0"/>
-          </a:p>
-          <a:p>
-            <a:pPr marL="0" indent="0">
-              <a:buNone/>
-            </a:pPr>
-            <a:r>
-              <a:rPr lang="de-CH" sz="1500" b="1" dirty="0"/>
-              <a:t>Frauenanteil</a:t>
-            </a:r>
-            <a:r>
-              <a:rPr lang="de-CH" sz="1500" dirty="0"/>
-              <a:t>			</a:t>
-            </a:r>
-            <a:r>
-              <a:rPr lang="de-CH" sz="1500" dirty="0" smtClean="0"/>
-              <a:t>	45%</a:t>
-            </a:r>
-            <a:endParaRPr lang="de-CH" sz="1500" dirty="0"/>
-          </a:p>
-          <a:p>
-            <a:pPr marL="0" indent="0">
-              <a:buNone/>
-            </a:pPr>
-            <a:r>
-              <a:rPr lang="de-CH" sz="1500" b="1" dirty="0"/>
-              <a:t>Mitarbeitende</a:t>
-            </a:r>
-            <a:r>
-              <a:rPr lang="de-CH" sz="1500" dirty="0"/>
-              <a:t>			</a:t>
-            </a:r>
-            <a:r>
-              <a:rPr lang="de-CH" sz="1500" dirty="0" smtClean="0"/>
-              <a:t>	2917 </a:t>
-            </a:r>
-            <a:r>
-              <a:rPr lang="de-CH" sz="1500" dirty="0"/>
-              <a:t>(</a:t>
-            </a:r>
-            <a:r>
-              <a:rPr lang="de-CH" sz="1500" dirty="0" smtClean="0"/>
-              <a:t>1412 Vollzeitäquivalente)</a:t>
-            </a:r>
-          </a:p>
-          <a:p>
-            <a:pPr marL="0" indent="0">
-              <a:buNone/>
-            </a:pPr>
-            <a:r>
-              <a:rPr lang="en-US" sz="1500" b="1" dirty="0"/>
-              <a:t>Annual budget:			</a:t>
-            </a:r>
-            <a:r>
-              <a:rPr lang="en-US" sz="1500" dirty="0" smtClean="0"/>
-              <a:t>CHF 265 </a:t>
-            </a:r>
-            <a:r>
-              <a:rPr lang="en-US" sz="1500" dirty="0"/>
-              <a:t>Mio. (57% </a:t>
-            </a:r>
-            <a:r>
-              <a:rPr lang="en-US" sz="1500" dirty="0" err="1" smtClean="0"/>
-              <a:t>Beiträge</a:t>
-            </a:r>
-            <a:r>
-              <a:rPr lang="en-US" sz="1500" dirty="0" smtClean="0"/>
-              <a:t> der </a:t>
-            </a:r>
-            <a:r>
-              <a:rPr lang="en-US" sz="1500" dirty="0" err="1" smtClean="0"/>
-              <a:t>öffentlichen</a:t>
-            </a:r>
-            <a:r>
-              <a:rPr lang="en-US" sz="1500" dirty="0" smtClean="0"/>
-              <a:t> Hand)</a:t>
-            </a:r>
-            <a:endParaRPr lang="de-CH" sz="1500" dirty="0"/>
-          </a:p>
-          <a:p>
-            <a:endParaRPr lang="de-CH" sz="1500" dirty="0"/>
-          </a:p>
-        </p:txBody>
-      </p:sp>
-      <p:sp>
-        <p:nvSpPr>
-          <p:cNvPr id="3" name="Titel 2"/>
-          <p:cNvSpPr>
-            <a:spLocks noGrp="1"/>
-          </p:cNvSpPr>
-          <p:nvPr>
-            <p:ph type="ctrTitle"/>
-          </p:nvPr>
-        </p:nvSpPr>
-        <p:spPr/>
+            <a:r>
+              <a:rPr lang="de-DE" b="1" dirty="0" smtClean="0"/>
+              <a:t>Persönliche Beiträge</a:t>
+            </a:r>
+            <a:endParaRPr lang="de-CH" dirty="0"/>
+          </a:p>
+        </p:txBody>
+      </p:sp>
+      <p:sp>
+        <p:nvSpPr>
+          <p:cNvPr id="5" name="Textplatzhalter 4"/>
+          <p:cNvSpPr>
+            <a:spLocks noGrp="1"/>
+          </p:cNvSpPr>
+          <p:nvPr>
+            <p:ph type="body" idx="1"/>
+          </p:nvPr>
+        </p:nvSpPr>
+        <p:spPr>
+          <a:xfrm>
+            <a:off x="468000" y="990000"/>
+            <a:ext cx="8100000" cy="540000"/>
+          </a:xfrm>
+        </p:spPr>
         <p:txBody>
           <a:bodyPr/>
           <a:lstStyle/>
           <a:p>
             <a:r>
-              <a:rPr lang="de-DE" b="1" dirty="0"/>
-              <a:t>Zahlen und Fakten</a:t>
+              <a:rPr lang="de-CH" dirty="0" smtClean="0"/>
+              <a:t>Kaspar</a:t>
             </a:r>
             <a:endParaRPr lang="de-CH" dirty="0"/>
+          </a:p>
+        </p:txBody>
+      </p:sp>
+      <p:sp>
+        <p:nvSpPr>
+          <p:cNvPr id="6" name="Inhaltsplatzhalter 5"/>
+          <p:cNvSpPr>
+            <a:spLocks noGrp="1"/>
+          </p:cNvSpPr>
+          <p:nvPr>
+            <p:ph sz="half" idx="13"/>
+          </p:nvPr>
+        </p:nvSpPr>
+        <p:spPr/>
+        <p:txBody>
+          <a:bodyPr/>
+          <a:lstStyle/>
+          <a:p>
+            <a:endParaRPr lang="de-CH"/>
           </a:p>
         </p:txBody>
       </p:sp>
     </p:spTree>
     <p:extLst>
       <p:ext uri="{BB962C8B-B14F-4D97-AF65-F5344CB8AC3E}">
-        <p14:creationId xmlns:p14="http://schemas.microsoft.com/office/powerpoint/2010/main" val="1761532058"/>
+        <p14:creationId xmlns:p14="http://schemas.microsoft.com/office/powerpoint/2010/main" val="4245652123"/>
       </p:ext>
     </p:extLst>
   </p:cSld>
@@ -12120,12 +8149,12 @@
       </p:grpSpPr>
       <p:sp>
         <p:nvSpPr>
-          <p:cNvPr id="2" name="Inhaltsplatzhalter 1"/>
-          <p:cNvSpPr>
-            <a:spLocks noGrp="1"/>
-          </p:cNvSpPr>
-          <p:nvPr>
-            <p:ph sz="half" idx="1"/>
+          <p:cNvPr id="3" name="Titel 2"/>
+          <p:cNvSpPr>
+            <a:spLocks noGrp="1"/>
+          </p:cNvSpPr>
+          <p:nvPr>
+            <p:ph type="ctrTitle"/>
           </p:nvPr>
         </p:nvSpPr>
         <p:spPr/>
@@ -12133,88 +8162,65 @@
           <a:bodyPr/>
           <a:lstStyle/>
           <a:p>
-            <a:pPr marL="0" indent="0">
-              <a:buNone/>
-            </a:pPr>
-            <a:r>
-              <a:rPr lang="de-DE" b="1" dirty="0"/>
-              <a:t>Kernaufgaben</a:t>
-            </a:r>
-          </a:p>
-          <a:p>
-            <a:r>
-              <a:rPr lang="de-CH" dirty="0"/>
-              <a:t>Lehre Bachelorstudiengänge</a:t>
-            </a:r>
-          </a:p>
-          <a:p>
-            <a:r>
-              <a:rPr lang="de-CH" dirty="0"/>
-              <a:t>Lehre Masterstudiengänge</a:t>
-            </a:r>
-          </a:p>
-          <a:p>
+            <a:r>
+              <a:rPr lang="de-DE" b="1" dirty="0" smtClean="0"/>
+              <a:t>Persönliche Beiträge</a:t>
+            </a:r>
             <a:endParaRPr lang="de-CH" dirty="0"/>
           </a:p>
-          <a:p>
-            <a:pPr marL="0" indent="0">
-              <a:buNone/>
-            </a:pPr>
-            <a:r>
-              <a:rPr lang="de-CH" b="1" dirty="0"/>
-              <a:t>Erweiterter Leistungsauftrag</a:t>
-            </a:r>
-          </a:p>
-          <a:p>
-            <a:r>
-              <a:rPr lang="de-CH" dirty="0"/>
-              <a:t>Weiterbildung</a:t>
-            </a:r>
-          </a:p>
-          <a:p>
-            <a:r>
-              <a:rPr lang="de-CH" dirty="0"/>
-              <a:t>Angewandte Forschung und Entwicklung (inkl. Wissens- und Technologietransfer)</a:t>
-            </a:r>
-          </a:p>
-          <a:p>
-            <a:r>
-              <a:rPr lang="de-CH" dirty="0"/>
-              <a:t>Dienstleistungen</a:t>
-            </a:r>
-          </a:p>
-          <a:p>
-            <a:endParaRPr lang="de-CH" dirty="0"/>
-          </a:p>
-        </p:txBody>
-      </p:sp>
-      <p:sp>
-        <p:nvSpPr>
-          <p:cNvPr id="3" name="Titel 2"/>
-          <p:cNvSpPr>
-            <a:spLocks noGrp="1"/>
-          </p:cNvSpPr>
-          <p:nvPr>
-            <p:ph type="ctrTitle"/>
-          </p:nvPr>
-        </p:nvSpPr>
-        <p:spPr/>
+        </p:txBody>
+      </p:sp>
+      <p:sp>
+        <p:nvSpPr>
+          <p:cNvPr id="5" name="Textplatzhalter 4"/>
+          <p:cNvSpPr>
+            <a:spLocks noGrp="1"/>
+          </p:cNvSpPr>
+          <p:nvPr>
+            <p:ph type="body" idx="1"/>
+          </p:nvPr>
+        </p:nvSpPr>
+        <p:spPr>
+          <a:xfrm>
+            <a:off x="468000" y="990000"/>
+            <a:ext cx="8100000" cy="540000"/>
+          </a:xfrm>
+        </p:spPr>
         <p:txBody>
           <a:bodyPr/>
           <a:lstStyle/>
           <a:p>
             <a:r>
-              <a:rPr lang="de-CH" b="1" dirty="0"/>
-              <a:t>Auftrag der Berner Fachhochschule</a:t>
+              <a:rPr lang="de-CH" dirty="0" smtClean="0"/>
+              <a:t>Maurice</a:t>
             </a:r>
             <a:endParaRPr lang="de-CH" dirty="0"/>
+          </a:p>
+        </p:txBody>
+      </p:sp>
+      <p:sp>
+        <p:nvSpPr>
+          <p:cNvPr id="6" name="Inhaltsplatzhalter 5"/>
+          <p:cNvSpPr>
+            <a:spLocks noGrp="1"/>
+          </p:cNvSpPr>
+          <p:nvPr>
+            <p:ph sz="half" idx="13"/>
+          </p:nvPr>
+        </p:nvSpPr>
+        <p:spPr/>
+        <p:txBody>
+          <a:bodyPr/>
+          <a:lstStyle/>
+          <a:p>
+            <a:endParaRPr lang="de-CH"/>
           </a:p>
         </p:txBody>
       </p:sp>
     </p:spTree>
     <p:extLst>
       <p:ext uri="{BB962C8B-B14F-4D97-AF65-F5344CB8AC3E}">
-        <p14:creationId xmlns:p14="http://schemas.microsoft.com/office/powerpoint/2010/main" val="1121453056"/>
+        <p14:creationId xmlns:p14="http://schemas.microsoft.com/office/powerpoint/2010/main" val="1522822994"/>
       </p:ext>
     </p:extLst>
   </p:cSld>
@@ -12243,12 +8249,12 @@
       </p:grpSpPr>
       <p:sp>
         <p:nvSpPr>
-          <p:cNvPr id="2" name="Inhaltsplatzhalter 1"/>
-          <p:cNvSpPr>
-            <a:spLocks noGrp="1"/>
-          </p:cNvSpPr>
-          <p:nvPr>
-            <p:ph sz="half" idx="1"/>
+          <p:cNvPr id="3" name="Titel 2"/>
+          <p:cNvSpPr>
+            <a:spLocks noGrp="1"/>
+          </p:cNvSpPr>
+          <p:nvPr>
+            <p:ph type="ctrTitle"/>
           </p:nvPr>
         </p:nvSpPr>
         <p:spPr/>
@@ -12256,114 +8262,28 @@
           <a:bodyPr/>
           <a:lstStyle/>
           <a:p>
-            <a:pPr marL="0" indent="0">
-              <a:buNone/>
-            </a:pPr>
-            <a:r>
-              <a:rPr lang="de-CH" b="1" dirty="0"/>
-              <a:t>Finanzen</a:t>
-            </a:r>
-            <a:endParaRPr lang="de-DE" b="1" dirty="0"/>
-          </a:p>
-          <a:p>
-            <a:r>
-              <a:rPr lang="de-CH" dirty="0"/>
-              <a:t>Sparpaket des Kantons Bern</a:t>
-            </a:r>
-          </a:p>
-          <a:p>
-            <a:r>
-              <a:rPr lang="de-CH" dirty="0"/>
-              <a:t>Steigende Studierendenzahlen (</a:t>
-            </a:r>
-            <a:r>
-              <a:rPr lang="de-CH" dirty="0" smtClean="0"/>
-              <a:t>2012: +5 </a:t>
-            </a:r>
-            <a:r>
-              <a:rPr lang="de-CH" dirty="0"/>
-              <a:t>Prozent gegenüber Vorjahr)</a:t>
-            </a:r>
-          </a:p>
-          <a:p>
-            <a:r>
-              <a:rPr lang="de-CH" dirty="0"/>
-              <a:t>Mehrbedarf finanzieller Mittel</a:t>
-            </a:r>
-          </a:p>
-          <a:p>
+            <a:r>
+              <a:rPr lang="de-DE" b="1" dirty="0" smtClean="0"/>
+              <a:t>Persönliche Beiträge</a:t>
+            </a:r>
             <a:endParaRPr lang="de-CH" dirty="0"/>
           </a:p>
-          <a:p>
-            <a:pPr marL="0" indent="0">
-              <a:buNone/>
-            </a:pPr>
-            <a:r>
-              <a:rPr lang="de-CH" b="1" dirty="0"/>
-              <a:t>Standort</a:t>
-            </a:r>
-          </a:p>
-          <a:p>
-            <a:r>
-              <a:rPr lang="de-CH" dirty="0"/>
-              <a:t>Aktuell 24 BFH-Standorte, Vergleich mit Konkurrenz</a:t>
-            </a:r>
-          </a:p>
-          <a:p>
-            <a:r>
-              <a:rPr lang="de-CH" dirty="0"/>
-              <a:t>Ziel, langfristig eine alternative Lösung zu finden (Campus)</a:t>
-            </a:r>
-          </a:p>
-          <a:p>
-            <a:r>
-              <a:rPr lang="de-CH" dirty="0"/>
-              <a:t>Entscheid des Regierungsrats zur Konzentration in Bern und Biel</a:t>
-            </a:r>
-          </a:p>
-          <a:p>
-            <a:endParaRPr lang="de-CH" dirty="0"/>
-          </a:p>
-          <a:p>
-            <a:pPr marL="0" indent="0">
-              <a:buNone/>
-            </a:pPr>
-            <a:r>
-              <a:rPr lang="de-CH" b="1" dirty="0"/>
-              <a:t>Angebot</a:t>
-            </a:r>
-          </a:p>
-          <a:p>
-            <a:r>
-              <a:rPr lang="de-CH" dirty="0"/>
-              <a:t>Wettbewerb in der Schweizer Hochschullandschaft</a:t>
-            </a:r>
-          </a:p>
-          <a:p>
-            <a:r>
-              <a:rPr lang="de-CH" dirty="0"/>
-              <a:t>Kooperationen mit Fachhochschulen und Universitäten</a:t>
-            </a:r>
-          </a:p>
-          <a:p>
-            <a:endParaRPr lang="de-CH" dirty="0"/>
-          </a:p>
-        </p:txBody>
-      </p:sp>
-      <p:sp>
-        <p:nvSpPr>
-          <p:cNvPr id="3" name="Titel 2"/>
-          <p:cNvSpPr>
-            <a:spLocks noGrp="1"/>
-          </p:cNvSpPr>
-          <p:nvPr>
-            <p:ph type="ctrTitle"/>
+        </p:txBody>
+      </p:sp>
+      <p:sp>
+        <p:nvSpPr>
+          <p:cNvPr id="5" name="Textplatzhalter 4"/>
+          <p:cNvSpPr>
+            <a:spLocks noGrp="1"/>
+          </p:cNvSpPr>
+          <p:nvPr>
+            <p:ph type="body" idx="1"/>
           </p:nvPr>
         </p:nvSpPr>
         <p:spPr>
           <a:xfrm>
-            <a:off x="468000" y="360000"/>
-            <a:ext cx="8100000" cy="878250"/>
+            <a:off x="468000" y="990000"/>
+            <a:ext cx="8100000" cy="540000"/>
           </a:xfrm>
         </p:spPr>
         <p:txBody>
@@ -12371,17 +8291,36 @@
           <a:lstStyle/>
           <a:p>
             <a:r>
-              <a:rPr lang="de-CH" b="1" dirty="0"/>
-              <a:t>Herausforderungen für die Berner Fachhochschule</a:t>
+              <a:rPr lang="de-CH" dirty="0" smtClean="0"/>
+              <a:t>Mauro</a:t>
             </a:r>
             <a:endParaRPr lang="de-CH" dirty="0"/>
+          </a:p>
+        </p:txBody>
+      </p:sp>
+      <p:sp>
+        <p:nvSpPr>
+          <p:cNvPr id="6" name="Inhaltsplatzhalter 5"/>
+          <p:cNvSpPr>
+            <a:spLocks noGrp="1"/>
+          </p:cNvSpPr>
+          <p:nvPr>
+            <p:ph sz="half" idx="13"/>
+          </p:nvPr>
+        </p:nvSpPr>
+        <p:spPr/>
+        <p:txBody>
+          <a:bodyPr/>
+          <a:lstStyle/>
+          <a:p>
+            <a:endParaRPr lang="de-CH"/>
           </a:p>
         </p:txBody>
       </p:sp>
     </p:spTree>
     <p:extLst>
       <p:ext uri="{BB962C8B-B14F-4D97-AF65-F5344CB8AC3E}">
-        <p14:creationId xmlns:p14="http://schemas.microsoft.com/office/powerpoint/2010/main" val="1842710398"/>
+        <p14:creationId xmlns:p14="http://schemas.microsoft.com/office/powerpoint/2010/main" val="371708231"/>
       </p:ext>
     </p:extLst>
   </p:cSld>
@@ -12410,7 +8349,7 @@
       </p:grpSpPr>
       <p:sp>
         <p:nvSpPr>
-          <p:cNvPr id="2" name="Titel 1"/>
+          <p:cNvPr id="3" name="Titel 2"/>
           <p:cNvSpPr>
             <a:spLocks noGrp="1"/>
           </p:cNvSpPr>
@@ -12424,8 +8363,12 @@
           <a:lstStyle/>
           <a:p>
             <a:r>
-              <a:rPr lang="de-DE" b="1" dirty="0"/>
-              <a:t>Departemente</a:t>
+              <a:rPr lang="de-DE" b="1" dirty="0" smtClean="0"/>
+              <a:t>Persönliche Beitr</a:t>
+            </a:r>
+            <a:r>
+              <a:rPr lang="de-DE" b="1" dirty="0" smtClean="0"/>
+              <a:t>äge</a:t>
             </a:r>
             <a:endParaRPr lang="de-CH" dirty="0"/>
           </a:p>
@@ -12433,27 +8376,55 @@
       </p:sp>
       <p:sp>
         <p:nvSpPr>
-          <p:cNvPr id="3" name="Untertitel 2"/>
-          <p:cNvSpPr>
-            <a:spLocks noGrp="1"/>
-          </p:cNvSpPr>
-          <p:nvPr>
-            <p:ph type="subTitle" idx="1"/>
-          </p:nvPr>
-        </p:nvSpPr>
-        <p:spPr/>
+          <p:cNvPr id="5" name="Textplatzhalter 4"/>
+          <p:cNvSpPr>
+            <a:spLocks noGrp="1"/>
+          </p:cNvSpPr>
+          <p:nvPr>
+            <p:ph type="body" idx="1"/>
+          </p:nvPr>
+        </p:nvSpPr>
+        <p:spPr>
+          <a:xfrm>
+            <a:off x="468000" y="990000"/>
+            <a:ext cx="8100000" cy="540000"/>
+          </a:xfrm>
+        </p:spPr>
         <p:txBody>
           <a:bodyPr/>
           <a:lstStyle/>
           <a:p>
+            <a:r>
+              <a:rPr lang="de-CH" dirty="0" smtClean="0"/>
+              <a:t>Philipp</a:t>
+            </a:r>
             <a:endParaRPr lang="de-CH" dirty="0"/>
+          </a:p>
+        </p:txBody>
+      </p:sp>
+      <p:sp>
+        <p:nvSpPr>
+          <p:cNvPr id="6" name="Inhaltsplatzhalter 5"/>
+          <p:cNvSpPr>
+            <a:spLocks noGrp="1"/>
+          </p:cNvSpPr>
+          <p:nvPr>
+            <p:ph sz="half" idx="13"/>
+          </p:nvPr>
+        </p:nvSpPr>
+        <p:spPr/>
+        <p:txBody>
+          <a:bodyPr/>
+          <a:lstStyle/>
+          <a:p>
+            <a:endParaRPr lang="de-CH"/>
           </a:p>
         </p:txBody>
       </p:sp>
     </p:spTree>
     <p:extLst>
       <p:ext uri="{BB962C8B-B14F-4D97-AF65-F5344CB8AC3E}">
-        <p14:creationId xmlns:p14="http://schemas.microsoft.com/office/powerpoint/2010/main" val="1998553457"/>
+        <p14:creationId xmlns:p14="http://schemas.microsoft.com/office/powerpoint/2010/main" val="2291730977"/>
       </p:ext>
     </p:extLst>
   </p:cSld>
@@ -12482,12 +8453,12 @@
       </p:grpSpPr>
       <p:sp>
         <p:nvSpPr>
-          <p:cNvPr id="2" name="Inhaltsplatzhalter 1"/>
-          <p:cNvSpPr>
-            <a:spLocks noGrp="1"/>
-          </p:cNvSpPr>
-          <p:nvPr>
-            <p:ph sz="half" idx="1"/>
+          <p:cNvPr id="3" name="Titel 2"/>
+          <p:cNvSpPr>
+            <a:spLocks noGrp="1"/>
+          </p:cNvSpPr>
+          <p:nvPr>
+            <p:ph type="ctrTitle"/>
           </p:nvPr>
         </p:nvSpPr>
         <p:spPr/>
@@ -12495,102 +8466,65 @@
           <a:bodyPr/>
           <a:lstStyle/>
           <a:p>
+            <a:r>
+              <a:rPr lang="de-DE" b="1" dirty="0" smtClean="0"/>
+              <a:t>Gewonnene Erkenntnisse</a:t>
+            </a:r>
             <a:endParaRPr lang="de-CH" dirty="0"/>
           </a:p>
         </p:txBody>
       </p:sp>
       <p:sp>
         <p:nvSpPr>
-          <p:cNvPr id="3" name="Titel 2"/>
-          <p:cNvSpPr>
-            <a:spLocks noGrp="1"/>
-          </p:cNvSpPr>
-          <p:nvPr>
-            <p:ph type="ctrTitle"/>
-          </p:nvPr>
-        </p:nvSpPr>
-        <p:spPr/>
+          <p:cNvPr id="5" name="Textplatzhalter 4"/>
+          <p:cNvSpPr>
+            <a:spLocks noGrp="1"/>
+          </p:cNvSpPr>
+          <p:nvPr>
+            <p:ph type="body" idx="1"/>
+          </p:nvPr>
+        </p:nvSpPr>
+        <p:spPr>
+          <a:xfrm>
+            <a:off x="468000" y="990000"/>
+            <a:ext cx="8100000" cy="540000"/>
+          </a:xfrm>
+        </p:spPr>
         <p:txBody>
           <a:bodyPr/>
           <a:lstStyle/>
           <a:p>
             <a:r>
-              <a:rPr lang="de-CH" b="1" dirty="0"/>
-              <a:t>Architektur, Holz und </a:t>
-            </a:r>
-            <a:r>
-              <a:rPr lang="de-CH" b="1" dirty="0" smtClean="0"/>
-              <a:t>Bau</a:t>
-            </a:r>
-            <a:br>
-              <a:rPr lang="de-CH" b="1" dirty="0" smtClean="0"/>
-            </a:br>
-            <a:r>
               <a:rPr lang="de-CH" dirty="0" smtClean="0"/>
-              <a:t>(Biel/Burgdorf)</a:t>
+              <a:t>Rea</a:t>
             </a:r>
             <a:endParaRPr lang="de-CH" dirty="0"/>
           </a:p>
         </p:txBody>
       </p:sp>
-      <p:pic>
-        <p:nvPicPr>
-          <p:cNvPr id="3074" name="Picture 2"/>
-          <p:cNvPicPr>
-            <a:picLocks noChangeAspect="1" noChangeArrowheads="1"/>
-          </p:cNvPicPr>
-          <p:nvPr/>
-        </p:nvPicPr>
-        <p:blipFill>
-          <a:blip r:embed="rId2">
-            <a:extLst>
-              <a:ext uri="{28A0092B-C50C-407E-A947-70E740481C1C}">
-                <a14:useLocalDpi xmlns:a14="http://schemas.microsoft.com/office/drawing/2010/main" val="0"/>
-              </a:ext>
-            </a:extLst>
-          </a:blip>
-          <a:srcRect/>
-          <a:stretch>
-            <a:fillRect/>
-          </a:stretch>
-        </p:blipFill>
-        <p:spPr bwMode="auto">
-          <a:xfrm>
-            <a:off x="468000" y="1439999"/>
-            <a:ext cx="7036212" cy="4680000"/>
-          </a:xfrm>
-          <a:prstGeom prst="rect">
-            <a:avLst/>
-          </a:prstGeom>
-          <a:noFill/>
-          <a:ln>
-            <a:noFill/>
-          </a:ln>
-          <a:extLst>
-            <a:ext uri="{909E8E84-426E-40dd-AFC4-6F175D3DCCD1}">
-              <a14:hiddenFill xmlns:a14="http://schemas.microsoft.com/office/drawing/2010/main">
-                <a:solidFill>
-                  <a:schemeClr val="accent1"/>
-                </a:solidFill>
-              </a14:hiddenFill>
-            </a:ext>
-            <a:ext uri="{91240B29-F687-4f45-9708-019B960494DF}">
-              <a14:hiddenLine xmlns:a14="http://schemas.microsoft.com/office/drawing/2010/main" w="9525">
-                <a:solidFill>
-                  <a:schemeClr val="tx1"/>
-                </a:solidFill>
-                <a:miter lim="800000"/>
-                <a:headEnd/>
-                <a:tailEnd/>
-              </a14:hiddenLine>
-            </a:ext>
-          </a:extLst>
-        </p:spPr>
-      </p:pic>
+      <p:sp>
+        <p:nvSpPr>
+          <p:cNvPr id="6" name="Inhaltsplatzhalter 5"/>
+          <p:cNvSpPr>
+            <a:spLocks noGrp="1"/>
+          </p:cNvSpPr>
+          <p:nvPr>
+            <p:ph sz="half" idx="13"/>
+          </p:nvPr>
+        </p:nvSpPr>
+        <p:spPr/>
+        <p:txBody>
+          <a:bodyPr/>
+          <a:lstStyle/>
+          <a:p>
+            <a:endParaRPr lang="de-CH"/>
+          </a:p>
+        </p:txBody>
+      </p:sp>
     </p:spTree>
     <p:extLst>
       <p:ext uri="{BB962C8B-B14F-4D97-AF65-F5344CB8AC3E}">
-        <p14:creationId xmlns:p14="http://schemas.microsoft.com/office/powerpoint/2010/main" val="1801804548"/>
+        <p14:creationId xmlns:p14="http://schemas.microsoft.com/office/powerpoint/2010/main" val="1593815647"/>
       </p:ext>
     </p:extLst>
   </p:cSld>
@@ -13431,12 +9365,11 @@
 </file>
 
 <file path=customXml/item1.xml><?xml version="1.0" encoding="utf-8"?>
-<?mso-contentType ?>
-<FormTemplates xmlns="http://schemas.microsoft.com/sharepoint/v3/contenttype/forms">
-  <Display>DocumentLibraryForm</Display>
-  <Edit>DocumentLibraryForm</Edit>
-  <New>DocumentLibraryForm</New>
-</FormTemplates>
+<p:properties xmlns:p="http://schemas.microsoft.com/office/2006/metadata/properties" xmlns:xsi="http://www.w3.org/2001/XMLSchema-instance">
+  <documentManagement>
+    <AVMTitle xmlns="5091c847-84be-4f4f-b16c-c018ad2ca66b">Präsentation BFH_2013</AVMTitle>
+  </documentManagement>
+</p:properties>
 </file>
 
 <file path=customXml/item2.xml><?xml version="1.0" encoding="utf-8"?>
@@ -13500,17 +9433,25 @@
 </file>
 
 <file path=customXml/item3.xml><?xml version="1.0" encoding="utf-8"?>
-<p:properties xmlns:p="http://schemas.microsoft.com/office/2006/metadata/properties" xmlns:xsi="http://www.w3.org/2001/XMLSchema-instance">
-  <documentManagement>
-    <AVMTitle xmlns="5091c847-84be-4f4f-b16c-c018ad2ca66b">Präsentation BFH_2013</AVMTitle>
-  </documentManagement>
-</p:properties>
+<?mso-contentType ?>
+<FormTemplates xmlns="http://schemas.microsoft.com/sharepoint/v3/contenttype/forms">
+  <Display>DocumentLibraryForm</Display>
+  <Edit>DocumentLibraryForm</Edit>
+  <New>DocumentLibraryForm</New>
+</FormTemplates>
 </file>
 
 <file path=customXml/itemProps1.xml><?xml version="1.0" encoding="utf-8"?>
-<ds:datastoreItem xmlns:ds="http://schemas.openxmlformats.org/officeDocument/2006/customXml" ds:itemID="{1851D33F-E468-417B-A30C-509B68D2BD09}">
+<ds:datastoreItem xmlns:ds="http://schemas.openxmlformats.org/officeDocument/2006/customXml" ds:itemID="{32991507-CB83-4F49-BAFB-D322B1D04098}">
   <ds:schemaRefs>
-    <ds:schemaRef ds:uri="http://schemas.microsoft.com/sharepoint/v3/contenttype/forms"/>
+    <ds:schemaRef ds:uri="http://purl.org/dc/terms/"/>
+    <ds:schemaRef ds:uri="http://purl.org/dc/elements/1.1/"/>
+    <ds:schemaRef ds:uri="http://www.w3.org/XML/1998/namespace"/>
+    <ds:schemaRef ds:uri="http://schemas.microsoft.com/office/2006/documentManagement/types"/>
+    <ds:schemaRef ds:uri="http://schemas.openxmlformats.org/package/2006/metadata/core-properties"/>
+    <ds:schemaRef ds:uri="5091c847-84be-4f4f-b16c-c018ad2ca66b"/>
+    <ds:schemaRef ds:uri="http://schemas.microsoft.com/office/2006/metadata/properties"/>
+    <ds:schemaRef ds:uri="http://purl.org/dc/dcmitype/"/>
   </ds:schemaRefs>
 </ds:datastoreItem>
 </file>
@@ -13533,16 +9474,9 @@
 </file>
 
 <file path=customXml/itemProps3.xml><?xml version="1.0" encoding="utf-8"?>
-<ds:datastoreItem xmlns:ds="http://schemas.openxmlformats.org/officeDocument/2006/customXml" ds:itemID="{32991507-CB83-4F49-BAFB-D322B1D04098}">
+<ds:datastoreItem xmlns:ds="http://schemas.openxmlformats.org/officeDocument/2006/customXml" ds:itemID="{1851D33F-E468-417B-A30C-509B68D2BD09}">
   <ds:schemaRefs>
-    <ds:schemaRef ds:uri="http://purl.org/dc/terms/"/>
-    <ds:schemaRef ds:uri="http://purl.org/dc/elements/1.1/"/>
-    <ds:schemaRef ds:uri="http://www.w3.org/XML/1998/namespace"/>
-    <ds:schemaRef ds:uri="http://schemas.microsoft.com/office/2006/documentManagement/types"/>
-    <ds:schemaRef ds:uri="http://schemas.openxmlformats.org/package/2006/metadata/core-properties"/>
-    <ds:schemaRef ds:uri="5091c847-84be-4f4f-b16c-c018ad2ca66b"/>
-    <ds:schemaRef ds:uri="http://schemas.microsoft.com/office/2006/metadata/properties"/>
-    <ds:schemaRef ds:uri="http://purl.org/dc/dcmitype/"/>
+    <ds:schemaRef ds:uri="http://schemas.microsoft.com/sharepoint/v3/contenttype/forms"/>
   </ds:schemaRefs>
 </ds:datastoreItem>
 </file>
--- a/doc/Task14/task14_presentation Schlurp.pptx
+++ b/doc/Task14/task14_presentation Schlurp.pptx
@@ -5,10 +5,10 @@
     <p:sldMasterId id="2147483669" r:id="rId4"/>
   </p:sldMasterIdLst>
   <p:notesMasterIdLst>
-    <p:notesMasterId r:id="rId19"/>
+    <p:notesMasterId r:id="rId17"/>
   </p:notesMasterIdLst>
   <p:handoutMasterIdLst>
-    <p:handoutMasterId r:id="rId20"/>
+    <p:handoutMasterId r:id="rId18"/>
   </p:handoutMasterIdLst>
   <p:sldIdLst>
     <p:sldId id="259" r:id="rId5"/>
@@ -19,12 +19,10 @@
     <p:sldId id="305" r:id="rId10"/>
     <p:sldId id="306" r:id="rId11"/>
     <p:sldId id="307" r:id="rId12"/>
-    <p:sldId id="308" r:id="rId13"/>
-    <p:sldId id="309" r:id="rId14"/>
-    <p:sldId id="310" r:id="rId15"/>
-    <p:sldId id="311" r:id="rId16"/>
-    <p:sldId id="312" r:id="rId17"/>
-    <p:sldId id="299" r:id="rId18"/>
+    <p:sldId id="309" r:id="rId13"/>
+    <p:sldId id="310" r:id="rId14"/>
+    <p:sldId id="308" r:id="rId15"/>
+    <p:sldId id="299" r:id="rId16"/>
   </p:sldIdLst>
   <p:sldSz cx="9144000" cy="6858000" type="screen4x3"/>
   <p:notesSz cx="6669088" cy="9926638"/>
@@ -268,7 +266,7 @@
           <a:p>
             <a:fld id="{EFA0D184-D464-48E9-9CA0-A94E873F6C2C}" type="datetimeFigureOut">
               <a:rPr lang="de-CH" smtClean="0"/>
-              <a:t>tt.01.jjjj</a:t>
+              <a:t>20.01.2016</a:t>
             </a:fld>
             <a:endParaRPr lang="de-CH"/>
           </a:p>
@@ -433,7 +431,7 @@
           <a:p>
             <a:fld id="{5AF2B663-2BA9-4D7E-8201-5DE4109E1EDD}" type="datetimeFigureOut">
               <a:rPr lang="de-CH" smtClean="0"/>
-              <a:t>tt.01.jjjj</a:t>
+              <a:t>20.01.2016</a:t>
             </a:fld>
             <a:endParaRPr lang="de-CH"/>
           </a:p>
@@ -7089,22 +7087,28 @@
       </p:sp>
       <p:pic>
         <p:nvPicPr>
-          <p:cNvPr id="5" name="Grafik 4"/>
+          <p:cNvPr id="6" name="Grafik 5"/>
           <p:cNvPicPr>
             <a:picLocks noChangeAspect="1"/>
           </p:cNvPicPr>
           <p:nvPr/>
         </p:nvPicPr>
         <p:blipFill>
-          <a:blip r:embed="rId2"/>
+          <a:blip r:embed="rId2">
+            <a:extLst>
+              <a:ext uri="{28A0092B-C50C-407E-A947-70E740481C1C}">
+                <a14:useLocalDpi xmlns:a14="http://schemas.microsoft.com/office/drawing/2010/main" val="0"/>
+              </a:ext>
+            </a:extLst>
+          </a:blip>
           <a:stretch>
             <a:fillRect/>
           </a:stretch>
         </p:blipFill>
         <p:spPr>
           <a:xfrm>
-            <a:off x="4876800" y="1839808"/>
-            <a:ext cx="2105084" cy="2338982"/>
+            <a:off x="4508501" y="1833480"/>
+            <a:ext cx="2336714" cy="2596347"/>
           </a:xfrm>
           <a:prstGeom prst="rect">
             <a:avLst/>
@@ -7143,40 +7147,31 @@
       </p:grpSpPr>
       <p:sp>
         <p:nvSpPr>
-          <p:cNvPr id="5" name="Textplatzhalter 4"/>
-          <p:cNvSpPr>
-            <a:spLocks noGrp="1"/>
-          </p:cNvSpPr>
-          <p:nvPr>
-            <p:ph type="body" idx="1"/>
-          </p:nvPr>
-        </p:nvSpPr>
-        <p:spPr>
-          <a:xfrm>
-            <a:off x="468000" y="990000"/>
-            <a:ext cx="8100000" cy="540000"/>
-          </a:xfrm>
-        </p:spPr>
+          <p:cNvPr id="6" name="Inhaltsplatzhalter 5"/>
+          <p:cNvSpPr>
+            <a:spLocks noGrp="1"/>
+          </p:cNvSpPr>
+          <p:nvPr>
+            <p:ph sz="half" idx="1"/>
+          </p:nvPr>
+        </p:nvSpPr>
+        <p:spPr/>
         <p:txBody>
           <a:bodyPr/>
           <a:lstStyle/>
           <a:p>
-            <a:r>
-              <a:rPr lang="de-CH" dirty="0" smtClean="0"/>
-              <a:t>Kaspar</a:t>
-            </a:r>
             <a:endParaRPr lang="de-CH" dirty="0"/>
           </a:p>
         </p:txBody>
       </p:sp>
       <p:sp>
         <p:nvSpPr>
-          <p:cNvPr id="6" name="Inhaltsplatzhalter 5"/>
-          <p:cNvSpPr>
-            <a:spLocks noGrp="1"/>
-          </p:cNvSpPr>
-          <p:nvPr>
-            <p:ph sz="half" idx="13"/>
+          <p:cNvPr id="5" name="Titel 4"/>
+          <p:cNvSpPr>
+            <a:spLocks noGrp="1"/>
+          </p:cNvSpPr>
+          <p:nvPr>
+            <p:ph type="ctrTitle"/>
           </p:nvPr>
         </p:nvSpPr>
         <p:spPr/>
@@ -7184,42 +7179,34 @@
           <a:bodyPr/>
           <a:lstStyle/>
           <a:p>
-            <a:endParaRPr lang="de-CH"/>
-          </a:p>
-        </p:txBody>
-      </p:sp>
-      <p:sp>
-        <p:nvSpPr>
-          <p:cNvPr id="10" name="Titel 2"/>
-          <p:cNvSpPr>
-            <a:spLocks noGrp="1"/>
-          </p:cNvSpPr>
-          <p:nvPr>
-            <p:ph type="ctrTitle"/>
-          </p:nvPr>
-        </p:nvSpPr>
-        <p:spPr>
-          <a:xfrm>
-            <a:off x="468000" y="360000"/>
-            <a:ext cx="8100000" cy="540000"/>
-          </a:xfrm>
-        </p:spPr>
-        <p:txBody>
-          <a:bodyPr/>
-          <a:lstStyle/>
-          <a:p>
-            <a:r>
-              <a:rPr lang="de-DE" b="1" dirty="0" smtClean="0"/>
-              <a:t>Gewonnene Erkenntnisse</a:t>
-            </a:r>
-            <a:endParaRPr lang="de-CH" dirty="0"/>
+            <a:pPr algn="ctr"/>
+            <a:r>
+              <a:rPr lang="de-CH" dirty="0" smtClean="0"/>
+              <a:t>Prozess </a:t>
+            </a:r>
+            <a:br>
+              <a:rPr lang="de-CH" dirty="0" smtClean="0"/>
+            </a:br>
+            <a:r>
+              <a:rPr lang="de-CH" sz="2000" dirty="0" smtClean="0"/>
+              <a:t>Storyboard &lt;-&gt; </a:t>
+            </a:r>
+            <a:r>
+              <a:rPr lang="de-CH" sz="2000" dirty="0" err="1" smtClean="0"/>
+              <a:t>Requirements</a:t>
+            </a:r>
+            <a:r>
+              <a:rPr lang="de-CH" sz="2000" dirty="0" smtClean="0"/>
+              <a:t> &lt;-&gt; Design &lt;-&gt; Implementation</a:t>
+            </a:r>
+            <a:endParaRPr lang="de-CH" sz="2200" dirty="0"/>
           </a:p>
         </p:txBody>
       </p:sp>
     </p:spTree>
     <p:extLst>
       <p:ext uri="{BB962C8B-B14F-4D97-AF65-F5344CB8AC3E}">
-        <p14:creationId xmlns:p14="http://schemas.microsoft.com/office/powerpoint/2010/main" val="3816382525"/>
+        <p14:creationId xmlns:p14="http://schemas.microsoft.com/office/powerpoint/2010/main" val="352211297"/>
       </p:ext>
     </p:extLst>
   </p:cSld>
@@ -7262,8 +7249,8 @@
           <a:lstStyle/>
           <a:p>
             <a:r>
-              <a:rPr lang="de-DE" b="1" dirty="0"/>
-              <a:t>Gewonnene Erkenntnisse</a:t>
+              <a:rPr lang="de-DE" b="1" dirty="0" smtClean="0"/>
+              <a:t>Schwierigkeiten</a:t>
             </a:r>
             <a:endParaRPr lang="de-CH" dirty="0"/>
           </a:p>
@@ -7271,18 +7258,18 @@
       </p:sp>
       <p:sp>
         <p:nvSpPr>
-          <p:cNvPr id="5" name="Textplatzhalter 4"/>
-          <p:cNvSpPr>
-            <a:spLocks noGrp="1"/>
-          </p:cNvSpPr>
-          <p:nvPr>
-            <p:ph type="body" idx="1"/>
+          <p:cNvPr id="6" name="Inhaltsplatzhalter 5"/>
+          <p:cNvSpPr>
+            <a:spLocks noGrp="1"/>
+          </p:cNvSpPr>
+          <p:nvPr>
+            <p:ph sz="half" idx="13"/>
           </p:nvPr>
         </p:nvSpPr>
         <p:spPr>
           <a:xfrm>
-            <a:off x="468000" y="990000"/>
-            <a:ext cx="8100000" cy="540000"/>
+            <a:off x="468000" y="1099750"/>
+            <a:ext cx="8100000" cy="5020249"/>
           </a:xfrm>
         </p:spPr>
         <p:txBody>
@@ -7291,35 +7278,40 @@
           <a:p>
             <a:r>
               <a:rPr lang="de-CH" dirty="0" smtClean="0"/>
-              <a:t>Maurice</a:t>
-            </a:r>
+              <a:t>Abschätzen was fü</a:t>
+            </a:r>
+            <a:r>
+              <a:rPr lang="de-CH" dirty="0" smtClean="0"/>
+              <a:t>r Funktionsideen realistisch sind zum Umsetzen</a:t>
+            </a:r>
+          </a:p>
+          <a:p>
+            <a:r>
+              <a:rPr lang="de-CH" dirty="0" smtClean="0"/>
+              <a:t>Zeit abschätzen für einzelne </a:t>
+            </a:r>
+            <a:r>
+              <a:rPr lang="de-CH" dirty="0" err="1" smtClean="0"/>
+              <a:t>Scrum</a:t>
+            </a:r>
+            <a:r>
+              <a:rPr lang="de-CH" dirty="0" smtClean="0"/>
+              <a:t> T</a:t>
+            </a:r>
+            <a:r>
+              <a:rPr lang="de-CH" dirty="0" smtClean="0"/>
+              <a:t>asks</a:t>
+            </a:r>
+          </a:p>
+          <a:p>
             <a:endParaRPr lang="de-CH" dirty="0"/>
-          </a:p>
-        </p:txBody>
-      </p:sp>
-      <p:sp>
-        <p:nvSpPr>
-          <p:cNvPr id="6" name="Inhaltsplatzhalter 5"/>
-          <p:cNvSpPr>
-            <a:spLocks noGrp="1"/>
-          </p:cNvSpPr>
-          <p:nvPr>
-            <p:ph sz="half" idx="13"/>
-          </p:nvPr>
-        </p:nvSpPr>
-        <p:spPr/>
-        <p:txBody>
-          <a:bodyPr/>
-          <a:lstStyle/>
-          <a:p>
-            <a:endParaRPr lang="de-CH"/>
           </a:p>
         </p:txBody>
       </p:sp>
     </p:spTree>
     <p:extLst>
       <p:ext uri="{BB962C8B-B14F-4D97-AF65-F5344CB8AC3E}">
-        <p14:creationId xmlns:p14="http://schemas.microsoft.com/office/powerpoint/2010/main" val="2182772094"/>
+        <p14:creationId xmlns:p14="http://schemas.microsoft.com/office/powerpoint/2010/main" val="1593815647"/>
       </p:ext>
     </p:extLst>
   </p:cSld>
@@ -7330,206 +7322,6 @@
 </file>
 
 <file path=ppt/slides/slide12.xml><?xml version="1.0" encoding="utf-8"?>
-<p:sld xmlns:a="http://schemas.openxmlformats.org/drawingml/2006/main" xmlns:r="http://schemas.openxmlformats.org/officeDocument/2006/relationships" xmlns:p="http://schemas.openxmlformats.org/presentationml/2006/main">
-  <p:cSld>
-    <p:spTree>
-      <p:nvGrpSpPr>
-        <p:cNvPr id="1" name=""/>
-        <p:cNvGrpSpPr/>
-        <p:nvPr/>
-      </p:nvGrpSpPr>
-      <p:grpSpPr>
-        <a:xfrm>
-          <a:off x="0" y="0"/>
-          <a:ext cx="0" cy="0"/>
-          <a:chOff x="0" y="0"/>
-          <a:chExt cx="0" cy="0"/>
-        </a:xfrm>
-      </p:grpSpPr>
-      <p:sp>
-        <p:nvSpPr>
-          <p:cNvPr id="3" name="Titel 2"/>
-          <p:cNvSpPr>
-            <a:spLocks noGrp="1"/>
-          </p:cNvSpPr>
-          <p:nvPr>
-            <p:ph type="ctrTitle"/>
-          </p:nvPr>
-        </p:nvSpPr>
-        <p:spPr/>
-        <p:txBody>
-          <a:bodyPr/>
-          <a:lstStyle/>
-          <a:p>
-            <a:r>
-              <a:rPr lang="de-DE" b="1" dirty="0"/>
-              <a:t>Gewonnene Erkenntnisse</a:t>
-            </a:r>
-            <a:endParaRPr lang="de-CH" dirty="0"/>
-          </a:p>
-        </p:txBody>
-      </p:sp>
-      <p:sp>
-        <p:nvSpPr>
-          <p:cNvPr id="5" name="Textplatzhalter 4"/>
-          <p:cNvSpPr>
-            <a:spLocks noGrp="1"/>
-          </p:cNvSpPr>
-          <p:nvPr>
-            <p:ph type="body" idx="1"/>
-          </p:nvPr>
-        </p:nvSpPr>
-        <p:spPr>
-          <a:xfrm>
-            <a:off x="468000" y="990000"/>
-            <a:ext cx="8100000" cy="540000"/>
-          </a:xfrm>
-        </p:spPr>
-        <p:txBody>
-          <a:bodyPr/>
-          <a:lstStyle/>
-          <a:p>
-            <a:r>
-              <a:rPr lang="de-CH" dirty="0" smtClean="0"/>
-              <a:t>Mauro</a:t>
-            </a:r>
-            <a:endParaRPr lang="de-CH" dirty="0"/>
-          </a:p>
-        </p:txBody>
-      </p:sp>
-      <p:sp>
-        <p:nvSpPr>
-          <p:cNvPr id="6" name="Inhaltsplatzhalter 5"/>
-          <p:cNvSpPr>
-            <a:spLocks noGrp="1"/>
-          </p:cNvSpPr>
-          <p:nvPr>
-            <p:ph sz="half" idx="13"/>
-          </p:nvPr>
-        </p:nvSpPr>
-        <p:spPr/>
-        <p:txBody>
-          <a:bodyPr/>
-          <a:lstStyle/>
-          <a:p>
-            <a:endParaRPr lang="de-CH"/>
-          </a:p>
-        </p:txBody>
-      </p:sp>
-    </p:spTree>
-    <p:extLst>
-      <p:ext uri="{BB962C8B-B14F-4D97-AF65-F5344CB8AC3E}">
-        <p14:creationId xmlns:p14="http://schemas.microsoft.com/office/powerpoint/2010/main" val="2314728269"/>
-      </p:ext>
-    </p:extLst>
-  </p:cSld>
-  <p:clrMapOvr>
-    <a:masterClrMapping/>
-  </p:clrMapOvr>
-</p:sld>
-</file>
-
-<file path=ppt/slides/slide13.xml><?xml version="1.0" encoding="utf-8"?>
-<p:sld xmlns:a="http://schemas.openxmlformats.org/drawingml/2006/main" xmlns:r="http://schemas.openxmlformats.org/officeDocument/2006/relationships" xmlns:p="http://schemas.openxmlformats.org/presentationml/2006/main">
-  <p:cSld>
-    <p:spTree>
-      <p:nvGrpSpPr>
-        <p:cNvPr id="1" name=""/>
-        <p:cNvGrpSpPr/>
-        <p:nvPr/>
-      </p:nvGrpSpPr>
-      <p:grpSpPr>
-        <a:xfrm>
-          <a:off x="0" y="0"/>
-          <a:ext cx="0" cy="0"/>
-          <a:chOff x="0" y="0"/>
-          <a:chExt cx="0" cy="0"/>
-        </a:xfrm>
-      </p:grpSpPr>
-      <p:sp>
-        <p:nvSpPr>
-          <p:cNvPr id="3" name="Titel 2"/>
-          <p:cNvSpPr>
-            <a:spLocks noGrp="1"/>
-          </p:cNvSpPr>
-          <p:nvPr>
-            <p:ph type="ctrTitle"/>
-          </p:nvPr>
-        </p:nvSpPr>
-        <p:spPr/>
-        <p:txBody>
-          <a:bodyPr/>
-          <a:lstStyle/>
-          <a:p>
-            <a:r>
-              <a:rPr lang="de-DE" b="1" dirty="0"/>
-              <a:t>Gewonnene Erkenntnisse</a:t>
-            </a:r>
-            <a:endParaRPr lang="de-CH" dirty="0"/>
-          </a:p>
-        </p:txBody>
-      </p:sp>
-      <p:sp>
-        <p:nvSpPr>
-          <p:cNvPr id="5" name="Textplatzhalter 4"/>
-          <p:cNvSpPr>
-            <a:spLocks noGrp="1"/>
-          </p:cNvSpPr>
-          <p:nvPr>
-            <p:ph type="body" idx="1"/>
-          </p:nvPr>
-        </p:nvSpPr>
-        <p:spPr>
-          <a:xfrm>
-            <a:off x="468000" y="990000"/>
-            <a:ext cx="8100000" cy="540000"/>
-          </a:xfrm>
-        </p:spPr>
-        <p:txBody>
-          <a:bodyPr/>
-          <a:lstStyle/>
-          <a:p>
-            <a:r>
-              <a:rPr lang="de-CH" dirty="0" smtClean="0"/>
-              <a:t>Philipp</a:t>
-            </a:r>
-            <a:endParaRPr lang="de-CH" dirty="0"/>
-          </a:p>
-        </p:txBody>
-      </p:sp>
-      <p:sp>
-        <p:nvSpPr>
-          <p:cNvPr id="6" name="Inhaltsplatzhalter 5"/>
-          <p:cNvSpPr>
-            <a:spLocks noGrp="1"/>
-          </p:cNvSpPr>
-          <p:nvPr>
-            <p:ph sz="half" idx="13"/>
-          </p:nvPr>
-        </p:nvSpPr>
-        <p:spPr/>
-        <p:txBody>
-          <a:bodyPr/>
-          <a:lstStyle/>
-          <a:p>
-            <a:endParaRPr lang="de-CH"/>
-          </a:p>
-        </p:txBody>
-      </p:sp>
-    </p:spTree>
-    <p:extLst>
-      <p:ext uri="{BB962C8B-B14F-4D97-AF65-F5344CB8AC3E}">
-        <p14:creationId xmlns:p14="http://schemas.microsoft.com/office/powerpoint/2010/main" val="2471604474"/>
-      </p:ext>
-    </p:extLst>
-  </p:cSld>
-  <p:clrMapOvr>
-    <a:masterClrMapping/>
-  </p:clrMapOvr>
-</p:sld>
-</file>
-
-<file path=ppt/slides/slide14.xml><?xml version="1.0" encoding="utf-8"?>
 <p:sld xmlns:a="http://schemas.openxmlformats.org/drawingml/2006/main" xmlns:r="http://schemas.openxmlformats.org/officeDocument/2006/relationships" xmlns:p="http://schemas.openxmlformats.org/presentationml/2006/main">
   <p:cSld>
     <p:spTree>
@@ -7618,15 +7410,7 @@
           <a:p>
             <a:r>
               <a:rPr lang="de-CH" sz="2000" dirty="0" smtClean="0"/>
-              <a:t>Live </a:t>
-            </a:r>
-            <a:r>
-              <a:rPr lang="de-CH" sz="2000" dirty="0" smtClean="0"/>
-              <a:t>D</a:t>
-            </a:r>
-            <a:r>
-              <a:rPr lang="de-CH" sz="2000" dirty="0" smtClean="0"/>
-              <a:t>emo</a:t>
+              <a:t>Live Demo</a:t>
             </a:r>
             <a:endParaRPr lang="de-CH" sz="2000" dirty="0"/>
           </a:p>
@@ -7960,11 +7744,7 @@
           <a:p>
             <a:r>
               <a:rPr lang="de-DE" b="1" dirty="0" smtClean="0"/>
-              <a:t>Persönliche Beitr</a:t>
-            </a:r>
-            <a:r>
-              <a:rPr lang="de-DE" b="1" dirty="0" smtClean="0"/>
-              <a:t>äge</a:t>
+              <a:t>Persönliche Beiträge</a:t>
             </a:r>
             <a:endParaRPr lang="de-CH" dirty="0"/>
           </a:p>
@@ -8013,7 +7793,50 @@
           <a:bodyPr/>
           <a:lstStyle/>
           <a:p>
-            <a:endParaRPr lang="de-CH"/>
+            <a:r>
+              <a:rPr lang="de-CH" dirty="0" err="1" smtClean="0"/>
+              <a:t>LoginValidator</a:t>
+            </a:r>
+            <a:endParaRPr lang="de-CH" dirty="0" smtClean="0"/>
+          </a:p>
+          <a:p>
+            <a:r>
+              <a:rPr lang="de-CH" dirty="0" err="1" smtClean="0"/>
+              <a:t>Infopage</a:t>
+            </a:r>
+            <a:endParaRPr lang="de-CH" dirty="0" smtClean="0"/>
+          </a:p>
+          <a:p>
+            <a:r>
+              <a:rPr lang="de-CH" dirty="0" err="1" smtClean="0"/>
+              <a:t>MedicamentList</a:t>
+            </a:r>
+            <a:endParaRPr lang="de-CH" dirty="0" smtClean="0"/>
+          </a:p>
+          <a:p>
+            <a:r>
+              <a:rPr lang="de-CH" dirty="0" err="1" smtClean="0"/>
+              <a:t>MedicamentManager</a:t>
+            </a:r>
+            <a:endParaRPr lang="de-CH" dirty="0"/>
+          </a:p>
+          <a:p>
+            <a:r>
+              <a:rPr lang="de-CH" dirty="0" err="1" smtClean="0"/>
+              <a:t>UserManager</a:t>
+            </a:r>
+            <a:endParaRPr lang="de-CH" dirty="0" smtClean="0"/>
+          </a:p>
+          <a:p>
+            <a:r>
+              <a:rPr lang="de-CH" dirty="0" smtClean="0"/>
+              <a:t>Einbindung </a:t>
+            </a:r>
+            <a:r>
+              <a:rPr lang="de-CH" smtClean="0"/>
+              <a:t>in GUI</a:t>
+            </a:r>
+            <a:endParaRPr lang="de-CH" dirty="0" smtClean="0"/>
           </a:p>
         </p:txBody>
       </p:sp>
@@ -8364,11 +8187,7 @@
           <a:p>
             <a:r>
               <a:rPr lang="de-DE" b="1" dirty="0" smtClean="0"/>
-              <a:t>Persönliche Beitr</a:t>
-            </a:r>
-            <a:r>
-              <a:rPr lang="de-DE" b="1" dirty="0" smtClean="0"/>
-              <a:t>äge</a:t>
+              <a:t>Persönliche Beiträge</a:t>
             </a:r>
             <a:endParaRPr lang="de-CH" dirty="0"/>
           </a:p>
@@ -8453,7 +8272,7 @@
       </p:grpSpPr>
       <p:sp>
         <p:nvSpPr>
-          <p:cNvPr id="3" name="Titel 2"/>
+          <p:cNvPr id="5" name="Titel 4"/>
           <p:cNvSpPr>
             <a:spLocks noGrp="1"/>
           </p:cNvSpPr>
@@ -8467,8 +8286,16 @@
           <a:lstStyle/>
           <a:p>
             <a:r>
-              <a:rPr lang="de-DE" b="1" dirty="0" smtClean="0"/>
-              <a:t>Gewonnene Erkenntnisse</a:t>
+              <a:rPr lang="de-CH" dirty="0" err="1" smtClean="0"/>
+              <a:t>Lessons</a:t>
+            </a:r>
+            <a:r>
+              <a:rPr lang="de-CH" dirty="0" smtClean="0"/>
+              <a:t> </a:t>
+            </a:r>
+            <a:r>
+              <a:rPr lang="de-CH" dirty="0" err="1" smtClean="0"/>
+              <a:t>learnt</a:t>
             </a:r>
             <a:endParaRPr lang="de-CH" dirty="0"/>
           </a:p>
@@ -8476,40 +8303,31 @@
       </p:sp>
       <p:sp>
         <p:nvSpPr>
-          <p:cNvPr id="5" name="Textplatzhalter 4"/>
-          <p:cNvSpPr>
-            <a:spLocks noGrp="1"/>
-          </p:cNvSpPr>
-          <p:nvPr>
-            <p:ph type="body" idx="1"/>
-          </p:nvPr>
-        </p:nvSpPr>
-        <p:spPr>
-          <a:xfrm>
-            <a:off x="468000" y="990000"/>
-            <a:ext cx="8100000" cy="540000"/>
-          </a:xfrm>
-        </p:spPr>
+          <p:cNvPr id="6" name="Untertitel 5"/>
+          <p:cNvSpPr>
+            <a:spLocks noGrp="1"/>
+          </p:cNvSpPr>
+          <p:nvPr>
+            <p:ph type="subTitle" idx="1"/>
+          </p:nvPr>
+        </p:nvSpPr>
+        <p:spPr/>
         <p:txBody>
           <a:bodyPr/>
           <a:lstStyle/>
           <a:p>
-            <a:r>
-              <a:rPr lang="de-CH" dirty="0" smtClean="0"/>
-              <a:t>Rea</a:t>
-            </a:r>
-            <a:endParaRPr lang="de-CH" dirty="0"/>
-          </a:p>
-        </p:txBody>
-      </p:sp>
-      <p:sp>
-        <p:nvSpPr>
-          <p:cNvPr id="6" name="Inhaltsplatzhalter 5"/>
-          <p:cNvSpPr>
-            <a:spLocks noGrp="1"/>
-          </p:cNvSpPr>
-          <p:nvPr>
-            <p:ph sz="half" idx="13"/>
+            <a:endParaRPr lang="de-CH"/>
+          </a:p>
+        </p:txBody>
+      </p:sp>
+      <p:sp>
+        <p:nvSpPr>
+          <p:cNvPr id="7" name="Textplatzhalter 6"/>
+          <p:cNvSpPr>
+            <a:spLocks noGrp="1"/>
+          </p:cNvSpPr>
+          <p:nvPr>
+            <p:ph type="body" sz="quarter" idx="13"/>
           </p:nvPr>
         </p:nvSpPr>
         <p:spPr/>
@@ -8524,7 +8342,7 @@
     </p:spTree>
     <p:extLst>
       <p:ext uri="{BB962C8B-B14F-4D97-AF65-F5344CB8AC3E}">
-        <p14:creationId xmlns:p14="http://schemas.microsoft.com/office/powerpoint/2010/main" val="1593815647"/>
+        <p14:creationId xmlns:p14="http://schemas.microsoft.com/office/powerpoint/2010/main" val="3010035447"/>
       </p:ext>
     </p:extLst>
   </p:cSld>
@@ -9365,14 +9183,6 @@
 </file>
 
 <file path=customXml/item1.xml><?xml version="1.0" encoding="utf-8"?>
-<p:properties xmlns:p="http://schemas.microsoft.com/office/2006/metadata/properties" xmlns:xsi="http://www.w3.org/2001/XMLSchema-instance">
-  <documentManagement>
-    <AVMTitle xmlns="5091c847-84be-4f4f-b16c-c018ad2ca66b">Präsentation BFH_2013</AVMTitle>
-  </documentManagement>
-</p:properties>
-</file>
-
-<file path=customXml/item2.xml><?xml version="1.0" encoding="utf-8"?>
 <ct:contentTypeSchema xmlns:ct="http://schemas.microsoft.com/office/2006/metadata/contentType" xmlns:ma="http://schemas.microsoft.com/office/2006/metadata/properties/metaAttributes" ct:_="" ma:_="" ma:contentTypeName="Dokument" ma:contentTypeID="0x010100EBE3A9EFF36793468C03E2811ACE2A2B" ma:contentTypeVersion="1" ma:contentTypeDescription="Ein neues Dokument erstellen." ma:contentTypeScope="" ma:versionID="e65be32cb1bfff77fc8c9c09bf542651">
   <xsd:schema xmlns:xsd="http://www.w3.org/2001/XMLSchema" xmlns:p="http://schemas.microsoft.com/office/2006/metadata/properties" xmlns:ns2="5091c847-84be-4f4f-b16c-c018ad2ca66b" targetNamespace="http://schemas.microsoft.com/office/2006/metadata/properties" ma:root="true" ma:fieldsID="7636c84aed5b7d09a166fcef888725d4" ns2:_="">
     <xsd:import namespace="5091c847-84be-4f4f-b16c-c018ad2ca66b"/>
@@ -9432,7 +9242,7 @@
 </ct:contentTypeSchema>
 </file>
 
-<file path=customXml/item3.xml><?xml version="1.0" encoding="utf-8"?>
+<file path=customXml/item2.xml><?xml version="1.0" encoding="utf-8"?>
 <?mso-contentType ?>
 <FormTemplates xmlns="http://schemas.microsoft.com/sharepoint/v3/contenttype/forms">
   <Display>DocumentLibraryForm</Display>
@@ -9441,22 +9251,15 @@
 </FormTemplates>
 </file>
 
-<file path=customXml/itemProps1.xml><?xml version="1.0" encoding="utf-8"?>
-<ds:datastoreItem xmlns:ds="http://schemas.openxmlformats.org/officeDocument/2006/customXml" ds:itemID="{32991507-CB83-4F49-BAFB-D322B1D04098}">
-  <ds:schemaRefs>
-    <ds:schemaRef ds:uri="http://purl.org/dc/terms/"/>
-    <ds:schemaRef ds:uri="http://purl.org/dc/elements/1.1/"/>
-    <ds:schemaRef ds:uri="http://www.w3.org/XML/1998/namespace"/>
-    <ds:schemaRef ds:uri="http://schemas.microsoft.com/office/2006/documentManagement/types"/>
-    <ds:schemaRef ds:uri="http://schemas.openxmlformats.org/package/2006/metadata/core-properties"/>
-    <ds:schemaRef ds:uri="5091c847-84be-4f4f-b16c-c018ad2ca66b"/>
-    <ds:schemaRef ds:uri="http://schemas.microsoft.com/office/2006/metadata/properties"/>
-    <ds:schemaRef ds:uri="http://purl.org/dc/dcmitype/"/>
-  </ds:schemaRefs>
-</ds:datastoreItem>
+<file path=customXml/item3.xml><?xml version="1.0" encoding="utf-8"?>
+<p:properties xmlns:p="http://schemas.microsoft.com/office/2006/metadata/properties" xmlns:xsi="http://www.w3.org/2001/XMLSchema-instance">
+  <documentManagement>
+    <AVMTitle xmlns="5091c847-84be-4f4f-b16c-c018ad2ca66b">Präsentation BFH_2013</AVMTitle>
+  </documentManagement>
+</p:properties>
 </file>
 
-<file path=customXml/itemProps2.xml><?xml version="1.0" encoding="utf-8"?>
+<file path=customXml/itemProps1.xml><?xml version="1.0" encoding="utf-8"?>
 <ds:datastoreItem xmlns:ds="http://schemas.openxmlformats.org/officeDocument/2006/customXml" ds:itemID="{15287BEA-F3FF-4B87-929B-5D0092183197}">
   <ds:schemaRefs>
     <ds:schemaRef ds:uri="http://schemas.microsoft.com/office/2006/metadata/contentType"/>
@@ -9473,10 +9276,25 @@
 </ds:datastoreItem>
 </file>
 
-<file path=customXml/itemProps3.xml><?xml version="1.0" encoding="utf-8"?>
+<file path=customXml/itemProps2.xml><?xml version="1.0" encoding="utf-8"?>
 <ds:datastoreItem xmlns:ds="http://schemas.openxmlformats.org/officeDocument/2006/customXml" ds:itemID="{1851D33F-E468-417B-A30C-509B68D2BD09}">
   <ds:schemaRefs>
     <ds:schemaRef ds:uri="http://schemas.microsoft.com/sharepoint/v3/contenttype/forms"/>
   </ds:schemaRefs>
 </ds:datastoreItem>
+</file>
+
+<file path=customXml/itemProps3.xml><?xml version="1.0" encoding="utf-8"?>
+<ds:datastoreItem xmlns:ds="http://schemas.openxmlformats.org/officeDocument/2006/customXml" ds:itemID="{32991507-CB83-4F49-BAFB-D322B1D04098}">
+  <ds:schemaRefs>
+    <ds:schemaRef ds:uri="http://purl.org/dc/terms/"/>
+    <ds:schemaRef ds:uri="http://purl.org/dc/elements/1.1/"/>
+    <ds:schemaRef ds:uri="http://www.w3.org/XML/1998/namespace"/>
+    <ds:schemaRef ds:uri="http://schemas.microsoft.com/office/2006/documentManagement/types"/>
+    <ds:schemaRef ds:uri="http://schemas.openxmlformats.org/package/2006/metadata/core-properties"/>
+    <ds:schemaRef ds:uri="5091c847-84be-4f4f-b16c-c018ad2ca66b"/>
+    <ds:schemaRef ds:uri="http://schemas.microsoft.com/office/2006/metadata/properties"/>
+    <ds:schemaRef ds:uri="http://purl.org/dc/dcmitype/"/>
+  </ds:schemaRefs>
+</ds:datastoreItem>
 </file>
--- a/doc/Task14/task14_presentation Schlurp.pptx
+++ b/doc/Task14/task14_presentation Schlurp.pptx
@@ -5,10 +5,10 @@
     <p:sldMasterId id="2147483669" r:id="rId4"/>
   </p:sldMasterIdLst>
   <p:notesMasterIdLst>
-    <p:notesMasterId r:id="rId17"/>
+    <p:notesMasterId r:id="rId21"/>
   </p:notesMasterIdLst>
   <p:handoutMasterIdLst>
-    <p:handoutMasterId r:id="rId18"/>
+    <p:handoutMasterId r:id="rId22"/>
   </p:handoutMasterIdLst>
   <p:sldIdLst>
     <p:sldId id="259" r:id="rId5"/>
@@ -19,10 +19,14 @@
     <p:sldId id="305" r:id="rId10"/>
     <p:sldId id="306" r:id="rId11"/>
     <p:sldId id="307" r:id="rId12"/>
-    <p:sldId id="309" r:id="rId13"/>
-    <p:sldId id="310" r:id="rId14"/>
-    <p:sldId id="308" r:id="rId15"/>
-    <p:sldId id="299" r:id="rId16"/>
+    <p:sldId id="310" r:id="rId13"/>
+    <p:sldId id="311" r:id="rId14"/>
+    <p:sldId id="312" r:id="rId15"/>
+    <p:sldId id="313" r:id="rId16"/>
+    <p:sldId id="314" r:id="rId17"/>
+    <p:sldId id="315" r:id="rId18"/>
+    <p:sldId id="316" r:id="rId19"/>
+    <p:sldId id="299" r:id="rId20"/>
   </p:sldIdLst>
   <p:sldSz cx="9144000" cy="6858000" type="screen4x3"/>
   <p:notesSz cx="6669088" cy="9926638"/>
@@ -266,7 +270,7 @@
           <a:p>
             <a:fld id="{EFA0D184-D464-48E9-9CA0-A94E873F6C2C}" type="datetimeFigureOut">
               <a:rPr lang="de-CH" smtClean="0"/>
-              <a:t>20.01.2016</a:t>
+              <a:t>tt.01.jjjj</a:t>
             </a:fld>
             <a:endParaRPr lang="de-CH"/>
           </a:p>
@@ -431,7 +435,7 @@
           <a:p>
             <a:fld id="{5AF2B663-2BA9-4D7E-8201-5DE4109E1EDD}" type="datetimeFigureOut">
               <a:rPr lang="de-CH" smtClean="0"/>
-              <a:t>20.01.2016</a:t>
+              <a:t>tt.01.jjjj</a:t>
             </a:fld>
             <a:endParaRPr lang="de-CH"/>
           </a:p>
@@ -1040,14 +1044,14 @@
           </a:ln>
           <a:extLst>
             <a:ext uri="{909E8E84-426E-40dd-AFC4-6F175D3DCCD1}">
-              <a14:hiddenFill xmlns:a14="http://schemas.microsoft.com/office/drawing/2010/main" xmlns="">
+              <a14:hiddenFill xmlns="" xmlns:a14="http://schemas.microsoft.com/office/drawing/2010/main">
                 <a:solidFill>
                   <a:srgbClr val="FFFFFF"/>
                 </a:solidFill>
               </a14:hiddenFill>
             </a:ext>
             <a:ext uri="{91240B29-F687-4f45-9708-019B960494DF}">
-              <a14:hiddenLine xmlns:a14="http://schemas.microsoft.com/office/drawing/2010/main" xmlns="" w="9525">
+              <a14:hiddenLine xmlns="" xmlns:a14="http://schemas.microsoft.com/office/drawing/2010/main" w="9525">
                 <a:solidFill>
                   <a:srgbClr val="000000"/>
                 </a:solidFill>
@@ -2163,6 +2167,36 @@
           </a:p>
         </p:txBody>
       </p:sp>
+      <p:pic>
+        <p:nvPicPr>
+          <p:cNvPr id="14" name="Grafik 13"/>
+          <p:cNvPicPr>
+            <a:picLocks noChangeAspect="1"/>
+          </p:cNvPicPr>
+          <p:nvPr userDrawn="1"/>
+        </p:nvPicPr>
+        <p:blipFill>
+          <a:blip r:embed="rId2">
+            <a:extLst>
+              <a:ext uri="{28A0092B-C50C-407E-A947-70E740481C1C}">
+                <a14:useLocalDpi xmlns:a14="http://schemas.microsoft.com/office/drawing/2010/main" val="0"/>
+              </a:ext>
+            </a:extLst>
+          </a:blip>
+          <a:stretch>
+            <a:fillRect/>
+          </a:stretch>
+        </p:blipFill>
+        <p:spPr>
+          <a:xfrm>
+            <a:off x="8159635" y="6196948"/>
+            <a:ext cx="408365" cy="453739"/>
+          </a:xfrm>
+          <a:prstGeom prst="rect">
+            <a:avLst/>
+          </a:prstGeom>
+        </p:spPr>
+      </p:pic>
     </p:spTree>
     <p:extLst>
       <p:ext uri="{BB962C8B-B14F-4D97-AF65-F5344CB8AC3E}">
@@ -2216,6 +2250,36 @@
           </a:p>
         </p:txBody>
       </p:sp>
+      <p:pic>
+        <p:nvPicPr>
+          <p:cNvPr id="3" name="Grafik 2"/>
+          <p:cNvPicPr>
+            <a:picLocks noChangeAspect="1"/>
+          </p:cNvPicPr>
+          <p:nvPr userDrawn="1"/>
+        </p:nvPicPr>
+        <p:blipFill>
+          <a:blip r:embed="rId2">
+            <a:extLst>
+              <a:ext uri="{28A0092B-C50C-407E-A947-70E740481C1C}">
+                <a14:useLocalDpi xmlns:a14="http://schemas.microsoft.com/office/drawing/2010/main" val="0"/>
+              </a:ext>
+            </a:extLst>
+          </a:blip>
+          <a:stretch>
+            <a:fillRect/>
+          </a:stretch>
+        </p:blipFill>
+        <p:spPr>
+          <a:xfrm>
+            <a:off x="8159635" y="6196948"/>
+            <a:ext cx="408365" cy="453739"/>
+          </a:xfrm>
+          <a:prstGeom prst="rect">
+            <a:avLst/>
+          </a:prstGeom>
+        </p:spPr>
+      </p:pic>
     </p:spTree>
     <p:extLst>
       <p:ext uri="{BB962C8B-B14F-4D97-AF65-F5344CB8AC3E}">
@@ -2473,6 +2537,36 @@
           </a:p>
         </p:txBody>
       </p:sp>
+      <p:pic>
+        <p:nvPicPr>
+          <p:cNvPr id="5" name="Grafik 4"/>
+          <p:cNvPicPr>
+            <a:picLocks noChangeAspect="1"/>
+          </p:cNvPicPr>
+          <p:nvPr userDrawn="1"/>
+        </p:nvPicPr>
+        <p:blipFill>
+          <a:blip r:embed="rId2">
+            <a:extLst>
+              <a:ext uri="{28A0092B-C50C-407E-A947-70E740481C1C}">
+                <a14:useLocalDpi xmlns:a14="http://schemas.microsoft.com/office/drawing/2010/main" val="0"/>
+              </a:ext>
+            </a:extLst>
+          </a:blip>
+          <a:stretch>
+            <a:fillRect/>
+          </a:stretch>
+        </p:blipFill>
+        <p:spPr>
+          <a:xfrm>
+            <a:off x="8159635" y="6196948"/>
+            <a:ext cx="408365" cy="453739"/>
+          </a:xfrm>
+          <a:prstGeom prst="rect">
+            <a:avLst/>
+          </a:prstGeom>
+        </p:spPr>
+      </p:pic>
     </p:spTree>
     <p:extLst>
       <p:ext uri="{BB962C8B-B14F-4D97-AF65-F5344CB8AC3E}">
@@ -2773,14 +2867,14 @@
           </a:ln>
           <a:extLst>
             <a:ext uri="{909E8E84-426E-40dd-AFC4-6F175D3DCCD1}">
-              <a14:hiddenFill xmlns:a14="http://schemas.microsoft.com/office/drawing/2010/main" xmlns="">
+              <a14:hiddenFill xmlns="" xmlns:a14="http://schemas.microsoft.com/office/drawing/2010/main">
                 <a:solidFill>
                   <a:srgbClr val="FFFFFF"/>
                 </a:solidFill>
               </a14:hiddenFill>
             </a:ext>
             <a:ext uri="{91240B29-F687-4f45-9708-019B960494DF}">
-              <a14:hiddenLine xmlns:a14="http://schemas.microsoft.com/office/drawing/2010/main" xmlns="" w="9525">
+              <a14:hiddenLine xmlns="" xmlns:a14="http://schemas.microsoft.com/office/drawing/2010/main" w="9525">
                 <a:solidFill>
                   <a:srgbClr val="000000"/>
                 </a:solidFill>
@@ -3111,7 +3205,7 @@
             <a:pPr>
               <a:defRPr/>
             </a:pPr>
-            <a:endParaRPr lang="de-DE"/>
+            <a:endParaRPr lang="de-DE" dirty="0"/>
           </a:p>
         </p:txBody>
       </p:sp>
@@ -3504,6 +3598,36 @@
           </a:p>
         </p:txBody>
       </p:sp>
+      <p:pic>
+        <p:nvPicPr>
+          <p:cNvPr id="8" name="Grafik 7"/>
+          <p:cNvPicPr>
+            <a:picLocks noChangeAspect="1"/>
+          </p:cNvPicPr>
+          <p:nvPr userDrawn="1"/>
+        </p:nvPicPr>
+        <p:blipFill>
+          <a:blip r:embed="rId2">
+            <a:extLst>
+              <a:ext uri="{28A0092B-C50C-407E-A947-70E740481C1C}">
+                <a14:useLocalDpi xmlns:a14="http://schemas.microsoft.com/office/drawing/2010/main" val="0"/>
+              </a:ext>
+            </a:extLst>
+          </a:blip>
+          <a:stretch>
+            <a:fillRect/>
+          </a:stretch>
+        </p:blipFill>
+        <p:spPr>
+          <a:xfrm>
+            <a:off x="8159635" y="6196948"/>
+            <a:ext cx="408365" cy="453739"/>
+          </a:xfrm>
+          <a:prstGeom prst="rect">
+            <a:avLst/>
+          </a:prstGeom>
+        </p:spPr>
+      </p:pic>
     </p:spTree>
     <p:extLst>
       <p:ext uri="{BB962C8B-B14F-4D97-AF65-F5344CB8AC3E}">
@@ -3893,6 +4017,36 @@
           </a:p>
         </p:txBody>
       </p:sp>
+      <p:pic>
+        <p:nvPicPr>
+          <p:cNvPr id="9" name="Grafik 8"/>
+          <p:cNvPicPr>
+            <a:picLocks noChangeAspect="1"/>
+          </p:cNvPicPr>
+          <p:nvPr userDrawn="1"/>
+        </p:nvPicPr>
+        <p:blipFill>
+          <a:blip r:embed="rId2">
+            <a:extLst>
+              <a:ext uri="{28A0092B-C50C-407E-A947-70E740481C1C}">
+                <a14:useLocalDpi xmlns:a14="http://schemas.microsoft.com/office/drawing/2010/main" val="0"/>
+              </a:ext>
+            </a:extLst>
+          </a:blip>
+          <a:stretch>
+            <a:fillRect/>
+          </a:stretch>
+        </p:blipFill>
+        <p:spPr>
+          <a:xfrm>
+            <a:off x="8159635" y="6196948"/>
+            <a:ext cx="408365" cy="453739"/>
+          </a:xfrm>
+          <a:prstGeom prst="rect">
+            <a:avLst/>
+          </a:prstGeom>
+        </p:spPr>
+      </p:pic>
     </p:spTree>
     <p:extLst>
       <p:ext uri="{BB962C8B-B14F-4D97-AF65-F5344CB8AC3E}">
@@ -4120,6 +4274,36 @@
           </a:p>
         </p:txBody>
       </p:sp>
+      <p:pic>
+        <p:nvPicPr>
+          <p:cNvPr id="5" name="Grafik 4"/>
+          <p:cNvPicPr>
+            <a:picLocks noChangeAspect="1"/>
+          </p:cNvPicPr>
+          <p:nvPr userDrawn="1"/>
+        </p:nvPicPr>
+        <p:blipFill>
+          <a:blip r:embed="rId2">
+            <a:extLst>
+              <a:ext uri="{28A0092B-C50C-407E-A947-70E740481C1C}">
+                <a14:useLocalDpi xmlns:a14="http://schemas.microsoft.com/office/drawing/2010/main" val="0"/>
+              </a:ext>
+            </a:extLst>
+          </a:blip>
+          <a:stretch>
+            <a:fillRect/>
+          </a:stretch>
+        </p:blipFill>
+        <p:spPr>
+          <a:xfrm>
+            <a:off x="8159635" y="6196948"/>
+            <a:ext cx="408365" cy="453739"/>
+          </a:xfrm>
+          <a:prstGeom prst="rect">
+            <a:avLst/>
+          </a:prstGeom>
+        </p:spPr>
+      </p:pic>
     </p:spTree>
     <p:extLst>
       <p:ext uri="{BB962C8B-B14F-4D97-AF65-F5344CB8AC3E}">
@@ -4421,6 +4605,36 @@
           </a:p>
         </p:txBody>
       </p:sp>
+      <p:pic>
+        <p:nvPicPr>
+          <p:cNvPr id="6" name="Grafik 5"/>
+          <p:cNvPicPr>
+            <a:picLocks noChangeAspect="1"/>
+          </p:cNvPicPr>
+          <p:nvPr userDrawn="1"/>
+        </p:nvPicPr>
+        <p:blipFill>
+          <a:blip r:embed="rId2">
+            <a:extLst>
+              <a:ext uri="{28A0092B-C50C-407E-A947-70E740481C1C}">
+                <a14:useLocalDpi xmlns:a14="http://schemas.microsoft.com/office/drawing/2010/main" val="0"/>
+              </a:ext>
+            </a:extLst>
+          </a:blip>
+          <a:stretch>
+            <a:fillRect/>
+          </a:stretch>
+        </p:blipFill>
+        <p:spPr>
+          <a:xfrm>
+            <a:off x="8159635" y="6196948"/>
+            <a:ext cx="408365" cy="453739"/>
+          </a:xfrm>
+          <a:prstGeom prst="rect">
+            <a:avLst/>
+          </a:prstGeom>
+        </p:spPr>
+      </p:pic>
     </p:spTree>
     <p:extLst>
       <p:ext uri="{BB962C8B-B14F-4D97-AF65-F5344CB8AC3E}">
@@ -4944,6 +5158,36 @@
           </a:p>
         </p:txBody>
       </p:sp>
+      <p:pic>
+        <p:nvPicPr>
+          <p:cNvPr id="8" name="Grafik 7"/>
+          <p:cNvPicPr>
+            <a:picLocks noChangeAspect="1"/>
+          </p:cNvPicPr>
+          <p:nvPr userDrawn="1"/>
+        </p:nvPicPr>
+        <p:blipFill>
+          <a:blip r:embed="rId2">
+            <a:extLst>
+              <a:ext uri="{28A0092B-C50C-407E-A947-70E740481C1C}">
+                <a14:useLocalDpi xmlns:a14="http://schemas.microsoft.com/office/drawing/2010/main" val="0"/>
+              </a:ext>
+            </a:extLst>
+          </a:blip>
+          <a:stretch>
+            <a:fillRect/>
+          </a:stretch>
+        </p:blipFill>
+        <p:spPr>
+          <a:xfrm>
+            <a:off x="8159635" y="6196948"/>
+            <a:ext cx="408365" cy="453739"/>
+          </a:xfrm>
+          <a:prstGeom prst="rect">
+            <a:avLst/>
+          </a:prstGeom>
+        </p:spPr>
+      </p:pic>
     </p:spTree>
     <p:extLst>
       <p:ext uri="{BB962C8B-B14F-4D97-AF65-F5344CB8AC3E}">
@@ -5467,6 +5711,36 @@
           </a:p>
         </p:txBody>
       </p:sp>
+      <p:pic>
+        <p:nvPicPr>
+          <p:cNvPr id="8" name="Grafik 7"/>
+          <p:cNvPicPr>
+            <a:picLocks noChangeAspect="1"/>
+          </p:cNvPicPr>
+          <p:nvPr userDrawn="1"/>
+        </p:nvPicPr>
+        <p:blipFill>
+          <a:blip r:embed="rId2">
+            <a:extLst>
+              <a:ext uri="{28A0092B-C50C-407E-A947-70E740481C1C}">
+                <a14:useLocalDpi xmlns:a14="http://schemas.microsoft.com/office/drawing/2010/main" val="0"/>
+              </a:ext>
+            </a:extLst>
+          </a:blip>
+          <a:stretch>
+            <a:fillRect/>
+          </a:stretch>
+        </p:blipFill>
+        <p:spPr>
+          <a:xfrm>
+            <a:off x="8159635" y="6196948"/>
+            <a:ext cx="408365" cy="453739"/>
+          </a:xfrm>
+          <a:prstGeom prst="rect">
+            <a:avLst/>
+          </a:prstGeom>
+        </p:spPr>
+      </p:pic>
     </p:spTree>
     <p:extLst>
       <p:ext uri="{BB962C8B-B14F-4D97-AF65-F5344CB8AC3E}">
@@ -6194,6 +6468,36 @@
           </a:p>
         </p:txBody>
       </p:sp>
+      <p:pic>
+        <p:nvPicPr>
+          <p:cNvPr id="12" name="Grafik 11"/>
+          <p:cNvPicPr>
+            <a:picLocks noChangeAspect="1"/>
+          </p:cNvPicPr>
+          <p:nvPr userDrawn="1"/>
+        </p:nvPicPr>
+        <p:blipFill>
+          <a:blip r:embed="rId2">
+            <a:extLst>
+              <a:ext uri="{28A0092B-C50C-407E-A947-70E740481C1C}">
+                <a14:useLocalDpi xmlns:a14="http://schemas.microsoft.com/office/drawing/2010/main" val="0"/>
+              </a:ext>
+            </a:extLst>
+          </a:blip>
+          <a:stretch>
+            <a:fillRect/>
+          </a:stretch>
+        </p:blipFill>
+        <p:spPr>
+          <a:xfrm>
+            <a:off x="8159635" y="6196948"/>
+            <a:ext cx="408365" cy="453739"/>
+          </a:xfrm>
+          <a:prstGeom prst="rect">
+            <a:avLst/>
+          </a:prstGeom>
+        </p:spPr>
+      </p:pic>
     </p:spTree>
     <p:extLst>
       <p:ext uri="{BB962C8B-B14F-4D97-AF65-F5344CB8AC3E}">
@@ -6254,14 +6558,14 @@
           </a:ln>
           <a:extLst>
             <a:ext uri="{909E8E84-426E-40dd-AFC4-6F175D3DCCD1}">
-              <a14:hiddenFill xmlns:a14="http://schemas.microsoft.com/office/drawing/2010/main" xmlns="">
+              <a14:hiddenFill xmlns="" xmlns:a14="http://schemas.microsoft.com/office/drawing/2010/main">
                 <a:solidFill>
                   <a:srgbClr val="FFFFFF"/>
                 </a:solidFill>
               </a14:hiddenFill>
             </a:ext>
             <a:ext uri="{91240B29-F687-4f45-9708-019B960494DF}">
-              <a14:hiddenLine xmlns:a14="http://schemas.microsoft.com/office/drawing/2010/main" xmlns="" w="9525">
+              <a14:hiddenLine xmlns="" xmlns:a14="http://schemas.microsoft.com/office/drawing/2010/main" w="9525">
                 <a:solidFill>
                   <a:srgbClr val="000000"/>
                 </a:solidFill>
@@ -7160,6 +7464,82 @@
           <a:bodyPr/>
           <a:lstStyle/>
           <a:p>
+            <a:r>
+              <a:rPr lang="de-CH" dirty="0" smtClean="0"/>
+              <a:t>Schwierigkeiten</a:t>
+            </a:r>
+          </a:p>
+          <a:p>
+            <a:pPr lvl="1"/>
+            <a:r>
+              <a:rPr lang="de-CH" dirty="0" smtClean="0"/>
+              <a:t>Viele Einflussfaktoren</a:t>
+            </a:r>
+          </a:p>
+          <a:p>
+            <a:pPr lvl="1"/>
+            <a:r>
+              <a:rPr lang="de-CH" dirty="0" smtClean="0"/>
+              <a:t>Fehlende Erfahrung</a:t>
+            </a:r>
+            <a:endParaRPr lang="de-CH" dirty="0"/>
+          </a:p>
+          <a:p>
+            <a:pPr lvl="1"/>
+            <a:endParaRPr lang="de-CH" dirty="0" smtClean="0"/>
+          </a:p>
+          <a:p>
+            <a:r>
+              <a:rPr lang="de-CH" dirty="0" err="1" smtClean="0"/>
+              <a:t>Lessons</a:t>
+            </a:r>
+            <a:r>
+              <a:rPr lang="de-CH" dirty="0" smtClean="0"/>
+              <a:t> </a:t>
+            </a:r>
+            <a:r>
+              <a:rPr lang="de-CH" dirty="0" err="1" smtClean="0"/>
+              <a:t>learned</a:t>
+            </a:r>
+            <a:endParaRPr lang="de-CH" dirty="0" smtClean="0"/>
+          </a:p>
+          <a:p>
+            <a:pPr lvl="1"/>
+            <a:r>
+              <a:rPr lang="de-CH" dirty="0" smtClean="0"/>
+              <a:t>Grundlage des Projekts</a:t>
+            </a:r>
+          </a:p>
+          <a:p>
+            <a:pPr lvl="1"/>
+            <a:r>
+              <a:rPr lang="de-CH" dirty="0" smtClean="0"/>
+              <a:t>Alle Faktoren berücksichtigen</a:t>
+            </a:r>
+          </a:p>
+          <a:p>
+            <a:pPr lvl="2"/>
+            <a:r>
+              <a:rPr lang="de-CH" dirty="0" smtClean="0"/>
+              <a:t>Richtlinien</a:t>
+            </a:r>
+          </a:p>
+          <a:p>
+            <a:pPr lvl="2"/>
+            <a:r>
+              <a:rPr lang="de-CH" dirty="0" smtClean="0"/>
+              <a:t>Kundenanforderungen</a:t>
+            </a:r>
+          </a:p>
+          <a:p>
+            <a:pPr lvl="2"/>
+            <a:r>
+              <a:rPr lang="de-CH" dirty="0" smtClean="0"/>
+              <a:t>…</a:t>
+            </a:r>
+          </a:p>
+          <a:p>
+            <a:pPr lvl="1"/>
             <a:endParaRPr lang="de-CH" dirty="0"/>
           </a:p>
         </p:txBody>
@@ -7188,16 +7568,8 @@
               <a:rPr lang="de-CH" dirty="0" smtClean="0"/>
             </a:br>
             <a:r>
-              <a:rPr lang="de-CH" sz="2000" dirty="0" smtClean="0"/>
-              <a:t>Storyboard &lt;-&gt; </a:t>
-            </a:r>
-            <a:r>
               <a:rPr lang="de-CH" sz="2000" dirty="0" err="1" smtClean="0"/>
               <a:t>Requirements</a:t>
-            </a:r>
-            <a:r>
-              <a:rPr lang="de-CH" sz="2000" dirty="0" smtClean="0"/>
-              <a:t> &lt;-&gt; Design &lt;-&gt; Implementation</a:t>
             </a:r>
             <a:endParaRPr lang="de-CH" sz="2200" dirty="0"/>
           </a:p>
@@ -7206,7 +7578,7 @@
     </p:spTree>
     <p:extLst>
       <p:ext uri="{BB962C8B-B14F-4D97-AF65-F5344CB8AC3E}">
-        <p14:creationId xmlns:p14="http://schemas.microsoft.com/office/powerpoint/2010/main" val="352211297"/>
+        <p14:creationId xmlns:p14="http://schemas.microsoft.com/office/powerpoint/2010/main" val="1331511723"/>
       </p:ext>
     </p:extLst>
   </p:cSld>
@@ -7235,7 +7607,98 @@
       </p:grpSpPr>
       <p:sp>
         <p:nvSpPr>
-          <p:cNvPr id="3" name="Titel 2"/>
+          <p:cNvPr id="6" name="Inhaltsplatzhalter 5"/>
+          <p:cNvSpPr>
+            <a:spLocks noGrp="1"/>
+          </p:cNvSpPr>
+          <p:nvPr>
+            <p:ph sz="half" idx="1"/>
+          </p:nvPr>
+        </p:nvSpPr>
+        <p:spPr/>
+        <p:txBody>
+          <a:bodyPr/>
+          <a:lstStyle/>
+          <a:p>
+            <a:r>
+              <a:rPr lang="de-CH" dirty="0" smtClean="0"/>
+              <a:t>Schwierigkeiten</a:t>
+            </a:r>
+          </a:p>
+          <a:p>
+            <a:pPr lvl="1"/>
+            <a:r>
+              <a:rPr lang="de-CH" dirty="0" smtClean="0"/>
+              <a:t>Fehlende Erfahrung</a:t>
+            </a:r>
+          </a:p>
+          <a:p>
+            <a:pPr lvl="2"/>
+            <a:r>
+              <a:rPr lang="de-CH" dirty="0" smtClean="0"/>
+              <a:t>Wichtige Punkte vergessen</a:t>
+            </a:r>
+          </a:p>
+          <a:p>
+            <a:pPr lvl="1"/>
+            <a:r>
+              <a:rPr lang="de-CH" dirty="0" smtClean="0"/>
+              <a:t>Überblick behalten</a:t>
+            </a:r>
+          </a:p>
+          <a:p>
+            <a:pPr lvl="1"/>
+            <a:r>
+              <a:rPr lang="de-CH" dirty="0" smtClean="0"/>
+              <a:t>Anbindung an </a:t>
+            </a:r>
+            <a:r>
+              <a:rPr lang="de-CH" dirty="0" err="1" smtClean="0"/>
+              <a:t>Vaadin</a:t>
+            </a:r>
+            <a:endParaRPr lang="de-CH" dirty="0"/>
+          </a:p>
+          <a:p>
+            <a:endParaRPr lang="de-CH" dirty="0" smtClean="0"/>
+          </a:p>
+          <a:p>
+            <a:r>
+              <a:rPr lang="de-CH" dirty="0" err="1" smtClean="0"/>
+              <a:t>Lessons</a:t>
+            </a:r>
+            <a:r>
+              <a:rPr lang="de-CH" dirty="0" smtClean="0"/>
+              <a:t> </a:t>
+            </a:r>
+            <a:r>
+              <a:rPr lang="de-CH" dirty="0" err="1" smtClean="0"/>
+              <a:t>learned</a:t>
+            </a:r>
+            <a:endParaRPr lang="de-CH" dirty="0" smtClean="0"/>
+          </a:p>
+          <a:p>
+            <a:pPr lvl="1"/>
+            <a:r>
+              <a:rPr lang="de-CH" dirty="0" smtClean="0"/>
+              <a:t>Ressourcen abklären</a:t>
+            </a:r>
+          </a:p>
+          <a:p>
+            <a:pPr lvl="1"/>
+            <a:r>
+              <a:rPr lang="de-CH" dirty="0" smtClean="0"/>
+              <a:t>Externe Frameworks sind gut aber…</a:t>
+            </a:r>
+          </a:p>
+          <a:p>
+            <a:pPr lvl="1"/>
+            <a:endParaRPr lang="de-CH" dirty="0"/>
+          </a:p>
+        </p:txBody>
+      </p:sp>
+      <p:sp>
+        <p:nvSpPr>
+          <p:cNvPr id="5" name="Titel 4"/>
           <p:cNvSpPr>
             <a:spLocks noGrp="1"/>
           </p:cNvSpPr>
@@ -7248,70 +7711,26 @@
           <a:bodyPr/>
           <a:lstStyle/>
           <a:p>
-            <a:r>
-              <a:rPr lang="de-DE" b="1" dirty="0" smtClean="0"/>
-              <a:t>Schwierigkeiten</a:t>
-            </a:r>
-            <a:endParaRPr lang="de-CH" dirty="0"/>
-          </a:p>
-        </p:txBody>
-      </p:sp>
-      <p:sp>
-        <p:nvSpPr>
-          <p:cNvPr id="6" name="Inhaltsplatzhalter 5"/>
-          <p:cNvSpPr>
-            <a:spLocks noGrp="1"/>
-          </p:cNvSpPr>
-          <p:nvPr>
-            <p:ph sz="half" idx="13"/>
-          </p:nvPr>
-        </p:nvSpPr>
-        <p:spPr>
-          <a:xfrm>
-            <a:off x="468000" y="1099750"/>
-            <a:ext cx="8100000" cy="5020249"/>
-          </a:xfrm>
-        </p:spPr>
-        <p:txBody>
-          <a:bodyPr/>
-          <a:lstStyle/>
-          <a:p>
+            <a:pPr algn="ctr"/>
             <a:r>
               <a:rPr lang="de-CH" dirty="0" smtClean="0"/>
-              <a:t>Abschätzen was fü</a:t>
-            </a:r>
-            <a:r>
+              <a:t>Prozess </a:t>
+            </a:r>
+            <a:br>
               <a:rPr lang="de-CH" dirty="0" smtClean="0"/>
-              <a:t>r Funktionsideen realistisch sind zum Umsetzen</a:t>
-            </a:r>
-          </a:p>
-          <a:p>
-            <a:r>
-              <a:rPr lang="de-CH" dirty="0" smtClean="0"/>
-              <a:t>Zeit abschätzen für einzelne </a:t>
-            </a:r>
-            <a:r>
-              <a:rPr lang="de-CH" dirty="0" err="1" smtClean="0"/>
-              <a:t>Scrum</a:t>
-            </a:r>
-            <a:r>
-              <a:rPr lang="de-CH" dirty="0" smtClean="0"/>
-              <a:t> T</a:t>
-            </a:r>
-            <a:r>
-              <a:rPr lang="de-CH" dirty="0" smtClean="0"/>
-              <a:t>asks</a:t>
-            </a:r>
-          </a:p>
-          <a:p>
-            <a:endParaRPr lang="de-CH" dirty="0"/>
+            </a:br>
+            <a:r>
+              <a:rPr lang="de-CH" sz="2000" dirty="0" smtClean="0"/>
+              <a:t>Design</a:t>
+            </a:r>
+            <a:endParaRPr lang="de-CH" sz="2200" dirty="0"/>
           </a:p>
         </p:txBody>
       </p:sp>
     </p:spTree>
     <p:extLst>
       <p:ext uri="{BB962C8B-B14F-4D97-AF65-F5344CB8AC3E}">
-        <p14:creationId xmlns:p14="http://schemas.microsoft.com/office/powerpoint/2010/main" val="1593815647"/>
+        <p14:creationId xmlns:p14="http://schemas.microsoft.com/office/powerpoint/2010/main" val="1305885463"/>
       </p:ext>
     </p:extLst>
   </p:cSld>
@@ -7322,6 +7741,647 @@
 </file>
 
 <file path=ppt/slides/slide12.xml><?xml version="1.0" encoding="utf-8"?>
+<p:sld xmlns:a="http://schemas.openxmlformats.org/drawingml/2006/main" xmlns:r="http://schemas.openxmlformats.org/officeDocument/2006/relationships" xmlns:p="http://schemas.openxmlformats.org/presentationml/2006/main">
+  <p:cSld>
+    <p:spTree>
+      <p:nvGrpSpPr>
+        <p:cNvPr id="1" name=""/>
+        <p:cNvGrpSpPr/>
+        <p:nvPr/>
+      </p:nvGrpSpPr>
+      <p:grpSpPr>
+        <a:xfrm>
+          <a:off x="0" y="0"/>
+          <a:ext cx="0" cy="0"/>
+          <a:chOff x="0" y="0"/>
+          <a:chExt cx="0" cy="0"/>
+        </a:xfrm>
+      </p:grpSpPr>
+      <p:sp>
+        <p:nvSpPr>
+          <p:cNvPr id="6" name="Inhaltsplatzhalter 5"/>
+          <p:cNvSpPr>
+            <a:spLocks noGrp="1"/>
+          </p:cNvSpPr>
+          <p:nvPr>
+            <p:ph sz="half" idx="1"/>
+          </p:nvPr>
+        </p:nvSpPr>
+        <p:spPr/>
+        <p:txBody>
+          <a:bodyPr/>
+          <a:lstStyle/>
+          <a:p>
+            <a:r>
+              <a:rPr lang="de-CH" dirty="0" smtClean="0"/>
+              <a:t>Schwierigkeiten</a:t>
+            </a:r>
+          </a:p>
+          <a:p>
+            <a:pPr lvl="1"/>
+            <a:r>
+              <a:rPr lang="de-CH" dirty="0" smtClean="0"/>
+              <a:t>Arbeitsaufteilung</a:t>
+            </a:r>
+          </a:p>
+          <a:p>
+            <a:pPr lvl="1"/>
+            <a:r>
+              <a:rPr lang="de-CH" dirty="0" smtClean="0"/>
+              <a:t>Fehlende Erfahrung</a:t>
+            </a:r>
+          </a:p>
+          <a:p>
+            <a:pPr lvl="1"/>
+            <a:r>
+              <a:rPr lang="de-CH" dirty="0" smtClean="0"/>
+              <a:t>Aufwand schätzen</a:t>
+            </a:r>
+          </a:p>
+          <a:p>
+            <a:pPr lvl="1"/>
+            <a:r>
+              <a:rPr lang="de-CH" dirty="0" smtClean="0"/>
+              <a:t>Machbarkeit einschätzen</a:t>
+            </a:r>
+            <a:endParaRPr lang="de-CH" dirty="0"/>
+          </a:p>
+          <a:p>
+            <a:endParaRPr lang="de-CH" dirty="0" smtClean="0"/>
+          </a:p>
+          <a:p>
+            <a:r>
+              <a:rPr lang="de-CH" dirty="0" err="1" smtClean="0"/>
+              <a:t>Lessons</a:t>
+            </a:r>
+            <a:r>
+              <a:rPr lang="de-CH" dirty="0" smtClean="0"/>
+              <a:t> </a:t>
+            </a:r>
+            <a:r>
+              <a:rPr lang="de-CH" dirty="0" err="1" smtClean="0"/>
+              <a:t>learned</a:t>
+            </a:r>
+            <a:endParaRPr lang="de-CH" dirty="0" smtClean="0"/>
+          </a:p>
+          <a:p>
+            <a:pPr lvl="1"/>
+            <a:r>
+              <a:rPr lang="de-CH" dirty="0" smtClean="0"/>
+              <a:t>Umgang mit Ressourcen</a:t>
+            </a:r>
+          </a:p>
+          <a:p>
+            <a:pPr lvl="1"/>
+            <a:r>
+              <a:rPr lang="de-CH" dirty="0" smtClean="0"/>
+              <a:t>Teamarbeit</a:t>
+            </a:r>
+          </a:p>
+          <a:p>
+            <a:pPr lvl="1"/>
+            <a:r>
+              <a:rPr lang="de-CH" dirty="0" err="1" smtClean="0"/>
+              <a:t>Scrum</a:t>
+            </a:r>
+            <a:r>
+              <a:rPr lang="de-CH" dirty="0" smtClean="0"/>
+              <a:t>-Vorgehensweise</a:t>
+            </a:r>
+          </a:p>
+          <a:p>
+            <a:pPr lvl="1"/>
+            <a:endParaRPr lang="de-CH" dirty="0"/>
+          </a:p>
+        </p:txBody>
+      </p:sp>
+      <p:sp>
+        <p:nvSpPr>
+          <p:cNvPr id="5" name="Titel 4"/>
+          <p:cNvSpPr>
+            <a:spLocks noGrp="1"/>
+          </p:cNvSpPr>
+          <p:nvPr>
+            <p:ph type="ctrTitle"/>
+          </p:nvPr>
+        </p:nvSpPr>
+        <p:spPr/>
+        <p:txBody>
+          <a:bodyPr/>
+          <a:lstStyle/>
+          <a:p>
+            <a:pPr algn="ctr"/>
+            <a:r>
+              <a:rPr lang="de-CH" dirty="0" smtClean="0"/>
+              <a:t>Prozess </a:t>
+            </a:r>
+            <a:br>
+              <a:rPr lang="de-CH" dirty="0" smtClean="0"/>
+            </a:br>
+            <a:r>
+              <a:rPr lang="de-CH" sz="2000" dirty="0" smtClean="0"/>
+              <a:t>Implementation</a:t>
+            </a:r>
+            <a:endParaRPr lang="de-CH" sz="2200" dirty="0"/>
+          </a:p>
+        </p:txBody>
+      </p:sp>
+    </p:spTree>
+    <p:extLst>
+      <p:ext uri="{BB962C8B-B14F-4D97-AF65-F5344CB8AC3E}">
+        <p14:creationId xmlns:p14="http://schemas.microsoft.com/office/powerpoint/2010/main" val="2523521946"/>
+      </p:ext>
+    </p:extLst>
+  </p:cSld>
+  <p:clrMapOvr>
+    <a:masterClrMapping/>
+  </p:clrMapOvr>
+</p:sld>
+</file>
+
+<file path=ppt/slides/slide13.xml><?xml version="1.0" encoding="utf-8"?>
+<p:sld xmlns:a="http://schemas.openxmlformats.org/drawingml/2006/main" xmlns:r="http://schemas.openxmlformats.org/officeDocument/2006/relationships" xmlns:p="http://schemas.openxmlformats.org/presentationml/2006/main">
+  <p:cSld>
+    <p:spTree>
+      <p:nvGrpSpPr>
+        <p:cNvPr id="1" name=""/>
+        <p:cNvGrpSpPr/>
+        <p:nvPr/>
+      </p:nvGrpSpPr>
+      <p:grpSpPr>
+        <a:xfrm>
+          <a:off x="0" y="0"/>
+          <a:ext cx="0" cy="0"/>
+          <a:chOff x="0" y="0"/>
+          <a:chExt cx="0" cy="0"/>
+        </a:xfrm>
+      </p:grpSpPr>
+      <p:sp>
+        <p:nvSpPr>
+          <p:cNvPr id="3" name="Titel 2"/>
+          <p:cNvSpPr>
+            <a:spLocks noGrp="1"/>
+          </p:cNvSpPr>
+          <p:nvPr>
+            <p:ph type="ctrTitle"/>
+          </p:nvPr>
+        </p:nvSpPr>
+        <p:spPr/>
+        <p:txBody>
+          <a:bodyPr/>
+          <a:lstStyle/>
+          <a:p>
+            <a:r>
+              <a:rPr lang="de-DE" b="1" dirty="0" err="1" smtClean="0"/>
+              <a:t>Scrum</a:t>
+            </a:r>
+            <a:r>
+              <a:rPr lang="de-DE" b="1" dirty="0" smtClean="0"/>
+              <a:t> Master</a:t>
+            </a:r>
+            <a:endParaRPr lang="de-CH" dirty="0"/>
+          </a:p>
+        </p:txBody>
+      </p:sp>
+      <p:sp>
+        <p:nvSpPr>
+          <p:cNvPr id="6" name="Inhaltsplatzhalter 5"/>
+          <p:cNvSpPr>
+            <a:spLocks noGrp="1"/>
+          </p:cNvSpPr>
+          <p:nvPr>
+            <p:ph sz="half" idx="13"/>
+          </p:nvPr>
+        </p:nvSpPr>
+        <p:spPr>
+          <a:xfrm>
+            <a:off x="468000" y="1099750"/>
+            <a:ext cx="8100000" cy="5020249"/>
+          </a:xfrm>
+        </p:spPr>
+        <p:txBody>
+          <a:bodyPr/>
+          <a:lstStyle/>
+          <a:p>
+            <a:r>
+              <a:rPr lang="de-CH" dirty="0" err="1" smtClean="0"/>
+              <a:t>Lessons</a:t>
+            </a:r>
+            <a:r>
+              <a:rPr lang="de-CH" dirty="0" smtClean="0"/>
+              <a:t> </a:t>
+            </a:r>
+            <a:r>
+              <a:rPr lang="de-CH" dirty="0" err="1" smtClean="0"/>
+              <a:t>learned</a:t>
+            </a:r>
+            <a:endParaRPr lang="de-CH" dirty="0" smtClean="0"/>
+          </a:p>
+          <a:p>
+            <a:pPr lvl="1"/>
+            <a:r>
+              <a:rPr lang="de-CH" dirty="0" smtClean="0"/>
+              <a:t>Unterschiedliche Fähigkeiten des Teams</a:t>
+            </a:r>
+          </a:p>
+          <a:p>
+            <a:pPr lvl="1"/>
+            <a:r>
+              <a:rPr lang="de-CH" dirty="0" smtClean="0"/>
+              <a:t>Zeitplanung</a:t>
+            </a:r>
+          </a:p>
+          <a:p>
+            <a:pPr lvl="1"/>
+            <a:r>
+              <a:rPr lang="de-CH" dirty="0" smtClean="0"/>
+              <a:t>Fehlende Erfahrung</a:t>
+            </a:r>
+          </a:p>
+          <a:p>
+            <a:pPr lvl="1"/>
+            <a:r>
+              <a:rPr lang="de-CH" dirty="0" smtClean="0"/>
+              <a:t>Prioritäten setzen</a:t>
+            </a:r>
+          </a:p>
+          <a:p>
+            <a:pPr lvl="1"/>
+            <a:r>
+              <a:rPr lang="de-CH" dirty="0" smtClean="0"/>
+              <a:t>Überblick behalten</a:t>
+            </a:r>
+          </a:p>
+          <a:p>
+            <a:pPr lvl="1"/>
+            <a:endParaRPr lang="de-CH" dirty="0" smtClean="0"/>
+          </a:p>
+        </p:txBody>
+      </p:sp>
+    </p:spTree>
+    <p:extLst>
+      <p:ext uri="{BB962C8B-B14F-4D97-AF65-F5344CB8AC3E}">
+        <p14:creationId xmlns:p14="http://schemas.microsoft.com/office/powerpoint/2010/main" val="3305796004"/>
+      </p:ext>
+    </p:extLst>
+  </p:cSld>
+  <p:clrMapOvr>
+    <a:masterClrMapping/>
+  </p:clrMapOvr>
+</p:sld>
+</file>
+
+<file path=ppt/slides/slide14.xml><?xml version="1.0" encoding="utf-8"?>
+<p:sld xmlns:a="http://schemas.openxmlformats.org/drawingml/2006/main" xmlns:r="http://schemas.openxmlformats.org/officeDocument/2006/relationships" xmlns:p="http://schemas.openxmlformats.org/presentationml/2006/main">
+  <p:cSld>
+    <p:spTree>
+      <p:nvGrpSpPr>
+        <p:cNvPr id="1" name=""/>
+        <p:cNvGrpSpPr/>
+        <p:nvPr/>
+      </p:nvGrpSpPr>
+      <p:grpSpPr>
+        <a:xfrm>
+          <a:off x="0" y="0"/>
+          <a:ext cx="0" cy="0"/>
+          <a:chOff x="0" y="0"/>
+          <a:chExt cx="0" cy="0"/>
+        </a:xfrm>
+      </p:grpSpPr>
+      <p:sp>
+        <p:nvSpPr>
+          <p:cNvPr id="3" name="Titel 2"/>
+          <p:cNvSpPr>
+            <a:spLocks noGrp="1"/>
+          </p:cNvSpPr>
+          <p:nvPr>
+            <p:ph type="ctrTitle"/>
+          </p:nvPr>
+        </p:nvSpPr>
+        <p:spPr/>
+        <p:txBody>
+          <a:bodyPr/>
+          <a:lstStyle/>
+          <a:p>
+            <a:r>
+              <a:rPr lang="de-DE" b="1" dirty="0" err="1" smtClean="0"/>
+              <a:t>Scrum</a:t>
+            </a:r>
+            <a:r>
+              <a:rPr lang="de-DE" b="1" dirty="0" smtClean="0"/>
+              <a:t> Member</a:t>
+            </a:r>
+            <a:endParaRPr lang="de-CH" dirty="0"/>
+          </a:p>
+        </p:txBody>
+      </p:sp>
+      <p:sp>
+        <p:nvSpPr>
+          <p:cNvPr id="6" name="Inhaltsplatzhalter 5"/>
+          <p:cNvSpPr>
+            <a:spLocks noGrp="1"/>
+          </p:cNvSpPr>
+          <p:nvPr>
+            <p:ph sz="half" idx="13"/>
+          </p:nvPr>
+        </p:nvSpPr>
+        <p:spPr>
+          <a:xfrm>
+            <a:off x="468000" y="1099750"/>
+            <a:ext cx="8100000" cy="5020249"/>
+          </a:xfrm>
+        </p:spPr>
+        <p:txBody>
+          <a:bodyPr/>
+          <a:lstStyle/>
+          <a:p>
+            <a:r>
+              <a:rPr lang="de-CH" dirty="0" err="1" smtClean="0"/>
+              <a:t>Lesson</a:t>
+            </a:r>
+            <a:r>
+              <a:rPr lang="de-CH" dirty="0" err="1" smtClean="0"/>
+              <a:t>s</a:t>
+            </a:r>
+            <a:r>
+              <a:rPr lang="de-CH" dirty="0" smtClean="0"/>
+              <a:t> </a:t>
+            </a:r>
+            <a:r>
+              <a:rPr lang="de-CH" dirty="0" err="1" smtClean="0"/>
+              <a:t>learned</a:t>
+            </a:r>
+            <a:endParaRPr lang="de-CH" dirty="0" smtClean="0"/>
+          </a:p>
+          <a:p>
+            <a:pPr lvl="1"/>
+            <a:r>
+              <a:rPr lang="de-CH" dirty="0" smtClean="0"/>
+              <a:t>Daily </a:t>
+            </a:r>
+            <a:r>
+              <a:rPr lang="de-CH" dirty="0" err="1" smtClean="0"/>
+              <a:t>Scrum</a:t>
+            </a:r>
+            <a:r>
+              <a:rPr lang="de-CH" dirty="0" smtClean="0"/>
+              <a:t> wichtig für</a:t>
+            </a:r>
+          </a:p>
+          <a:p>
+            <a:pPr lvl="2"/>
+            <a:r>
+              <a:rPr lang="de-CH" dirty="0" smtClean="0"/>
+              <a:t>Arbeitsaufteilung</a:t>
+            </a:r>
+          </a:p>
+          <a:p>
+            <a:pPr lvl="2"/>
+            <a:r>
+              <a:rPr lang="de-CH" dirty="0" smtClean="0"/>
+              <a:t>Fortschritt</a:t>
+            </a:r>
+          </a:p>
+          <a:p>
+            <a:pPr lvl="2"/>
+            <a:r>
+              <a:rPr lang="de-CH" dirty="0" smtClean="0"/>
+              <a:t>Lösungssuche</a:t>
+            </a:r>
+          </a:p>
+          <a:p>
+            <a:pPr lvl="1"/>
+            <a:r>
+              <a:rPr lang="de-CH" dirty="0" smtClean="0"/>
+              <a:t>Dokumente </a:t>
+            </a:r>
+            <a:r>
+              <a:rPr lang="de-CH" dirty="0" err="1" smtClean="0"/>
+              <a:t>up</a:t>
+            </a:r>
+            <a:r>
+              <a:rPr lang="de-CH" dirty="0" smtClean="0"/>
+              <a:t> </a:t>
+            </a:r>
+            <a:r>
+              <a:rPr lang="de-CH" dirty="0" err="1" smtClean="0"/>
+              <a:t>to</a:t>
+            </a:r>
+            <a:r>
+              <a:rPr lang="de-CH" dirty="0" smtClean="0"/>
+              <a:t> </a:t>
+            </a:r>
+            <a:r>
+              <a:rPr lang="de-CH" dirty="0" err="1" smtClean="0"/>
+              <a:t>date</a:t>
+            </a:r>
+            <a:r>
+              <a:rPr lang="de-CH" dirty="0" smtClean="0"/>
+              <a:t> halten</a:t>
+            </a:r>
+          </a:p>
+          <a:p>
+            <a:pPr lvl="1"/>
+            <a:r>
+              <a:rPr lang="de-CH" dirty="0" smtClean="0"/>
+              <a:t>Zeitplanung</a:t>
+            </a:r>
+            <a:endParaRPr lang="de-CH" dirty="0" smtClean="0"/>
+          </a:p>
+          <a:p>
+            <a:pPr lvl="1"/>
+            <a:endParaRPr lang="de-CH" dirty="0"/>
+          </a:p>
+        </p:txBody>
+      </p:sp>
+    </p:spTree>
+    <p:extLst>
+      <p:ext uri="{BB962C8B-B14F-4D97-AF65-F5344CB8AC3E}">
+        <p14:creationId xmlns:p14="http://schemas.microsoft.com/office/powerpoint/2010/main" val="611237871"/>
+      </p:ext>
+    </p:extLst>
+  </p:cSld>
+  <p:clrMapOvr>
+    <a:masterClrMapping/>
+  </p:clrMapOvr>
+</p:sld>
+</file>
+
+<file path=ppt/slides/slide15.xml><?xml version="1.0" encoding="utf-8"?>
+<p:sld xmlns:a="http://schemas.openxmlformats.org/drawingml/2006/main" xmlns:r="http://schemas.openxmlformats.org/officeDocument/2006/relationships" xmlns:p="http://schemas.openxmlformats.org/presentationml/2006/main">
+  <p:cSld>
+    <p:spTree>
+      <p:nvGrpSpPr>
+        <p:cNvPr id="1" name=""/>
+        <p:cNvGrpSpPr/>
+        <p:nvPr/>
+      </p:nvGrpSpPr>
+      <p:grpSpPr>
+        <a:xfrm>
+          <a:off x="0" y="0"/>
+          <a:ext cx="0" cy="0"/>
+          <a:chOff x="0" y="0"/>
+          <a:chExt cx="0" cy="0"/>
+        </a:xfrm>
+      </p:grpSpPr>
+      <p:sp>
+        <p:nvSpPr>
+          <p:cNvPr id="3" name="Titel 2"/>
+          <p:cNvSpPr>
+            <a:spLocks noGrp="1"/>
+          </p:cNvSpPr>
+          <p:nvPr>
+            <p:ph type="ctrTitle"/>
+          </p:nvPr>
+        </p:nvSpPr>
+        <p:spPr/>
+        <p:txBody>
+          <a:bodyPr/>
+          <a:lstStyle/>
+          <a:p>
+            <a:r>
+              <a:rPr lang="de-DE" b="1" dirty="0" err="1" smtClean="0"/>
+              <a:t>You</a:t>
+            </a:r>
+            <a:r>
+              <a:rPr lang="de-DE" b="1" dirty="0" smtClean="0"/>
+              <a:t>, </a:t>
+            </a:r>
+            <a:r>
+              <a:rPr lang="de-DE" b="1" dirty="0" err="1" smtClean="0"/>
+              <a:t>your</a:t>
+            </a:r>
+            <a:r>
+              <a:rPr lang="de-DE" b="1" dirty="0" smtClean="0"/>
+              <a:t> </a:t>
+            </a:r>
+            <a:r>
+              <a:rPr lang="de-DE" b="1" dirty="0" err="1" smtClean="0"/>
+              <a:t>team</a:t>
+            </a:r>
+            <a:r>
+              <a:rPr lang="de-DE" b="1" dirty="0" smtClean="0"/>
+              <a:t> </a:t>
+            </a:r>
+            <a:r>
+              <a:rPr lang="de-DE" b="1" dirty="0" err="1" smtClean="0"/>
+              <a:t>and</a:t>
+            </a:r>
+            <a:r>
+              <a:rPr lang="de-DE" b="1" dirty="0" smtClean="0"/>
+              <a:t> </a:t>
+            </a:r>
+            <a:r>
+              <a:rPr lang="de-DE" b="1" dirty="0" err="1" smtClean="0"/>
+              <a:t>the</a:t>
+            </a:r>
+            <a:r>
+              <a:rPr lang="de-DE" b="1" dirty="0" smtClean="0"/>
+              <a:t> </a:t>
+            </a:r>
+            <a:r>
+              <a:rPr lang="de-DE" b="1" dirty="0" err="1" smtClean="0"/>
+              <a:t>course</a:t>
+            </a:r>
+            <a:endParaRPr lang="de-CH" dirty="0"/>
+          </a:p>
+        </p:txBody>
+      </p:sp>
+      <p:sp>
+        <p:nvSpPr>
+          <p:cNvPr id="6" name="Inhaltsplatzhalter 5"/>
+          <p:cNvSpPr>
+            <a:spLocks noGrp="1"/>
+          </p:cNvSpPr>
+          <p:nvPr>
+            <p:ph sz="half" idx="13"/>
+          </p:nvPr>
+        </p:nvSpPr>
+        <p:spPr>
+          <a:xfrm>
+            <a:off x="468000" y="1099750"/>
+            <a:ext cx="8100000" cy="5020249"/>
+          </a:xfrm>
+        </p:spPr>
+        <p:txBody>
+          <a:bodyPr/>
+          <a:lstStyle/>
+          <a:p>
+            <a:pPr lvl="1"/>
+            <a:r>
+              <a:rPr lang="de-CH" dirty="0"/>
+              <a:t>Eigenverantwortung </a:t>
+            </a:r>
+            <a:r>
+              <a:rPr lang="de-CH" dirty="0" smtClean="0"/>
+              <a:t>für das gesamte Projekt</a:t>
+            </a:r>
+          </a:p>
+          <a:p>
+            <a:pPr lvl="1"/>
+            <a:r>
+              <a:rPr lang="de-CH" dirty="0" smtClean="0"/>
+              <a:t>Unbekanntes Framework</a:t>
+            </a:r>
+          </a:p>
+          <a:p>
+            <a:pPr lvl="1"/>
+            <a:r>
+              <a:rPr lang="de-CH" dirty="0" smtClean="0"/>
+              <a:t>Umsetzung Theorie – Praxis</a:t>
+            </a:r>
+          </a:p>
+          <a:p>
+            <a:pPr lvl="2"/>
+            <a:r>
+              <a:rPr lang="de-CH" dirty="0" smtClean="0"/>
+              <a:t>Klassendiagram</a:t>
+            </a:r>
+          </a:p>
+          <a:p>
+            <a:pPr lvl="2"/>
+            <a:r>
+              <a:rPr lang="de-CH" dirty="0" smtClean="0"/>
+              <a:t>Medikamentenübersicht</a:t>
+            </a:r>
+          </a:p>
+          <a:p>
+            <a:pPr lvl="1"/>
+            <a:r>
+              <a:rPr lang="de-CH" dirty="0" smtClean="0"/>
+              <a:t>Semesterplanung</a:t>
+            </a:r>
+          </a:p>
+          <a:p>
+            <a:pPr lvl="2"/>
+            <a:r>
+              <a:rPr lang="de-CH" dirty="0" smtClean="0"/>
+              <a:t>Aufteilung Theorie – Projektarbeit</a:t>
+            </a:r>
+          </a:p>
+          <a:p>
+            <a:pPr lvl="1"/>
+            <a:r>
+              <a:rPr lang="de-CH" dirty="0" smtClean="0"/>
+              <a:t>Teamarbeit schwierig wenn Personen abwesend</a:t>
+            </a:r>
+          </a:p>
+        </p:txBody>
+      </p:sp>
+    </p:spTree>
+    <p:extLst>
+      <p:ext uri="{BB962C8B-B14F-4D97-AF65-F5344CB8AC3E}">
+        <p14:creationId xmlns:p14="http://schemas.microsoft.com/office/powerpoint/2010/main" val="3438071427"/>
+      </p:ext>
+    </p:extLst>
+  </p:cSld>
+  <p:clrMapOvr>
+    <a:masterClrMapping/>
+  </p:clrMapOvr>
+</p:sld>
+</file>
+
+<file path=ppt/slides/slide16.xml><?xml version="1.0" encoding="utf-8"?>
 <p:sld xmlns:a="http://schemas.openxmlformats.org/drawingml/2006/main" xmlns:r="http://schemas.openxmlformats.org/officeDocument/2006/relationships" xmlns:p="http://schemas.openxmlformats.org/presentationml/2006/main">
   <p:cSld>
     <p:spTree>
@@ -7936,7 +8996,71 @@
           <a:bodyPr/>
           <a:lstStyle/>
           <a:p>
-            <a:endParaRPr lang="de-CH"/>
+            <a:r>
+              <a:rPr lang="de-CH" dirty="0" smtClean="0"/>
+              <a:t>Remove </a:t>
+            </a:r>
+            <a:r>
+              <a:rPr lang="de-CH" dirty="0" err="1" smtClean="0"/>
+              <a:t>function</a:t>
+            </a:r>
+            <a:r>
+              <a:rPr lang="de-CH" dirty="0" smtClean="0"/>
+              <a:t> </a:t>
+            </a:r>
+            <a:r>
+              <a:rPr lang="de-CH" dirty="0" err="1" smtClean="0"/>
+              <a:t>for</a:t>
+            </a:r>
+            <a:r>
+              <a:rPr lang="de-CH" dirty="0" smtClean="0"/>
+              <a:t> GUI </a:t>
+            </a:r>
+            <a:r>
+              <a:rPr lang="de-CH" dirty="0" err="1" smtClean="0"/>
+              <a:t>MedicationListView</a:t>
+            </a:r>
+            <a:endParaRPr lang="de-CH" dirty="0"/>
+          </a:p>
+          <a:p>
+            <a:r>
+              <a:rPr lang="de-CH" dirty="0" smtClean="0"/>
+              <a:t>Medicament.java</a:t>
+            </a:r>
+          </a:p>
+          <a:p>
+            <a:r>
+              <a:rPr lang="de-CH" dirty="0" smtClean="0"/>
+              <a:t>Person.java</a:t>
+            </a:r>
+          </a:p>
+          <a:p>
+            <a:pPr lvl="1"/>
+            <a:r>
+              <a:rPr lang="de-CH" dirty="0" smtClean="0"/>
+              <a:t>Patient.java</a:t>
+            </a:r>
+          </a:p>
+          <a:p>
+            <a:pPr lvl="1"/>
+            <a:r>
+              <a:rPr lang="de-CH" dirty="0" smtClean="0"/>
+              <a:t>FamilyMember.java</a:t>
+            </a:r>
+          </a:p>
+          <a:p>
+            <a:pPr lvl="1"/>
+            <a:r>
+              <a:rPr lang="de-CH" dirty="0" smtClean="0"/>
+              <a:t>Doctor.java</a:t>
+            </a:r>
+          </a:p>
+          <a:p>
+            <a:r>
+              <a:rPr lang="de-CH" dirty="0" smtClean="0"/>
+              <a:t>Random GIF-Button</a:t>
+            </a:r>
+            <a:endParaRPr lang="de-CH" dirty="0"/>
           </a:p>
         </p:txBody>
       </p:sp>
@@ -8272,6 +9396,88 @@
       </p:grpSpPr>
       <p:sp>
         <p:nvSpPr>
+          <p:cNvPr id="6" name="Inhaltsplatzhalter 5"/>
+          <p:cNvSpPr>
+            <a:spLocks noGrp="1"/>
+          </p:cNvSpPr>
+          <p:nvPr>
+            <p:ph sz="half" idx="1"/>
+          </p:nvPr>
+        </p:nvSpPr>
+        <p:spPr/>
+        <p:txBody>
+          <a:bodyPr/>
+          <a:lstStyle/>
+          <a:p>
+            <a:r>
+              <a:rPr lang="de-CH" dirty="0" smtClean="0"/>
+              <a:t>Schwierigkeiten</a:t>
+            </a:r>
+          </a:p>
+          <a:p>
+            <a:pPr lvl="1"/>
+            <a:r>
+              <a:rPr lang="de-CH" dirty="0" smtClean="0"/>
+              <a:t>Viele Unklarheiten Theorie-Praxis</a:t>
+            </a:r>
+          </a:p>
+          <a:p>
+            <a:pPr lvl="1"/>
+            <a:r>
+              <a:rPr lang="de-CH" dirty="0" smtClean="0"/>
+              <a:t>Fehlende Erfahrung</a:t>
+            </a:r>
+          </a:p>
+          <a:p>
+            <a:pPr lvl="1"/>
+            <a:r>
+              <a:rPr lang="de-CH" dirty="0" smtClean="0"/>
+              <a:t>Keine Vorstellung für Umsetzungsmöglichkeiten</a:t>
+            </a:r>
+          </a:p>
+          <a:p>
+            <a:endParaRPr lang="de-CH" dirty="0"/>
+          </a:p>
+          <a:p>
+            <a:r>
+              <a:rPr lang="de-CH" dirty="0" err="1" smtClean="0"/>
+              <a:t>Lessons</a:t>
+            </a:r>
+            <a:r>
+              <a:rPr lang="de-CH" dirty="0" smtClean="0"/>
+              <a:t> </a:t>
+            </a:r>
+            <a:r>
+              <a:rPr lang="de-CH" dirty="0" err="1" smtClean="0"/>
+              <a:t>learned</a:t>
+            </a:r>
+            <a:endParaRPr lang="de-CH" dirty="0" smtClean="0"/>
+          </a:p>
+          <a:p>
+            <a:pPr lvl="1"/>
+            <a:r>
+              <a:rPr lang="de-CH" dirty="0" smtClean="0"/>
+              <a:t>Konsumentensicht</a:t>
+            </a:r>
+          </a:p>
+          <a:p>
+            <a:pPr lvl="1"/>
+            <a:r>
+              <a:rPr lang="de-CH" dirty="0" smtClean="0"/>
+              <a:t>Viele Ideen entwickeln</a:t>
+            </a:r>
+          </a:p>
+          <a:p>
+            <a:pPr lvl="1"/>
+            <a:r>
+              <a:rPr lang="de-CH" dirty="0" smtClean="0"/>
+              <a:t>Noch nicht an Umsetzung denken</a:t>
+            </a:r>
+          </a:p>
+        </p:txBody>
+      </p:sp>
+      <p:sp>
+        <p:nvSpPr>
           <p:cNvPr id="5" name="Titel 4"/>
           <p:cNvSpPr>
             <a:spLocks noGrp="1"/>
@@ -8285,64 +9491,26 @@
           <a:bodyPr/>
           <a:lstStyle/>
           <a:p>
-            <a:r>
-              <a:rPr lang="de-CH" dirty="0" err="1" smtClean="0"/>
-              <a:t>Lessons</a:t>
-            </a:r>
+            <a:pPr algn="ctr"/>
             <a:r>
               <a:rPr lang="de-CH" dirty="0" smtClean="0"/>
-              <a:t> </a:t>
-            </a:r>
-            <a:r>
-              <a:rPr lang="de-CH" dirty="0" err="1" smtClean="0"/>
-              <a:t>learnt</a:t>
-            </a:r>
-            <a:endParaRPr lang="de-CH" dirty="0"/>
-          </a:p>
-        </p:txBody>
-      </p:sp>
-      <p:sp>
-        <p:nvSpPr>
-          <p:cNvPr id="6" name="Untertitel 5"/>
-          <p:cNvSpPr>
-            <a:spLocks noGrp="1"/>
-          </p:cNvSpPr>
-          <p:nvPr>
-            <p:ph type="subTitle" idx="1"/>
-          </p:nvPr>
-        </p:nvSpPr>
-        <p:spPr/>
-        <p:txBody>
-          <a:bodyPr/>
-          <a:lstStyle/>
-          <a:p>
-            <a:endParaRPr lang="de-CH"/>
-          </a:p>
-        </p:txBody>
-      </p:sp>
-      <p:sp>
-        <p:nvSpPr>
-          <p:cNvPr id="7" name="Textplatzhalter 6"/>
-          <p:cNvSpPr>
-            <a:spLocks noGrp="1"/>
-          </p:cNvSpPr>
-          <p:nvPr>
-            <p:ph type="body" sz="quarter" idx="13"/>
-          </p:nvPr>
-        </p:nvSpPr>
-        <p:spPr/>
-        <p:txBody>
-          <a:bodyPr/>
-          <a:lstStyle/>
-          <a:p>
-            <a:endParaRPr lang="de-CH"/>
+              <a:t>Prozess </a:t>
+            </a:r>
+            <a:br>
+              <a:rPr lang="de-CH" dirty="0" smtClean="0"/>
+            </a:br>
+            <a:r>
+              <a:rPr lang="de-CH" sz="2000" dirty="0" smtClean="0"/>
+              <a:t>Storyboard</a:t>
+            </a:r>
+            <a:endParaRPr lang="de-CH" sz="2200" dirty="0"/>
           </a:p>
         </p:txBody>
       </p:sp>
     </p:spTree>
     <p:extLst>
       <p:ext uri="{BB962C8B-B14F-4D97-AF65-F5344CB8AC3E}">
-        <p14:creationId xmlns:p14="http://schemas.microsoft.com/office/powerpoint/2010/main" val="3010035447"/>
+        <p14:creationId xmlns:p14="http://schemas.microsoft.com/office/powerpoint/2010/main" val="352211297"/>
       </p:ext>
     </p:extLst>
   </p:cSld>
@@ -9183,6 +10351,23 @@
 </file>
 
 <file path=customXml/item1.xml><?xml version="1.0" encoding="utf-8"?>
+<p:properties xmlns:p="http://schemas.microsoft.com/office/2006/metadata/properties" xmlns:xsi="http://www.w3.org/2001/XMLSchema-instance">
+  <documentManagement>
+    <AVMTitle xmlns="5091c847-84be-4f4f-b16c-c018ad2ca66b">Präsentation BFH_2013</AVMTitle>
+  </documentManagement>
+</p:properties>
+</file>
+
+<file path=customXml/item2.xml><?xml version="1.0" encoding="utf-8"?>
+<?mso-contentType ?>
+<FormTemplates xmlns="http://schemas.microsoft.com/sharepoint/v3/contenttype/forms">
+  <Display>DocumentLibraryForm</Display>
+  <Edit>DocumentLibraryForm</Edit>
+  <New>DocumentLibraryForm</New>
+</FormTemplates>
+</file>
+
+<file path=customXml/item3.xml><?xml version="1.0" encoding="utf-8"?>
 <ct:contentTypeSchema xmlns:ct="http://schemas.microsoft.com/office/2006/metadata/contentType" xmlns:ma="http://schemas.microsoft.com/office/2006/metadata/properties/metaAttributes" ct:_="" ma:_="" ma:contentTypeName="Dokument" ma:contentTypeID="0x010100EBE3A9EFF36793468C03E2811ACE2A2B" ma:contentTypeVersion="1" ma:contentTypeDescription="Ein neues Dokument erstellen." ma:contentTypeScope="" ma:versionID="e65be32cb1bfff77fc8c9c09bf542651">
   <xsd:schema xmlns:xsd="http://www.w3.org/2001/XMLSchema" xmlns:p="http://schemas.microsoft.com/office/2006/metadata/properties" xmlns:ns2="5091c847-84be-4f4f-b16c-c018ad2ca66b" targetNamespace="http://schemas.microsoft.com/office/2006/metadata/properties" ma:root="true" ma:fieldsID="7636c84aed5b7d09a166fcef888725d4" ns2:_="">
     <xsd:import namespace="5091c847-84be-4f4f-b16c-c018ad2ca66b"/>
@@ -9242,24 +10427,30 @@
 </ct:contentTypeSchema>
 </file>
 
-<file path=customXml/item2.xml><?xml version="1.0" encoding="utf-8"?>
-<?mso-contentType ?>
-<FormTemplates xmlns="http://schemas.microsoft.com/sharepoint/v3/contenttype/forms">
-  <Display>DocumentLibraryForm</Display>
-  <Edit>DocumentLibraryForm</Edit>
-  <New>DocumentLibraryForm</New>
-</FormTemplates>
+<file path=customXml/itemProps1.xml><?xml version="1.0" encoding="utf-8"?>
+<ds:datastoreItem xmlns:ds="http://schemas.openxmlformats.org/officeDocument/2006/customXml" ds:itemID="{32991507-CB83-4F49-BAFB-D322B1D04098}">
+  <ds:schemaRefs>
+    <ds:schemaRef ds:uri="http://purl.org/dc/terms/"/>
+    <ds:schemaRef ds:uri="http://purl.org/dc/elements/1.1/"/>
+    <ds:schemaRef ds:uri="http://www.w3.org/XML/1998/namespace"/>
+    <ds:schemaRef ds:uri="http://schemas.microsoft.com/office/2006/documentManagement/types"/>
+    <ds:schemaRef ds:uri="http://schemas.openxmlformats.org/package/2006/metadata/core-properties"/>
+    <ds:schemaRef ds:uri="5091c847-84be-4f4f-b16c-c018ad2ca66b"/>
+    <ds:schemaRef ds:uri="http://schemas.microsoft.com/office/2006/metadata/properties"/>
+    <ds:schemaRef ds:uri="http://purl.org/dc/dcmitype/"/>
+  </ds:schemaRefs>
+</ds:datastoreItem>
 </file>
 
-<file path=customXml/item3.xml><?xml version="1.0" encoding="utf-8"?>
-<p:properties xmlns:p="http://schemas.microsoft.com/office/2006/metadata/properties" xmlns:xsi="http://www.w3.org/2001/XMLSchema-instance">
-  <documentManagement>
-    <AVMTitle xmlns="5091c847-84be-4f4f-b16c-c018ad2ca66b">Präsentation BFH_2013</AVMTitle>
-  </documentManagement>
-</p:properties>
+<file path=customXml/itemProps2.xml><?xml version="1.0" encoding="utf-8"?>
+<ds:datastoreItem xmlns:ds="http://schemas.openxmlformats.org/officeDocument/2006/customXml" ds:itemID="{1851D33F-E468-417B-A30C-509B68D2BD09}">
+  <ds:schemaRefs>
+    <ds:schemaRef ds:uri="http://schemas.microsoft.com/sharepoint/v3/contenttype/forms"/>
+  </ds:schemaRefs>
+</ds:datastoreItem>
 </file>
 
-<file path=customXml/itemProps1.xml><?xml version="1.0" encoding="utf-8"?>
+<file path=customXml/itemProps3.xml><?xml version="1.0" encoding="utf-8"?>
 <ds:datastoreItem xmlns:ds="http://schemas.openxmlformats.org/officeDocument/2006/customXml" ds:itemID="{15287BEA-F3FF-4B87-929B-5D0092183197}">
   <ds:schemaRefs>
     <ds:schemaRef ds:uri="http://schemas.microsoft.com/office/2006/metadata/contentType"/>
@@ -9274,27 +10465,4 @@
     <ds:schemaRef ds:uri="http://schemas.microsoft.com/office/internal/2005/internalDocumentation"/>
   </ds:schemaRefs>
 </ds:datastoreItem>
-</file>
-
-<file path=customXml/itemProps2.xml><?xml version="1.0" encoding="utf-8"?>
-<ds:datastoreItem xmlns:ds="http://schemas.openxmlformats.org/officeDocument/2006/customXml" ds:itemID="{1851D33F-E468-417B-A30C-509B68D2BD09}">
-  <ds:schemaRefs>
-    <ds:schemaRef ds:uri="http://schemas.microsoft.com/sharepoint/v3/contenttype/forms"/>
-  </ds:schemaRefs>
-</ds:datastoreItem>
-</file>
-
-<file path=customXml/itemProps3.xml><?xml version="1.0" encoding="utf-8"?>
-<ds:datastoreItem xmlns:ds="http://schemas.openxmlformats.org/officeDocument/2006/customXml" ds:itemID="{32991507-CB83-4F49-BAFB-D322B1D04098}">
-  <ds:schemaRefs>
-    <ds:schemaRef ds:uri="http://purl.org/dc/terms/"/>
-    <ds:schemaRef ds:uri="http://purl.org/dc/elements/1.1/"/>
-    <ds:schemaRef ds:uri="http://www.w3.org/XML/1998/namespace"/>
-    <ds:schemaRef ds:uri="http://schemas.microsoft.com/office/2006/documentManagement/types"/>
-    <ds:schemaRef ds:uri="http://schemas.openxmlformats.org/package/2006/metadata/core-properties"/>
-    <ds:schemaRef ds:uri="5091c847-84be-4f4f-b16c-c018ad2ca66b"/>
-    <ds:schemaRef ds:uri="http://schemas.microsoft.com/office/2006/metadata/properties"/>
-    <ds:schemaRef ds:uri="http://purl.org/dc/dcmitype/"/>
-  </ds:schemaRefs>
-</ds:datastoreItem>
 </file>
--- a/doc/Task14/task14_presentation Schlurp.pptx
+++ b/doc/Task14/task14_presentation Schlurp.pptx
@@ -16,9 +16,9 @@
     <p:sldId id="263" r:id="rId7"/>
     <p:sldId id="270" r:id="rId8"/>
     <p:sldId id="304" r:id="rId9"/>
-    <p:sldId id="305" r:id="rId10"/>
-    <p:sldId id="306" r:id="rId11"/>
-    <p:sldId id="307" r:id="rId12"/>
+    <p:sldId id="307" r:id="rId10"/>
+    <p:sldId id="305" r:id="rId11"/>
+    <p:sldId id="306" r:id="rId12"/>
     <p:sldId id="310" r:id="rId13"/>
     <p:sldId id="311" r:id="rId14"/>
     <p:sldId id="312" r:id="rId15"/>
@@ -1044,14 +1044,14 @@
           </a:ln>
           <a:extLst>
             <a:ext uri="{909E8E84-426E-40dd-AFC4-6F175D3DCCD1}">
-              <a14:hiddenFill xmlns="" xmlns:a14="http://schemas.microsoft.com/office/drawing/2010/main">
+              <a14:hiddenFill xmlns:a14="http://schemas.microsoft.com/office/drawing/2010/main" xmlns="">
                 <a:solidFill>
                   <a:srgbClr val="FFFFFF"/>
                 </a:solidFill>
               </a14:hiddenFill>
             </a:ext>
             <a:ext uri="{91240B29-F687-4f45-9708-019B960494DF}">
-              <a14:hiddenLine xmlns="" xmlns:a14="http://schemas.microsoft.com/office/drawing/2010/main" w="9525">
+              <a14:hiddenLine xmlns:a14="http://schemas.microsoft.com/office/drawing/2010/main" xmlns="" w="9525">
                 <a:solidFill>
                   <a:srgbClr val="000000"/>
                 </a:solidFill>
@@ -2867,14 +2867,14 @@
           </a:ln>
           <a:extLst>
             <a:ext uri="{909E8E84-426E-40dd-AFC4-6F175D3DCCD1}">
-              <a14:hiddenFill xmlns="" xmlns:a14="http://schemas.microsoft.com/office/drawing/2010/main">
+              <a14:hiddenFill xmlns:a14="http://schemas.microsoft.com/office/drawing/2010/main" xmlns="">
                 <a:solidFill>
                   <a:srgbClr val="FFFFFF"/>
                 </a:solidFill>
               </a14:hiddenFill>
             </a:ext>
             <a:ext uri="{91240B29-F687-4f45-9708-019B960494DF}">
-              <a14:hiddenLine xmlns="" xmlns:a14="http://schemas.microsoft.com/office/drawing/2010/main" w="9525">
+              <a14:hiddenLine xmlns:a14="http://schemas.microsoft.com/office/drawing/2010/main" xmlns="" w="9525">
                 <a:solidFill>
                   <a:srgbClr val="000000"/>
                 </a:solidFill>
@@ -6558,14 +6558,14 @@
           </a:ln>
           <a:extLst>
             <a:ext uri="{909E8E84-426E-40dd-AFC4-6F175D3DCCD1}">
-              <a14:hiddenFill xmlns="" xmlns:a14="http://schemas.microsoft.com/office/drawing/2010/main">
+              <a14:hiddenFill xmlns:a14="http://schemas.microsoft.com/office/drawing/2010/main" xmlns="">
                 <a:solidFill>
                   <a:srgbClr val="FFFFFF"/>
                 </a:solidFill>
               </a14:hiddenFill>
             </a:ext>
             <a:ext uri="{91240B29-F687-4f45-9708-019B960494DF}">
-              <a14:hiddenLine xmlns="" xmlns:a14="http://schemas.microsoft.com/office/drawing/2010/main" w="9525">
+              <a14:hiddenLine xmlns:a14="http://schemas.microsoft.com/office/drawing/2010/main" xmlns="" w="9525">
                 <a:solidFill>
                   <a:srgbClr val="000000"/>
                 </a:solidFill>
@@ -8097,11 +8097,7 @@
           <a:p>
             <a:r>
               <a:rPr lang="de-CH" dirty="0" err="1" smtClean="0"/>
-              <a:t>Lesson</a:t>
-            </a:r>
-            <a:r>
-              <a:rPr lang="de-CH" dirty="0" err="1" smtClean="0"/>
-              <a:t>s</a:t>
+              <a:t>Lessons</a:t>
             </a:r>
             <a:r>
               <a:rPr lang="de-CH" dirty="0" smtClean="0"/>
@@ -8186,7 +8182,6 @@
               <a:rPr lang="de-CH" dirty="0" smtClean="0"/>
               <a:t>Zeitplanung</a:t>
             </a:r>
-            <a:endParaRPr lang="de-CH" dirty="0" smtClean="0"/>
           </a:p>
           <a:p>
             <a:pPr lvl="1"/>
@@ -9139,7 +9134,7 @@
           <a:p>
             <a:r>
               <a:rPr lang="de-CH" dirty="0" smtClean="0"/>
-              <a:t>Maurice</a:t>
+              <a:t>Philipp</a:t>
             </a:r>
             <a:endParaRPr lang="de-CH" dirty="0"/>
           </a:p>
@@ -9167,7 +9162,7 @@
     </p:spTree>
     <p:extLst>
       <p:ext uri="{BB962C8B-B14F-4D97-AF65-F5344CB8AC3E}">
-        <p14:creationId xmlns:p14="http://schemas.microsoft.com/office/powerpoint/2010/main" val="1522822994"/>
+        <p14:creationId xmlns:p14="http://schemas.microsoft.com/office/powerpoint/2010/main" val="2291730977"/>
       </p:ext>
     </p:extLst>
   </p:cSld>
@@ -9239,7 +9234,7 @@
           <a:p>
             <a:r>
               <a:rPr lang="de-CH" dirty="0" smtClean="0"/>
-              <a:t>Mauro</a:t>
+              <a:t>Maurice</a:t>
             </a:r>
             <a:endParaRPr lang="de-CH" dirty="0"/>
           </a:p>
@@ -9267,7 +9262,7 @@
     </p:spTree>
     <p:extLst>
       <p:ext uri="{BB962C8B-B14F-4D97-AF65-F5344CB8AC3E}">
-        <p14:creationId xmlns:p14="http://schemas.microsoft.com/office/powerpoint/2010/main" val="371708231"/>
+        <p14:creationId xmlns:p14="http://schemas.microsoft.com/office/powerpoint/2010/main" val="1522822994"/>
       </p:ext>
     </p:extLst>
   </p:cSld>
@@ -9339,7 +9334,7 @@
           <a:p>
             <a:r>
               <a:rPr lang="de-CH" dirty="0" smtClean="0"/>
-              <a:t>Philipp</a:t>
+              <a:t>Mauro</a:t>
             </a:r>
             <a:endParaRPr lang="de-CH" dirty="0"/>
           </a:p>
@@ -9367,7 +9362,7 @@
     </p:spTree>
     <p:extLst>
       <p:ext uri="{BB962C8B-B14F-4D97-AF65-F5344CB8AC3E}">
-        <p14:creationId xmlns:p14="http://schemas.microsoft.com/office/powerpoint/2010/main" val="2291730977"/>
+        <p14:creationId xmlns:p14="http://schemas.microsoft.com/office/powerpoint/2010/main" val="371708231"/>
       </p:ext>
     </p:extLst>
   </p:cSld>
@@ -10351,23 +10346,6 @@
 </file>
 
 <file path=customXml/item1.xml><?xml version="1.0" encoding="utf-8"?>
-<p:properties xmlns:p="http://schemas.microsoft.com/office/2006/metadata/properties" xmlns:xsi="http://www.w3.org/2001/XMLSchema-instance">
-  <documentManagement>
-    <AVMTitle xmlns="5091c847-84be-4f4f-b16c-c018ad2ca66b">Präsentation BFH_2013</AVMTitle>
-  </documentManagement>
-</p:properties>
-</file>
-
-<file path=customXml/item2.xml><?xml version="1.0" encoding="utf-8"?>
-<?mso-contentType ?>
-<FormTemplates xmlns="http://schemas.microsoft.com/sharepoint/v3/contenttype/forms">
-  <Display>DocumentLibraryForm</Display>
-  <Edit>DocumentLibraryForm</Edit>
-  <New>DocumentLibraryForm</New>
-</FormTemplates>
-</file>
-
-<file path=customXml/item3.xml><?xml version="1.0" encoding="utf-8"?>
 <ct:contentTypeSchema xmlns:ct="http://schemas.microsoft.com/office/2006/metadata/contentType" xmlns:ma="http://schemas.microsoft.com/office/2006/metadata/properties/metaAttributes" ct:_="" ma:_="" ma:contentTypeName="Dokument" ma:contentTypeID="0x010100EBE3A9EFF36793468C03E2811ACE2A2B" ma:contentTypeVersion="1" ma:contentTypeDescription="Ein neues Dokument erstellen." ma:contentTypeScope="" ma:versionID="e65be32cb1bfff77fc8c9c09bf542651">
   <xsd:schema xmlns:xsd="http://www.w3.org/2001/XMLSchema" xmlns:p="http://schemas.microsoft.com/office/2006/metadata/properties" xmlns:ns2="5091c847-84be-4f4f-b16c-c018ad2ca66b" targetNamespace="http://schemas.microsoft.com/office/2006/metadata/properties" ma:root="true" ma:fieldsID="7636c84aed5b7d09a166fcef888725d4" ns2:_="">
     <xsd:import namespace="5091c847-84be-4f4f-b16c-c018ad2ca66b"/>
@@ -10427,30 +10405,24 @@
 </ct:contentTypeSchema>
 </file>
 
-<file path=customXml/itemProps1.xml><?xml version="1.0" encoding="utf-8"?>
-<ds:datastoreItem xmlns:ds="http://schemas.openxmlformats.org/officeDocument/2006/customXml" ds:itemID="{32991507-CB83-4F49-BAFB-D322B1D04098}">
-  <ds:schemaRefs>
-    <ds:schemaRef ds:uri="http://purl.org/dc/terms/"/>
-    <ds:schemaRef ds:uri="http://purl.org/dc/elements/1.1/"/>
-    <ds:schemaRef ds:uri="http://www.w3.org/XML/1998/namespace"/>
-    <ds:schemaRef ds:uri="http://schemas.microsoft.com/office/2006/documentManagement/types"/>
-    <ds:schemaRef ds:uri="http://schemas.openxmlformats.org/package/2006/metadata/core-properties"/>
-    <ds:schemaRef ds:uri="5091c847-84be-4f4f-b16c-c018ad2ca66b"/>
-    <ds:schemaRef ds:uri="http://schemas.microsoft.com/office/2006/metadata/properties"/>
-    <ds:schemaRef ds:uri="http://purl.org/dc/dcmitype/"/>
-  </ds:schemaRefs>
-</ds:datastoreItem>
+<file path=customXml/item2.xml><?xml version="1.0" encoding="utf-8"?>
+<?mso-contentType ?>
+<FormTemplates xmlns="http://schemas.microsoft.com/sharepoint/v3/contenttype/forms">
+  <Display>DocumentLibraryForm</Display>
+  <Edit>DocumentLibraryForm</Edit>
+  <New>DocumentLibraryForm</New>
+</FormTemplates>
 </file>
 
-<file path=customXml/itemProps2.xml><?xml version="1.0" encoding="utf-8"?>
-<ds:datastoreItem xmlns:ds="http://schemas.openxmlformats.org/officeDocument/2006/customXml" ds:itemID="{1851D33F-E468-417B-A30C-509B68D2BD09}">
-  <ds:schemaRefs>
-    <ds:schemaRef ds:uri="http://schemas.microsoft.com/sharepoint/v3/contenttype/forms"/>
-  </ds:schemaRefs>
-</ds:datastoreItem>
+<file path=customXml/item3.xml><?xml version="1.0" encoding="utf-8"?>
+<p:properties xmlns:p="http://schemas.microsoft.com/office/2006/metadata/properties" xmlns:xsi="http://www.w3.org/2001/XMLSchema-instance">
+  <documentManagement>
+    <AVMTitle xmlns="5091c847-84be-4f4f-b16c-c018ad2ca66b">Präsentation BFH_2013</AVMTitle>
+  </documentManagement>
+</p:properties>
 </file>
 
-<file path=customXml/itemProps3.xml><?xml version="1.0" encoding="utf-8"?>
+<file path=customXml/itemProps1.xml><?xml version="1.0" encoding="utf-8"?>
 <ds:datastoreItem xmlns:ds="http://schemas.openxmlformats.org/officeDocument/2006/customXml" ds:itemID="{15287BEA-F3FF-4B87-929B-5D0092183197}">
   <ds:schemaRefs>
     <ds:schemaRef ds:uri="http://schemas.microsoft.com/office/2006/metadata/contentType"/>
@@ -10465,4 +10437,27 @@
     <ds:schemaRef ds:uri="http://schemas.microsoft.com/office/internal/2005/internalDocumentation"/>
   </ds:schemaRefs>
 </ds:datastoreItem>
+</file>
+
+<file path=customXml/itemProps2.xml><?xml version="1.0" encoding="utf-8"?>
+<ds:datastoreItem xmlns:ds="http://schemas.openxmlformats.org/officeDocument/2006/customXml" ds:itemID="{1851D33F-E468-417B-A30C-509B68D2BD09}">
+  <ds:schemaRefs>
+    <ds:schemaRef ds:uri="http://schemas.microsoft.com/sharepoint/v3/contenttype/forms"/>
+  </ds:schemaRefs>
+</ds:datastoreItem>
+</file>
+
+<file path=customXml/itemProps3.xml><?xml version="1.0" encoding="utf-8"?>
+<ds:datastoreItem xmlns:ds="http://schemas.openxmlformats.org/officeDocument/2006/customXml" ds:itemID="{32991507-CB83-4F49-BAFB-D322B1D04098}">
+  <ds:schemaRefs>
+    <ds:schemaRef ds:uri="http://purl.org/dc/terms/"/>
+    <ds:schemaRef ds:uri="http://purl.org/dc/elements/1.1/"/>
+    <ds:schemaRef ds:uri="http://www.w3.org/XML/1998/namespace"/>
+    <ds:schemaRef ds:uri="http://schemas.microsoft.com/office/2006/documentManagement/types"/>
+    <ds:schemaRef ds:uri="http://schemas.openxmlformats.org/package/2006/metadata/core-properties"/>
+    <ds:schemaRef ds:uri="5091c847-84be-4f4f-b16c-c018ad2ca66b"/>
+    <ds:schemaRef ds:uri="http://schemas.microsoft.com/office/2006/metadata/properties"/>
+    <ds:schemaRef ds:uri="http://purl.org/dc/dcmitype/"/>
+  </ds:schemaRefs>
+</ds:datastoreItem>
 </file>
--- a/doc/Task14/task14_presentation Schlurp.pptx
+++ b/doc/Task14/task14_presentation Schlurp.pptx
@@ -810,6 +810,780 @@
     <p:extLst>
       <p:ext uri="{BB962C8B-B14F-4D97-AF65-F5344CB8AC3E}">
         <p14:creationId xmlns:p14="http://schemas.microsoft.com/office/powerpoint/2010/main" val="3162207657"/>
+      </p:ext>
+    </p:extLst>
+  </p:cSld>
+  <p:clrMapOvr>
+    <a:masterClrMapping/>
+  </p:clrMapOvr>
+</p:notes>
+</file>
+
+<file path=ppt/notesSlides/notesSlide2.xml><?xml version="1.0" encoding="utf-8"?>
+<p:notes xmlns:a="http://schemas.openxmlformats.org/drawingml/2006/main" xmlns:r="http://schemas.openxmlformats.org/officeDocument/2006/relationships" xmlns:p="http://schemas.openxmlformats.org/presentationml/2006/main">
+  <p:cSld>
+    <p:spTree>
+      <p:nvGrpSpPr>
+        <p:cNvPr id="1" name=""/>
+        <p:cNvGrpSpPr/>
+        <p:nvPr/>
+      </p:nvGrpSpPr>
+      <p:grpSpPr>
+        <a:xfrm>
+          <a:off x="0" y="0"/>
+          <a:ext cx="0" cy="0"/>
+          <a:chOff x="0" y="0"/>
+          <a:chExt cx="0" cy="0"/>
+        </a:xfrm>
+      </p:grpSpPr>
+      <p:sp>
+        <p:nvSpPr>
+          <p:cNvPr id="2" name="Folienbildplatzhalter 1"/>
+          <p:cNvSpPr>
+            <a:spLocks noGrp="1" noRot="1" noChangeAspect="1"/>
+          </p:cNvSpPr>
+          <p:nvPr>
+            <p:ph type="sldImg"/>
+          </p:nvPr>
+        </p:nvSpPr>
+        <p:spPr/>
+      </p:sp>
+      <p:sp>
+        <p:nvSpPr>
+          <p:cNvPr id="3" name="Notizenplatzhalter 2"/>
+          <p:cNvSpPr>
+            <a:spLocks noGrp="1"/>
+          </p:cNvSpPr>
+          <p:nvPr>
+            <p:ph type="body" idx="1"/>
+          </p:nvPr>
+        </p:nvSpPr>
+        <p:spPr/>
+        <p:txBody>
+          <a:bodyPr/>
+          <a:lstStyle/>
+          <a:p>
+            <a:pPr marL="171450" indent="-171450">
+              <a:buFont typeface="Arial" panose="020B0604020202020204" pitchFamily="34" charset="0"/>
+              <a:buChar char="•"/>
+            </a:pPr>
+            <a:r>
+              <a:rPr lang="de-CH" dirty="0" smtClean="0"/>
+              <a:t>Login</a:t>
+            </a:r>
+          </a:p>
+          <a:p>
+            <a:pPr marL="171450" indent="-171450">
+              <a:buFont typeface="Arial" panose="020B0604020202020204" pitchFamily="34" charset="0"/>
+              <a:buChar char="•"/>
+            </a:pPr>
+            <a:r>
+              <a:rPr lang="de-CH" dirty="0" err="1" smtClean="0"/>
+              <a:t>Infopage</a:t>
+            </a:r>
+            <a:endParaRPr lang="de-CH" dirty="0" smtClean="0"/>
+          </a:p>
+          <a:p>
+            <a:pPr marL="628650" lvl="1" indent="-171450">
+              <a:buFont typeface="Arial" panose="020B0604020202020204" pitchFamily="34" charset="0"/>
+              <a:buChar char="•"/>
+            </a:pPr>
+            <a:r>
+              <a:rPr lang="de-CH" dirty="0" smtClean="0"/>
+              <a:t>Ändern, speichern, zurück</a:t>
+            </a:r>
+          </a:p>
+          <a:p>
+            <a:pPr marL="171450" lvl="0" indent="-171450">
+              <a:buFont typeface="Arial" panose="020B0604020202020204" pitchFamily="34" charset="0"/>
+              <a:buChar char="•"/>
+            </a:pPr>
+            <a:r>
+              <a:rPr lang="de-CH" dirty="0" smtClean="0"/>
+              <a:t>Medikament</a:t>
+            </a:r>
+          </a:p>
+          <a:p>
+            <a:pPr marL="628650" lvl="1" indent="-171450">
+              <a:buFont typeface="Arial" panose="020B0604020202020204" pitchFamily="34" charset="0"/>
+              <a:buChar char="•"/>
+            </a:pPr>
+            <a:r>
+              <a:rPr lang="de-CH" dirty="0" smtClean="0"/>
+              <a:t>Hinzufügen, speichern, zurück</a:t>
+            </a:r>
+          </a:p>
+          <a:p>
+            <a:pPr marL="171450" lvl="0" indent="-171450">
+              <a:buFont typeface="Arial" panose="020B0604020202020204" pitchFamily="34" charset="0"/>
+              <a:buChar char="•"/>
+            </a:pPr>
+            <a:r>
+              <a:rPr lang="de-CH" dirty="0" err="1" smtClean="0"/>
+              <a:t>Medikamenten</a:t>
+            </a:r>
+            <a:r>
+              <a:rPr lang="de-CH" baseline="0" dirty="0" err="1" smtClean="0"/>
+              <a:t>Liste</a:t>
+            </a:r>
+            <a:endParaRPr lang="de-CH" baseline="0" dirty="0" smtClean="0"/>
+          </a:p>
+          <a:p>
+            <a:pPr marL="628650" lvl="1" indent="-171450">
+              <a:buFont typeface="Arial" panose="020B0604020202020204" pitchFamily="34" charset="0"/>
+              <a:buChar char="•"/>
+            </a:pPr>
+            <a:r>
+              <a:rPr lang="de-CH" baseline="0" smtClean="0"/>
+              <a:t>State wechseln</a:t>
+            </a:r>
+            <a:endParaRPr lang="de-CH" smtClean="0"/>
+          </a:p>
+        </p:txBody>
+      </p:sp>
+      <p:sp>
+        <p:nvSpPr>
+          <p:cNvPr id="4" name="Foliennummernplatzhalter 3"/>
+          <p:cNvSpPr>
+            <a:spLocks noGrp="1"/>
+          </p:cNvSpPr>
+          <p:nvPr>
+            <p:ph type="sldNum" sz="quarter" idx="10"/>
+          </p:nvPr>
+        </p:nvSpPr>
+        <p:spPr/>
+        <p:txBody>
+          <a:bodyPr/>
+          <a:lstStyle/>
+          <a:p>
+            <a:fld id="{37E44704-8E6D-4CF2-8CFA-A0F7BC751896}" type="slidenum">
+              <a:rPr lang="de-CH" smtClean="0"/>
+              <a:t>3</a:t>
+            </a:fld>
+            <a:endParaRPr lang="de-CH"/>
+          </a:p>
+        </p:txBody>
+      </p:sp>
+    </p:spTree>
+    <p:extLst>
+      <p:ext uri="{BB962C8B-B14F-4D97-AF65-F5344CB8AC3E}">
+        <p14:creationId xmlns:p14="http://schemas.microsoft.com/office/powerpoint/2010/main" val="3634289928"/>
+      </p:ext>
+    </p:extLst>
+  </p:cSld>
+  <p:clrMapOvr>
+    <a:masterClrMapping/>
+  </p:clrMapOvr>
+</p:notes>
+</file>
+
+<file path=ppt/notesSlides/notesSlide3.xml><?xml version="1.0" encoding="utf-8"?>
+<p:notes xmlns:a="http://schemas.openxmlformats.org/drawingml/2006/main" xmlns:r="http://schemas.openxmlformats.org/officeDocument/2006/relationships" xmlns:p="http://schemas.openxmlformats.org/presentationml/2006/main">
+  <p:cSld>
+    <p:spTree>
+      <p:nvGrpSpPr>
+        <p:cNvPr id="1" name=""/>
+        <p:cNvGrpSpPr/>
+        <p:nvPr/>
+      </p:nvGrpSpPr>
+      <p:grpSpPr>
+        <a:xfrm>
+          <a:off x="0" y="0"/>
+          <a:ext cx="0" cy="0"/>
+          <a:chOff x="0" y="0"/>
+          <a:chExt cx="0" cy="0"/>
+        </a:xfrm>
+      </p:grpSpPr>
+      <p:sp>
+        <p:nvSpPr>
+          <p:cNvPr id="2" name="Folienbildplatzhalter 1"/>
+          <p:cNvSpPr>
+            <a:spLocks noGrp="1" noRot="1" noChangeAspect="1"/>
+          </p:cNvSpPr>
+          <p:nvPr>
+            <p:ph type="sldImg"/>
+          </p:nvPr>
+        </p:nvSpPr>
+        <p:spPr/>
+      </p:sp>
+      <p:sp>
+        <p:nvSpPr>
+          <p:cNvPr id="3" name="Notizenplatzhalter 2"/>
+          <p:cNvSpPr>
+            <a:spLocks noGrp="1"/>
+          </p:cNvSpPr>
+          <p:nvPr>
+            <p:ph type="body" idx="1"/>
+          </p:nvPr>
+        </p:nvSpPr>
+        <p:spPr/>
+        <p:txBody>
+          <a:bodyPr/>
+          <a:lstStyle/>
+          <a:p>
+            <a:r>
+              <a:rPr lang="de-CH" dirty="0" smtClean="0"/>
+              <a:t>Philipp</a:t>
+            </a:r>
+            <a:endParaRPr lang="de-CH" dirty="0"/>
+          </a:p>
+        </p:txBody>
+      </p:sp>
+      <p:sp>
+        <p:nvSpPr>
+          <p:cNvPr id="4" name="Foliennummernplatzhalter 3"/>
+          <p:cNvSpPr>
+            <a:spLocks noGrp="1"/>
+          </p:cNvSpPr>
+          <p:nvPr>
+            <p:ph type="sldNum" sz="quarter" idx="10"/>
+          </p:nvPr>
+        </p:nvSpPr>
+        <p:spPr/>
+        <p:txBody>
+          <a:bodyPr/>
+          <a:lstStyle/>
+          <a:p>
+            <a:fld id="{37E44704-8E6D-4CF2-8CFA-A0F7BC751896}" type="slidenum">
+              <a:rPr lang="de-CH" smtClean="0"/>
+              <a:t>9</a:t>
+            </a:fld>
+            <a:endParaRPr lang="de-CH"/>
+          </a:p>
+        </p:txBody>
+      </p:sp>
+    </p:spTree>
+    <p:extLst>
+      <p:ext uri="{BB962C8B-B14F-4D97-AF65-F5344CB8AC3E}">
+        <p14:creationId xmlns:p14="http://schemas.microsoft.com/office/powerpoint/2010/main" val="1717229326"/>
+      </p:ext>
+    </p:extLst>
+  </p:cSld>
+  <p:clrMapOvr>
+    <a:masterClrMapping/>
+  </p:clrMapOvr>
+</p:notes>
+</file>
+
+<file path=ppt/notesSlides/notesSlide4.xml><?xml version="1.0" encoding="utf-8"?>
+<p:notes xmlns:a="http://schemas.openxmlformats.org/drawingml/2006/main" xmlns:r="http://schemas.openxmlformats.org/officeDocument/2006/relationships" xmlns:p="http://schemas.openxmlformats.org/presentationml/2006/main">
+  <p:cSld>
+    <p:spTree>
+      <p:nvGrpSpPr>
+        <p:cNvPr id="1" name=""/>
+        <p:cNvGrpSpPr/>
+        <p:nvPr/>
+      </p:nvGrpSpPr>
+      <p:grpSpPr>
+        <a:xfrm>
+          <a:off x="0" y="0"/>
+          <a:ext cx="0" cy="0"/>
+          <a:chOff x="0" y="0"/>
+          <a:chExt cx="0" cy="0"/>
+        </a:xfrm>
+      </p:grpSpPr>
+      <p:sp>
+        <p:nvSpPr>
+          <p:cNvPr id="2" name="Folienbildplatzhalter 1"/>
+          <p:cNvSpPr>
+            <a:spLocks noGrp="1" noRot="1" noChangeAspect="1"/>
+          </p:cNvSpPr>
+          <p:nvPr>
+            <p:ph type="sldImg"/>
+          </p:nvPr>
+        </p:nvSpPr>
+        <p:spPr/>
+      </p:sp>
+      <p:sp>
+        <p:nvSpPr>
+          <p:cNvPr id="3" name="Notizenplatzhalter 2"/>
+          <p:cNvSpPr>
+            <a:spLocks noGrp="1"/>
+          </p:cNvSpPr>
+          <p:nvPr>
+            <p:ph type="body" idx="1"/>
+          </p:nvPr>
+        </p:nvSpPr>
+        <p:spPr/>
+        <p:txBody>
+          <a:bodyPr/>
+          <a:lstStyle/>
+          <a:p>
+            <a:r>
+              <a:rPr lang="de-CH" dirty="0" smtClean="0"/>
+              <a:t>Rea</a:t>
+            </a:r>
+            <a:endParaRPr lang="de-CH" dirty="0"/>
+          </a:p>
+        </p:txBody>
+      </p:sp>
+      <p:sp>
+        <p:nvSpPr>
+          <p:cNvPr id="4" name="Foliennummernplatzhalter 3"/>
+          <p:cNvSpPr>
+            <a:spLocks noGrp="1"/>
+          </p:cNvSpPr>
+          <p:nvPr>
+            <p:ph type="sldNum" sz="quarter" idx="10"/>
+          </p:nvPr>
+        </p:nvSpPr>
+        <p:spPr/>
+        <p:txBody>
+          <a:bodyPr/>
+          <a:lstStyle/>
+          <a:p>
+            <a:fld id="{37E44704-8E6D-4CF2-8CFA-A0F7BC751896}" type="slidenum">
+              <a:rPr lang="de-CH" smtClean="0"/>
+              <a:t>10</a:t>
+            </a:fld>
+            <a:endParaRPr lang="de-CH"/>
+          </a:p>
+        </p:txBody>
+      </p:sp>
+    </p:spTree>
+    <p:extLst>
+      <p:ext uri="{BB962C8B-B14F-4D97-AF65-F5344CB8AC3E}">
+        <p14:creationId xmlns:p14="http://schemas.microsoft.com/office/powerpoint/2010/main" val="1090606107"/>
+      </p:ext>
+    </p:extLst>
+  </p:cSld>
+  <p:clrMapOvr>
+    <a:masterClrMapping/>
+  </p:clrMapOvr>
+</p:notes>
+</file>
+
+<file path=ppt/notesSlides/notesSlide5.xml><?xml version="1.0" encoding="utf-8"?>
+<p:notes xmlns:a="http://schemas.openxmlformats.org/drawingml/2006/main" xmlns:r="http://schemas.openxmlformats.org/officeDocument/2006/relationships" xmlns:p="http://schemas.openxmlformats.org/presentationml/2006/main">
+  <p:cSld>
+    <p:spTree>
+      <p:nvGrpSpPr>
+        <p:cNvPr id="1" name=""/>
+        <p:cNvGrpSpPr/>
+        <p:nvPr/>
+      </p:nvGrpSpPr>
+      <p:grpSpPr>
+        <a:xfrm>
+          <a:off x="0" y="0"/>
+          <a:ext cx="0" cy="0"/>
+          <a:chOff x="0" y="0"/>
+          <a:chExt cx="0" cy="0"/>
+        </a:xfrm>
+      </p:grpSpPr>
+      <p:sp>
+        <p:nvSpPr>
+          <p:cNvPr id="2" name="Folienbildplatzhalter 1"/>
+          <p:cNvSpPr>
+            <a:spLocks noGrp="1" noRot="1" noChangeAspect="1"/>
+          </p:cNvSpPr>
+          <p:nvPr>
+            <p:ph type="sldImg"/>
+          </p:nvPr>
+        </p:nvSpPr>
+        <p:spPr/>
+      </p:sp>
+      <p:sp>
+        <p:nvSpPr>
+          <p:cNvPr id="3" name="Notizenplatzhalter 2"/>
+          <p:cNvSpPr>
+            <a:spLocks noGrp="1"/>
+          </p:cNvSpPr>
+          <p:nvPr>
+            <p:ph type="body" idx="1"/>
+          </p:nvPr>
+        </p:nvSpPr>
+        <p:spPr/>
+        <p:txBody>
+          <a:bodyPr/>
+          <a:lstStyle/>
+          <a:p>
+            <a:r>
+              <a:rPr lang="de-CH" dirty="0" smtClean="0"/>
+              <a:t>Maurice</a:t>
+            </a:r>
+            <a:endParaRPr lang="de-CH" dirty="0"/>
+          </a:p>
+        </p:txBody>
+      </p:sp>
+      <p:sp>
+        <p:nvSpPr>
+          <p:cNvPr id="4" name="Foliennummernplatzhalter 3"/>
+          <p:cNvSpPr>
+            <a:spLocks noGrp="1"/>
+          </p:cNvSpPr>
+          <p:nvPr>
+            <p:ph type="sldNum" sz="quarter" idx="10"/>
+          </p:nvPr>
+        </p:nvSpPr>
+        <p:spPr/>
+        <p:txBody>
+          <a:bodyPr/>
+          <a:lstStyle/>
+          <a:p>
+            <a:fld id="{37E44704-8E6D-4CF2-8CFA-A0F7BC751896}" type="slidenum">
+              <a:rPr lang="de-CH" smtClean="0"/>
+              <a:t>11</a:t>
+            </a:fld>
+            <a:endParaRPr lang="de-CH"/>
+          </a:p>
+        </p:txBody>
+      </p:sp>
+    </p:spTree>
+    <p:extLst>
+      <p:ext uri="{BB962C8B-B14F-4D97-AF65-F5344CB8AC3E}">
+        <p14:creationId xmlns:p14="http://schemas.microsoft.com/office/powerpoint/2010/main" val="3685268980"/>
+      </p:ext>
+    </p:extLst>
+  </p:cSld>
+  <p:clrMapOvr>
+    <a:masterClrMapping/>
+  </p:clrMapOvr>
+</p:notes>
+</file>
+
+<file path=ppt/notesSlides/notesSlide6.xml><?xml version="1.0" encoding="utf-8"?>
+<p:notes xmlns:a="http://schemas.openxmlformats.org/drawingml/2006/main" xmlns:r="http://schemas.openxmlformats.org/officeDocument/2006/relationships" xmlns:p="http://schemas.openxmlformats.org/presentationml/2006/main">
+  <p:cSld>
+    <p:spTree>
+      <p:nvGrpSpPr>
+        <p:cNvPr id="1" name=""/>
+        <p:cNvGrpSpPr/>
+        <p:nvPr/>
+      </p:nvGrpSpPr>
+      <p:grpSpPr>
+        <a:xfrm>
+          <a:off x="0" y="0"/>
+          <a:ext cx="0" cy="0"/>
+          <a:chOff x="0" y="0"/>
+          <a:chExt cx="0" cy="0"/>
+        </a:xfrm>
+      </p:grpSpPr>
+      <p:sp>
+        <p:nvSpPr>
+          <p:cNvPr id="2" name="Folienbildplatzhalter 1"/>
+          <p:cNvSpPr>
+            <a:spLocks noGrp="1" noRot="1" noChangeAspect="1"/>
+          </p:cNvSpPr>
+          <p:nvPr>
+            <p:ph type="sldImg"/>
+          </p:nvPr>
+        </p:nvSpPr>
+        <p:spPr/>
+      </p:sp>
+      <p:sp>
+        <p:nvSpPr>
+          <p:cNvPr id="3" name="Notizenplatzhalter 2"/>
+          <p:cNvSpPr>
+            <a:spLocks noGrp="1"/>
+          </p:cNvSpPr>
+          <p:nvPr>
+            <p:ph type="body" idx="1"/>
+          </p:nvPr>
+        </p:nvSpPr>
+        <p:spPr/>
+        <p:txBody>
+          <a:bodyPr/>
+          <a:lstStyle/>
+          <a:p>
+            <a:r>
+              <a:rPr lang="de-CH" dirty="0" smtClean="0"/>
+              <a:t>Mauro</a:t>
+            </a:r>
+            <a:endParaRPr lang="de-CH" dirty="0"/>
+          </a:p>
+        </p:txBody>
+      </p:sp>
+      <p:sp>
+        <p:nvSpPr>
+          <p:cNvPr id="4" name="Foliennummernplatzhalter 3"/>
+          <p:cNvSpPr>
+            <a:spLocks noGrp="1"/>
+          </p:cNvSpPr>
+          <p:nvPr>
+            <p:ph type="sldNum" sz="quarter" idx="10"/>
+          </p:nvPr>
+        </p:nvSpPr>
+        <p:spPr/>
+        <p:txBody>
+          <a:bodyPr/>
+          <a:lstStyle/>
+          <a:p>
+            <a:fld id="{37E44704-8E6D-4CF2-8CFA-A0F7BC751896}" type="slidenum">
+              <a:rPr lang="de-CH" smtClean="0"/>
+              <a:t>12</a:t>
+            </a:fld>
+            <a:endParaRPr lang="de-CH"/>
+          </a:p>
+        </p:txBody>
+      </p:sp>
+    </p:spTree>
+    <p:extLst>
+      <p:ext uri="{BB962C8B-B14F-4D97-AF65-F5344CB8AC3E}">
+        <p14:creationId xmlns:p14="http://schemas.microsoft.com/office/powerpoint/2010/main" val="2267613444"/>
+      </p:ext>
+    </p:extLst>
+  </p:cSld>
+  <p:clrMapOvr>
+    <a:masterClrMapping/>
+  </p:clrMapOvr>
+</p:notes>
+</file>
+
+<file path=ppt/notesSlides/notesSlide7.xml><?xml version="1.0" encoding="utf-8"?>
+<p:notes xmlns:a="http://schemas.openxmlformats.org/drawingml/2006/main" xmlns:r="http://schemas.openxmlformats.org/officeDocument/2006/relationships" xmlns:p="http://schemas.openxmlformats.org/presentationml/2006/main">
+  <p:cSld>
+    <p:spTree>
+      <p:nvGrpSpPr>
+        <p:cNvPr id="1" name=""/>
+        <p:cNvGrpSpPr/>
+        <p:nvPr/>
+      </p:nvGrpSpPr>
+      <p:grpSpPr>
+        <a:xfrm>
+          <a:off x="0" y="0"/>
+          <a:ext cx="0" cy="0"/>
+          <a:chOff x="0" y="0"/>
+          <a:chExt cx="0" cy="0"/>
+        </a:xfrm>
+      </p:grpSpPr>
+      <p:sp>
+        <p:nvSpPr>
+          <p:cNvPr id="2" name="Folienbildplatzhalter 1"/>
+          <p:cNvSpPr>
+            <a:spLocks noGrp="1" noRot="1" noChangeAspect="1"/>
+          </p:cNvSpPr>
+          <p:nvPr>
+            <p:ph type="sldImg"/>
+          </p:nvPr>
+        </p:nvSpPr>
+        <p:spPr/>
+      </p:sp>
+      <p:sp>
+        <p:nvSpPr>
+          <p:cNvPr id="3" name="Notizenplatzhalter 2"/>
+          <p:cNvSpPr>
+            <a:spLocks noGrp="1"/>
+          </p:cNvSpPr>
+          <p:nvPr>
+            <p:ph type="body" idx="1"/>
+          </p:nvPr>
+        </p:nvSpPr>
+        <p:spPr/>
+        <p:txBody>
+          <a:bodyPr/>
+          <a:lstStyle/>
+          <a:p>
+            <a:r>
+              <a:rPr lang="de-CH" dirty="0" smtClean="0"/>
+              <a:t>Mauro</a:t>
+            </a:r>
+            <a:endParaRPr lang="de-CH" dirty="0"/>
+          </a:p>
+        </p:txBody>
+      </p:sp>
+      <p:sp>
+        <p:nvSpPr>
+          <p:cNvPr id="4" name="Foliennummernplatzhalter 3"/>
+          <p:cNvSpPr>
+            <a:spLocks noGrp="1"/>
+          </p:cNvSpPr>
+          <p:nvPr>
+            <p:ph type="sldNum" sz="quarter" idx="10"/>
+          </p:nvPr>
+        </p:nvSpPr>
+        <p:spPr/>
+        <p:txBody>
+          <a:bodyPr/>
+          <a:lstStyle/>
+          <a:p>
+            <a:fld id="{37E44704-8E6D-4CF2-8CFA-A0F7BC751896}" type="slidenum">
+              <a:rPr lang="de-CH" smtClean="0"/>
+              <a:t>13</a:t>
+            </a:fld>
+            <a:endParaRPr lang="de-CH"/>
+          </a:p>
+        </p:txBody>
+      </p:sp>
+    </p:spTree>
+    <p:extLst>
+      <p:ext uri="{BB962C8B-B14F-4D97-AF65-F5344CB8AC3E}">
+        <p14:creationId xmlns:p14="http://schemas.microsoft.com/office/powerpoint/2010/main" val="3001186816"/>
+      </p:ext>
+    </p:extLst>
+  </p:cSld>
+  <p:clrMapOvr>
+    <a:masterClrMapping/>
+  </p:clrMapOvr>
+</p:notes>
+</file>
+
+<file path=ppt/notesSlides/notesSlide8.xml><?xml version="1.0" encoding="utf-8"?>
+<p:notes xmlns:a="http://schemas.openxmlformats.org/drawingml/2006/main" xmlns:r="http://schemas.openxmlformats.org/officeDocument/2006/relationships" xmlns:p="http://schemas.openxmlformats.org/presentationml/2006/main">
+  <p:cSld>
+    <p:spTree>
+      <p:nvGrpSpPr>
+        <p:cNvPr id="1" name=""/>
+        <p:cNvGrpSpPr/>
+        <p:nvPr/>
+      </p:nvGrpSpPr>
+      <p:grpSpPr>
+        <a:xfrm>
+          <a:off x="0" y="0"/>
+          <a:ext cx="0" cy="0"/>
+          <a:chOff x="0" y="0"/>
+          <a:chExt cx="0" cy="0"/>
+        </a:xfrm>
+      </p:grpSpPr>
+      <p:sp>
+        <p:nvSpPr>
+          <p:cNvPr id="2" name="Folienbildplatzhalter 1"/>
+          <p:cNvSpPr>
+            <a:spLocks noGrp="1" noRot="1" noChangeAspect="1"/>
+          </p:cNvSpPr>
+          <p:nvPr>
+            <p:ph type="sldImg"/>
+          </p:nvPr>
+        </p:nvSpPr>
+        <p:spPr/>
+      </p:sp>
+      <p:sp>
+        <p:nvSpPr>
+          <p:cNvPr id="3" name="Notizenplatzhalter 2"/>
+          <p:cNvSpPr>
+            <a:spLocks noGrp="1"/>
+          </p:cNvSpPr>
+          <p:nvPr>
+            <p:ph type="body" idx="1"/>
+          </p:nvPr>
+        </p:nvSpPr>
+        <p:spPr/>
+        <p:txBody>
+          <a:bodyPr/>
+          <a:lstStyle/>
+          <a:p>
+            <a:r>
+              <a:rPr lang="de-CH" dirty="0" smtClean="0"/>
+              <a:t>Kaspar</a:t>
+            </a:r>
+            <a:endParaRPr lang="de-CH" dirty="0"/>
+          </a:p>
+        </p:txBody>
+      </p:sp>
+      <p:sp>
+        <p:nvSpPr>
+          <p:cNvPr id="4" name="Foliennummernplatzhalter 3"/>
+          <p:cNvSpPr>
+            <a:spLocks noGrp="1"/>
+          </p:cNvSpPr>
+          <p:nvPr>
+            <p:ph type="sldNum" sz="quarter" idx="10"/>
+          </p:nvPr>
+        </p:nvSpPr>
+        <p:spPr/>
+        <p:txBody>
+          <a:bodyPr/>
+          <a:lstStyle/>
+          <a:p>
+            <a:fld id="{37E44704-8E6D-4CF2-8CFA-A0F7BC751896}" type="slidenum">
+              <a:rPr lang="de-CH" smtClean="0"/>
+              <a:t>14</a:t>
+            </a:fld>
+            <a:endParaRPr lang="de-CH"/>
+          </a:p>
+        </p:txBody>
+      </p:sp>
+    </p:spTree>
+    <p:extLst>
+      <p:ext uri="{BB962C8B-B14F-4D97-AF65-F5344CB8AC3E}">
+        <p14:creationId xmlns:p14="http://schemas.microsoft.com/office/powerpoint/2010/main" val="1986255681"/>
+      </p:ext>
+    </p:extLst>
+  </p:cSld>
+  <p:clrMapOvr>
+    <a:masterClrMapping/>
+  </p:clrMapOvr>
+</p:notes>
+</file>
+
+<file path=ppt/notesSlides/notesSlide9.xml><?xml version="1.0" encoding="utf-8"?>
+<p:notes xmlns:a="http://schemas.openxmlformats.org/drawingml/2006/main" xmlns:r="http://schemas.openxmlformats.org/officeDocument/2006/relationships" xmlns:p="http://schemas.openxmlformats.org/presentationml/2006/main">
+  <p:cSld>
+    <p:spTree>
+      <p:nvGrpSpPr>
+        <p:cNvPr id="1" name=""/>
+        <p:cNvGrpSpPr/>
+        <p:nvPr/>
+      </p:nvGrpSpPr>
+      <p:grpSpPr>
+        <a:xfrm>
+          <a:off x="0" y="0"/>
+          <a:ext cx="0" cy="0"/>
+          <a:chOff x="0" y="0"/>
+          <a:chExt cx="0" cy="0"/>
+        </a:xfrm>
+      </p:grpSpPr>
+      <p:sp>
+        <p:nvSpPr>
+          <p:cNvPr id="2" name="Folienbildplatzhalter 1"/>
+          <p:cNvSpPr>
+            <a:spLocks noGrp="1" noRot="1" noChangeAspect="1"/>
+          </p:cNvSpPr>
+          <p:nvPr>
+            <p:ph type="sldImg"/>
+          </p:nvPr>
+        </p:nvSpPr>
+        <p:spPr/>
+      </p:sp>
+      <p:sp>
+        <p:nvSpPr>
+          <p:cNvPr id="3" name="Notizenplatzhalter 2"/>
+          <p:cNvSpPr>
+            <a:spLocks noGrp="1"/>
+          </p:cNvSpPr>
+          <p:nvPr>
+            <p:ph type="body" idx="1"/>
+          </p:nvPr>
+        </p:nvSpPr>
+        <p:spPr/>
+        <p:txBody>
+          <a:bodyPr/>
+          <a:lstStyle/>
+          <a:p>
+            <a:r>
+              <a:rPr lang="de-CH" dirty="0" smtClean="0"/>
+              <a:t>Maurice</a:t>
+            </a:r>
+            <a:endParaRPr lang="de-CH" dirty="0"/>
+          </a:p>
+        </p:txBody>
+      </p:sp>
+      <p:sp>
+        <p:nvSpPr>
+          <p:cNvPr id="4" name="Foliennummernplatzhalter 3"/>
+          <p:cNvSpPr>
+            <a:spLocks noGrp="1"/>
+          </p:cNvSpPr>
+          <p:nvPr>
+            <p:ph type="sldNum" sz="quarter" idx="10"/>
+          </p:nvPr>
+        </p:nvSpPr>
+        <p:spPr/>
+        <p:txBody>
+          <a:bodyPr/>
+          <a:lstStyle/>
+          <a:p>
+            <a:fld id="{37E44704-8E6D-4CF2-8CFA-A0F7BC751896}" type="slidenum">
+              <a:rPr lang="de-CH" smtClean="0"/>
+              <a:t>15</a:t>
+            </a:fld>
+            <a:endParaRPr lang="de-CH"/>
+          </a:p>
+        </p:txBody>
+      </p:sp>
+    </p:spTree>
+    <p:extLst>
+      <p:ext uri="{BB962C8B-B14F-4D97-AF65-F5344CB8AC3E}">
+        <p14:creationId xmlns:p14="http://schemas.microsoft.com/office/powerpoint/2010/main" val="2719376131"/>
       </p:ext>
     </p:extLst>
   </p:cSld>
@@ -8744,7 +9518,7 @@
           <a:p>
             <a:r>
               <a:rPr lang="de-DE" b="1" dirty="0" smtClean="0">
-                <a:hlinkClick r:id="rId2"/>
+                <a:hlinkClick r:id="rId3"/>
               </a:rPr>
               <a:t>Live Demo</a:t>
             </a:r>

--- a/doc/Task14/task14_presentation Schlurp.pptx
+++ b/doc/Task14/task14_presentation Schlurp.pptx
@@ -5,10 +5,10 @@
     <p:sldMasterId id="2147483669" r:id="rId4"/>
   </p:sldMasterIdLst>
   <p:notesMasterIdLst>
-    <p:notesMasterId r:id="rId21"/>
+    <p:notesMasterId r:id="rId22"/>
   </p:notesMasterIdLst>
   <p:handoutMasterIdLst>
-    <p:handoutMasterId r:id="rId22"/>
+    <p:handoutMasterId r:id="rId23"/>
   </p:handoutMasterIdLst>
   <p:sldIdLst>
     <p:sldId id="259" r:id="rId5"/>
@@ -16,17 +16,18 @@
     <p:sldId id="263" r:id="rId7"/>
     <p:sldId id="270" r:id="rId8"/>
     <p:sldId id="304" r:id="rId9"/>
-    <p:sldId id="307" r:id="rId10"/>
-    <p:sldId id="305" r:id="rId11"/>
-    <p:sldId id="306" r:id="rId12"/>
-    <p:sldId id="310" r:id="rId13"/>
-    <p:sldId id="311" r:id="rId14"/>
-    <p:sldId id="312" r:id="rId15"/>
-    <p:sldId id="313" r:id="rId16"/>
-    <p:sldId id="314" r:id="rId17"/>
-    <p:sldId id="315" r:id="rId18"/>
-    <p:sldId id="316" r:id="rId19"/>
-    <p:sldId id="299" r:id="rId20"/>
+    <p:sldId id="317" r:id="rId10"/>
+    <p:sldId id="307" r:id="rId11"/>
+    <p:sldId id="305" r:id="rId12"/>
+    <p:sldId id="306" r:id="rId13"/>
+    <p:sldId id="310" r:id="rId14"/>
+    <p:sldId id="311" r:id="rId15"/>
+    <p:sldId id="312" r:id="rId16"/>
+    <p:sldId id="313" r:id="rId17"/>
+    <p:sldId id="314" r:id="rId18"/>
+    <p:sldId id="315" r:id="rId19"/>
+    <p:sldId id="316" r:id="rId20"/>
+    <p:sldId id="299" r:id="rId21"/>
   </p:sldIdLst>
   <p:sldSz cx="9144000" cy="6858000" type="screen4x3"/>
   <p:notesSz cx="6669088" cy="9926638"/>
@@ -899,9 +900,18 @@
               <a:buChar char="•"/>
             </a:pPr>
             <a:r>
+              <a:rPr lang="de-CH" dirty="0" err="1" smtClean="0"/>
+              <a:t>Medi</a:t>
+            </a:r>
+            <a:r>
               <a:rPr lang="de-CH" dirty="0" smtClean="0"/>
-              <a:t>Medikament</a:t>
-            </a:r>
+              <a:t> </a:t>
+            </a:r>
+            <a:r>
+              <a:rPr lang="de-CH" dirty="0" err="1" smtClean="0"/>
+              <a:t>DailyView</a:t>
+            </a:r>
+            <a:endParaRPr lang="de-CH" dirty="0" smtClean="0"/>
           </a:p>
           <a:p>
             <a:pPr marL="628650" lvl="1" indent="-171450">
@@ -920,10 +930,14 @@
             </a:pPr>
             <a:r>
               <a:rPr lang="de-CH" dirty="0" err="1" smtClean="0"/>
-              <a:t>Medikamenten</a:t>
-            </a:r>
-            <a:r>
-              <a:rPr lang="de-CH" baseline="0" dirty="0" err="1" smtClean="0"/>
+              <a:t>Medi</a:t>
+            </a:r>
+            <a:r>
+              <a:rPr lang="de-CH" dirty="0" smtClean="0"/>
+              <a:t> </a:t>
+            </a:r>
+            <a:r>
+              <a:rPr lang="de-CH" baseline="0" dirty="0" smtClean="0"/>
               <a:t>Liste</a:t>
             </a:r>
             <a:endParaRPr lang="de-CH" baseline="0" dirty="0" smtClean="0"/>
@@ -934,10 +948,93 @@
               <a:buChar char="•"/>
             </a:pPr>
             <a:r>
-              <a:rPr lang="de-CH" baseline="0" smtClean="0"/>
-              <a:t>State wechseln</a:t>
-            </a:r>
-            <a:endParaRPr lang="de-CH" smtClean="0"/>
+              <a:rPr lang="de-CH" baseline="0" dirty="0" smtClean="0"/>
+              <a:t>State </a:t>
+            </a:r>
+            <a:r>
+              <a:rPr lang="de-CH" baseline="0" dirty="0" smtClean="0"/>
+              <a:t>wechseln, zurück</a:t>
+            </a:r>
+          </a:p>
+          <a:p>
+            <a:pPr marL="171450" lvl="0" indent="-171450">
+              <a:buFont typeface="Arial" panose="020B0604020202020204" pitchFamily="34" charset="0"/>
+              <a:buChar char="•"/>
+            </a:pPr>
+            <a:r>
+              <a:rPr lang="de-DE" baseline="0" dirty="0" err="1" smtClean="0"/>
+              <a:t>Logout</a:t>
+            </a:r>
+            <a:r>
+              <a:rPr lang="de-DE" baseline="0" dirty="0" smtClean="0"/>
+              <a:t> – Login</a:t>
+            </a:r>
+          </a:p>
+          <a:p>
+            <a:pPr marL="171450" lvl="0" indent="-171450">
+              <a:buFont typeface="Arial" panose="020B0604020202020204" pitchFamily="34" charset="0"/>
+              <a:buChar char="•"/>
+            </a:pPr>
+            <a:r>
+              <a:rPr lang="de-DE" baseline="0" dirty="0" err="1" smtClean="0"/>
+              <a:t>Infopage</a:t>
+            </a:r>
+            <a:endParaRPr lang="de-DE" baseline="0" dirty="0" smtClean="0"/>
+          </a:p>
+          <a:p>
+            <a:pPr marL="171450" lvl="0" indent="-171450">
+              <a:buFont typeface="Arial" panose="020B0604020202020204" pitchFamily="34" charset="0"/>
+              <a:buChar char="•"/>
+            </a:pPr>
+            <a:r>
+              <a:rPr lang="de-DE" baseline="0" dirty="0" err="1" smtClean="0"/>
+              <a:t>Medi</a:t>
+            </a:r>
+            <a:r>
+              <a:rPr lang="de-DE" baseline="0" dirty="0" smtClean="0"/>
+              <a:t> Daily View</a:t>
+            </a:r>
+          </a:p>
+          <a:p>
+            <a:pPr marL="171450" lvl="0" indent="-171450">
+              <a:buFont typeface="Arial" panose="020B0604020202020204" pitchFamily="34" charset="0"/>
+              <a:buChar char="•"/>
+            </a:pPr>
+            <a:r>
+              <a:rPr lang="de-DE" baseline="0" dirty="0" err="1" smtClean="0"/>
+              <a:t>Medi</a:t>
+            </a:r>
+            <a:r>
+              <a:rPr lang="de-DE" baseline="0" dirty="0" smtClean="0"/>
+              <a:t> Liste</a:t>
+            </a:r>
+          </a:p>
+          <a:p>
+            <a:pPr marL="628650" lvl="1" indent="-171450">
+              <a:buFont typeface="Arial" panose="020B0604020202020204" pitchFamily="34" charset="0"/>
+              <a:buChar char="•"/>
+            </a:pPr>
+            <a:r>
+              <a:rPr lang="de-DE" baseline="0" dirty="0" smtClean="0"/>
+              <a:t>Löschen, zurück</a:t>
+            </a:r>
+          </a:p>
+          <a:p>
+            <a:pPr marL="171450" lvl="0" indent="-171450">
+              <a:buFont typeface="Arial" panose="020B0604020202020204" pitchFamily="34" charset="0"/>
+              <a:buChar char="•"/>
+            </a:pPr>
+            <a:r>
+              <a:rPr lang="de-DE" baseline="0" dirty="0" smtClean="0"/>
+              <a:t>Random GIF</a:t>
+            </a:r>
+          </a:p>
+          <a:p>
+            <a:pPr marL="171450" lvl="0" indent="-171450">
+              <a:buFont typeface="Arial" panose="020B0604020202020204" pitchFamily="34" charset="0"/>
+              <a:buChar char="•"/>
+            </a:pPr>
+            <a:endParaRPr lang="de-CH" baseline="0" dirty="0" smtClean="0"/>
           </a:p>
         </p:txBody>
       </p:sp>
@@ -1046,7 +1143,7 @@
           <a:p>
             <a:fld id="{37E44704-8E6D-4CF2-8CFA-A0F7BC751896}" type="slidenum">
               <a:rPr lang="de-CH" smtClean="0"/>
-              <a:t>9</a:t>
+              <a:t>10</a:t>
             </a:fld>
             <a:endParaRPr lang="de-CH"/>
           </a:p>
@@ -1134,7 +1231,7 @@
           <a:p>
             <a:fld id="{37E44704-8E6D-4CF2-8CFA-A0F7BC751896}" type="slidenum">
               <a:rPr lang="de-CH" smtClean="0"/>
-              <a:t>10</a:t>
+              <a:t>11</a:t>
             </a:fld>
             <a:endParaRPr lang="de-CH"/>
           </a:p>
@@ -1222,7 +1319,7 @@
           <a:p>
             <a:fld id="{37E44704-8E6D-4CF2-8CFA-A0F7BC751896}" type="slidenum">
               <a:rPr lang="de-CH" smtClean="0"/>
-              <a:t>11</a:t>
+              <a:t>12</a:t>
             </a:fld>
             <a:endParaRPr lang="de-CH"/>
           </a:p>
@@ -1310,7 +1407,7 @@
           <a:p>
             <a:fld id="{37E44704-8E6D-4CF2-8CFA-A0F7BC751896}" type="slidenum">
               <a:rPr lang="de-CH" smtClean="0"/>
-              <a:t>12</a:t>
+              <a:t>13</a:t>
             </a:fld>
             <a:endParaRPr lang="de-CH"/>
           </a:p>
@@ -1398,7 +1495,7 @@
           <a:p>
             <a:fld id="{37E44704-8E6D-4CF2-8CFA-A0F7BC751896}" type="slidenum">
               <a:rPr lang="de-CH" smtClean="0"/>
-              <a:t>13</a:t>
+              <a:t>14</a:t>
             </a:fld>
             <a:endParaRPr lang="de-CH"/>
           </a:p>
@@ -1486,7 +1583,7 @@
           <a:p>
             <a:fld id="{37E44704-8E6D-4CF2-8CFA-A0F7BC751896}" type="slidenum">
               <a:rPr lang="de-CH" smtClean="0"/>
-              <a:t>14</a:t>
+              <a:t>15</a:t>
             </a:fld>
             <a:endParaRPr lang="de-CH"/>
           </a:p>
@@ -1574,7 +1671,7 @@
           <a:p>
             <a:fld id="{37E44704-8E6D-4CF2-8CFA-A0F7BC751896}" type="slidenum">
               <a:rPr lang="de-CH" smtClean="0"/>
-              <a:t>15</a:t>
+              <a:t>16</a:t>
             </a:fld>
             <a:endParaRPr lang="de-CH"/>
           </a:p>
@@ -1818,14 +1915,14 @@
           </a:ln>
           <a:extLst>
             <a:ext uri="{909E8E84-426E-40dd-AFC4-6F175D3DCCD1}">
-              <a14:hiddenFill xmlns:a14="http://schemas.microsoft.com/office/drawing/2010/main" xmlns="">
+              <a14:hiddenFill xmlns="" xmlns:a14="http://schemas.microsoft.com/office/drawing/2010/main">
                 <a:solidFill>
                   <a:srgbClr val="FFFFFF"/>
                 </a:solidFill>
               </a14:hiddenFill>
             </a:ext>
             <a:ext uri="{91240B29-F687-4f45-9708-019B960494DF}">
-              <a14:hiddenLine xmlns:a14="http://schemas.microsoft.com/office/drawing/2010/main" xmlns="" w="9525">
+              <a14:hiddenLine xmlns="" xmlns:a14="http://schemas.microsoft.com/office/drawing/2010/main" w="9525">
                 <a:solidFill>
                   <a:srgbClr val="000000"/>
                 </a:solidFill>
@@ -3641,14 +3738,14 @@
           </a:ln>
           <a:extLst>
             <a:ext uri="{909E8E84-426E-40dd-AFC4-6F175D3DCCD1}">
-              <a14:hiddenFill xmlns:a14="http://schemas.microsoft.com/office/drawing/2010/main" xmlns="">
+              <a14:hiddenFill xmlns="" xmlns:a14="http://schemas.microsoft.com/office/drawing/2010/main">
                 <a:solidFill>
                   <a:srgbClr val="FFFFFF"/>
                 </a:solidFill>
               </a14:hiddenFill>
             </a:ext>
             <a:ext uri="{91240B29-F687-4f45-9708-019B960494DF}">
-              <a14:hiddenLine xmlns:a14="http://schemas.microsoft.com/office/drawing/2010/main" xmlns="" w="9525">
+              <a14:hiddenLine xmlns="" xmlns:a14="http://schemas.microsoft.com/office/drawing/2010/main" w="9525">
                 <a:solidFill>
                   <a:srgbClr val="000000"/>
                 </a:solidFill>
@@ -7332,14 +7429,14 @@
           </a:ln>
           <a:extLst>
             <a:ext uri="{909E8E84-426E-40dd-AFC4-6F175D3DCCD1}">
-              <a14:hiddenFill xmlns:a14="http://schemas.microsoft.com/office/drawing/2010/main" xmlns="">
+              <a14:hiddenFill xmlns="" xmlns:a14="http://schemas.microsoft.com/office/drawing/2010/main">
                 <a:solidFill>
                   <a:srgbClr val="FFFFFF"/>
                 </a:solidFill>
               </a14:hiddenFill>
             </a:ext>
             <a:ext uri="{91240B29-F687-4f45-9708-019B960494DF}">
-              <a14:hiddenLine xmlns:a14="http://schemas.microsoft.com/office/drawing/2010/main" xmlns="" w="9525">
+              <a14:hiddenLine xmlns="" xmlns:a14="http://schemas.microsoft.com/office/drawing/2010/main" w="9525">
                 <a:solidFill>
                   <a:srgbClr val="000000"/>
                 </a:solidFill>
@@ -8247,7 +8344,7 @@
             <a:pPr lvl="1"/>
             <a:r>
               <a:rPr lang="de-CH" dirty="0" smtClean="0"/>
-              <a:t>Viele Einflussfaktoren</a:t>
+              <a:t>Viele Unklarheiten Theorie-Praxis</a:t>
             </a:r>
           </a:p>
           <a:p>
@@ -8256,11 +8353,16 @@
               <a:rPr lang="de-CH" dirty="0" smtClean="0"/>
               <a:t>Fehlende Erfahrung</a:t>
             </a:r>
+          </a:p>
+          <a:p>
+            <a:pPr lvl="1"/>
+            <a:r>
+              <a:rPr lang="de-CH" dirty="0" smtClean="0"/>
+              <a:t>Keine Vorstellung für Umsetzungsmöglichkeiten</a:t>
+            </a:r>
+          </a:p>
+          <a:p>
             <a:endParaRPr lang="de-CH" dirty="0"/>
-          </a:p>
-          <a:p>
-            <a:pPr lvl="1"/>
-            <a:endParaRPr lang="de-CH" dirty="0" smtClean="0"/>
           </a:p>
           <a:p>
             <a:r>
@@ -8281,40 +8383,22 @@
             <a:pPr lvl="1"/>
             <a:r>
               <a:rPr lang="de-CH" dirty="0" smtClean="0"/>
-              <a:t>Grundlage des Projekts</a:t>
+              <a:t>Konsumentensicht</a:t>
             </a:r>
           </a:p>
           <a:p>
             <a:pPr lvl="1"/>
             <a:r>
               <a:rPr lang="de-CH" dirty="0" smtClean="0"/>
-              <a:t>Alle Faktoren berücksichtigen</a:t>
-            </a:r>
-          </a:p>
-          <a:p>
-            <a:pPr lvl="2"/>
+              <a:t>Viele Ideen entwickeln</a:t>
+            </a:r>
+          </a:p>
+          <a:p>
+            <a:pPr lvl="1"/>
             <a:r>
               <a:rPr lang="de-CH" dirty="0" smtClean="0"/>
-              <a:t>Richtlinien</a:t>
-            </a:r>
-          </a:p>
-          <a:p>
-            <a:pPr lvl="2"/>
-            <a:r>
-              <a:rPr lang="de-CH" dirty="0" smtClean="0"/>
-              <a:t>Kundenanforderungen</a:t>
-            </a:r>
-          </a:p>
-          <a:p>
-            <a:pPr lvl="2"/>
-            <a:r>
-              <a:rPr lang="de-CH" dirty="0" smtClean="0"/>
-              <a:t>…</a:t>
-            </a:r>
-          </a:p>
-          <a:p>
-            <a:pPr lvl="1"/>
-            <a:endParaRPr lang="de-CH" dirty="0"/>
+              <a:t>Noch nicht an Umsetzung denken</a:t>
+            </a:r>
           </a:p>
         </p:txBody>
       </p:sp>
@@ -8342,8 +8426,8 @@
               <a:rPr lang="de-CH" dirty="0" smtClean="0"/>
             </a:br>
             <a:r>
-              <a:rPr lang="de-CH" sz="2000" dirty="0" err="1" smtClean="0"/>
-              <a:t>Requirements</a:t>
+              <a:rPr lang="de-CH" sz="2000" dirty="0" smtClean="0"/>
+              <a:t>Storyboard</a:t>
             </a:r>
             <a:endParaRPr lang="de-CH" sz="2200" dirty="0"/>
           </a:p>
@@ -8352,7 +8436,7 @@
     </p:spTree>
     <p:extLst>
       <p:ext uri="{BB962C8B-B14F-4D97-AF65-F5344CB8AC3E}">
-        <p14:creationId xmlns:p14="http://schemas.microsoft.com/office/powerpoint/2010/main" val="1331511723"/>
+        <p14:creationId xmlns:p14="http://schemas.microsoft.com/office/powerpoint/2010/main" val="352211297"/>
       </p:ext>
     </p:extLst>
   </p:cSld>
@@ -8403,36 +8487,19 @@
             <a:pPr lvl="1"/>
             <a:r>
               <a:rPr lang="de-CH" dirty="0" smtClean="0"/>
+              <a:t>Viele Einflussfaktoren</a:t>
+            </a:r>
+          </a:p>
+          <a:p>
+            <a:pPr lvl="1"/>
+            <a:r>
+              <a:rPr lang="de-CH" dirty="0" smtClean="0"/>
               <a:t>Fehlende Erfahrung</a:t>
             </a:r>
-          </a:p>
-          <a:p>
-            <a:pPr lvl="2"/>
-            <a:r>
-              <a:rPr lang="de-CH" dirty="0" smtClean="0"/>
-              <a:t>Wichtige Punkte vergessen</a:t>
-            </a:r>
+            <a:endParaRPr lang="de-CH" dirty="0"/>
           </a:p>
           <a:p>
             <a:pPr lvl="1"/>
-            <a:r>
-              <a:rPr lang="de-CH" dirty="0" smtClean="0"/>
-              <a:t>Überblick behalten</a:t>
-            </a:r>
-          </a:p>
-          <a:p>
-            <a:pPr lvl="1"/>
-            <a:r>
-              <a:rPr lang="de-CH" dirty="0" smtClean="0"/>
-              <a:t>Anbindung an </a:t>
-            </a:r>
-            <a:r>
-              <a:rPr lang="de-CH" dirty="0" err="1" smtClean="0"/>
-              <a:t>Vaadin</a:t>
-            </a:r>
-            <a:endParaRPr lang="de-CH" dirty="0"/>
-          </a:p>
-          <a:p>
             <a:endParaRPr lang="de-CH" dirty="0" smtClean="0"/>
           </a:p>
           <a:p>
@@ -8454,14 +8521,35 @@
             <a:pPr lvl="1"/>
             <a:r>
               <a:rPr lang="de-CH" dirty="0" smtClean="0"/>
-              <a:t>Ressourcen abklären</a:t>
+              <a:t>Grundlage des Projekts</a:t>
             </a:r>
           </a:p>
           <a:p>
             <a:pPr lvl="1"/>
             <a:r>
               <a:rPr lang="de-CH" dirty="0" smtClean="0"/>
-              <a:t>Externe Frameworks sind gut aber…</a:t>
+              <a:t>Alle Faktoren berücksichtigen</a:t>
+            </a:r>
+          </a:p>
+          <a:p>
+            <a:pPr lvl="2"/>
+            <a:r>
+              <a:rPr lang="de-CH" dirty="0" smtClean="0"/>
+              <a:t>Richtlinien</a:t>
+            </a:r>
+          </a:p>
+          <a:p>
+            <a:pPr lvl="2"/>
+            <a:r>
+              <a:rPr lang="de-CH" dirty="0" smtClean="0"/>
+              <a:t>Kundenanforderungen</a:t>
+            </a:r>
+          </a:p>
+          <a:p>
+            <a:pPr lvl="2"/>
+            <a:r>
+              <a:rPr lang="de-CH" dirty="0" smtClean="0"/>
+              <a:t>…</a:t>
             </a:r>
           </a:p>
           <a:p>
@@ -8494,8 +8582,8 @@
               <a:rPr lang="de-CH" dirty="0" smtClean="0"/>
             </a:br>
             <a:r>
-              <a:rPr lang="de-CH" sz="2000" dirty="0" smtClean="0"/>
-              <a:t>Design</a:t>
+              <a:rPr lang="de-CH" sz="2000" dirty="0" err="1" smtClean="0"/>
+              <a:t>Requirements</a:t>
             </a:r>
             <a:endParaRPr lang="de-CH" sz="2200" dirty="0"/>
           </a:p>
@@ -8504,7 +8592,7 @@
     </p:spTree>
     <p:extLst>
       <p:ext uri="{BB962C8B-B14F-4D97-AF65-F5344CB8AC3E}">
-        <p14:creationId xmlns:p14="http://schemas.microsoft.com/office/powerpoint/2010/main" val="1305885463"/>
+        <p14:creationId xmlns:p14="http://schemas.microsoft.com/office/powerpoint/2010/main" val="1331511723"/>
       </p:ext>
     </p:extLst>
   </p:cSld>
@@ -8555,28 +8643,32 @@
             <a:pPr lvl="1"/>
             <a:r>
               <a:rPr lang="de-CH" dirty="0" smtClean="0"/>
-              <a:t>Arbeitsaufteilung</a:t>
+              <a:t>Fehlende Erfahrung</a:t>
+            </a:r>
+          </a:p>
+          <a:p>
+            <a:pPr lvl="2"/>
+            <a:r>
+              <a:rPr lang="de-CH" dirty="0" smtClean="0"/>
+              <a:t>Wichtige Punkte vergessen</a:t>
             </a:r>
           </a:p>
           <a:p>
             <a:pPr lvl="1"/>
             <a:r>
               <a:rPr lang="de-CH" dirty="0" smtClean="0"/>
-              <a:t>Fehlende Erfahrung</a:t>
+              <a:t>Überblick behalten</a:t>
             </a:r>
           </a:p>
           <a:p>
             <a:pPr lvl="1"/>
             <a:r>
               <a:rPr lang="de-CH" dirty="0" smtClean="0"/>
-              <a:t>Aufwand schätzen</a:t>
-            </a:r>
-          </a:p>
-          <a:p>
-            <a:pPr lvl="1"/>
-            <a:r>
-              <a:rPr lang="de-CH" dirty="0" smtClean="0"/>
-              <a:t>Machbarkeit einschätzen</a:t>
+              <a:t>Anbindung an </a:t>
+            </a:r>
+            <a:r>
+              <a:rPr lang="de-CH" dirty="0" err="1" smtClean="0"/>
+              <a:t>Vaadin</a:t>
             </a:r>
             <a:endParaRPr lang="de-CH" dirty="0"/>
           </a:p>
@@ -8602,25 +8694,14 @@
             <a:pPr lvl="1"/>
             <a:r>
               <a:rPr lang="de-CH" dirty="0" smtClean="0"/>
-              <a:t>Umgang mit Ressourcen</a:t>
+              <a:t>Ressourcen abklären</a:t>
             </a:r>
           </a:p>
           <a:p>
             <a:pPr lvl="1"/>
             <a:r>
               <a:rPr lang="de-CH" dirty="0" smtClean="0"/>
-              <a:t>Teamarbeit</a:t>
-            </a:r>
-          </a:p>
-          <a:p>
-            <a:pPr lvl="1"/>
-            <a:r>
-              <a:rPr lang="de-CH" dirty="0" err="1" smtClean="0"/>
-              <a:t>Scrum</a:t>
-            </a:r>
-            <a:r>
-              <a:rPr lang="de-CH" dirty="0" smtClean="0"/>
-              <a:t>-Vorgehensweise</a:t>
+              <a:t>Externe Frameworks sind gut aber…</a:t>
             </a:r>
           </a:p>
           <a:p>
@@ -8654,7 +8735,7 @@
             </a:br>
             <a:r>
               <a:rPr lang="de-CH" sz="2000" dirty="0" smtClean="0"/>
-              <a:t>Implementation</a:t>
+              <a:t>Design</a:t>
             </a:r>
             <a:endParaRPr lang="de-CH" sz="2200" dirty="0"/>
           </a:p>
@@ -8663,7 +8744,7 @@
     </p:spTree>
     <p:extLst>
       <p:ext uri="{BB962C8B-B14F-4D97-AF65-F5344CB8AC3E}">
-        <p14:creationId xmlns:p14="http://schemas.microsoft.com/office/powerpoint/2010/main" val="2523521946"/>
+        <p14:creationId xmlns:p14="http://schemas.microsoft.com/office/powerpoint/2010/main" val="1305885463"/>
       </p:ext>
     </p:extLst>
   </p:cSld>
@@ -8692,12 +8773,12 @@
       </p:grpSpPr>
       <p:sp>
         <p:nvSpPr>
-          <p:cNvPr id="3" name="Titel 2"/>
-          <p:cNvSpPr>
-            <a:spLocks noGrp="1"/>
-          </p:cNvSpPr>
-          <p:nvPr>
-            <p:ph type="ctrTitle"/>
+          <p:cNvPr id="6" name="Inhaltsplatzhalter 5"/>
+          <p:cNvSpPr>
+            <a:spLocks noGrp="1"/>
+          </p:cNvSpPr>
+          <p:nvPr>
+            <p:ph sz="half" idx="1"/>
           </p:nvPr>
         </p:nvSpPr>
         <p:spPr/>
@@ -8706,96 +8787,123 @@
           <a:lstStyle/>
           <a:p>
             <a:r>
-              <a:rPr lang="de-DE" b="1" dirty="0" err="1" smtClean="0"/>
+              <a:rPr lang="de-CH" dirty="0" smtClean="0"/>
+              <a:t>Schwierigkeiten</a:t>
+            </a:r>
+          </a:p>
+          <a:p>
+            <a:pPr lvl="1"/>
+            <a:r>
+              <a:rPr lang="de-CH" dirty="0" smtClean="0"/>
+              <a:t>Arbeitsaufteilung</a:t>
+            </a:r>
+          </a:p>
+          <a:p>
+            <a:pPr lvl="1"/>
+            <a:r>
+              <a:rPr lang="de-CH" dirty="0" smtClean="0"/>
+              <a:t>Fehlende Erfahrung</a:t>
+            </a:r>
+          </a:p>
+          <a:p>
+            <a:pPr lvl="1"/>
+            <a:r>
+              <a:rPr lang="de-CH" dirty="0" smtClean="0"/>
+              <a:t>Aufwand schätzen</a:t>
+            </a:r>
+          </a:p>
+          <a:p>
+            <a:pPr lvl="1"/>
+            <a:r>
+              <a:rPr lang="de-CH" dirty="0" smtClean="0"/>
+              <a:t>Machbarkeit einschätzen</a:t>
+            </a:r>
+            <a:endParaRPr lang="de-CH" dirty="0"/>
+          </a:p>
+          <a:p>
+            <a:endParaRPr lang="de-CH" dirty="0" smtClean="0"/>
+          </a:p>
+          <a:p>
+            <a:r>
+              <a:rPr lang="de-CH" dirty="0" err="1" smtClean="0"/>
+              <a:t>Lessons</a:t>
+            </a:r>
+            <a:r>
+              <a:rPr lang="de-CH" dirty="0" smtClean="0"/>
+              <a:t> </a:t>
+            </a:r>
+            <a:r>
+              <a:rPr lang="de-CH" dirty="0" err="1" smtClean="0"/>
+              <a:t>learned</a:t>
+            </a:r>
+            <a:endParaRPr lang="de-CH" dirty="0" smtClean="0"/>
+          </a:p>
+          <a:p>
+            <a:pPr lvl="1"/>
+            <a:r>
+              <a:rPr lang="de-CH" dirty="0" smtClean="0"/>
+              <a:t>Umgang mit Ressourcen</a:t>
+            </a:r>
+          </a:p>
+          <a:p>
+            <a:pPr lvl="1"/>
+            <a:r>
+              <a:rPr lang="de-CH" dirty="0" smtClean="0"/>
+              <a:t>Teamarbeit</a:t>
+            </a:r>
+          </a:p>
+          <a:p>
+            <a:pPr lvl="1"/>
+            <a:r>
+              <a:rPr lang="de-CH" dirty="0" err="1" smtClean="0"/>
               <a:t>Scrum</a:t>
             </a:r>
             <a:r>
-              <a:rPr lang="de-DE" b="1" dirty="0" smtClean="0"/>
-              <a:t> Master</a:t>
-            </a:r>
+              <a:rPr lang="de-CH" dirty="0" smtClean="0"/>
+              <a:t>-Vorgehensweise</a:t>
+            </a:r>
+          </a:p>
+          <a:p>
+            <a:pPr lvl="1"/>
             <a:endParaRPr lang="de-CH" dirty="0"/>
           </a:p>
         </p:txBody>
       </p:sp>
       <p:sp>
         <p:nvSpPr>
-          <p:cNvPr id="6" name="Inhaltsplatzhalter 5"/>
-          <p:cNvSpPr>
-            <a:spLocks noGrp="1"/>
-          </p:cNvSpPr>
-          <p:nvPr>
-            <p:ph sz="half" idx="13"/>
-          </p:nvPr>
-        </p:nvSpPr>
-        <p:spPr>
-          <a:xfrm>
-            <a:off x="468000" y="1099750"/>
-            <a:ext cx="8100000" cy="5020249"/>
-          </a:xfrm>
-        </p:spPr>
+          <p:cNvPr id="5" name="Titel 4"/>
+          <p:cNvSpPr>
+            <a:spLocks noGrp="1"/>
+          </p:cNvSpPr>
+          <p:nvPr>
+            <p:ph type="ctrTitle"/>
+          </p:nvPr>
+        </p:nvSpPr>
+        <p:spPr/>
         <p:txBody>
           <a:bodyPr/>
           <a:lstStyle/>
           <a:p>
-            <a:r>
-              <a:rPr lang="de-CH" dirty="0" err="1" smtClean="0"/>
-              <a:t>Lessons</a:t>
-            </a:r>
+            <a:pPr algn="ctr"/>
             <a:r>
               <a:rPr lang="de-CH" dirty="0" smtClean="0"/>
-              <a:t> </a:t>
-            </a:r>
-            <a:r>
-              <a:rPr lang="de-CH" dirty="0" err="1" smtClean="0"/>
-              <a:t>learned</a:t>
-            </a:r>
-            <a:endParaRPr lang="de-CH" dirty="0" smtClean="0"/>
-          </a:p>
-          <a:p>
-            <a:pPr lvl="1"/>
-            <a:r>
+              <a:t>Prozess </a:t>
+            </a:r>
+            <a:br>
               <a:rPr lang="de-CH" dirty="0" smtClean="0"/>
-              <a:t>Unterschiedliche Fähigkeiten des Teams</a:t>
-            </a:r>
-          </a:p>
-          <a:p>
-            <a:pPr lvl="1"/>
-            <a:r>
-              <a:rPr lang="de-CH" dirty="0" smtClean="0"/>
-              <a:t>Zeitplanung</a:t>
-            </a:r>
-          </a:p>
-          <a:p>
-            <a:pPr lvl="1"/>
-            <a:r>
-              <a:rPr lang="de-CH" dirty="0" smtClean="0"/>
-              <a:t>Fehlende Erfahrung</a:t>
-            </a:r>
-          </a:p>
-          <a:p>
-            <a:pPr lvl="1"/>
-            <a:r>
-              <a:rPr lang="de-CH" dirty="0" smtClean="0"/>
-              <a:t>Prioritäten setzen</a:t>
-            </a:r>
-          </a:p>
-          <a:p>
-            <a:pPr lvl="1"/>
-            <a:r>
-              <a:rPr lang="de-CH" dirty="0" smtClean="0"/>
-              <a:t>Überblick behalten</a:t>
-            </a:r>
-          </a:p>
-          <a:p>
-            <a:pPr lvl="1"/>
-            <a:endParaRPr lang="de-CH" dirty="0" smtClean="0"/>
+            </a:br>
+            <a:r>
+              <a:rPr lang="de-CH" sz="2000" dirty="0" smtClean="0"/>
+              <a:t>Implementation</a:t>
+            </a:r>
+            <a:endParaRPr lang="de-CH" sz="2200" dirty="0"/>
           </a:p>
         </p:txBody>
       </p:sp>
     </p:spTree>
     <p:extLst>
       <p:ext uri="{BB962C8B-B14F-4D97-AF65-F5344CB8AC3E}">
-        <p14:creationId xmlns:p14="http://schemas.microsoft.com/office/powerpoint/2010/main" val="3305796004"/>
+        <p14:creationId xmlns:p14="http://schemas.microsoft.com/office/powerpoint/2010/main" val="2523521946"/>
       </p:ext>
     </p:extLst>
   </p:cSld>
@@ -8843,7 +8951,7 @@
             </a:r>
             <a:r>
               <a:rPr lang="de-DE" b="1" dirty="0" smtClean="0"/>
-              <a:t> Member</a:t>
+              <a:t> Master</a:t>
             </a:r>
             <a:endParaRPr lang="de-CH" dirty="0"/>
           </a:p>
@@ -8887,67 +8995,7 @@
             <a:pPr lvl="1"/>
             <a:r>
               <a:rPr lang="de-CH" dirty="0" smtClean="0"/>
-              <a:t>Daily </a:t>
-            </a:r>
-            <a:r>
-              <a:rPr lang="de-CH" dirty="0" err="1" smtClean="0"/>
-              <a:t>Scrum</a:t>
-            </a:r>
-            <a:r>
-              <a:rPr lang="de-CH" dirty="0" smtClean="0"/>
-              <a:t> wichtig für</a:t>
-            </a:r>
-          </a:p>
-          <a:p>
-            <a:pPr lvl="2"/>
-            <a:r>
-              <a:rPr lang="de-CH" dirty="0" smtClean="0"/>
-              <a:t>Arbeitsaufteilung</a:t>
-            </a:r>
-          </a:p>
-          <a:p>
-            <a:pPr lvl="2"/>
-            <a:r>
-              <a:rPr lang="de-CH" dirty="0" smtClean="0"/>
-              <a:t>Fortschritt</a:t>
-            </a:r>
-          </a:p>
-          <a:p>
-            <a:pPr lvl="2"/>
-            <a:r>
-              <a:rPr lang="de-CH" dirty="0" smtClean="0"/>
-              <a:t>Lösungssuche</a:t>
-            </a:r>
-          </a:p>
-          <a:p>
-            <a:pPr lvl="1"/>
-            <a:r>
-              <a:rPr lang="de-CH" dirty="0" smtClean="0"/>
-              <a:t>Dokumente </a:t>
-            </a:r>
-            <a:r>
-              <a:rPr lang="de-CH" dirty="0" err="1" smtClean="0"/>
-              <a:t>up</a:t>
-            </a:r>
-            <a:r>
-              <a:rPr lang="de-CH" dirty="0" smtClean="0"/>
-              <a:t> </a:t>
-            </a:r>
-            <a:r>
-              <a:rPr lang="de-CH" dirty="0" err="1" smtClean="0"/>
-              <a:t>to</a:t>
-            </a:r>
-            <a:r>
-              <a:rPr lang="de-CH" dirty="0" smtClean="0"/>
-              <a:t> </a:t>
-            </a:r>
-            <a:r>
-              <a:rPr lang="de-CH" dirty="0" err="1" smtClean="0"/>
-              <a:t>date</a:t>
-            </a:r>
-            <a:r>
-              <a:rPr lang="de-CH" dirty="0" smtClean="0"/>
-              <a:t> halten</a:t>
+              <a:t>Unterschiedliche Fähigkeiten des Teams</a:t>
             </a:r>
           </a:p>
           <a:p>
@@ -8959,14 +9007,35 @@
           </a:p>
           <a:p>
             <a:pPr lvl="1"/>
-            <a:endParaRPr lang="de-CH" dirty="0"/>
+            <a:r>
+              <a:rPr lang="de-CH" dirty="0" smtClean="0"/>
+              <a:t>Fehlende Erfahrung</a:t>
+            </a:r>
+          </a:p>
+          <a:p>
+            <a:pPr lvl="1"/>
+            <a:r>
+              <a:rPr lang="de-CH" dirty="0" smtClean="0"/>
+              <a:t>Prioritäten setzen</a:t>
+            </a:r>
+          </a:p>
+          <a:p>
+            <a:pPr lvl="1"/>
+            <a:r>
+              <a:rPr lang="de-CH" dirty="0" smtClean="0"/>
+              <a:t>Überblick behalten</a:t>
+            </a:r>
+          </a:p>
+          <a:p>
+            <a:pPr lvl="1"/>
+            <a:endParaRPr lang="de-CH" dirty="0" smtClean="0"/>
           </a:p>
         </p:txBody>
       </p:sp>
     </p:spTree>
     <p:extLst>
       <p:ext uri="{BB962C8B-B14F-4D97-AF65-F5344CB8AC3E}">
-        <p14:creationId xmlns:p14="http://schemas.microsoft.com/office/powerpoint/2010/main" val="611237871"/>
+        <p14:creationId xmlns:p14="http://schemas.microsoft.com/office/powerpoint/2010/main" val="3305796004"/>
       </p:ext>
     </p:extLst>
   </p:cSld>
@@ -9010,6 +9079,177 @@
           <a:p>
             <a:r>
               <a:rPr lang="de-DE" b="1" dirty="0" err="1" smtClean="0"/>
+              <a:t>Scrum</a:t>
+            </a:r>
+            <a:r>
+              <a:rPr lang="de-DE" b="1" dirty="0" smtClean="0"/>
+              <a:t> Member</a:t>
+            </a:r>
+            <a:endParaRPr lang="de-CH" dirty="0"/>
+          </a:p>
+        </p:txBody>
+      </p:sp>
+      <p:sp>
+        <p:nvSpPr>
+          <p:cNvPr id="6" name="Inhaltsplatzhalter 5"/>
+          <p:cNvSpPr>
+            <a:spLocks noGrp="1"/>
+          </p:cNvSpPr>
+          <p:nvPr>
+            <p:ph sz="half" idx="13"/>
+          </p:nvPr>
+        </p:nvSpPr>
+        <p:spPr>
+          <a:xfrm>
+            <a:off x="468000" y="1099750"/>
+            <a:ext cx="8100000" cy="5020249"/>
+          </a:xfrm>
+        </p:spPr>
+        <p:txBody>
+          <a:bodyPr/>
+          <a:lstStyle/>
+          <a:p>
+            <a:r>
+              <a:rPr lang="de-CH" dirty="0" err="1" smtClean="0"/>
+              <a:t>Lessons</a:t>
+            </a:r>
+            <a:r>
+              <a:rPr lang="de-CH" dirty="0" smtClean="0"/>
+              <a:t> </a:t>
+            </a:r>
+            <a:r>
+              <a:rPr lang="de-CH" dirty="0" err="1" smtClean="0"/>
+              <a:t>learned</a:t>
+            </a:r>
+            <a:endParaRPr lang="de-CH" dirty="0" smtClean="0"/>
+          </a:p>
+          <a:p>
+            <a:pPr lvl="1"/>
+            <a:r>
+              <a:rPr lang="de-CH" dirty="0" smtClean="0"/>
+              <a:t>Daily </a:t>
+            </a:r>
+            <a:r>
+              <a:rPr lang="de-CH" dirty="0" err="1" smtClean="0"/>
+              <a:t>Scrum</a:t>
+            </a:r>
+            <a:r>
+              <a:rPr lang="de-CH" dirty="0" smtClean="0"/>
+              <a:t> wichtig für</a:t>
+            </a:r>
+          </a:p>
+          <a:p>
+            <a:pPr lvl="2"/>
+            <a:r>
+              <a:rPr lang="de-CH" dirty="0" smtClean="0"/>
+              <a:t>Arbeitsaufteilung</a:t>
+            </a:r>
+          </a:p>
+          <a:p>
+            <a:pPr lvl="2"/>
+            <a:r>
+              <a:rPr lang="de-CH" dirty="0" smtClean="0"/>
+              <a:t>Fortschritt</a:t>
+            </a:r>
+          </a:p>
+          <a:p>
+            <a:pPr lvl="2"/>
+            <a:r>
+              <a:rPr lang="de-CH" dirty="0" smtClean="0"/>
+              <a:t>Lösungssuche</a:t>
+            </a:r>
+          </a:p>
+          <a:p>
+            <a:pPr lvl="1"/>
+            <a:r>
+              <a:rPr lang="de-CH" dirty="0" smtClean="0"/>
+              <a:t>Dokumente </a:t>
+            </a:r>
+            <a:r>
+              <a:rPr lang="de-CH" dirty="0" err="1" smtClean="0"/>
+              <a:t>up</a:t>
+            </a:r>
+            <a:r>
+              <a:rPr lang="de-CH" dirty="0" smtClean="0"/>
+              <a:t> </a:t>
+            </a:r>
+            <a:r>
+              <a:rPr lang="de-CH" dirty="0" err="1" smtClean="0"/>
+              <a:t>to</a:t>
+            </a:r>
+            <a:r>
+              <a:rPr lang="de-CH" dirty="0" smtClean="0"/>
+              <a:t> </a:t>
+            </a:r>
+            <a:r>
+              <a:rPr lang="de-CH" dirty="0" err="1" smtClean="0"/>
+              <a:t>date</a:t>
+            </a:r>
+            <a:r>
+              <a:rPr lang="de-CH" dirty="0" smtClean="0"/>
+              <a:t> halten</a:t>
+            </a:r>
+          </a:p>
+          <a:p>
+            <a:pPr lvl="1"/>
+            <a:r>
+              <a:rPr lang="de-CH" dirty="0" smtClean="0"/>
+              <a:t>Zeitplanung</a:t>
+            </a:r>
+          </a:p>
+          <a:p>
+            <a:pPr lvl="1"/>
+            <a:endParaRPr lang="de-CH" dirty="0"/>
+          </a:p>
+        </p:txBody>
+      </p:sp>
+    </p:spTree>
+    <p:extLst>
+      <p:ext uri="{BB962C8B-B14F-4D97-AF65-F5344CB8AC3E}">
+        <p14:creationId xmlns:p14="http://schemas.microsoft.com/office/powerpoint/2010/main" val="611237871"/>
+      </p:ext>
+    </p:extLst>
+  </p:cSld>
+  <p:clrMapOvr>
+    <a:masterClrMapping/>
+  </p:clrMapOvr>
+</p:sld>
+</file>
+
+<file path=ppt/slides/slide16.xml><?xml version="1.0" encoding="utf-8"?>
+<p:sld xmlns:a="http://schemas.openxmlformats.org/drawingml/2006/main" xmlns:r="http://schemas.openxmlformats.org/officeDocument/2006/relationships" xmlns:p="http://schemas.openxmlformats.org/presentationml/2006/main">
+  <p:cSld>
+    <p:spTree>
+      <p:nvGrpSpPr>
+        <p:cNvPr id="1" name=""/>
+        <p:cNvGrpSpPr/>
+        <p:nvPr/>
+      </p:nvGrpSpPr>
+      <p:grpSpPr>
+        <a:xfrm>
+          <a:off x="0" y="0"/>
+          <a:ext cx="0" cy="0"/>
+          <a:chOff x="0" y="0"/>
+          <a:chExt cx="0" cy="0"/>
+        </a:xfrm>
+      </p:grpSpPr>
+      <p:sp>
+        <p:nvSpPr>
+          <p:cNvPr id="3" name="Titel 2"/>
+          <p:cNvSpPr>
+            <a:spLocks noGrp="1"/>
+          </p:cNvSpPr>
+          <p:nvPr>
+            <p:ph type="ctrTitle"/>
+          </p:nvPr>
+        </p:nvSpPr>
+        <p:spPr/>
+        <p:txBody>
+          <a:bodyPr/>
+          <a:lstStyle/>
+          <a:p>
+            <a:r>
+              <a:rPr lang="de-DE" b="1" dirty="0" err="1" smtClean="0"/>
               <a:t>You</a:t>
             </a:r>
             <a:r>
@@ -9150,7 +9390,7 @@
 </p:sld>
 </file>
 
-<file path=ppt/slides/slide16.xml><?xml version="1.0" encoding="utf-8"?>
+<file path=ppt/slides/slide17.xml><?xml version="1.0" encoding="utf-8"?>
 <p:sld xmlns:a="http://schemas.openxmlformats.org/drawingml/2006/main" xmlns:r="http://schemas.openxmlformats.org/officeDocument/2006/relationships" xmlns:p="http://schemas.openxmlformats.org/presentationml/2006/main">
   <p:cSld>
     <p:spTree>
@@ -9766,6 +10006,39 @@
           <a:lstStyle/>
           <a:p>
             <a:r>
+              <a:rPr lang="de-CH" dirty="0"/>
+              <a:t>Medicament.java</a:t>
+            </a:r>
+          </a:p>
+          <a:p>
+            <a:r>
+              <a:rPr lang="de-CH" dirty="0"/>
+              <a:t>Person.java</a:t>
+            </a:r>
+          </a:p>
+          <a:p>
+            <a:pPr lvl="1"/>
+            <a:r>
+              <a:rPr lang="de-CH" dirty="0"/>
+              <a:t>Patient.java</a:t>
+            </a:r>
+          </a:p>
+          <a:p>
+            <a:pPr lvl="1"/>
+            <a:r>
+              <a:rPr lang="de-CH" dirty="0"/>
+              <a:t>FamilyMember.java</a:t>
+            </a:r>
+          </a:p>
+          <a:p>
+            <a:pPr lvl="1"/>
+            <a:r>
+              <a:rPr lang="de-CH" dirty="0"/>
+              <a:t>Doctor.java</a:t>
+            </a:r>
+          </a:p>
+          <a:p>
+            <a:r>
               <a:rPr lang="de-CH" dirty="0" smtClean="0"/>
               <a:t>Remove </a:t>
             </a:r>
@@ -9794,40 +10067,11 @@
           <a:p>
             <a:r>
               <a:rPr lang="de-CH" dirty="0" smtClean="0"/>
-              <a:t>Medicament.java</a:t>
-            </a:r>
-          </a:p>
-          <a:p>
+              <a:t>Random </a:t>
+            </a:r>
             <a:r>
               <a:rPr lang="de-CH" dirty="0" smtClean="0"/>
-              <a:t>Person.java</a:t>
-            </a:r>
-          </a:p>
-          <a:p>
-            <a:pPr lvl="1"/>
-            <a:r>
-              <a:rPr lang="de-CH" dirty="0" smtClean="0"/>
-              <a:t>Patient.java</a:t>
-            </a:r>
-          </a:p>
-          <a:p>
-            <a:pPr lvl="1"/>
-            <a:r>
-              <a:rPr lang="de-CH" dirty="0" smtClean="0"/>
-              <a:t>FamilyMember.java</a:t>
-            </a:r>
-          </a:p>
-          <a:p>
-            <a:pPr lvl="1"/>
-            <a:r>
-              <a:rPr lang="de-CH" dirty="0" smtClean="0"/>
-              <a:t>Doctor.java</a:t>
-            </a:r>
-          </a:p>
-          <a:p>
-            <a:r>
-              <a:rPr lang="de-CH" dirty="0" smtClean="0"/>
-              <a:t>Random GIF-Button</a:t>
+              <a:t>GIF-Button</a:t>
             </a:r>
             <a:endParaRPr lang="de-CH" dirty="0"/>
           </a:p>
@@ -9863,6 +10107,35 @@
           <a:chExt cx="0" cy="0"/>
         </a:xfrm>
       </p:grpSpPr>
+      <p:pic>
+        <p:nvPicPr>
+          <p:cNvPr id="52" name="Grafik 51"/>
+          <p:cNvPicPr>
+            <a:picLocks noChangeAspect="1"/>
+          </p:cNvPicPr>
+          <p:nvPr/>
+        </p:nvPicPr>
+        <p:blipFill>
+          <a:blip r:embed="rId2"/>
+          <a:stretch>
+            <a:fillRect/>
+          </a:stretch>
+        </p:blipFill>
+        <p:spPr>
+          <a:xfrm>
+            <a:off x="253688" y="3186572"/>
+            <a:ext cx="5314950" cy="1971675"/>
+          </a:xfrm>
+          <a:prstGeom prst="rect">
+            <a:avLst/>
+          </a:prstGeom>
+          <a:ln>
+            <a:solidFill>
+              <a:schemeClr val="tx2"/>
+            </a:solidFill>
+          </a:ln>
+        </p:spPr>
+      </p:pic>
       <p:sp>
         <p:nvSpPr>
           <p:cNvPr id="3" name="Titel 2"/>
@@ -9908,35 +10181,343 @@
           <a:p>
             <a:r>
               <a:rPr lang="de-CH" dirty="0" smtClean="0"/>
-              <a:t>Philipp</a:t>
-            </a:r>
+              <a:t>Kaspar - </a:t>
+            </a:r>
+            <a:r>
+              <a:rPr lang="de-CH" dirty="0"/>
+              <a:t>Random GIF-Button</a:t>
+            </a:r>
+          </a:p>
+          <a:p>
             <a:endParaRPr lang="de-CH" dirty="0"/>
           </a:p>
         </p:txBody>
       </p:sp>
-      <p:sp>
-        <p:nvSpPr>
-          <p:cNvPr id="6" name="Inhaltsplatzhalter 5"/>
-          <p:cNvSpPr>
-            <a:spLocks noGrp="1"/>
-          </p:cNvSpPr>
-          <p:nvPr>
-            <p:ph sz="half" idx="13"/>
-          </p:nvPr>
-        </p:nvSpPr>
-        <p:spPr/>
-        <p:txBody>
-          <a:bodyPr/>
-          <a:lstStyle/>
-          <a:p>
-            <a:endParaRPr lang="de-CH"/>
-          </a:p>
-        </p:txBody>
-      </p:sp>
+      <p:pic>
+        <p:nvPicPr>
+          <p:cNvPr id="4" name="Grafik 3"/>
+          <p:cNvPicPr>
+            <a:picLocks noChangeAspect="1"/>
+          </p:cNvPicPr>
+          <p:nvPr/>
+        </p:nvPicPr>
+        <p:blipFill rotWithShape="1">
+          <a:blip r:embed="rId3"/>
+          <a:srcRect t="36387"/>
+          <a:stretch/>
+        </p:blipFill>
+        <p:spPr>
+          <a:xfrm>
+            <a:off x="2964562" y="1693503"/>
+            <a:ext cx="4154805" cy="839797"/>
+          </a:xfrm>
+          <a:prstGeom prst="rect">
+            <a:avLst/>
+          </a:prstGeom>
+          <a:ln>
+            <a:solidFill>
+              <a:schemeClr val="tx2"/>
+            </a:solidFill>
+          </a:ln>
+        </p:spPr>
+      </p:pic>
+      <p:pic>
+        <p:nvPicPr>
+          <p:cNvPr id="7" name="Grafik 6"/>
+          <p:cNvPicPr>
+            <a:picLocks noChangeAspect="1"/>
+          </p:cNvPicPr>
+          <p:nvPr/>
+        </p:nvPicPr>
+        <p:blipFill>
+          <a:blip r:embed="rId4"/>
+          <a:stretch>
+            <a:fillRect/>
+          </a:stretch>
+        </p:blipFill>
+        <p:spPr>
+          <a:xfrm>
+            <a:off x="253688" y="1869569"/>
+            <a:ext cx="2457450" cy="634365"/>
+          </a:xfrm>
+          <a:prstGeom prst="rect">
+            <a:avLst/>
+          </a:prstGeom>
+          <a:ln>
+            <a:solidFill>
+              <a:schemeClr val="tx2"/>
+            </a:solidFill>
+          </a:ln>
+        </p:spPr>
+      </p:pic>
+      <p:cxnSp>
+        <p:nvCxnSpPr>
+          <p:cNvPr id="11" name="Gerade Verbindung mit Pfeil 10"/>
+          <p:cNvCxnSpPr/>
+          <p:nvPr/>
+        </p:nvCxnSpPr>
+        <p:spPr>
+          <a:xfrm>
+            <a:off x="1558212" y="2411764"/>
+            <a:ext cx="214605" cy="658007"/>
+          </a:xfrm>
+          <a:prstGeom prst="straightConnector1">
+            <a:avLst/>
+          </a:prstGeom>
+          <a:ln>
+            <a:tailEnd type="stealth" w="lg" len="lg"/>
+          </a:ln>
+        </p:spPr>
+        <p:style>
+          <a:lnRef idx="2">
+            <a:schemeClr val="accent1"/>
+          </a:lnRef>
+          <a:fillRef idx="0">
+            <a:schemeClr val="accent1"/>
+          </a:fillRef>
+          <a:effectRef idx="1">
+            <a:schemeClr val="accent1"/>
+          </a:effectRef>
+          <a:fontRef idx="minor">
+            <a:schemeClr val="tx1"/>
+          </a:fontRef>
+        </p:style>
+      </p:cxnSp>
+      <p:cxnSp>
+        <p:nvCxnSpPr>
+          <p:cNvPr id="13" name="Gerade Verbindung mit Pfeil 12"/>
+          <p:cNvCxnSpPr/>
+          <p:nvPr/>
+        </p:nvCxnSpPr>
+        <p:spPr>
+          <a:xfrm flipH="1">
+            <a:off x="1935987" y="2319594"/>
+            <a:ext cx="2077094" cy="750177"/>
+          </a:xfrm>
+          <a:prstGeom prst="straightConnector1">
+            <a:avLst/>
+          </a:prstGeom>
+          <a:ln>
+            <a:tailEnd type="stealth" w="lg" len="lg"/>
+          </a:ln>
+        </p:spPr>
+        <p:style>
+          <a:lnRef idx="2">
+            <a:schemeClr val="accent1"/>
+          </a:lnRef>
+          <a:fillRef idx="0">
+            <a:schemeClr val="accent1"/>
+          </a:fillRef>
+          <a:effectRef idx="1">
+            <a:schemeClr val="accent1"/>
+          </a:effectRef>
+          <a:fontRef idx="minor">
+            <a:schemeClr val="tx1"/>
+          </a:fontRef>
+        </p:style>
+      </p:cxnSp>
+      <p:cxnSp>
+        <p:nvCxnSpPr>
+          <p:cNvPr id="15" name="Gerade Verbindung mit Pfeil 14"/>
+          <p:cNvCxnSpPr>
+            <a:endCxn id="9" idx="1"/>
+          </p:cNvCxnSpPr>
+          <p:nvPr/>
+        </p:nvCxnSpPr>
+        <p:spPr>
+          <a:xfrm flipV="1">
+            <a:off x="1665514" y="4359068"/>
+            <a:ext cx="4421926" cy="483520"/>
+          </a:xfrm>
+          <a:prstGeom prst="straightConnector1">
+            <a:avLst/>
+          </a:prstGeom>
+          <a:ln>
+            <a:tailEnd type="triangle"/>
+          </a:ln>
+        </p:spPr>
+        <p:style>
+          <a:lnRef idx="2">
+            <a:schemeClr val="accent1"/>
+          </a:lnRef>
+          <a:fillRef idx="0">
+            <a:schemeClr val="accent1"/>
+          </a:fillRef>
+          <a:effectRef idx="1">
+            <a:schemeClr val="accent1"/>
+          </a:effectRef>
+          <a:fontRef idx="minor">
+            <a:schemeClr val="tx1"/>
+          </a:fontRef>
+        </p:style>
+      </p:cxnSp>
+      <p:grpSp>
+        <p:nvGrpSpPr>
+          <p:cNvPr id="45" name="Gruppieren 44"/>
+          <p:cNvGrpSpPr/>
+          <p:nvPr/>
+        </p:nvGrpSpPr>
+        <p:grpSpPr>
+          <a:xfrm>
+            <a:off x="5100710" y="3650408"/>
+            <a:ext cx="3864080" cy="2476008"/>
+            <a:chOff x="5161992" y="3536600"/>
+            <a:chExt cx="3864080" cy="2476008"/>
+          </a:xfrm>
+        </p:grpSpPr>
+        <p:pic>
+          <p:nvPicPr>
+            <p:cNvPr id="9" name="Grafik 8"/>
+            <p:cNvPicPr>
+              <a:picLocks noChangeAspect="1"/>
+            </p:cNvPicPr>
+            <p:nvPr/>
+          </p:nvPicPr>
+          <p:blipFill>
+            <a:blip r:embed="rId5"/>
+            <a:stretch>
+              <a:fillRect/>
+            </a:stretch>
+          </p:blipFill>
+          <p:spPr>
+            <a:xfrm>
+              <a:off x="6148722" y="3536600"/>
+              <a:ext cx="2457450" cy="1417320"/>
+            </a:xfrm>
+            <a:prstGeom prst="rect">
+              <a:avLst/>
+            </a:prstGeom>
+            <a:ln>
+              <a:solidFill>
+                <a:schemeClr val="tx2"/>
+              </a:solidFill>
+            </a:ln>
+          </p:spPr>
+        </p:pic>
+        <p:pic>
+          <p:nvPicPr>
+            <p:cNvPr id="37" name="Grafik 36"/>
+            <p:cNvPicPr>
+              <a:picLocks noChangeAspect="1"/>
+            </p:cNvPicPr>
+            <p:nvPr/>
+          </p:nvPicPr>
+          <p:blipFill rotWithShape="1">
+            <a:blip r:embed="rId6"/>
+            <a:srcRect r="42603" b="7027"/>
+            <a:stretch/>
+          </p:blipFill>
+          <p:spPr>
+            <a:xfrm>
+              <a:off x="5161992" y="5417507"/>
+              <a:ext cx="3864080" cy="595101"/>
+            </a:xfrm>
+            <a:prstGeom prst="rect">
+              <a:avLst/>
+            </a:prstGeom>
+            <a:ln>
+              <a:solidFill>
+                <a:schemeClr val="tx2"/>
+              </a:solidFill>
+              <a:prstDash val="dash"/>
+            </a:ln>
+          </p:spPr>
+        </p:pic>
+        <p:cxnSp>
+          <p:nvCxnSpPr>
+            <p:cNvPr id="41" name="Gerader Verbinder 40"/>
+            <p:cNvCxnSpPr/>
+            <p:nvPr/>
+          </p:nvCxnSpPr>
+          <p:spPr>
+            <a:xfrm flipH="1">
+              <a:off x="5161992" y="4953920"/>
+              <a:ext cx="986730" cy="463587"/>
+            </a:xfrm>
+            <a:prstGeom prst="line">
+              <a:avLst/>
+            </a:prstGeom>
+            <a:ln w="9525">
+              <a:prstDash val="dash"/>
+            </a:ln>
+          </p:spPr>
+          <p:style>
+            <a:lnRef idx="2">
+              <a:schemeClr val="accent1"/>
+            </a:lnRef>
+            <a:fillRef idx="0">
+              <a:schemeClr val="accent1"/>
+            </a:fillRef>
+            <a:effectRef idx="1">
+              <a:schemeClr val="accent1"/>
+            </a:effectRef>
+            <a:fontRef idx="minor">
+              <a:schemeClr val="tx1"/>
+            </a:fontRef>
+          </p:style>
+        </p:cxnSp>
+        <p:cxnSp>
+          <p:nvCxnSpPr>
+            <p:cNvPr id="42" name="Gerader Verbinder 41"/>
+            <p:cNvCxnSpPr/>
+            <p:nvPr/>
+          </p:nvCxnSpPr>
+          <p:spPr>
+            <a:xfrm>
+              <a:off x="8606172" y="4953920"/>
+              <a:ext cx="419900" cy="463587"/>
+            </a:xfrm>
+            <a:prstGeom prst="line">
+              <a:avLst/>
+            </a:prstGeom>
+            <a:ln w="9525">
+              <a:prstDash val="dash"/>
+            </a:ln>
+          </p:spPr>
+          <p:style>
+            <a:lnRef idx="2">
+              <a:schemeClr val="accent1"/>
+            </a:lnRef>
+            <a:fillRef idx="0">
+              <a:schemeClr val="accent1"/>
+            </a:fillRef>
+            <a:effectRef idx="1">
+              <a:schemeClr val="accent1"/>
+            </a:effectRef>
+            <a:fontRef idx="minor">
+              <a:schemeClr val="tx1"/>
+            </a:fontRef>
+          </p:style>
+        </p:cxnSp>
+      </p:grpSp>
+      <p:pic>
+        <p:nvPicPr>
+          <p:cNvPr id="46" name="Grafik 45"/>
+          <p:cNvPicPr>
+            <a:picLocks noChangeAspect="1"/>
+          </p:cNvPicPr>
+          <p:nvPr/>
+        </p:nvPicPr>
+        <p:blipFill>
+          <a:blip r:embed="rId7"/>
+          <a:stretch>
+            <a:fillRect/>
+          </a:stretch>
+        </p:blipFill>
+        <p:spPr>
+          <a:xfrm>
+            <a:off x="6971994" y="2116520"/>
+            <a:ext cx="607948" cy="607948"/>
+          </a:xfrm>
+          <a:prstGeom prst="rect">
+            <a:avLst/>
+          </a:prstGeom>
+        </p:spPr>
+      </p:pic>
     </p:spTree>
     <p:extLst>
       <p:ext uri="{BB962C8B-B14F-4D97-AF65-F5344CB8AC3E}">
-        <p14:creationId xmlns:p14="http://schemas.microsoft.com/office/powerpoint/2010/main" val="2291730977"/>
+        <p14:creationId xmlns:p14="http://schemas.microsoft.com/office/powerpoint/2010/main" val="2217004639"/>
       </p:ext>
     </p:extLst>
   </p:cSld>
@@ -10008,7 +10589,7 @@
           <a:p>
             <a:r>
               <a:rPr lang="de-CH" dirty="0" smtClean="0"/>
-              <a:t>Maurice</a:t>
+              <a:t>Philipp</a:t>
             </a:r>
             <a:endParaRPr lang="de-CH" dirty="0"/>
           </a:p>
@@ -10036,7 +10617,7 @@
     </p:spTree>
     <p:extLst>
       <p:ext uri="{BB962C8B-B14F-4D97-AF65-F5344CB8AC3E}">
-        <p14:creationId xmlns:p14="http://schemas.microsoft.com/office/powerpoint/2010/main" val="1522822994"/>
+        <p14:creationId xmlns:p14="http://schemas.microsoft.com/office/powerpoint/2010/main" val="2291730977"/>
       </p:ext>
     </p:extLst>
   </p:cSld>
@@ -10108,7 +10689,7 @@
           <a:p>
             <a:r>
               <a:rPr lang="de-CH" dirty="0" smtClean="0"/>
-              <a:t>Mauro</a:t>
+              <a:t>Maurice</a:t>
             </a:r>
             <a:endParaRPr lang="de-CH" dirty="0"/>
           </a:p>
@@ -10136,7 +10717,7 @@
     </p:spTree>
     <p:extLst>
       <p:ext uri="{BB962C8B-B14F-4D97-AF65-F5344CB8AC3E}">
-        <p14:creationId xmlns:p14="http://schemas.microsoft.com/office/powerpoint/2010/main" val="371708231"/>
+        <p14:creationId xmlns:p14="http://schemas.microsoft.com/office/powerpoint/2010/main" val="1522822994"/>
       </p:ext>
     </p:extLst>
   </p:cSld>
@@ -10165,12 +10746,12 @@
       </p:grpSpPr>
       <p:sp>
         <p:nvSpPr>
-          <p:cNvPr id="6" name="Inhaltsplatzhalter 5"/>
-          <p:cNvSpPr>
-            <a:spLocks noGrp="1"/>
-          </p:cNvSpPr>
-          <p:nvPr>
-            <p:ph sz="half" idx="1"/>
+          <p:cNvPr id="3" name="Titel 2"/>
+          <p:cNvSpPr>
+            <a:spLocks noGrp="1"/>
+          </p:cNvSpPr>
+          <p:nvPr>
+            <p:ph type="ctrTitle"/>
           </p:nvPr>
         </p:nvSpPr>
         <p:spPr/>
@@ -10179,107 +10760,64 @@
           <a:lstStyle/>
           <a:p>
             <a:r>
-              <a:rPr lang="de-CH" dirty="0" smtClean="0"/>
-              <a:t>Schwierigkeiten</a:t>
-            </a:r>
-          </a:p>
-          <a:p>
-            <a:pPr lvl="1"/>
-            <a:r>
-              <a:rPr lang="de-CH" dirty="0" smtClean="0"/>
-              <a:t>Viele Unklarheiten Theorie-Praxis</a:t>
-            </a:r>
-          </a:p>
-          <a:p>
-            <a:pPr lvl="1"/>
-            <a:r>
-              <a:rPr lang="de-CH" dirty="0" smtClean="0"/>
-              <a:t>Fehlende Erfahrung</a:t>
-            </a:r>
-          </a:p>
-          <a:p>
-            <a:pPr lvl="1"/>
-            <a:r>
-              <a:rPr lang="de-CH" dirty="0" smtClean="0"/>
-              <a:t>Keine Vorstellung für Umsetzungsmöglichkeiten</a:t>
-            </a:r>
-          </a:p>
-          <a:p>
+              <a:rPr lang="de-DE" b="1" dirty="0" smtClean="0"/>
+              <a:t>Persönliche Beiträge</a:t>
+            </a:r>
             <a:endParaRPr lang="de-CH" dirty="0"/>
           </a:p>
-          <a:p>
-            <a:r>
-              <a:rPr lang="de-CH" dirty="0" err="1" smtClean="0"/>
-              <a:t>Lessons</a:t>
-            </a:r>
-            <a:r>
-              <a:rPr lang="de-CH" dirty="0" smtClean="0"/>
-              <a:t> </a:t>
-            </a:r>
-            <a:r>
-              <a:rPr lang="de-CH" dirty="0" err="1" smtClean="0"/>
-              <a:t>learned</a:t>
-            </a:r>
-            <a:endParaRPr lang="de-CH" dirty="0" smtClean="0"/>
-          </a:p>
-          <a:p>
-            <a:pPr lvl="1"/>
-            <a:r>
-              <a:rPr lang="de-CH" dirty="0" smtClean="0"/>
-              <a:t>Konsumentensicht</a:t>
-            </a:r>
-          </a:p>
-          <a:p>
-            <a:pPr lvl="1"/>
-            <a:r>
-              <a:rPr lang="de-CH" dirty="0" smtClean="0"/>
-              <a:t>Viele Ideen entwickeln</a:t>
-            </a:r>
-          </a:p>
-          <a:p>
-            <a:pPr lvl="1"/>
-            <a:r>
-              <a:rPr lang="de-CH" dirty="0" smtClean="0"/>
-              <a:t>Noch nicht an Umsetzung denken</a:t>
-            </a:r>
-          </a:p>
-        </p:txBody>
-      </p:sp>
-      <p:sp>
-        <p:nvSpPr>
-          <p:cNvPr id="5" name="Titel 4"/>
-          <p:cNvSpPr>
-            <a:spLocks noGrp="1"/>
-          </p:cNvSpPr>
-          <p:nvPr>
-            <p:ph type="ctrTitle"/>
-          </p:nvPr>
-        </p:nvSpPr>
-        <p:spPr/>
+        </p:txBody>
+      </p:sp>
+      <p:sp>
+        <p:nvSpPr>
+          <p:cNvPr id="5" name="Textplatzhalter 4"/>
+          <p:cNvSpPr>
+            <a:spLocks noGrp="1"/>
+          </p:cNvSpPr>
+          <p:nvPr>
+            <p:ph type="body" idx="1"/>
+          </p:nvPr>
+        </p:nvSpPr>
+        <p:spPr>
+          <a:xfrm>
+            <a:off x="468000" y="990000"/>
+            <a:ext cx="8100000" cy="540000"/>
+          </a:xfrm>
+        </p:spPr>
         <p:txBody>
           <a:bodyPr/>
           <a:lstStyle/>
           <a:p>
-            <a:pPr algn="ctr"/>
             <a:r>
               <a:rPr lang="de-CH" dirty="0" smtClean="0"/>
-              <a:t>Prozess </a:t>
-            </a:r>
-            <a:br>
-              <a:rPr lang="de-CH" dirty="0" smtClean="0"/>
-            </a:br>
-            <a:r>
-              <a:rPr lang="de-CH" sz="2000" dirty="0" smtClean="0"/>
-              <a:t>Storyboard</a:t>
-            </a:r>
-            <a:endParaRPr lang="de-CH" sz="2200" dirty="0"/>
+              <a:t>Mauro</a:t>
+            </a:r>
+            <a:endParaRPr lang="de-CH" dirty="0"/>
+          </a:p>
+        </p:txBody>
+      </p:sp>
+      <p:sp>
+        <p:nvSpPr>
+          <p:cNvPr id="6" name="Inhaltsplatzhalter 5"/>
+          <p:cNvSpPr>
+            <a:spLocks noGrp="1"/>
+          </p:cNvSpPr>
+          <p:nvPr>
+            <p:ph sz="half" idx="13"/>
+          </p:nvPr>
+        </p:nvSpPr>
+        <p:spPr/>
+        <p:txBody>
+          <a:bodyPr/>
+          <a:lstStyle/>
+          <a:p>
+            <a:endParaRPr lang="de-CH"/>
           </a:p>
         </p:txBody>
       </p:sp>
     </p:spTree>
     <p:extLst>
       <p:ext uri="{BB962C8B-B14F-4D97-AF65-F5344CB8AC3E}">
-        <p14:creationId xmlns:p14="http://schemas.microsoft.com/office/powerpoint/2010/main" val="352211297"/>
+        <p14:creationId xmlns:p14="http://schemas.microsoft.com/office/powerpoint/2010/main" val="371708231"/>
       </p:ext>
     </p:extLst>
   </p:cSld>
@@ -11120,6 +11658,23 @@
 </file>
 
 <file path=customXml/item1.xml><?xml version="1.0" encoding="utf-8"?>
+<p:properties xmlns:p="http://schemas.microsoft.com/office/2006/metadata/properties" xmlns:xsi="http://www.w3.org/2001/XMLSchema-instance">
+  <documentManagement>
+    <AVMTitle xmlns="5091c847-84be-4f4f-b16c-c018ad2ca66b">Präsentation BFH_2013</AVMTitle>
+  </documentManagement>
+</p:properties>
+</file>
+
+<file path=customXml/item2.xml><?xml version="1.0" encoding="utf-8"?>
+<?mso-contentType ?>
+<FormTemplates xmlns="http://schemas.microsoft.com/sharepoint/v3/contenttype/forms">
+  <Display>DocumentLibraryForm</Display>
+  <Edit>DocumentLibraryForm</Edit>
+  <New>DocumentLibraryForm</New>
+</FormTemplates>
+</file>
+
+<file path=customXml/item3.xml><?xml version="1.0" encoding="utf-8"?>
 <ct:contentTypeSchema xmlns:ct="http://schemas.microsoft.com/office/2006/metadata/contentType" xmlns:ma="http://schemas.microsoft.com/office/2006/metadata/properties/metaAttributes" ct:_="" ma:_="" ma:contentTypeName="Dokument" ma:contentTypeID="0x010100EBE3A9EFF36793468C03E2811ACE2A2B" ma:contentTypeVersion="1" ma:contentTypeDescription="Ein neues Dokument erstellen." ma:contentTypeScope="" ma:versionID="e65be32cb1bfff77fc8c9c09bf542651">
   <xsd:schema xmlns:xsd="http://www.w3.org/2001/XMLSchema" xmlns:p="http://schemas.microsoft.com/office/2006/metadata/properties" xmlns:ns2="5091c847-84be-4f4f-b16c-c018ad2ca66b" targetNamespace="http://schemas.microsoft.com/office/2006/metadata/properties" ma:root="true" ma:fieldsID="7636c84aed5b7d09a166fcef888725d4" ns2:_="">
     <xsd:import namespace="5091c847-84be-4f4f-b16c-c018ad2ca66b"/>
@@ -11179,24 +11734,30 @@
 </ct:contentTypeSchema>
 </file>
 
-<file path=customXml/item2.xml><?xml version="1.0" encoding="utf-8"?>
-<?mso-contentType ?>
-<FormTemplates xmlns="http://schemas.microsoft.com/sharepoint/v3/contenttype/forms">
-  <Display>DocumentLibraryForm</Display>
-  <Edit>DocumentLibraryForm</Edit>
-  <New>DocumentLibraryForm</New>
-</FormTemplates>
+<file path=customXml/itemProps1.xml><?xml version="1.0" encoding="utf-8"?>
+<ds:datastoreItem xmlns:ds="http://schemas.openxmlformats.org/officeDocument/2006/customXml" ds:itemID="{32991507-CB83-4F49-BAFB-D322B1D04098}">
+  <ds:schemaRefs>
+    <ds:schemaRef ds:uri="http://purl.org/dc/terms/"/>
+    <ds:schemaRef ds:uri="http://purl.org/dc/elements/1.1/"/>
+    <ds:schemaRef ds:uri="http://www.w3.org/XML/1998/namespace"/>
+    <ds:schemaRef ds:uri="http://schemas.microsoft.com/office/2006/documentManagement/types"/>
+    <ds:schemaRef ds:uri="http://schemas.openxmlformats.org/package/2006/metadata/core-properties"/>
+    <ds:schemaRef ds:uri="5091c847-84be-4f4f-b16c-c018ad2ca66b"/>
+    <ds:schemaRef ds:uri="http://schemas.microsoft.com/office/2006/metadata/properties"/>
+    <ds:schemaRef ds:uri="http://purl.org/dc/dcmitype/"/>
+  </ds:schemaRefs>
+</ds:datastoreItem>
 </file>
 
-<file path=customXml/item3.xml><?xml version="1.0" encoding="utf-8"?>
-<p:properties xmlns:p="http://schemas.microsoft.com/office/2006/metadata/properties" xmlns:xsi="http://www.w3.org/2001/XMLSchema-instance">
-  <documentManagement>
-    <AVMTitle xmlns="5091c847-84be-4f4f-b16c-c018ad2ca66b">Präsentation BFH_2013</AVMTitle>
-  </documentManagement>
-</p:properties>
+<file path=customXml/itemProps2.xml><?xml version="1.0" encoding="utf-8"?>
+<ds:datastoreItem xmlns:ds="http://schemas.openxmlformats.org/officeDocument/2006/customXml" ds:itemID="{1851D33F-E468-417B-A30C-509B68D2BD09}">
+  <ds:schemaRefs>
+    <ds:schemaRef ds:uri="http://schemas.microsoft.com/sharepoint/v3/contenttype/forms"/>
+  </ds:schemaRefs>
+</ds:datastoreItem>
 </file>
 
-<file path=customXml/itemProps1.xml><?xml version="1.0" encoding="utf-8"?>
+<file path=customXml/itemProps3.xml><?xml version="1.0" encoding="utf-8"?>
 <ds:datastoreItem xmlns:ds="http://schemas.openxmlformats.org/officeDocument/2006/customXml" ds:itemID="{15287BEA-F3FF-4B87-929B-5D0092183197}">
   <ds:schemaRefs>
     <ds:schemaRef ds:uri="http://schemas.microsoft.com/office/2006/metadata/contentType"/>
@@ -11211,27 +11772,4 @@
     <ds:schemaRef ds:uri="http://schemas.microsoft.com/office/internal/2005/internalDocumentation"/>
   </ds:schemaRefs>
 </ds:datastoreItem>
-</file>
-
-<file path=customXml/itemProps2.xml><?xml version="1.0" encoding="utf-8"?>
-<ds:datastoreItem xmlns:ds="http://schemas.openxmlformats.org/officeDocument/2006/customXml" ds:itemID="{1851D33F-E468-417B-A30C-509B68D2BD09}">
-  <ds:schemaRefs>
-    <ds:schemaRef ds:uri="http://schemas.microsoft.com/sharepoint/v3/contenttype/forms"/>
-  </ds:schemaRefs>
-</ds:datastoreItem>
-</file>
-
-<file path=customXml/itemProps3.xml><?xml version="1.0" encoding="utf-8"?>
-<ds:datastoreItem xmlns:ds="http://schemas.openxmlformats.org/officeDocument/2006/customXml" ds:itemID="{32991507-CB83-4F49-BAFB-D322B1D04098}">
-  <ds:schemaRefs>
-    <ds:schemaRef ds:uri="http://purl.org/dc/terms/"/>
-    <ds:schemaRef ds:uri="http://purl.org/dc/elements/1.1/"/>
-    <ds:schemaRef ds:uri="http://www.w3.org/XML/1998/namespace"/>
-    <ds:schemaRef ds:uri="http://schemas.microsoft.com/office/2006/documentManagement/types"/>
-    <ds:schemaRef ds:uri="http://schemas.openxmlformats.org/package/2006/metadata/core-properties"/>
-    <ds:schemaRef ds:uri="5091c847-84be-4f4f-b16c-c018ad2ca66b"/>
-    <ds:schemaRef ds:uri="http://schemas.microsoft.com/office/2006/metadata/properties"/>
-    <ds:schemaRef ds:uri="http://purl.org/dc/dcmitype/"/>
-  </ds:schemaRefs>
-</ds:datastoreItem>
 </file>
--- a/doc/Task14/task14_presentation Schlurp.pptx
+++ b/doc/Task14/task14_presentation Schlurp.pptx
@@ -5,10 +5,10 @@
     <p:sldMasterId id="2147483669" r:id="rId4"/>
   </p:sldMasterIdLst>
   <p:notesMasterIdLst>
-    <p:notesMasterId r:id="rId22"/>
+    <p:notesMasterId r:id="rId23"/>
   </p:notesMasterIdLst>
   <p:handoutMasterIdLst>
-    <p:handoutMasterId r:id="rId23"/>
+    <p:handoutMasterId r:id="rId24"/>
   </p:handoutMasterIdLst>
   <p:sldIdLst>
     <p:sldId id="259" r:id="rId5"/>
@@ -19,15 +19,16 @@
     <p:sldId id="317" r:id="rId10"/>
     <p:sldId id="307" r:id="rId11"/>
     <p:sldId id="305" r:id="rId12"/>
-    <p:sldId id="306" r:id="rId13"/>
-    <p:sldId id="310" r:id="rId14"/>
-    <p:sldId id="311" r:id="rId15"/>
-    <p:sldId id="312" r:id="rId16"/>
-    <p:sldId id="313" r:id="rId17"/>
-    <p:sldId id="314" r:id="rId18"/>
-    <p:sldId id="315" r:id="rId19"/>
-    <p:sldId id="316" r:id="rId20"/>
-    <p:sldId id="299" r:id="rId21"/>
+    <p:sldId id="318" r:id="rId13"/>
+    <p:sldId id="306" r:id="rId14"/>
+    <p:sldId id="310" r:id="rId15"/>
+    <p:sldId id="311" r:id="rId16"/>
+    <p:sldId id="312" r:id="rId17"/>
+    <p:sldId id="313" r:id="rId18"/>
+    <p:sldId id="314" r:id="rId19"/>
+    <p:sldId id="315" r:id="rId20"/>
+    <p:sldId id="316" r:id="rId21"/>
+    <p:sldId id="299" r:id="rId22"/>
   </p:sldIdLst>
   <p:sldSz cx="9144000" cy="6858000" type="screen4x3"/>
   <p:notesSz cx="6669088" cy="9926638"/>
@@ -158,7 +159,7 @@
   </p:defaultTextStyle>
   <p:extLst>
     <p:ext uri="{EFAFB233-063F-42B5-8137-9DF3F51BA10A}">
-      <p15:sldGuideLst xmlns:p15="http://schemas.microsoft.com/office/powerpoint/2012/main">
+      <p15:sldGuideLst xmlns:p15="http://schemas.microsoft.com/office/powerpoint/2012/main" xmlns="">
         <p15:guide id="1" orient="horz" pos="2160">
           <p15:clr>
             <a:srgbClr val="A4A3A4"/>
@@ -172,7 +173,7 @@
       </p15:sldGuideLst>
     </p:ext>
     <p:ext uri="{2D200454-40CA-4A62-9FC3-DE9A4176ACB9}">
-      <p15:notesGuideLst xmlns:p15="http://schemas.microsoft.com/office/powerpoint/2012/main">
+      <p15:notesGuideLst xmlns:p15="http://schemas.microsoft.com/office/powerpoint/2012/main" xmlns="">
         <p15:guide id="1" orient="horz" pos="3127">
           <p15:clr>
             <a:srgbClr val="A4A3A4"/>
@@ -271,7 +272,7 @@
           <a:p>
             <a:fld id="{EFA0D184-D464-48E9-9CA0-A94E873F6C2C}" type="datetimeFigureOut">
               <a:rPr lang="de-CH" smtClean="0"/>
-              <a:t>tt.01.jjjj</a:t>
+              <a:t>20.01.2016</a:t>
             </a:fld>
             <a:endParaRPr lang="de-CH"/>
           </a:p>
@@ -436,7 +437,7 @@
           <a:p>
             <a:fld id="{5AF2B663-2BA9-4D7E-8201-5DE4109E1EDD}" type="datetimeFigureOut">
               <a:rPr lang="de-CH" smtClean="0"/>
-              <a:t>tt.01.jjjj</a:t>
+              <a:t>20.01.2016</a:t>
             </a:fld>
             <a:endParaRPr lang="de-CH"/>
           </a:p>
@@ -940,7 +941,6 @@
               <a:rPr lang="de-CH" baseline="0" dirty="0" smtClean="0"/>
               <a:t>Liste</a:t>
             </a:r>
-            <a:endParaRPr lang="de-CH" baseline="0" dirty="0" smtClean="0"/>
           </a:p>
           <a:p>
             <a:pPr marL="628650" lvl="1" indent="-171450">
@@ -949,11 +949,7 @@
             </a:pPr>
             <a:r>
               <a:rPr lang="de-CH" baseline="0" dirty="0" smtClean="0"/>
-              <a:t>State </a:t>
-            </a:r>
-            <a:r>
-              <a:rPr lang="de-CH" baseline="0" dirty="0" smtClean="0"/>
-              <a:t>wechseln, zurück</a:t>
+              <a:t>State wechseln, zurück</a:t>
             </a:r>
           </a:p>
           <a:p>
@@ -1143,7 +1139,7 @@
           <a:p>
             <a:fld id="{37E44704-8E6D-4CF2-8CFA-A0F7BC751896}" type="slidenum">
               <a:rPr lang="de-CH" smtClean="0"/>
-              <a:t>10</a:t>
+              <a:t>11</a:t>
             </a:fld>
             <a:endParaRPr lang="de-CH"/>
           </a:p>
@@ -1231,7 +1227,7 @@
           <a:p>
             <a:fld id="{37E44704-8E6D-4CF2-8CFA-A0F7BC751896}" type="slidenum">
               <a:rPr lang="de-CH" smtClean="0"/>
-              <a:t>11</a:t>
+              <a:t>12</a:t>
             </a:fld>
             <a:endParaRPr lang="de-CH"/>
           </a:p>
@@ -1319,7 +1315,7 @@
           <a:p>
             <a:fld id="{37E44704-8E6D-4CF2-8CFA-A0F7BC751896}" type="slidenum">
               <a:rPr lang="de-CH" smtClean="0"/>
-              <a:t>12</a:t>
+              <a:t>13</a:t>
             </a:fld>
             <a:endParaRPr lang="de-CH"/>
           </a:p>
@@ -1407,7 +1403,7 @@
           <a:p>
             <a:fld id="{37E44704-8E6D-4CF2-8CFA-A0F7BC751896}" type="slidenum">
               <a:rPr lang="de-CH" smtClean="0"/>
-              <a:t>13</a:t>
+              <a:t>14</a:t>
             </a:fld>
             <a:endParaRPr lang="de-CH"/>
           </a:p>
@@ -1495,7 +1491,7 @@
           <a:p>
             <a:fld id="{37E44704-8E6D-4CF2-8CFA-A0F7BC751896}" type="slidenum">
               <a:rPr lang="de-CH" smtClean="0"/>
-              <a:t>14</a:t>
+              <a:t>15</a:t>
             </a:fld>
             <a:endParaRPr lang="de-CH"/>
           </a:p>
@@ -1583,7 +1579,7 @@
           <a:p>
             <a:fld id="{37E44704-8E6D-4CF2-8CFA-A0F7BC751896}" type="slidenum">
               <a:rPr lang="de-CH" smtClean="0"/>
-              <a:t>15</a:t>
+              <a:t>16</a:t>
             </a:fld>
             <a:endParaRPr lang="de-CH"/>
           </a:p>
@@ -1671,7 +1667,7 @@
           <a:p>
             <a:fld id="{37E44704-8E6D-4CF2-8CFA-A0F7BC751896}" type="slidenum">
               <a:rPr lang="de-CH" smtClean="0"/>
-              <a:t>16</a:t>
+              <a:t>17</a:t>
             </a:fld>
             <a:endParaRPr lang="de-CH"/>
           </a:p>
@@ -1914,15 +1910,15 @@
             <a:noFill/>
           </a:ln>
           <a:extLst>
-            <a:ext uri="{909E8E84-426E-40dd-AFC4-6F175D3DCCD1}">
-              <a14:hiddenFill xmlns="" xmlns:a14="http://schemas.microsoft.com/office/drawing/2010/main">
+            <a:ext uri="{909E8E84-426E-40DD-AFC4-6F175D3DCCD1}">
+              <a14:hiddenFill xmlns:a14="http://schemas.microsoft.com/office/drawing/2010/main">
                 <a:solidFill>
                   <a:srgbClr val="FFFFFF"/>
                 </a:solidFill>
               </a14:hiddenFill>
             </a:ext>
-            <a:ext uri="{91240B29-F687-4f45-9708-019B960494DF}">
-              <a14:hiddenLine xmlns="" xmlns:a14="http://schemas.microsoft.com/office/drawing/2010/main" w="9525">
+            <a:ext uri="{91240B29-F687-4F45-9708-019B960494DF}">
+              <a14:hiddenLine xmlns:a14="http://schemas.microsoft.com/office/drawing/2010/main" w="9525">
                 <a:solidFill>
                   <a:srgbClr val="000000"/>
                 </a:solidFill>
@@ -3737,15 +3733,15 @@
             <a:noFill/>
           </a:ln>
           <a:extLst>
-            <a:ext uri="{909E8E84-426E-40dd-AFC4-6F175D3DCCD1}">
-              <a14:hiddenFill xmlns="" xmlns:a14="http://schemas.microsoft.com/office/drawing/2010/main">
+            <a:ext uri="{909E8E84-426E-40DD-AFC4-6F175D3DCCD1}">
+              <a14:hiddenFill xmlns:a14="http://schemas.microsoft.com/office/drawing/2010/main">
                 <a:solidFill>
                   <a:srgbClr val="FFFFFF"/>
                 </a:solidFill>
               </a14:hiddenFill>
             </a:ext>
-            <a:ext uri="{91240B29-F687-4f45-9708-019B960494DF}">
-              <a14:hiddenLine xmlns="" xmlns:a14="http://schemas.microsoft.com/office/drawing/2010/main" w="9525">
+            <a:ext uri="{91240B29-F687-4F45-9708-019B960494DF}">
+              <a14:hiddenLine xmlns:a14="http://schemas.microsoft.com/office/drawing/2010/main" w="9525">
                 <a:solidFill>
                   <a:srgbClr val="000000"/>
                 </a:solidFill>
@@ -7428,15 +7424,15 @@
             <a:noFill/>
           </a:ln>
           <a:extLst>
-            <a:ext uri="{909E8E84-426E-40dd-AFC4-6F175D3DCCD1}">
-              <a14:hiddenFill xmlns="" xmlns:a14="http://schemas.microsoft.com/office/drawing/2010/main">
+            <a:ext uri="{909E8E84-426E-40DD-AFC4-6F175D3DCCD1}">
+              <a14:hiddenFill xmlns:a14="http://schemas.microsoft.com/office/drawing/2010/main">
                 <a:solidFill>
                   <a:srgbClr val="FFFFFF"/>
                 </a:solidFill>
               </a14:hiddenFill>
             </a:ext>
-            <a:ext uri="{91240B29-F687-4f45-9708-019B960494DF}">
-              <a14:hiddenLine xmlns="" xmlns:a14="http://schemas.microsoft.com/office/drawing/2010/main" w="9525">
+            <a:ext uri="{91240B29-F687-4F45-9708-019B960494DF}">
+              <a14:hiddenLine xmlns:a14="http://schemas.microsoft.com/office/drawing/2010/main" w="9525">
                 <a:solidFill>
                   <a:srgbClr val="000000"/>
                 </a:solidFill>
@@ -8322,12 +8318,12 @@
       </p:grpSpPr>
       <p:sp>
         <p:nvSpPr>
-          <p:cNvPr id="6" name="Inhaltsplatzhalter 5"/>
+          <p:cNvPr id="3" name="Titel 2"/>
           <p:cNvSpPr>
             <a:spLocks noGrp="1"/>
           </p:cNvSpPr>
           <p:nvPr>
-            <p:ph sz="half" idx="1"/>
+            <p:ph type="ctrTitle"/>
           </p:nvPr>
         </p:nvSpPr>
         <p:spPr/>
@@ -8336,113 +8332,77 @@
           <a:lstStyle/>
           <a:p>
             <a:r>
-              <a:rPr lang="de-CH" dirty="0" smtClean="0"/>
-              <a:t>Schwierigkeiten</a:t>
-            </a:r>
-          </a:p>
-          <a:p>
-            <a:pPr lvl="1"/>
-            <a:r>
-              <a:rPr lang="de-CH" dirty="0" smtClean="0"/>
-              <a:t>Viele Unklarheiten Theorie-Praxis</a:t>
-            </a:r>
-          </a:p>
-          <a:p>
-            <a:pPr lvl="1"/>
-            <a:r>
-              <a:rPr lang="de-CH" dirty="0" smtClean="0"/>
-              <a:t>Fehlende Erfahrung</a:t>
-            </a:r>
-          </a:p>
-          <a:p>
-            <a:pPr lvl="1"/>
-            <a:r>
-              <a:rPr lang="de-CH" dirty="0" smtClean="0"/>
-              <a:t>Keine Vorstellung für Umsetzungsmöglichkeiten</a:t>
-            </a:r>
-          </a:p>
-          <a:p>
+              <a:rPr lang="de-DE" b="1" dirty="0" smtClean="0"/>
+              <a:t>Persönliche Beiträge</a:t>
+            </a:r>
             <a:endParaRPr lang="de-CH" dirty="0"/>
           </a:p>
-          <a:p>
-            <a:r>
-              <a:rPr lang="de-CH" dirty="0" err="1" smtClean="0"/>
-              <a:t>Lessons</a:t>
-            </a:r>
-            <a:r>
-              <a:rPr lang="de-CH" dirty="0" smtClean="0"/>
-              <a:t> </a:t>
-            </a:r>
-            <a:r>
-              <a:rPr lang="de-CH" dirty="0" err="1" smtClean="0"/>
-              <a:t>learned</a:t>
-            </a:r>
-            <a:endParaRPr lang="de-CH" dirty="0" smtClean="0"/>
-          </a:p>
-          <a:p>
-            <a:pPr lvl="1"/>
-            <a:r>
-              <a:rPr lang="de-CH" dirty="0" smtClean="0"/>
-              <a:t>Konsumentensicht</a:t>
-            </a:r>
-          </a:p>
-          <a:p>
-            <a:pPr lvl="1"/>
-            <a:r>
-              <a:rPr lang="de-CH" dirty="0" smtClean="0"/>
-              <a:t>Viele Ideen entwickeln</a:t>
-            </a:r>
-          </a:p>
-          <a:p>
-            <a:pPr lvl="1"/>
-            <a:r>
-              <a:rPr lang="de-CH" dirty="0" smtClean="0"/>
-              <a:t>Noch nicht an Umsetzung denken</a:t>
-            </a:r>
-          </a:p>
-        </p:txBody>
-      </p:sp>
-      <p:sp>
-        <p:nvSpPr>
-          <p:cNvPr id="5" name="Titel 4"/>
+        </p:txBody>
+      </p:sp>
+      <p:sp>
+        <p:nvSpPr>
+          <p:cNvPr id="5" name="Textplatzhalter 4"/>
           <p:cNvSpPr>
             <a:spLocks noGrp="1"/>
           </p:cNvSpPr>
           <p:nvPr>
-            <p:ph type="ctrTitle"/>
-          </p:nvPr>
-        </p:nvSpPr>
-        <p:spPr/>
+            <p:ph type="body" idx="1"/>
+          </p:nvPr>
+        </p:nvSpPr>
+        <p:spPr>
+          <a:xfrm>
+            <a:off x="468000" y="990000"/>
+            <a:ext cx="8100000" cy="540000"/>
+          </a:xfrm>
+        </p:spPr>
         <p:txBody>
           <a:bodyPr/>
           <a:lstStyle/>
           <a:p>
-            <a:pPr algn="ctr"/>
             <a:r>
               <a:rPr lang="de-CH" dirty="0" smtClean="0"/>
-              <a:t>Prozess </a:t>
-            </a:r>
-            <a:br>
-              <a:rPr lang="de-CH" dirty="0" smtClean="0"/>
-            </a:br>
-            <a:r>
-              <a:rPr lang="de-CH" sz="2000" dirty="0" smtClean="0"/>
-              <a:t>Storyboard</a:t>
-            </a:r>
-            <a:endParaRPr lang="de-CH" sz="2200" dirty="0"/>
+              <a:t>Mauro</a:t>
+            </a:r>
+            <a:endParaRPr lang="de-CH" dirty="0"/>
+          </a:p>
+        </p:txBody>
+      </p:sp>
+      <p:sp>
+        <p:nvSpPr>
+          <p:cNvPr id="6" name="Inhaltsplatzhalter 5"/>
+          <p:cNvSpPr>
+            <a:spLocks noGrp="1"/>
+          </p:cNvSpPr>
+          <p:nvPr>
+            <p:ph sz="half" idx="13"/>
+          </p:nvPr>
+        </p:nvSpPr>
+        <p:spPr/>
+        <p:txBody>
+          <a:bodyPr/>
+          <a:lstStyle/>
+          <a:p>
+            <a:endParaRPr lang="de-CH"/>
           </a:p>
         </p:txBody>
       </p:sp>
     </p:spTree>
     <p:extLst>
       <p:ext uri="{BB962C8B-B14F-4D97-AF65-F5344CB8AC3E}">
-        <p14:creationId xmlns:p14="http://schemas.microsoft.com/office/powerpoint/2010/main" val="352211297"/>
+        <p14:creationId xmlns:p14="http://schemas.microsoft.com/office/powerpoint/2010/main" val="371708231"/>
       </p:ext>
     </p:extLst>
   </p:cSld>
   <p:clrMapOvr>
     <a:masterClrMapping/>
   </p:clrMapOvr>
+  <p:timing>
+    <p:tnLst>
+      <p:par>
+        <p:cTn id="1" dur="indefinite" restart="never" nodeType="tmRoot"/>
+      </p:par>
+    </p:tnLst>
+  </p:timing>
 </p:sld>
 </file>
 
@@ -8487,7 +8447,7 @@
             <a:pPr lvl="1"/>
             <a:r>
               <a:rPr lang="de-CH" dirty="0" smtClean="0"/>
-              <a:t>Viele Einflussfaktoren</a:t>
+              <a:t>Viele Unklarheiten Theorie-Praxis</a:t>
             </a:r>
           </a:p>
           <a:p>
@@ -8496,11 +8456,16 @@
               <a:rPr lang="de-CH" dirty="0" smtClean="0"/>
               <a:t>Fehlende Erfahrung</a:t>
             </a:r>
+          </a:p>
+          <a:p>
+            <a:pPr lvl="1"/>
+            <a:r>
+              <a:rPr lang="de-CH" dirty="0" smtClean="0"/>
+              <a:t>Keine Vorstellung für Umsetzungsmöglichkeiten</a:t>
+            </a:r>
+          </a:p>
+          <a:p>
             <a:endParaRPr lang="de-CH" dirty="0"/>
-          </a:p>
-          <a:p>
-            <a:pPr lvl="1"/>
-            <a:endParaRPr lang="de-CH" dirty="0" smtClean="0"/>
           </a:p>
           <a:p>
             <a:r>
@@ -8521,40 +8486,22 @@
             <a:pPr lvl="1"/>
             <a:r>
               <a:rPr lang="de-CH" dirty="0" smtClean="0"/>
-              <a:t>Grundlage des Projekts</a:t>
+              <a:t>Konsumentensicht</a:t>
             </a:r>
           </a:p>
           <a:p>
             <a:pPr lvl="1"/>
             <a:r>
               <a:rPr lang="de-CH" dirty="0" smtClean="0"/>
-              <a:t>Alle Faktoren berücksichtigen</a:t>
-            </a:r>
-          </a:p>
-          <a:p>
-            <a:pPr lvl="2"/>
+              <a:t>Viele Ideen entwickeln</a:t>
+            </a:r>
+          </a:p>
+          <a:p>
+            <a:pPr lvl="1"/>
             <a:r>
               <a:rPr lang="de-CH" dirty="0" smtClean="0"/>
-              <a:t>Richtlinien</a:t>
-            </a:r>
-          </a:p>
-          <a:p>
-            <a:pPr lvl="2"/>
-            <a:r>
-              <a:rPr lang="de-CH" dirty="0" smtClean="0"/>
-              <a:t>Kundenanforderungen</a:t>
-            </a:r>
-          </a:p>
-          <a:p>
-            <a:pPr lvl="2"/>
-            <a:r>
-              <a:rPr lang="de-CH" dirty="0" smtClean="0"/>
-              <a:t>…</a:t>
-            </a:r>
-          </a:p>
-          <a:p>
-            <a:pPr lvl="1"/>
-            <a:endParaRPr lang="de-CH" dirty="0"/>
+              <a:t>Noch nicht an Umsetzung denken</a:t>
+            </a:r>
           </a:p>
         </p:txBody>
       </p:sp>
@@ -8582,8 +8529,8 @@
               <a:rPr lang="de-CH" dirty="0" smtClean="0"/>
             </a:br>
             <a:r>
-              <a:rPr lang="de-CH" sz="2000" dirty="0" err="1" smtClean="0"/>
-              <a:t>Requirements</a:t>
+              <a:rPr lang="de-CH" sz="2000" dirty="0" smtClean="0"/>
+              <a:t>Storyboard</a:t>
             </a:r>
             <a:endParaRPr lang="de-CH" sz="2200" dirty="0"/>
           </a:p>
@@ -8592,13 +8539,20 @@
     </p:spTree>
     <p:extLst>
       <p:ext uri="{BB962C8B-B14F-4D97-AF65-F5344CB8AC3E}">
-        <p14:creationId xmlns:p14="http://schemas.microsoft.com/office/powerpoint/2010/main" val="1331511723"/>
+        <p14:creationId xmlns:p14="http://schemas.microsoft.com/office/powerpoint/2010/main" val="352211297"/>
       </p:ext>
     </p:extLst>
   </p:cSld>
   <p:clrMapOvr>
     <a:masterClrMapping/>
   </p:clrMapOvr>
+  <p:timing>
+    <p:tnLst>
+      <p:par>
+        <p:cTn id="1" dur="indefinite" restart="never" nodeType="tmRoot"/>
+      </p:par>
+    </p:tnLst>
+  </p:timing>
 </p:sld>
 </file>
 
@@ -8643,36 +8597,19 @@
             <a:pPr lvl="1"/>
             <a:r>
               <a:rPr lang="de-CH" dirty="0" smtClean="0"/>
+              <a:t>Viele Einflussfaktoren</a:t>
+            </a:r>
+          </a:p>
+          <a:p>
+            <a:pPr lvl="1"/>
+            <a:r>
+              <a:rPr lang="de-CH" dirty="0" smtClean="0"/>
               <a:t>Fehlende Erfahrung</a:t>
             </a:r>
-          </a:p>
-          <a:p>
-            <a:pPr lvl="2"/>
-            <a:r>
-              <a:rPr lang="de-CH" dirty="0" smtClean="0"/>
-              <a:t>Wichtige Punkte vergessen</a:t>
-            </a:r>
+            <a:endParaRPr lang="de-CH" dirty="0"/>
           </a:p>
           <a:p>
             <a:pPr lvl="1"/>
-            <a:r>
-              <a:rPr lang="de-CH" dirty="0" smtClean="0"/>
-              <a:t>Überblick behalten</a:t>
-            </a:r>
-          </a:p>
-          <a:p>
-            <a:pPr lvl="1"/>
-            <a:r>
-              <a:rPr lang="de-CH" dirty="0" smtClean="0"/>
-              <a:t>Anbindung an </a:t>
-            </a:r>
-            <a:r>
-              <a:rPr lang="de-CH" dirty="0" err="1" smtClean="0"/>
-              <a:t>Vaadin</a:t>
-            </a:r>
-            <a:endParaRPr lang="de-CH" dirty="0"/>
-          </a:p>
-          <a:p>
             <a:endParaRPr lang="de-CH" dirty="0" smtClean="0"/>
           </a:p>
           <a:p>
@@ -8694,14 +8631,35 @@
             <a:pPr lvl="1"/>
             <a:r>
               <a:rPr lang="de-CH" dirty="0" smtClean="0"/>
-              <a:t>Ressourcen abklären</a:t>
+              <a:t>Grundlage des Projekts</a:t>
             </a:r>
           </a:p>
           <a:p>
             <a:pPr lvl="1"/>
             <a:r>
               <a:rPr lang="de-CH" dirty="0" smtClean="0"/>
-              <a:t>Externe Frameworks sind gut aber…</a:t>
+              <a:t>Alle Faktoren berücksichtigen</a:t>
+            </a:r>
+          </a:p>
+          <a:p>
+            <a:pPr lvl="2"/>
+            <a:r>
+              <a:rPr lang="de-CH" dirty="0" smtClean="0"/>
+              <a:t>Richtlinien</a:t>
+            </a:r>
+          </a:p>
+          <a:p>
+            <a:pPr lvl="2"/>
+            <a:r>
+              <a:rPr lang="de-CH" dirty="0" smtClean="0"/>
+              <a:t>Kundenanforderungen</a:t>
+            </a:r>
+          </a:p>
+          <a:p>
+            <a:pPr lvl="2"/>
+            <a:r>
+              <a:rPr lang="de-CH" dirty="0" smtClean="0"/>
+              <a:t>…</a:t>
             </a:r>
           </a:p>
           <a:p>
@@ -8734,8 +8692,8 @@
               <a:rPr lang="de-CH" dirty="0" smtClean="0"/>
             </a:br>
             <a:r>
-              <a:rPr lang="de-CH" sz="2000" dirty="0" smtClean="0"/>
-              <a:t>Design</a:t>
+              <a:rPr lang="de-CH" sz="2000" dirty="0" err="1" smtClean="0"/>
+              <a:t>Requirements</a:t>
             </a:r>
             <a:endParaRPr lang="de-CH" sz="2200" dirty="0"/>
           </a:p>
@@ -8744,7 +8702,7 @@
     </p:spTree>
     <p:extLst>
       <p:ext uri="{BB962C8B-B14F-4D97-AF65-F5344CB8AC3E}">
-        <p14:creationId xmlns:p14="http://schemas.microsoft.com/office/powerpoint/2010/main" val="1305885463"/>
+        <p14:creationId xmlns:p14="http://schemas.microsoft.com/office/powerpoint/2010/main" val="1331511723"/>
       </p:ext>
     </p:extLst>
   </p:cSld>
@@ -8795,28 +8753,32 @@
             <a:pPr lvl="1"/>
             <a:r>
               <a:rPr lang="de-CH" dirty="0" smtClean="0"/>
-              <a:t>Arbeitsaufteilung</a:t>
+              <a:t>Fehlende Erfahrung</a:t>
+            </a:r>
+          </a:p>
+          <a:p>
+            <a:pPr lvl="2"/>
+            <a:r>
+              <a:rPr lang="de-CH" dirty="0" smtClean="0"/>
+              <a:t>Wichtige Punkte vergessen</a:t>
             </a:r>
           </a:p>
           <a:p>
             <a:pPr lvl="1"/>
             <a:r>
               <a:rPr lang="de-CH" dirty="0" smtClean="0"/>
-              <a:t>Fehlende Erfahrung</a:t>
+              <a:t>Überblick behalten</a:t>
             </a:r>
           </a:p>
           <a:p>
             <a:pPr lvl="1"/>
             <a:r>
               <a:rPr lang="de-CH" dirty="0" smtClean="0"/>
-              <a:t>Aufwand schätzen</a:t>
-            </a:r>
-          </a:p>
-          <a:p>
-            <a:pPr lvl="1"/>
-            <a:r>
-              <a:rPr lang="de-CH" dirty="0" smtClean="0"/>
-              <a:t>Machbarkeit einschätzen</a:t>
+              <a:t>Anbindung an </a:t>
+            </a:r>
+            <a:r>
+              <a:rPr lang="de-CH" dirty="0" err="1" smtClean="0"/>
+              <a:t>Vaadin</a:t>
             </a:r>
             <a:endParaRPr lang="de-CH" dirty="0"/>
           </a:p>
@@ -8842,25 +8804,14 @@
             <a:pPr lvl="1"/>
             <a:r>
               <a:rPr lang="de-CH" dirty="0" smtClean="0"/>
-              <a:t>Umgang mit Ressourcen</a:t>
+              <a:t>Ressourcen abklären</a:t>
             </a:r>
           </a:p>
           <a:p>
             <a:pPr lvl="1"/>
             <a:r>
               <a:rPr lang="de-CH" dirty="0" smtClean="0"/>
-              <a:t>Teamarbeit</a:t>
-            </a:r>
-          </a:p>
-          <a:p>
-            <a:pPr lvl="1"/>
-            <a:r>
-              <a:rPr lang="de-CH" dirty="0" err="1" smtClean="0"/>
-              <a:t>Scrum</a:t>
-            </a:r>
-            <a:r>
-              <a:rPr lang="de-CH" dirty="0" smtClean="0"/>
-              <a:t>-Vorgehensweise</a:t>
+              <a:t>Externe Frameworks sind gut aber…</a:t>
             </a:r>
           </a:p>
           <a:p>
@@ -8894,7 +8845,7 @@
             </a:br>
             <a:r>
               <a:rPr lang="de-CH" sz="2000" dirty="0" smtClean="0"/>
-              <a:t>Implementation</a:t>
+              <a:t>Design</a:t>
             </a:r>
             <a:endParaRPr lang="de-CH" sz="2200" dirty="0"/>
           </a:p>
@@ -8903,7 +8854,7 @@
     </p:spTree>
     <p:extLst>
       <p:ext uri="{BB962C8B-B14F-4D97-AF65-F5344CB8AC3E}">
-        <p14:creationId xmlns:p14="http://schemas.microsoft.com/office/powerpoint/2010/main" val="2523521946"/>
+        <p14:creationId xmlns:p14="http://schemas.microsoft.com/office/powerpoint/2010/main" val="1305885463"/>
       </p:ext>
     </p:extLst>
   </p:cSld>
@@ -8932,12 +8883,12 @@
       </p:grpSpPr>
       <p:sp>
         <p:nvSpPr>
-          <p:cNvPr id="3" name="Titel 2"/>
+          <p:cNvPr id="6" name="Inhaltsplatzhalter 5"/>
           <p:cNvSpPr>
             <a:spLocks noGrp="1"/>
           </p:cNvSpPr>
           <p:nvPr>
-            <p:ph type="ctrTitle"/>
+            <p:ph sz="half" idx="1"/>
           </p:nvPr>
         </p:nvSpPr>
         <p:spPr/>
@@ -8946,96 +8897,123 @@
           <a:lstStyle/>
           <a:p>
             <a:r>
-              <a:rPr lang="de-DE" b="1" dirty="0" err="1" smtClean="0"/>
+              <a:rPr lang="de-CH" dirty="0" smtClean="0"/>
+              <a:t>Schwierigkeiten</a:t>
+            </a:r>
+          </a:p>
+          <a:p>
+            <a:pPr lvl="1"/>
+            <a:r>
+              <a:rPr lang="de-CH" dirty="0" smtClean="0"/>
+              <a:t>Arbeitsaufteilung</a:t>
+            </a:r>
+          </a:p>
+          <a:p>
+            <a:pPr lvl="1"/>
+            <a:r>
+              <a:rPr lang="de-CH" dirty="0" smtClean="0"/>
+              <a:t>Fehlende Erfahrung</a:t>
+            </a:r>
+          </a:p>
+          <a:p>
+            <a:pPr lvl="1"/>
+            <a:r>
+              <a:rPr lang="de-CH" dirty="0" smtClean="0"/>
+              <a:t>Aufwand schätzen</a:t>
+            </a:r>
+          </a:p>
+          <a:p>
+            <a:pPr lvl="1"/>
+            <a:r>
+              <a:rPr lang="de-CH" dirty="0" smtClean="0"/>
+              <a:t>Machbarkeit einschätzen</a:t>
+            </a:r>
+            <a:endParaRPr lang="de-CH" dirty="0"/>
+          </a:p>
+          <a:p>
+            <a:endParaRPr lang="de-CH" dirty="0" smtClean="0"/>
+          </a:p>
+          <a:p>
+            <a:r>
+              <a:rPr lang="de-CH" dirty="0" err="1" smtClean="0"/>
+              <a:t>Lessons</a:t>
+            </a:r>
+            <a:r>
+              <a:rPr lang="de-CH" dirty="0" smtClean="0"/>
+              <a:t> </a:t>
+            </a:r>
+            <a:r>
+              <a:rPr lang="de-CH" dirty="0" err="1" smtClean="0"/>
+              <a:t>learned</a:t>
+            </a:r>
+            <a:endParaRPr lang="de-CH" dirty="0" smtClean="0"/>
+          </a:p>
+          <a:p>
+            <a:pPr lvl="1"/>
+            <a:r>
+              <a:rPr lang="de-CH" dirty="0" smtClean="0"/>
+              <a:t>Umgang mit Ressourcen</a:t>
+            </a:r>
+          </a:p>
+          <a:p>
+            <a:pPr lvl="1"/>
+            <a:r>
+              <a:rPr lang="de-CH" dirty="0" smtClean="0"/>
+              <a:t>Teamarbeit</a:t>
+            </a:r>
+          </a:p>
+          <a:p>
+            <a:pPr lvl="1"/>
+            <a:r>
+              <a:rPr lang="de-CH" dirty="0" err="1" smtClean="0"/>
               <a:t>Scrum</a:t>
             </a:r>
             <a:r>
-              <a:rPr lang="de-DE" b="1" dirty="0" smtClean="0"/>
-              <a:t> Master</a:t>
-            </a:r>
+              <a:rPr lang="de-CH" dirty="0" smtClean="0"/>
+              <a:t>-Vorgehensweise</a:t>
+            </a:r>
+          </a:p>
+          <a:p>
+            <a:pPr lvl="1"/>
             <a:endParaRPr lang="de-CH" dirty="0"/>
           </a:p>
         </p:txBody>
       </p:sp>
       <p:sp>
         <p:nvSpPr>
-          <p:cNvPr id="6" name="Inhaltsplatzhalter 5"/>
+          <p:cNvPr id="5" name="Titel 4"/>
           <p:cNvSpPr>
             <a:spLocks noGrp="1"/>
           </p:cNvSpPr>
           <p:nvPr>
-            <p:ph sz="half" idx="13"/>
-          </p:nvPr>
-        </p:nvSpPr>
-        <p:spPr>
-          <a:xfrm>
-            <a:off x="468000" y="1099750"/>
-            <a:ext cx="8100000" cy="5020249"/>
-          </a:xfrm>
-        </p:spPr>
+            <p:ph type="ctrTitle"/>
+          </p:nvPr>
+        </p:nvSpPr>
+        <p:spPr/>
         <p:txBody>
           <a:bodyPr/>
           <a:lstStyle/>
           <a:p>
-            <a:r>
-              <a:rPr lang="de-CH" dirty="0" err="1" smtClean="0"/>
-              <a:t>Lessons</a:t>
-            </a:r>
+            <a:pPr algn="ctr"/>
             <a:r>
               <a:rPr lang="de-CH" dirty="0" smtClean="0"/>
-              <a:t> </a:t>
-            </a:r>
-            <a:r>
-              <a:rPr lang="de-CH" dirty="0" err="1" smtClean="0"/>
-              <a:t>learned</a:t>
-            </a:r>
-            <a:endParaRPr lang="de-CH" dirty="0" smtClean="0"/>
-          </a:p>
-          <a:p>
-            <a:pPr lvl="1"/>
-            <a:r>
+              <a:t>Prozess </a:t>
+            </a:r>
+            <a:br>
               <a:rPr lang="de-CH" dirty="0" smtClean="0"/>
-              <a:t>Unterschiedliche Fähigkeiten des Teams</a:t>
-            </a:r>
-          </a:p>
-          <a:p>
-            <a:pPr lvl="1"/>
-            <a:r>
-              <a:rPr lang="de-CH" dirty="0" smtClean="0"/>
-              <a:t>Zeitplanung</a:t>
-            </a:r>
-          </a:p>
-          <a:p>
-            <a:pPr lvl="1"/>
-            <a:r>
-              <a:rPr lang="de-CH" dirty="0" smtClean="0"/>
-              <a:t>Fehlende Erfahrung</a:t>
-            </a:r>
-          </a:p>
-          <a:p>
-            <a:pPr lvl="1"/>
-            <a:r>
-              <a:rPr lang="de-CH" dirty="0" smtClean="0"/>
-              <a:t>Prioritäten setzen</a:t>
-            </a:r>
-          </a:p>
-          <a:p>
-            <a:pPr lvl="1"/>
-            <a:r>
-              <a:rPr lang="de-CH" dirty="0" smtClean="0"/>
-              <a:t>Überblick behalten</a:t>
-            </a:r>
-          </a:p>
-          <a:p>
-            <a:pPr lvl="1"/>
-            <a:endParaRPr lang="de-CH" dirty="0" smtClean="0"/>
+            </a:br>
+            <a:r>
+              <a:rPr lang="de-CH" sz="2000" dirty="0" smtClean="0"/>
+              <a:t>Implementation</a:t>
+            </a:r>
+            <a:endParaRPr lang="de-CH" sz="2200" dirty="0"/>
           </a:p>
         </p:txBody>
       </p:sp>
     </p:spTree>
     <p:extLst>
       <p:ext uri="{BB962C8B-B14F-4D97-AF65-F5344CB8AC3E}">
-        <p14:creationId xmlns:p14="http://schemas.microsoft.com/office/powerpoint/2010/main" val="3305796004"/>
+        <p14:creationId xmlns:p14="http://schemas.microsoft.com/office/powerpoint/2010/main" val="2523521946"/>
       </p:ext>
     </p:extLst>
   </p:cSld>
@@ -9083,7 +9061,7 @@
             </a:r>
             <a:r>
               <a:rPr lang="de-DE" b="1" dirty="0" smtClean="0"/>
-              <a:t> Member</a:t>
+              <a:t> Master</a:t>
             </a:r>
             <a:endParaRPr lang="de-CH" dirty="0"/>
           </a:p>
@@ -9127,67 +9105,7 @@
             <a:pPr lvl="1"/>
             <a:r>
               <a:rPr lang="de-CH" dirty="0" smtClean="0"/>
-              <a:t>Daily </a:t>
-            </a:r>
-            <a:r>
-              <a:rPr lang="de-CH" dirty="0" err="1" smtClean="0"/>
-              <a:t>Scrum</a:t>
-            </a:r>
-            <a:r>
-              <a:rPr lang="de-CH" dirty="0" smtClean="0"/>
-              <a:t> wichtig für</a:t>
-            </a:r>
-          </a:p>
-          <a:p>
-            <a:pPr lvl="2"/>
-            <a:r>
-              <a:rPr lang="de-CH" dirty="0" smtClean="0"/>
-              <a:t>Arbeitsaufteilung</a:t>
-            </a:r>
-          </a:p>
-          <a:p>
-            <a:pPr lvl="2"/>
-            <a:r>
-              <a:rPr lang="de-CH" dirty="0" smtClean="0"/>
-              <a:t>Fortschritt</a:t>
-            </a:r>
-          </a:p>
-          <a:p>
-            <a:pPr lvl="2"/>
-            <a:r>
-              <a:rPr lang="de-CH" dirty="0" smtClean="0"/>
-              <a:t>Lösungssuche</a:t>
-            </a:r>
-          </a:p>
-          <a:p>
-            <a:pPr lvl="1"/>
-            <a:r>
-              <a:rPr lang="de-CH" dirty="0" smtClean="0"/>
-              <a:t>Dokumente </a:t>
-            </a:r>
-            <a:r>
-              <a:rPr lang="de-CH" dirty="0" err="1" smtClean="0"/>
-              <a:t>up</a:t>
-            </a:r>
-            <a:r>
-              <a:rPr lang="de-CH" dirty="0" smtClean="0"/>
-              <a:t> </a:t>
-            </a:r>
-            <a:r>
-              <a:rPr lang="de-CH" dirty="0" err="1" smtClean="0"/>
-              <a:t>to</a:t>
-            </a:r>
-            <a:r>
-              <a:rPr lang="de-CH" dirty="0" smtClean="0"/>
-              <a:t> </a:t>
-            </a:r>
-            <a:r>
-              <a:rPr lang="de-CH" dirty="0" err="1" smtClean="0"/>
-              <a:t>date</a:t>
-            </a:r>
-            <a:r>
-              <a:rPr lang="de-CH" dirty="0" smtClean="0"/>
-              <a:t> halten</a:t>
+              <a:t>Unterschiedliche Fähigkeiten des Teams</a:t>
             </a:r>
           </a:p>
           <a:p>
@@ -9199,14 +9117,35 @@
           </a:p>
           <a:p>
             <a:pPr lvl="1"/>
-            <a:endParaRPr lang="de-CH" dirty="0"/>
+            <a:r>
+              <a:rPr lang="de-CH" dirty="0" smtClean="0"/>
+              <a:t>Fehlende Erfahrung</a:t>
+            </a:r>
+          </a:p>
+          <a:p>
+            <a:pPr lvl="1"/>
+            <a:r>
+              <a:rPr lang="de-CH" dirty="0" smtClean="0"/>
+              <a:t>Prioritäten setzen</a:t>
+            </a:r>
+          </a:p>
+          <a:p>
+            <a:pPr lvl="1"/>
+            <a:r>
+              <a:rPr lang="de-CH" dirty="0" smtClean="0"/>
+              <a:t>Überblick behalten</a:t>
+            </a:r>
+          </a:p>
+          <a:p>
+            <a:pPr lvl="1"/>
+            <a:endParaRPr lang="de-CH" dirty="0" smtClean="0"/>
           </a:p>
         </p:txBody>
       </p:sp>
     </p:spTree>
     <p:extLst>
       <p:ext uri="{BB962C8B-B14F-4D97-AF65-F5344CB8AC3E}">
-        <p14:creationId xmlns:p14="http://schemas.microsoft.com/office/powerpoint/2010/main" val="611237871"/>
+        <p14:creationId xmlns:p14="http://schemas.microsoft.com/office/powerpoint/2010/main" val="3305796004"/>
       </p:ext>
     </p:extLst>
   </p:cSld>
@@ -9250,6 +9189,177 @@
           <a:p>
             <a:r>
               <a:rPr lang="de-DE" b="1" dirty="0" err="1" smtClean="0"/>
+              <a:t>Scrum</a:t>
+            </a:r>
+            <a:r>
+              <a:rPr lang="de-DE" b="1" dirty="0" smtClean="0"/>
+              <a:t> Member</a:t>
+            </a:r>
+            <a:endParaRPr lang="de-CH" dirty="0"/>
+          </a:p>
+        </p:txBody>
+      </p:sp>
+      <p:sp>
+        <p:nvSpPr>
+          <p:cNvPr id="6" name="Inhaltsplatzhalter 5"/>
+          <p:cNvSpPr>
+            <a:spLocks noGrp="1"/>
+          </p:cNvSpPr>
+          <p:nvPr>
+            <p:ph sz="half" idx="13"/>
+          </p:nvPr>
+        </p:nvSpPr>
+        <p:spPr>
+          <a:xfrm>
+            <a:off x="468000" y="1099750"/>
+            <a:ext cx="8100000" cy="5020249"/>
+          </a:xfrm>
+        </p:spPr>
+        <p:txBody>
+          <a:bodyPr/>
+          <a:lstStyle/>
+          <a:p>
+            <a:r>
+              <a:rPr lang="de-CH" dirty="0" err="1" smtClean="0"/>
+              <a:t>Lessons</a:t>
+            </a:r>
+            <a:r>
+              <a:rPr lang="de-CH" dirty="0" smtClean="0"/>
+              <a:t> </a:t>
+            </a:r>
+            <a:r>
+              <a:rPr lang="de-CH" dirty="0" err="1" smtClean="0"/>
+              <a:t>learned</a:t>
+            </a:r>
+            <a:endParaRPr lang="de-CH" dirty="0" smtClean="0"/>
+          </a:p>
+          <a:p>
+            <a:pPr lvl="1"/>
+            <a:r>
+              <a:rPr lang="de-CH" dirty="0" smtClean="0"/>
+              <a:t>Daily </a:t>
+            </a:r>
+            <a:r>
+              <a:rPr lang="de-CH" dirty="0" err="1" smtClean="0"/>
+              <a:t>Scrum</a:t>
+            </a:r>
+            <a:r>
+              <a:rPr lang="de-CH" dirty="0" smtClean="0"/>
+              <a:t> wichtig für</a:t>
+            </a:r>
+          </a:p>
+          <a:p>
+            <a:pPr lvl="2"/>
+            <a:r>
+              <a:rPr lang="de-CH" dirty="0" smtClean="0"/>
+              <a:t>Arbeitsaufteilung</a:t>
+            </a:r>
+          </a:p>
+          <a:p>
+            <a:pPr lvl="2"/>
+            <a:r>
+              <a:rPr lang="de-CH" dirty="0" smtClean="0"/>
+              <a:t>Fortschritt</a:t>
+            </a:r>
+          </a:p>
+          <a:p>
+            <a:pPr lvl="2"/>
+            <a:r>
+              <a:rPr lang="de-CH" dirty="0" smtClean="0"/>
+              <a:t>Lösungssuche</a:t>
+            </a:r>
+          </a:p>
+          <a:p>
+            <a:pPr lvl="1"/>
+            <a:r>
+              <a:rPr lang="de-CH" dirty="0" smtClean="0"/>
+              <a:t>Dokumente </a:t>
+            </a:r>
+            <a:r>
+              <a:rPr lang="de-CH" dirty="0" err="1" smtClean="0"/>
+              <a:t>up</a:t>
+            </a:r>
+            <a:r>
+              <a:rPr lang="de-CH" dirty="0" smtClean="0"/>
+              <a:t> </a:t>
+            </a:r>
+            <a:r>
+              <a:rPr lang="de-CH" dirty="0" err="1" smtClean="0"/>
+              <a:t>to</a:t>
+            </a:r>
+            <a:r>
+              <a:rPr lang="de-CH" dirty="0" smtClean="0"/>
+              <a:t> </a:t>
+            </a:r>
+            <a:r>
+              <a:rPr lang="de-CH" dirty="0" err="1" smtClean="0"/>
+              <a:t>date</a:t>
+            </a:r>
+            <a:r>
+              <a:rPr lang="de-CH" dirty="0" smtClean="0"/>
+              <a:t> halten</a:t>
+            </a:r>
+          </a:p>
+          <a:p>
+            <a:pPr lvl="1"/>
+            <a:r>
+              <a:rPr lang="de-CH" dirty="0" smtClean="0"/>
+              <a:t>Zeitplanung</a:t>
+            </a:r>
+          </a:p>
+          <a:p>
+            <a:pPr lvl="1"/>
+            <a:endParaRPr lang="de-CH" dirty="0"/>
+          </a:p>
+        </p:txBody>
+      </p:sp>
+    </p:spTree>
+    <p:extLst>
+      <p:ext uri="{BB962C8B-B14F-4D97-AF65-F5344CB8AC3E}">
+        <p14:creationId xmlns:p14="http://schemas.microsoft.com/office/powerpoint/2010/main" val="611237871"/>
+      </p:ext>
+    </p:extLst>
+  </p:cSld>
+  <p:clrMapOvr>
+    <a:masterClrMapping/>
+  </p:clrMapOvr>
+</p:sld>
+</file>
+
+<file path=ppt/slides/slide17.xml><?xml version="1.0" encoding="utf-8"?>
+<p:sld xmlns:a="http://schemas.openxmlformats.org/drawingml/2006/main" xmlns:r="http://schemas.openxmlformats.org/officeDocument/2006/relationships" xmlns:p="http://schemas.openxmlformats.org/presentationml/2006/main">
+  <p:cSld>
+    <p:spTree>
+      <p:nvGrpSpPr>
+        <p:cNvPr id="1" name=""/>
+        <p:cNvGrpSpPr/>
+        <p:nvPr/>
+      </p:nvGrpSpPr>
+      <p:grpSpPr>
+        <a:xfrm>
+          <a:off x="0" y="0"/>
+          <a:ext cx="0" cy="0"/>
+          <a:chOff x="0" y="0"/>
+          <a:chExt cx="0" cy="0"/>
+        </a:xfrm>
+      </p:grpSpPr>
+      <p:sp>
+        <p:nvSpPr>
+          <p:cNvPr id="3" name="Titel 2"/>
+          <p:cNvSpPr>
+            <a:spLocks noGrp="1"/>
+          </p:cNvSpPr>
+          <p:nvPr>
+            <p:ph type="ctrTitle"/>
+          </p:nvPr>
+        </p:nvSpPr>
+        <p:spPr/>
+        <p:txBody>
+          <a:bodyPr/>
+          <a:lstStyle/>
+          <a:p>
+            <a:r>
+              <a:rPr lang="de-DE" b="1" dirty="0" err="1" smtClean="0"/>
               <a:t>You</a:t>
             </a:r>
             <a:r>
@@ -9390,7 +9500,7 @@
 </p:sld>
 </file>
 
-<file path=ppt/slides/slide17.xml><?xml version="1.0" encoding="utf-8"?>
+<file path=ppt/slides/slide18.xml><?xml version="1.0" encoding="utf-8"?>
 <p:sld xmlns:a="http://schemas.openxmlformats.org/drawingml/2006/main" xmlns:r="http://schemas.openxmlformats.org/officeDocument/2006/relationships" xmlns:p="http://schemas.openxmlformats.org/presentationml/2006/main">
   <p:cSld>
     <p:spTree>
@@ -10067,11 +10177,7 @@
           <a:p>
             <a:r>
               <a:rPr lang="de-CH" dirty="0" smtClean="0"/>
-              <a:t>Random </a:t>
-            </a:r>
-            <a:r>
-              <a:rPr lang="de-CH" dirty="0" smtClean="0"/>
-              <a:t>GIF-Button</a:t>
+              <a:t>Random GIF-Button</a:t>
             </a:r>
             <a:endParaRPr lang="de-CH" dirty="0"/>
           </a:p>
@@ -10710,7 +10816,67 @@
           <a:bodyPr/>
           <a:lstStyle/>
           <a:p>
-            <a:endParaRPr lang="de-CH"/>
+            <a:r>
+              <a:rPr lang="de-CH" dirty="0"/>
+              <a:t>Elements </a:t>
+            </a:r>
+            <a:endParaRPr lang="de-CH" dirty="0" smtClean="0"/>
+          </a:p>
+          <a:p>
+            <a:pPr lvl="1"/>
+            <a:r>
+              <a:rPr lang="de-CH" dirty="0" smtClean="0"/>
+              <a:t>DrugTakeWrapper.java</a:t>
+            </a:r>
+          </a:p>
+          <a:p>
+            <a:pPr lvl="1"/>
+            <a:r>
+              <a:rPr lang="de-CH" dirty="0" smtClean="0"/>
+              <a:t>DrugWrapper.java</a:t>
+            </a:r>
+          </a:p>
+          <a:p>
+            <a:pPr lvl="1"/>
+            <a:r>
+              <a:rPr lang="de-CH" dirty="0" smtClean="0"/>
+              <a:t>Wrapper.java</a:t>
+            </a:r>
+          </a:p>
+          <a:p>
+            <a:r>
+              <a:rPr lang="de-CH" dirty="0" smtClean="0"/>
+              <a:t>Views</a:t>
+            </a:r>
+          </a:p>
+          <a:p>
+            <a:pPr lvl="1"/>
+            <a:r>
+              <a:rPr lang="de-CH" dirty="0" smtClean="0"/>
+              <a:t>HomeView.java</a:t>
+            </a:r>
+          </a:p>
+          <a:p>
+            <a:pPr lvl="1"/>
+            <a:r>
+              <a:rPr lang="de-CH" dirty="0" smtClean="0"/>
+              <a:t>InfoView.java</a:t>
+            </a:r>
+          </a:p>
+          <a:p>
+            <a:pPr lvl="1"/>
+            <a:r>
+              <a:rPr lang="de-CH" dirty="0" smtClean="0"/>
+              <a:t>MedicationsListView.java</a:t>
+            </a:r>
+          </a:p>
+          <a:p>
+            <a:pPr lvl="1"/>
+            <a:r>
+              <a:rPr lang="de-CH" dirty="0" smtClean="0"/>
+              <a:t>MedicationsView.java </a:t>
+            </a:r>
+            <a:endParaRPr lang="de-CH" dirty="0"/>
           </a:p>
         </p:txBody>
       </p:sp>
@@ -10724,6 +10890,13 @@
   <p:clrMapOvr>
     <a:masterClrMapping/>
   </p:clrMapOvr>
+  <p:timing>
+    <p:tnLst>
+      <p:par>
+        <p:cTn id="1" dur="indefinite" restart="never" nodeType="tmRoot"/>
+      </p:par>
+    </p:tnLst>
+  </p:timing>
 </p:sld>
 </file>
 
@@ -10789,41 +10962,657 @@
           <a:p>
             <a:r>
               <a:rPr lang="de-CH" dirty="0" smtClean="0"/>
-              <a:t>Mauro</a:t>
+              <a:t>Maurice - Wrapper</a:t>
             </a:r>
             <a:endParaRPr lang="de-CH" dirty="0"/>
           </a:p>
-        </p:txBody>
-      </p:sp>
-      <p:sp>
-        <p:nvSpPr>
-          <p:cNvPr id="6" name="Inhaltsplatzhalter 5"/>
-          <p:cNvSpPr>
-            <a:spLocks noGrp="1"/>
-          </p:cNvSpPr>
-          <p:nvPr>
-            <p:ph sz="half" idx="13"/>
-          </p:nvPr>
-        </p:nvSpPr>
-        <p:spPr/>
-        <p:txBody>
-          <a:bodyPr/>
+          <a:p>
+            <a:endParaRPr lang="de-CH" dirty="0"/>
+          </a:p>
+        </p:txBody>
+      </p:sp>
+      <p:pic>
+        <p:nvPicPr>
+          <p:cNvPr id="1026" name="Picture 2"/>
+          <p:cNvPicPr>
+            <a:picLocks noChangeAspect="1" noChangeArrowheads="1"/>
+          </p:cNvPicPr>
+          <p:nvPr/>
+        </p:nvPicPr>
+        <p:blipFill>
+          <a:blip r:embed="rId2">
+            <a:extLst>
+              <a:ext uri="{28A0092B-C50C-407E-A947-70E740481C1C}">
+                <a14:useLocalDpi xmlns:a14="http://schemas.microsoft.com/office/drawing/2010/main" val="0"/>
+              </a:ext>
+            </a:extLst>
+          </a:blip>
+          <a:srcRect/>
+          <a:stretch>
+            <a:fillRect/>
+          </a:stretch>
+        </p:blipFill>
+        <p:spPr bwMode="auto">
+          <a:xfrm>
+            <a:off x="997585" y="1530000"/>
+            <a:ext cx="2840715" cy="2275470"/>
+          </a:xfrm>
+          <a:prstGeom prst="rect">
+            <a:avLst/>
+          </a:prstGeom>
+          <a:noFill/>
+          <a:ln w="9525">
+            <a:solidFill>
+              <a:schemeClr val="tx1"/>
+            </a:solidFill>
+            <a:miter lim="800000"/>
+            <a:headEnd/>
+            <a:tailEnd/>
+          </a:ln>
+          <a:effectLst/>
+          <a:extLst>
+            <a:ext uri="{909E8E84-426E-40DD-AFC4-6F175D3DCCD1}">
+              <a14:hiddenFill xmlns:a14="http://schemas.microsoft.com/office/drawing/2010/main">
+                <a:solidFill>
+                  <a:schemeClr val="accent1"/>
+                </a:solidFill>
+              </a14:hiddenFill>
+            </a:ext>
+            <a:ext uri="{AF507438-7753-43E0-B8FC-AC1667EBCBE1}">
+              <a14:hiddenEffects xmlns:a14="http://schemas.microsoft.com/office/drawing/2010/main">
+                <a:effectLst>
+                  <a:outerShdw dist="35921" dir="2700000" algn="ctr" rotWithShape="0">
+                    <a:schemeClr val="bg2"/>
+                  </a:outerShdw>
+                </a:effectLst>
+              </a14:hiddenEffects>
+            </a:ext>
+          </a:extLst>
+        </p:spPr>
+      </p:pic>
+      <p:pic>
+        <p:nvPicPr>
+          <p:cNvPr id="1027" name="Picture 3"/>
+          <p:cNvPicPr>
+            <a:picLocks noChangeAspect="1" noChangeArrowheads="1"/>
+          </p:cNvPicPr>
+          <p:nvPr/>
+        </p:nvPicPr>
+        <p:blipFill>
+          <a:blip r:embed="rId3">
+            <a:extLst>
+              <a:ext uri="{28A0092B-C50C-407E-A947-70E740481C1C}">
+                <a14:useLocalDpi xmlns:a14="http://schemas.microsoft.com/office/drawing/2010/main" val="0"/>
+              </a:ext>
+            </a:extLst>
+          </a:blip>
+          <a:srcRect/>
+          <a:stretch>
+            <a:fillRect/>
+          </a:stretch>
+        </p:blipFill>
+        <p:spPr bwMode="auto">
+          <a:xfrm>
+            <a:off x="4543211" y="5149888"/>
+            <a:ext cx="1863086" cy="463806"/>
+          </a:xfrm>
+          <a:prstGeom prst="rect">
+            <a:avLst/>
+          </a:prstGeom>
+          <a:noFill/>
+          <a:ln w="9525">
+            <a:solidFill>
+              <a:schemeClr val="tx1"/>
+            </a:solidFill>
+            <a:miter lim="800000"/>
+            <a:headEnd/>
+            <a:tailEnd/>
+          </a:ln>
+          <a:effectLst/>
+          <a:extLst>
+            <a:ext uri="{909E8E84-426E-40DD-AFC4-6F175D3DCCD1}">
+              <a14:hiddenFill xmlns:a14="http://schemas.microsoft.com/office/drawing/2010/main">
+                <a:solidFill>
+                  <a:schemeClr val="accent1"/>
+                </a:solidFill>
+              </a14:hiddenFill>
+            </a:ext>
+            <a:ext uri="{AF507438-7753-43E0-B8FC-AC1667EBCBE1}">
+              <a14:hiddenEffects xmlns:a14="http://schemas.microsoft.com/office/drawing/2010/main">
+                <a:effectLst>
+                  <a:outerShdw dist="35921" dir="2700000" algn="ctr" rotWithShape="0">
+                    <a:schemeClr val="bg2"/>
+                  </a:outerShdw>
+                </a:effectLst>
+              </a14:hiddenEffects>
+            </a:ext>
+          </a:extLst>
+        </p:spPr>
+      </p:pic>
+      <p:pic>
+        <p:nvPicPr>
+          <p:cNvPr id="1028" name="Picture 4"/>
+          <p:cNvPicPr>
+            <a:picLocks noChangeAspect="1" noChangeArrowheads="1"/>
+          </p:cNvPicPr>
+          <p:nvPr/>
+        </p:nvPicPr>
+        <p:blipFill>
+          <a:blip r:embed="rId4">
+            <a:extLst>
+              <a:ext uri="{28A0092B-C50C-407E-A947-70E740481C1C}">
+                <a14:useLocalDpi xmlns:a14="http://schemas.microsoft.com/office/drawing/2010/main" val="0"/>
+              </a:ext>
+            </a:extLst>
+          </a:blip>
+          <a:srcRect/>
+          <a:stretch>
+            <a:fillRect/>
+          </a:stretch>
+        </p:blipFill>
+        <p:spPr bwMode="auto">
+          <a:xfrm>
+            <a:off x="1113794" y="4526200"/>
+            <a:ext cx="2608298" cy="605642"/>
+          </a:xfrm>
+          <a:prstGeom prst="rect">
+            <a:avLst/>
+          </a:prstGeom>
+          <a:noFill/>
+          <a:ln w="9525">
+            <a:solidFill>
+              <a:schemeClr val="tx1"/>
+            </a:solidFill>
+            <a:miter lim="800000"/>
+            <a:headEnd/>
+            <a:tailEnd/>
+          </a:ln>
+          <a:effectLst/>
+          <a:extLst>
+            <a:ext uri="{909E8E84-426E-40DD-AFC4-6F175D3DCCD1}">
+              <a14:hiddenFill xmlns:a14="http://schemas.microsoft.com/office/drawing/2010/main">
+                <a:solidFill>
+                  <a:schemeClr val="accent1"/>
+                </a:solidFill>
+              </a14:hiddenFill>
+            </a:ext>
+            <a:ext uri="{AF507438-7753-43E0-B8FC-AC1667EBCBE1}">
+              <a14:hiddenEffects xmlns:a14="http://schemas.microsoft.com/office/drawing/2010/main">
+                <a:effectLst>
+                  <a:outerShdw dist="35921" dir="2700000" algn="ctr" rotWithShape="0">
+                    <a:schemeClr val="bg2"/>
+                  </a:outerShdw>
+                </a:effectLst>
+              </a14:hiddenEffects>
+            </a:ext>
+          </a:extLst>
+        </p:spPr>
+      </p:pic>
+      <p:pic>
+        <p:nvPicPr>
+          <p:cNvPr id="1029" name="Picture 5"/>
+          <p:cNvPicPr>
+            <a:picLocks noChangeAspect="1" noChangeArrowheads="1"/>
+          </p:cNvPicPr>
+          <p:nvPr/>
+        </p:nvPicPr>
+        <p:blipFill>
+          <a:blip r:embed="rId5">
+            <a:extLst>
+              <a:ext uri="{28A0092B-C50C-407E-A947-70E740481C1C}">
+                <a14:useLocalDpi xmlns:a14="http://schemas.microsoft.com/office/drawing/2010/main" val="0"/>
+              </a:ext>
+            </a:extLst>
+          </a:blip>
+          <a:srcRect/>
+          <a:stretch>
+            <a:fillRect/>
+          </a:stretch>
+        </p:blipFill>
+        <p:spPr bwMode="auto">
+          <a:xfrm>
+            <a:off x="5594005" y="1079626"/>
+            <a:ext cx="2516137" cy="900747"/>
+          </a:xfrm>
+          <a:prstGeom prst="rect">
+            <a:avLst/>
+          </a:prstGeom>
+          <a:noFill/>
+          <a:ln w="9525">
+            <a:solidFill>
+              <a:schemeClr val="tx1"/>
+            </a:solidFill>
+            <a:miter lim="800000"/>
+            <a:headEnd/>
+            <a:tailEnd/>
+          </a:ln>
+          <a:effectLst/>
+          <a:extLst>
+            <a:ext uri="{909E8E84-426E-40DD-AFC4-6F175D3DCCD1}">
+              <a14:hiddenFill xmlns:a14="http://schemas.microsoft.com/office/drawing/2010/main">
+                <a:solidFill>
+                  <a:schemeClr val="accent1"/>
+                </a:solidFill>
+              </a14:hiddenFill>
+            </a:ext>
+            <a:ext uri="{AF507438-7753-43E0-B8FC-AC1667EBCBE1}">
+              <a14:hiddenEffects xmlns:a14="http://schemas.microsoft.com/office/drawing/2010/main">
+                <a:effectLst>
+                  <a:outerShdw dist="35921" dir="2700000" algn="ctr" rotWithShape="0">
+                    <a:schemeClr val="bg2"/>
+                  </a:outerShdw>
+                </a:effectLst>
+              </a14:hiddenEffects>
+            </a:ext>
+          </a:extLst>
+        </p:spPr>
+      </p:pic>
+      <p:cxnSp>
+        <p:nvCxnSpPr>
+          <p:cNvPr id="20" name="Gerade Verbindung mit Pfeil 19"/>
+          <p:cNvCxnSpPr>
+            <a:stCxn id="1030" idx="3"/>
+            <a:endCxn id="1027" idx="1"/>
+          </p:cNvCxnSpPr>
+          <p:nvPr/>
+        </p:nvCxnSpPr>
+        <p:spPr>
+          <a:xfrm flipV="1">
+            <a:off x="3399010" y="5381791"/>
+            <a:ext cx="1144201" cy="547048"/>
+          </a:xfrm>
+          <a:prstGeom prst="straightConnector1">
+            <a:avLst/>
+          </a:prstGeom>
+          <a:ln>
+            <a:tailEnd type="stealth" w="lg" len="lg"/>
+          </a:ln>
+        </p:spPr>
+        <p:style>
+          <a:lnRef idx="2">
+            <a:schemeClr val="accent1"/>
+          </a:lnRef>
+          <a:fillRef idx="0">
+            <a:schemeClr val="accent1"/>
+          </a:fillRef>
+          <a:effectRef idx="1">
+            <a:schemeClr val="accent1"/>
+          </a:effectRef>
+          <a:fontRef idx="minor">
+            <a:schemeClr val="tx1"/>
+          </a:fontRef>
+        </p:style>
+      </p:cxnSp>
+      <p:cxnSp>
+        <p:nvCxnSpPr>
+          <p:cNvPr id="21" name="Gerade Verbindung mit Pfeil 20"/>
+          <p:cNvCxnSpPr>
+            <a:stCxn id="1026" idx="2"/>
+            <a:endCxn id="1028" idx="0"/>
+          </p:cNvCxnSpPr>
+          <p:nvPr/>
+        </p:nvCxnSpPr>
+        <p:spPr>
+          <a:xfrm>
+            <a:off x="2417943" y="3805470"/>
+            <a:ext cx="0" cy="720730"/>
+          </a:xfrm>
+          <a:prstGeom prst="straightConnector1">
+            <a:avLst/>
+          </a:prstGeom>
+          <a:ln>
+            <a:tailEnd type="stealth" w="lg" len="lg"/>
+          </a:ln>
+        </p:spPr>
+        <p:style>
+          <a:lnRef idx="2">
+            <a:schemeClr val="accent1"/>
+          </a:lnRef>
+          <a:fillRef idx="0">
+            <a:schemeClr val="accent1"/>
+          </a:fillRef>
+          <a:effectRef idx="1">
+            <a:schemeClr val="accent1"/>
+          </a:effectRef>
+          <a:fontRef idx="minor">
+            <a:schemeClr val="tx1"/>
+          </a:fontRef>
+        </p:style>
+      </p:cxnSp>
+      <p:cxnSp>
+        <p:nvCxnSpPr>
+          <p:cNvPr id="22" name="Gerade Verbindung mit Pfeil 21"/>
+          <p:cNvCxnSpPr>
+            <a:endCxn id="1029" idx="1"/>
+          </p:cNvCxnSpPr>
+          <p:nvPr/>
+        </p:nvCxnSpPr>
+        <p:spPr>
+          <a:xfrm>
+            <a:off x="3838300" y="1530000"/>
+            <a:ext cx="1755705" cy="0"/>
+          </a:xfrm>
+          <a:prstGeom prst="straightConnector1">
+            <a:avLst/>
+          </a:prstGeom>
+          <a:ln>
+            <a:tailEnd type="stealth" w="lg" len="lg"/>
+          </a:ln>
+        </p:spPr>
+        <p:style>
+          <a:lnRef idx="2">
+            <a:schemeClr val="accent1"/>
+          </a:lnRef>
+          <a:fillRef idx="0">
+            <a:schemeClr val="accent1"/>
+          </a:fillRef>
+          <a:effectRef idx="1">
+            <a:schemeClr val="accent1"/>
+          </a:effectRef>
+          <a:fontRef idx="minor">
+            <a:schemeClr val="tx1"/>
+          </a:fontRef>
+        </p:style>
+      </p:cxnSp>
+      <p:pic>
+        <p:nvPicPr>
+          <p:cNvPr id="1030" name="Picture 6"/>
+          <p:cNvPicPr>
+            <a:picLocks noChangeAspect="1" noChangeArrowheads="1"/>
+          </p:cNvPicPr>
+          <p:nvPr/>
+        </p:nvPicPr>
+        <p:blipFill>
+          <a:blip r:embed="rId6">
+            <a:extLst>
+              <a:ext uri="{28A0092B-C50C-407E-A947-70E740481C1C}">
+                <a14:useLocalDpi xmlns:a14="http://schemas.microsoft.com/office/drawing/2010/main" val="0"/>
+              </a:ext>
+            </a:extLst>
+          </a:blip>
+          <a:srcRect/>
+          <a:stretch>
+            <a:fillRect/>
+          </a:stretch>
+        </p:blipFill>
+        <p:spPr bwMode="auto">
+          <a:xfrm>
+            <a:off x="1436876" y="5637584"/>
+            <a:ext cx="1962134" cy="582509"/>
+          </a:xfrm>
+          <a:prstGeom prst="rect">
+            <a:avLst/>
+          </a:prstGeom>
+          <a:noFill/>
+          <a:ln w="9525">
+            <a:solidFill>
+              <a:schemeClr val="tx1"/>
+            </a:solidFill>
+            <a:miter lim="800000"/>
+            <a:headEnd/>
+            <a:tailEnd/>
+          </a:ln>
+          <a:effectLst/>
+          <a:extLst>
+            <a:ext uri="{909E8E84-426E-40DD-AFC4-6F175D3DCCD1}">
+              <a14:hiddenFill xmlns:a14="http://schemas.microsoft.com/office/drawing/2010/main">
+                <a:solidFill>
+                  <a:schemeClr val="accent1"/>
+                </a:solidFill>
+              </a14:hiddenFill>
+            </a:ext>
+            <a:ext uri="{AF507438-7753-43E0-B8FC-AC1667EBCBE1}">
+              <a14:hiddenEffects xmlns:a14="http://schemas.microsoft.com/office/drawing/2010/main">
+                <a:effectLst>
+                  <a:outerShdw dist="35921" dir="2700000" algn="ctr" rotWithShape="0">
+                    <a:schemeClr val="bg2"/>
+                  </a:outerShdw>
+                </a:effectLst>
+              </a14:hiddenEffects>
+            </a:ext>
+          </a:extLst>
+        </p:spPr>
+      </p:pic>
+      <p:sp>
+        <p:nvSpPr>
+          <p:cNvPr id="58" name="Textfeld 57"/>
+          <p:cNvSpPr txBox="1"/>
+          <p:nvPr/>
+        </p:nvSpPr>
+        <p:spPr>
+          <a:xfrm>
+            <a:off x="2417943" y="3862781"/>
+            <a:ext cx="1880316" cy="307777"/>
+          </a:xfrm>
+          <a:prstGeom prst="rect">
+            <a:avLst/>
+          </a:prstGeom>
+          <a:noFill/>
+        </p:spPr>
+        <p:txBody>
+          <a:bodyPr wrap="square" rtlCol="0">
+            <a:spAutoFit/>
+          </a:bodyPr>
           <a:lstStyle/>
           <a:p>
+            <a:r>
+              <a:rPr lang="de-CH" sz="1400" dirty="0" smtClean="0"/>
+              <a:t>Feste Bestandteile</a:t>
+            </a:r>
+            <a:endParaRPr lang="de-CH" sz="1400" dirty="0"/>
+          </a:p>
+        </p:txBody>
+      </p:sp>
+      <p:sp>
+        <p:nvSpPr>
+          <p:cNvPr id="66" name="Textfeld 65"/>
+          <p:cNvSpPr txBox="1"/>
+          <p:nvPr/>
+        </p:nvSpPr>
+        <p:spPr>
+          <a:xfrm>
+            <a:off x="4244850" y="1229057"/>
+            <a:ext cx="826395" cy="307777"/>
+          </a:xfrm>
+          <a:prstGeom prst="rect">
+            <a:avLst/>
+          </a:prstGeom>
+          <a:noFill/>
+        </p:spPr>
+        <p:txBody>
+          <a:bodyPr wrap="square" rtlCol="0">
+            <a:spAutoFit/>
+          </a:bodyPr>
+          <a:lstStyle/>
+          <a:p>
+            <a:r>
+              <a:rPr lang="de-CH" sz="1400" dirty="0" smtClean="0"/>
+              <a:t>Optional</a:t>
+            </a:r>
+            <a:endParaRPr lang="de-CH" sz="1400" dirty="0"/>
+          </a:p>
+        </p:txBody>
+      </p:sp>
+      <p:sp>
+        <p:nvSpPr>
+          <p:cNvPr id="60" name="Plus 59"/>
+          <p:cNvSpPr/>
+          <p:nvPr/>
+        </p:nvSpPr>
+        <p:spPr>
+          <a:xfrm>
+            <a:off x="2263396" y="5208232"/>
+            <a:ext cx="309093" cy="339584"/>
+          </a:xfrm>
+          <a:prstGeom prst="mathPlus">
+            <a:avLst/>
+          </a:prstGeom>
+        </p:spPr>
+        <p:style>
+          <a:lnRef idx="1">
+            <a:schemeClr val="accent1"/>
+          </a:lnRef>
+          <a:fillRef idx="3">
+            <a:schemeClr val="accent1"/>
+          </a:fillRef>
+          <a:effectRef idx="2">
+            <a:schemeClr val="accent1"/>
+          </a:effectRef>
+          <a:fontRef idx="minor">
+            <a:schemeClr val="lt1"/>
+          </a:fontRef>
+        </p:style>
+        <p:txBody>
+          <a:bodyPr rtlCol="0" anchor="ctr"/>
+          <a:lstStyle/>
+          <a:p>
+            <a:pPr algn="ctr"/>
             <a:endParaRPr lang="de-CH"/>
           </a:p>
         </p:txBody>
       </p:sp>
+      <p:cxnSp>
+        <p:nvCxnSpPr>
+          <p:cNvPr id="70" name="Gerade Verbindung mit Pfeil 69"/>
+          <p:cNvCxnSpPr>
+            <a:stCxn id="1028" idx="3"/>
+            <a:endCxn id="1027" idx="1"/>
+          </p:cNvCxnSpPr>
+          <p:nvPr/>
+        </p:nvCxnSpPr>
+        <p:spPr>
+          <a:xfrm>
+            <a:off x="3722092" y="4829021"/>
+            <a:ext cx="821119" cy="552770"/>
+          </a:xfrm>
+          <a:prstGeom prst="straightConnector1">
+            <a:avLst/>
+          </a:prstGeom>
+          <a:ln>
+            <a:tailEnd type="stealth" w="lg" len="lg"/>
+          </a:ln>
+        </p:spPr>
+        <p:style>
+          <a:lnRef idx="2">
+            <a:schemeClr val="accent1"/>
+          </a:lnRef>
+          <a:fillRef idx="0">
+            <a:schemeClr val="accent1"/>
+          </a:fillRef>
+          <a:effectRef idx="1">
+            <a:schemeClr val="accent1"/>
+          </a:effectRef>
+          <a:fontRef idx="minor">
+            <a:schemeClr val="tx1"/>
+          </a:fontRef>
+        </p:style>
+      </p:cxnSp>
+      <p:sp>
+        <p:nvSpPr>
+          <p:cNvPr id="75" name="Textfeld 74"/>
+          <p:cNvSpPr txBox="1"/>
+          <p:nvPr/>
+        </p:nvSpPr>
+        <p:spPr>
+          <a:xfrm>
+            <a:off x="7077599" y="2359958"/>
+            <a:ext cx="1490401" cy="307777"/>
+          </a:xfrm>
+          <a:prstGeom prst="rect">
+            <a:avLst/>
+          </a:prstGeom>
+          <a:noFill/>
+        </p:spPr>
+        <p:txBody>
+          <a:bodyPr wrap="square" rtlCol="0">
+            <a:spAutoFit/>
+          </a:bodyPr>
+          <a:lstStyle/>
+          <a:p>
+            <a:r>
+              <a:rPr lang="de-CH" sz="1400" dirty="0" smtClean="0"/>
+              <a:t>Definiert durch</a:t>
+            </a:r>
+            <a:endParaRPr lang="de-CH" sz="1400" dirty="0"/>
+          </a:p>
+        </p:txBody>
+      </p:sp>
+      <p:pic>
+        <p:nvPicPr>
+          <p:cNvPr id="1032" name="Picture 8"/>
+          <p:cNvPicPr>
+            <a:picLocks noChangeAspect="1" noChangeArrowheads="1"/>
+          </p:cNvPicPr>
+          <p:nvPr/>
+        </p:nvPicPr>
+        <p:blipFill>
+          <a:blip r:embed="rId7">
+            <a:extLst>
+              <a:ext uri="{28A0092B-C50C-407E-A947-70E740481C1C}">
+                <a14:useLocalDpi xmlns:a14="http://schemas.microsoft.com/office/drawing/2010/main" val="0"/>
+              </a:ext>
+            </a:extLst>
+          </a:blip>
+          <a:srcRect/>
+          <a:stretch>
+            <a:fillRect/>
+          </a:stretch>
+        </p:blipFill>
+        <p:spPr bwMode="auto">
+          <a:xfrm>
+            <a:off x="7022370" y="2667735"/>
+            <a:ext cx="1545630" cy="3300493"/>
+          </a:xfrm>
+          <a:prstGeom prst="rect">
+            <a:avLst/>
+          </a:prstGeom>
+          <a:noFill/>
+          <a:ln w="9525">
+            <a:solidFill>
+              <a:schemeClr val="tx1"/>
+            </a:solidFill>
+            <a:miter lim="800000"/>
+            <a:headEnd/>
+            <a:tailEnd/>
+          </a:ln>
+          <a:effectLst/>
+          <a:extLst>
+            <a:ext uri="{909E8E84-426E-40DD-AFC4-6F175D3DCCD1}">
+              <a14:hiddenFill xmlns:a14="http://schemas.microsoft.com/office/drawing/2010/main">
+                <a:solidFill>
+                  <a:schemeClr val="accent1"/>
+                </a:solidFill>
+              </a14:hiddenFill>
+            </a:ext>
+            <a:ext uri="{AF507438-7753-43E0-B8FC-AC1667EBCBE1}">
+              <a14:hiddenEffects xmlns:a14="http://schemas.microsoft.com/office/drawing/2010/main">
+                <a:effectLst>
+                  <a:outerShdw dist="35921" dir="2700000" algn="ctr" rotWithShape="0">
+                    <a:schemeClr val="bg2"/>
+                  </a:outerShdw>
+                </a:effectLst>
+              </a14:hiddenEffects>
+            </a:ext>
+          </a:extLst>
+        </p:spPr>
+      </p:pic>
     </p:spTree>
     <p:extLst>
       <p:ext uri="{BB962C8B-B14F-4D97-AF65-F5344CB8AC3E}">
-        <p14:creationId xmlns:p14="http://schemas.microsoft.com/office/powerpoint/2010/main" val="371708231"/>
+        <p14:creationId xmlns:p14="http://schemas.microsoft.com/office/powerpoint/2010/main" val="613959045"/>
       </p:ext>
     </p:extLst>
   </p:cSld>
   <p:clrMapOvr>
     <a:masterClrMapping/>
   </p:clrMapOvr>
+  <p:timing>
+    <p:tnLst>
+      <p:par>
+        <p:cTn id="1" dur="indefinite" restart="never" nodeType="tmRoot"/>
+      </p:par>
+    </p:tnLst>
+  </p:timing>
 </p:sld>
 </file>
 
@@ -11658,23 +12447,6 @@
 </file>
 
 <file path=customXml/item1.xml><?xml version="1.0" encoding="utf-8"?>
-<p:properties xmlns:p="http://schemas.microsoft.com/office/2006/metadata/properties" xmlns:xsi="http://www.w3.org/2001/XMLSchema-instance">
-  <documentManagement>
-    <AVMTitle xmlns="5091c847-84be-4f4f-b16c-c018ad2ca66b">Präsentation BFH_2013</AVMTitle>
-  </documentManagement>
-</p:properties>
-</file>
-
-<file path=customXml/item2.xml><?xml version="1.0" encoding="utf-8"?>
-<?mso-contentType ?>
-<FormTemplates xmlns="http://schemas.microsoft.com/sharepoint/v3/contenttype/forms">
-  <Display>DocumentLibraryForm</Display>
-  <Edit>DocumentLibraryForm</Edit>
-  <New>DocumentLibraryForm</New>
-</FormTemplates>
-</file>
-
-<file path=customXml/item3.xml><?xml version="1.0" encoding="utf-8"?>
 <ct:contentTypeSchema xmlns:ct="http://schemas.microsoft.com/office/2006/metadata/contentType" xmlns:ma="http://schemas.microsoft.com/office/2006/metadata/properties/metaAttributes" ct:_="" ma:_="" ma:contentTypeName="Dokument" ma:contentTypeID="0x010100EBE3A9EFF36793468C03E2811ACE2A2B" ma:contentTypeVersion="1" ma:contentTypeDescription="Ein neues Dokument erstellen." ma:contentTypeScope="" ma:versionID="e65be32cb1bfff77fc8c9c09bf542651">
   <xsd:schema xmlns:xsd="http://www.w3.org/2001/XMLSchema" xmlns:p="http://schemas.microsoft.com/office/2006/metadata/properties" xmlns:ns2="5091c847-84be-4f4f-b16c-c018ad2ca66b" targetNamespace="http://schemas.microsoft.com/office/2006/metadata/properties" ma:root="true" ma:fieldsID="7636c84aed5b7d09a166fcef888725d4" ns2:_="">
     <xsd:import namespace="5091c847-84be-4f4f-b16c-c018ad2ca66b"/>
@@ -11734,30 +12506,24 @@
 </ct:contentTypeSchema>
 </file>
 
-<file path=customXml/itemProps1.xml><?xml version="1.0" encoding="utf-8"?>
-<ds:datastoreItem xmlns:ds="http://schemas.openxmlformats.org/officeDocument/2006/customXml" ds:itemID="{32991507-CB83-4F49-BAFB-D322B1D04098}">
-  <ds:schemaRefs>
-    <ds:schemaRef ds:uri="http://purl.org/dc/terms/"/>
-    <ds:schemaRef ds:uri="http://purl.org/dc/elements/1.1/"/>
-    <ds:schemaRef ds:uri="http://www.w3.org/XML/1998/namespace"/>
-    <ds:schemaRef ds:uri="http://schemas.microsoft.com/office/2006/documentManagement/types"/>
-    <ds:schemaRef ds:uri="http://schemas.openxmlformats.org/package/2006/metadata/core-properties"/>
-    <ds:schemaRef ds:uri="5091c847-84be-4f4f-b16c-c018ad2ca66b"/>
-    <ds:schemaRef ds:uri="http://schemas.microsoft.com/office/2006/metadata/properties"/>
-    <ds:schemaRef ds:uri="http://purl.org/dc/dcmitype/"/>
-  </ds:schemaRefs>
-</ds:datastoreItem>
+<file path=customXml/item2.xml><?xml version="1.0" encoding="utf-8"?>
+<?mso-contentType ?>
+<FormTemplates xmlns="http://schemas.microsoft.com/sharepoint/v3/contenttype/forms">
+  <Display>DocumentLibraryForm</Display>
+  <Edit>DocumentLibraryForm</Edit>
+  <New>DocumentLibraryForm</New>
+</FormTemplates>
 </file>
 
-<file path=customXml/itemProps2.xml><?xml version="1.0" encoding="utf-8"?>
-<ds:datastoreItem xmlns:ds="http://schemas.openxmlformats.org/officeDocument/2006/customXml" ds:itemID="{1851D33F-E468-417B-A30C-509B68D2BD09}">
-  <ds:schemaRefs>
-    <ds:schemaRef ds:uri="http://schemas.microsoft.com/sharepoint/v3/contenttype/forms"/>
-  </ds:schemaRefs>
-</ds:datastoreItem>
+<file path=customXml/item3.xml><?xml version="1.0" encoding="utf-8"?>
+<p:properties xmlns:p="http://schemas.microsoft.com/office/2006/metadata/properties" xmlns:xsi="http://www.w3.org/2001/XMLSchema-instance">
+  <documentManagement>
+    <AVMTitle xmlns="5091c847-84be-4f4f-b16c-c018ad2ca66b">Präsentation BFH_2013</AVMTitle>
+  </documentManagement>
+</p:properties>
 </file>
 
-<file path=customXml/itemProps3.xml><?xml version="1.0" encoding="utf-8"?>
+<file path=customXml/itemProps1.xml><?xml version="1.0" encoding="utf-8"?>
 <ds:datastoreItem xmlns:ds="http://schemas.openxmlformats.org/officeDocument/2006/customXml" ds:itemID="{15287BEA-F3FF-4B87-929B-5D0092183197}">
   <ds:schemaRefs>
     <ds:schemaRef ds:uri="http://schemas.microsoft.com/office/2006/metadata/contentType"/>
@@ -11772,4 +12538,27 @@
     <ds:schemaRef ds:uri="http://schemas.microsoft.com/office/internal/2005/internalDocumentation"/>
   </ds:schemaRefs>
 </ds:datastoreItem>
+</file>
+
+<file path=customXml/itemProps2.xml><?xml version="1.0" encoding="utf-8"?>
+<ds:datastoreItem xmlns:ds="http://schemas.openxmlformats.org/officeDocument/2006/customXml" ds:itemID="{1851D33F-E468-417B-A30C-509B68D2BD09}">
+  <ds:schemaRefs>
+    <ds:schemaRef ds:uri="http://schemas.microsoft.com/sharepoint/v3/contenttype/forms"/>
+  </ds:schemaRefs>
+</ds:datastoreItem>
+</file>
+
+<file path=customXml/itemProps3.xml><?xml version="1.0" encoding="utf-8"?>
+<ds:datastoreItem xmlns:ds="http://schemas.openxmlformats.org/officeDocument/2006/customXml" ds:itemID="{32991507-CB83-4F49-BAFB-D322B1D04098}">
+  <ds:schemaRefs>
+    <ds:schemaRef ds:uri="http://purl.org/dc/terms/"/>
+    <ds:schemaRef ds:uri="http://purl.org/dc/elements/1.1/"/>
+    <ds:schemaRef ds:uri="http://www.w3.org/XML/1998/namespace"/>
+    <ds:schemaRef ds:uri="http://schemas.microsoft.com/office/2006/documentManagement/types"/>
+    <ds:schemaRef ds:uri="http://schemas.openxmlformats.org/package/2006/metadata/core-properties"/>
+    <ds:schemaRef ds:uri="5091c847-84be-4f4f-b16c-c018ad2ca66b"/>
+    <ds:schemaRef ds:uri="http://schemas.microsoft.com/office/2006/metadata/properties"/>
+    <ds:schemaRef ds:uri="http://purl.org/dc/dcmitype/"/>
+  </ds:schemaRefs>
+</ds:datastoreItem>
 </file>
--- a/doc/Task14/task14_presentation Schlurp.pptx
+++ b/doc/Task14/task14_presentation Schlurp.pptx
@@ -1,14 +1,14 @@
 
 <file path=ppt/presentation.xml><?xml version="1.0" encoding="utf-8"?>
-<p:presentation xmlns:a="http://schemas.openxmlformats.org/drawingml/2006/main" xmlns:r="http://schemas.openxmlformats.org/officeDocument/2006/relationships" xmlns:p="http://schemas.openxmlformats.org/presentationml/2006/main" saveSubsetFonts="1" autoCompressPictures="0">
+<p:presentation xmlns:a="http://schemas.openxmlformats.org/drawingml/2006/main" xmlns:r="http://schemas.openxmlformats.org/officeDocument/2006/relationships" xmlns:p="http://schemas.openxmlformats.org/presentationml/2006/main" serverZoom="36480" saveSubsetFonts="1" autoCompressPictures="0">
   <p:sldMasterIdLst>
     <p:sldMasterId id="2147483669" r:id="rId4"/>
   </p:sldMasterIdLst>
   <p:notesMasterIdLst>
-    <p:notesMasterId r:id="rId23"/>
+    <p:notesMasterId r:id="rId24"/>
   </p:notesMasterIdLst>
   <p:handoutMasterIdLst>
-    <p:handoutMasterId r:id="rId24"/>
+    <p:handoutMasterId r:id="rId25"/>
   </p:handoutMasterIdLst>
   <p:sldIdLst>
     <p:sldId id="259" r:id="rId5"/>
@@ -17,18 +17,19 @@
     <p:sldId id="270" r:id="rId8"/>
     <p:sldId id="304" r:id="rId9"/>
     <p:sldId id="317" r:id="rId10"/>
-    <p:sldId id="307" r:id="rId11"/>
-    <p:sldId id="305" r:id="rId12"/>
-    <p:sldId id="318" r:id="rId13"/>
-    <p:sldId id="306" r:id="rId14"/>
-    <p:sldId id="310" r:id="rId15"/>
-    <p:sldId id="311" r:id="rId16"/>
-    <p:sldId id="312" r:id="rId17"/>
-    <p:sldId id="313" r:id="rId18"/>
-    <p:sldId id="314" r:id="rId19"/>
-    <p:sldId id="315" r:id="rId20"/>
-    <p:sldId id="316" r:id="rId21"/>
-    <p:sldId id="299" r:id="rId22"/>
+    <p:sldId id="319" r:id="rId11"/>
+    <p:sldId id="307" r:id="rId12"/>
+    <p:sldId id="305" r:id="rId13"/>
+    <p:sldId id="318" r:id="rId14"/>
+    <p:sldId id="306" r:id="rId15"/>
+    <p:sldId id="310" r:id="rId16"/>
+    <p:sldId id="311" r:id="rId17"/>
+    <p:sldId id="312" r:id="rId18"/>
+    <p:sldId id="313" r:id="rId19"/>
+    <p:sldId id="314" r:id="rId20"/>
+    <p:sldId id="315" r:id="rId21"/>
+    <p:sldId id="316" r:id="rId22"/>
+    <p:sldId id="299" r:id="rId23"/>
   </p:sldIdLst>
   <p:sldSz cx="9144000" cy="6858000" type="screen4x3"/>
   <p:notesSz cx="6669088" cy="9926638"/>
@@ -159,7 +160,7 @@
   </p:defaultTextStyle>
   <p:extLst>
     <p:ext uri="{EFAFB233-063F-42B5-8137-9DF3F51BA10A}">
-      <p15:sldGuideLst xmlns:p15="http://schemas.microsoft.com/office/powerpoint/2012/main" xmlns="">
+      <p15:sldGuideLst xmlns:p15="http://schemas.microsoft.com/office/powerpoint/2012/main">
         <p15:guide id="1" orient="horz" pos="2160">
           <p15:clr>
             <a:srgbClr val="A4A3A4"/>
@@ -173,7 +174,7 @@
       </p15:sldGuideLst>
     </p:ext>
     <p:ext uri="{2D200454-40CA-4A62-9FC3-DE9A4176ACB9}">
-      <p15:notesGuideLst xmlns:p15="http://schemas.microsoft.com/office/powerpoint/2012/main" xmlns="">
+      <p15:notesGuideLst xmlns:p15="http://schemas.microsoft.com/office/powerpoint/2012/main">
         <p15:guide id="1" orient="horz" pos="3127">
           <p15:clr>
             <a:srgbClr val="A4A3A4"/>
@@ -1139,7 +1140,7 @@
           <a:p>
             <a:fld id="{37E44704-8E6D-4CF2-8CFA-A0F7BC751896}" type="slidenum">
               <a:rPr lang="de-CH" smtClean="0"/>
-              <a:t>11</a:t>
+              <a:t>12</a:t>
             </a:fld>
             <a:endParaRPr lang="de-CH"/>
           </a:p>
@@ -1227,7 +1228,7 @@
           <a:p>
             <a:fld id="{37E44704-8E6D-4CF2-8CFA-A0F7BC751896}" type="slidenum">
               <a:rPr lang="de-CH" smtClean="0"/>
-              <a:t>12</a:t>
+              <a:t>13</a:t>
             </a:fld>
             <a:endParaRPr lang="de-CH"/>
           </a:p>
@@ -1315,7 +1316,7 @@
           <a:p>
             <a:fld id="{37E44704-8E6D-4CF2-8CFA-A0F7BC751896}" type="slidenum">
               <a:rPr lang="de-CH" smtClean="0"/>
-              <a:t>13</a:t>
+              <a:t>14</a:t>
             </a:fld>
             <a:endParaRPr lang="de-CH"/>
           </a:p>
@@ -1403,7 +1404,7 @@
           <a:p>
             <a:fld id="{37E44704-8E6D-4CF2-8CFA-A0F7BC751896}" type="slidenum">
               <a:rPr lang="de-CH" smtClean="0"/>
-              <a:t>14</a:t>
+              <a:t>15</a:t>
             </a:fld>
             <a:endParaRPr lang="de-CH"/>
           </a:p>
@@ -1491,7 +1492,7 @@
           <a:p>
             <a:fld id="{37E44704-8E6D-4CF2-8CFA-A0F7BC751896}" type="slidenum">
               <a:rPr lang="de-CH" smtClean="0"/>
-              <a:t>15</a:t>
+              <a:t>16</a:t>
             </a:fld>
             <a:endParaRPr lang="de-CH"/>
           </a:p>
@@ -1579,7 +1580,7 @@
           <a:p>
             <a:fld id="{37E44704-8E6D-4CF2-8CFA-A0F7BC751896}" type="slidenum">
               <a:rPr lang="de-CH" smtClean="0"/>
-              <a:t>16</a:t>
+              <a:t>17</a:t>
             </a:fld>
             <a:endParaRPr lang="de-CH"/>
           </a:p>
@@ -1667,7 +1668,7 @@
           <a:p>
             <a:fld id="{37E44704-8E6D-4CF2-8CFA-A0F7BC751896}" type="slidenum">
               <a:rPr lang="de-CH" smtClean="0"/>
-              <a:t>17</a:t>
+              <a:t>18</a:t>
             </a:fld>
             <a:endParaRPr lang="de-CH"/>
           </a:p>
@@ -8361,2607 +8362,6 @@
           <a:p>
             <a:r>
               <a:rPr lang="de-CH" dirty="0" smtClean="0"/>
-              <a:t>Mauro</a:t>
-            </a:r>
-            <a:endParaRPr lang="de-CH" dirty="0"/>
-          </a:p>
-        </p:txBody>
-      </p:sp>
-      <p:sp>
-        <p:nvSpPr>
-          <p:cNvPr id="6" name="Inhaltsplatzhalter 5"/>
-          <p:cNvSpPr>
-            <a:spLocks noGrp="1"/>
-          </p:cNvSpPr>
-          <p:nvPr>
-            <p:ph sz="half" idx="13"/>
-          </p:nvPr>
-        </p:nvSpPr>
-        <p:spPr/>
-        <p:txBody>
-          <a:bodyPr/>
-          <a:lstStyle/>
-          <a:p>
-            <a:endParaRPr lang="de-CH"/>
-          </a:p>
-        </p:txBody>
-      </p:sp>
-    </p:spTree>
-    <p:extLst>
-      <p:ext uri="{BB962C8B-B14F-4D97-AF65-F5344CB8AC3E}">
-        <p14:creationId xmlns:p14="http://schemas.microsoft.com/office/powerpoint/2010/main" val="371708231"/>
-      </p:ext>
-    </p:extLst>
-  </p:cSld>
-  <p:clrMapOvr>
-    <a:masterClrMapping/>
-  </p:clrMapOvr>
-  <p:timing>
-    <p:tnLst>
-      <p:par>
-        <p:cTn id="1" dur="indefinite" restart="never" nodeType="tmRoot"/>
-      </p:par>
-    </p:tnLst>
-  </p:timing>
-</p:sld>
-</file>
-
-<file path=ppt/slides/slide11.xml><?xml version="1.0" encoding="utf-8"?>
-<p:sld xmlns:a="http://schemas.openxmlformats.org/drawingml/2006/main" xmlns:r="http://schemas.openxmlformats.org/officeDocument/2006/relationships" xmlns:p="http://schemas.openxmlformats.org/presentationml/2006/main">
-  <p:cSld>
-    <p:spTree>
-      <p:nvGrpSpPr>
-        <p:cNvPr id="1" name=""/>
-        <p:cNvGrpSpPr/>
-        <p:nvPr/>
-      </p:nvGrpSpPr>
-      <p:grpSpPr>
-        <a:xfrm>
-          <a:off x="0" y="0"/>
-          <a:ext cx="0" cy="0"/>
-          <a:chOff x="0" y="0"/>
-          <a:chExt cx="0" cy="0"/>
-        </a:xfrm>
-      </p:grpSpPr>
-      <p:sp>
-        <p:nvSpPr>
-          <p:cNvPr id="6" name="Inhaltsplatzhalter 5"/>
-          <p:cNvSpPr>
-            <a:spLocks noGrp="1"/>
-          </p:cNvSpPr>
-          <p:nvPr>
-            <p:ph sz="half" idx="1"/>
-          </p:nvPr>
-        </p:nvSpPr>
-        <p:spPr/>
-        <p:txBody>
-          <a:bodyPr/>
-          <a:lstStyle/>
-          <a:p>
-            <a:r>
-              <a:rPr lang="de-CH" dirty="0" smtClean="0"/>
-              <a:t>Schwierigkeiten</a:t>
-            </a:r>
-          </a:p>
-          <a:p>
-            <a:pPr lvl="1"/>
-            <a:r>
-              <a:rPr lang="de-CH" dirty="0" smtClean="0"/>
-              <a:t>Viele Unklarheiten Theorie-Praxis</a:t>
-            </a:r>
-          </a:p>
-          <a:p>
-            <a:pPr lvl="1"/>
-            <a:r>
-              <a:rPr lang="de-CH" dirty="0" smtClean="0"/>
-              <a:t>Fehlende Erfahrung</a:t>
-            </a:r>
-          </a:p>
-          <a:p>
-            <a:pPr lvl="1"/>
-            <a:r>
-              <a:rPr lang="de-CH" dirty="0" smtClean="0"/>
-              <a:t>Keine Vorstellung für Umsetzungsmöglichkeiten</a:t>
-            </a:r>
-          </a:p>
-          <a:p>
-            <a:endParaRPr lang="de-CH" dirty="0"/>
-          </a:p>
-          <a:p>
-            <a:r>
-              <a:rPr lang="de-CH" dirty="0" err="1" smtClean="0"/>
-              <a:t>Lessons</a:t>
-            </a:r>
-            <a:r>
-              <a:rPr lang="de-CH" dirty="0" smtClean="0"/>
-              <a:t> </a:t>
-            </a:r>
-            <a:r>
-              <a:rPr lang="de-CH" dirty="0" err="1" smtClean="0"/>
-              <a:t>learned</a:t>
-            </a:r>
-            <a:endParaRPr lang="de-CH" dirty="0" smtClean="0"/>
-          </a:p>
-          <a:p>
-            <a:pPr lvl="1"/>
-            <a:r>
-              <a:rPr lang="de-CH" dirty="0" smtClean="0"/>
-              <a:t>Konsumentensicht</a:t>
-            </a:r>
-          </a:p>
-          <a:p>
-            <a:pPr lvl="1"/>
-            <a:r>
-              <a:rPr lang="de-CH" dirty="0" smtClean="0"/>
-              <a:t>Viele Ideen entwickeln</a:t>
-            </a:r>
-          </a:p>
-          <a:p>
-            <a:pPr lvl="1"/>
-            <a:r>
-              <a:rPr lang="de-CH" dirty="0" smtClean="0"/>
-              <a:t>Noch nicht an Umsetzung denken</a:t>
-            </a:r>
-          </a:p>
-        </p:txBody>
-      </p:sp>
-      <p:sp>
-        <p:nvSpPr>
-          <p:cNvPr id="5" name="Titel 4"/>
-          <p:cNvSpPr>
-            <a:spLocks noGrp="1"/>
-          </p:cNvSpPr>
-          <p:nvPr>
-            <p:ph type="ctrTitle"/>
-          </p:nvPr>
-        </p:nvSpPr>
-        <p:spPr/>
-        <p:txBody>
-          <a:bodyPr/>
-          <a:lstStyle/>
-          <a:p>
-            <a:pPr algn="ctr"/>
-            <a:r>
-              <a:rPr lang="de-CH" dirty="0" smtClean="0"/>
-              <a:t>Prozess </a:t>
-            </a:r>
-            <a:br>
-              <a:rPr lang="de-CH" dirty="0" smtClean="0"/>
-            </a:br>
-            <a:r>
-              <a:rPr lang="de-CH" sz="2000" dirty="0" smtClean="0"/>
-              <a:t>Storyboard</a:t>
-            </a:r>
-            <a:endParaRPr lang="de-CH" sz="2200" dirty="0"/>
-          </a:p>
-        </p:txBody>
-      </p:sp>
-    </p:spTree>
-    <p:extLst>
-      <p:ext uri="{BB962C8B-B14F-4D97-AF65-F5344CB8AC3E}">
-        <p14:creationId xmlns:p14="http://schemas.microsoft.com/office/powerpoint/2010/main" val="352211297"/>
-      </p:ext>
-    </p:extLst>
-  </p:cSld>
-  <p:clrMapOvr>
-    <a:masterClrMapping/>
-  </p:clrMapOvr>
-  <p:timing>
-    <p:tnLst>
-      <p:par>
-        <p:cTn id="1" dur="indefinite" restart="never" nodeType="tmRoot"/>
-      </p:par>
-    </p:tnLst>
-  </p:timing>
-</p:sld>
-</file>
-
-<file path=ppt/slides/slide12.xml><?xml version="1.0" encoding="utf-8"?>
-<p:sld xmlns:a="http://schemas.openxmlformats.org/drawingml/2006/main" xmlns:r="http://schemas.openxmlformats.org/officeDocument/2006/relationships" xmlns:p="http://schemas.openxmlformats.org/presentationml/2006/main">
-  <p:cSld>
-    <p:spTree>
-      <p:nvGrpSpPr>
-        <p:cNvPr id="1" name=""/>
-        <p:cNvGrpSpPr/>
-        <p:nvPr/>
-      </p:nvGrpSpPr>
-      <p:grpSpPr>
-        <a:xfrm>
-          <a:off x="0" y="0"/>
-          <a:ext cx="0" cy="0"/>
-          <a:chOff x="0" y="0"/>
-          <a:chExt cx="0" cy="0"/>
-        </a:xfrm>
-      </p:grpSpPr>
-      <p:sp>
-        <p:nvSpPr>
-          <p:cNvPr id="6" name="Inhaltsplatzhalter 5"/>
-          <p:cNvSpPr>
-            <a:spLocks noGrp="1"/>
-          </p:cNvSpPr>
-          <p:nvPr>
-            <p:ph sz="half" idx="1"/>
-          </p:nvPr>
-        </p:nvSpPr>
-        <p:spPr/>
-        <p:txBody>
-          <a:bodyPr/>
-          <a:lstStyle/>
-          <a:p>
-            <a:r>
-              <a:rPr lang="de-CH" dirty="0" smtClean="0"/>
-              <a:t>Schwierigkeiten</a:t>
-            </a:r>
-          </a:p>
-          <a:p>
-            <a:pPr lvl="1"/>
-            <a:r>
-              <a:rPr lang="de-CH" dirty="0" smtClean="0"/>
-              <a:t>Viele Einflussfaktoren</a:t>
-            </a:r>
-          </a:p>
-          <a:p>
-            <a:pPr lvl="1"/>
-            <a:r>
-              <a:rPr lang="de-CH" dirty="0" smtClean="0"/>
-              <a:t>Fehlende Erfahrung</a:t>
-            </a:r>
-            <a:endParaRPr lang="de-CH" dirty="0"/>
-          </a:p>
-          <a:p>
-            <a:pPr lvl="1"/>
-            <a:endParaRPr lang="de-CH" dirty="0" smtClean="0"/>
-          </a:p>
-          <a:p>
-            <a:r>
-              <a:rPr lang="de-CH" dirty="0" err="1" smtClean="0"/>
-              <a:t>Lessons</a:t>
-            </a:r>
-            <a:r>
-              <a:rPr lang="de-CH" dirty="0" smtClean="0"/>
-              <a:t> </a:t>
-            </a:r>
-            <a:r>
-              <a:rPr lang="de-CH" dirty="0" err="1" smtClean="0"/>
-              <a:t>learned</a:t>
-            </a:r>
-            <a:endParaRPr lang="de-CH" dirty="0" smtClean="0"/>
-          </a:p>
-          <a:p>
-            <a:pPr lvl="1"/>
-            <a:r>
-              <a:rPr lang="de-CH" dirty="0" smtClean="0"/>
-              <a:t>Grundlage des Projekts</a:t>
-            </a:r>
-          </a:p>
-          <a:p>
-            <a:pPr lvl="1"/>
-            <a:r>
-              <a:rPr lang="de-CH" dirty="0" smtClean="0"/>
-              <a:t>Alle Faktoren berücksichtigen</a:t>
-            </a:r>
-          </a:p>
-          <a:p>
-            <a:pPr lvl="2"/>
-            <a:r>
-              <a:rPr lang="de-CH" dirty="0" smtClean="0"/>
-              <a:t>Richtlinien</a:t>
-            </a:r>
-          </a:p>
-          <a:p>
-            <a:pPr lvl="2"/>
-            <a:r>
-              <a:rPr lang="de-CH" dirty="0" smtClean="0"/>
-              <a:t>Kundenanforderungen</a:t>
-            </a:r>
-          </a:p>
-          <a:p>
-            <a:pPr lvl="2"/>
-            <a:r>
-              <a:rPr lang="de-CH" dirty="0" smtClean="0"/>
-              <a:t>…</a:t>
-            </a:r>
-          </a:p>
-          <a:p>
-            <a:pPr lvl="1"/>
-            <a:endParaRPr lang="de-CH" dirty="0"/>
-          </a:p>
-        </p:txBody>
-      </p:sp>
-      <p:sp>
-        <p:nvSpPr>
-          <p:cNvPr id="5" name="Titel 4"/>
-          <p:cNvSpPr>
-            <a:spLocks noGrp="1"/>
-          </p:cNvSpPr>
-          <p:nvPr>
-            <p:ph type="ctrTitle"/>
-          </p:nvPr>
-        </p:nvSpPr>
-        <p:spPr/>
-        <p:txBody>
-          <a:bodyPr/>
-          <a:lstStyle/>
-          <a:p>
-            <a:pPr algn="ctr"/>
-            <a:r>
-              <a:rPr lang="de-CH" dirty="0" smtClean="0"/>
-              <a:t>Prozess </a:t>
-            </a:r>
-            <a:br>
-              <a:rPr lang="de-CH" dirty="0" smtClean="0"/>
-            </a:br>
-            <a:r>
-              <a:rPr lang="de-CH" sz="2000" dirty="0" err="1" smtClean="0"/>
-              <a:t>Requirements</a:t>
-            </a:r>
-            <a:endParaRPr lang="de-CH" sz="2200" dirty="0"/>
-          </a:p>
-        </p:txBody>
-      </p:sp>
-    </p:spTree>
-    <p:extLst>
-      <p:ext uri="{BB962C8B-B14F-4D97-AF65-F5344CB8AC3E}">
-        <p14:creationId xmlns:p14="http://schemas.microsoft.com/office/powerpoint/2010/main" val="1331511723"/>
-      </p:ext>
-    </p:extLst>
-  </p:cSld>
-  <p:clrMapOvr>
-    <a:masterClrMapping/>
-  </p:clrMapOvr>
-</p:sld>
-</file>
-
-<file path=ppt/slides/slide13.xml><?xml version="1.0" encoding="utf-8"?>
-<p:sld xmlns:a="http://schemas.openxmlformats.org/drawingml/2006/main" xmlns:r="http://schemas.openxmlformats.org/officeDocument/2006/relationships" xmlns:p="http://schemas.openxmlformats.org/presentationml/2006/main">
-  <p:cSld>
-    <p:spTree>
-      <p:nvGrpSpPr>
-        <p:cNvPr id="1" name=""/>
-        <p:cNvGrpSpPr/>
-        <p:nvPr/>
-      </p:nvGrpSpPr>
-      <p:grpSpPr>
-        <a:xfrm>
-          <a:off x="0" y="0"/>
-          <a:ext cx="0" cy="0"/>
-          <a:chOff x="0" y="0"/>
-          <a:chExt cx="0" cy="0"/>
-        </a:xfrm>
-      </p:grpSpPr>
-      <p:sp>
-        <p:nvSpPr>
-          <p:cNvPr id="6" name="Inhaltsplatzhalter 5"/>
-          <p:cNvSpPr>
-            <a:spLocks noGrp="1"/>
-          </p:cNvSpPr>
-          <p:nvPr>
-            <p:ph sz="half" idx="1"/>
-          </p:nvPr>
-        </p:nvSpPr>
-        <p:spPr/>
-        <p:txBody>
-          <a:bodyPr/>
-          <a:lstStyle/>
-          <a:p>
-            <a:r>
-              <a:rPr lang="de-CH" dirty="0" smtClean="0"/>
-              <a:t>Schwierigkeiten</a:t>
-            </a:r>
-          </a:p>
-          <a:p>
-            <a:pPr lvl="1"/>
-            <a:r>
-              <a:rPr lang="de-CH" dirty="0" smtClean="0"/>
-              <a:t>Fehlende Erfahrung</a:t>
-            </a:r>
-          </a:p>
-          <a:p>
-            <a:pPr lvl="2"/>
-            <a:r>
-              <a:rPr lang="de-CH" dirty="0" smtClean="0"/>
-              <a:t>Wichtige Punkte vergessen</a:t>
-            </a:r>
-          </a:p>
-          <a:p>
-            <a:pPr lvl="1"/>
-            <a:r>
-              <a:rPr lang="de-CH" dirty="0" smtClean="0"/>
-              <a:t>Überblick behalten</a:t>
-            </a:r>
-          </a:p>
-          <a:p>
-            <a:pPr lvl="1"/>
-            <a:r>
-              <a:rPr lang="de-CH" dirty="0" smtClean="0"/>
-              <a:t>Anbindung an </a:t>
-            </a:r>
-            <a:r>
-              <a:rPr lang="de-CH" dirty="0" err="1" smtClean="0"/>
-              <a:t>Vaadin</a:t>
-            </a:r>
-            <a:endParaRPr lang="de-CH" dirty="0"/>
-          </a:p>
-          <a:p>
-            <a:endParaRPr lang="de-CH" dirty="0" smtClean="0"/>
-          </a:p>
-          <a:p>
-            <a:r>
-              <a:rPr lang="de-CH" dirty="0" err="1" smtClean="0"/>
-              <a:t>Lessons</a:t>
-            </a:r>
-            <a:r>
-              <a:rPr lang="de-CH" dirty="0" smtClean="0"/>
-              <a:t> </a:t>
-            </a:r>
-            <a:r>
-              <a:rPr lang="de-CH" dirty="0" err="1" smtClean="0"/>
-              <a:t>learned</a:t>
-            </a:r>
-            <a:endParaRPr lang="de-CH" dirty="0" smtClean="0"/>
-          </a:p>
-          <a:p>
-            <a:pPr lvl="1"/>
-            <a:r>
-              <a:rPr lang="de-CH" dirty="0" smtClean="0"/>
-              <a:t>Ressourcen abklären</a:t>
-            </a:r>
-          </a:p>
-          <a:p>
-            <a:pPr lvl="1"/>
-            <a:r>
-              <a:rPr lang="de-CH" dirty="0" smtClean="0"/>
-              <a:t>Externe Frameworks sind gut aber…</a:t>
-            </a:r>
-          </a:p>
-          <a:p>
-            <a:pPr lvl="1"/>
-            <a:endParaRPr lang="de-CH" dirty="0"/>
-          </a:p>
-        </p:txBody>
-      </p:sp>
-      <p:sp>
-        <p:nvSpPr>
-          <p:cNvPr id="5" name="Titel 4"/>
-          <p:cNvSpPr>
-            <a:spLocks noGrp="1"/>
-          </p:cNvSpPr>
-          <p:nvPr>
-            <p:ph type="ctrTitle"/>
-          </p:nvPr>
-        </p:nvSpPr>
-        <p:spPr/>
-        <p:txBody>
-          <a:bodyPr/>
-          <a:lstStyle/>
-          <a:p>
-            <a:pPr algn="ctr"/>
-            <a:r>
-              <a:rPr lang="de-CH" dirty="0" smtClean="0"/>
-              <a:t>Prozess </a:t>
-            </a:r>
-            <a:br>
-              <a:rPr lang="de-CH" dirty="0" smtClean="0"/>
-            </a:br>
-            <a:r>
-              <a:rPr lang="de-CH" sz="2000" dirty="0" smtClean="0"/>
-              <a:t>Design</a:t>
-            </a:r>
-            <a:endParaRPr lang="de-CH" sz="2200" dirty="0"/>
-          </a:p>
-        </p:txBody>
-      </p:sp>
-    </p:spTree>
-    <p:extLst>
-      <p:ext uri="{BB962C8B-B14F-4D97-AF65-F5344CB8AC3E}">
-        <p14:creationId xmlns:p14="http://schemas.microsoft.com/office/powerpoint/2010/main" val="1305885463"/>
-      </p:ext>
-    </p:extLst>
-  </p:cSld>
-  <p:clrMapOvr>
-    <a:masterClrMapping/>
-  </p:clrMapOvr>
-</p:sld>
-</file>
-
-<file path=ppt/slides/slide14.xml><?xml version="1.0" encoding="utf-8"?>
-<p:sld xmlns:a="http://schemas.openxmlformats.org/drawingml/2006/main" xmlns:r="http://schemas.openxmlformats.org/officeDocument/2006/relationships" xmlns:p="http://schemas.openxmlformats.org/presentationml/2006/main">
-  <p:cSld>
-    <p:spTree>
-      <p:nvGrpSpPr>
-        <p:cNvPr id="1" name=""/>
-        <p:cNvGrpSpPr/>
-        <p:nvPr/>
-      </p:nvGrpSpPr>
-      <p:grpSpPr>
-        <a:xfrm>
-          <a:off x="0" y="0"/>
-          <a:ext cx="0" cy="0"/>
-          <a:chOff x="0" y="0"/>
-          <a:chExt cx="0" cy="0"/>
-        </a:xfrm>
-      </p:grpSpPr>
-      <p:sp>
-        <p:nvSpPr>
-          <p:cNvPr id="6" name="Inhaltsplatzhalter 5"/>
-          <p:cNvSpPr>
-            <a:spLocks noGrp="1"/>
-          </p:cNvSpPr>
-          <p:nvPr>
-            <p:ph sz="half" idx="1"/>
-          </p:nvPr>
-        </p:nvSpPr>
-        <p:spPr/>
-        <p:txBody>
-          <a:bodyPr/>
-          <a:lstStyle/>
-          <a:p>
-            <a:r>
-              <a:rPr lang="de-CH" dirty="0" smtClean="0"/>
-              <a:t>Schwierigkeiten</a:t>
-            </a:r>
-          </a:p>
-          <a:p>
-            <a:pPr lvl="1"/>
-            <a:r>
-              <a:rPr lang="de-CH" dirty="0" smtClean="0"/>
-              <a:t>Arbeitsaufteilung</a:t>
-            </a:r>
-          </a:p>
-          <a:p>
-            <a:pPr lvl="1"/>
-            <a:r>
-              <a:rPr lang="de-CH" dirty="0" smtClean="0"/>
-              <a:t>Fehlende Erfahrung</a:t>
-            </a:r>
-          </a:p>
-          <a:p>
-            <a:pPr lvl="1"/>
-            <a:r>
-              <a:rPr lang="de-CH" dirty="0" smtClean="0"/>
-              <a:t>Aufwand schätzen</a:t>
-            </a:r>
-          </a:p>
-          <a:p>
-            <a:pPr lvl="1"/>
-            <a:r>
-              <a:rPr lang="de-CH" dirty="0" smtClean="0"/>
-              <a:t>Machbarkeit einschätzen</a:t>
-            </a:r>
-            <a:endParaRPr lang="de-CH" dirty="0"/>
-          </a:p>
-          <a:p>
-            <a:endParaRPr lang="de-CH" dirty="0" smtClean="0"/>
-          </a:p>
-          <a:p>
-            <a:r>
-              <a:rPr lang="de-CH" dirty="0" err="1" smtClean="0"/>
-              <a:t>Lessons</a:t>
-            </a:r>
-            <a:r>
-              <a:rPr lang="de-CH" dirty="0" smtClean="0"/>
-              <a:t> </a:t>
-            </a:r>
-            <a:r>
-              <a:rPr lang="de-CH" dirty="0" err="1" smtClean="0"/>
-              <a:t>learned</a:t>
-            </a:r>
-            <a:endParaRPr lang="de-CH" dirty="0" smtClean="0"/>
-          </a:p>
-          <a:p>
-            <a:pPr lvl="1"/>
-            <a:r>
-              <a:rPr lang="de-CH" dirty="0" smtClean="0"/>
-              <a:t>Umgang mit Ressourcen</a:t>
-            </a:r>
-          </a:p>
-          <a:p>
-            <a:pPr lvl="1"/>
-            <a:r>
-              <a:rPr lang="de-CH" dirty="0" smtClean="0"/>
-              <a:t>Teamarbeit</a:t>
-            </a:r>
-          </a:p>
-          <a:p>
-            <a:pPr lvl="1"/>
-            <a:r>
-              <a:rPr lang="de-CH" dirty="0" err="1" smtClean="0"/>
-              <a:t>Scrum</a:t>
-            </a:r>
-            <a:r>
-              <a:rPr lang="de-CH" dirty="0" smtClean="0"/>
-              <a:t>-Vorgehensweise</a:t>
-            </a:r>
-          </a:p>
-          <a:p>
-            <a:pPr lvl="1"/>
-            <a:endParaRPr lang="de-CH" dirty="0"/>
-          </a:p>
-        </p:txBody>
-      </p:sp>
-      <p:sp>
-        <p:nvSpPr>
-          <p:cNvPr id="5" name="Titel 4"/>
-          <p:cNvSpPr>
-            <a:spLocks noGrp="1"/>
-          </p:cNvSpPr>
-          <p:nvPr>
-            <p:ph type="ctrTitle"/>
-          </p:nvPr>
-        </p:nvSpPr>
-        <p:spPr/>
-        <p:txBody>
-          <a:bodyPr/>
-          <a:lstStyle/>
-          <a:p>
-            <a:pPr algn="ctr"/>
-            <a:r>
-              <a:rPr lang="de-CH" dirty="0" smtClean="0"/>
-              <a:t>Prozess </a:t>
-            </a:r>
-            <a:br>
-              <a:rPr lang="de-CH" dirty="0" smtClean="0"/>
-            </a:br>
-            <a:r>
-              <a:rPr lang="de-CH" sz="2000" dirty="0" smtClean="0"/>
-              <a:t>Implementation</a:t>
-            </a:r>
-            <a:endParaRPr lang="de-CH" sz="2200" dirty="0"/>
-          </a:p>
-        </p:txBody>
-      </p:sp>
-    </p:spTree>
-    <p:extLst>
-      <p:ext uri="{BB962C8B-B14F-4D97-AF65-F5344CB8AC3E}">
-        <p14:creationId xmlns:p14="http://schemas.microsoft.com/office/powerpoint/2010/main" val="2523521946"/>
-      </p:ext>
-    </p:extLst>
-  </p:cSld>
-  <p:clrMapOvr>
-    <a:masterClrMapping/>
-  </p:clrMapOvr>
-</p:sld>
-</file>
-
-<file path=ppt/slides/slide15.xml><?xml version="1.0" encoding="utf-8"?>
-<p:sld xmlns:a="http://schemas.openxmlformats.org/drawingml/2006/main" xmlns:r="http://schemas.openxmlformats.org/officeDocument/2006/relationships" xmlns:p="http://schemas.openxmlformats.org/presentationml/2006/main">
-  <p:cSld>
-    <p:spTree>
-      <p:nvGrpSpPr>
-        <p:cNvPr id="1" name=""/>
-        <p:cNvGrpSpPr/>
-        <p:nvPr/>
-      </p:nvGrpSpPr>
-      <p:grpSpPr>
-        <a:xfrm>
-          <a:off x="0" y="0"/>
-          <a:ext cx="0" cy="0"/>
-          <a:chOff x="0" y="0"/>
-          <a:chExt cx="0" cy="0"/>
-        </a:xfrm>
-      </p:grpSpPr>
-      <p:sp>
-        <p:nvSpPr>
-          <p:cNvPr id="3" name="Titel 2"/>
-          <p:cNvSpPr>
-            <a:spLocks noGrp="1"/>
-          </p:cNvSpPr>
-          <p:nvPr>
-            <p:ph type="ctrTitle"/>
-          </p:nvPr>
-        </p:nvSpPr>
-        <p:spPr/>
-        <p:txBody>
-          <a:bodyPr/>
-          <a:lstStyle/>
-          <a:p>
-            <a:r>
-              <a:rPr lang="de-DE" b="1" dirty="0" err="1" smtClean="0"/>
-              <a:t>Scrum</a:t>
-            </a:r>
-            <a:r>
-              <a:rPr lang="de-DE" b="1" dirty="0" smtClean="0"/>
-              <a:t> Master</a:t>
-            </a:r>
-            <a:endParaRPr lang="de-CH" dirty="0"/>
-          </a:p>
-        </p:txBody>
-      </p:sp>
-      <p:sp>
-        <p:nvSpPr>
-          <p:cNvPr id="6" name="Inhaltsplatzhalter 5"/>
-          <p:cNvSpPr>
-            <a:spLocks noGrp="1"/>
-          </p:cNvSpPr>
-          <p:nvPr>
-            <p:ph sz="half" idx="13"/>
-          </p:nvPr>
-        </p:nvSpPr>
-        <p:spPr>
-          <a:xfrm>
-            <a:off x="468000" y="1099750"/>
-            <a:ext cx="8100000" cy="5020249"/>
-          </a:xfrm>
-        </p:spPr>
-        <p:txBody>
-          <a:bodyPr/>
-          <a:lstStyle/>
-          <a:p>
-            <a:r>
-              <a:rPr lang="de-CH" dirty="0" err="1" smtClean="0"/>
-              <a:t>Lessons</a:t>
-            </a:r>
-            <a:r>
-              <a:rPr lang="de-CH" dirty="0" smtClean="0"/>
-              <a:t> </a:t>
-            </a:r>
-            <a:r>
-              <a:rPr lang="de-CH" dirty="0" err="1" smtClean="0"/>
-              <a:t>learned</a:t>
-            </a:r>
-            <a:endParaRPr lang="de-CH" dirty="0" smtClean="0"/>
-          </a:p>
-          <a:p>
-            <a:pPr lvl="1"/>
-            <a:r>
-              <a:rPr lang="de-CH" dirty="0" smtClean="0"/>
-              <a:t>Unterschiedliche Fähigkeiten des Teams</a:t>
-            </a:r>
-          </a:p>
-          <a:p>
-            <a:pPr lvl="1"/>
-            <a:r>
-              <a:rPr lang="de-CH" dirty="0" smtClean="0"/>
-              <a:t>Zeitplanung</a:t>
-            </a:r>
-          </a:p>
-          <a:p>
-            <a:pPr lvl="1"/>
-            <a:r>
-              <a:rPr lang="de-CH" dirty="0" smtClean="0"/>
-              <a:t>Fehlende Erfahrung</a:t>
-            </a:r>
-          </a:p>
-          <a:p>
-            <a:pPr lvl="1"/>
-            <a:r>
-              <a:rPr lang="de-CH" dirty="0" smtClean="0"/>
-              <a:t>Prioritäten setzen</a:t>
-            </a:r>
-          </a:p>
-          <a:p>
-            <a:pPr lvl="1"/>
-            <a:r>
-              <a:rPr lang="de-CH" dirty="0" smtClean="0"/>
-              <a:t>Überblick behalten</a:t>
-            </a:r>
-          </a:p>
-          <a:p>
-            <a:pPr lvl="1"/>
-            <a:endParaRPr lang="de-CH" dirty="0" smtClean="0"/>
-          </a:p>
-        </p:txBody>
-      </p:sp>
-    </p:spTree>
-    <p:extLst>
-      <p:ext uri="{BB962C8B-B14F-4D97-AF65-F5344CB8AC3E}">
-        <p14:creationId xmlns:p14="http://schemas.microsoft.com/office/powerpoint/2010/main" val="3305796004"/>
-      </p:ext>
-    </p:extLst>
-  </p:cSld>
-  <p:clrMapOvr>
-    <a:masterClrMapping/>
-  </p:clrMapOvr>
-</p:sld>
-</file>
-
-<file path=ppt/slides/slide16.xml><?xml version="1.0" encoding="utf-8"?>
-<p:sld xmlns:a="http://schemas.openxmlformats.org/drawingml/2006/main" xmlns:r="http://schemas.openxmlformats.org/officeDocument/2006/relationships" xmlns:p="http://schemas.openxmlformats.org/presentationml/2006/main">
-  <p:cSld>
-    <p:spTree>
-      <p:nvGrpSpPr>
-        <p:cNvPr id="1" name=""/>
-        <p:cNvGrpSpPr/>
-        <p:nvPr/>
-      </p:nvGrpSpPr>
-      <p:grpSpPr>
-        <a:xfrm>
-          <a:off x="0" y="0"/>
-          <a:ext cx="0" cy="0"/>
-          <a:chOff x="0" y="0"/>
-          <a:chExt cx="0" cy="0"/>
-        </a:xfrm>
-      </p:grpSpPr>
-      <p:sp>
-        <p:nvSpPr>
-          <p:cNvPr id="3" name="Titel 2"/>
-          <p:cNvSpPr>
-            <a:spLocks noGrp="1"/>
-          </p:cNvSpPr>
-          <p:nvPr>
-            <p:ph type="ctrTitle"/>
-          </p:nvPr>
-        </p:nvSpPr>
-        <p:spPr/>
-        <p:txBody>
-          <a:bodyPr/>
-          <a:lstStyle/>
-          <a:p>
-            <a:r>
-              <a:rPr lang="de-DE" b="1" dirty="0" err="1" smtClean="0"/>
-              <a:t>Scrum</a:t>
-            </a:r>
-            <a:r>
-              <a:rPr lang="de-DE" b="1" dirty="0" smtClean="0"/>
-              <a:t> Member</a:t>
-            </a:r>
-            <a:endParaRPr lang="de-CH" dirty="0"/>
-          </a:p>
-        </p:txBody>
-      </p:sp>
-      <p:sp>
-        <p:nvSpPr>
-          <p:cNvPr id="6" name="Inhaltsplatzhalter 5"/>
-          <p:cNvSpPr>
-            <a:spLocks noGrp="1"/>
-          </p:cNvSpPr>
-          <p:nvPr>
-            <p:ph sz="half" idx="13"/>
-          </p:nvPr>
-        </p:nvSpPr>
-        <p:spPr>
-          <a:xfrm>
-            <a:off x="468000" y="1099750"/>
-            <a:ext cx="8100000" cy="5020249"/>
-          </a:xfrm>
-        </p:spPr>
-        <p:txBody>
-          <a:bodyPr/>
-          <a:lstStyle/>
-          <a:p>
-            <a:r>
-              <a:rPr lang="de-CH" dirty="0" err="1" smtClean="0"/>
-              <a:t>Lessons</a:t>
-            </a:r>
-            <a:r>
-              <a:rPr lang="de-CH" dirty="0" smtClean="0"/>
-              <a:t> </a:t>
-            </a:r>
-            <a:r>
-              <a:rPr lang="de-CH" dirty="0" err="1" smtClean="0"/>
-              <a:t>learned</a:t>
-            </a:r>
-            <a:endParaRPr lang="de-CH" dirty="0" smtClean="0"/>
-          </a:p>
-          <a:p>
-            <a:pPr lvl="1"/>
-            <a:r>
-              <a:rPr lang="de-CH" dirty="0" smtClean="0"/>
-              <a:t>Daily </a:t>
-            </a:r>
-            <a:r>
-              <a:rPr lang="de-CH" dirty="0" err="1" smtClean="0"/>
-              <a:t>Scrum</a:t>
-            </a:r>
-            <a:r>
-              <a:rPr lang="de-CH" dirty="0" smtClean="0"/>
-              <a:t> wichtig für</a:t>
-            </a:r>
-          </a:p>
-          <a:p>
-            <a:pPr lvl="2"/>
-            <a:r>
-              <a:rPr lang="de-CH" dirty="0" smtClean="0"/>
-              <a:t>Arbeitsaufteilung</a:t>
-            </a:r>
-          </a:p>
-          <a:p>
-            <a:pPr lvl="2"/>
-            <a:r>
-              <a:rPr lang="de-CH" dirty="0" smtClean="0"/>
-              <a:t>Fortschritt</a:t>
-            </a:r>
-          </a:p>
-          <a:p>
-            <a:pPr lvl="2"/>
-            <a:r>
-              <a:rPr lang="de-CH" dirty="0" smtClean="0"/>
-              <a:t>Lösungssuche</a:t>
-            </a:r>
-          </a:p>
-          <a:p>
-            <a:pPr lvl="1"/>
-            <a:r>
-              <a:rPr lang="de-CH" dirty="0" smtClean="0"/>
-              <a:t>Dokumente </a:t>
-            </a:r>
-            <a:r>
-              <a:rPr lang="de-CH" dirty="0" err="1" smtClean="0"/>
-              <a:t>up</a:t>
-            </a:r>
-            <a:r>
-              <a:rPr lang="de-CH" dirty="0" smtClean="0"/>
-              <a:t> </a:t>
-            </a:r>
-            <a:r>
-              <a:rPr lang="de-CH" dirty="0" err="1" smtClean="0"/>
-              <a:t>to</a:t>
-            </a:r>
-            <a:r>
-              <a:rPr lang="de-CH" dirty="0" smtClean="0"/>
-              <a:t> </a:t>
-            </a:r>
-            <a:r>
-              <a:rPr lang="de-CH" dirty="0" err="1" smtClean="0"/>
-              <a:t>date</a:t>
-            </a:r>
-            <a:r>
-              <a:rPr lang="de-CH" dirty="0" smtClean="0"/>
-              <a:t> halten</a:t>
-            </a:r>
-          </a:p>
-          <a:p>
-            <a:pPr lvl="1"/>
-            <a:r>
-              <a:rPr lang="de-CH" dirty="0" smtClean="0"/>
-              <a:t>Zeitplanung</a:t>
-            </a:r>
-          </a:p>
-          <a:p>
-            <a:pPr lvl="1"/>
-            <a:endParaRPr lang="de-CH" dirty="0"/>
-          </a:p>
-        </p:txBody>
-      </p:sp>
-    </p:spTree>
-    <p:extLst>
-      <p:ext uri="{BB962C8B-B14F-4D97-AF65-F5344CB8AC3E}">
-        <p14:creationId xmlns:p14="http://schemas.microsoft.com/office/powerpoint/2010/main" val="611237871"/>
-      </p:ext>
-    </p:extLst>
-  </p:cSld>
-  <p:clrMapOvr>
-    <a:masterClrMapping/>
-  </p:clrMapOvr>
-</p:sld>
-</file>
-
-<file path=ppt/slides/slide17.xml><?xml version="1.0" encoding="utf-8"?>
-<p:sld xmlns:a="http://schemas.openxmlformats.org/drawingml/2006/main" xmlns:r="http://schemas.openxmlformats.org/officeDocument/2006/relationships" xmlns:p="http://schemas.openxmlformats.org/presentationml/2006/main">
-  <p:cSld>
-    <p:spTree>
-      <p:nvGrpSpPr>
-        <p:cNvPr id="1" name=""/>
-        <p:cNvGrpSpPr/>
-        <p:nvPr/>
-      </p:nvGrpSpPr>
-      <p:grpSpPr>
-        <a:xfrm>
-          <a:off x="0" y="0"/>
-          <a:ext cx="0" cy="0"/>
-          <a:chOff x="0" y="0"/>
-          <a:chExt cx="0" cy="0"/>
-        </a:xfrm>
-      </p:grpSpPr>
-      <p:sp>
-        <p:nvSpPr>
-          <p:cNvPr id="3" name="Titel 2"/>
-          <p:cNvSpPr>
-            <a:spLocks noGrp="1"/>
-          </p:cNvSpPr>
-          <p:nvPr>
-            <p:ph type="ctrTitle"/>
-          </p:nvPr>
-        </p:nvSpPr>
-        <p:spPr/>
-        <p:txBody>
-          <a:bodyPr/>
-          <a:lstStyle/>
-          <a:p>
-            <a:r>
-              <a:rPr lang="de-DE" b="1" dirty="0" err="1" smtClean="0"/>
-              <a:t>You</a:t>
-            </a:r>
-            <a:r>
-              <a:rPr lang="de-DE" b="1" dirty="0" smtClean="0"/>
-              <a:t>, </a:t>
-            </a:r>
-            <a:r>
-              <a:rPr lang="de-DE" b="1" dirty="0" err="1" smtClean="0"/>
-              <a:t>your</a:t>
-            </a:r>
-            <a:r>
-              <a:rPr lang="de-DE" b="1" dirty="0" smtClean="0"/>
-              <a:t> </a:t>
-            </a:r>
-            <a:r>
-              <a:rPr lang="de-DE" b="1" dirty="0" err="1" smtClean="0"/>
-              <a:t>team</a:t>
-            </a:r>
-            <a:r>
-              <a:rPr lang="de-DE" b="1" dirty="0" smtClean="0"/>
-              <a:t> </a:t>
-            </a:r>
-            <a:r>
-              <a:rPr lang="de-DE" b="1" dirty="0" err="1" smtClean="0"/>
-              <a:t>and</a:t>
-            </a:r>
-            <a:r>
-              <a:rPr lang="de-DE" b="1" dirty="0" smtClean="0"/>
-              <a:t> </a:t>
-            </a:r>
-            <a:r>
-              <a:rPr lang="de-DE" b="1" dirty="0" err="1" smtClean="0"/>
-              <a:t>the</a:t>
-            </a:r>
-            <a:r>
-              <a:rPr lang="de-DE" b="1" dirty="0" smtClean="0"/>
-              <a:t> </a:t>
-            </a:r>
-            <a:r>
-              <a:rPr lang="de-DE" b="1" dirty="0" err="1" smtClean="0"/>
-              <a:t>course</a:t>
-            </a:r>
-            <a:endParaRPr lang="de-CH" dirty="0"/>
-          </a:p>
-        </p:txBody>
-      </p:sp>
-      <p:sp>
-        <p:nvSpPr>
-          <p:cNvPr id="6" name="Inhaltsplatzhalter 5"/>
-          <p:cNvSpPr>
-            <a:spLocks noGrp="1"/>
-          </p:cNvSpPr>
-          <p:nvPr>
-            <p:ph sz="half" idx="13"/>
-          </p:nvPr>
-        </p:nvSpPr>
-        <p:spPr>
-          <a:xfrm>
-            <a:off x="468000" y="1099750"/>
-            <a:ext cx="8100000" cy="5020249"/>
-          </a:xfrm>
-        </p:spPr>
-        <p:txBody>
-          <a:bodyPr/>
-          <a:lstStyle/>
-          <a:p>
-            <a:pPr lvl="1"/>
-            <a:r>
-              <a:rPr lang="de-CH" dirty="0"/>
-              <a:t>Eigenverantwortung </a:t>
-            </a:r>
-            <a:r>
-              <a:rPr lang="de-CH" dirty="0" smtClean="0"/>
-              <a:t>für das gesamte Projekt</a:t>
-            </a:r>
-          </a:p>
-          <a:p>
-            <a:pPr lvl="1"/>
-            <a:r>
-              <a:rPr lang="de-CH" dirty="0" smtClean="0"/>
-              <a:t>Unbekanntes Framework</a:t>
-            </a:r>
-          </a:p>
-          <a:p>
-            <a:pPr lvl="1"/>
-            <a:r>
-              <a:rPr lang="de-CH" dirty="0" smtClean="0"/>
-              <a:t>Umsetzung Theorie – Praxis</a:t>
-            </a:r>
-          </a:p>
-          <a:p>
-            <a:pPr lvl="2"/>
-            <a:r>
-              <a:rPr lang="de-CH" dirty="0" smtClean="0"/>
-              <a:t>Klassendiagram</a:t>
-            </a:r>
-          </a:p>
-          <a:p>
-            <a:pPr lvl="2"/>
-            <a:r>
-              <a:rPr lang="de-CH" dirty="0" smtClean="0"/>
-              <a:t>Medikamentenübersicht</a:t>
-            </a:r>
-          </a:p>
-          <a:p>
-            <a:pPr lvl="1"/>
-            <a:r>
-              <a:rPr lang="de-CH" dirty="0" smtClean="0"/>
-              <a:t>Semesterplanung</a:t>
-            </a:r>
-          </a:p>
-          <a:p>
-            <a:pPr lvl="2"/>
-            <a:r>
-              <a:rPr lang="de-CH" dirty="0" smtClean="0"/>
-              <a:t>Aufteilung Theorie – Projektarbeit</a:t>
-            </a:r>
-          </a:p>
-          <a:p>
-            <a:pPr lvl="1"/>
-            <a:r>
-              <a:rPr lang="de-CH" dirty="0" smtClean="0"/>
-              <a:t>Teamarbeit schwierig wenn Personen abwesend</a:t>
-            </a:r>
-          </a:p>
-        </p:txBody>
-      </p:sp>
-    </p:spTree>
-    <p:extLst>
-      <p:ext uri="{BB962C8B-B14F-4D97-AF65-F5344CB8AC3E}">
-        <p14:creationId xmlns:p14="http://schemas.microsoft.com/office/powerpoint/2010/main" val="3438071427"/>
-      </p:ext>
-    </p:extLst>
-  </p:cSld>
-  <p:clrMapOvr>
-    <a:masterClrMapping/>
-  </p:clrMapOvr>
-</p:sld>
-</file>
-
-<file path=ppt/slides/slide18.xml><?xml version="1.0" encoding="utf-8"?>
-<p:sld xmlns:a="http://schemas.openxmlformats.org/drawingml/2006/main" xmlns:r="http://schemas.openxmlformats.org/officeDocument/2006/relationships" xmlns:p="http://schemas.openxmlformats.org/presentationml/2006/main">
-  <p:cSld>
-    <p:spTree>
-      <p:nvGrpSpPr>
-        <p:cNvPr id="1" name=""/>
-        <p:cNvGrpSpPr/>
-        <p:nvPr/>
-      </p:nvGrpSpPr>
-      <p:grpSpPr>
-        <a:xfrm>
-          <a:off x="0" y="0"/>
-          <a:ext cx="0" cy="0"/>
-          <a:chOff x="0" y="0"/>
-          <a:chExt cx="0" cy="0"/>
-        </a:xfrm>
-      </p:grpSpPr>
-      <p:sp>
-        <p:nvSpPr>
-          <p:cNvPr id="2" name="Titel 1"/>
-          <p:cNvSpPr>
-            <a:spLocks noGrp="1"/>
-          </p:cNvSpPr>
-          <p:nvPr>
-            <p:ph type="ctrTitle"/>
-          </p:nvPr>
-        </p:nvSpPr>
-        <p:spPr/>
-        <p:txBody>
-          <a:bodyPr/>
-          <a:lstStyle/>
-          <a:p>
-            <a:r>
-              <a:rPr lang="de-DE" dirty="0"/>
-              <a:t>Herzlichen Dank!</a:t>
-            </a:r>
-            <a:endParaRPr lang="de-CH" dirty="0"/>
-          </a:p>
-        </p:txBody>
-      </p:sp>
-    </p:spTree>
-    <p:extLst>
-      <p:ext uri="{BB962C8B-B14F-4D97-AF65-F5344CB8AC3E}">
-        <p14:creationId xmlns:p14="http://schemas.microsoft.com/office/powerpoint/2010/main" val="1953900258"/>
-      </p:ext>
-    </p:extLst>
-  </p:cSld>
-  <p:clrMapOvr>
-    <a:masterClrMapping/>
-  </p:clrMapOvr>
-</p:sld>
-</file>
-
-<file path=ppt/slides/slide2.xml><?xml version="1.0" encoding="utf-8"?>
-<p:sld xmlns:a="http://schemas.openxmlformats.org/drawingml/2006/main" xmlns:r="http://schemas.openxmlformats.org/officeDocument/2006/relationships" xmlns:p="http://schemas.openxmlformats.org/presentationml/2006/main">
-  <p:cSld>
-    <p:spTree>
-      <p:nvGrpSpPr>
-        <p:cNvPr id="1" name=""/>
-        <p:cNvGrpSpPr/>
-        <p:nvPr/>
-      </p:nvGrpSpPr>
-      <p:grpSpPr>
-        <a:xfrm>
-          <a:off x="0" y="0"/>
-          <a:ext cx="0" cy="0"/>
-          <a:chOff x="0" y="0"/>
-          <a:chExt cx="0" cy="0"/>
-        </a:xfrm>
-      </p:grpSpPr>
-      <p:sp>
-        <p:nvSpPr>
-          <p:cNvPr id="2" name="Inhaltsplatzhalter 1"/>
-          <p:cNvSpPr>
-            <a:spLocks noGrp="1"/>
-          </p:cNvSpPr>
-          <p:nvPr>
-            <p:ph sz="half" idx="1"/>
-          </p:nvPr>
-        </p:nvSpPr>
-        <p:spPr/>
-        <p:txBody>
-          <a:bodyPr>
-            <a:normAutofit/>
-          </a:bodyPr>
-          <a:lstStyle/>
-          <a:p>
-            <a:r>
-              <a:rPr lang="de-CH" sz="2000" dirty="0" smtClean="0"/>
-              <a:t>Live Demo</a:t>
-            </a:r>
-            <a:endParaRPr lang="de-CH" sz="2000" dirty="0"/>
-          </a:p>
-          <a:p>
-            <a:r>
-              <a:rPr lang="de-CH" sz="2000" dirty="0" smtClean="0"/>
-              <a:t>Persönliche Beiträge</a:t>
-            </a:r>
-          </a:p>
-          <a:p>
-            <a:r>
-              <a:rPr lang="de-CH" sz="2000" dirty="0" smtClean="0"/>
-              <a:t>Gewonnene Erkenntnisse</a:t>
-            </a:r>
-          </a:p>
-        </p:txBody>
-      </p:sp>
-      <p:sp>
-        <p:nvSpPr>
-          <p:cNvPr id="3" name="Titel 2"/>
-          <p:cNvSpPr>
-            <a:spLocks noGrp="1"/>
-          </p:cNvSpPr>
-          <p:nvPr>
-            <p:ph type="ctrTitle"/>
-          </p:nvPr>
-        </p:nvSpPr>
-        <p:spPr/>
-        <p:txBody>
-          <a:bodyPr>
-            <a:normAutofit/>
-          </a:bodyPr>
-          <a:lstStyle/>
-          <a:p>
-            <a:r>
-              <a:rPr lang="de-CH" dirty="0" smtClean="0"/>
-              <a:t>Agenda</a:t>
-            </a:r>
-            <a:endParaRPr lang="de-CH" dirty="0"/>
-          </a:p>
-        </p:txBody>
-      </p:sp>
-    </p:spTree>
-    <p:extLst>
-      <p:ext uri="{BB962C8B-B14F-4D97-AF65-F5344CB8AC3E}">
-        <p14:creationId xmlns:p14="http://schemas.microsoft.com/office/powerpoint/2010/main" val="670590674"/>
-      </p:ext>
-    </p:extLst>
-  </p:cSld>
-  <p:clrMapOvr>
-    <a:masterClrMapping/>
-  </p:clrMapOvr>
-  <mc:AlternateContent xmlns:mc="http://schemas.openxmlformats.org/markup-compatibility/2006" xmlns:p14="http://schemas.microsoft.com/office/powerpoint/2010/main">
-    <mc:Choice Requires="p14">
-      <p:transition spd="med" p14:dur="700">
-        <p:fade/>
-      </p:transition>
-    </mc:Choice>
-    <mc:Fallback xmlns="">
-      <p:transition spd="med">
-        <p:fade/>
-      </p:transition>
-    </mc:Fallback>
-  </mc:AlternateContent>
-  <p:timing>
-    <p:tnLst>
-      <p:par>
-        <p:cTn id="1" dur="indefinite" restart="never" nodeType="tmRoot">
-          <p:childTnLst>
-            <p:seq concurrent="1" nextAc="seek">
-              <p:cTn id="2" dur="indefinite" nodeType="mainSeq">
-                <p:childTnLst>
-                  <p:par>
-                    <p:cTn id="3" fill="hold">
-                      <p:stCondLst>
-                        <p:cond delay="indefinite"/>
-                      </p:stCondLst>
-                      <p:childTnLst>
-                        <p:par>
-                          <p:cTn id="4" fill="hold">
-                            <p:stCondLst>
-                              <p:cond delay="0"/>
-                            </p:stCondLst>
-                            <p:childTnLst>
-                              <p:par>
-                                <p:cTn id="5" presetID="1" presetClass="entr" presetSubtype="0" fill="hold" nodeType="clickEffect">
-                                  <p:stCondLst>
-                                    <p:cond delay="0"/>
-                                  </p:stCondLst>
-                                  <p:childTnLst>
-                                    <p:set>
-                                      <p:cBhvr>
-                                        <p:cTn id="6" dur="1" fill="hold">
-                                          <p:stCondLst>
-                                            <p:cond delay="0"/>
-                                          </p:stCondLst>
-                                        </p:cTn>
-                                        <p:tgtEl>
-                                          <p:spTgt spid="2">
-                                            <p:txEl>
-                                              <p:pRg st="0" end="0"/>
-                                            </p:txEl>
-                                          </p:spTgt>
-                                        </p:tgtEl>
-                                        <p:attrNameLst>
-                                          <p:attrName>style.visibility</p:attrName>
-                                        </p:attrNameLst>
-                                      </p:cBhvr>
-                                      <p:to>
-                                        <p:strVal val="visible"/>
-                                      </p:to>
-                                    </p:set>
-                                  </p:childTnLst>
-                                </p:cTn>
-                              </p:par>
-                            </p:childTnLst>
-                          </p:cTn>
-                        </p:par>
-                      </p:childTnLst>
-                    </p:cTn>
-                  </p:par>
-                  <p:par>
-                    <p:cTn id="7" fill="hold">
-                      <p:stCondLst>
-                        <p:cond delay="indefinite"/>
-                      </p:stCondLst>
-                      <p:childTnLst>
-                        <p:par>
-                          <p:cTn id="8" fill="hold">
-                            <p:stCondLst>
-                              <p:cond delay="0"/>
-                            </p:stCondLst>
-                            <p:childTnLst>
-                              <p:par>
-                                <p:cTn id="9" presetID="1" presetClass="entr" presetSubtype="0" fill="hold" nodeType="clickEffect">
-                                  <p:stCondLst>
-                                    <p:cond delay="0"/>
-                                  </p:stCondLst>
-                                  <p:childTnLst>
-                                    <p:set>
-                                      <p:cBhvr>
-                                        <p:cTn id="10" dur="1" fill="hold">
-                                          <p:stCondLst>
-                                            <p:cond delay="0"/>
-                                          </p:stCondLst>
-                                        </p:cTn>
-                                        <p:tgtEl>
-                                          <p:spTgt spid="2">
-                                            <p:txEl>
-                                              <p:pRg st="1" end="1"/>
-                                            </p:txEl>
-                                          </p:spTgt>
-                                        </p:tgtEl>
-                                        <p:attrNameLst>
-                                          <p:attrName>style.visibility</p:attrName>
-                                        </p:attrNameLst>
-                                      </p:cBhvr>
-                                      <p:to>
-                                        <p:strVal val="visible"/>
-                                      </p:to>
-                                    </p:set>
-                                  </p:childTnLst>
-                                </p:cTn>
-                              </p:par>
-                            </p:childTnLst>
-                          </p:cTn>
-                        </p:par>
-                      </p:childTnLst>
-                    </p:cTn>
-                  </p:par>
-                  <p:par>
-                    <p:cTn id="11" fill="hold">
-                      <p:stCondLst>
-                        <p:cond delay="indefinite"/>
-                      </p:stCondLst>
-                      <p:childTnLst>
-                        <p:par>
-                          <p:cTn id="12" fill="hold">
-                            <p:stCondLst>
-                              <p:cond delay="0"/>
-                            </p:stCondLst>
-                            <p:childTnLst>
-                              <p:par>
-                                <p:cTn id="13" presetID="1" presetClass="entr" presetSubtype="0" fill="hold" nodeType="clickEffect">
-                                  <p:stCondLst>
-                                    <p:cond delay="0"/>
-                                  </p:stCondLst>
-                                  <p:childTnLst>
-                                    <p:set>
-                                      <p:cBhvr>
-                                        <p:cTn id="14" dur="1" fill="hold">
-                                          <p:stCondLst>
-                                            <p:cond delay="0"/>
-                                          </p:stCondLst>
-                                        </p:cTn>
-                                        <p:tgtEl>
-                                          <p:spTgt spid="2">
-                                            <p:txEl>
-                                              <p:pRg st="2" end="2"/>
-                                            </p:txEl>
-                                          </p:spTgt>
-                                        </p:tgtEl>
-                                        <p:attrNameLst>
-                                          <p:attrName>style.visibility</p:attrName>
-                                        </p:attrNameLst>
-                                      </p:cBhvr>
-                                      <p:to>
-                                        <p:strVal val="visible"/>
-                                      </p:to>
-                                    </p:set>
-                                  </p:childTnLst>
-                                </p:cTn>
-                              </p:par>
-                            </p:childTnLst>
-                          </p:cTn>
-                        </p:par>
-                      </p:childTnLst>
-                    </p:cTn>
-                  </p:par>
-                </p:childTnLst>
-              </p:cTn>
-              <p:prevCondLst>
-                <p:cond evt="onPrev" delay="0">
-                  <p:tgtEl>
-                    <p:sldTgt/>
-                  </p:tgtEl>
-                </p:cond>
-              </p:prevCondLst>
-              <p:nextCondLst>
-                <p:cond evt="onNext" delay="0">
-                  <p:tgtEl>
-                    <p:sldTgt/>
-                  </p:tgtEl>
-                </p:cond>
-              </p:nextCondLst>
-            </p:seq>
-          </p:childTnLst>
-        </p:cTn>
-      </p:par>
-    </p:tnLst>
-  </p:timing>
-</p:sld>
-</file>
-
-<file path=ppt/slides/slide3.xml><?xml version="1.0" encoding="utf-8"?>
-<p:sld xmlns:a="http://schemas.openxmlformats.org/drawingml/2006/main" xmlns:r="http://schemas.openxmlformats.org/officeDocument/2006/relationships" xmlns:p="http://schemas.openxmlformats.org/presentationml/2006/main">
-  <p:cSld>
-    <p:spTree>
-      <p:nvGrpSpPr>
-        <p:cNvPr id="1" name=""/>
-        <p:cNvGrpSpPr/>
-        <p:nvPr/>
-      </p:nvGrpSpPr>
-      <p:grpSpPr>
-        <a:xfrm>
-          <a:off x="0" y="0"/>
-          <a:ext cx="0" cy="0"/>
-          <a:chOff x="0" y="0"/>
-          <a:chExt cx="0" cy="0"/>
-        </a:xfrm>
-      </p:grpSpPr>
-      <p:sp>
-        <p:nvSpPr>
-          <p:cNvPr id="3" name="Titel 2"/>
-          <p:cNvSpPr>
-            <a:spLocks noGrp="1"/>
-          </p:cNvSpPr>
-          <p:nvPr>
-            <p:ph type="ctrTitle"/>
-          </p:nvPr>
-        </p:nvSpPr>
-        <p:spPr/>
-        <p:txBody>
-          <a:bodyPr/>
-          <a:lstStyle/>
-          <a:p>
-            <a:r>
-              <a:rPr lang="de-DE" b="1" dirty="0" smtClean="0">
-                <a:hlinkClick r:id="rId3"/>
-              </a:rPr>
-              <a:t>Live Demo</a:t>
-            </a:r>
-            <a:endParaRPr lang="de-CH" dirty="0"/>
-          </a:p>
-        </p:txBody>
-      </p:sp>
-    </p:spTree>
-    <p:extLst>
-      <p:ext uri="{BB962C8B-B14F-4D97-AF65-F5344CB8AC3E}">
-        <p14:creationId xmlns:p14="http://schemas.microsoft.com/office/powerpoint/2010/main" val="3741675672"/>
-      </p:ext>
-    </p:extLst>
-  </p:cSld>
-  <p:clrMapOvr>
-    <a:masterClrMapping/>
-  </p:clrMapOvr>
-</p:sld>
-</file>
-
-<file path=ppt/slides/slide4.xml><?xml version="1.0" encoding="utf-8"?>
-<p:sld xmlns:a="http://schemas.openxmlformats.org/drawingml/2006/main" xmlns:r="http://schemas.openxmlformats.org/officeDocument/2006/relationships" xmlns:p="http://schemas.openxmlformats.org/presentationml/2006/main">
-  <p:cSld>
-    <p:spTree>
-      <p:nvGrpSpPr>
-        <p:cNvPr id="1" name=""/>
-        <p:cNvGrpSpPr/>
-        <p:nvPr/>
-      </p:nvGrpSpPr>
-      <p:grpSpPr>
-        <a:xfrm>
-          <a:off x="0" y="0"/>
-          <a:ext cx="0" cy="0"/>
-          <a:chOff x="0" y="0"/>
-          <a:chExt cx="0" cy="0"/>
-        </a:xfrm>
-      </p:grpSpPr>
-      <p:sp>
-        <p:nvSpPr>
-          <p:cNvPr id="3" name="Titel 2"/>
-          <p:cNvSpPr>
-            <a:spLocks noGrp="1"/>
-          </p:cNvSpPr>
-          <p:nvPr>
-            <p:ph type="ctrTitle"/>
-          </p:nvPr>
-        </p:nvSpPr>
-        <p:spPr/>
-        <p:txBody>
-          <a:bodyPr/>
-          <a:lstStyle/>
-          <a:p>
-            <a:r>
-              <a:rPr lang="de-DE" b="1" dirty="0" smtClean="0"/>
-              <a:t>Persönliche Beiträge</a:t>
-            </a:r>
-            <a:endParaRPr lang="de-CH" dirty="0"/>
-          </a:p>
-        </p:txBody>
-      </p:sp>
-      <p:sp>
-        <p:nvSpPr>
-          <p:cNvPr id="5" name="Textplatzhalter 4"/>
-          <p:cNvSpPr>
-            <a:spLocks noGrp="1"/>
-          </p:cNvSpPr>
-          <p:nvPr>
-            <p:ph type="body" idx="1"/>
-          </p:nvPr>
-        </p:nvSpPr>
-        <p:spPr>
-          <a:xfrm>
-            <a:off x="468000" y="990000"/>
-            <a:ext cx="8100000" cy="540000"/>
-          </a:xfrm>
-        </p:spPr>
-        <p:txBody>
-          <a:bodyPr/>
-          <a:lstStyle/>
-          <a:p>
-            <a:r>
-              <a:rPr lang="de-CH" dirty="0" smtClean="0"/>
-              <a:t>Rea</a:t>
-            </a:r>
-            <a:endParaRPr lang="de-CH" dirty="0"/>
-          </a:p>
-        </p:txBody>
-      </p:sp>
-      <p:sp>
-        <p:nvSpPr>
-          <p:cNvPr id="6" name="Inhaltsplatzhalter 5"/>
-          <p:cNvSpPr>
-            <a:spLocks noGrp="1"/>
-          </p:cNvSpPr>
-          <p:nvPr>
-            <p:ph sz="half" idx="13"/>
-          </p:nvPr>
-        </p:nvSpPr>
-        <p:spPr/>
-        <p:txBody>
-          <a:bodyPr/>
-          <a:lstStyle/>
-          <a:p>
-            <a:r>
-              <a:rPr lang="de-CH" dirty="0" err="1" smtClean="0"/>
-              <a:t>LoginValidator</a:t>
-            </a:r>
-            <a:endParaRPr lang="de-CH" dirty="0" smtClean="0"/>
-          </a:p>
-          <a:p>
-            <a:r>
-              <a:rPr lang="de-CH" dirty="0" err="1" smtClean="0"/>
-              <a:t>Infopage</a:t>
-            </a:r>
-            <a:endParaRPr lang="de-CH" dirty="0" smtClean="0"/>
-          </a:p>
-          <a:p>
-            <a:r>
-              <a:rPr lang="de-CH" dirty="0" err="1" smtClean="0"/>
-              <a:t>MedicamentList</a:t>
-            </a:r>
-            <a:endParaRPr lang="de-CH" dirty="0" smtClean="0"/>
-          </a:p>
-          <a:p>
-            <a:r>
-              <a:rPr lang="de-CH" dirty="0" err="1" smtClean="0"/>
-              <a:t>MedicamentManager</a:t>
-            </a:r>
-            <a:endParaRPr lang="de-CH" dirty="0"/>
-          </a:p>
-          <a:p>
-            <a:r>
-              <a:rPr lang="de-CH" dirty="0" err="1" smtClean="0"/>
-              <a:t>UserManager</a:t>
-            </a:r>
-            <a:endParaRPr lang="de-CH" dirty="0" smtClean="0"/>
-          </a:p>
-          <a:p>
-            <a:r>
-              <a:rPr lang="de-CH" dirty="0" smtClean="0"/>
-              <a:t>Einbindung </a:t>
-            </a:r>
-            <a:r>
-              <a:rPr lang="de-CH" smtClean="0"/>
-              <a:t>in GUI</a:t>
-            </a:r>
-            <a:endParaRPr lang="de-CH" dirty="0" smtClean="0"/>
-          </a:p>
-        </p:txBody>
-      </p:sp>
-    </p:spTree>
-    <p:extLst>
-      <p:ext uri="{BB962C8B-B14F-4D97-AF65-F5344CB8AC3E}">
-        <p14:creationId xmlns:p14="http://schemas.microsoft.com/office/powerpoint/2010/main" val="1761532058"/>
-      </p:ext>
-    </p:extLst>
-  </p:cSld>
-  <p:clrMapOvr>
-    <a:masterClrMapping/>
-  </p:clrMapOvr>
-</p:sld>
-</file>
-
-<file path=ppt/slides/slide5.xml><?xml version="1.0" encoding="utf-8"?>
-<p:sld xmlns:a="http://schemas.openxmlformats.org/drawingml/2006/main" xmlns:r="http://schemas.openxmlformats.org/officeDocument/2006/relationships" xmlns:p="http://schemas.openxmlformats.org/presentationml/2006/main">
-  <p:cSld>
-    <p:spTree>
-      <p:nvGrpSpPr>
-        <p:cNvPr id="1" name=""/>
-        <p:cNvGrpSpPr/>
-        <p:nvPr/>
-      </p:nvGrpSpPr>
-      <p:grpSpPr>
-        <a:xfrm>
-          <a:off x="0" y="0"/>
-          <a:ext cx="0" cy="0"/>
-          <a:chOff x="0" y="0"/>
-          <a:chExt cx="0" cy="0"/>
-        </a:xfrm>
-      </p:grpSpPr>
-      <p:sp>
-        <p:nvSpPr>
-          <p:cNvPr id="3" name="Titel 2"/>
-          <p:cNvSpPr>
-            <a:spLocks noGrp="1"/>
-          </p:cNvSpPr>
-          <p:nvPr>
-            <p:ph type="ctrTitle"/>
-          </p:nvPr>
-        </p:nvSpPr>
-        <p:spPr/>
-        <p:txBody>
-          <a:bodyPr/>
-          <a:lstStyle/>
-          <a:p>
-            <a:r>
-              <a:rPr lang="de-DE" b="1" dirty="0" smtClean="0"/>
-              <a:t>Persönliche Beiträge</a:t>
-            </a:r>
-            <a:endParaRPr lang="de-CH" dirty="0"/>
-          </a:p>
-        </p:txBody>
-      </p:sp>
-      <p:sp>
-        <p:nvSpPr>
-          <p:cNvPr id="5" name="Textplatzhalter 4"/>
-          <p:cNvSpPr>
-            <a:spLocks noGrp="1"/>
-          </p:cNvSpPr>
-          <p:nvPr>
-            <p:ph type="body" idx="1"/>
-          </p:nvPr>
-        </p:nvSpPr>
-        <p:spPr>
-          <a:xfrm>
-            <a:off x="468000" y="990000"/>
-            <a:ext cx="8100000" cy="540000"/>
-          </a:xfrm>
-        </p:spPr>
-        <p:txBody>
-          <a:bodyPr/>
-          <a:lstStyle/>
-          <a:p>
-            <a:r>
-              <a:rPr lang="de-CH" dirty="0" smtClean="0"/>
-              <a:t>Kaspar</a:t>
-            </a:r>
-            <a:endParaRPr lang="de-CH" dirty="0"/>
-          </a:p>
-        </p:txBody>
-      </p:sp>
-      <p:sp>
-        <p:nvSpPr>
-          <p:cNvPr id="6" name="Inhaltsplatzhalter 5"/>
-          <p:cNvSpPr>
-            <a:spLocks noGrp="1"/>
-          </p:cNvSpPr>
-          <p:nvPr>
-            <p:ph sz="half" idx="13"/>
-          </p:nvPr>
-        </p:nvSpPr>
-        <p:spPr/>
-        <p:txBody>
-          <a:bodyPr/>
-          <a:lstStyle/>
-          <a:p>
-            <a:r>
-              <a:rPr lang="de-CH" dirty="0"/>
-              <a:t>Medicament.java</a:t>
-            </a:r>
-          </a:p>
-          <a:p>
-            <a:r>
-              <a:rPr lang="de-CH" dirty="0"/>
-              <a:t>Person.java</a:t>
-            </a:r>
-          </a:p>
-          <a:p>
-            <a:pPr lvl="1"/>
-            <a:r>
-              <a:rPr lang="de-CH" dirty="0"/>
-              <a:t>Patient.java</a:t>
-            </a:r>
-          </a:p>
-          <a:p>
-            <a:pPr lvl="1"/>
-            <a:r>
-              <a:rPr lang="de-CH" dirty="0"/>
-              <a:t>FamilyMember.java</a:t>
-            </a:r>
-          </a:p>
-          <a:p>
-            <a:pPr lvl="1"/>
-            <a:r>
-              <a:rPr lang="de-CH" dirty="0"/>
-              <a:t>Doctor.java</a:t>
-            </a:r>
-          </a:p>
-          <a:p>
-            <a:r>
-              <a:rPr lang="de-CH" dirty="0" smtClean="0"/>
-              <a:t>Remove </a:t>
-            </a:r>
-            <a:r>
-              <a:rPr lang="de-CH" dirty="0" err="1" smtClean="0"/>
-              <a:t>function</a:t>
-            </a:r>
-            <a:r>
-              <a:rPr lang="de-CH" dirty="0" smtClean="0"/>
-              <a:t> </a:t>
-            </a:r>
-            <a:r>
-              <a:rPr lang="de-CH" dirty="0" err="1" smtClean="0"/>
-              <a:t>for</a:t>
-            </a:r>
-            <a:r>
-              <a:rPr lang="de-CH" dirty="0" smtClean="0"/>
-              <a:t> GUI </a:t>
-            </a:r>
-            <a:r>
-              <a:rPr lang="de-CH" dirty="0" err="1" smtClean="0"/>
-              <a:t>MedicationListView</a:t>
-            </a:r>
-            <a:endParaRPr lang="de-CH" dirty="0"/>
-          </a:p>
-          <a:p>
-            <a:r>
-              <a:rPr lang="de-CH" dirty="0" smtClean="0"/>
-              <a:t>Random GIF-Button</a:t>
-            </a:r>
-            <a:endParaRPr lang="de-CH" dirty="0"/>
-          </a:p>
-        </p:txBody>
-      </p:sp>
-    </p:spTree>
-    <p:extLst>
-      <p:ext uri="{BB962C8B-B14F-4D97-AF65-F5344CB8AC3E}">
-        <p14:creationId xmlns:p14="http://schemas.microsoft.com/office/powerpoint/2010/main" val="4245652123"/>
-      </p:ext>
-    </p:extLst>
-  </p:cSld>
-  <p:clrMapOvr>
-    <a:masterClrMapping/>
-  </p:clrMapOvr>
-</p:sld>
-</file>
-
-<file path=ppt/slides/slide6.xml><?xml version="1.0" encoding="utf-8"?>
-<p:sld xmlns:a="http://schemas.openxmlformats.org/drawingml/2006/main" xmlns:r="http://schemas.openxmlformats.org/officeDocument/2006/relationships" xmlns:p="http://schemas.openxmlformats.org/presentationml/2006/main">
-  <p:cSld>
-    <p:spTree>
-      <p:nvGrpSpPr>
-        <p:cNvPr id="1" name=""/>
-        <p:cNvGrpSpPr/>
-        <p:nvPr/>
-      </p:nvGrpSpPr>
-      <p:grpSpPr>
-        <a:xfrm>
-          <a:off x="0" y="0"/>
-          <a:ext cx="0" cy="0"/>
-          <a:chOff x="0" y="0"/>
-          <a:chExt cx="0" cy="0"/>
-        </a:xfrm>
-      </p:grpSpPr>
-      <p:pic>
-        <p:nvPicPr>
-          <p:cNvPr id="52" name="Grafik 51"/>
-          <p:cNvPicPr>
-            <a:picLocks noChangeAspect="1"/>
-          </p:cNvPicPr>
-          <p:nvPr/>
-        </p:nvPicPr>
-        <p:blipFill>
-          <a:blip r:embed="rId2"/>
-          <a:stretch>
-            <a:fillRect/>
-          </a:stretch>
-        </p:blipFill>
-        <p:spPr>
-          <a:xfrm>
-            <a:off x="253688" y="3186572"/>
-            <a:ext cx="5314950" cy="1971675"/>
-          </a:xfrm>
-          <a:prstGeom prst="rect">
-            <a:avLst/>
-          </a:prstGeom>
-          <a:ln>
-            <a:solidFill>
-              <a:schemeClr val="tx2"/>
-            </a:solidFill>
-          </a:ln>
-        </p:spPr>
-      </p:pic>
-      <p:sp>
-        <p:nvSpPr>
-          <p:cNvPr id="3" name="Titel 2"/>
-          <p:cNvSpPr>
-            <a:spLocks noGrp="1"/>
-          </p:cNvSpPr>
-          <p:nvPr>
-            <p:ph type="ctrTitle"/>
-          </p:nvPr>
-        </p:nvSpPr>
-        <p:spPr/>
-        <p:txBody>
-          <a:bodyPr/>
-          <a:lstStyle/>
-          <a:p>
-            <a:r>
-              <a:rPr lang="de-DE" b="1" dirty="0" smtClean="0"/>
-              <a:t>Persönliche Beiträge</a:t>
-            </a:r>
-            <a:endParaRPr lang="de-CH" dirty="0"/>
-          </a:p>
-        </p:txBody>
-      </p:sp>
-      <p:sp>
-        <p:nvSpPr>
-          <p:cNvPr id="5" name="Textplatzhalter 4"/>
-          <p:cNvSpPr>
-            <a:spLocks noGrp="1"/>
-          </p:cNvSpPr>
-          <p:nvPr>
-            <p:ph type="body" idx="1"/>
-          </p:nvPr>
-        </p:nvSpPr>
-        <p:spPr>
-          <a:xfrm>
-            <a:off x="468000" y="990000"/>
-            <a:ext cx="8100000" cy="540000"/>
-          </a:xfrm>
-        </p:spPr>
-        <p:txBody>
-          <a:bodyPr/>
-          <a:lstStyle/>
-          <a:p>
-            <a:r>
-              <a:rPr lang="de-CH" dirty="0" smtClean="0"/>
-              <a:t>Kaspar - </a:t>
-            </a:r>
-            <a:r>
-              <a:rPr lang="de-CH" dirty="0"/>
-              <a:t>Random GIF-Button</a:t>
-            </a:r>
-          </a:p>
-          <a:p>
-            <a:endParaRPr lang="de-CH" dirty="0"/>
-          </a:p>
-        </p:txBody>
-      </p:sp>
-      <p:pic>
-        <p:nvPicPr>
-          <p:cNvPr id="4" name="Grafik 3"/>
-          <p:cNvPicPr>
-            <a:picLocks noChangeAspect="1"/>
-          </p:cNvPicPr>
-          <p:nvPr/>
-        </p:nvPicPr>
-        <p:blipFill rotWithShape="1">
-          <a:blip r:embed="rId3"/>
-          <a:srcRect t="36387"/>
-          <a:stretch/>
-        </p:blipFill>
-        <p:spPr>
-          <a:xfrm>
-            <a:off x="2964562" y="1693503"/>
-            <a:ext cx="4154805" cy="839797"/>
-          </a:xfrm>
-          <a:prstGeom prst="rect">
-            <a:avLst/>
-          </a:prstGeom>
-          <a:ln>
-            <a:solidFill>
-              <a:schemeClr val="tx2"/>
-            </a:solidFill>
-          </a:ln>
-        </p:spPr>
-      </p:pic>
-      <p:pic>
-        <p:nvPicPr>
-          <p:cNvPr id="7" name="Grafik 6"/>
-          <p:cNvPicPr>
-            <a:picLocks noChangeAspect="1"/>
-          </p:cNvPicPr>
-          <p:nvPr/>
-        </p:nvPicPr>
-        <p:blipFill>
-          <a:blip r:embed="rId4"/>
-          <a:stretch>
-            <a:fillRect/>
-          </a:stretch>
-        </p:blipFill>
-        <p:spPr>
-          <a:xfrm>
-            <a:off x="253688" y="1869569"/>
-            <a:ext cx="2457450" cy="634365"/>
-          </a:xfrm>
-          <a:prstGeom prst="rect">
-            <a:avLst/>
-          </a:prstGeom>
-          <a:ln>
-            <a:solidFill>
-              <a:schemeClr val="tx2"/>
-            </a:solidFill>
-          </a:ln>
-        </p:spPr>
-      </p:pic>
-      <p:cxnSp>
-        <p:nvCxnSpPr>
-          <p:cNvPr id="11" name="Gerade Verbindung mit Pfeil 10"/>
-          <p:cNvCxnSpPr/>
-          <p:nvPr/>
-        </p:nvCxnSpPr>
-        <p:spPr>
-          <a:xfrm>
-            <a:off x="1558212" y="2411764"/>
-            <a:ext cx="214605" cy="658007"/>
-          </a:xfrm>
-          <a:prstGeom prst="straightConnector1">
-            <a:avLst/>
-          </a:prstGeom>
-          <a:ln>
-            <a:tailEnd type="stealth" w="lg" len="lg"/>
-          </a:ln>
-        </p:spPr>
-        <p:style>
-          <a:lnRef idx="2">
-            <a:schemeClr val="accent1"/>
-          </a:lnRef>
-          <a:fillRef idx="0">
-            <a:schemeClr val="accent1"/>
-          </a:fillRef>
-          <a:effectRef idx="1">
-            <a:schemeClr val="accent1"/>
-          </a:effectRef>
-          <a:fontRef idx="minor">
-            <a:schemeClr val="tx1"/>
-          </a:fontRef>
-        </p:style>
-      </p:cxnSp>
-      <p:cxnSp>
-        <p:nvCxnSpPr>
-          <p:cNvPr id="13" name="Gerade Verbindung mit Pfeil 12"/>
-          <p:cNvCxnSpPr/>
-          <p:nvPr/>
-        </p:nvCxnSpPr>
-        <p:spPr>
-          <a:xfrm flipH="1">
-            <a:off x="1935987" y="2319594"/>
-            <a:ext cx="2077094" cy="750177"/>
-          </a:xfrm>
-          <a:prstGeom prst="straightConnector1">
-            <a:avLst/>
-          </a:prstGeom>
-          <a:ln>
-            <a:tailEnd type="stealth" w="lg" len="lg"/>
-          </a:ln>
-        </p:spPr>
-        <p:style>
-          <a:lnRef idx="2">
-            <a:schemeClr val="accent1"/>
-          </a:lnRef>
-          <a:fillRef idx="0">
-            <a:schemeClr val="accent1"/>
-          </a:fillRef>
-          <a:effectRef idx="1">
-            <a:schemeClr val="accent1"/>
-          </a:effectRef>
-          <a:fontRef idx="minor">
-            <a:schemeClr val="tx1"/>
-          </a:fontRef>
-        </p:style>
-      </p:cxnSp>
-      <p:cxnSp>
-        <p:nvCxnSpPr>
-          <p:cNvPr id="15" name="Gerade Verbindung mit Pfeil 14"/>
-          <p:cNvCxnSpPr>
-            <a:endCxn id="9" idx="1"/>
-          </p:cNvCxnSpPr>
-          <p:nvPr/>
-        </p:nvCxnSpPr>
-        <p:spPr>
-          <a:xfrm flipV="1">
-            <a:off x="1665514" y="4359068"/>
-            <a:ext cx="4421926" cy="483520"/>
-          </a:xfrm>
-          <a:prstGeom prst="straightConnector1">
-            <a:avLst/>
-          </a:prstGeom>
-          <a:ln>
-            <a:tailEnd type="triangle"/>
-          </a:ln>
-        </p:spPr>
-        <p:style>
-          <a:lnRef idx="2">
-            <a:schemeClr val="accent1"/>
-          </a:lnRef>
-          <a:fillRef idx="0">
-            <a:schemeClr val="accent1"/>
-          </a:fillRef>
-          <a:effectRef idx="1">
-            <a:schemeClr val="accent1"/>
-          </a:effectRef>
-          <a:fontRef idx="minor">
-            <a:schemeClr val="tx1"/>
-          </a:fontRef>
-        </p:style>
-      </p:cxnSp>
-      <p:grpSp>
-        <p:nvGrpSpPr>
-          <p:cNvPr id="45" name="Gruppieren 44"/>
-          <p:cNvGrpSpPr/>
-          <p:nvPr/>
-        </p:nvGrpSpPr>
-        <p:grpSpPr>
-          <a:xfrm>
-            <a:off x="5100710" y="3650408"/>
-            <a:ext cx="3864080" cy="2476008"/>
-            <a:chOff x="5161992" y="3536600"/>
-            <a:chExt cx="3864080" cy="2476008"/>
-          </a:xfrm>
-        </p:grpSpPr>
-        <p:pic>
-          <p:nvPicPr>
-            <p:cNvPr id="9" name="Grafik 8"/>
-            <p:cNvPicPr>
-              <a:picLocks noChangeAspect="1"/>
-            </p:cNvPicPr>
-            <p:nvPr/>
-          </p:nvPicPr>
-          <p:blipFill>
-            <a:blip r:embed="rId5"/>
-            <a:stretch>
-              <a:fillRect/>
-            </a:stretch>
-          </p:blipFill>
-          <p:spPr>
-            <a:xfrm>
-              <a:off x="6148722" y="3536600"/>
-              <a:ext cx="2457450" cy="1417320"/>
-            </a:xfrm>
-            <a:prstGeom prst="rect">
-              <a:avLst/>
-            </a:prstGeom>
-            <a:ln>
-              <a:solidFill>
-                <a:schemeClr val="tx2"/>
-              </a:solidFill>
-            </a:ln>
-          </p:spPr>
-        </p:pic>
-        <p:pic>
-          <p:nvPicPr>
-            <p:cNvPr id="37" name="Grafik 36"/>
-            <p:cNvPicPr>
-              <a:picLocks noChangeAspect="1"/>
-            </p:cNvPicPr>
-            <p:nvPr/>
-          </p:nvPicPr>
-          <p:blipFill rotWithShape="1">
-            <a:blip r:embed="rId6"/>
-            <a:srcRect r="42603" b="7027"/>
-            <a:stretch/>
-          </p:blipFill>
-          <p:spPr>
-            <a:xfrm>
-              <a:off x="5161992" y="5417507"/>
-              <a:ext cx="3864080" cy="595101"/>
-            </a:xfrm>
-            <a:prstGeom prst="rect">
-              <a:avLst/>
-            </a:prstGeom>
-            <a:ln>
-              <a:solidFill>
-                <a:schemeClr val="tx2"/>
-              </a:solidFill>
-              <a:prstDash val="dash"/>
-            </a:ln>
-          </p:spPr>
-        </p:pic>
-        <p:cxnSp>
-          <p:nvCxnSpPr>
-            <p:cNvPr id="41" name="Gerader Verbinder 40"/>
-            <p:cNvCxnSpPr/>
-            <p:nvPr/>
-          </p:nvCxnSpPr>
-          <p:spPr>
-            <a:xfrm flipH="1">
-              <a:off x="5161992" y="4953920"/>
-              <a:ext cx="986730" cy="463587"/>
-            </a:xfrm>
-            <a:prstGeom prst="line">
-              <a:avLst/>
-            </a:prstGeom>
-            <a:ln w="9525">
-              <a:prstDash val="dash"/>
-            </a:ln>
-          </p:spPr>
-          <p:style>
-            <a:lnRef idx="2">
-              <a:schemeClr val="accent1"/>
-            </a:lnRef>
-            <a:fillRef idx="0">
-              <a:schemeClr val="accent1"/>
-            </a:fillRef>
-            <a:effectRef idx="1">
-              <a:schemeClr val="accent1"/>
-            </a:effectRef>
-            <a:fontRef idx="minor">
-              <a:schemeClr val="tx1"/>
-            </a:fontRef>
-          </p:style>
-        </p:cxnSp>
-        <p:cxnSp>
-          <p:nvCxnSpPr>
-            <p:cNvPr id="42" name="Gerader Verbinder 41"/>
-            <p:cNvCxnSpPr/>
-            <p:nvPr/>
-          </p:nvCxnSpPr>
-          <p:spPr>
-            <a:xfrm>
-              <a:off x="8606172" y="4953920"/>
-              <a:ext cx="419900" cy="463587"/>
-            </a:xfrm>
-            <a:prstGeom prst="line">
-              <a:avLst/>
-            </a:prstGeom>
-            <a:ln w="9525">
-              <a:prstDash val="dash"/>
-            </a:ln>
-          </p:spPr>
-          <p:style>
-            <a:lnRef idx="2">
-              <a:schemeClr val="accent1"/>
-            </a:lnRef>
-            <a:fillRef idx="0">
-              <a:schemeClr val="accent1"/>
-            </a:fillRef>
-            <a:effectRef idx="1">
-              <a:schemeClr val="accent1"/>
-            </a:effectRef>
-            <a:fontRef idx="minor">
-              <a:schemeClr val="tx1"/>
-            </a:fontRef>
-          </p:style>
-        </p:cxnSp>
-      </p:grpSp>
-      <p:pic>
-        <p:nvPicPr>
-          <p:cNvPr id="46" name="Grafik 45"/>
-          <p:cNvPicPr>
-            <a:picLocks noChangeAspect="1"/>
-          </p:cNvPicPr>
-          <p:nvPr/>
-        </p:nvPicPr>
-        <p:blipFill>
-          <a:blip r:embed="rId7"/>
-          <a:stretch>
-            <a:fillRect/>
-          </a:stretch>
-        </p:blipFill>
-        <p:spPr>
-          <a:xfrm>
-            <a:off x="6971994" y="2116520"/>
-            <a:ext cx="607948" cy="607948"/>
-          </a:xfrm>
-          <a:prstGeom prst="rect">
-            <a:avLst/>
-          </a:prstGeom>
-        </p:spPr>
-      </p:pic>
-    </p:spTree>
-    <p:extLst>
-      <p:ext uri="{BB962C8B-B14F-4D97-AF65-F5344CB8AC3E}">
-        <p14:creationId xmlns:p14="http://schemas.microsoft.com/office/powerpoint/2010/main" val="2217004639"/>
-      </p:ext>
-    </p:extLst>
-  </p:cSld>
-  <p:clrMapOvr>
-    <a:masterClrMapping/>
-  </p:clrMapOvr>
-</p:sld>
-</file>
-
-<file path=ppt/slides/slide7.xml><?xml version="1.0" encoding="utf-8"?>
-<p:sld xmlns:a="http://schemas.openxmlformats.org/drawingml/2006/main" xmlns:r="http://schemas.openxmlformats.org/officeDocument/2006/relationships" xmlns:p="http://schemas.openxmlformats.org/presentationml/2006/main">
-  <p:cSld>
-    <p:spTree>
-      <p:nvGrpSpPr>
-        <p:cNvPr id="1" name=""/>
-        <p:cNvGrpSpPr/>
-        <p:nvPr/>
-      </p:nvGrpSpPr>
-      <p:grpSpPr>
-        <a:xfrm>
-          <a:off x="0" y="0"/>
-          <a:ext cx="0" cy="0"/>
-          <a:chOff x="0" y="0"/>
-          <a:chExt cx="0" cy="0"/>
-        </a:xfrm>
-      </p:grpSpPr>
-      <p:sp>
-        <p:nvSpPr>
-          <p:cNvPr id="3" name="Titel 2"/>
-          <p:cNvSpPr>
-            <a:spLocks noGrp="1"/>
-          </p:cNvSpPr>
-          <p:nvPr>
-            <p:ph type="ctrTitle"/>
-          </p:nvPr>
-        </p:nvSpPr>
-        <p:spPr/>
-        <p:txBody>
-          <a:bodyPr/>
-          <a:lstStyle/>
-          <a:p>
-            <a:r>
-              <a:rPr lang="de-DE" b="1" dirty="0" smtClean="0"/>
-              <a:t>Persönliche Beiträge</a:t>
-            </a:r>
-            <a:endParaRPr lang="de-CH" dirty="0"/>
-          </a:p>
-        </p:txBody>
-      </p:sp>
-      <p:sp>
-        <p:nvSpPr>
-          <p:cNvPr id="5" name="Textplatzhalter 4"/>
-          <p:cNvSpPr>
-            <a:spLocks noGrp="1"/>
-          </p:cNvSpPr>
-          <p:nvPr>
-            <p:ph type="body" idx="1"/>
-          </p:nvPr>
-        </p:nvSpPr>
-        <p:spPr>
-          <a:xfrm>
-            <a:off x="468000" y="990000"/>
-            <a:ext cx="8100000" cy="540000"/>
-          </a:xfrm>
-        </p:spPr>
-        <p:txBody>
-          <a:bodyPr/>
-          <a:lstStyle/>
-          <a:p>
-            <a:r>
-              <a:rPr lang="de-CH" dirty="0" smtClean="0"/>
-              <a:t>Philipp</a:t>
-            </a:r>
-            <a:endParaRPr lang="de-CH" dirty="0"/>
-          </a:p>
-        </p:txBody>
-      </p:sp>
-      <p:sp>
-        <p:nvSpPr>
-          <p:cNvPr id="6" name="Inhaltsplatzhalter 5"/>
-          <p:cNvSpPr>
-            <a:spLocks noGrp="1"/>
-          </p:cNvSpPr>
-          <p:nvPr>
-            <p:ph sz="half" idx="13"/>
-          </p:nvPr>
-        </p:nvSpPr>
-        <p:spPr/>
-        <p:txBody>
-          <a:bodyPr/>
-          <a:lstStyle/>
-          <a:p>
-            <a:endParaRPr lang="de-CH"/>
-          </a:p>
-        </p:txBody>
-      </p:sp>
-    </p:spTree>
-    <p:extLst>
-      <p:ext uri="{BB962C8B-B14F-4D97-AF65-F5344CB8AC3E}">
-        <p14:creationId xmlns:p14="http://schemas.microsoft.com/office/powerpoint/2010/main" val="2291730977"/>
-      </p:ext>
-    </p:extLst>
-  </p:cSld>
-  <p:clrMapOvr>
-    <a:masterClrMapping/>
-  </p:clrMapOvr>
-</p:sld>
-</file>
-
-<file path=ppt/slides/slide8.xml><?xml version="1.0" encoding="utf-8"?>
-<p:sld xmlns:a="http://schemas.openxmlformats.org/drawingml/2006/main" xmlns:r="http://schemas.openxmlformats.org/officeDocument/2006/relationships" xmlns:p="http://schemas.openxmlformats.org/presentationml/2006/main">
-  <p:cSld>
-    <p:spTree>
-      <p:nvGrpSpPr>
-        <p:cNvPr id="1" name=""/>
-        <p:cNvGrpSpPr/>
-        <p:nvPr/>
-      </p:nvGrpSpPr>
-      <p:grpSpPr>
-        <a:xfrm>
-          <a:off x="0" y="0"/>
-          <a:ext cx="0" cy="0"/>
-          <a:chOff x="0" y="0"/>
-          <a:chExt cx="0" cy="0"/>
-        </a:xfrm>
-      </p:grpSpPr>
-      <p:sp>
-        <p:nvSpPr>
-          <p:cNvPr id="3" name="Titel 2"/>
-          <p:cNvSpPr>
-            <a:spLocks noGrp="1"/>
-          </p:cNvSpPr>
-          <p:nvPr>
-            <p:ph type="ctrTitle"/>
-          </p:nvPr>
-        </p:nvSpPr>
-        <p:spPr/>
-        <p:txBody>
-          <a:bodyPr/>
-          <a:lstStyle/>
-          <a:p>
-            <a:r>
-              <a:rPr lang="de-DE" b="1" dirty="0" smtClean="0"/>
-              <a:t>Persönliche Beiträge</a:t>
-            </a:r>
-            <a:endParaRPr lang="de-CH" dirty="0"/>
-          </a:p>
-        </p:txBody>
-      </p:sp>
-      <p:sp>
-        <p:nvSpPr>
-          <p:cNvPr id="5" name="Textplatzhalter 4"/>
-          <p:cNvSpPr>
-            <a:spLocks noGrp="1"/>
-          </p:cNvSpPr>
-          <p:nvPr>
-            <p:ph type="body" idx="1"/>
-          </p:nvPr>
-        </p:nvSpPr>
-        <p:spPr>
-          <a:xfrm>
-            <a:off x="468000" y="990000"/>
-            <a:ext cx="8100000" cy="540000"/>
-          </a:xfrm>
-        </p:spPr>
-        <p:txBody>
-          <a:bodyPr/>
-          <a:lstStyle/>
-          <a:p>
-            <a:r>
-              <a:rPr lang="de-CH" dirty="0" smtClean="0"/>
-              <a:t>Maurice</a:t>
-            </a:r>
-            <a:endParaRPr lang="de-CH" dirty="0"/>
-          </a:p>
-        </p:txBody>
-      </p:sp>
-      <p:sp>
-        <p:nvSpPr>
-          <p:cNvPr id="6" name="Inhaltsplatzhalter 5"/>
-          <p:cNvSpPr>
-            <a:spLocks noGrp="1"/>
-          </p:cNvSpPr>
-          <p:nvPr>
-            <p:ph sz="half" idx="13"/>
-          </p:nvPr>
-        </p:nvSpPr>
-        <p:spPr/>
-        <p:txBody>
-          <a:bodyPr/>
-          <a:lstStyle/>
-          <a:p>
-            <a:r>
-              <a:rPr lang="de-CH" dirty="0"/>
-              <a:t>Elements </a:t>
-            </a:r>
-            <a:endParaRPr lang="de-CH" dirty="0" smtClean="0"/>
-          </a:p>
-          <a:p>
-            <a:pPr lvl="1"/>
-            <a:r>
-              <a:rPr lang="de-CH" dirty="0" smtClean="0"/>
-              <a:t>DrugTakeWrapper.java</a:t>
-            </a:r>
-          </a:p>
-          <a:p>
-            <a:pPr lvl="1"/>
-            <a:r>
-              <a:rPr lang="de-CH" dirty="0" smtClean="0"/>
-              <a:t>DrugWrapper.java</a:t>
-            </a:r>
-          </a:p>
-          <a:p>
-            <a:pPr lvl="1"/>
-            <a:r>
-              <a:rPr lang="de-CH" dirty="0" smtClean="0"/>
-              <a:t>Wrapper.java</a:t>
-            </a:r>
-          </a:p>
-          <a:p>
-            <a:r>
-              <a:rPr lang="de-CH" dirty="0" smtClean="0"/>
-              <a:t>Views</a:t>
-            </a:r>
-          </a:p>
-          <a:p>
-            <a:pPr lvl="1"/>
-            <a:r>
-              <a:rPr lang="de-CH" dirty="0" smtClean="0"/>
-              <a:t>HomeView.java</a:t>
-            </a:r>
-          </a:p>
-          <a:p>
-            <a:pPr lvl="1"/>
-            <a:r>
-              <a:rPr lang="de-CH" dirty="0" smtClean="0"/>
-              <a:t>InfoView.java</a:t>
-            </a:r>
-          </a:p>
-          <a:p>
-            <a:pPr lvl="1"/>
-            <a:r>
-              <a:rPr lang="de-CH" dirty="0" smtClean="0"/>
-              <a:t>MedicationsListView.java</a:t>
-            </a:r>
-          </a:p>
-          <a:p>
-            <a:pPr lvl="1"/>
-            <a:r>
-              <a:rPr lang="de-CH" dirty="0" smtClean="0"/>
-              <a:t>MedicationsView.java </a:t>
-            </a:r>
-            <a:endParaRPr lang="de-CH" dirty="0"/>
-          </a:p>
-        </p:txBody>
-      </p:sp>
-    </p:spTree>
-    <p:extLst>
-      <p:ext uri="{BB962C8B-B14F-4D97-AF65-F5344CB8AC3E}">
-        <p14:creationId xmlns:p14="http://schemas.microsoft.com/office/powerpoint/2010/main" val="1522822994"/>
-      </p:ext>
-    </p:extLst>
-  </p:cSld>
-  <p:clrMapOvr>
-    <a:masterClrMapping/>
-  </p:clrMapOvr>
-  <p:timing>
-    <p:tnLst>
-      <p:par>
-        <p:cTn id="1" dur="indefinite" restart="never" nodeType="tmRoot"/>
-      </p:par>
-    </p:tnLst>
-  </p:timing>
-</p:sld>
-</file>
-
-<file path=ppt/slides/slide9.xml><?xml version="1.0" encoding="utf-8"?>
-<p:sld xmlns:a="http://schemas.openxmlformats.org/drawingml/2006/main" xmlns:r="http://schemas.openxmlformats.org/officeDocument/2006/relationships" xmlns:p="http://schemas.openxmlformats.org/presentationml/2006/main">
-  <p:cSld>
-    <p:spTree>
-      <p:nvGrpSpPr>
-        <p:cNvPr id="1" name=""/>
-        <p:cNvGrpSpPr/>
-        <p:nvPr/>
-      </p:nvGrpSpPr>
-      <p:grpSpPr>
-        <a:xfrm>
-          <a:off x="0" y="0"/>
-          <a:ext cx="0" cy="0"/>
-          <a:chOff x="0" y="0"/>
-          <a:chExt cx="0" cy="0"/>
-        </a:xfrm>
-      </p:grpSpPr>
-      <p:sp>
-        <p:nvSpPr>
-          <p:cNvPr id="3" name="Titel 2"/>
-          <p:cNvSpPr>
-            <a:spLocks noGrp="1"/>
-          </p:cNvSpPr>
-          <p:nvPr>
-            <p:ph type="ctrTitle"/>
-          </p:nvPr>
-        </p:nvSpPr>
-        <p:spPr/>
-        <p:txBody>
-          <a:bodyPr/>
-          <a:lstStyle/>
-          <a:p>
-            <a:r>
-              <a:rPr lang="de-DE" b="1" dirty="0" smtClean="0"/>
-              <a:t>Persönliche Beiträge</a:t>
-            </a:r>
-            <a:endParaRPr lang="de-CH" dirty="0"/>
-          </a:p>
-        </p:txBody>
-      </p:sp>
-      <p:sp>
-        <p:nvSpPr>
-          <p:cNvPr id="5" name="Textplatzhalter 4"/>
-          <p:cNvSpPr>
-            <a:spLocks noGrp="1"/>
-          </p:cNvSpPr>
-          <p:nvPr>
-            <p:ph type="body" idx="1"/>
-          </p:nvPr>
-        </p:nvSpPr>
-        <p:spPr>
-          <a:xfrm>
-            <a:off x="468000" y="990000"/>
-            <a:ext cx="8100000" cy="540000"/>
-          </a:xfrm>
-        </p:spPr>
-        <p:txBody>
-          <a:bodyPr/>
-          <a:lstStyle/>
-          <a:p>
-            <a:r>
-              <a:rPr lang="de-CH" dirty="0" smtClean="0"/>
               <a:t>Maurice - Wrapper</a:t>
             </a:r>
             <a:endParaRPr lang="de-CH" dirty="0"/>
@@ -11600,6 +9000,2742 @@
     <p:extLst>
       <p:ext uri="{BB962C8B-B14F-4D97-AF65-F5344CB8AC3E}">
         <p14:creationId xmlns:p14="http://schemas.microsoft.com/office/powerpoint/2010/main" val="613959045"/>
+      </p:ext>
+    </p:extLst>
+  </p:cSld>
+  <p:clrMapOvr>
+    <a:masterClrMapping/>
+  </p:clrMapOvr>
+  <p:timing>
+    <p:tnLst>
+      <p:par>
+        <p:cTn id="1" dur="indefinite" restart="never" nodeType="tmRoot"/>
+      </p:par>
+    </p:tnLst>
+  </p:timing>
+</p:sld>
+</file>
+
+<file path=ppt/slides/slide11.xml><?xml version="1.0" encoding="utf-8"?>
+<p:sld xmlns:a="http://schemas.openxmlformats.org/drawingml/2006/main" xmlns:r="http://schemas.openxmlformats.org/officeDocument/2006/relationships" xmlns:p="http://schemas.openxmlformats.org/presentationml/2006/main">
+  <p:cSld>
+    <p:spTree>
+      <p:nvGrpSpPr>
+        <p:cNvPr id="1" name=""/>
+        <p:cNvGrpSpPr/>
+        <p:nvPr/>
+      </p:nvGrpSpPr>
+      <p:grpSpPr>
+        <a:xfrm>
+          <a:off x="0" y="0"/>
+          <a:ext cx="0" cy="0"/>
+          <a:chOff x="0" y="0"/>
+          <a:chExt cx="0" cy="0"/>
+        </a:xfrm>
+      </p:grpSpPr>
+      <p:sp>
+        <p:nvSpPr>
+          <p:cNvPr id="3" name="Titel 2"/>
+          <p:cNvSpPr>
+            <a:spLocks noGrp="1"/>
+          </p:cNvSpPr>
+          <p:nvPr>
+            <p:ph type="ctrTitle"/>
+          </p:nvPr>
+        </p:nvSpPr>
+        <p:spPr/>
+        <p:txBody>
+          <a:bodyPr/>
+          <a:lstStyle/>
+          <a:p>
+            <a:r>
+              <a:rPr lang="de-DE" b="1" dirty="0" smtClean="0"/>
+              <a:t>Persönliche Beiträge</a:t>
+            </a:r>
+            <a:endParaRPr lang="de-CH" dirty="0"/>
+          </a:p>
+        </p:txBody>
+      </p:sp>
+      <p:sp>
+        <p:nvSpPr>
+          <p:cNvPr id="5" name="Textplatzhalter 4"/>
+          <p:cNvSpPr>
+            <a:spLocks noGrp="1"/>
+          </p:cNvSpPr>
+          <p:nvPr>
+            <p:ph type="body" idx="1"/>
+          </p:nvPr>
+        </p:nvSpPr>
+        <p:spPr>
+          <a:xfrm>
+            <a:off x="468000" y="990000"/>
+            <a:ext cx="8100000" cy="540000"/>
+          </a:xfrm>
+        </p:spPr>
+        <p:txBody>
+          <a:bodyPr/>
+          <a:lstStyle/>
+          <a:p>
+            <a:r>
+              <a:rPr lang="de-CH" dirty="0" smtClean="0"/>
+              <a:t>Mauro</a:t>
+            </a:r>
+            <a:endParaRPr lang="de-CH" dirty="0"/>
+          </a:p>
+        </p:txBody>
+      </p:sp>
+      <p:sp>
+        <p:nvSpPr>
+          <p:cNvPr id="6" name="Inhaltsplatzhalter 5"/>
+          <p:cNvSpPr>
+            <a:spLocks noGrp="1"/>
+          </p:cNvSpPr>
+          <p:nvPr>
+            <p:ph sz="half" idx="13"/>
+          </p:nvPr>
+        </p:nvSpPr>
+        <p:spPr/>
+        <p:txBody>
+          <a:bodyPr/>
+          <a:lstStyle/>
+          <a:p>
+            <a:endParaRPr lang="de-CH"/>
+          </a:p>
+        </p:txBody>
+      </p:sp>
+    </p:spTree>
+    <p:extLst>
+      <p:ext uri="{BB962C8B-B14F-4D97-AF65-F5344CB8AC3E}">
+        <p14:creationId xmlns:p14="http://schemas.microsoft.com/office/powerpoint/2010/main" val="371708231"/>
+      </p:ext>
+    </p:extLst>
+  </p:cSld>
+  <p:clrMapOvr>
+    <a:masterClrMapping/>
+  </p:clrMapOvr>
+  <p:timing>
+    <p:tnLst>
+      <p:par>
+        <p:cTn id="1" dur="indefinite" restart="never" nodeType="tmRoot"/>
+      </p:par>
+    </p:tnLst>
+  </p:timing>
+</p:sld>
+</file>
+
+<file path=ppt/slides/slide12.xml><?xml version="1.0" encoding="utf-8"?>
+<p:sld xmlns:a="http://schemas.openxmlformats.org/drawingml/2006/main" xmlns:r="http://schemas.openxmlformats.org/officeDocument/2006/relationships" xmlns:p="http://schemas.openxmlformats.org/presentationml/2006/main">
+  <p:cSld>
+    <p:spTree>
+      <p:nvGrpSpPr>
+        <p:cNvPr id="1" name=""/>
+        <p:cNvGrpSpPr/>
+        <p:nvPr/>
+      </p:nvGrpSpPr>
+      <p:grpSpPr>
+        <a:xfrm>
+          <a:off x="0" y="0"/>
+          <a:ext cx="0" cy="0"/>
+          <a:chOff x="0" y="0"/>
+          <a:chExt cx="0" cy="0"/>
+        </a:xfrm>
+      </p:grpSpPr>
+      <p:sp>
+        <p:nvSpPr>
+          <p:cNvPr id="6" name="Inhaltsplatzhalter 5"/>
+          <p:cNvSpPr>
+            <a:spLocks noGrp="1"/>
+          </p:cNvSpPr>
+          <p:nvPr>
+            <p:ph sz="half" idx="1"/>
+          </p:nvPr>
+        </p:nvSpPr>
+        <p:spPr/>
+        <p:txBody>
+          <a:bodyPr/>
+          <a:lstStyle/>
+          <a:p>
+            <a:r>
+              <a:rPr lang="de-CH" dirty="0" smtClean="0"/>
+              <a:t>Schwierigkeiten</a:t>
+            </a:r>
+          </a:p>
+          <a:p>
+            <a:pPr lvl="1"/>
+            <a:r>
+              <a:rPr lang="de-CH" dirty="0" smtClean="0"/>
+              <a:t>Viele Unklarheiten Theorie-Praxis</a:t>
+            </a:r>
+          </a:p>
+          <a:p>
+            <a:pPr lvl="1"/>
+            <a:r>
+              <a:rPr lang="de-CH" dirty="0" smtClean="0"/>
+              <a:t>Fehlende Erfahrung</a:t>
+            </a:r>
+          </a:p>
+          <a:p>
+            <a:pPr lvl="1"/>
+            <a:r>
+              <a:rPr lang="de-CH" dirty="0" smtClean="0"/>
+              <a:t>Keine Vorstellung für Umsetzungsmöglichkeiten</a:t>
+            </a:r>
+          </a:p>
+          <a:p>
+            <a:endParaRPr lang="de-CH" dirty="0"/>
+          </a:p>
+          <a:p>
+            <a:r>
+              <a:rPr lang="de-CH" dirty="0" err="1" smtClean="0"/>
+              <a:t>Lessons</a:t>
+            </a:r>
+            <a:r>
+              <a:rPr lang="de-CH" dirty="0" smtClean="0"/>
+              <a:t> </a:t>
+            </a:r>
+            <a:r>
+              <a:rPr lang="de-CH" dirty="0" err="1" smtClean="0"/>
+              <a:t>learned</a:t>
+            </a:r>
+            <a:endParaRPr lang="de-CH" dirty="0" smtClean="0"/>
+          </a:p>
+          <a:p>
+            <a:pPr lvl="1"/>
+            <a:r>
+              <a:rPr lang="de-CH" dirty="0" smtClean="0"/>
+              <a:t>Konsumentensicht</a:t>
+            </a:r>
+          </a:p>
+          <a:p>
+            <a:pPr lvl="1"/>
+            <a:r>
+              <a:rPr lang="de-CH" dirty="0" smtClean="0"/>
+              <a:t>Viele Ideen entwickeln</a:t>
+            </a:r>
+          </a:p>
+          <a:p>
+            <a:pPr lvl="1"/>
+            <a:r>
+              <a:rPr lang="de-CH" dirty="0" smtClean="0"/>
+              <a:t>Noch nicht an Umsetzung denken</a:t>
+            </a:r>
+          </a:p>
+        </p:txBody>
+      </p:sp>
+      <p:sp>
+        <p:nvSpPr>
+          <p:cNvPr id="5" name="Titel 4"/>
+          <p:cNvSpPr>
+            <a:spLocks noGrp="1"/>
+          </p:cNvSpPr>
+          <p:nvPr>
+            <p:ph type="ctrTitle"/>
+          </p:nvPr>
+        </p:nvSpPr>
+        <p:spPr/>
+        <p:txBody>
+          <a:bodyPr/>
+          <a:lstStyle/>
+          <a:p>
+            <a:pPr algn="ctr"/>
+            <a:r>
+              <a:rPr lang="de-CH" dirty="0" smtClean="0"/>
+              <a:t>Prozess </a:t>
+            </a:r>
+            <a:br>
+              <a:rPr lang="de-CH" dirty="0" smtClean="0"/>
+            </a:br>
+            <a:r>
+              <a:rPr lang="de-CH" sz="2000" dirty="0" smtClean="0"/>
+              <a:t>Storyboard</a:t>
+            </a:r>
+            <a:endParaRPr lang="de-CH" sz="2200" dirty="0"/>
+          </a:p>
+        </p:txBody>
+      </p:sp>
+    </p:spTree>
+    <p:extLst>
+      <p:ext uri="{BB962C8B-B14F-4D97-AF65-F5344CB8AC3E}">
+        <p14:creationId xmlns:p14="http://schemas.microsoft.com/office/powerpoint/2010/main" val="352211297"/>
+      </p:ext>
+    </p:extLst>
+  </p:cSld>
+  <p:clrMapOvr>
+    <a:masterClrMapping/>
+  </p:clrMapOvr>
+  <p:timing>
+    <p:tnLst>
+      <p:par>
+        <p:cTn id="1" dur="indefinite" restart="never" nodeType="tmRoot"/>
+      </p:par>
+    </p:tnLst>
+  </p:timing>
+</p:sld>
+</file>
+
+<file path=ppt/slides/slide13.xml><?xml version="1.0" encoding="utf-8"?>
+<p:sld xmlns:a="http://schemas.openxmlformats.org/drawingml/2006/main" xmlns:r="http://schemas.openxmlformats.org/officeDocument/2006/relationships" xmlns:p="http://schemas.openxmlformats.org/presentationml/2006/main">
+  <p:cSld>
+    <p:spTree>
+      <p:nvGrpSpPr>
+        <p:cNvPr id="1" name=""/>
+        <p:cNvGrpSpPr/>
+        <p:nvPr/>
+      </p:nvGrpSpPr>
+      <p:grpSpPr>
+        <a:xfrm>
+          <a:off x="0" y="0"/>
+          <a:ext cx="0" cy="0"/>
+          <a:chOff x="0" y="0"/>
+          <a:chExt cx="0" cy="0"/>
+        </a:xfrm>
+      </p:grpSpPr>
+      <p:sp>
+        <p:nvSpPr>
+          <p:cNvPr id="6" name="Inhaltsplatzhalter 5"/>
+          <p:cNvSpPr>
+            <a:spLocks noGrp="1"/>
+          </p:cNvSpPr>
+          <p:nvPr>
+            <p:ph sz="half" idx="1"/>
+          </p:nvPr>
+        </p:nvSpPr>
+        <p:spPr/>
+        <p:txBody>
+          <a:bodyPr/>
+          <a:lstStyle/>
+          <a:p>
+            <a:r>
+              <a:rPr lang="de-CH" dirty="0" smtClean="0"/>
+              <a:t>Schwierigkeiten</a:t>
+            </a:r>
+          </a:p>
+          <a:p>
+            <a:pPr lvl="1"/>
+            <a:r>
+              <a:rPr lang="de-CH" dirty="0" smtClean="0"/>
+              <a:t>Viele Einflussfaktoren</a:t>
+            </a:r>
+          </a:p>
+          <a:p>
+            <a:pPr lvl="1"/>
+            <a:r>
+              <a:rPr lang="de-CH" dirty="0" smtClean="0"/>
+              <a:t>Fehlende Erfahrung</a:t>
+            </a:r>
+            <a:endParaRPr lang="de-CH" dirty="0"/>
+          </a:p>
+          <a:p>
+            <a:pPr lvl="1"/>
+            <a:endParaRPr lang="de-CH" dirty="0" smtClean="0"/>
+          </a:p>
+          <a:p>
+            <a:r>
+              <a:rPr lang="de-CH" dirty="0" err="1" smtClean="0"/>
+              <a:t>Lessons</a:t>
+            </a:r>
+            <a:r>
+              <a:rPr lang="de-CH" dirty="0" smtClean="0"/>
+              <a:t> </a:t>
+            </a:r>
+            <a:r>
+              <a:rPr lang="de-CH" dirty="0" err="1" smtClean="0"/>
+              <a:t>learned</a:t>
+            </a:r>
+            <a:endParaRPr lang="de-CH" dirty="0" smtClean="0"/>
+          </a:p>
+          <a:p>
+            <a:pPr lvl="1"/>
+            <a:r>
+              <a:rPr lang="de-CH" dirty="0" smtClean="0"/>
+              <a:t>Grundlage des Projekts</a:t>
+            </a:r>
+          </a:p>
+          <a:p>
+            <a:pPr lvl="1"/>
+            <a:r>
+              <a:rPr lang="de-CH" dirty="0" smtClean="0"/>
+              <a:t>Alle Faktoren berücksichtigen</a:t>
+            </a:r>
+          </a:p>
+          <a:p>
+            <a:pPr lvl="2"/>
+            <a:r>
+              <a:rPr lang="de-CH" dirty="0" smtClean="0"/>
+              <a:t>Richtlinien</a:t>
+            </a:r>
+          </a:p>
+          <a:p>
+            <a:pPr lvl="2"/>
+            <a:r>
+              <a:rPr lang="de-CH" dirty="0" smtClean="0"/>
+              <a:t>Kundenanforderungen</a:t>
+            </a:r>
+          </a:p>
+          <a:p>
+            <a:pPr lvl="2"/>
+            <a:r>
+              <a:rPr lang="de-CH" dirty="0" smtClean="0"/>
+              <a:t>…</a:t>
+            </a:r>
+          </a:p>
+          <a:p>
+            <a:pPr lvl="1"/>
+            <a:endParaRPr lang="de-CH" dirty="0"/>
+          </a:p>
+        </p:txBody>
+      </p:sp>
+      <p:sp>
+        <p:nvSpPr>
+          <p:cNvPr id="5" name="Titel 4"/>
+          <p:cNvSpPr>
+            <a:spLocks noGrp="1"/>
+          </p:cNvSpPr>
+          <p:nvPr>
+            <p:ph type="ctrTitle"/>
+          </p:nvPr>
+        </p:nvSpPr>
+        <p:spPr/>
+        <p:txBody>
+          <a:bodyPr/>
+          <a:lstStyle/>
+          <a:p>
+            <a:pPr algn="ctr"/>
+            <a:r>
+              <a:rPr lang="de-CH" dirty="0" smtClean="0"/>
+              <a:t>Prozess </a:t>
+            </a:r>
+            <a:br>
+              <a:rPr lang="de-CH" dirty="0" smtClean="0"/>
+            </a:br>
+            <a:r>
+              <a:rPr lang="de-CH" sz="2000" dirty="0" err="1" smtClean="0"/>
+              <a:t>Requirements</a:t>
+            </a:r>
+            <a:endParaRPr lang="de-CH" sz="2200" dirty="0"/>
+          </a:p>
+        </p:txBody>
+      </p:sp>
+    </p:spTree>
+    <p:extLst>
+      <p:ext uri="{BB962C8B-B14F-4D97-AF65-F5344CB8AC3E}">
+        <p14:creationId xmlns:p14="http://schemas.microsoft.com/office/powerpoint/2010/main" val="1331511723"/>
+      </p:ext>
+    </p:extLst>
+  </p:cSld>
+  <p:clrMapOvr>
+    <a:masterClrMapping/>
+  </p:clrMapOvr>
+</p:sld>
+</file>
+
+<file path=ppt/slides/slide14.xml><?xml version="1.0" encoding="utf-8"?>
+<p:sld xmlns:a="http://schemas.openxmlformats.org/drawingml/2006/main" xmlns:r="http://schemas.openxmlformats.org/officeDocument/2006/relationships" xmlns:p="http://schemas.openxmlformats.org/presentationml/2006/main">
+  <p:cSld>
+    <p:spTree>
+      <p:nvGrpSpPr>
+        <p:cNvPr id="1" name=""/>
+        <p:cNvGrpSpPr/>
+        <p:nvPr/>
+      </p:nvGrpSpPr>
+      <p:grpSpPr>
+        <a:xfrm>
+          <a:off x="0" y="0"/>
+          <a:ext cx="0" cy="0"/>
+          <a:chOff x="0" y="0"/>
+          <a:chExt cx="0" cy="0"/>
+        </a:xfrm>
+      </p:grpSpPr>
+      <p:sp>
+        <p:nvSpPr>
+          <p:cNvPr id="6" name="Inhaltsplatzhalter 5"/>
+          <p:cNvSpPr>
+            <a:spLocks noGrp="1"/>
+          </p:cNvSpPr>
+          <p:nvPr>
+            <p:ph sz="half" idx="1"/>
+          </p:nvPr>
+        </p:nvSpPr>
+        <p:spPr/>
+        <p:txBody>
+          <a:bodyPr/>
+          <a:lstStyle/>
+          <a:p>
+            <a:r>
+              <a:rPr lang="de-CH" dirty="0" smtClean="0"/>
+              <a:t>Schwierigkeiten</a:t>
+            </a:r>
+          </a:p>
+          <a:p>
+            <a:pPr lvl="1"/>
+            <a:r>
+              <a:rPr lang="de-CH" dirty="0" smtClean="0"/>
+              <a:t>Fehlende Erfahrung</a:t>
+            </a:r>
+          </a:p>
+          <a:p>
+            <a:pPr lvl="2"/>
+            <a:r>
+              <a:rPr lang="de-CH" dirty="0" smtClean="0"/>
+              <a:t>Wichtige Punkte vergessen</a:t>
+            </a:r>
+          </a:p>
+          <a:p>
+            <a:pPr lvl="1"/>
+            <a:r>
+              <a:rPr lang="de-CH" dirty="0" smtClean="0"/>
+              <a:t>Überblick behalten</a:t>
+            </a:r>
+          </a:p>
+          <a:p>
+            <a:pPr lvl="1"/>
+            <a:r>
+              <a:rPr lang="de-CH" dirty="0" smtClean="0"/>
+              <a:t>Anbindung an </a:t>
+            </a:r>
+            <a:r>
+              <a:rPr lang="de-CH" dirty="0" err="1" smtClean="0"/>
+              <a:t>Vaadin</a:t>
+            </a:r>
+            <a:endParaRPr lang="de-CH" dirty="0"/>
+          </a:p>
+          <a:p>
+            <a:endParaRPr lang="de-CH" dirty="0" smtClean="0"/>
+          </a:p>
+          <a:p>
+            <a:r>
+              <a:rPr lang="de-CH" dirty="0" err="1" smtClean="0"/>
+              <a:t>Lessons</a:t>
+            </a:r>
+            <a:r>
+              <a:rPr lang="de-CH" dirty="0" smtClean="0"/>
+              <a:t> </a:t>
+            </a:r>
+            <a:r>
+              <a:rPr lang="de-CH" dirty="0" err="1" smtClean="0"/>
+              <a:t>learned</a:t>
+            </a:r>
+            <a:endParaRPr lang="de-CH" dirty="0" smtClean="0"/>
+          </a:p>
+          <a:p>
+            <a:pPr lvl="1"/>
+            <a:r>
+              <a:rPr lang="de-CH" dirty="0" smtClean="0"/>
+              <a:t>Ressourcen abklären</a:t>
+            </a:r>
+          </a:p>
+          <a:p>
+            <a:pPr lvl="1"/>
+            <a:r>
+              <a:rPr lang="de-CH" dirty="0" smtClean="0"/>
+              <a:t>Externe Frameworks sind gut aber…</a:t>
+            </a:r>
+          </a:p>
+          <a:p>
+            <a:pPr lvl="1"/>
+            <a:endParaRPr lang="de-CH" dirty="0"/>
+          </a:p>
+        </p:txBody>
+      </p:sp>
+      <p:sp>
+        <p:nvSpPr>
+          <p:cNvPr id="5" name="Titel 4"/>
+          <p:cNvSpPr>
+            <a:spLocks noGrp="1"/>
+          </p:cNvSpPr>
+          <p:nvPr>
+            <p:ph type="ctrTitle"/>
+          </p:nvPr>
+        </p:nvSpPr>
+        <p:spPr/>
+        <p:txBody>
+          <a:bodyPr/>
+          <a:lstStyle/>
+          <a:p>
+            <a:pPr algn="ctr"/>
+            <a:r>
+              <a:rPr lang="de-CH" dirty="0" smtClean="0"/>
+              <a:t>Prozess </a:t>
+            </a:r>
+            <a:br>
+              <a:rPr lang="de-CH" dirty="0" smtClean="0"/>
+            </a:br>
+            <a:r>
+              <a:rPr lang="de-CH" sz="2000" dirty="0" smtClean="0"/>
+              <a:t>Design</a:t>
+            </a:r>
+            <a:endParaRPr lang="de-CH" sz="2200" dirty="0"/>
+          </a:p>
+        </p:txBody>
+      </p:sp>
+    </p:spTree>
+    <p:extLst>
+      <p:ext uri="{BB962C8B-B14F-4D97-AF65-F5344CB8AC3E}">
+        <p14:creationId xmlns:p14="http://schemas.microsoft.com/office/powerpoint/2010/main" val="1305885463"/>
+      </p:ext>
+    </p:extLst>
+  </p:cSld>
+  <p:clrMapOvr>
+    <a:masterClrMapping/>
+  </p:clrMapOvr>
+</p:sld>
+</file>
+
+<file path=ppt/slides/slide15.xml><?xml version="1.0" encoding="utf-8"?>
+<p:sld xmlns:a="http://schemas.openxmlformats.org/drawingml/2006/main" xmlns:r="http://schemas.openxmlformats.org/officeDocument/2006/relationships" xmlns:p="http://schemas.openxmlformats.org/presentationml/2006/main">
+  <p:cSld>
+    <p:spTree>
+      <p:nvGrpSpPr>
+        <p:cNvPr id="1" name=""/>
+        <p:cNvGrpSpPr/>
+        <p:nvPr/>
+      </p:nvGrpSpPr>
+      <p:grpSpPr>
+        <a:xfrm>
+          <a:off x="0" y="0"/>
+          <a:ext cx="0" cy="0"/>
+          <a:chOff x="0" y="0"/>
+          <a:chExt cx="0" cy="0"/>
+        </a:xfrm>
+      </p:grpSpPr>
+      <p:sp>
+        <p:nvSpPr>
+          <p:cNvPr id="6" name="Inhaltsplatzhalter 5"/>
+          <p:cNvSpPr>
+            <a:spLocks noGrp="1"/>
+          </p:cNvSpPr>
+          <p:nvPr>
+            <p:ph sz="half" idx="1"/>
+          </p:nvPr>
+        </p:nvSpPr>
+        <p:spPr/>
+        <p:txBody>
+          <a:bodyPr/>
+          <a:lstStyle/>
+          <a:p>
+            <a:r>
+              <a:rPr lang="de-CH" dirty="0" smtClean="0"/>
+              <a:t>Schwierigkeiten</a:t>
+            </a:r>
+          </a:p>
+          <a:p>
+            <a:pPr lvl="1"/>
+            <a:r>
+              <a:rPr lang="de-CH" dirty="0" smtClean="0"/>
+              <a:t>Arbeitsaufteilung</a:t>
+            </a:r>
+          </a:p>
+          <a:p>
+            <a:pPr lvl="1"/>
+            <a:r>
+              <a:rPr lang="de-CH" dirty="0" smtClean="0"/>
+              <a:t>Fehlende Erfahrung</a:t>
+            </a:r>
+          </a:p>
+          <a:p>
+            <a:pPr lvl="1"/>
+            <a:r>
+              <a:rPr lang="de-CH" dirty="0" smtClean="0"/>
+              <a:t>Aufwand schätzen</a:t>
+            </a:r>
+          </a:p>
+          <a:p>
+            <a:pPr lvl="1"/>
+            <a:r>
+              <a:rPr lang="de-CH" dirty="0" smtClean="0"/>
+              <a:t>Machbarkeit einschätzen</a:t>
+            </a:r>
+            <a:endParaRPr lang="de-CH" dirty="0"/>
+          </a:p>
+          <a:p>
+            <a:endParaRPr lang="de-CH" dirty="0" smtClean="0"/>
+          </a:p>
+          <a:p>
+            <a:r>
+              <a:rPr lang="de-CH" dirty="0" err="1" smtClean="0"/>
+              <a:t>Lessons</a:t>
+            </a:r>
+            <a:r>
+              <a:rPr lang="de-CH" dirty="0" smtClean="0"/>
+              <a:t> </a:t>
+            </a:r>
+            <a:r>
+              <a:rPr lang="de-CH" dirty="0" err="1" smtClean="0"/>
+              <a:t>learned</a:t>
+            </a:r>
+            <a:endParaRPr lang="de-CH" dirty="0" smtClean="0"/>
+          </a:p>
+          <a:p>
+            <a:pPr lvl="1"/>
+            <a:r>
+              <a:rPr lang="de-CH" dirty="0" smtClean="0"/>
+              <a:t>Umgang mit Ressourcen</a:t>
+            </a:r>
+          </a:p>
+          <a:p>
+            <a:pPr lvl="1"/>
+            <a:r>
+              <a:rPr lang="de-CH" dirty="0" smtClean="0"/>
+              <a:t>Teamarbeit</a:t>
+            </a:r>
+          </a:p>
+          <a:p>
+            <a:pPr lvl="1"/>
+            <a:r>
+              <a:rPr lang="de-CH" dirty="0" err="1" smtClean="0"/>
+              <a:t>Scrum</a:t>
+            </a:r>
+            <a:r>
+              <a:rPr lang="de-CH" dirty="0" smtClean="0"/>
+              <a:t>-Vorgehensweise</a:t>
+            </a:r>
+          </a:p>
+          <a:p>
+            <a:pPr lvl="1"/>
+            <a:endParaRPr lang="de-CH" dirty="0"/>
+          </a:p>
+        </p:txBody>
+      </p:sp>
+      <p:sp>
+        <p:nvSpPr>
+          <p:cNvPr id="5" name="Titel 4"/>
+          <p:cNvSpPr>
+            <a:spLocks noGrp="1"/>
+          </p:cNvSpPr>
+          <p:nvPr>
+            <p:ph type="ctrTitle"/>
+          </p:nvPr>
+        </p:nvSpPr>
+        <p:spPr/>
+        <p:txBody>
+          <a:bodyPr/>
+          <a:lstStyle/>
+          <a:p>
+            <a:pPr algn="ctr"/>
+            <a:r>
+              <a:rPr lang="de-CH" dirty="0" smtClean="0"/>
+              <a:t>Prozess </a:t>
+            </a:r>
+            <a:br>
+              <a:rPr lang="de-CH" dirty="0" smtClean="0"/>
+            </a:br>
+            <a:r>
+              <a:rPr lang="de-CH" sz="2000" dirty="0" smtClean="0"/>
+              <a:t>Implementation</a:t>
+            </a:r>
+            <a:endParaRPr lang="de-CH" sz="2200" dirty="0"/>
+          </a:p>
+        </p:txBody>
+      </p:sp>
+    </p:spTree>
+    <p:extLst>
+      <p:ext uri="{BB962C8B-B14F-4D97-AF65-F5344CB8AC3E}">
+        <p14:creationId xmlns:p14="http://schemas.microsoft.com/office/powerpoint/2010/main" val="2523521946"/>
+      </p:ext>
+    </p:extLst>
+  </p:cSld>
+  <p:clrMapOvr>
+    <a:masterClrMapping/>
+  </p:clrMapOvr>
+</p:sld>
+</file>
+
+<file path=ppt/slides/slide16.xml><?xml version="1.0" encoding="utf-8"?>
+<p:sld xmlns:a="http://schemas.openxmlformats.org/drawingml/2006/main" xmlns:r="http://schemas.openxmlformats.org/officeDocument/2006/relationships" xmlns:p="http://schemas.openxmlformats.org/presentationml/2006/main">
+  <p:cSld>
+    <p:spTree>
+      <p:nvGrpSpPr>
+        <p:cNvPr id="1" name=""/>
+        <p:cNvGrpSpPr/>
+        <p:nvPr/>
+      </p:nvGrpSpPr>
+      <p:grpSpPr>
+        <a:xfrm>
+          <a:off x="0" y="0"/>
+          <a:ext cx="0" cy="0"/>
+          <a:chOff x="0" y="0"/>
+          <a:chExt cx="0" cy="0"/>
+        </a:xfrm>
+      </p:grpSpPr>
+      <p:sp>
+        <p:nvSpPr>
+          <p:cNvPr id="3" name="Titel 2"/>
+          <p:cNvSpPr>
+            <a:spLocks noGrp="1"/>
+          </p:cNvSpPr>
+          <p:nvPr>
+            <p:ph type="ctrTitle"/>
+          </p:nvPr>
+        </p:nvSpPr>
+        <p:spPr/>
+        <p:txBody>
+          <a:bodyPr/>
+          <a:lstStyle/>
+          <a:p>
+            <a:r>
+              <a:rPr lang="de-DE" b="1" dirty="0" err="1" smtClean="0"/>
+              <a:t>Scrum</a:t>
+            </a:r>
+            <a:r>
+              <a:rPr lang="de-DE" b="1" dirty="0" smtClean="0"/>
+              <a:t> Master</a:t>
+            </a:r>
+            <a:endParaRPr lang="de-CH" dirty="0"/>
+          </a:p>
+        </p:txBody>
+      </p:sp>
+      <p:sp>
+        <p:nvSpPr>
+          <p:cNvPr id="6" name="Inhaltsplatzhalter 5"/>
+          <p:cNvSpPr>
+            <a:spLocks noGrp="1"/>
+          </p:cNvSpPr>
+          <p:nvPr>
+            <p:ph sz="half" idx="13"/>
+          </p:nvPr>
+        </p:nvSpPr>
+        <p:spPr>
+          <a:xfrm>
+            <a:off x="468000" y="1099750"/>
+            <a:ext cx="8100000" cy="5020249"/>
+          </a:xfrm>
+        </p:spPr>
+        <p:txBody>
+          <a:bodyPr/>
+          <a:lstStyle/>
+          <a:p>
+            <a:r>
+              <a:rPr lang="de-CH" dirty="0" err="1" smtClean="0"/>
+              <a:t>Lessons</a:t>
+            </a:r>
+            <a:r>
+              <a:rPr lang="de-CH" dirty="0" smtClean="0"/>
+              <a:t> </a:t>
+            </a:r>
+            <a:r>
+              <a:rPr lang="de-CH" dirty="0" err="1" smtClean="0"/>
+              <a:t>learned</a:t>
+            </a:r>
+            <a:endParaRPr lang="de-CH" dirty="0" smtClean="0"/>
+          </a:p>
+          <a:p>
+            <a:pPr lvl="1"/>
+            <a:r>
+              <a:rPr lang="de-CH" dirty="0" smtClean="0"/>
+              <a:t>Unterschiedliche Fähigkeiten des Teams</a:t>
+            </a:r>
+          </a:p>
+          <a:p>
+            <a:pPr lvl="1"/>
+            <a:r>
+              <a:rPr lang="de-CH" dirty="0" smtClean="0"/>
+              <a:t>Zeitplanung</a:t>
+            </a:r>
+          </a:p>
+          <a:p>
+            <a:pPr lvl="1"/>
+            <a:r>
+              <a:rPr lang="de-CH" dirty="0" smtClean="0"/>
+              <a:t>Fehlende Erfahrung</a:t>
+            </a:r>
+          </a:p>
+          <a:p>
+            <a:pPr lvl="1"/>
+            <a:r>
+              <a:rPr lang="de-CH" dirty="0" smtClean="0"/>
+              <a:t>Prioritäten setzen</a:t>
+            </a:r>
+          </a:p>
+          <a:p>
+            <a:pPr lvl="1"/>
+            <a:r>
+              <a:rPr lang="de-CH" dirty="0" smtClean="0"/>
+              <a:t>Überblick behalten</a:t>
+            </a:r>
+          </a:p>
+          <a:p>
+            <a:pPr lvl="1"/>
+            <a:endParaRPr lang="de-CH" dirty="0" smtClean="0"/>
+          </a:p>
+        </p:txBody>
+      </p:sp>
+    </p:spTree>
+    <p:extLst>
+      <p:ext uri="{BB962C8B-B14F-4D97-AF65-F5344CB8AC3E}">
+        <p14:creationId xmlns:p14="http://schemas.microsoft.com/office/powerpoint/2010/main" val="3305796004"/>
+      </p:ext>
+    </p:extLst>
+  </p:cSld>
+  <p:clrMapOvr>
+    <a:masterClrMapping/>
+  </p:clrMapOvr>
+</p:sld>
+</file>
+
+<file path=ppt/slides/slide17.xml><?xml version="1.0" encoding="utf-8"?>
+<p:sld xmlns:a="http://schemas.openxmlformats.org/drawingml/2006/main" xmlns:r="http://schemas.openxmlformats.org/officeDocument/2006/relationships" xmlns:p="http://schemas.openxmlformats.org/presentationml/2006/main">
+  <p:cSld>
+    <p:spTree>
+      <p:nvGrpSpPr>
+        <p:cNvPr id="1" name=""/>
+        <p:cNvGrpSpPr/>
+        <p:nvPr/>
+      </p:nvGrpSpPr>
+      <p:grpSpPr>
+        <a:xfrm>
+          <a:off x="0" y="0"/>
+          <a:ext cx="0" cy="0"/>
+          <a:chOff x="0" y="0"/>
+          <a:chExt cx="0" cy="0"/>
+        </a:xfrm>
+      </p:grpSpPr>
+      <p:sp>
+        <p:nvSpPr>
+          <p:cNvPr id="3" name="Titel 2"/>
+          <p:cNvSpPr>
+            <a:spLocks noGrp="1"/>
+          </p:cNvSpPr>
+          <p:nvPr>
+            <p:ph type="ctrTitle"/>
+          </p:nvPr>
+        </p:nvSpPr>
+        <p:spPr/>
+        <p:txBody>
+          <a:bodyPr/>
+          <a:lstStyle/>
+          <a:p>
+            <a:r>
+              <a:rPr lang="de-DE" b="1" dirty="0" err="1" smtClean="0"/>
+              <a:t>Scrum</a:t>
+            </a:r>
+            <a:r>
+              <a:rPr lang="de-DE" b="1" dirty="0" smtClean="0"/>
+              <a:t> Member</a:t>
+            </a:r>
+            <a:endParaRPr lang="de-CH" dirty="0"/>
+          </a:p>
+        </p:txBody>
+      </p:sp>
+      <p:sp>
+        <p:nvSpPr>
+          <p:cNvPr id="6" name="Inhaltsplatzhalter 5"/>
+          <p:cNvSpPr>
+            <a:spLocks noGrp="1"/>
+          </p:cNvSpPr>
+          <p:nvPr>
+            <p:ph sz="half" idx="13"/>
+          </p:nvPr>
+        </p:nvSpPr>
+        <p:spPr>
+          <a:xfrm>
+            <a:off x="468000" y="1099750"/>
+            <a:ext cx="8100000" cy="5020249"/>
+          </a:xfrm>
+        </p:spPr>
+        <p:txBody>
+          <a:bodyPr/>
+          <a:lstStyle/>
+          <a:p>
+            <a:r>
+              <a:rPr lang="de-CH" dirty="0" err="1" smtClean="0"/>
+              <a:t>Lessons</a:t>
+            </a:r>
+            <a:r>
+              <a:rPr lang="de-CH" dirty="0" smtClean="0"/>
+              <a:t> </a:t>
+            </a:r>
+            <a:r>
+              <a:rPr lang="de-CH" dirty="0" err="1" smtClean="0"/>
+              <a:t>learned</a:t>
+            </a:r>
+            <a:endParaRPr lang="de-CH" dirty="0" smtClean="0"/>
+          </a:p>
+          <a:p>
+            <a:pPr lvl="1"/>
+            <a:r>
+              <a:rPr lang="de-CH" dirty="0" smtClean="0"/>
+              <a:t>Daily </a:t>
+            </a:r>
+            <a:r>
+              <a:rPr lang="de-CH" dirty="0" err="1" smtClean="0"/>
+              <a:t>Scrum</a:t>
+            </a:r>
+            <a:r>
+              <a:rPr lang="de-CH" dirty="0" smtClean="0"/>
+              <a:t> wichtig für</a:t>
+            </a:r>
+          </a:p>
+          <a:p>
+            <a:pPr lvl="2"/>
+            <a:r>
+              <a:rPr lang="de-CH" dirty="0" smtClean="0"/>
+              <a:t>Arbeitsaufteilung</a:t>
+            </a:r>
+          </a:p>
+          <a:p>
+            <a:pPr lvl="2"/>
+            <a:r>
+              <a:rPr lang="de-CH" dirty="0" smtClean="0"/>
+              <a:t>Fortschritt</a:t>
+            </a:r>
+          </a:p>
+          <a:p>
+            <a:pPr lvl="2"/>
+            <a:r>
+              <a:rPr lang="de-CH" dirty="0" smtClean="0"/>
+              <a:t>Lösungssuche</a:t>
+            </a:r>
+          </a:p>
+          <a:p>
+            <a:pPr lvl="1"/>
+            <a:r>
+              <a:rPr lang="de-CH" dirty="0" smtClean="0"/>
+              <a:t>Dokumente </a:t>
+            </a:r>
+            <a:r>
+              <a:rPr lang="de-CH" dirty="0" err="1" smtClean="0"/>
+              <a:t>up</a:t>
+            </a:r>
+            <a:r>
+              <a:rPr lang="de-CH" dirty="0" smtClean="0"/>
+              <a:t> </a:t>
+            </a:r>
+            <a:r>
+              <a:rPr lang="de-CH" dirty="0" err="1" smtClean="0"/>
+              <a:t>to</a:t>
+            </a:r>
+            <a:r>
+              <a:rPr lang="de-CH" dirty="0" smtClean="0"/>
+              <a:t> </a:t>
+            </a:r>
+            <a:r>
+              <a:rPr lang="de-CH" dirty="0" err="1" smtClean="0"/>
+              <a:t>date</a:t>
+            </a:r>
+            <a:r>
+              <a:rPr lang="de-CH" dirty="0" smtClean="0"/>
+              <a:t> halten</a:t>
+            </a:r>
+          </a:p>
+          <a:p>
+            <a:pPr lvl="1"/>
+            <a:r>
+              <a:rPr lang="de-CH" dirty="0" smtClean="0"/>
+              <a:t>Zeitplanung</a:t>
+            </a:r>
+          </a:p>
+          <a:p>
+            <a:pPr lvl="1"/>
+            <a:endParaRPr lang="de-CH" dirty="0"/>
+          </a:p>
+        </p:txBody>
+      </p:sp>
+    </p:spTree>
+    <p:extLst>
+      <p:ext uri="{BB962C8B-B14F-4D97-AF65-F5344CB8AC3E}">
+        <p14:creationId xmlns:p14="http://schemas.microsoft.com/office/powerpoint/2010/main" val="611237871"/>
+      </p:ext>
+    </p:extLst>
+  </p:cSld>
+  <p:clrMapOvr>
+    <a:masterClrMapping/>
+  </p:clrMapOvr>
+</p:sld>
+</file>
+
+<file path=ppt/slides/slide18.xml><?xml version="1.0" encoding="utf-8"?>
+<p:sld xmlns:a="http://schemas.openxmlformats.org/drawingml/2006/main" xmlns:r="http://schemas.openxmlformats.org/officeDocument/2006/relationships" xmlns:p="http://schemas.openxmlformats.org/presentationml/2006/main">
+  <p:cSld>
+    <p:spTree>
+      <p:nvGrpSpPr>
+        <p:cNvPr id="1" name=""/>
+        <p:cNvGrpSpPr/>
+        <p:nvPr/>
+      </p:nvGrpSpPr>
+      <p:grpSpPr>
+        <a:xfrm>
+          <a:off x="0" y="0"/>
+          <a:ext cx="0" cy="0"/>
+          <a:chOff x="0" y="0"/>
+          <a:chExt cx="0" cy="0"/>
+        </a:xfrm>
+      </p:grpSpPr>
+      <p:sp>
+        <p:nvSpPr>
+          <p:cNvPr id="3" name="Titel 2"/>
+          <p:cNvSpPr>
+            <a:spLocks noGrp="1"/>
+          </p:cNvSpPr>
+          <p:nvPr>
+            <p:ph type="ctrTitle"/>
+          </p:nvPr>
+        </p:nvSpPr>
+        <p:spPr/>
+        <p:txBody>
+          <a:bodyPr/>
+          <a:lstStyle/>
+          <a:p>
+            <a:r>
+              <a:rPr lang="de-DE" b="1" dirty="0" err="1" smtClean="0"/>
+              <a:t>You</a:t>
+            </a:r>
+            <a:r>
+              <a:rPr lang="de-DE" b="1" dirty="0" smtClean="0"/>
+              <a:t>, </a:t>
+            </a:r>
+            <a:r>
+              <a:rPr lang="de-DE" b="1" dirty="0" err="1" smtClean="0"/>
+              <a:t>your</a:t>
+            </a:r>
+            <a:r>
+              <a:rPr lang="de-DE" b="1" dirty="0" smtClean="0"/>
+              <a:t> </a:t>
+            </a:r>
+            <a:r>
+              <a:rPr lang="de-DE" b="1" dirty="0" err="1" smtClean="0"/>
+              <a:t>team</a:t>
+            </a:r>
+            <a:r>
+              <a:rPr lang="de-DE" b="1" dirty="0" smtClean="0"/>
+              <a:t> </a:t>
+            </a:r>
+            <a:r>
+              <a:rPr lang="de-DE" b="1" dirty="0" err="1" smtClean="0"/>
+              <a:t>and</a:t>
+            </a:r>
+            <a:r>
+              <a:rPr lang="de-DE" b="1" dirty="0" smtClean="0"/>
+              <a:t> </a:t>
+            </a:r>
+            <a:r>
+              <a:rPr lang="de-DE" b="1" dirty="0" err="1" smtClean="0"/>
+              <a:t>the</a:t>
+            </a:r>
+            <a:r>
+              <a:rPr lang="de-DE" b="1" dirty="0" smtClean="0"/>
+              <a:t> </a:t>
+            </a:r>
+            <a:r>
+              <a:rPr lang="de-DE" b="1" dirty="0" err="1" smtClean="0"/>
+              <a:t>course</a:t>
+            </a:r>
+            <a:endParaRPr lang="de-CH" dirty="0"/>
+          </a:p>
+        </p:txBody>
+      </p:sp>
+      <p:sp>
+        <p:nvSpPr>
+          <p:cNvPr id="6" name="Inhaltsplatzhalter 5"/>
+          <p:cNvSpPr>
+            <a:spLocks noGrp="1"/>
+          </p:cNvSpPr>
+          <p:nvPr>
+            <p:ph sz="half" idx="13"/>
+          </p:nvPr>
+        </p:nvSpPr>
+        <p:spPr>
+          <a:xfrm>
+            <a:off x="468000" y="1099750"/>
+            <a:ext cx="8100000" cy="5020249"/>
+          </a:xfrm>
+        </p:spPr>
+        <p:txBody>
+          <a:bodyPr/>
+          <a:lstStyle/>
+          <a:p>
+            <a:pPr lvl="1"/>
+            <a:r>
+              <a:rPr lang="de-CH" dirty="0"/>
+              <a:t>Eigenverantwortung </a:t>
+            </a:r>
+            <a:r>
+              <a:rPr lang="de-CH" dirty="0" smtClean="0"/>
+              <a:t>für das gesamte Projekt</a:t>
+            </a:r>
+          </a:p>
+          <a:p>
+            <a:pPr lvl="1"/>
+            <a:r>
+              <a:rPr lang="de-CH" dirty="0" smtClean="0"/>
+              <a:t>Unbekanntes Framework</a:t>
+            </a:r>
+          </a:p>
+          <a:p>
+            <a:pPr lvl="1"/>
+            <a:r>
+              <a:rPr lang="de-CH" dirty="0" smtClean="0"/>
+              <a:t>Umsetzung Theorie – Praxis</a:t>
+            </a:r>
+          </a:p>
+          <a:p>
+            <a:pPr lvl="2"/>
+            <a:r>
+              <a:rPr lang="de-CH" dirty="0" smtClean="0"/>
+              <a:t>Klassendiagram</a:t>
+            </a:r>
+          </a:p>
+          <a:p>
+            <a:pPr lvl="2"/>
+            <a:r>
+              <a:rPr lang="de-CH" dirty="0" smtClean="0"/>
+              <a:t>Medikamentenübersicht</a:t>
+            </a:r>
+          </a:p>
+          <a:p>
+            <a:pPr lvl="1"/>
+            <a:r>
+              <a:rPr lang="de-CH" dirty="0" smtClean="0"/>
+              <a:t>Semesterplanung</a:t>
+            </a:r>
+          </a:p>
+          <a:p>
+            <a:pPr lvl="2"/>
+            <a:r>
+              <a:rPr lang="de-CH" dirty="0" smtClean="0"/>
+              <a:t>Aufteilung Theorie – Projektarbeit</a:t>
+            </a:r>
+          </a:p>
+          <a:p>
+            <a:pPr lvl="1"/>
+            <a:r>
+              <a:rPr lang="de-CH" dirty="0" smtClean="0"/>
+              <a:t>Teamarbeit schwierig wenn Personen abwesend</a:t>
+            </a:r>
+          </a:p>
+        </p:txBody>
+      </p:sp>
+    </p:spTree>
+    <p:extLst>
+      <p:ext uri="{BB962C8B-B14F-4D97-AF65-F5344CB8AC3E}">
+        <p14:creationId xmlns:p14="http://schemas.microsoft.com/office/powerpoint/2010/main" val="3438071427"/>
+      </p:ext>
+    </p:extLst>
+  </p:cSld>
+  <p:clrMapOvr>
+    <a:masterClrMapping/>
+  </p:clrMapOvr>
+</p:sld>
+</file>
+
+<file path=ppt/slides/slide19.xml><?xml version="1.0" encoding="utf-8"?>
+<p:sld xmlns:a="http://schemas.openxmlformats.org/drawingml/2006/main" xmlns:r="http://schemas.openxmlformats.org/officeDocument/2006/relationships" xmlns:p="http://schemas.openxmlformats.org/presentationml/2006/main">
+  <p:cSld>
+    <p:spTree>
+      <p:nvGrpSpPr>
+        <p:cNvPr id="1" name=""/>
+        <p:cNvGrpSpPr/>
+        <p:nvPr/>
+      </p:nvGrpSpPr>
+      <p:grpSpPr>
+        <a:xfrm>
+          <a:off x="0" y="0"/>
+          <a:ext cx="0" cy="0"/>
+          <a:chOff x="0" y="0"/>
+          <a:chExt cx="0" cy="0"/>
+        </a:xfrm>
+      </p:grpSpPr>
+      <p:sp>
+        <p:nvSpPr>
+          <p:cNvPr id="2" name="Titel 1"/>
+          <p:cNvSpPr>
+            <a:spLocks noGrp="1"/>
+          </p:cNvSpPr>
+          <p:nvPr>
+            <p:ph type="ctrTitle"/>
+          </p:nvPr>
+        </p:nvSpPr>
+        <p:spPr/>
+        <p:txBody>
+          <a:bodyPr/>
+          <a:lstStyle/>
+          <a:p>
+            <a:r>
+              <a:rPr lang="de-DE" dirty="0"/>
+              <a:t>Herzlichen Dank!</a:t>
+            </a:r>
+            <a:endParaRPr lang="de-CH" dirty="0"/>
+          </a:p>
+        </p:txBody>
+      </p:sp>
+    </p:spTree>
+    <p:extLst>
+      <p:ext uri="{BB962C8B-B14F-4D97-AF65-F5344CB8AC3E}">
+        <p14:creationId xmlns:p14="http://schemas.microsoft.com/office/powerpoint/2010/main" val="1953900258"/>
+      </p:ext>
+    </p:extLst>
+  </p:cSld>
+  <p:clrMapOvr>
+    <a:masterClrMapping/>
+  </p:clrMapOvr>
+</p:sld>
+</file>
+
+<file path=ppt/slides/slide2.xml><?xml version="1.0" encoding="utf-8"?>
+<p:sld xmlns:a="http://schemas.openxmlformats.org/drawingml/2006/main" xmlns:r="http://schemas.openxmlformats.org/officeDocument/2006/relationships" xmlns:p="http://schemas.openxmlformats.org/presentationml/2006/main">
+  <p:cSld>
+    <p:spTree>
+      <p:nvGrpSpPr>
+        <p:cNvPr id="1" name=""/>
+        <p:cNvGrpSpPr/>
+        <p:nvPr/>
+      </p:nvGrpSpPr>
+      <p:grpSpPr>
+        <a:xfrm>
+          <a:off x="0" y="0"/>
+          <a:ext cx="0" cy="0"/>
+          <a:chOff x="0" y="0"/>
+          <a:chExt cx="0" cy="0"/>
+        </a:xfrm>
+      </p:grpSpPr>
+      <p:sp>
+        <p:nvSpPr>
+          <p:cNvPr id="2" name="Inhaltsplatzhalter 1"/>
+          <p:cNvSpPr>
+            <a:spLocks noGrp="1"/>
+          </p:cNvSpPr>
+          <p:nvPr>
+            <p:ph sz="half" idx="1"/>
+          </p:nvPr>
+        </p:nvSpPr>
+        <p:spPr/>
+        <p:txBody>
+          <a:bodyPr>
+            <a:normAutofit/>
+          </a:bodyPr>
+          <a:lstStyle/>
+          <a:p>
+            <a:r>
+              <a:rPr lang="de-CH" sz="2000" dirty="0" smtClean="0"/>
+              <a:t>Live Demo</a:t>
+            </a:r>
+            <a:endParaRPr lang="de-CH" sz="2000" dirty="0"/>
+          </a:p>
+          <a:p>
+            <a:r>
+              <a:rPr lang="de-CH" sz="2000" dirty="0" smtClean="0"/>
+              <a:t>Persönliche Beiträge</a:t>
+            </a:r>
+          </a:p>
+          <a:p>
+            <a:r>
+              <a:rPr lang="de-CH" sz="2000" dirty="0" smtClean="0"/>
+              <a:t>Gewonnene Erkenntnisse</a:t>
+            </a:r>
+          </a:p>
+        </p:txBody>
+      </p:sp>
+      <p:sp>
+        <p:nvSpPr>
+          <p:cNvPr id="3" name="Titel 2"/>
+          <p:cNvSpPr>
+            <a:spLocks noGrp="1"/>
+          </p:cNvSpPr>
+          <p:nvPr>
+            <p:ph type="ctrTitle"/>
+          </p:nvPr>
+        </p:nvSpPr>
+        <p:spPr/>
+        <p:txBody>
+          <a:bodyPr>
+            <a:normAutofit/>
+          </a:bodyPr>
+          <a:lstStyle/>
+          <a:p>
+            <a:r>
+              <a:rPr lang="de-CH" dirty="0" smtClean="0"/>
+              <a:t>Agenda</a:t>
+            </a:r>
+            <a:endParaRPr lang="de-CH" dirty="0"/>
+          </a:p>
+        </p:txBody>
+      </p:sp>
+    </p:spTree>
+    <p:extLst>
+      <p:ext uri="{BB962C8B-B14F-4D97-AF65-F5344CB8AC3E}">
+        <p14:creationId xmlns:p14="http://schemas.microsoft.com/office/powerpoint/2010/main" val="670590674"/>
+      </p:ext>
+    </p:extLst>
+  </p:cSld>
+  <p:clrMapOvr>
+    <a:masterClrMapping/>
+  </p:clrMapOvr>
+  <mc:AlternateContent xmlns:mc="http://schemas.openxmlformats.org/markup-compatibility/2006" xmlns:p14="http://schemas.microsoft.com/office/powerpoint/2010/main">
+    <mc:Choice Requires="p14">
+      <p:transition spd="med" p14:dur="700">
+        <p:fade/>
+      </p:transition>
+    </mc:Choice>
+    <mc:Fallback xmlns="">
+      <p:transition spd="med">
+        <p:fade/>
+      </p:transition>
+    </mc:Fallback>
+  </mc:AlternateContent>
+  <p:timing>
+    <p:tnLst>
+      <p:par>
+        <p:cTn id="1" dur="indefinite" restart="never" nodeType="tmRoot">
+          <p:childTnLst>
+            <p:seq concurrent="1" nextAc="seek">
+              <p:cTn id="2" dur="indefinite" nodeType="mainSeq">
+                <p:childTnLst>
+                  <p:par>
+                    <p:cTn id="3" fill="hold">
+                      <p:stCondLst>
+                        <p:cond delay="indefinite"/>
+                      </p:stCondLst>
+                      <p:childTnLst>
+                        <p:par>
+                          <p:cTn id="4" fill="hold">
+                            <p:stCondLst>
+                              <p:cond delay="0"/>
+                            </p:stCondLst>
+                            <p:childTnLst>
+                              <p:par>
+                                <p:cTn id="5" presetID="1" presetClass="entr" presetSubtype="0" fill="hold" nodeType="clickEffect">
+                                  <p:stCondLst>
+                                    <p:cond delay="0"/>
+                                  </p:stCondLst>
+                                  <p:childTnLst>
+                                    <p:set>
+                                      <p:cBhvr>
+                                        <p:cTn id="6" dur="1" fill="hold">
+                                          <p:stCondLst>
+                                            <p:cond delay="0"/>
+                                          </p:stCondLst>
+                                        </p:cTn>
+                                        <p:tgtEl>
+                                          <p:spTgt spid="2">
+                                            <p:txEl>
+                                              <p:pRg st="0" end="0"/>
+                                            </p:txEl>
+                                          </p:spTgt>
+                                        </p:tgtEl>
+                                        <p:attrNameLst>
+                                          <p:attrName>style.visibility</p:attrName>
+                                        </p:attrNameLst>
+                                      </p:cBhvr>
+                                      <p:to>
+                                        <p:strVal val="visible"/>
+                                      </p:to>
+                                    </p:set>
+                                  </p:childTnLst>
+                                </p:cTn>
+                              </p:par>
+                            </p:childTnLst>
+                          </p:cTn>
+                        </p:par>
+                      </p:childTnLst>
+                    </p:cTn>
+                  </p:par>
+                  <p:par>
+                    <p:cTn id="7" fill="hold">
+                      <p:stCondLst>
+                        <p:cond delay="indefinite"/>
+                      </p:stCondLst>
+                      <p:childTnLst>
+                        <p:par>
+                          <p:cTn id="8" fill="hold">
+                            <p:stCondLst>
+                              <p:cond delay="0"/>
+                            </p:stCondLst>
+                            <p:childTnLst>
+                              <p:par>
+                                <p:cTn id="9" presetID="1" presetClass="entr" presetSubtype="0" fill="hold" nodeType="clickEffect">
+                                  <p:stCondLst>
+                                    <p:cond delay="0"/>
+                                  </p:stCondLst>
+                                  <p:childTnLst>
+                                    <p:set>
+                                      <p:cBhvr>
+                                        <p:cTn id="10" dur="1" fill="hold">
+                                          <p:stCondLst>
+                                            <p:cond delay="0"/>
+                                          </p:stCondLst>
+                                        </p:cTn>
+                                        <p:tgtEl>
+                                          <p:spTgt spid="2">
+                                            <p:txEl>
+                                              <p:pRg st="1" end="1"/>
+                                            </p:txEl>
+                                          </p:spTgt>
+                                        </p:tgtEl>
+                                        <p:attrNameLst>
+                                          <p:attrName>style.visibility</p:attrName>
+                                        </p:attrNameLst>
+                                      </p:cBhvr>
+                                      <p:to>
+                                        <p:strVal val="visible"/>
+                                      </p:to>
+                                    </p:set>
+                                  </p:childTnLst>
+                                </p:cTn>
+                              </p:par>
+                            </p:childTnLst>
+                          </p:cTn>
+                        </p:par>
+                      </p:childTnLst>
+                    </p:cTn>
+                  </p:par>
+                  <p:par>
+                    <p:cTn id="11" fill="hold">
+                      <p:stCondLst>
+                        <p:cond delay="indefinite"/>
+                      </p:stCondLst>
+                      <p:childTnLst>
+                        <p:par>
+                          <p:cTn id="12" fill="hold">
+                            <p:stCondLst>
+                              <p:cond delay="0"/>
+                            </p:stCondLst>
+                            <p:childTnLst>
+                              <p:par>
+                                <p:cTn id="13" presetID="1" presetClass="entr" presetSubtype="0" fill="hold" nodeType="clickEffect">
+                                  <p:stCondLst>
+                                    <p:cond delay="0"/>
+                                  </p:stCondLst>
+                                  <p:childTnLst>
+                                    <p:set>
+                                      <p:cBhvr>
+                                        <p:cTn id="14" dur="1" fill="hold">
+                                          <p:stCondLst>
+                                            <p:cond delay="0"/>
+                                          </p:stCondLst>
+                                        </p:cTn>
+                                        <p:tgtEl>
+                                          <p:spTgt spid="2">
+                                            <p:txEl>
+                                              <p:pRg st="2" end="2"/>
+                                            </p:txEl>
+                                          </p:spTgt>
+                                        </p:tgtEl>
+                                        <p:attrNameLst>
+                                          <p:attrName>style.visibility</p:attrName>
+                                        </p:attrNameLst>
+                                      </p:cBhvr>
+                                      <p:to>
+                                        <p:strVal val="visible"/>
+                                      </p:to>
+                                    </p:set>
+                                  </p:childTnLst>
+                                </p:cTn>
+                              </p:par>
+                            </p:childTnLst>
+                          </p:cTn>
+                        </p:par>
+                      </p:childTnLst>
+                    </p:cTn>
+                  </p:par>
+                </p:childTnLst>
+              </p:cTn>
+              <p:prevCondLst>
+                <p:cond evt="onPrev" delay="0">
+                  <p:tgtEl>
+                    <p:sldTgt/>
+                  </p:tgtEl>
+                </p:cond>
+              </p:prevCondLst>
+              <p:nextCondLst>
+                <p:cond evt="onNext" delay="0">
+                  <p:tgtEl>
+                    <p:sldTgt/>
+                  </p:tgtEl>
+                </p:cond>
+              </p:nextCondLst>
+            </p:seq>
+          </p:childTnLst>
+        </p:cTn>
+      </p:par>
+    </p:tnLst>
+  </p:timing>
+</p:sld>
+</file>
+
+<file path=ppt/slides/slide3.xml><?xml version="1.0" encoding="utf-8"?>
+<p:sld xmlns:a="http://schemas.openxmlformats.org/drawingml/2006/main" xmlns:r="http://schemas.openxmlformats.org/officeDocument/2006/relationships" xmlns:p="http://schemas.openxmlformats.org/presentationml/2006/main">
+  <p:cSld>
+    <p:spTree>
+      <p:nvGrpSpPr>
+        <p:cNvPr id="1" name=""/>
+        <p:cNvGrpSpPr/>
+        <p:nvPr/>
+      </p:nvGrpSpPr>
+      <p:grpSpPr>
+        <a:xfrm>
+          <a:off x="0" y="0"/>
+          <a:ext cx="0" cy="0"/>
+          <a:chOff x="0" y="0"/>
+          <a:chExt cx="0" cy="0"/>
+        </a:xfrm>
+      </p:grpSpPr>
+      <p:sp>
+        <p:nvSpPr>
+          <p:cNvPr id="3" name="Titel 2"/>
+          <p:cNvSpPr>
+            <a:spLocks noGrp="1"/>
+          </p:cNvSpPr>
+          <p:nvPr>
+            <p:ph type="ctrTitle"/>
+          </p:nvPr>
+        </p:nvSpPr>
+        <p:spPr/>
+        <p:txBody>
+          <a:bodyPr/>
+          <a:lstStyle/>
+          <a:p>
+            <a:r>
+              <a:rPr lang="de-DE" b="1" dirty="0" smtClean="0">
+                <a:hlinkClick r:id="rId3"/>
+              </a:rPr>
+              <a:t>Live Demo</a:t>
+            </a:r>
+            <a:endParaRPr lang="de-CH" dirty="0"/>
+          </a:p>
+        </p:txBody>
+      </p:sp>
+    </p:spTree>
+    <p:extLst>
+      <p:ext uri="{BB962C8B-B14F-4D97-AF65-F5344CB8AC3E}">
+        <p14:creationId xmlns:p14="http://schemas.microsoft.com/office/powerpoint/2010/main" val="3741675672"/>
+      </p:ext>
+    </p:extLst>
+  </p:cSld>
+  <p:clrMapOvr>
+    <a:masterClrMapping/>
+  </p:clrMapOvr>
+</p:sld>
+</file>
+
+<file path=ppt/slides/slide4.xml><?xml version="1.0" encoding="utf-8"?>
+<p:sld xmlns:a="http://schemas.openxmlformats.org/drawingml/2006/main" xmlns:r="http://schemas.openxmlformats.org/officeDocument/2006/relationships" xmlns:p="http://schemas.openxmlformats.org/presentationml/2006/main">
+  <p:cSld>
+    <p:spTree>
+      <p:nvGrpSpPr>
+        <p:cNvPr id="1" name=""/>
+        <p:cNvGrpSpPr/>
+        <p:nvPr/>
+      </p:nvGrpSpPr>
+      <p:grpSpPr>
+        <a:xfrm>
+          <a:off x="0" y="0"/>
+          <a:ext cx="0" cy="0"/>
+          <a:chOff x="0" y="0"/>
+          <a:chExt cx="0" cy="0"/>
+        </a:xfrm>
+      </p:grpSpPr>
+      <p:sp>
+        <p:nvSpPr>
+          <p:cNvPr id="3" name="Titel 2"/>
+          <p:cNvSpPr>
+            <a:spLocks noGrp="1"/>
+          </p:cNvSpPr>
+          <p:nvPr>
+            <p:ph type="ctrTitle"/>
+          </p:nvPr>
+        </p:nvSpPr>
+        <p:spPr/>
+        <p:txBody>
+          <a:bodyPr/>
+          <a:lstStyle/>
+          <a:p>
+            <a:r>
+              <a:rPr lang="de-DE" b="1" dirty="0" smtClean="0"/>
+              <a:t>Persönliche Beiträge</a:t>
+            </a:r>
+            <a:endParaRPr lang="de-CH" dirty="0"/>
+          </a:p>
+        </p:txBody>
+      </p:sp>
+      <p:sp>
+        <p:nvSpPr>
+          <p:cNvPr id="5" name="Textplatzhalter 4"/>
+          <p:cNvSpPr>
+            <a:spLocks noGrp="1"/>
+          </p:cNvSpPr>
+          <p:nvPr>
+            <p:ph type="body" idx="1"/>
+          </p:nvPr>
+        </p:nvSpPr>
+        <p:spPr>
+          <a:xfrm>
+            <a:off x="468000" y="990000"/>
+            <a:ext cx="8100000" cy="540000"/>
+          </a:xfrm>
+        </p:spPr>
+        <p:txBody>
+          <a:bodyPr/>
+          <a:lstStyle/>
+          <a:p>
+            <a:r>
+              <a:rPr lang="de-CH" dirty="0" smtClean="0"/>
+              <a:t>Rea</a:t>
+            </a:r>
+            <a:endParaRPr lang="de-CH" dirty="0"/>
+          </a:p>
+        </p:txBody>
+      </p:sp>
+      <p:sp>
+        <p:nvSpPr>
+          <p:cNvPr id="6" name="Inhaltsplatzhalter 5"/>
+          <p:cNvSpPr>
+            <a:spLocks noGrp="1"/>
+          </p:cNvSpPr>
+          <p:nvPr>
+            <p:ph sz="half" idx="13"/>
+          </p:nvPr>
+        </p:nvSpPr>
+        <p:spPr/>
+        <p:txBody>
+          <a:bodyPr/>
+          <a:lstStyle/>
+          <a:p>
+            <a:r>
+              <a:rPr lang="de-CH" dirty="0" err="1" smtClean="0"/>
+              <a:t>LoginValidator</a:t>
+            </a:r>
+            <a:endParaRPr lang="de-CH" dirty="0" smtClean="0"/>
+          </a:p>
+          <a:p>
+            <a:r>
+              <a:rPr lang="de-CH" dirty="0" err="1" smtClean="0"/>
+              <a:t>Infopage</a:t>
+            </a:r>
+            <a:endParaRPr lang="de-CH" dirty="0" smtClean="0"/>
+          </a:p>
+          <a:p>
+            <a:r>
+              <a:rPr lang="de-CH" dirty="0" err="1" smtClean="0"/>
+              <a:t>MedicamentList</a:t>
+            </a:r>
+            <a:endParaRPr lang="de-CH" dirty="0" smtClean="0"/>
+          </a:p>
+          <a:p>
+            <a:r>
+              <a:rPr lang="de-CH" dirty="0" err="1" smtClean="0"/>
+              <a:t>MedicamentManager</a:t>
+            </a:r>
+            <a:endParaRPr lang="de-CH" dirty="0"/>
+          </a:p>
+          <a:p>
+            <a:r>
+              <a:rPr lang="de-CH" dirty="0" err="1" smtClean="0"/>
+              <a:t>UserManager</a:t>
+            </a:r>
+            <a:endParaRPr lang="de-CH" dirty="0" smtClean="0"/>
+          </a:p>
+          <a:p>
+            <a:r>
+              <a:rPr lang="de-CH" dirty="0" smtClean="0"/>
+              <a:t>Einbindung </a:t>
+            </a:r>
+            <a:r>
+              <a:rPr lang="de-CH" smtClean="0"/>
+              <a:t>in GUI</a:t>
+            </a:r>
+            <a:endParaRPr lang="de-CH" dirty="0" smtClean="0"/>
+          </a:p>
+        </p:txBody>
+      </p:sp>
+    </p:spTree>
+    <p:extLst>
+      <p:ext uri="{BB962C8B-B14F-4D97-AF65-F5344CB8AC3E}">
+        <p14:creationId xmlns:p14="http://schemas.microsoft.com/office/powerpoint/2010/main" val="1761532058"/>
+      </p:ext>
+    </p:extLst>
+  </p:cSld>
+  <p:clrMapOvr>
+    <a:masterClrMapping/>
+  </p:clrMapOvr>
+</p:sld>
+</file>
+
+<file path=ppt/slides/slide5.xml><?xml version="1.0" encoding="utf-8"?>
+<p:sld xmlns:a="http://schemas.openxmlformats.org/drawingml/2006/main" xmlns:r="http://schemas.openxmlformats.org/officeDocument/2006/relationships" xmlns:p="http://schemas.openxmlformats.org/presentationml/2006/main">
+  <p:cSld>
+    <p:spTree>
+      <p:nvGrpSpPr>
+        <p:cNvPr id="1" name=""/>
+        <p:cNvGrpSpPr/>
+        <p:nvPr/>
+      </p:nvGrpSpPr>
+      <p:grpSpPr>
+        <a:xfrm>
+          <a:off x="0" y="0"/>
+          <a:ext cx="0" cy="0"/>
+          <a:chOff x="0" y="0"/>
+          <a:chExt cx="0" cy="0"/>
+        </a:xfrm>
+      </p:grpSpPr>
+      <p:sp>
+        <p:nvSpPr>
+          <p:cNvPr id="3" name="Titel 2"/>
+          <p:cNvSpPr>
+            <a:spLocks noGrp="1"/>
+          </p:cNvSpPr>
+          <p:nvPr>
+            <p:ph type="ctrTitle"/>
+          </p:nvPr>
+        </p:nvSpPr>
+        <p:spPr/>
+        <p:txBody>
+          <a:bodyPr/>
+          <a:lstStyle/>
+          <a:p>
+            <a:r>
+              <a:rPr lang="de-DE" b="1" dirty="0" smtClean="0"/>
+              <a:t>Persönliche Beiträge</a:t>
+            </a:r>
+            <a:endParaRPr lang="de-CH" dirty="0"/>
+          </a:p>
+        </p:txBody>
+      </p:sp>
+      <p:sp>
+        <p:nvSpPr>
+          <p:cNvPr id="5" name="Textplatzhalter 4"/>
+          <p:cNvSpPr>
+            <a:spLocks noGrp="1"/>
+          </p:cNvSpPr>
+          <p:nvPr>
+            <p:ph type="body" idx="1"/>
+          </p:nvPr>
+        </p:nvSpPr>
+        <p:spPr>
+          <a:xfrm>
+            <a:off x="468000" y="990000"/>
+            <a:ext cx="8100000" cy="540000"/>
+          </a:xfrm>
+        </p:spPr>
+        <p:txBody>
+          <a:bodyPr/>
+          <a:lstStyle/>
+          <a:p>
+            <a:r>
+              <a:rPr lang="de-CH" dirty="0" smtClean="0"/>
+              <a:t>Kaspar</a:t>
+            </a:r>
+            <a:endParaRPr lang="de-CH" dirty="0"/>
+          </a:p>
+        </p:txBody>
+      </p:sp>
+      <p:sp>
+        <p:nvSpPr>
+          <p:cNvPr id="6" name="Inhaltsplatzhalter 5"/>
+          <p:cNvSpPr>
+            <a:spLocks noGrp="1"/>
+          </p:cNvSpPr>
+          <p:nvPr>
+            <p:ph sz="half" idx="13"/>
+          </p:nvPr>
+        </p:nvSpPr>
+        <p:spPr/>
+        <p:txBody>
+          <a:bodyPr/>
+          <a:lstStyle/>
+          <a:p>
+            <a:r>
+              <a:rPr lang="de-CH" dirty="0"/>
+              <a:t>Medicament.java</a:t>
+            </a:r>
+          </a:p>
+          <a:p>
+            <a:r>
+              <a:rPr lang="de-CH" dirty="0"/>
+              <a:t>Person.java</a:t>
+            </a:r>
+          </a:p>
+          <a:p>
+            <a:pPr lvl="1"/>
+            <a:r>
+              <a:rPr lang="de-CH" dirty="0"/>
+              <a:t>Patient.java</a:t>
+            </a:r>
+          </a:p>
+          <a:p>
+            <a:pPr lvl="1"/>
+            <a:r>
+              <a:rPr lang="de-CH" dirty="0"/>
+              <a:t>FamilyMember.java</a:t>
+            </a:r>
+          </a:p>
+          <a:p>
+            <a:pPr lvl="1"/>
+            <a:r>
+              <a:rPr lang="de-CH" dirty="0"/>
+              <a:t>Doctor.java</a:t>
+            </a:r>
+          </a:p>
+          <a:p>
+            <a:r>
+              <a:rPr lang="de-CH" dirty="0" smtClean="0"/>
+              <a:t>Remove </a:t>
+            </a:r>
+            <a:r>
+              <a:rPr lang="de-CH" dirty="0" err="1" smtClean="0"/>
+              <a:t>function</a:t>
+            </a:r>
+            <a:r>
+              <a:rPr lang="de-CH" dirty="0" smtClean="0"/>
+              <a:t> </a:t>
+            </a:r>
+            <a:r>
+              <a:rPr lang="de-CH" dirty="0" err="1" smtClean="0"/>
+              <a:t>for</a:t>
+            </a:r>
+            <a:r>
+              <a:rPr lang="de-CH" dirty="0" smtClean="0"/>
+              <a:t> GUI </a:t>
+            </a:r>
+            <a:r>
+              <a:rPr lang="de-CH" dirty="0" err="1" smtClean="0"/>
+              <a:t>MedicationListView</a:t>
+            </a:r>
+            <a:endParaRPr lang="de-CH" dirty="0"/>
+          </a:p>
+          <a:p>
+            <a:r>
+              <a:rPr lang="de-CH" dirty="0" smtClean="0"/>
+              <a:t>Random GIF-Button</a:t>
+            </a:r>
+            <a:endParaRPr lang="de-CH" dirty="0"/>
+          </a:p>
+        </p:txBody>
+      </p:sp>
+    </p:spTree>
+    <p:extLst>
+      <p:ext uri="{BB962C8B-B14F-4D97-AF65-F5344CB8AC3E}">
+        <p14:creationId xmlns:p14="http://schemas.microsoft.com/office/powerpoint/2010/main" val="4245652123"/>
+      </p:ext>
+    </p:extLst>
+  </p:cSld>
+  <p:clrMapOvr>
+    <a:masterClrMapping/>
+  </p:clrMapOvr>
+</p:sld>
+</file>
+
+<file path=ppt/slides/slide6.xml><?xml version="1.0" encoding="utf-8"?>
+<p:sld xmlns:a="http://schemas.openxmlformats.org/drawingml/2006/main" xmlns:r="http://schemas.openxmlformats.org/officeDocument/2006/relationships" xmlns:p="http://schemas.openxmlformats.org/presentationml/2006/main">
+  <p:cSld>
+    <p:spTree>
+      <p:nvGrpSpPr>
+        <p:cNvPr id="1" name=""/>
+        <p:cNvGrpSpPr/>
+        <p:nvPr/>
+      </p:nvGrpSpPr>
+      <p:grpSpPr>
+        <a:xfrm>
+          <a:off x="0" y="0"/>
+          <a:ext cx="0" cy="0"/>
+          <a:chOff x="0" y="0"/>
+          <a:chExt cx="0" cy="0"/>
+        </a:xfrm>
+      </p:grpSpPr>
+      <p:pic>
+        <p:nvPicPr>
+          <p:cNvPr id="52" name="Grafik 51"/>
+          <p:cNvPicPr>
+            <a:picLocks noChangeAspect="1"/>
+          </p:cNvPicPr>
+          <p:nvPr/>
+        </p:nvPicPr>
+        <p:blipFill>
+          <a:blip r:embed="rId2"/>
+          <a:stretch>
+            <a:fillRect/>
+          </a:stretch>
+        </p:blipFill>
+        <p:spPr>
+          <a:xfrm>
+            <a:off x="253688" y="3186572"/>
+            <a:ext cx="5314950" cy="1971675"/>
+          </a:xfrm>
+          <a:prstGeom prst="rect">
+            <a:avLst/>
+          </a:prstGeom>
+          <a:ln>
+            <a:solidFill>
+              <a:schemeClr val="tx2"/>
+            </a:solidFill>
+          </a:ln>
+        </p:spPr>
+      </p:pic>
+      <p:sp>
+        <p:nvSpPr>
+          <p:cNvPr id="3" name="Titel 2"/>
+          <p:cNvSpPr>
+            <a:spLocks noGrp="1"/>
+          </p:cNvSpPr>
+          <p:nvPr>
+            <p:ph type="ctrTitle"/>
+          </p:nvPr>
+        </p:nvSpPr>
+        <p:spPr/>
+        <p:txBody>
+          <a:bodyPr/>
+          <a:lstStyle/>
+          <a:p>
+            <a:r>
+              <a:rPr lang="de-DE" b="1" dirty="0" smtClean="0"/>
+              <a:t>Persönliche Beiträge</a:t>
+            </a:r>
+            <a:endParaRPr lang="de-CH" dirty="0"/>
+          </a:p>
+        </p:txBody>
+      </p:sp>
+      <p:sp>
+        <p:nvSpPr>
+          <p:cNvPr id="5" name="Textplatzhalter 4"/>
+          <p:cNvSpPr>
+            <a:spLocks noGrp="1"/>
+          </p:cNvSpPr>
+          <p:nvPr>
+            <p:ph type="body" idx="1"/>
+          </p:nvPr>
+        </p:nvSpPr>
+        <p:spPr>
+          <a:xfrm>
+            <a:off x="468000" y="990000"/>
+            <a:ext cx="8100000" cy="540000"/>
+          </a:xfrm>
+        </p:spPr>
+        <p:txBody>
+          <a:bodyPr/>
+          <a:lstStyle/>
+          <a:p>
+            <a:r>
+              <a:rPr lang="de-CH" dirty="0" smtClean="0"/>
+              <a:t>Kaspar - </a:t>
+            </a:r>
+            <a:r>
+              <a:rPr lang="de-CH" dirty="0"/>
+              <a:t>Random GIF-Button</a:t>
+            </a:r>
+          </a:p>
+          <a:p>
+            <a:endParaRPr lang="de-CH" dirty="0"/>
+          </a:p>
+        </p:txBody>
+      </p:sp>
+      <p:pic>
+        <p:nvPicPr>
+          <p:cNvPr id="4" name="Grafik 3"/>
+          <p:cNvPicPr>
+            <a:picLocks noChangeAspect="1"/>
+          </p:cNvPicPr>
+          <p:nvPr/>
+        </p:nvPicPr>
+        <p:blipFill rotWithShape="1">
+          <a:blip r:embed="rId3"/>
+          <a:srcRect t="36387"/>
+          <a:stretch/>
+        </p:blipFill>
+        <p:spPr>
+          <a:xfrm>
+            <a:off x="2964562" y="1693503"/>
+            <a:ext cx="4154805" cy="839797"/>
+          </a:xfrm>
+          <a:prstGeom prst="rect">
+            <a:avLst/>
+          </a:prstGeom>
+          <a:ln>
+            <a:solidFill>
+              <a:schemeClr val="tx2"/>
+            </a:solidFill>
+          </a:ln>
+        </p:spPr>
+      </p:pic>
+      <p:pic>
+        <p:nvPicPr>
+          <p:cNvPr id="7" name="Grafik 6"/>
+          <p:cNvPicPr>
+            <a:picLocks noChangeAspect="1"/>
+          </p:cNvPicPr>
+          <p:nvPr/>
+        </p:nvPicPr>
+        <p:blipFill>
+          <a:blip r:embed="rId4"/>
+          <a:stretch>
+            <a:fillRect/>
+          </a:stretch>
+        </p:blipFill>
+        <p:spPr>
+          <a:xfrm>
+            <a:off x="253688" y="1869569"/>
+            <a:ext cx="2457450" cy="634365"/>
+          </a:xfrm>
+          <a:prstGeom prst="rect">
+            <a:avLst/>
+          </a:prstGeom>
+          <a:ln>
+            <a:solidFill>
+              <a:schemeClr val="tx2"/>
+            </a:solidFill>
+          </a:ln>
+        </p:spPr>
+      </p:pic>
+      <p:cxnSp>
+        <p:nvCxnSpPr>
+          <p:cNvPr id="11" name="Gerade Verbindung mit Pfeil 10"/>
+          <p:cNvCxnSpPr/>
+          <p:nvPr/>
+        </p:nvCxnSpPr>
+        <p:spPr>
+          <a:xfrm>
+            <a:off x="1558212" y="2411764"/>
+            <a:ext cx="214605" cy="658007"/>
+          </a:xfrm>
+          <a:prstGeom prst="straightConnector1">
+            <a:avLst/>
+          </a:prstGeom>
+          <a:ln>
+            <a:tailEnd type="stealth" w="lg" len="lg"/>
+          </a:ln>
+        </p:spPr>
+        <p:style>
+          <a:lnRef idx="2">
+            <a:schemeClr val="accent1"/>
+          </a:lnRef>
+          <a:fillRef idx="0">
+            <a:schemeClr val="accent1"/>
+          </a:fillRef>
+          <a:effectRef idx="1">
+            <a:schemeClr val="accent1"/>
+          </a:effectRef>
+          <a:fontRef idx="minor">
+            <a:schemeClr val="tx1"/>
+          </a:fontRef>
+        </p:style>
+      </p:cxnSp>
+      <p:cxnSp>
+        <p:nvCxnSpPr>
+          <p:cNvPr id="13" name="Gerade Verbindung mit Pfeil 12"/>
+          <p:cNvCxnSpPr/>
+          <p:nvPr/>
+        </p:nvCxnSpPr>
+        <p:spPr>
+          <a:xfrm flipH="1">
+            <a:off x="1935987" y="2319594"/>
+            <a:ext cx="2077094" cy="750177"/>
+          </a:xfrm>
+          <a:prstGeom prst="straightConnector1">
+            <a:avLst/>
+          </a:prstGeom>
+          <a:ln>
+            <a:tailEnd type="stealth" w="lg" len="lg"/>
+          </a:ln>
+        </p:spPr>
+        <p:style>
+          <a:lnRef idx="2">
+            <a:schemeClr val="accent1"/>
+          </a:lnRef>
+          <a:fillRef idx="0">
+            <a:schemeClr val="accent1"/>
+          </a:fillRef>
+          <a:effectRef idx="1">
+            <a:schemeClr val="accent1"/>
+          </a:effectRef>
+          <a:fontRef idx="minor">
+            <a:schemeClr val="tx1"/>
+          </a:fontRef>
+        </p:style>
+      </p:cxnSp>
+      <p:cxnSp>
+        <p:nvCxnSpPr>
+          <p:cNvPr id="15" name="Gerade Verbindung mit Pfeil 14"/>
+          <p:cNvCxnSpPr>
+            <a:endCxn id="9" idx="1"/>
+          </p:cNvCxnSpPr>
+          <p:nvPr/>
+        </p:nvCxnSpPr>
+        <p:spPr>
+          <a:xfrm flipV="1">
+            <a:off x="1665514" y="4359068"/>
+            <a:ext cx="4421926" cy="483520"/>
+          </a:xfrm>
+          <a:prstGeom prst="straightConnector1">
+            <a:avLst/>
+          </a:prstGeom>
+          <a:ln>
+            <a:tailEnd type="triangle"/>
+          </a:ln>
+        </p:spPr>
+        <p:style>
+          <a:lnRef idx="2">
+            <a:schemeClr val="accent1"/>
+          </a:lnRef>
+          <a:fillRef idx="0">
+            <a:schemeClr val="accent1"/>
+          </a:fillRef>
+          <a:effectRef idx="1">
+            <a:schemeClr val="accent1"/>
+          </a:effectRef>
+          <a:fontRef idx="minor">
+            <a:schemeClr val="tx1"/>
+          </a:fontRef>
+        </p:style>
+      </p:cxnSp>
+      <p:grpSp>
+        <p:nvGrpSpPr>
+          <p:cNvPr id="45" name="Gruppieren 44"/>
+          <p:cNvGrpSpPr/>
+          <p:nvPr/>
+        </p:nvGrpSpPr>
+        <p:grpSpPr>
+          <a:xfrm>
+            <a:off x="5100710" y="3650408"/>
+            <a:ext cx="3864080" cy="2476008"/>
+            <a:chOff x="5161992" y="3536600"/>
+            <a:chExt cx="3864080" cy="2476008"/>
+          </a:xfrm>
+        </p:grpSpPr>
+        <p:pic>
+          <p:nvPicPr>
+            <p:cNvPr id="9" name="Grafik 8"/>
+            <p:cNvPicPr>
+              <a:picLocks noChangeAspect="1"/>
+            </p:cNvPicPr>
+            <p:nvPr/>
+          </p:nvPicPr>
+          <p:blipFill>
+            <a:blip r:embed="rId5"/>
+            <a:stretch>
+              <a:fillRect/>
+            </a:stretch>
+          </p:blipFill>
+          <p:spPr>
+            <a:xfrm>
+              <a:off x="6148722" y="3536600"/>
+              <a:ext cx="2457450" cy="1417320"/>
+            </a:xfrm>
+            <a:prstGeom prst="rect">
+              <a:avLst/>
+            </a:prstGeom>
+            <a:ln>
+              <a:solidFill>
+                <a:schemeClr val="tx2"/>
+              </a:solidFill>
+            </a:ln>
+          </p:spPr>
+        </p:pic>
+        <p:pic>
+          <p:nvPicPr>
+            <p:cNvPr id="37" name="Grafik 36"/>
+            <p:cNvPicPr>
+              <a:picLocks noChangeAspect="1"/>
+            </p:cNvPicPr>
+            <p:nvPr/>
+          </p:nvPicPr>
+          <p:blipFill rotWithShape="1">
+            <a:blip r:embed="rId6"/>
+            <a:srcRect r="42603" b="7027"/>
+            <a:stretch/>
+          </p:blipFill>
+          <p:spPr>
+            <a:xfrm>
+              <a:off x="5161992" y="5417507"/>
+              <a:ext cx="3864080" cy="595101"/>
+            </a:xfrm>
+            <a:prstGeom prst="rect">
+              <a:avLst/>
+            </a:prstGeom>
+            <a:ln>
+              <a:solidFill>
+                <a:schemeClr val="tx2"/>
+              </a:solidFill>
+              <a:prstDash val="dash"/>
+            </a:ln>
+          </p:spPr>
+        </p:pic>
+        <p:cxnSp>
+          <p:nvCxnSpPr>
+            <p:cNvPr id="41" name="Gerader Verbinder 40"/>
+            <p:cNvCxnSpPr/>
+            <p:nvPr/>
+          </p:nvCxnSpPr>
+          <p:spPr>
+            <a:xfrm flipH="1">
+              <a:off x="5161992" y="4953920"/>
+              <a:ext cx="986730" cy="463587"/>
+            </a:xfrm>
+            <a:prstGeom prst="line">
+              <a:avLst/>
+            </a:prstGeom>
+            <a:ln w="9525">
+              <a:prstDash val="dash"/>
+            </a:ln>
+          </p:spPr>
+          <p:style>
+            <a:lnRef idx="2">
+              <a:schemeClr val="accent1"/>
+            </a:lnRef>
+            <a:fillRef idx="0">
+              <a:schemeClr val="accent1"/>
+            </a:fillRef>
+            <a:effectRef idx="1">
+              <a:schemeClr val="accent1"/>
+            </a:effectRef>
+            <a:fontRef idx="minor">
+              <a:schemeClr val="tx1"/>
+            </a:fontRef>
+          </p:style>
+        </p:cxnSp>
+        <p:cxnSp>
+          <p:nvCxnSpPr>
+            <p:cNvPr id="42" name="Gerader Verbinder 41"/>
+            <p:cNvCxnSpPr/>
+            <p:nvPr/>
+          </p:nvCxnSpPr>
+          <p:spPr>
+            <a:xfrm>
+              <a:off x="8606172" y="4953920"/>
+              <a:ext cx="419900" cy="463587"/>
+            </a:xfrm>
+            <a:prstGeom prst="line">
+              <a:avLst/>
+            </a:prstGeom>
+            <a:ln w="9525">
+              <a:prstDash val="dash"/>
+            </a:ln>
+          </p:spPr>
+          <p:style>
+            <a:lnRef idx="2">
+              <a:schemeClr val="accent1"/>
+            </a:lnRef>
+            <a:fillRef idx="0">
+              <a:schemeClr val="accent1"/>
+            </a:fillRef>
+            <a:effectRef idx="1">
+              <a:schemeClr val="accent1"/>
+            </a:effectRef>
+            <a:fontRef idx="minor">
+              <a:schemeClr val="tx1"/>
+            </a:fontRef>
+          </p:style>
+        </p:cxnSp>
+      </p:grpSp>
+      <p:pic>
+        <p:nvPicPr>
+          <p:cNvPr id="46" name="Grafik 45"/>
+          <p:cNvPicPr>
+            <a:picLocks noChangeAspect="1"/>
+          </p:cNvPicPr>
+          <p:nvPr/>
+        </p:nvPicPr>
+        <p:blipFill>
+          <a:blip r:embed="rId7"/>
+          <a:stretch>
+            <a:fillRect/>
+          </a:stretch>
+        </p:blipFill>
+        <p:spPr>
+          <a:xfrm>
+            <a:off x="6971994" y="2116520"/>
+            <a:ext cx="607948" cy="607948"/>
+          </a:xfrm>
+          <a:prstGeom prst="rect">
+            <a:avLst/>
+          </a:prstGeom>
+        </p:spPr>
+      </p:pic>
+    </p:spTree>
+    <p:extLst>
+      <p:ext uri="{BB962C8B-B14F-4D97-AF65-F5344CB8AC3E}">
+        <p14:creationId xmlns:p14="http://schemas.microsoft.com/office/powerpoint/2010/main" val="2217004639"/>
+      </p:ext>
+    </p:extLst>
+  </p:cSld>
+  <p:clrMapOvr>
+    <a:masterClrMapping/>
+  </p:clrMapOvr>
+</p:sld>
+</file>
+
+<file path=ppt/slides/slide7.xml><?xml version="1.0" encoding="utf-8"?>
+<p:sld xmlns:a="http://schemas.openxmlformats.org/drawingml/2006/main" xmlns:r="http://schemas.openxmlformats.org/officeDocument/2006/relationships" xmlns:p="http://schemas.openxmlformats.org/presentationml/2006/main">
+  <p:cSld>
+    <p:spTree>
+      <p:nvGrpSpPr>
+        <p:cNvPr id="1" name=""/>
+        <p:cNvGrpSpPr/>
+        <p:nvPr/>
+      </p:nvGrpSpPr>
+      <p:grpSpPr>
+        <a:xfrm>
+          <a:off x="0" y="0"/>
+          <a:ext cx="0" cy="0"/>
+          <a:chOff x="0" y="0"/>
+          <a:chExt cx="0" cy="0"/>
+        </a:xfrm>
+      </p:grpSpPr>
+      <p:sp>
+        <p:nvSpPr>
+          <p:cNvPr id="2" name="Titel 1"/>
+          <p:cNvSpPr>
+            <a:spLocks noGrp="1"/>
+          </p:cNvSpPr>
+          <p:nvPr>
+            <p:ph type="ctrTitle"/>
+          </p:nvPr>
+        </p:nvSpPr>
+        <p:spPr/>
+        <p:txBody>
+          <a:bodyPr/>
+          <a:lstStyle/>
+          <a:p>
+            <a:r>
+              <a:rPr lang="de-CH" b="1" dirty="0" smtClean="0"/>
+              <a:t>Persönliche Beiträge</a:t>
+            </a:r>
+            <a:endParaRPr lang="de-CH" b="1" dirty="0"/>
+          </a:p>
+        </p:txBody>
+      </p:sp>
+      <p:sp>
+        <p:nvSpPr>
+          <p:cNvPr id="3" name="Textplatzhalter 2"/>
+          <p:cNvSpPr>
+            <a:spLocks noGrp="1"/>
+          </p:cNvSpPr>
+          <p:nvPr>
+            <p:ph type="body" idx="1"/>
+          </p:nvPr>
+        </p:nvSpPr>
+        <p:spPr>
+          <a:xfrm>
+            <a:off x="468000" y="990000"/>
+            <a:ext cx="8100000" cy="540000"/>
+          </a:xfrm>
+        </p:spPr>
+        <p:txBody>
+          <a:bodyPr/>
+          <a:lstStyle/>
+          <a:p>
+            <a:r>
+              <a:rPr lang="de-CH" dirty="0" smtClean="0"/>
+              <a:t>Philipp</a:t>
+            </a:r>
+            <a:endParaRPr lang="de-CH" dirty="0"/>
+          </a:p>
+        </p:txBody>
+      </p:sp>
+      <p:sp>
+        <p:nvSpPr>
+          <p:cNvPr id="4" name="Inhaltsplatzhalter 3"/>
+          <p:cNvSpPr>
+            <a:spLocks noGrp="1"/>
+          </p:cNvSpPr>
+          <p:nvPr>
+            <p:ph sz="half" idx="13"/>
+          </p:nvPr>
+        </p:nvSpPr>
+        <p:spPr/>
+        <p:txBody>
+          <a:bodyPr/>
+          <a:lstStyle/>
+          <a:p>
+            <a:r>
+              <a:rPr lang="de-CH" dirty="0" smtClean="0"/>
+              <a:t>Login </a:t>
+            </a:r>
+            <a:r>
+              <a:rPr lang="de-CH" dirty="0" err="1" smtClean="0"/>
+              <a:t>Validator</a:t>
+            </a:r>
+            <a:endParaRPr lang="de-CH" dirty="0" smtClean="0"/>
+          </a:p>
+          <a:p>
+            <a:r>
+              <a:rPr lang="de-CH" smtClean="0"/>
+              <a:t>State Pattern</a:t>
+            </a:r>
+            <a:endParaRPr lang="de-CH" dirty="0" smtClean="0"/>
+          </a:p>
+          <a:p>
+            <a:r>
+              <a:rPr lang="de-CH" dirty="0" err="1" smtClean="0"/>
+              <a:t>MedicineManagerTest</a:t>
+            </a:r>
+            <a:endParaRPr lang="de-CH" dirty="0" smtClean="0"/>
+          </a:p>
+          <a:p>
+            <a:r>
+              <a:rPr lang="de-CH" dirty="0" err="1" smtClean="0"/>
+              <a:t>UserManagerTest</a:t>
+            </a:r>
+            <a:endParaRPr lang="de-CH" dirty="0"/>
+          </a:p>
+        </p:txBody>
+      </p:sp>
+    </p:spTree>
+    <p:extLst>
+      <p:ext uri="{BB962C8B-B14F-4D97-AF65-F5344CB8AC3E}">
+        <p14:creationId xmlns:p14="http://schemas.microsoft.com/office/powerpoint/2010/main" val="3860327365"/>
+      </p:ext>
+    </p:extLst>
+  </p:cSld>
+  <p:clrMapOvr>
+    <a:masterClrMapping/>
+  </p:clrMapOvr>
+</p:sld>
+</file>
+
+<file path=ppt/slides/slide8.xml><?xml version="1.0" encoding="utf-8"?>
+<p:sld xmlns:a="http://schemas.openxmlformats.org/drawingml/2006/main" xmlns:r="http://schemas.openxmlformats.org/officeDocument/2006/relationships" xmlns:p="http://schemas.openxmlformats.org/presentationml/2006/main">
+  <p:cSld>
+    <p:spTree>
+      <p:nvGrpSpPr>
+        <p:cNvPr id="1" name=""/>
+        <p:cNvGrpSpPr/>
+        <p:nvPr/>
+      </p:nvGrpSpPr>
+      <p:grpSpPr>
+        <a:xfrm>
+          <a:off x="0" y="0"/>
+          <a:ext cx="0" cy="0"/>
+          <a:chOff x="0" y="0"/>
+          <a:chExt cx="0" cy="0"/>
+        </a:xfrm>
+      </p:grpSpPr>
+      <p:sp>
+        <p:nvSpPr>
+          <p:cNvPr id="3" name="Titel 2"/>
+          <p:cNvSpPr>
+            <a:spLocks noGrp="1"/>
+          </p:cNvSpPr>
+          <p:nvPr>
+            <p:ph type="ctrTitle"/>
+          </p:nvPr>
+        </p:nvSpPr>
+        <p:spPr/>
+        <p:txBody>
+          <a:bodyPr/>
+          <a:lstStyle/>
+          <a:p>
+            <a:r>
+              <a:rPr lang="de-DE" b="1" dirty="0" smtClean="0"/>
+              <a:t>Persönliche Beiträge</a:t>
+            </a:r>
+            <a:endParaRPr lang="de-CH" dirty="0"/>
+          </a:p>
+        </p:txBody>
+      </p:sp>
+      <p:sp>
+        <p:nvSpPr>
+          <p:cNvPr id="5" name="Textplatzhalter 4"/>
+          <p:cNvSpPr>
+            <a:spLocks noGrp="1"/>
+          </p:cNvSpPr>
+          <p:nvPr>
+            <p:ph type="body" idx="1"/>
+          </p:nvPr>
+        </p:nvSpPr>
+        <p:spPr>
+          <a:xfrm>
+            <a:off x="468000" y="990000"/>
+            <a:ext cx="8100000" cy="540000"/>
+          </a:xfrm>
+        </p:spPr>
+        <p:txBody>
+          <a:bodyPr/>
+          <a:lstStyle/>
+          <a:p>
+            <a:r>
+              <a:rPr lang="de-CH" dirty="0" smtClean="0"/>
+              <a:t>Philipp</a:t>
+            </a:r>
+            <a:endParaRPr lang="de-CH" dirty="0"/>
+          </a:p>
+        </p:txBody>
+      </p:sp>
+      <p:pic>
+        <p:nvPicPr>
+          <p:cNvPr id="7" name="Inhaltsplatzhalter 6"/>
+          <p:cNvPicPr>
+            <a:picLocks noGrp="1" noChangeAspect="1"/>
+          </p:cNvPicPr>
+          <p:nvPr>
+            <p:ph sz="half" idx="13"/>
+          </p:nvPr>
+        </p:nvPicPr>
+        <p:blipFill rotWithShape="1">
+          <a:blip r:embed="rId2"/>
+          <a:srcRect t="20418"/>
+          <a:stretch/>
+        </p:blipFill>
+        <p:spPr>
+          <a:xfrm>
+            <a:off x="2095736" y="1530000"/>
+            <a:ext cx="4844528" cy="4453111"/>
+          </a:xfrm>
+          <a:prstGeom prst="rect">
+            <a:avLst/>
+          </a:prstGeom>
+        </p:spPr>
+      </p:pic>
+    </p:spTree>
+    <p:extLst>
+      <p:ext uri="{BB962C8B-B14F-4D97-AF65-F5344CB8AC3E}">
+        <p14:creationId xmlns:p14="http://schemas.microsoft.com/office/powerpoint/2010/main" val="2291730977"/>
+      </p:ext>
+    </p:extLst>
+  </p:cSld>
+  <p:clrMapOvr>
+    <a:masterClrMapping/>
+  </p:clrMapOvr>
+</p:sld>
+</file>
+
+<file path=ppt/slides/slide9.xml><?xml version="1.0" encoding="utf-8"?>
+<p:sld xmlns:a="http://schemas.openxmlformats.org/drawingml/2006/main" xmlns:r="http://schemas.openxmlformats.org/officeDocument/2006/relationships" xmlns:p="http://schemas.openxmlformats.org/presentationml/2006/main">
+  <p:cSld>
+    <p:spTree>
+      <p:nvGrpSpPr>
+        <p:cNvPr id="1" name=""/>
+        <p:cNvGrpSpPr/>
+        <p:nvPr/>
+      </p:nvGrpSpPr>
+      <p:grpSpPr>
+        <a:xfrm>
+          <a:off x="0" y="0"/>
+          <a:ext cx="0" cy="0"/>
+          <a:chOff x="0" y="0"/>
+          <a:chExt cx="0" cy="0"/>
+        </a:xfrm>
+      </p:grpSpPr>
+      <p:sp>
+        <p:nvSpPr>
+          <p:cNvPr id="3" name="Titel 2"/>
+          <p:cNvSpPr>
+            <a:spLocks noGrp="1"/>
+          </p:cNvSpPr>
+          <p:nvPr>
+            <p:ph type="ctrTitle"/>
+          </p:nvPr>
+        </p:nvSpPr>
+        <p:spPr/>
+        <p:txBody>
+          <a:bodyPr/>
+          <a:lstStyle/>
+          <a:p>
+            <a:r>
+              <a:rPr lang="de-DE" b="1" dirty="0" smtClean="0"/>
+              <a:t>Persönliche Beiträge</a:t>
+            </a:r>
+            <a:endParaRPr lang="de-CH" dirty="0"/>
+          </a:p>
+        </p:txBody>
+      </p:sp>
+      <p:sp>
+        <p:nvSpPr>
+          <p:cNvPr id="5" name="Textplatzhalter 4"/>
+          <p:cNvSpPr>
+            <a:spLocks noGrp="1"/>
+          </p:cNvSpPr>
+          <p:nvPr>
+            <p:ph type="body" idx="1"/>
+          </p:nvPr>
+        </p:nvSpPr>
+        <p:spPr>
+          <a:xfrm>
+            <a:off x="468000" y="990000"/>
+            <a:ext cx="8100000" cy="540000"/>
+          </a:xfrm>
+        </p:spPr>
+        <p:txBody>
+          <a:bodyPr/>
+          <a:lstStyle/>
+          <a:p>
+            <a:r>
+              <a:rPr lang="de-CH" dirty="0" smtClean="0"/>
+              <a:t>Maurice</a:t>
+            </a:r>
+            <a:endParaRPr lang="de-CH" dirty="0"/>
+          </a:p>
+        </p:txBody>
+      </p:sp>
+      <p:sp>
+        <p:nvSpPr>
+          <p:cNvPr id="6" name="Inhaltsplatzhalter 5"/>
+          <p:cNvSpPr>
+            <a:spLocks noGrp="1"/>
+          </p:cNvSpPr>
+          <p:nvPr>
+            <p:ph sz="half" idx="13"/>
+          </p:nvPr>
+        </p:nvSpPr>
+        <p:spPr/>
+        <p:txBody>
+          <a:bodyPr/>
+          <a:lstStyle/>
+          <a:p>
+            <a:r>
+              <a:rPr lang="de-CH" dirty="0"/>
+              <a:t>Elements </a:t>
+            </a:r>
+            <a:endParaRPr lang="de-CH" dirty="0" smtClean="0"/>
+          </a:p>
+          <a:p>
+            <a:pPr lvl="1"/>
+            <a:r>
+              <a:rPr lang="de-CH" dirty="0" smtClean="0"/>
+              <a:t>DrugTakeWrapper.java</a:t>
+            </a:r>
+          </a:p>
+          <a:p>
+            <a:pPr lvl="1"/>
+            <a:r>
+              <a:rPr lang="de-CH" dirty="0" smtClean="0"/>
+              <a:t>DrugWrapper.java</a:t>
+            </a:r>
+          </a:p>
+          <a:p>
+            <a:pPr lvl="1"/>
+            <a:r>
+              <a:rPr lang="de-CH" dirty="0" smtClean="0"/>
+              <a:t>Wrapper.java</a:t>
+            </a:r>
+          </a:p>
+          <a:p>
+            <a:r>
+              <a:rPr lang="de-CH" dirty="0" smtClean="0"/>
+              <a:t>Views</a:t>
+            </a:r>
+          </a:p>
+          <a:p>
+            <a:pPr lvl="1"/>
+            <a:r>
+              <a:rPr lang="de-CH" dirty="0" smtClean="0"/>
+              <a:t>HomeView.java</a:t>
+            </a:r>
+          </a:p>
+          <a:p>
+            <a:pPr lvl="1"/>
+            <a:r>
+              <a:rPr lang="de-CH" dirty="0" smtClean="0"/>
+              <a:t>InfoView.java</a:t>
+            </a:r>
+          </a:p>
+          <a:p>
+            <a:pPr lvl="1"/>
+            <a:r>
+              <a:rPr lang="de-CH" dirty="0" smtClean="0"/>
+              <a:t>MedicationsListView.java</a:t>
+            </a:r>
+          </a:p>
+          <a:p>
+            <a:pPr lvl="1"/>
+            <a:r>
+              <a:rPr lang="de-CH" dirty="0" smtClean="0"/>
+              <a:t>MedicationsView.java </a:t>
+            </a:r>
+            <a:endParaRPr lang="de-CH" dirty="0"/>
+          </a:p>
+        </p:txBody>
+      </p:sp>
+    </p:spTree>
+    <p:extLst>
+      <p:ext uri="{BB962C8B-B14F-4D97-AF65-F5344CB8AC3E}">
+        <p14:creationId xmlns:p14="http://schemas.microsoft.com/office/powerpoint/2010/main" val="1522822994"/>
       </p:ext>
     </p:extLst>
   </p:cSld>
@@ -12507,20 +12643,20 @@
 </file>
 
 <file path=customXml/item2.xml><?xml version="1.0" encoding="utf-8"?>
+<p:properties xmlns:p="http://schemas.microsoft.com/office/2006/metadata/properties" xmlns:xsi="http://www.w3.org/2001/XMLSchema-instance">
+  <documentManagement>
+    <AVMTitle xmlns="5091c847-84be-4f4f-b16c-c018ad2ca66b">Präsentation BFH_2013</AVMTitle>
+  </documentManagement>
+</p:properties>
+</file>
+
+<file path=customXml/item3.xml><?xml version="1.0" encoding="utf-8"?>
 <?mso-contentType ?>
 <FormTemplates xmlns="http://schemas.microsoft.com/sharepoint/v3/contenttype/forms">
   <Display>DocumentLibraryForm</Display>
   <Edit>DocumentLibraryForm</Edit>
   <New>DocumentLibraryForm</New>
 </FormTemplates>
-</file>
-
-<file path=customXml/item3.xml><?xml version="1.0" encoding="utf-8"?>
-<p:properties xmlns:p="http://schemas.microsoft.com/office/2006/metadata/properties" xmlns:xsi="http://www.w3.org/2001/XMLSchema-instance">
-  <documentManagement>
-    <AVMTitle xmlns="5091c847-84be-4f4f-b16c-c018ad2ca66b">Präsentation BFH_2013</AVMTitle>
-  </documentManagement>
-</p:properties>
 </file>
 
 <file path=customXml/itemProps1.xml><?xml version="1.0" encoding="utf-8"?>
@@ -12541,14 +12677,6 @@
 </file>
 
 <file path=customXml/itemProps2.xml><?xml version="1.0" encoding="utf-8"?>
-<ds:datastoreItem xmlns:ds="http://schemas.openxmlformats.org/officeDocument/2006/customXml" ds:itemID="{1851D33F-E468-417B-A30C-509B68D2BD09}">
-  <ds:schemaRefs>
-    <ds:schemaRef ds:uri="http://schemas.microsoft.com/sharepoint/v3/contenttype/forms"/>
-  </ds:schemaRefs>
-</ds:datastoreItem>
-</file>
-
-<file path=customXml/itemProps3.xml><?xml version="1.0" encoding="utf-8"?>
 <ds:datastoreItem xmlns:ds="http://schemas.openxmlformats.org/officeDocument/2006/customXml" ds:itemID="{32991507-CB83-4F49-BAFB-D322B1D04098}">
   <ds:schemaRefs>
     <ds:schemaRef ds:uri="http://purl.org/dc/terms/"/>
@@ -12561,4 +12689,12 @@
     <ds:schemaRef ds:uri="http://purl.org/dc/dcmitype/"/>
   </ds:schemaRefs>
 </ds:datastoreItem>
+</file>
+
+<file path=customXml/itemProps3.xml><?xml version="1.0" encoding="utf-8"?>
+<ds:datastoreItem xmlns:ds="http://schemas.openxmlformats.org/officeDocument/2006/customXml" ds:itemID="{1851D33F-E468-417B-A30C-509B68D2BD09}">
+  <ds:schemaRefs>
+    <ds:schemaRef ds:uri="http://schemas.microsoft.com/sharepoint/v3/contenttype/forms"/>
+  </ds:schemaRefs>
+</ds:datastoreItem>
 </file>
--- a/doc/Task14/task14_presentation Schlurp.pptx
+++ b/doc/Task14/task14_presentation Schlurp.pptx
@@ -5,31 +5,32 @@
     <p:sldMasterId id="2147483669" r:id="rId4"/>
   </p:sldMasterIdLst>
   <p:notesMasterIdLst>
-    <p:notesMasterId r:id="rId24"/>
+    <p:notesMasterId r:id="rId25"/>
   </p:notesMasterIdLst>
   <p:handoutMasterIdLst>
-    <p:handoutMasterId r:id="rId25"/>
+    <p:handoutMasterId r:id="rId26"/>
   </p:handoutMasterIdLst>
   <p:sldIdLst>
     <p:sldId id="259" r:id="rId5"/>
     <p:sldId id="303" r:id="rId6"/>
     <p:sldId id="263" r:id="rId7"/>
-    <p:sldId id="270" r:id="rId8"/>
-    <p:sldId id="304" r:id="rId9"/>
-    <p:sldId id="317" r:id="rId10"/>
-    <p:sldId id="319" r:id="rId11"/>
-    <p:sldId id="307" r:id="rId12"/>
-    <p:sldId id="305" r:id="rId13"/>
-    <p:sldId id="318" r:id="rId14"/>
-    <p:sldId id="306" r:id="rId15"/>
-    <p:sldId id="310" r:id="rId16"/>
-    <p:sldId id="311" r:id="rId17"/>
-    <p:sldId id="312" r:id="rId18"/>
-    <p:sldId id="313" r:id="rId19"/>
-    <p:sldId id="314" r:id="rId20"/>
-    <p:sldId id="315" r:id="rId21"/>
-    <p:sldId id="316" r:id="rId22"/>
-    <p:sldId id="299" r:id="rId23"/>
+    <p:sldId id="321" r:id="rId8"/>
+    <p:sldId id="322" r:id="rId9"/>
+    <p:sldId id="304" r:id="rId10"/>
+    <p:sldId id="317" r:id="rId11"/>
+    <p:sldId id="319" r:id="rId12"/>
+    <p:sldId id="307" r:id="rId13"/>
+    <p:sldId id="305" r:id="rId14"/>
+    <p:sldId id="318" r:id="rId15"/>
+    <p:sldId id="306" r:id="rId16"/>
+    <p:sldId id="310" r:id="rId17"/>
+    <p:sldId id="311" r:id="rId18"/>
+    <p:sldId id="312" r:id="rId19"/>
+    <p:sldId id="313" r:id="rId20"/>
+    <p:sldId id="314" r:id="rId21"/>
+    <p:sldId id="315" r:id="rId22"/>
+    <p:sldId id="316" r:id="rId23"/>
+    <p:sldId id="299" r:id="rId24"/>
   </p:sldIdLst>
   <p:sldSz cx="9144000" cy="6858000" type="screen4x3"/>
   <p:notesSz cx="6669088" cy="9926638"/>
@@ -822,6 +823,182 @@
 </p:notes>
 </file>
 
+<file path=ppt/notesSlides/notesSlide10.xml><?xml version="1.0" encoding="utf-8"?>
+<p:notes xmlns:a="http://schemas.openxmlformats.org/drawingml/2006/main" xmlns:r="http://schemas.openxmlformats.org/officeDocument/2006/relationships" xmlns:p="http://schemas.openxmlformats.org/presentationml/2006/main">
+  <p:cSld>
+    <p:spTree>
+      <p:nvGrpSpPr>
+        <p:cNvPr id="1" name=""/>
+        <p:cNvGrpSpPr/>
+        <p:nvPr/>
+      </p:nvGrpSpPr>
+      <p:grpSpPr>
+        <a:xfrm>
+          <a:off x="0" y="0"/>
+          <a:ext cx="0" cy="0"/>
+          <a:chOff x="0" y="0"/>
+          <a:chExt cx="0" cy="0"/>
+        </a:xfrm>
+      </p:grpSpPr>
+      <p:sp>
+        <p:nvSpPr>
+          <p:cNvPr id="2" name="Folienbildplatzhalter 1"/>
+          <p:cNvSpPr>
+            <a:spLocks noGrp="1" noRot="1" noChangeAspect="1"/>
+          </p:cNvSpPr>
+          <p:nvPr>
+            <p:ph type="sldImg"/>
+          </p:nvPr>
+        </p:nvSpPr>
+        <p:spPr/>
+      </p:sp>
+      <p:sp>
+        <p:nvSpPr>
+          <p:cNvPr id="3" name="Notizenplatzhalter 2"/>
+          <p:cNvSpPr>
+            <a:spLocks noGrp="1"/>
+          </p:cNvSpPr>
+          <p:nvPr>
+            <p:ph type="body" idx="1"/>
+          </p:nvPr>
+        </p:nvSpPr>
+        <p:spPr/>
+        <p:txBody>
+          <a:bodyPr/>
+          <a:lstStyle/>
+          <a:p>
+            <a:r>
+              <a:rPr lang="de-CH" dirty="0" smtClean="0"/>
+              <a:t>Kaspar</a:t>
+            </a:r>
+            <a:endParaRPr lang="de-CH" dirty="0"/>
+          </a:p>
+        </p:txBody>
+      </p:sp>
+      <p:sp>
+        <p:nvSpPr>
+          <p:cNvPr id="4" name="Foliennummernplatzhalter 3"/>
+          <p:cNvSpPr>
+            <a:spLocks noGrp="1"/>
+          </p:cNvSpPr>
+          <p:nvPr>
+            <p:ph type="sldNum" sz="quarter" idx="10"/>
+          </p:nvPr>
+        </p:nvSpPr>
+        <p:spPr/>
+        <p:txBody>
+          <a:bodyPr/>
+          <a:lstStyle/>
+          <a:p>
+            <a:fld id="{37E44704-8E6D-4CF2-8CFA-A0F7BC751896}" type="slidenum">
+              <a:rPr lang="de-CH" smtClean="0"/>
+              <a:t>18</a:t>
+            </a:fld>
+            <a:endParaRPr lang="de-CH"/>
+          </a:p>
+        </p:txBody>
+      </p:sp>
+    </p:spTree>
+    <p:extLst>
+      <p:ext uri="{BB962C8B-B14F-4D97-AF65-F5344CB8AC3E}">
+        <p14:creationId xmlns:p14="http://schemas.microsoft.com/office/powerpoint/2010/main" val="1986255681"/>
+      </p:ext>
+    </p:extLst>
+  </p:cSld>
+  <p:clrMapOvr>
+    <a:masterClrMapping/>
+  </p:clrMapOvr>
+</p:notes>
+</file>
+
+<file path=ppt/notesSlides/notesSlide11.xml><?xml version="1.0" encoding="utf-8"?>
+<p:notes xmlns:a="http://schemas.openxmlformats.org/drawingml/2006/main" xmlns:r="http://schemas.openxmlformats.org/officeDocument/2006/relationships" xmlns:p="http://schemas.openxmlformats.org/presentationml/2006/main">
+  <p:cSld>
+    <p:spTree>
+      <p:nvGrpSpPr>
+        <p:cNvPr id="1" name=""/>
+        <p:cNvGrpSpPr/>
+        <p:nvPr/>
+      </p:nvGrpSpPr>
+      <p:grpSpPr>
+        <a:xfrm>
+          <a:off x="0" y="0"/>
+          <a:ext cx="0" cy="0"/>
+          <a:chOff x="0" y="0"/>
+          <a:chExt cx="0" cy="0"/>
+        </a:xfrm>
+      </p:grpSpPr>
+      <p:sp>
+        <p:nvSpPr>
+          <p:cNvPr id="2" name="Folienbildplatzhalter 1"/>
+          <p:cNvSpPr>
+            <a:spLocks noGrp="1" noRot="1" noChangeAspect="1"/>
+          </p:cNvSpPr>
+          <p:nvPr>
+            <p:ph type="sldImg"/>
+          </p:nvPr>
+        </p:nvSpPr>
+        <p:spPr/>
+      </p:sp>
+      <p:sp>
+        <p:nvSpPr>
+          <p:cNvPr id="3" name="Notizenplatzhalter 2"/>
+          <p:cNvSpPr>
+            <a:spLocks noGrp="1"/>
+          </p:cNvSpPr>
+          <p:nvPr>
+            <p:ph type="body" idx="1"/>
+          </p:nvPr>
+        </p:nvSpPr>
+        <p:spPr/>
+        <p:txBody>
+          <a:bodyPr/>
+          <a:lstStyle/>
+          <a:p>
+            <a:r>
+              <a:rPr lang="de-CH" dirty="0" smtClean="0"/>
+              <a:t>Maurice</a:t>
+            </a:r>
+            <a:endParaRPr lang="de-CH" dirty="0"/>
+          </a:p>
+        </p:txBody>
+      </p:sp>
+      <p:sp>
+        <p:nvSpPr>
+          <p:cNvPr id="4" name="Foliennummernplatzhalter 3"/>
+          <p:cNvSpPr>
+            <a:spLocks noGrp="1"/>
+          </p:cNvSpPr>
+          <p:nvPr>
+            <p:ph type="sldNum" sz="quarter" idx="10"/>
+          </p:nvPr>
+        </p:nvSpPr>
+        <p:spPr/>
+        <p:txBody>
+          <a:bodyPr/>
+          <a:lstStyle/>
+          <a:p>
+            <a:fld id="{37E44704-8E6D-4CF2-8CFA-A0F7BC751896}" type="slidenum">
+              <a:rPr lang="de-CH" smtClean="0"/>
+              <a:t>19</a:t>
+            </a:fld>
+            <a:endParaRPr lang="de-CH"/>
+          </a:p>
+        </p:txBody>
+      </p:sp>
+    </p:spTree>
+    <p:extLst>
+      <p:ext uri="{BB962C8B-B14F-4D97-AF65-F5344CB8AC3E}">
+        <p14:creationId xmlns:p14="http://schemas.microsoft.com/office/powerpoint/2010/main" val="2719376131"/>
+      </p:ext>
+    </p:extLst>
+  </p:cSld>
+  <p:clrMapOvr>
+    <a:masterClrMapping/>
+  </p:clrMapOvr>
+</p:notes>
+</file>
+
 <file path=ppt/notesSlides/notesSlide2.xml><?xml version="1.0" encoding="utf-8"?>
 <p:notes xmlns:a="http://schemas.openxmlformats.org/drawingml/2006/main" xmlns:r="http://schemas.openxmlformats.org/officeDocument/2006/relationships" xmlns:p="http://schemas.openxmlformats.org/presentationml/2006/main">
   <p:cSld>
@@ -1115,10 +1292,85 @@
           <a:bodyPr/>
           <a:lstStyle/>
           <a:p>
+            <a:pPr marL="0" indent="0">
+              <a:buFont typeface="Arial" panose="020B0604020202020204" pitchFamily="34" charset="0"/>
+              <a:buNone/>
+            </a:pPr>
+            <a:endParaRPr lang="de-CH" dirty="0" smtClean="0"/>
+          </a:p>
+          <a:p>
+            <a:pPr marL="171450" indent="-171450">
+              <a:buFont typeface="Arial" panose="020B0604020202020204" pitchFamily="34" charset="0"/>
+              <a:buChar char="•"/>
+            </a:pPr>
             <a:r>
               <a:rPr lang="de-CH" dirty="0" smtClean="0"/>
-              <a:t>Philipp</a:t>
-            </a:r>
+              <a:t>Verarbeitung, Abspeichern und Einlesen</a:t>
+            </a:r>
+            <a:r>
+              <a:rPr lang="de-CH" baseline="0" dirty="0" smtClean="0"/>
+              <a:t> der Usereingabe</a:t>
+            </a:r>
+            <a:endParaRPr lang="de-CH" dirty="0" smtClean="0"/>
+          </a:p>
+          <a:p>
+            <a:pPr marL="628650" lvl="1" indent="-171450">
+              <a:buFont typeface="Arial" panose="020B0604020202020204" pitchFamily="34" charset="0"/>
+              <a:buChar char="•"/>
+            </a:pPr>
+            <a:r>
+              <a:rPr lang="de-CH" dirty="0" err="1" smtClean="0"/>
+              <a:t>MedicamentList</a:t>
+            </a:r>
+            <a:r>
+              <a:rPr lang="de-CH" dirty="0" smtClean="0"/>
+              <a:t>, </a:t>
+            </a:r>
+            <a:r>
+              <a:rPr lang="de-CH" dirty="0" err="1" smtClean="0"/>
+              <a:t>Infopage</a:t>
+            </a:r>
+            <a:endParaRPr lang="de-CH" dirty="0" smtClean="0"/>
+          </a:p>
+          <a:p>
+            <a:pPr marL="171450" indent="-171450">
+              <a:buFont typeface="Arial" panose="020B0604020202020204" pitchFamily="34" charset="0"/>
+              <a:buChar char="•"/>
+            </a:pPr>
+            <a:r>
+              <a:rPr lang="de-CH" dirty="0" smtClean="0"/>
+              <a:t>Link</a:t>
+            </a:r>
+            <a:r>
+              <a:rPr lang="de-CH" baseline="0" dirty="0" smtClean="0"/>
+              <a:t> zwischen Usereingaben und Applikationslogik</a:t>
+            </a:r>
+            <a:endParaRPr lang="de-CH" dirty="0" smtClean="0"/>
+          </a:p>
+          <a:p>
+            <a:pPr marL="171450" indent="-171450">
+              <a:buFont typeface="Arial" panose="020B0604020202020204" pitchFamily="34" charset="0"/>
+              <a:buChar char="•"/>
+            </a:pPr>
+            <a:r>
+              <a:rPr lang="de-CH" baseline="0" dirty="0" smtClean="0"/>
+              <a:t>Methoden zum aufrufen der verschiedenen Klassen und deren Funktionen bei Userinteraktionen, wie </a:t>
+            </a:r>
+            <a:r>
+              <a:rPr lang="de-CH" baseline="0" dirty="0" err="1" smtClean="0"/>
+              <a:t>EnterView</a:t>
+            </a:r>
+            <a:r>
+              <a:rPr lang="de-CH" baseline="0" dirty="0" smtClean="0"/>
+              <a:t>, Remove &amp; Save </a:t>
+            </a:r>
+            <a:r>
+              <a:rPr lang="de-CH" baseline="0" dirty="0" err="1" smtClean="0"/>
+              <a:t>clickevents</a:t>
+            </a:r>
+            <a:endParaRPr lang="de-CH" dirty="0" smtClean="0"/>
+          </a:p>
+          <a:p>
             <a:endParaRPr lang="de-CH" dirty="0"/>
           </a:p>
         </p:txBody>
@@ -1140,7 +1392,7 @@
           <a:p>
             <a:fld id="{37E44704-8E6D-4CF2-8CFA-A0F7BC751896}" type="slidenum">
               <a:rPr lang="de-CH" smtClean="0"/>
-              <a:t>12</a:t>
+              <a:t>4</a:t>
             </a:fld>
             <a:endParaRPr lang="de-CH"/>
           </a:p>
@@ -1149,7 +1401,7 @@
     </p:spTree>
     <p:extLst>
       <p:ext uri="{BB962C8B-B14F-4D97-AF65-F5344CB8AC3E}">
-        <p14:creationId xmlns:p14="http://schemas.microsoft.com/office/powerpoint/2010/main" val="1717229326"/>
+        <p14:creationId xmlns:p14="http://schemas.microsoft.com/office/powerpoint/2010/main" val="1861933891"/>
       </p:ext>
     </p:extLst>
   </p:cSld>
@@ -1203,9 +1455,143 @@
           <a:bodyPr/>
           <a:lstStyle/>
           <a:p>
+            <a:pPr marL="228600" indent="-228600">
+              <a:buAutoNum type="arabicPeriod"/>
+            </a:pPr>
             <a:r>
               <a:rPr lang="de-CH" dirty="0" smtClean="0"/>
-              <a:t>Rea</a:t>
+              <a:t>Methode</a:t>
+            </a:r>
+            <a:r>
+              <a:rPr lang="de-CH" baseline="0" dirty="0" smtClean="0"/>
+              <a:t> zum erstellen</a:t>
+            </a:r>
+            <a:r>
+              <a:rPr lang="de-CH" dirty="0" smtClean="0"/>
+              <a:t> einer Instanz des </a:t>
+            </a:r>
+            <a:r>
+              <a:rPr lang="de-CH" dirty="0" err="1" smtClean="0"/>
+              <a:t>UserMangers</a:t>
+            </a:r>
+            <a:r>
+              <a:rPr lang="de-CH" dirty="0" smtClean="0"/>
+              <a:t> erstellt um die Methoden der </a:t>
+            </a:r>
+            <a:r>
+              <a:rPr lang="de-CH" dirty="0" err="1" smtClean="0"/>
+              <a:t>Infopage</a:t>
+            </a:r>
+            <a:r>
+              <a:rPr lang="de-CH" dirty="0" smtClean="0"/>
+              <a:t> und der</a:t>
+            </a:r>
+            <a:r>
+              <a:rPr lang="de-CH" baseline="0" dirty="0" smtClean="0"/>
+              <a:t> </a:t>
+            </a:r>
+            <a:r>
+              <a:rPr lang="de-CH" baseline="0" dirty="0" err="1" smtClean="0"/>
+              <a:t>MedicamentList</a:t>
+            </a:r>
+            <a:r>
+              <a:rPr lang="de-CH" baseline="0" dirty="0" smtClean="0"/>
+              <a:t> aufzurufen</a:t>
+            </a:r>
+          </a:p>
+          <a:p>
+            <a:pPr marL="228600" indent="-228600">
+              <a:buAutoNum type="arabicPeriod"/>
+            </a:pPr>
+            <a:r>
+              <a:rPr lang="de-CH" dirty="0" smtClean="0"/>
+              <a:t>Diese kann man dann in der View aufrufen</a:t>
+            </a:r>
+          </a:p>
+          <a:p>
+            <a:pPr marL="228600" indent="-228600">
+              <a:buAutoNum type="arabicPeriod"/>
+            </a:pPr>
+            <a:r>
+              <a:rPr lang="de-CH" dirty="0" smtClean="0"/>
+              <a:t>Das</a:t>
+            </a:r>
+            <a:r>
+              <a:rPr lang="de-CH" baseline="0" dirty="0" smtClean="0"/>
+              <a:t> ist eine Methode der </a:t>
+            </a:r>
+            <a:r>
+              <a:rPr lang="de-CH" baseline="0" dirty="0" err="1" smtClean="0"/>
+              <a:t>UserManager</a:t>
+            </a:r>
+            <a:r>
+              <a:rPr lang="de-CH" baseline="0" dirty="0" smtClean="0"/>
+              <a:t> Klasse um die </a:t>
+            </a:r>
+            <a:r>
+              <a:rPr lang="de-CH" baseline="0" dirty="0" err="1" smtClean="0"/>
+              <a:t>read</a:t>
+            </a:r>
+            <a:r>
+              <a:rPr lang="de-CH" baseline="0" dirty="0" smtClean="0"/>
+              <a:t> Methode der </a:t>
+            </a:r>
+            <a:r>
+              <a:rPr lang="de-CH" baseline="0" dirty="0" err="1" smtClean="0"/>
+              <a:t>Infopage</a:t>
+            </a:r>
+            <a:r>
+              <a:rPr lang="de-CH" baseline="0" dirty="0" smtClean="0"/>
+              <a:t> klasse aufzurufen (existiert kein </a:t>
+            </a:r>
+            <a:r>
+              <a:rPr lang="de-CH" baseline="0" dirty="0" err="1" smtClean="0"/>
+              <a:t>file</a:t>
+            </a:r>
+            <a:r>
+              <a:rPr lang="de-CH" baseline="0" dirty="0" smtClean="0"/>
+              <a:t> mit dem </a:t>
+            </a:r>
+            <a:r>
+              <a:rPr lang="de-CH" baseline="0" dirty="0" err="1" smtClean="0"/>
+              <a:t>name</a:t>
+            </a:r>
+            <a:r>
+              <a:rPr lang="de-CH" baseline="0" dirty="0" smtClean="0"/>
+              <a:t>, wird ein leeres erstellt)</a:t>
+            </a:r>
+          </a:p>
+          <a:p>
+            <a:pPr marL="228600" indent="-228600">
+              <a:buAutoNum type="arabicPeriod"/>
+            </a:pPr>
+            <a:r>
+              <a:rPr lang="de-CH" baseline="0" dirty="0" smtClean="0"/>
+              <a:t>Sobald der User die </a:t>
+            </a:r>
+            <a:r>
+              <a:rPr lang="de-CH" baseline="0" dirty="0" err="1" smtClean="0"/>
+              <a:t>Infoview</a:t>
+            </a:r>
+            <a:r>
+              <a:rPr lang="de-CH" baseline="0" dirty="0" smtClean="0"/>
+              <a:t> </a:t>
+            </a:r>
+            <a:r>
+              <a:rPr lang="de-CH" baseline="0" dirty="0" err="1" smtClean="0"/>
+              <a:t>enterd</a:t>
+            </a:r>
+            <a:r>
+              <a:rPr lang="de-CH" baseline="0" dirty="0" smtClean="0"/>
+              <a:t>, ruft es die Methode des </a:t>
+            </a:r>
+            <a:r>
+              <a:rPr lang="de-CH" baseline="0" dirty="0" err="1" smtClean="0"/>
+              <a:t>UserManagers</a:t>
+            </a:r>
+            <a:r>
+              <a:rPr lang="de-CH" baseline="0" dirty="0" smtClean="0"/>
+              <a:t> auf und kann dadurch die einzelnen Textfelder der View füllen mit den Werten aus der ursprünglichen Textdatei</a:t>
             </a:r>
             <a:endParaRPr lang="de-CH" dirty="0"/>
           </a:p>
@@ -1228,7 +1614,7 @@
           <a:p>
             <a:fld id="{37E44704-8E6D-4CF2-8CFA-A0F7BC751896}" type="slidenum">
               <a:rPr lang="de-CH" smtClean="0"/>
-              <a:t>13</a:t>
+              <a:t>5</a:t>
             </a:fld>
             <a:endParaRPr lang="de-CH"/>
           </a:p>
@@ -1237,7 +1623,7 @@
     </p:spTree>
     <p:extLst>
       <p:ext uri="{BB962C8B-B14F-4D97-AF65-F5344CB8AC3E}">
-        <p14:creationId xmlns:p14="http://schemas.microsoft.com/office/powerpoint/2010/main" val="1090606107"/>
+        <p14:creationId xmlns:p14="http://schemas.microsoft.com/office/powerpoint/2010/main" val="3701486283"/>
       </p:ext>
     </p:extLst>
   </p:cSld>
@@ -1293,7 +1679,7 @@
           <a:p>
             <a:r>
               <a:rPr lang="de-CH" dirty="0" smtClean="0"/>
-              <a:t>Maurice</a:t>
+              <a:t>Philipp</a:t>
             </a:r>
             <a:endParaRPr lang="de-CH" dirty="0"/>
           </a:p>
@@ -1316,7 +1702,7 @@
           <a:p>
             <a:fld id="{37E44704-8E6D-4CF2-8CFA-A0F7BC751896}" type="slidenum">
               <a:rPr lang="de-CH" smtClean="0"/>
-              <a:t>14</a:t>
+              <a:t>13</a:t>
             </a:fld>
             <a:endParaRPr lang="de-CH"/>
           </a:p>
@@ -1325,7 +1711,7 @@
     </p:spTree>
     <p:extLst>
       <p:ext uri="{BB962C8B-B14F-4D97-AF65-F5344CB8AC3E}">
-        <p14:creationId xmlns:p14="http://schemas.microsoft.com/office/powerpoint/2010/main" val="3685268980"/>
+        <p14:creationId xmlns:p14="http://schemas.microsoft.com/office/powerpoint/2010/main" val="1717229326"/>
       </p:ext>
     </p:extLst>
   </p:cSld>
@@ -1381,7 +1767,7 @@
           <a:p>
             <a:r>
               <a:rPr lang="de-CH" dirty="0" smtClean="0"/>
-              <a:t>Mauro</a:t>
+              <a:t>Rea</a:t>
             </a:r>
             <a:endParaRPr lang="de-CH" dirty="0"/>
           </a:p>
@@ -1404,7 +1790,7 @@
           <a:p>
             <a:fld id="{37E44704-8E6D-4CF2-8CFA-A0F7BC751896}" type="slidenum">
               <a:rPr lang="de-CH" smtClean="0"/>
-              <a:t>15</a:t>
+              <a:t>14</a:t>
             </a:fld>
             <a:endParaRPr lang="de-CH"/>
           </a:p>
@@ -1413,7 +1799,7 @@
     </p:spTree>
     <p:extLst>
       <p:ext uri="{BB962C8B-B14F-4D97-AF65-F5344CB8AC3E}">
-        <p14:creationId xmlns:p14="http://schemas.microsoft.com/office/powerpoint/2010/main" val="2267613444"/>
+        <p14:creationId xmlns:p14="http://schemas.microsoft.com/office/powerpoint/2010/main" val="1090606107"/>
       </p:ext>
     </p:extLst>
   </p:cSld>
@@ -1469,7 +1855,7 @@
           <a:p>
             <a:r>
               <a:rPr lang="de-CH" dirty="0" smtClean="0"/>
-              <a:t>Mauro</a:t>
+              <a:t>Maurice</a:t>
             </a:r>
             <a:endParaRPr lang="de-CH" dirty="0"/>
           </a:p>
@@ -1492,7 +1878,7 @@
           <a:p>
             <a:fld id="{37E44704-8E6D-4CF2-8CFA-A0F7BC751896}" type="slidenum">
               <a:rPr lang="de-CH" smtClean="0"/>
-              <a:t>16</a:t>
+              <a:t>15</a:t>
             </a:fld>
             <a:endParaRPr lang="de-CH"/>
           </a:p>
@@ -1501,7 +1887,7 @@
     </p:spTree>
     <p:extLst>
       <p:ext uri="{BB962C8B-B14F-4D97-AF65-F5344CB8AC3E}">
-        <p14:creationId xmlns:p14="http://schemas.microsoft.com/office/powerpoint/2010/main" val="3001186816"/>
+        <p14:creationId xmlns:p14="http://schemas.microsoft.com/office/powerpoint/2010/main" val="3685268980"/>
       </p:ext>
     </p:extLst>
   </p:cSld>
@@ -1557,7 +1943,7 @@
           <a:p>
             <a:r>
               <a:rPr lang="de-CH" dirty="0" smtClean="0"/>
-              <a:t>Kaspar</a:t>
+              <a:t>Mauro</a:t>
             </a:r>
             <a:endParaRPr lang="de-CH" dirty="0"/>
           </a:p>
@@ -1580,7 +1966,7 @@
           <a:p>
             <a:fld id="{37E44704-8E6D-4CF2-8CFA-A0F7BC751896}" type="slidenum">
               <a:rPr lang="de-CH" smtClean="0"/>
-              <a:t>17</a:t>
+              <a:t>16</a:t>
             </a:fld>
             <a:endParaRPr lang="de-CH"/>
           </a:p>
@@ -1589,7 +1975,7 @@
     </p:spTree>
     <p:extLst>
       <p:ext uri="{BB962C8B-B14F-4D97-AF65-F5344CB8AC3E}">
-        <p14:creationId xmlns:p14="http://schemas.microsoft.com/office/powerpoint/2010/main" val="1986255681"/>
+        <p14:creationId xmlns:p14="http://schemas.microsoft.com/office/powerpoint/2010/main" val="2267613444"/>
       </p:ext>
     </p:extLst>
   </p:cSld>
@@ -1645,7 +2031,7 @@
           <a:p>
             <a:r>
               <a:rPr lang="de-CH" dirty="0" smtClean="0"/>
-              <a:t>Maurice</a:t>
+              <a:t>Mauro</a:t>
             </a:r>
             <a:endParaRPr lang="de-CH" dirty="0"/>
           </a:p>
@@ -1668,7 +2054,7 @@
           <a:p>
             <a:fld id="{37E44704-8E6D-4CF2-8CFA-A0F7BC751896}" type="slidenum">
               <a:rPr lang="de-CH" smtClean="0"/>
-              <a:t>18</a:t>
+              <a:t>17</a:t>
             </a:fld>
             <a:endParaRPr lang="de-CH"/>
           </a:p>
@@ -1677,7 +2063,7 @@
     </p:spTree>
     <p:extLst>
       <p:ext uri="{BB962C8B-B14F-4D97-AF65-F5344CB8AC3E}">
-        <p14:creationId xmlns:p14="http://schemas.microsoft.com/office/powerpoint/2010/main" val="2719376131"/>
+        <p14:creationId xmlns:p14="http://schemas.microsoft.com/office/powerpoint/2010/main" val="3001186816"/>
       </p:ext>
     </p:extLst>
   </p:cSld>
@@ -8362,6 +8748,173 @@
           <a:p>
             <a:r>
               <a:rPr lang="de-CH" dirty="0" smtClean="0"/>
+              <a:t>Maurice</a:t>
+            </a:r>
+            <a:endParaRPr lang="de-CH" dirty="0"/>
+          </a:p>
+        </p:txBody>
+      </p:sp>
+      <p:sp>
+        <p:nvSpPr>
+          <p:cNvPr id="6" name="Inhaltsplatzhalter 5"/>
+          <p:cNvSpPr>
+            <a:spLocks noGrp="1"/>
+          </p:cNvSpPr>
+          <p:nvPr>
+            <p:ph sz="half" idx="13"/>
+          </p:nvPr>
+        </p:nvSpPr>
+        <p:spPr/>
+        <p:txBody>
+          <a:bodyPr/>
+          <a:lstStyle/>
+          <a:p>
+            <a:r>
+              <a:rPr lang="de-CH" dirty="0"/>
+              <a:t>Elements </a:t>
+            </a:r>
+            <a:endParaRPr lang="de-CH" dirty="0" smtClean="0"/>
+          </a:p>
+          <a:p>
+            <a:pPr lvl="1"/>
+            <a:r>
+              <a:rPr lang="de-CH" dirty="0" smtClean="0"/>
+              <a:t>DrugTakeWrapper.java</a:t>
+            </a:r>
+          </a:p>
+          <a:p>
+            <a:pPr lvl="1"/>
+            <a:r>
+              <a:rPr lang="de-CH" dirty="0" smtClean="0"/>
+              <a:t>DrugWrapper.java</a:t>
+            </a:r>
+          </a:p>
+          <a:p>
+            <a:pPr lvl="1"/>
+            <a:r>
+              <a:rPr lang="de-CH" dirty="0" smtClean="0"/>
+              <a:t>Wrapper.java</a:t>
+            </a:r>
+          </a:p>
+          <a:p>
+            <a:r>
+              <a:rPr lang="de-CH" dirty="0" smtClean="0"/>
+              <a:t>Views</a:t>
+            </a:r>
+          </a:p>
+          <a:p>
+            <a:pPr lvl="1"/>
+            <a:r>
+              <a:rPr lang="de-CH" dirty="0" smtClean="0"/>
+              <a:t>HomeView.java</a:t>
+            </a:r>
+          </a:p>
+          <a:p>
+            <a:pPr lvl="1"/>
+            <a:r>
+              <a:rPr lang="de-CH" dirty="0" smtClean="0"/>
+              <a:t>InfoView.java</a:t>
+            </a:r>
+          </a:p>
+          <a:p>
+            <a:pPr lvl="1"/>
+            <a:r>
+              <a:rPr lang="de-CH" dirty="0" smtClean="0"/>
+              <a:t>MedicationsListView.java</a:t>
+            </a:r>
+          </a:p>
+          <a:p>
+            <a:pPr lvl="1"/>
+            <a:r>
+              <a:rPr lang="de-CH" dirty="0" smtClean="0"/>
+              <a:t>MedicationsView.java </a:t>
+            </a:r>
+            <a:endParaRPr lang="de-CH" dirty="0"/>
+          </a:p>
+        </p:txBody>
+      </p:sp>
+    </p:spTree>
+    <p:extLst>
+      <p:ext uri="{BB962C8B-B14F-4D97-AF65-F5344CB8AC3E}">
+        <p14:creationId xmlns:p14="http://schemas.microsoft.com/office/powerpoint/2010/main" val="1522822994"/>
+      </p:ext>
+    </p:extLst>
+  </p:cSld>
+  <p:clrMapOvr>
+    <a:masterClrMapping/>
+  </p:clrMapOvr>
+  <p:timing>
+    <p:tnLst>
+      <p:par>
+        <p:cTn id="1" dur="indefinite" restart="never" nodeType="tmRoot"/>
+      </p:par>
+    </p:tnLst>
+  </p:timing>
+</p:sld>
+</file>
+
+<file path=ppt/slides/slide11.xml><?xml version="1.0" encoding="utf-8"?>
+<p:sld xmlns:a="http://schemas.openxmlformats.org/drawingml/2006/main" xmlns:r="http://schemas.openxmlformats.org/officeDocument/2006/relationships" xmlns:p="http://schemas.openxmlformats.org/presentationml/2006/main">
+  <p:cSld>
+    <p:spTree>
+      <p:nvGrpSpPr>
+        <p:cNvPr id="1" name=""/>
+        <p:cNvGrpSpPr/>
+        <p:nvPr/>
+      </p:nvGrpSpPr>
+      <p:grpSpPr>
+        <a:xfrm>
+          <a:off x="0" y="0"/>
+          <a:ext cx="0" cy="0"/>
+          <a:chOff x="0" y="0"/>
+          <a:chExt cx="0" cy="0"/>
+        </a:xfrm>
+      </p:grpSpPr>
+      <p:sp>
+        <p:nvSpPr>
+          <p:cNvPr id="3" name="Titel 2"/>
+          <p:cNvSpPr>
+            <a:spLocks noGrp="1"/>
+          </p:cNvSpPr>
+          <p:nvPr>
+            <p:ph type="ctrTitle"/>
+          </p:nvPr>
+        </p:nvSpPr>
+        <p:spPr/>
+        <p:txBody>
+          <a:bodyPr/>
+          <a:lstStyle/>
+          <a:p>
+            <a:r>
+              <a:rPr lang="de-DE" b="1" dirty="0" smtClean="0"/>
+              <a:t>Persönliche Beiträge</a:t>
+            </a:r>
+            <a:endParaRPr lang="de-CH" dirty="0"/>
+          </a:p>
+        </p:txBody>
+      </p:sp>
+      <p:sp>
+        <p:nvSpPr>
+          <p:cNvPr id="5" name="Textplatzhalter 4"/>
+          <p:cNvSpPr>
+            <a:spLocks noGrp="1"/>
+          </p:cNvSpPr>
+          <p:nvPr>
+            <p:ph type="body" idx="1"/>
+          </p:nvPr>
+        </p:nvSpPr>
+        <p:spPr>
+          <a:xfrm>
+            <a:off x="468000" y="990000"/>
+            <a:ext cx="8100000" cy="540000"/>
+          </a:xfrm>
+        </p:spPr>
+        <p:txBody>
+          <a:bodyPr/>
+          <a:lstStyle/>
+          <a:p>
+            <a:r>
+              <a:rPr lang="de-CH" dirty="0" smtClean="0"/>
               <a:t>Maurice - Wrapper</a:t>
             </a:r>
             <a:endParaRPr lang="de-CH" dirty="0"/>
@@ -9016,113 +9569,6 @@
 </p:sld>
 </file>
 
-<file path=ppt/slides/slide11.xml><?xml version="1.0" encoding="utf-8"?>
-<p:sld xmlns:a="http://schemas.openxmlformats.org/drawingml/2006/main" xmlns:r="http://schemas.openxmlformats.org/officeDocument/2006/relationships" xmlns:p="http://schemas.openxmlformats.org/presentationml/2006/main">
-  <p:cSld>
-    <p:spTree>
-      <p:nvGrpSpPr>
-        <p:cNvPr id="1" name=""/>
-        <p:cNvGrpSpPr/>
-        <p:nvPr/>
-      </p:nvGrpSpPr>
-      <p:grpSpPr>
-        <a:xfrm>
-          <a:off x="0" y="0"/>
-          <a:ext cx="0" cy="0"/>
-          <a:chOff x="0" y="0"/>
-          <a:chExt cx="0" cy="0"/>
-        </a:xfrm>
-      </p:grpSpPr>
-      <p:sp>
-        <p:nvSpPr>
-          <p:cNvPr id="3" name="Titel 2"/>
-          <p:cNvSpPr>
-            <a:spLocks noGrp="1"/>
-          </p:cNvSpPr>
-          <p:nvPr>
-            <p:ph type="ctrTitle"/>
-          </p:nvPr>
-        </p:nvSpPr>
-        <p:spPr/>
-        <p:txBody>
-          <a:bodyPr/>
-          <a:lstStyle/>
-          <a:p>
-            <a:r>
-              <a:rPr lang="de-DE" b="1" dirty="0" smtClean="0"/>
-              <a:t>Persönliche Beiträge</a:t>
-            </a:r>
-            <a:endParaRPr lang="de-CH" dirty="0"/>
-          </a:p>
-        </p:txBody>
-      </p:sp>
-      <p:sp>
-        <p:nvSpPr>
-          <p:cNvPr id="5" name="Textplatzhalter 4"/>
-          <p:cNvSpPr>
-            <a:spLocks noGrp="1"/>
-          </p:cNvSpPr>
-          <p:nvPr>
-            <p:ph type="body" idx="1"/>
-          </p:nvPr>
-        </p:nvSpPr>
-        <p:spPr>
-          <a:xfrm>
-            <a:off x="468000" y="990000"/>
-            <a:ext cx="8100000" cy="540000"/>
-          </a:xfrm>
-        </p:spPr>
-        <p:txBody>
-          <a:bodyPr/>
-          <a:lstStyle/>
-          <a:p>
-            <a:r>
-              <a:rPr lang="de-CH" dirty="0" smtClean="0"/>
-              <a:t>Mauro</a:t>
-            </a:r>
-            <a:endParaRPr lang="de-CH" dirty="0"/>
-          </a:p>
-        </p:txBody>
-      </p:sp>
-      <p:sp>
-        <p:nvSpPr>
-          <p:cNvPr id="6" name="Inhaltsplatzhalter 5"/>
-          <p:cNvSpPr>
-            <a:spLocks noGrp="1"/>
-          </p:cNvSpPr>
-          <p:nvPr>
-            <p:ph sz="half" idx="13"/>
-          </p:nvPr>
-        </p:nvSpPr>
-        <p:spPr/>
-        <p:txBody>
-          <a:bodyPr/>
-          <a:lstStyle/>
-          <a:p>
-            <a:endParaRPr lang="de-CH"/>
-          </a:p>
-        </p:txBody>
-      </p:sp>
-    </p:spTree>
-    <p:extLst>
-      <p:ext uri="{BB962C8B-B14F-4D97-AF65-F5344CB8AC3E}">
-        <p14:creationId xmlns:p14="http://schemas.microsoft.com/office/powerpoint/2010/main" val="371708231"/>
-      </p:ext>
-    </p:extLst>
-  </p:cSld>
-  <p:clrMapOvr>
-    <a:masterClrMapping/>
-  </p:clrMapOvr>
-  <p:timing>
-    <p:tnLst>
-      <p:par>
-        <p:cTn id="1" dur="indefinite" restart="never" nodeType="tmRoot"/>
-      </p:par>
-    </p:tnLst>
-  </p:timing>
-</p:sld>
-</file>
-
 <file path=ppt/slides/slide12.xml><?xml version="1.0" encoding="utf-8"?>
 <p:sld xmlns:a="http://schemas.openxmlformats.org/drawingml/2006/main" xmlns:r="http://schemas.openxmlformats.org/officeDocument/2006/relationships" xmlns:p="http://schemas.openxmlformats.org/presentationml/2006/main">
   <p:cSld>
@@ -9142,12 +9588,12 @@
       </p:grpSpPr>
       <p:sp>
         <p:nvSpPr>
-          <p:cNvPr id="6" name="Inhaltsplatzhalter 5"/>
+          <p:cNvPr id="3" name="Titel 2"/>
           <p:cNvSpPr>
             <a:spLocks noGrp="1"/>
           </p:cNvSpPr>
           <p:nvPr>
-            <p:ph sz="half" idx="1"/>
+            <p:ph type="ctrTitle"/>
           </p:nvPr>
         </p:nvSpPr>
         <p:spPr/>
@@ -9156,107 +9602,64 @@
           <a:lstStyle/>
           <a:p>
             <a:r>
-              <a:rPr lang="de-CH" dirty="0" smtClean="0"/>
-              <a:t>Schwierigkeiten</a:t>
-            </a:r>
-          </a:p>
-          <a:p>
-            <a:pPr lvl="1"/>
-            <a:r>
-              <a:rPr lang="de-CH" dirty="0" smtClean="0"/>
-              <a:t>Viele Unklarheiten Theorie-Praxis</a:t>
-            </a:r>
-          </a:p>
-          <a:p>
-            <a:pPr lvl="1"/>
-            <a:r>
-              <a:rPr lang="de-CH" dirty="0" smtClean="0"/>
-              <a:t>Fehlende Erfahrung</a:t>
-            </a:r>
-          </a:p>
-          <a:p>
-            <a:pPr lvl="1"/>
-            <a:r>
-              <a:rPr lang="de-CH" dirty="0" smtClean="0"/>
-              <a:t>Keine Vorstellung für Umsetzungsmöglichkeiten</a:t>
-            </a:r>
-          </a:p>
-          <a:p>
+              <a:rPr lang="de-DE" b="1" dirty="0" smtClean="0"/>
+              <a:t>Persönliche Beiträge</a:t>
+            </a:r>
             <a:endParaRPr lang="de-CH" dirty="0"/>
           </a:p>
-          <a:p>
-            <a:r>
-              <a:rPr lang="de-CH" dirty="0" err="1" smtClean="0"/>
-              <a:t>Lessons</a:t>
-            </a:r>
-            <a:r>
-              <a:rPr lang="de-CH" dirty="0" smtClean="0"/>
-              <a:t> </a:t>
-            </a:r>
-            <a:r>
-              <a:rPr lang="de-CH" dirty="0" err="1" smtClean="0"/>
-              <a:t>learned</a:t>
-            </a:r>
-            <a:endParaRPr lang="de-CH" dirty="0" smtClean="0"/>
-          </a:p>
-          <a:p>
-            <a:pPr lvl="1"/>
-            <a:r>
-              <a:rPr lang="de-CH" dirty="0" smtClean="0"/>
-              <a:t>Konsumentensicht</a:t>
-            </a:r>
-          </a:p>
-          <a:p>
-            <a:pPr lvl="1"/>
-            <a:r>
-              <a:rPr lang="de-CH" dirty="0" smtClean="0"/>
-              <a:t>Viele Ideen entwickeln</a:t>
-            </a:r>
-          </a:p>
-          <a:p>
-            <a:pPr lvl="1"/>
-            <a:r>
-              <a:rPr lang="de-CH" dirty="0" smtClean="0"/>
-              <a:t>Noch nicht an Umsetzung denken</a:t>
-            </a:r>
-          </a:p>
-        </p:txBody>
-      </p:sp>
-      <p:sp>
-        <p:nvSpPr>
-          <p:cNvPr id="5" name="Titel 4"/>
+        </p:txBody>
+      </p:sp>
+      <p:sp>
+        <p:nvSpPr>
+          <p:cNvPr id="5" name="Textplatzhalter 4"/>
           <p:cNvSpPr>
             <a:spLocks noGrp="1"/>
           </p:cNvSpPr>
           <p:nvPr>
-            <p:ph type="ctrTitle"/>
-          </p:nvPr>
-        </p:nvSpPr>
-        <p:spPr/>
+            <p:ph type="body" idx="1"/>
+          </p:nvPr>
+        </p:nvSpPr>
+        <p:spPr>
+          <a:xfrm>
+            <a:off x="468000" y="990000"/>
+            <a:ext cx="8100000" cy="540000"/>
+          </a:xfrm>
+        </p:spPr>
         <p:txBody>
           <a:bodyPr/>
           <a:lstStyle/>
           <a:p>
-            <a:pPr algn="ctr"/>
             <a:r>
               <a:rPr lang="de-CH" dirty="0" smtClean="0"/>
-              <a:t>Prozess </a:t>
-            </a:r>
-            <a:br>
-              <a:rPr lang="de-CH" dirty="0" smtClean="0"/>
-            </a:br>
-            <a:r>
-              <a:rPr lang="de-CH" sz="2000" dirty="0" smtClean="0"/>
-              <a:t>Storyboard</a:t>
-            </a:r>
-            <a:endParaRPr lang="de-CH" sz="2200" dirty="0"/>
+              <a:t>Mauro</a:t>
+            </a:r>
+            <a:endParaRPr lang="de-CH" dirty="0"/>
+          </a:p>
+        </p:txBody>
+      </p:sp>
+      <p:sp>
+        <p:nvSpPr>
+          <p:cNvPr id="6" name="Inhaltsplatzhalter 5"/>
+          <p:cNvSpPr>
+            <a:spLocks noGrp="1"/>
+          </p:cNvSpPr>
+          <p:nvPr>
+            <p:ph sz="half" idx="13"/>
+          </p:nvPr>
+        </p:nvSpPr>
+        <p:spPr/>
+        <p:txBody>
+          <a:bodyPr/>
+          <a:lstStyle/>
+          <a:p>
+            <a:endParaRPr lang="de-CH"/>
           </a:p>
         </p:txBody>
       </p:sp>
     </p:spTree>
     <p:extLst>
       <p:ext uri="{BB962C8B-B14F-4D97-AF65-F5344CB8AC3E}">
-        <p14:creationId xmlns:p14="http://schemas.microsoft.com/office/powerpoint/2010/main" val="352211297"/>
+        <p14:creationId xmlns:p14="http://schemas.microsoft.com/office/powerpoint/2010/main" val="371708231"/>
       </p:ext>
     </p:extLst>
   </p:cSld>
@@ -9314,7 +9717,7 @@
             <a:pPr lvl="1"/>
             <a:r>
               <a:rPr lang="de-CH" dirty="0" smtClean="0"/>
-              <a:t>Viele Einflussfaktoren</a:t>
+              <a:t>Viele Unklarheiten Theorie-Praxis</a:t>
             </a:r>
           </a:p>
           <a:p>
@@ -9323,11 +9726,16 @@
               <a:rPr lang="de-CH" dirty="0" smtClean="0"/>
               <a:t>Fehlende Erfahrung</a:t>
             </a:r>
+          </a:p>
+          <a:p>
+            <a:pPr lvl="1"/>
+            <a:r>
+              <a:rPr lang="de-CH" dirty="0" smtClean="0"/>
+              <a:t>Keine Vorstellung für Umsetzungsmöglichkeiten</a:t>
+            </a:r>
+          </a:p>
+          <a:p>
             <a:endParaRPr lang="de-CH" dirty="0"/>
-          </a:p>
-          <a:p>
-            <a:pPr lvl="1"/>
-            <a:endParaRPr lang="de-CH" dirty="0" smtClean="0"/>
           </a:p>
           <a:p>
             <a:r>
@@ -9348,40 +9756,22 @@
             <a:pPr lvl="1"/>
             <a:r>
               <a:rPr lang="de-CH" dirty="0" smtClean="0"/>
-              <a:t>Grundlage des Projekts</a:t>
+              <a:t>Konsumentensicht</a:t>
             </a:r>
           </a:p>
           <a:p>
             <a:pPr lvl="1"/>
             <a:r>
               <a:rPr lang="de-CH" dirty="0" smtClean="0"/>
-              <a:t>Alle Faktoren berücksichtigen</a:t>
-            </a:r>
-          </a:p>
-          <a:p>
-            <a:pPr lvl="2"/>
+              <a:t>Viele Ideen entwickeln</a:t>
+            </a:r>
+          </a:p>
+          <a:p>
+            <a:pPr lvl="1"/>
             <a:r>
               <a:rPr lang="de-CH" dirty="0" smtClean="0"/>
-              <a:t>Richtlinien</a:t>
-            </a:r>
-          </a:p>
-          <a:p>
-            <a:pPr lvl="2"/>
-            <a:r>
-              <a:rPr lang="de-CH" dirty="0" smtClean="0"/>
-              <a:t>Kundenanforderungen</a:t>
-            </a:r>
-          </a:p>
-          <a:p>
-            <a:pPr lvl="2"/>
-            <a:r>
-              <a:rPr lang="de-CH" dirty="0" smtClean="0"/>
-              <a:t>…</a:t>
-            </a:r>
-          </a:p>
-          <a:p>
-            <a:pPr lvl="1"/>
-            <a:endParaRPr lang="de-CH" dirty="0"/>
+              <a:t>Noch nicht an Umsetzung denken</a:t>
+            </a:r>
           </a:p>
         </p:txBody>
       </p:sp>
@@ -9409,8 +9799,8 @@
               <a:rPr lang="de-CH" dirty="0" smtClean="0"/>
             </a:br>
             <a:r>
-              <a:rPr lang="de-CH" sz="2000" dirty="0" err="1" smtClean="0"/>
-              <a:t>Requirements</a:t>
+              <a:rPr lang="de-CH" sz="2000" dirty="0" smtClean="0"/>
+              <a:t>Storyboard</a:t>
             </a:r>
             <a:endParaRPr lang="de-CH" sz="2200" dirty="0"/>
           </a:p>
@@ -9419,13 +9809,20 @@
     </p:spTree>
     <p:extLst>
       <p:ext uri="{BB962C8B-B14F-4D97-AF65-F5344CB8AC3E}">
-        <p14:creationId xmlns:p14="http://schemas.microsoft.com/office/powerpoint/2010/main" val="1331511723"/>
+        <p14:creationId xmlns:p14="http://schemas.microsoft.com/office/powerpoint/2010/main" val="352211297"/>
       </p:ext>
     </p:extLst>
   </p:cSld>
   <p:clrMapOvr>
     <a:masterClrMapping/>
   </p:clrMapOvr>
+  <p:timing>
+    <p:tnLst>
+      <p:par>
+        <p:cTn id="1" dur="indefinite" restart="never" nodeType="tmRoot"/>
+      </p:par>
+    </p:tnLst>
+  </p:timing>
 </p:sld>
 </file>
 
@@ -9470,36 +9867,19 @@
             <a:pPr lvl="1"/>
             <a:r>
               <a:rPr lang="de-CH" dirty="0" smtClean="0"/>
+              <a:t>Viele Einflussfaktoren</a:t>
+            </a:r>
+          </a:p>
+          <a:p>
+            <a:pPr lvl="1"/>
+            <a:r>
+              <a:rPr lang="de-CH" dirty="0" smtClean="0"/>
               <a:t>Fehlende Erfahrung</a:t>
             </a:r>
-          </a:p>
-          <a:p>
-            <a:pPr lvl="2"/>
-            <a:r>
-              <a:rPr lang="de-CH" dirty="0" smtClean="0"/>
-              <a:t>Wichtige Punkte vergessen</a:t>
-            </a:r>
+            <a:endParaRPr lang="de-CH" dirty="0"/>
           </a:p>
           <a:p>
             <a:pPr lvl="1"/>
-            <a:r>
-              <a:rPr lang="de-CH" dirty="0" smtClean="0"/>
-              <a:t>Überblick behalten</a:t>
-            </a:r>
-          </a:p>
-          <a:p>
-            <a:pPr lvl="1"/>
-            <a:r>
-              <a:rPr lang="de-CH" dirty="0" smtClean="0"/>
-              <a:t>Anbindung an </a:t>
-            </a:r>
-            <a:r>
-              <a:rPr lang="de-CH" dirty="0" err="1" smtClean="0"/>
-              <a:t>Vaadin</a:t>
-            </a:r>
-            <a:endParaRPr lang="de-CH" dirty="0"/>
-          </a:p>
-          <a:p>
             <a:endParaRPr lang="de-CH" dirty="0" smtClean="0"/>
           </a:p>
           <a:p>
@@ -9521,14 +9901,35 @@
             <a:pPr lvl="1"/>
             <a:r>
               <a:rPr lang="de-CH" dirty="0" smtClean="0"/>
-              <a:t>Ressourcen abklären</a:t>
+              <a:t>Grundlage des Projekts</a:t>
             </a:r>
           </a:p>
           <a:p>
             <a:pPr lvl="1"/>
             <a:r>
               <a:rPr lang="de-CH" dirty="0" smtClean="0"/>
-              <a:t>Externe Frameworks sind gut aber…</a:t>
+              <a:t>Alle Faktoren berücksichtigen</a:t>
+            </a:r>
+          </a:p>
+          <a:p>
+            <a:pPr lvl="2"/>
+            <a:r>
+              <a:rPr lang="de-CH" dirty="0" smtClean="0"/>
+              <a:t>Richtlinien</a:t>
+            </a:r>
+          </a:p>
+          <a:p>
+            <a:pPr lvl="2"/>
+            <a:r>
+              <a:rPr lang="de-CH" dirty="0" smtClean="0"/>
+              <a:t>Kundenanforderungen</a:t>
+            </a:r>
+          </a:p>
+          <a:p>
+            <a:pPr lvl="2"/>
+            <a:r>
+              <a:rPr lang="de-CH" dirty="0" smtClean="0"/>
+              <a:t>…</a:t>
             </a:r>
           </a:p>
           <a:p>
@@ -9561,8 +9962,8 @@
               <a:rPr lang="de-CH" dirty="0" smtClean="0"/>
             </a:br>
             <a:r>
-              <a:rPr lang="de-CH" sz="2000" dirty="0" smtClean="0"/>
-              <a:t>Design</a:t>
+              <a:rPr lang="de-CH" sz="2000" dirty="0" err="1" smtClean="0"/>
+              <a:t>Requirements</a:t>
             </a:r>
             <a:endParaRPr lang="de-CH" sz="2200" dirty="0"/>
           </a:p>
@@ -9571,7 +9972,7 @@
     </p:spTree>
     <p:extLst>
       <p:ext uri="{BB962C8B-B14F-4D97-AF65-F5344CB8AC3E}">
-        <p14:creationId xmlns:p14="http://schemas.microsoft.com/office/powerpoint/2010/main" val="1305885463"/>
+        <p14:creationId xmlns:p14="http://schemas.microsoft.com/office/powerpoint/2010/main" val="1331511723"/>
       </p:ext>
     </p:extLst>
   </p:cSld>
@@ -9622,28 +10023,32 @@
             <a:pPr lvl="1"/>
             <a:r>
               <a:rPr lang="de-CH" dirty="0" smtClean="0"/>
-              <a:t>Arbeitsaufteilung</a:t>
+              <a:t>Fehlende Erfahrung</a:t>
+            </a:r>
+          </a:p>
+          <a:p>
+            <a:pPr lvl="2"/>
+            <a:r>
+              <a:rPr lang="de-CH" dirty="0" smtClean="0"/>
+              <a:t>Wichtige Punkte vergessen</a:t>
             </a:r>
           </a:p>
           <a:p>
             <a:pPr lvl="1"/>
             <a:r>
               <a:rPr lang="de-CH" dirty="0" smtClean="0"/>
-              <a:t>Fehlende Erfahrung</a:t>
+              <a:t>Überblick behalten</a:t>
             </a:r>
           </a:p>
           <a:p>
             <a:pPr lvl="1"/>
             <a:r>
               <a:rPr lang="de-CH" dirty="0" smtClean="0"/>
-              <a:t>Aufwand schätzen</a:t>
-            </a:r>
-          </a:p>
-          <a:p>
-            <a:pPr lvl="1"/>
-            <a:r>
-              <a:rPr lang="de-CH" dirty="0" smtClean="0"/>
-              <a:t>Machbarkeit einschätzen</a:t>
+              <a:t>Anbindung an </a:t>
+            </a:r>
+            <a:r>
+              <a:rPr lang="de-CH" dirty="0" err="1" smtClean="0"/>
+              <a:t>Vaadin</a:t>
             </a:r>
             <a:endParaRPr lang="de-CH" dirty="0"/>
           </a:p>
@@ -9669,25 +10074,14 @@
             <a:pPr lvl="1"/>
             <a:r>
               <a:rPr lang="de-CH" dirty="0" smtClean="0"/>
-              <a:t>Umgang mit Ressourcen</a:t>
+              <a:t>Ressourcen abklären</a:t>
             </a:r>
           </a:p>
           <a:p>
             <a:pPr lvl="1"/>
             <a:r>
               <a:rPr lang="de-CH" dirty="0" smtClean="0"/>
-              <a:t>Teamarbeit</a:t>
-            </a:r>
-          </a:p>
-          <a:p>
-            <a:pPr lvl="1"/>
-            <a:r>
-              <a:rPr lang="de-CH" dirty="0" err="1" smtClean="0"/>
-              <a:t>Scrum</a:t>
-            </a:r>
-            <a:r>
-              <a:rPr lang="de-CH" dirty="0" smtClean="0"/>
-              <a:t>-Vorgehensweise</a:t>
+              <a:t>Externe Frameworks sind gut aber…</a:t>
             </a:r>
           </a:p>
           <a:p>
@@ -9721,7 +10115,7 @@
             </a:br>
             <a:r>
               <a:rPr lang="de-CH" sz="2000" dirty="0" smtClean="0"/>
-              <a:t>Implementation</a:t>
+              <a:t>Design</a:t>
             </a:r>
             <a:endParaRPr lang="de-CH" sz="2200" dirty="0"/>
           </a:p>
@@ -9730,7 +10124,7 @@
     </p:spTree>
     <p:extLst>
       <p:ext uri="{BB962C8B-B14F-4D97-AF65-F5344CB8AC3E}">
-        <p14:creationId xmlns:p14="http://schemas.microsoft.com/office/powerpoint/2010/main" val="2523521946"/>
+        <p14:creationId xmlns:p14="http://schemas.microsoft.com/office/powerpoint/2010/main" val="1305885463"/>
       </p:ext>
     </p:extLst>
   </p:cSld>
@@ -9759,12 +10153,12 @@
       </p:grpSpPr>
       <p:sp>
         <p:nvSpPr>
-          <p:cNvPr id="3" name="Titel 2"/>
+          <p:cNvPr id="6" name="Inhaltsplatzhalter 5"/>
           <p:cNvSpPr>
             <a:spLocks noGrp="1"/>
           </p:cNvSpPr>
           <p:nvPr>
-            <p:ph type="ctrTitle"/>
+            <p:ph sz="half" idx="1"/>
           </p:nvPr>
         </p:nvSpPr>
         <p:spPr/>
@@ -9773,96 +10167,123 @@
           <a:lstStyle/>
           <a:p>
             <a:r>
-              <a:rPr lang="de-DE" b="1" dirty="0" err="1" smtClean="0"/>
+              <a:rPr lang="de-CH" dirty="0" smtClean="0"/>
+              <a:t>Schwierigkeiten</a:t>
+            </a:r>
+          </a:p>
+          <a:p>
+            <a:pPr lvl="1"/>
+            <a:r>
+              <a:rPr lang="de-CH" dirty="0" smtClean="0"/>
+              <a:t>Arbeitsaufteilung</a:t>
+            </a:r>
+          </a:p>
+          <a:p>
+            <a:pPr lvl="1"/>
+            <a:r>
+              <a:rPr lang="de-CH" dirty="0" smtClean="0"/>
+              <a:t>Fehlende Erfahrung</a:t>
+            </a:r>
+          </a:p>
+          <a:p>
+            <a:pPr lvl="1"/>
+            <a:r>
+              <a:rPr lang="de-CH" dirty="0" smtClean="0"/>
+              <a:t>Aufwand schätzen</a:t>
+            </a:r>
+          </a:p>
+          <a:p>
+            <a:pPr lvl="1"/>
+            <a:r>
+              <a:rPr lang="de-CH" dirty="0" smtClean="0"/>
+              <a:t>Machbarkeit einschätzen</a:t>
+            </a:r>
+            <a:endParaRPr lang="de-CH" dirty="0"/>
+          </a:p>
+          <a:p>
+            <a:endParaRPr lang="de-CH" dirty="0" smtClean="0"/>
+          </a:p>
+          <a:p>
+            <a:r>
+              <a:rPr lang="de-CH" dirty="0" err="1" smtClean="0"/>
+              <a:t>Lessons</a:t>
+            </a:r>
+            <a:r>
+              <a:rPr lang="de-CH" dirty="0" smtClean="0"/>
+              <a:t> </a:t>
+            </a:r>
+            <a:r>
+              <a:rPr lang="de-CH" dirty="0" err="1" smtClean="0"/>
+              <a:t>learned</a:t>
+            </a:r>
+            <a:endParaRPr lang="de-CH" dirty="0" smtClean="0"/>
+          </a:p>
+          <a:p>
+            <a:pPr lvl="1"/>
+            <a:r>
+              <a:rPr lang="de-CH" dirty="0" smtClean="0"/>
+              <a:t>Umgang mit Ressourcen</a:t>
+            </a:r>
+          </a:p>
+          <a:p>
+            <a:pPr lvl="1"/>
+            <a:r>
+              <a:rPr lang="de-CH" dirty="0" smtClean="0"/>
+              <a:t>Teamarbeit</a:t>
+            </a:r>
+          </a:p>
+          <a:p>
+            <a:pPr lvl="1"/>
+            <a:r>
+              <a:rPr lang="de-CH" dirty="0" err="1" smtClean="0"/>
               <a:t>Scrum</a:t>
             </a:r>
             <a:r>
-              <a:rPr lang="de-DE" b="1" dirty="0" smtClean="0"/>
-              <a:t> Master</a:t>
-            </a:r>
+              <a:rPr lang="de-CH" dirty="0" smtClean="0"/>
+              <a:t>-Vorgehensweise</a:t>
+            </a:r>
+          </a:p>
+          <a:p>
+            <a:pPr lvl="1"/>
             <a:endParaRPr lang="de-CH" dirty="0"/>
           </a:p>
         </p:txBody>
       </p:sp>
       <p:sp>
         <p:nvSpPr>
-          <p:cNvPr id="6" name="Inhaltsplatzhalter 5"/>
+          <p:cNvPr id="5" name="Titel 4"/>
           <p:cNvSpPr>
             <a:spLocks noGrp="1"/>
           </p:cNvSpPr>
           <p:nvPr>
-            <p:ph sz="half" idx="13"/>
-          </p:nvPr>
-        </p:nvSpPr>
-        <p:spPr>
-          <a:xfrm>
-            <a:off x="468000" y="1099750"/>
-            <a:ext cx="8100000" cy="5020249"/>
-          </a:xfrm>
-        </p:spPr>
+            <p:ph type="ctrTitle"/>
+          </p:nvPr>
+        </p:nvSpPr>
+        <p:spPr/>
         <p:txBody>
           <a:bodyPr/>
           <a:lstStyle/>
           <a:p>
-            <a:r>
-              <a:rPr lang="de-CH" dirty="0" err="1" smtClean="0"/>
-              <a:t>Lessons</a:t>
-            </a:r>
+            <a:pPr algn="ctr"/>
             <a:r>
               <a:rPr lang="de-CH" dirty="0" smtClean="0"/>
-              <a:t> </a:t>
-            </a:r>
-            <a:r>
-              <a:rPr lang="de-CH" dirty="0" err="1" smtClean="0"/>
-              <a:t>learned</a:t>
-            </a:r>
-            <a:endParaRPr lang="de-CH" dirty="0" smtClean="0"/>
-          </a:p>
-          <a:p>
-            <a:pPr lvl="1"/>
-            <a:r>
+              <a:t>Prozess </a:t>
+            </a:r>
+            <a:br>
               <a:rPr lang="de-CH" dirty="0" smtClean="0"/>
-              <a:t>Unterschiedliche Fähigkeiten des Teams</a:t>
-            </a:r>
-          </a:p>
-          <a:p>
-            <a:pPr lvl="1"/>
-            <a:r>
-              <a:rPr lang="de-CH" dirty="0" smtClean="0"/>
-              <a:t>Zeitplanung</a:t>
-            </a:r>
-          </a:p>
-          <a:p>
-            <a:pPr lvl="1"/>
-            <a:r>
-              <a:rPr lang="de-CH" dirty="0" smtClean="0"/>
-              <a:t>Fehlende Erfahrung</a:t>
-            </a:r>
-          </a:p>
-          <a:p>
-            <a:pPr lvl="1"/>
-            <a:r>
-              <a:rPr lang="de-CH" dirty="0" smtClean="0"/>
-              <a:t>Prioritäten setzen</a:t>
-            </a:r>
-          </a:p>
-          <a:p>
-            <a:pPr lvl="1"/>
-            <a:r>
-              <a:rPr lang="de-CH" dirty="0" smtClean="0"/>
-              <a:t>Überblick behalten</a:t>
-            </a:r>
-          </a:p>
-          <a:p>
-            <a:pPr lvl="1"/>
-            <a:endParaRPr lang="de-CH" dirty="0" smtClean="0"/>
+            </a:br>
+            <a:r>
+              <a:rPr lang="de-CH" sz="2000" dirty="0" smtClean="0"/>
+              <a:t>Implementation</a:t>
+            </a:r>
+            <a:endParaRPr lang="de-CH" sz="2200" dirty="0"/>
           </a:p>
         </p:txBody>
       </p:sp>
     </p:spTree>
     <p:extLst>
       <p:ext uri="{BB962C8B-B14F-4D97-AF65-F5344CB8AC3E}">
-        <p14:creationId xmlns:p14="http://schemas.microsoft.com/office/powerpoint/2010/main" val="3305796004"/>
+        <p14:creationId xmlns:p14="http://schemas.microsoft.com/office/powerpoint/2010/main" val="2523521946"/>
       </p:ext>
     </p:extLst>
   </p:cSld>
@@ -9910,7 +10331,7 @@
             </a:r>
             <a:r>
               <a:rPr lang="de-DE" b="1" dirty="0" smtClean="0"/>
-              <a:t> Member</a:t>
+              <a:t> Master</a:t>
             </a:r>
             <a:endParaRPr lang="de-CH" dirty="0"/>
           </a:p>
@@ -9954,67 +10375,7 @@
             <a:pPr lvl="1"/>
             <a:r>
               <a:rPr lang="de-CH" dirty="0" smtClean="0"/>
-              <a:t>Daily </a:t>
-            </a:r>
-            <a:r>
-              <a:rPr lang="de-CH" dirty="0" err="1" smtClean="0"/>
-              <a:t>Scrum</a:t>
-            </a:r>
-            <a:r>
-              <a:rPr lang="de-CH" dirty="0" smtClean="0"/>
-              <a:t> wichtig für</a:t>
-            </a:r>
-          </a:p>
-          <a:p>
-            <a:pPr lvl="2"/>
-            <a:r>
-              <a:rPr lang="de-CH" dirty="0" smtClean="0"/>
-              <a:t>Arbeitsaufteilung</a:t>
-            </a:r>
-          </a:p>
-          <a:p>
-            <a:pPr lvl="2"/>
-            <a:r>
-              <a:rPr lang="de-CH" dirty="0" smtClean="0"/>
-              <a:t>Fortschritt</a:t>
-            </a:r>
-          </a:p>
-          <a:p>
-            <a:pPr lvl="2"/>
-            <a:r>
-              <a:rPr lang="de-CH" dirty="0" smtClean="0"/>
-              <a:t>Lösungssuche</a:t>
-            </a:r>
-          </a:p>
-          <a:p>
-            <a:pPr lvl="1"/>
-            <a:r>
-              <a:rPr lang="de-CH" dirty="0" smtClean="0"/>
-              <a:t>Dokumente </a:t>
-            </a:r>
-            <a:r>
-              <a:rPr lang="de-CH" dirty="0" err="1" smtClean="0"/>
-              <a:t>up</a:t>
-            </a:r>
-            <a:r>
-              <a:rPr lang="de-CH" dirty="0" smtClean="0"/>
-              <a:t> </a:t>
-            </a:r>
-            <a:r>
-              <a:rPr lang="de-CH" dirty="0" err="1" smtClean="0"/>
-              <a:t>to</a:t>
-            </a:r>
-            <a:r>
-              <a:rPr lang="de-CH" dirty="0" smtClean="0"/>
-              <a:t> </a:t>
-            </a:r>
-            <a:r>
-              <a:rPr lang="de-CH" dirty="0" err="1" smtClean="0"/>
-              <a:t>date</a:t>
-            </a:r>
-            <a:r>
-              <a:rPr lang="de-CH" dirty="0" smtClean="0"/>
-              <a:t> halten</a:t>
+              <a:t>Unterschiedliche Fähigkeiten des Teams</a:t>
             </a:r>
           </a:p>
           <a:p>
@@ -10026,14 +10387,35 @@
           </a:p>
           <a:p>
             <a:pPr lvl="1"/>
-            <a:endParaRPr lang="de-CH" dirty="0"/>
+            <a:r>
+              <a:rPr lang="de-CH" dirty="0" smtClean="0"/>
+              <a:t>Fehlende Erfahrung</a:t>
+            </a:r>
+          </a:p>
+          <a:p>
+            <a:pPr lvl="1"/>
+            <a:r>
+              <a:rPr lang="de-CH" dirty="0" smtClean="0"/>
+              <a:t>Prioritäten setzen</a:t>
+            </a:r>
+          </a:p>
+          <a:p>
+            <a:pPr lvl="1"/>
+            <a:r>
+              <a:rPr lang="de-CH" dirty="0" smtClean="0"/>
+              <a:t>Überblick behalten</a:t>
+            </a:r>
+          </a:p>
+          <a:p>
+            <a:pPr lvl="1"/>
+            <a:endParaRPr lang="de-CH" dirty="0" smtClean="0"/>
           </a:p>
         </p:txBody>
       </p:sp>
     </p:spTree>
     <p:extLst>
       <p:ext uri="{BB962C8B-B14F-4D97-AF65-F5344CB8AC3E}">
-        <p14:creationId xmlns:p14="http://schemas.microsoft.com/office/powerpoint/2010/main" val="611237871"/>
+        <p14:creationId xmlns:p14="http://schemas.microsoft.com/office/powerpoint/2010/main" val="3305796004"/>
       </p:ext>
     </p:extLst>
   </p:cSld>
@@ -10077,47 +10459,11 @@
           <a:p>
             <a:r>
               <a:rPr lang="de-DE" b="1" dirty="0" err="1" smtClean="0"/>
-              <a:t>You</a:t>
+              <a:t>Scrum</a:t>
             </a:r>
             <a:r>
               <a:rPr lang="de-DE" b="1" dirty="0" smtClean="0"/>
-              <a:t>, </a:t>
-            </a:r>
-            <a:r>
-              <a:rPr lang="de-DE" b="1" dirty="0" err="1" smtClean="0"/>
-              <a:t>your</a:t>
-            </a:r>
-            <a:r>
-              <a:rPr lang="de-DE" b="1" dirty="0" smtClean="0"/>
-              <a:t> </a:t>
-            </a:r>
-            <a:r>
-              <a:rPr lang="de-DE" b="1" dirty="0" err="1" smtClean="0"/>
-              <a:t>team</a:t>
-            </a:r>
-            <a:r>
-              <a:rPr lang="de-DE" b="1" dirty="0" smtClean="0"/>
-              <a:t> </a:t>
-            </a:r>
-            <a:r>
-              <a:rPr lang="de-DE" b="1" dirty="0" err="1" smtClean="0"/>
-              <a:t>and</a:t>
-            </a:r>
-            <a:r>
-              <a:rPr lang="de-DE" b="1" dirty="0" smtClean="0"/>
-              <a:t> </a:t>
-            </a:r>
-            <a:r>
-              <a:rPr lang="de-DE" b="1" dirty="0" err="1" smtClean="0"/>
-              <a:t>the</a:t>
-            </a:r>
-            <a:r>
-              <a:rPr lang="de-DE" b="1" dirty="0" smtClean="0"/>
-              <a:t> </a:t>
-            </a:r>
-            <a:r>
-              <a:rPr lang="de-DE" b="1" dirty="0" err="1" smtClean="0"/>
-              <a:t>course</a:t>
+              <a:t> Member</a:t>
             </a:r>
             <a:endParaRPr lang="de-CH" dirty="0"/>
           </a:p>
@@ -10143,71 +10489,104 @@
           <a:bodyPr/>
           <a:lstStyle/>
           <a:p>
+            <a:r>
+              <a:rPr lang="de-CH" dirty="0" err="1" smtClean="0"/>
+              <a:t>Lessons</a:t>
+            </a:r>
+            <a:r>
+              <a:rPr lang="de-CH" dirty="0" smtClean="0"/>
+              <a:t> </a:t>
+            </a:r>
+            <a:r>
+              <a:rPr lang="de-CH" dirty="0" err="1" smtClean="0"/>
+              <a:t>learned</a:t>
+            </a:r>
+            <a:endParaRPr lang="de-CH" dirty="0" smtClean="0"/>
+          </a:p>
+          <a:p>
             <a:pPr lvl="1"/>
             <a:r>
-              <a:rPr lang="de-CH" dirty="0"/>
-              <a:t>Eigenverantwortung </a:t>
-            </a:r>
-            <a:r>
               <a:rPr lang="de-CH" dirty="0" smtClean="0"/>
-              <a:t>für das gesamte Projekt</a:t>
+              <a:t>Daily </a:t>
+            </a:r>
+            <a:r>
+              <a:rPr lang="de-CH" dirty="0" err="1" smtClean="0"/>
+              <a:t>Scrum</a:t>
+            </a:r>
+            <a:r>
+              <a:rPr lang="de-CH" dirty="0" smtClean="0"/>
+              <a:t> wichtig für</a:t>
+            </a:r>
+          </a:p>
+          <a:p>
+            <a:pPr lvl="2"/>
+            <a:r>
+              <a:rPr lang="de-CH" dirty="0" smtClean="0"/>
+              <a:t>Arbeitsaufteilung</a:t>
+            </a:r>
+          </a:p>
+          <a:p>
+            <a:pPr lvl="2"/>
+            <a:r>
+              <a:rPr lang="de-CH" dirty="0" smtClean="0"/>
+              <a:t>Fortschritt</a:t>
+            </a:r>
+          </a:p>
+          <a:p>
+            <a:pPr lvl="2"/>
+            <a:r>
+              <a:rPr lang="de-CH" dirty="0" smtClean="0"/>
+              <a:t>Lösungssuche</a:t>
             </a:r>
           </a:p>
           <a:p>
             <a:pPr lvl="1"/>
             <a:r>
               <a:rPr lang="de-CH" dirty="0" smtClean="0"/>
-              <a:t>Unbekanntes Framework</a:t>
+              <a:t>Dokumente </a:t>
+            </a:r>
+            <a:r>
+              <a:rPr lang="de-CH" dirty="0" err="1" smtClean="0"/>
+              <a:t>up</a:t>
+            </a:r>
+            <a:r>
+              <a:rPr lang="de-CH" dirty="0" smtClean="0"/>
+              <a:t> </a:t>
+            </a:r>
+            <a:r>
+              <a:rPr lang="de-CH" dirty="0" err="1" smtClean="0"/>
+              <a:t>to</a:t>
+            </a:r>
+            <a:r>
+              <a:rPr lang="de-CH" dirty="0" smtClean="0"/>
+              <a:t> </a:t>
+            </a:r>
+            <a:r>
+              <a:rPr lang="de-CH" dirty="0" err="1" smtClean="0"/>
+              <a:t>date</a:t>
+            </a:r>
+            <a:r>
+              <a:rPr lang="de-CH" dirty="0" smtClean="0"/>
+              <a:t> halten</a:t>
             </a:r>
           </a:p>
           <a:p>
             <a:pPr lvl="1"/>
             <a:r>
               <a:rPr lang="de-CH" dirty="0" smtClean="0"/>
-              <a:t>Umsetzung Theorie – Praxis</a:t>
-            </a:r>
-          </a:p>
-          <a:p>
-            <a:pPr lvl="2"/>
-            <a:r>
-              <a:rPr lang="de-CH" dirty="0" smtClean="0"/>
-              <a:t>Klassendiagram</a:t>
-            </a:r>
-          </a:p>
-          <a:p>
-            <a:pPr lvl="2"/>
-            <a:r>
-              <a:rPr lang="de-CH" dirty="0" smtClean="0"/>
-              <a:t>Medikamentenübersicht</a:t>
+              <a:t>Zeitplanung</a:t>
             </a:r>
           </a:p>
           <a:p>
             <a:pPr lvl="1"/>
-            <a:r>
-              <a:rPr lang="de-CH" dirty="0" smtClean="0"/>
-              <a:t>Semesterplanung</a:t>
-            </a:r>
-          </a:p>
-          <a:p>
-            <a:pPr lvl="2"/>
-            <a:r>
-              <a:rPr lang="de-CH" dirty="0" smtClean="0"/>
-              <a:t>Aufteilung Theorie – Projektarbeit</a:t>
-            </a:r>
-          </a:p>
-          <a:p>
-            <a:pPr lvl="1"/>
-            <a:r>
-              <a:rPr lang="de-CH" dirty="0" smtClean="0"/>
-              <a:t>Teamarbeit schwierig wenn Personen abwesend</a:t>
-            </a:r>
+            <a:endParaRPr lang="de-CH" dirty="0"/>
           </a:p>
         </p:txBody>
       </p:sp>
     </p:spTree>
     <p:extLst>
       <p:ext uri="{BB962C8B-B14F-4D97-AF65-F5344CB8AC3E}">
-        <p14:creationId xmlns:p14="http://schemas.microsoft.com/office/powerpoint/2010/main" val="3438071427"/>
+        <p14:creationId xmlns:p14="http://schemas.microsoft.com/office/powerpoint/2010/main" val="611237871"/>
       </p:ext>
     </p:extLst>
   </p:cSld>
@@ -10236,7 +10615,7 @@
       </p:grpSpPr>
       <p:sp>
         <p:nvSpPr>
-          <p:cNvPr id="2" name="Titel 1"/>
+          <p:cNvPr id="3" name="Titel 2"/>
           <p:cNvSpPr>
             <a:spLocks noGrp="1"/>
           </p:cNvSpPr>
@@ -10250,17 +10629,138 @@
           <a:lstStyle/>
           <a:p>
             <a:r>
-              <a:rPr lang="de-DE" dirty="0"/>
-              <a:t>Herzlichen Dank!</a:t>
+              <a:rPr lang="de-DE" b="1" dirty="0" err="1" smtClean="0"/>
+              <a:t>You</a:t>
+            </a:r>
+            <a:r>
+              <a:rPr lang="de-DE" b="1" dirty="0" smtClean="0"/>
+              <a:t>, </a:t>
+            </a:r>
+            <a:r>
+              <a:rPr lang="de-DE" b="1" dirty="0" err="1" smtClean="0"/>
+              <a:t>your</a:t>
+            </a:r>
+            <a:r>
+              <a:rPr lang="de-DE" b="1" dirty="0" smtClean="0"/>
+              <a:t> </a:t>
+            </a:r>
+            <a:r>
+              <a:rPr lang="de-DE" b="1" dirty="0" err="1" smtClean="0"/>
+              <a:t>team</a:t>
+            </a:r>
+            <a:r>
+              <a:rPr lang="de-DE" b="1" dirty="0" smtClean="0"/>
+              <a:t> </a:t>
+            </a:r>
+            <a:r>
+              <a:rPr lang="de-DE" b="1" dirty="0" err="1" smtClean="0"/>
+              <a:t>and</a:t>
+            </a:r>
+            <a:r>
+              <a:rPr lang="de-DE" b="1" dirty="0" smtClean="0"/>
+              <a:t> </a:t>
+            </a:r>
+            <a:r>
+              <a:rPr lang="de-DE" b="1" dirty="0" err="1" smtClean="0"/>
+              <a:t>the</a:t>
+            </a:r>
+            <a:r>
+              <a:rPr lang="de-DE" b="1" dirty="0" smtClean="0"/>
+              <a:t> </a:t>
+            </a:r>
+            <a:r>
+              <a:rPr lang="de-DE" b="1" dirty="0" err="1" smtClean="0"/>
+              <a:t>course</a:t>
             </a:r>
             <a:endParaRPr lang="de-CH" dirty="0"/>
+          </a:p>
+        </p:txBody>
+      </p:sp>
+      <p:sp>
+        <p:nvSpPr>
+          <p:cNvPr id="6" name="Inhaltsplatzhalter 5"/>
+          <p:cNvSpPr>
+            <a:spLocks noGrp="1"/>
+          </p:cNvSpPr>
+          <p:nvPr>
+            <p:ph sz="half" idx="13"/>
+          </p:nvPr>
+        </p:nvSpPr>
+        <p:spPr>
+          <a:xfrm>
+            <a:off x="468000" y="1099750"/>
+            <a:ext cx="8100000" cy="5020249"/>
+          </a:xfrm>
+        </p:spPr>
+        <p:txBody>
+          <a:bodyPr/>
+          <a:lstStyle/>
+          <a:p>
+            <a:pPr lvl="1"/>
+            <a:r>
+              <a:rPr lang="de-CH" dirty="0"/>
+              <a:t>Eigenverantwortung </a:t>
+            </a:r>
+            <a:r>
+              <a:rPr lang="de-CH" dirty="0" smtClean="0"/>
+              <a:t>für das gesamte Projekt</a:t>
+            </a:r>
+          </a:p>
+          <a:p>
+            <a:pPr lvl="1"/>
+            <a:r>
+              <a:rPr lang="de-CH" dirty="0" smtClean="0"/>
+              <a:t>Unbekanntes Framework</a:t>
+            </a:r>
+          </a:p>
+          <a:p>
+            <a:pPr lvl="1"/>
+            <a:r>
+              <a:rPr lang="de-CH" dirty="0" smtClean="0"/>
+              <a:t>Umsetzung Theorie – Praxis</a:t>
+            </a:r>
+          </a:p>
+          <a:p>
+            <a:pPr lvl="2"/>
+            <a:r>
+              <a:rPr lang="de-CH" dirty="0" smtClean="0"/>
+              <a:t>Klassendiagram</a:t>
+            </a:r>
+          </a:p>
+          <a:p>
+            <a:pPr lvl="2"/>
+            <a:r>
+              <a:rPr lang="de-CH" dirty="0" smtClean="0"/>
+              <a:t>Medikamentenübersicht</a:t>
+            </a:r>
+          </a:p>
+          <a:p>
+            <a:pPr lvl="1"/>
+            <a:r>
+              <a:rPr lang="de-CH" dirty="0" smtClean="0"/>
+              <a:t>Semesterplanung</a:t>
+            </a:r>
+          </a:p>
+          <a:p>
+            <a:pPr lvl="2"/>
+            <a:r>
+              <a:rPr lang="de-CH" dirty="0" smtClean="0"/>
+              <a:t>Aufteilung Theorie – Projektarbeit</a:t>
+            </a:r>
+          </a:p>
+          <a:p>
+            <a:pPr lvl="1"/>
+            <a:r>
+              <a:rPr lang="de-CH" dirty="0" smtClean="0"/>
+              <a:t>Teamarbeit schwierig wenn Personen abwesend</a:t>
+            </a:r>
           </a:p>
         </p:txBody>
       </p:sp>
     </p:spTree>
     <p:extLst>
       <p:ext uri="{BB962C8B-B14F-4D97-AF65-F5344CB8AC3E}">
-        <p14:creationId xmlns:p14="http://schemas.microsoft.com/office/powerpoint/2010/main" val="1953900258"/>
+        <p14:creationId xmlns:p14="http://schemas.microsoft.com/office/powerpoint/2010/main" val="3438071427"/>
       </p:ext>
     </p:extLst>
   </p:cSld>
@@ -10551,6 +11051,59 @@
 </p:sld>
 </file>
 
+<file path=ppt/slides/slide20.xml><?xml version="1.0" encoding="utf-8"?>
+<p:sld xmlns:a="http://schemas.openxmlformats.org/drawingml/2006/main" xmlns:r="http://schemas.openxmlformats.org/officeDocument/2006/relationships" xmlns:p="http://schemas.openxmlformats.org/presentationml/2006/main">
+  <p:cSld>
+    <p:spTree>
+      <p:nvGrpSpPr>
+        <p:cNvPr id="1" name=""/>
+        <p:cNvGrpSpPr/>
+        <p:nvPr/>
+      </p:nvGrpSpPr>
+      <p:grpSpPr>
+        <a:xfrm>
+          <a:off x="0" y="0"/>
+          <a:ext cx="0" cy="0"/>
+          <a:chOff x="0" y="0"/>
+          <a:chExt cx="0" cy="0"/>
+        </a:xfrm>
+      </p:grpSpPr>
+      <p:sp>
+        <p:nvSpPr>
+          <p:cNvPr id="2" name="Titel 1"/>
+          <p:cNvSpPr>
+            <a:spLocks noGrp="1"/>
+          </p:cNvSpPr>
+          <p:nvPr>
+            <p:ph type="ctrTitle"/>
+          </p:nvPr>
+        </p:nvSpPr>
+        <p:spPr/>
+        <p:txBody>
+          <a:bodyPr/>
+          <a:lstStyle/>
+          <a:p>
+            <a:r>
+              <a:rPr lang="de-DE" dirty="0"/>
+              <a:t>Herzlichen Dank!</a:t>
+            </a:r>
+            <a:endParaRPr lang="de-CH" dirty="0"/>
+          </a:p>
+        </p:txBody>
+      </p:sp>
+    </p:spTree>
+    <p:extLst>
+      <p:ext uri="{BB962C8B-B14F-4D97-AF65-F5344CB8AC3E}">
+        <p14:creationId xmlns:p14="http://schemas.microsoft.com/office/powerpoint/2010/main" val="1953900258"/>
+      </p:ext>
+    </p:extLst>
+  </p:cSld>
+  <p:clrMapOvr>
+    <a:masterClrMapping/>
+  </p:clrMapOvr>
+</p:sld>
+</file>
+
 <file path=ppt/slides/slide3.xml><?xml version="1.0" encoding="utf-8"?>
 <p:sld xmlns:a="http://schemas.openxmlformats.org/drawingml/2006/main" xmlns:r="http://schemas.openxmlformats.org/officeDocument/2006/relationships" xmlns:p="http://schemas.openxmlformats.org/presentationml/2006/main">
   <p:cSld>
@@ -10726,26 +11279,28 @@
           <a:p>
             <a:r>
               <a:rPr lang="de-CH" dirty="0" smtClean="0"/>
-              <a:t>Einbindung </a:t>
-            </a:r>
-            <a:r>
-              <a:rPr lang="de-CH" smtClean="0"/>
-              <a:t>in GUI</a:t>
-            </a:r>
-            <a:endParaRPr lang="de-CH" dirty="0" smtClean="0"/>
+              <a:t>Einbindung in GUI</a:t>
+            </a:r>
           </a:p>
         </p:txBody>
       </p:sp>
     </p:spTree>
     <p:extLst>
       <p:ext uri="{BB962C8B-B14F-4D97-AF65-F5344CB8AC3E}">
-        <p14:creationId xmlns:p14="http://schemas.microsoft.com/office/powerpoint/2010/main" val="1761532058"/>
+        <p14:creationId xmlns:p14="http://schemas.microsoft.com/office/powerpoint/2010/main" val="2205768640"/>
       </p:ext>
     </p:extLst>
   </p:cSld>
   <p:clrMapOvr>
     <a:masterClrMapping/>
   </p:clrMapOvr>
+  <p:timing>
+    <p:tnLst>
+      <p:par>
+        <p:cTn id="1" dur="indefinite" restart="never" nodeType="tmRoot"/>
+      </p:par>
+    </p:tnLst>
+  </p:timing>
 </p:sld>
 </file>
 
@@ -10766,6 +11321,367 @@
           <a:chExt cx="0" cy="0"/>
         </a:xfrm>
       </p:grpSpPr>
+      <p:pic>
+        <p:nvPicPr>
+          <p:cNvPr id="10" name="Grafik 9"/>
+          <p:cNvPicPr>
+            <a:picLocks noChangeAspect="1"/>
+          </p:cNvPicPr>
+          <p:nvPr/>
+        </p:nvPicPr>
+        <p:blipFill>
+          <a:blip r:embed="rId3"/>
+          <a:stretch>
+            <a:fillRect/>
+          </a:stretch>
+        </p:blipFill>
+        <p:spPr>
+          <a:xfrm>
+            <a:off x="1120720" y="2519999"/>
+            <a:ext cx="6014176" cy="2708823"/>
+          </a:xfrm>
+          <a:prstGeom prst="rect">
+            <a:avLst/>
+          </a:prstGeom>
+          <a:ln w="28575">
+            <a:solidFill>
+              <a:schemeClr val="accent4"/>
+            </a:solidFill>
+          </a:ln>
+        </p:spPr>
+      </p:pic>
+      <p:pic>
+        <p:nvPicPr>
+          <p:cNvPr id="13" name="Grafik 12"/>
+          <p:cNvPicPr>
+            <a:picLocks noChangeAspect="1"/>
+          </p:cNvPicPr>
+          <p:nvPr/>
+        </p:nvPicPr>
+        <p:blipFill>
+          <a:blip r:embed="rId4"/>
+          <a:stretch>
+            <a:fillRect/>
+          </a:stretch>
+        </p:blipFill>
+        <p:spPr>
+          <a:xfrm>
+            <a:off x="1905231" y="3498157"/>
+            <a:ext cx="4862349" cy="576464"/>
+          </a:xfrm>
+          <a:prstGeom prst="rect">
+            <a:avLst/>
+          </a:prstGeom>
+          <a:ln w="28575">
+            <a:solidFill>
+              <a:schemeClr val="accent4"/>
+            </a:solidFill>
+          </a:ln>
+        </p:spPr>
+      </p:pic>
+      <p:pic>
+        <p:nvPicPr>
+          <p:cNvPr id="11" name="Grafik 10"/>
+          <p:cNvPicPr>
+            <a:picLocks noChangeAspect="1"/>
+          </p:cNvPicPr>
+          <p:nvPr/>
+        </p:nvPicPr>
+        <p:blipFill>
+          <a:blip r:embed="rId5"/>
+          <a:stretch>
+            <a:fillRect/>
+          </a:stretch>
+        </p:blipFill>
+        <p:spPr>
+          <a:xfrm>
+            <a:off x="921434" y="2691685"/>
+            <a:ext cx="6533582" cy="1934284"/>
+          </a:xfrm>
+          <a:prstGeom prst="rect">
+            <a:avLst/>
+          </a:prstGeom>
+          <a:ln w="28575">
+            <a:solidFill>
+              <a:schemeClr val="accent4"/>
+            </a:solidFill>
+          </a:ln>
+        </p:spPr>
+      </p:pic>
+      <p:pic>
+        <p:nvPicPr>
+          <p:cNvPr id="12" name="Grafik 11"/>
+          <p:cNvPicPr>
+            <a:picLocks noChangeAspect="1"/>
+          </p:cNvPicPr>
+          <p:nvPr/>
+        </p:nvPicPr>
+        <p:blipFill>
+          <a:blip r:embed="rId6"/>
+          <a:stretch>
+            <a:fillRect/>
+          </a:stretch>
+        </p:blipFill>
+        <p:spPr>
+          <a:xfrm>
+            <a:off x="1334625" y="1980000"/>
+            <a:ext cx="5684361" cy="3905645"/>
+          </a:xfrm>
+          <a:prstGeom prst="rect">
+            <a:avLst/>
+          </a:prstGeom>
+          <a:ln w="28575">
+            <a:solidFill>
+              <a:schemeClr val="accent4"/>
+            </a:solidFill>
+          </a:ln>
+        </p:spPr>
+      </p:pic>
+      <p:sp>
+        <p:nvSpPr>
+          <p:cNvPr id="2" name="Titel 1"/>
+          <p:cNvSpPr>
+            <a:spLocks noGrp="1"/>
+          </p:cNvSpPr>
+          <p:nvPr>
+            <p:ph type="ctrTitle"/>
+          </p:nvPr>
+        </p:nvSpPr>
+        <p:spPr/>
+        <p:txBody>
+          <a:bodyPr/>
+          <a:lstStyle/>
+          <a:p>
+            <a:r>
+              <a:rPr lang="de-CH" dirty="0" smtClean="0"/>
+              <a:t>Persönliche Beiträge</a:t>
+            </a:r>
+            <a:endParaRPr lang="de-CH" dirty="0"/>
+          </a:p>
+        </p:txBody>
+      </p:sp>
+      <p:sp>
+        <p:nvSpPr>
+          <p:cNvPr id="3" name="Textplatzhalter 2"/>
+          <p:cNvSpPr>
+            <a:spLocks noGrp="1"/>
+          </p:cNvSpPr>
+          <p:nvPr>
+            <p:ph type="body" idx="1"/>
+          </p:nvPr>
+        </p:nvSpPr>
+        <p:spPr/>
+        <p:txBody>
+          <a:bodyPr/>
+          <a:lstStyle/>
+          <a:p>
+            <a:r>
+              <a:rPr lang="de-CH" dirty="0" smtClean="0"/>
+              <a:t>Rea - </a:t>
+            </a:r>
+            <a:r>
+              <a:rPr lang="de-CH" dirty="0" err="1" smtClean="0"/>
+              <a:t>UserManager</a:t>
+            </a:r>
+            <a:endParaRPr lang="de-CH" dirty="0"/>
+          </a:p>
+        </p:txBody>
+      </p:sp>
+    </p:spTree>
+    <p:extLst>
+      <p:ext uri="{BB962C8B-B14F-4D97-AF65-F5344CB8AC3E}">
+        <p14:creationId xmlns:p14="http://schemas.microsoft.com/office/powerpoint/2010/main" val="4192179809"/>
+      </p:ext>
+    </p:extLst>
+  </p:cSld>
+  <p:clrMapOvr>
+    <a:masterClrMapping/>
+  </p:clrMapOvr>
+  <p:timing>
+    <p:tnLst>
+      <p:par>
+        <p:cTn id="1" dur="indefinite" restart="never" nodeType="tmRoot">
+          <p:childTnLst>
+            <p:seq concurrent="1" nextAc="seek">
+              <p:cTn id="2" dur="indefinite" nodeType="mainSeq">
+                <p:childTnLst>
+                  <p:par>
+                    <p:cTn id="3" fill="hold">
+                      <p:stCondLst>
+                        <p:cond delay="indefinite"/>
+                      </p:stCondLst>
+                      <p:childTnLst>
+                        <p:par>
+                          <p:cTn id="4" fill="hold">
+                            <p:stCondLst>
+                              <p:cond delay="0"/>
+                            </p:stCondLst>
+                            <p:childTnLst>
+                              <p:par>
+                                <p:cTn id="5" presetID="1" presetClass="entr" presetSubtype="0" fill="hold" nodeType="clickEffect">
+                                  <p:stCondLst>
+                                    <p:cond delay="0"/>
+                                  </p:stCondLst>
+                                  <p:childTnLst>
+                                    <p:set>
+                                      <p:cBhvr>
+                                        <p:cTn id="6" dur="1" fill="hold">
+                                          <p:stCondLst>
+                                            <p:cond delay="0"/>
+                                          </p:stCondLst>
+                                        </p:cTn>
+                                        <p:tgtEl>
+                                          <p:spTgt spid="13"/>
+                                        </p:tgtEl>
+                                        <p:attrNameLst>
+                                          <p:attrName>style.visibility</p:attrName>
+                                        </p:attrNameLst>
+                                      </p:cBhvr>
+                                      <p:to>
+                                        <p:strVal val="visible"/>
+                                      </p:to>
+                                    </p:set>
+                                  </p:childTnLst>
+                                </p:cTn>
+                              </p:par>
+                            </p:childTnLst>
+                          </p:cTn>
+                        </p:par>
+                      </p:childTnLst>
+                    </p:cTn>
+                  </p:par>
+                  <p:par>
+                    <p:cTn id="7" fill="hold">
+                      <p:stCondLst>
+                        <p:cond delay="indefinite"/>
+                      </p:stCondLst>
+                      <p:childTnLst>
+                        <p:par>
+                          <p:cTn id="8" fill="hold">
+                            <p:stCondLst>
+                              <p:cond delay="0"/>
+                            </p:stCondLst>
+                            <p:childTnLst>
+                              <p:par>
+                                <p:cTn id="9" presetID="1" presetClass="entr" presetSubtype="0" fill="hold" nodeType="clickEffect">
+                                  <p:stCondLst>
+                                    <p:cond delay="0"/>
+                                  </p:stCondLst>
+                                  <p:childTnLst>
+                                    <p:set>
+                                      <p:cBhvr>
+                                        <p:cTn id="10" dur="1" fill="hold">
+                                          <p:stCondLst>
+                                            <p:cond delay="0"/>
+                                          </p:stCondLst>
+                                        </p:cTn>
+                                        <p:tgtEl>
+                                          <p:spTgt spid="11"/>
+                                        </p:tgtEl>
+                                        <p:attrNameLst>
+                                          <p:attrName>style.visibility</p:attrName>
+                                        </p:attrNameLst>
+                                      </p:cBhvr>
+                                      <p:to>
+                                        <p:strVal val="visible"/>
+                                      </p:to>
+                                    </p:set>
+                                  </p:childTnLst>
+                                </p:cTn>
+                              </p:par>
+                            </p:childTnLst>
+                          </p:cTn>
+                        </p:par>
+                      </p:childTnLst>
+                    </p:cTn>
+                  </p:par>
+                  <p:par>
+                    <p:cTn id="11" fill="hold">
+                      <p:stCondLst>
+                        <p:cond delay="indefinite"/>
+                      </p:stCondLst>
+                      <p:childTnLst>
+                        <p:par>
+                          <p:cTn id="12" fill="hold">
+                            <p:stCondLst>
+                              <p:cond delay="0"/>
+                            </p:stCondLst>
+                            <p:childTnLst>
+                              <p:par>
+                                <p:cTn id="13" presetID="1" presetClass="entr" presetSubtype="0" fill="hold" nodeType="clickEffect">
+                                  <p:stCondLst>
+                                    <p:cond delay="0"/>
+                                  </p:stCondLst>
+                                  <p:childTnLst>
+                                    <p:set>
+                                      <p:cBhvr>
+                                        <p:cTn id="14" dur="1" fill="hold">
+                                          <p:stCondLst>
+                                            <p:cond delay="0"/>
+                                          </p:stCondLst>
+                                        </p:cTn>
+                                        <p:tgtEl>
+                                          <p:spTgt spid="12"/>
+                                        </p:tgtEl>
+                                        <p:attrNameLst>
+                                          <p:attrName>style.visibility</p:attrName>
+                                        </p:attrNameLst>
+                                      </p:cBhvr>
+                                      <p:to>
+                                        <p:strVal val="visible"/>
+                                      </p:to>
+                                    </p:set>
+                                  </p:childTnLst>
+                                </p:cTn>
+                              </p:par>
+                            </p:childTnLst>
+                          </p:cTn>
+                        </p:par>
+                      </p:childTnLst>
+                    </p:cTn>
+                  </p:par>
+                </p:childTnLst>
+              </p:cTn>
+              <p:prevCondLst>
+                <p:cond evt="onPrev" delay="0">
+                  <p:tgtEl>
+                    <p:sldTgt/>
+                  </p:tgtEl>
+                </p:cond>
+              </p:prevCondLst>
+              <p:nextCondLst>
+                <p:cond evt="onNext" delay="0">
+                  <p:tgtEl>
+                    <p:sldTgt/>
+                  </p:tgtEl>
+                </p:cond>
+              </p:nextCondLst>
+            </p:seq>
+          </p:childTnLst>
+        </p:cTn>
+      </p:par>
+    </p:tnLst>
+  </p:timing>
+</p:sld>
+</file>
+
+<file path=ppt/slides/slide6.xml><?xml version="1.0" encoding="utf-8"?>
+<p:sld xmlns:a="http://schemas.openxmlformats.org/drawingml/2006/main" xmlns:r="http://schemas.openxmlformats.org/officeDocument/2006/relationships" xmlns:p="http://schemas.openxmlformats.org/presentationml/2006/main">
+  <p:cSld>
+    <p:spTree>
+      <p:nvGrpSpPr>
+        <p:cNvPr id="1" name=""/>
+        <p:cNvGrpSpPr/>
+        <p:nvPr/>
+      </p:nvGrpSpPr>
+      <p:grpSpPr>
+        <a:xfrm>
+          <a:off x="0" y="0"/>
+          <a:ext cx="0" cy="0"/>
+          <a:chOff x="0" y="0"/>
+          <a:chExt cx="0" cy="0"/>
+        </a:xfrm>
+      </p:grpSpPr>
       <p:sp>
         <p:nvSpPr>
           <p:cNvPr id="3" name="Titel 2"/>
@@ -10913,7 +11829,7 @@
 </p:sld>
 </file>
 
-<file path=ppt/slides/slide6.xml><?xml version="1.0" encoding="utf-8"?>
+<file path=ppt/slides/slide7.xml><?xml version="1.0" encoding="utf-8"?>
 <p:sld xmlns:a="http://schemas.openxmlformats.org/drawingml/2006/main" xmlns:r="http://schemas.openxmlformats.org/officeDocument/2006/relationships" xmlns:p="http://schemas.openxmlformats.org/presentationml/2006/main">
   <p:cSld>
     <p:spTree>
@@ -11350,7 +12266,7 @@
 </p:sld>
 </file>
 
-<file path=ppt/slides/slide7.xml><?xml version="1.0" encoding="utf-8"?>
+<file path=ppt/slides/slide8.xml><?xml version="1.0" encoding="utf-8"?>
 <p:sld xmlns:a="http://schemas.openxmlformats.org/drawingml/2006/main" xmlns:r="http://schemas.openxmlformats.org/officeDocument/2006/relationships" xmlns:p="http://schemas.openxmlformats.org/presentationml/2006/main">
   <p:cSld>
     <p:spTree>
@@ -11479,7 +12395,7 @@
 </p:sld>
 </file>
 
-<file path=ppt/slides/slide8.xml><?xml version="1.0" encoding="utf-8"?>
+<file path=ppt/slides/slide9.xml><?xml version="1.0" encoding="utf-8"?>
 <p:sld xmlns:a="http://schemas.openxmlformats.org/drawingml/2006/main" xmlns:r="http://schemas.openxmlformats.org/officeDocument/2006/relationships" xmlns:p="http://schemas.openxmlformats.org/presentationml/2006/main">
   <p:cSld>
     <p:spTree>
@@ -11582,173 +12498,6 @@
   <p:clrMapOvr>
     <a:masterClrMapping/>
   </p:clrMapOvr>
-</p:sld>
-</file>
-
-<file path=ppt/slides/slide9.xml><?xml version="1.0" encoding="utf-8"?>
-<p:sld xmlns:a="http://schemas.openxmlformats.org/drawingml/2006/main" xmlns:r="http://schemas.openxmlformats.org/officeDocument/2006/relationships" xmlns:p="http://schemas.openxmlformats.org/presentationml/2006/main">
-  <p:cSld>
-    <p:spTree>
-      <p:nvGrpSpPr>
-        <p:cNvPr id="1" name=""/>
-        <p:cNvGrpSpPr/>
-        <p:nvPr/>
-      </p:nvGrpSpPr>
-      <p:grpSpPr>
-        <a:xfrm>
-          <a:off x="0" y="0"/>
-          <a:ext cx="0" cy="0"/>
-          <a:chOff x="0" y="0"/>
-          <a:chExt cx="0" cy="0"/>
-        </a:xfrm>
-      </p:grpSpPr>
-      <p:sp>
-        <p:nvSpPr>
-          <p:cNvPr id="3" name="Titel 2"/>
-          <p:cNvSpPr>
-            <a:spLocks noGrp="1"/>
-          </p:cNvSpPr>
-          <p:nvPr>
-            <p:ph type="ctrTitle"/>
-          </p:nvPr>
-        </p:nvSpPr>
-        <p:spPr/>
-        <p:txBody>
-          <a:bodyPr/>
-          <a:lstStyle/>
-          <a:p>
-            <a:r>
-              <a:rPr lang="de-DE" b="1" dirty="0" smtClean="0"/>
-              <a:t>Persönliche Beiträge</a:t>
-            </a:r>
-            <a:endParaRPr lang="de-CH" dirty="0"/>
-          </a:p>
-        </p:txBody>
-      </p:sp>
-      <p:sp>
-        <p:nvSpPr>
-          <p:cNvPr id="5" name="Textplatzhalter 4"/>
-          <p:cNvSpPr>
-            <a:spLocks noGrp="1"/>
-          </p:cNvSpPr>
-          <p:nvPr>
-            <p:ph type="body" idx="1"/>
-          </p:nvPr>
-        </p:nvSpPr>
-        <p:spPr>
-          <a:xfrm>
-            <a:off x="468000" y="990000"/>
-            <a:ext cx="8100000" cy="540000"/>
-          </a:xfrm>
-        </p:spPr>
-        <p:txBody>
-          <a:bodyPr/>
-          <a:lstStyle/>
-          <a:p>
-            <a:r>
-              <a:rPr lang="de-CH" dirty="0" smtClean="0"/>
-              <a:t>Maurice</a:t>
-            </a:r>
-            <a:endParaRPr lang="de-CH" dirty="0"/>
-          </a:p>
-        </p:txBody>
-      </p:sp>
-      <p:sp>
-        <p:nvSpPr>
-          <p:cNvPr id="6" name="Inhaltsplatzhalter 5"/>
-          <p:cNvSpPr>
-            <a:spLocks noGrp="1"/>
-          </p:cNvSpPr>
-          <p:nvPr>
-            <p:ph sz="half" idx="13"/>
-          </p:nvPr>
-        </p:nvSpPr>
-        <p:spPr/>
-        <p:txBody>
-          <a:bodyPr/>
-          <a:lstStyle/>
-          <a:p>
-            <a:r>
-              <a:rPr lang="de-CH" dirty="0"/>
-              <a:t>Elements </a:t>
-            </a:r>
-            <a:endParaRPr lang="de-CH" dirty="0" smtClean="0"/>
-          </a:p>
-          <a:p>
-            <a:pPr lvl="1"/>
-            <a:r>
-              <a:rPr lang="de-CH" dirty="0" smtClean="0"/>
-              <a:t>DrugTakeWrapper.java</a:t>
-            </a:r>
-          </a:p>
-          <a:p>
-            <a:pPr lvl="1"/>
-            <a:r>
-              <a:rPr lang="de-CH" dirty="0" smtClean="0"/>
-              <a:t>DrugWrapper.java</a:t>
-            </a:r>
-          </a:p>
-          <a:p>
-            <a:pPr lvl="1"/>
-            <a:r>
-              <a:rPr lang="de-CH" dirty="0" smtClean="0"/>
-              <a:t>Wrapper.java</a:t>
-            </a:r>
-          </a:p>
-          <a:p>
-            <a:r>
-              <a:rPr lang="de-CH" dirty="0" smtClean="0"/>
-              <a:t>Views</a:t>
-            </a:r>
-          </a:p>
-          <a:p>
-            <a:pPr lvl="1"/>
-            <a:r>
-              <a:rPr lang="de-CH" dirty="0" smtClean="0"/>
-              <a:t>HomeView.java</a:t>
-            </a:r>
-          </a:p>
-          <a:p>
-            <a:pPr lvl="1"/>
-            <a:r>
-              <a:rPr lang="de-CH" dirty="0" smtClean="0"/>
-              <a:t>InfoView.java</a:t>
-            </a:r>
-          </a:p>
-          <a:p>
-            <a:pPr lvl="1"/>
-            <a:r>
-              <a:rPr lang="de-CH" dirty="0" smtClean="0"/>
-              <a:t>MedicationsListView.java</a:t>
-            </a:r>
-          </a:p>
-          <a:p>
-            <a:pPr lvl="1"/>
-            <a:r>
-              <a:rPr lang="de-CH" dirty="0" smtClean="0"/>
-              <a:t>MedicationsView.java </a:t>
-            </a:r>
-            <a:endParaRPr lang="de-CH" dirty="0"/>
-          </a:p>
-        </p:txBody>
-      </p:sp>
-    </p:spTree>
-    <p:extLst>
-      <p:ext uri="{BB962C8B-B14F-4D97-AF65-F5344CB8AC3E}">
-        <p14:creationId xmlns:p14="http://schemas.microsoft.com/office/powerpoint/2010/main" val="1522822994"/>
-      </p:ext>
-    </p:extLst>
-  </p:cSld>
-  <p:clrMapOvr>
-    <a:masterClrMapping/>
-  </p:clrMapOvr>
-  <p:timing>
-    <p:tnLst>
-      <p:par>
-        <p:cTn id="1" dur="indefinite" restart="never" nodeType="tmRoot"/>
-      </p:par>
-    </p:tnLst>
-  </p:timing>
 </p:sld>
 </file>
 
@@ -12583,6 +13332,14 @@
 </file>
 
 <file path=customXml/item1.xml><?xml version="1.0" encoding="utf-8"?>
+<p:properties xmlns:p="http://schemas.microsoft.com/office/2006/metadata/properties" xmlns:xsi="http://www.w3.org/2001/XMLSchema-instance">
+  <documentManagement>
+    <AVMTitle xmlns="5091c847-84be-4f4f-b16c-c018ad2ca66b">Präsentation BFH_2013</AVMTitle>
+  </documentManagement>
+</p:properties>
+</file>
+
+<file path=customXml/item2.xml><?xml version="1.0" encoding="utf-8"?>
 <ct:contentTypeSchema xmlns:ct="http://schemas.microsoft.com/office/2006/metadata/contentType" xmlns:ma="http://schemas.microsoft.com/office/2006/metadata/properties/metaAttributes" ct:_="" ma:_="" ma:contentTypeName="Dokument" ma:contentTypeID="0x010100EBE3A9EFF36793468C03E2811ACE2A2B" ma:contentTypeVersion="1" ma:contentTypeDescription="Ein neues Dokument erstellen." ma:contentTypeScope="" ma:versionID="e65be32cb1bfff77fc8c9c09bf542651">
   <xsd:schema xmlns:xsd="http://www.w3.org/2001/XMLSchema" xmlns:p="http://schemas.microsoft.com/office/2006/metadata/properties" xmlns:ns2="5091c847-84be-4f4f-b16c-c018ad2ca66b" targetNamespace="http://schemas.microsoft.com/office/2006/metadata/properties" ma:root="true" ma:fieldsID="7636c84aed5b7d09a166fcef888725d4" ns2:_="">
     <xsd:import namespace="5091c847-84be-4f4f-b16c-c018ad2ca66b"/>
@@ -12642,14 +13399,6 @@
 </ct:contentTypeSchema>
 </file>
 
-<file path=customXml/item2.xml><?xml version="1.0" encoding="utf-8"?>
-<p:properties xmlns:p="http://schemas.microsoft.com/office/2006/metadata/properties" xmlns:xsi="http://www.w3.org/2001/XMLSchema-instance">
-  <documentManagement>
-    <AVMTitle xmlns="5091c847-84be-4f4f-b16c-c018ad2ca66b">Präsentation BFH_2013</AVMTitle>
-  </documentManagement>
-</p:properties>
-</file>
-
 <file path=customXml/item3.xml><?xml version="1.0" encoding="utf-8"?>
 <?mso-contentType ?>
 <FormTemplates xmlns="http://schemas.microsoft.com/sharepoint/v3/contenttype/forms">
@@ -12660,6 +13409,21 @@
 </file>
 
 <file path=customXml/itemProps1.xml><?xml version="1.0" encoding="utf-8"?>
+<ds:datastoreItem xmlns:ds="http://schemas.openxmlformats.org/officeDocument/2006/customXml" ds:itemID="{32991507-CB83-4F49-BAFB-D322B1D04098}">
+  <ds:schemaRefs>
+    <ds:schemaRef ds:uri="http://purl.org/dc/terms/"/>
+    <ds:schemaRef ds:uri="http://purl.org/dc/elements/1.1/"/>
+    <ds:schemaRef ds:uri="http://www.w3.org/XML/1998/namespace"/>
+    <ds:schemaRef ds:uri="http://schemas.microsoft.com/office/2006/documentManagement/types"/>
+    <ds:schemaRef ds:uri="http://schemas.openxmlformats.org/package/2006/metadata/core-properties"/>
+    <ds:schemaRef ds:uri="5091c847-84be-4f4f-b16c-c018ad2ca66b"/>
+    <ds:schemaRef ds:uri="http://schemas.microsoft.com/office/2006/metadata/properties"/>
+    <ds:schemaRef ds:uri="http://purl.org/dc/dcmitype/"/>
+  </ds:schemaRefs>
+</ds:datastoreItem>
+</file>
+
+<file path=customXml/itemProps2.xml><?xml version="1.0" encoding="utf-8"?>
 <ds:datastoreItem xmlns:ds="http://schemas.openxmlformats.org/officeDocument/2006/customXml" ds:itemID="{15287BEA-F3FF-4B87-929B-5D0092183197}">
   <ds:schemaRefs>
     <ds:schemaRef ds:uri="http://schemas.microsoft.com/office/2006/metadata/contentType"/>
@@ -12676,21 +13440,6 @@
 </ds:datastoreItem>
 </file>
 
-<file path=customXml/itemProps2.xml><?xml version="1.0" encoding="utf-8"?>
-<ds:datastoreItem xmlns:ds="http://schemas.openxmlformats.org/officeDocument/2006/customXml" ds:itemID="{32991507-CB83-4F49-BAFB-D322B1D04098}">
-  <ds:schemaRefs>
-    <ds:schemaRef ds:uri="http://purl.org/dc/terms/"/>
-    <ds:schemaRef ds:uri="http://purl.org/dc/elements/1.1/"/>
-    <ds:schemaRef ds:uri="http://www.w3.org/XML/1998/namespace"/>
-    <ds:schemaRef ds:uri="http://schemas.microsoft.com/office/2006/documentManagement/types"/>
-    <ds:schemaRef ds:uri="http://schemas.openxmlformats.org/package/2006/metadata/core-properties"/>
-    <ds:schemaRef ds:uri="5091c847-84be-4f4f-b16c-c018ad2ca66b"/>
-    <ds:schemaRef ds:uri="http://schemas.microsoft.com/office/2006/metadata/properties"/>
-    <ds:schemaRef ds:uri="http://purl.org/dc/dcmitype/"/>
-  </ds:schemaRefs>
-</ds:datastoreItem>
-</file>
-
 <file path=customXml/itemProps3.xml><?xml version="1.0" encoding="utf-8"?>
 <ds:datastoreItem xmlns:ds="http://schemas.openxmlformats.org/officeDocument/2006/customXml" ds:itemID="{1851D33F-E468-417B-A30C-509B68D2BD09}">
   <ds:schemaRefs>

--- a/doc/Task14/task14_presentation Schlurp.pptx
+++ b/doc/Task14/task14_presentation Schlurp.pptx
@@ -5,10 +5,10 @@
     <p:sldMasterId id="2147483669" r:id="rId4"/>
   </p:sldMasterIdLst>
   <p:notesMasterIdLst>
-    <p:notesMasterId r:id="rId25"/>
+    <p:notesMasterId r:id="rId27"/>
   </p:notesMasterIdLst>
   <p:handoutMasterIdLst>
-    <p:handoutMasterId r:id="rId26"/>
+    <p:handoutMasterId r:id="rId28"/>
   </p:handoutMasterIdLst>
   <p:sldIdLst>
     <p:sldId id="259" r:id="rId5"/>
@@ -23,14 +23,16 @@
     <p:sldId id="305" r:id="rId14"/>
     <p:sldId id="318" r:id="rId15"/>
     <p:sldId id="306" r:id="rId16"/>
-    <p:sldId id="310" r:id="rId17"/>
-    <p:sldId id="311" r:id="rId18"/>
-    <p:sldId id="312" r:id="rId19"/>
-    <p:sldId id="313" r:id="rId20"/>
-    <p:sldId id="314" r:id="rId21"/>
-    <p:sldId id="315" r:id="rId22"/>
-    <p:sldId id="316" r:id="rId23"/>
-    <p:sldId id="299" r:id="rId24"/>
+    <p:sldId id="323" r:id="rId17"/>
+    <p:sldId id="324" r:id="rId18"/>
+    <p:sldId id="310" r:id="rId19"/>
+    <p:sldId id="311" r:id="rId20"/>
+    <p:sldId id="312" r:id="rId21"/>
+    <p:sldId id="313" r:id="rId22"/>
+    <p:sldId id="314" r:id="rId23"/>
+    <p:sldId id="315" r:id="rId24"/>
+    <p:sldId id="316" r:id="rId25"/>
+    <p:sldId id="299" r:id="rId26"/>
   </p:sldIdLst>
   <p:sldSz cx="9144000" cy="6858000" type="screen4x3"/>
   <p:notesSz cx="6669088" cy="9926638"/>
@@ -869,7 +871,7 @@
           <a:p>
             <a:r>
               <a:rPr lang="de-CH" dirty="0" smtClean="0"/>
-              <a:t>Kaspar</a:t>
+              <a:t>Mauro</a:t>
             </a:r>
             <a:endParaRPr lang="de-CH" dirty="0"/>
           </a:p>
@@ -892,7 +894,7 @@
           <a:p>
             <a:fld id="{37E44704-8E6D-4CF2-8CFA-A0F7BC751896}" type="slidenum">
               <a:rPr lang="de-CH" smtClean="0"/>
-              <a:t>18</a:t>
+              <a:t>19</a:t>
             </a:fld>
             <a:endParaRPr lang="de-CH"/>
           </a:p>
@@ -901,7 +903,7 @@
     </p:spTree>
     <p:extLst>
       <p:ext uri="{BB962C8B-B14F-4D97-AF65-F5344CB8AC3E}">
-        <p14:creationId xmlns:p14="http://schemas.microsoft.com/office/powerpoint/2010/main" val="1986255681"/>
+        <p14:creationId xmlns:p14="http://schemas.microsoft.com/office/powerpoint/2010/main" val="3001186816"/>
       </p:ext>
     </p:extLst>
   </p:cSld>
@@ -957,7 +959,7 @@
           <a:p>
             <a:r>
               <a:rPr lang="de-CH" dirty="0" smtClean="0"/>
-              <a:t>Maurice</a:t>
+              <a:t>Kaspar</a:t>
             </a:r>
             <a:endParaRPr lang="de-CH" dirty="0"/>
           </a:p>
@@ -980,7 +982,95 @@
           <a:p>
             <a:fld id="{37E44704-8E6D-4CF2-8CFA-A0F7BC751896}" type="slidenum">
               <a:rPr lang="de-CH" smtClean="0"/>
-              <a:t>19</a:t>
+              <a:t>20</a:t>
+            </a:fld>
+            <a:endParaRPr lang="de-CH"/>
+          </a:p>
+        </p:txBody>
+      </p:sp>
+    </p:spTree>
+    <p:extLst>
+      <p:ext uri="{BB962C8B-B14F-4D97-AF65-F5344CB8AC3E}">
+        <p14:creationId xmlns:p14="http://schemas.microsoft.com/office/powerpoint/2010/main" val="1986255681"/>
+      </p:ext>
+    </p:extLst>
+  </p:cSld>
+  <p:clrMapOvr>
+    <a:masterClrMapping/>
+  </p:clrMapOvr>
+</p:notes>
+</file>
+
+<file path=ppt/notesSlides/notesSlide12.xml><?xml version="1.0" encoding="utf-8"?>
+<p:notes xmlns:a="http://schemas.openxmlformats.org/drawingml/2006/main" xmlns:r="http://schemas.openxmlformats.org/officeDocument/2006/relationships" xmlns:p="http://schemas.openxmlformats.org/presentationml/2006/main">
+  <p:cSld>
+    <p:spTree>
+      <p:nvGrpSpPr>
+        <p:cNvPr id="1" name=""/>
+        <p:cNvGrpSpPr/>
+        <p:nvPr/>
+      </p:nvGrpSpPr>
+      <p:grpSpPr>
+        <a:xfrm>
+          <a:off x="0" y="0"/>
+          <a:ext cx="0" cy="0"/>
+          <a:chOff x="0" y="0"/>
+          <a:chExt cx="0" cy="0"/>
+        </a:xfrm>
+      </p:grpSpPr>
+      <p:sp>
+        <p:nvSpPr>
+          <p:cNvPr id="2" name="Folienbildplatzhalter 1"/>
+          <p:cNvSpPr>
+            <a:spLocks noGrp="1" noRot="1" noChangeAspect="1"/>
+          </p:cNvSpPr>
+          <p:nvPr>
+            <p:ph type="sldImg"/>
+          </p:nvPr>
+        </p:nvSpPr>
+        <p:spPr/>
+      </p:sp>
+      <p:sp>
+        <p:nvSpPr>
+          <p:cNvPr id="3" name="Notizenplatzhalter 2"/>
+          <p:cNvSpPr>
+            <a:spLocks noGrp="1"/>
+          </p:cNvSpPr>
+          <p:nvPr>
+            <p:ph type="body" idx="1"/>
+          </p:nvPr>
+        </p:nvSpPr>
+        <p:spPr/>
+        <p:txBody>
+          <a:bodyPr/>
+          <a:lstStyle/>
+          <a:p>
+            <a:r>
+              <a:rPr lang="de-CH" dirty="0" smtClean="0"/>
+              <a:t>Maurice</a:t>
+            </a:r>
+            <a:endParaRPr lang="de-CH" dirty="0"/>
+          </a:p>
+        </p:txBody>
+      </p:sp>
+      <p:sp>
+        <p:nvSpPr>
+          <p:cNvPr id="4" name="Foliennummernplatzhalter 3"/>
+          <p:cNvSpPr>
+            <a:spLocks noGrp="1"/>
+          </p:cNvSpPr>
+          <p:nvPr>
+            <p:ph type="sldNum" sz="quarter" idx="10"/>
+          </p:nvPr>
+        </p:nvSpPr>
+        <p:spPr/>
+        <p:txBody>
+          <a:bodyPr/>
+          <a:lstStyle/>
+          <a:p>
+            <a:fld id="{37E44704-8E6D-4CF2-8CFA-A0F7BC751896}" type="slidenum">
+              <a:rPr lang="de-CH" smtClean="0"/>
+              <a:t>21</a:t>
             </a:fld>
             <a:endParaRPr lang="de-CH"/>
           </a:p>
@@ -1677,10 +1767,6 @@
           <a:bodyPr/>
           <a:lstStyle/>
           <a:p>
-            <a:r>
-              <a:rPr lang="de-CH" dirty="0" smtClean="0"/>
-              <a:t>Philipp</a:t>
-            </a:r>
             <a:endParaRPr lang="de-CH" dirty="0"/>
           </a:p>
         </p:txBody>
@@ -1702,7 +1788,7 @@
           <a:p>
             <a:fld id="{37E44704-8E6D-4CF2-8CFA-A0F7BC751896}" type="slidenum">
               <a:rPr lang="de-CH" smtClean="0"/>
-              <a:t>13</a:t>
+              <a:t>14</a:t>
             </a:fld>
             <a:endParaRPr lang="de-CH"/>
           </a:p>
@@ -1711,7 +1797,7 @@
     </p:spTree>
     <p:extLst>
       <p:ext uri="{BB962C8B-B14F-4D97-AF65-F5344CB8AC3E}">
-        <p14:creationId xmlns:p14="http://schemas.microsoft.com/office/powerpoint/2010/main" val="1717229326"/>
+        <p14:creationId xmlns:p14="http://schemas.microsoft.com/office/powerpoint/2010/main" val="1697288178"/>
       </p:ext>
     </p:extLst>
   </p:cSld>
@@ -1767,7 +1853,7 @@
           <a:p>
             <a:r>
               <a:rPr lang="de-CH" dirty="0" smtClean="0"/>
-              <a:t>Rea</a:t>
+              <a:t>Philipp</a:t>
             </a:r>
             <a:endParaRPr lang="de-CH" dirty="0"/>
           </a:p>
@@ -1790,7 +1876,7 @@
           <a:p>
             <a:fld id="{37E44704-8E6D-4CF2-8CFA-A0F7BC751896}" type="slidenum">
               <a:rPr lang="de-CH" smtClean="0"/>
-              <a:t>14</a:t>
+              <a:t>15</a:t>
             </a:fld>
             <a:endParaRPr lang="de-CH"/>
           </a:p>
@@ -1799,7 +1885,7 @@
     </p:spTree>
     <p:extLst>
       <p:ext uri="{BB962C8B-B14F-4D97-AF65-F5344CB8AC3E}">
-        <p14:creationId xmlns:p14="http://schemas.microsoft.com/office/powerpoint/2010/main" val="1090606107"/>
+        <p14:creationId xmlns:p14="http://schemas.microsoft.com/office/powerpoint/2010/main" val="1717229326"/>
       </p:ext>
     </p:extLst>
   </p:cSld>
@@ -1855,7 +1941,7 @@
           <a:p>
             <a:r>
               <a:rPr lang="de-CH" dirty="0" smtClean="0"/>
-              <a:t>Maurice</a:t>
+              <a:t>Rea</a:t>
             </a:r>
             <a:endParaRPr lang="de-CH" dirty="0"/>
           </a:p>
@@ -1878,7 +1964,7 @@
           <a:p>
             <a:fld id="{37E44704-8E6D-4CF2-8CFA-A0F7BC751896}" type="slidenum">
               <a:rPr lang="de-CH" smtClean="0"/>
-              <a:t>15</a:t>
+              <a:t>16</a:t>
             </a:fld>
             <a:endParaRPr lang="de-CH"/>
           </a:p>
@@ -1887,7 +1973,7 @@
     </p:spTree>
     <p:extLst>
       <p:ext uri="{BB962C8B-B14F-4D97-AF65-F5344CB8AC3E}">
-        <p14:creationId xmlns:p14="http://schemas.microsoft.com/office/powerpoint/2010/main" val="3685268980"/>
+        <p14:creationId xmlns:p14="http://schemas.microsoft.com/office/powerpoint/2010/main" val="1090606107"/>
       </p:ext>
     </p:extLst>
   </p:cSld>
@@ -1943,7 +2029,7 @@
           <a:p>
             <a:r>
               <a:rPr lang="de-CH" dirty="0" smtClean="0"/>
-              <a:t>Mauro</a:t>
+              <a:t>Maurice</a:t>
             </a:r>
             <a:endParaRPr lang="de-CH" dirty="0"/>
           </a:p>
@@ -1966,7 +2052,7 @@
           <a:p>
             <a:fld id="{37E44704-8E6D-4CF2-8CFA-A0F7BC751896}" type="slidenum">
               <a:rPr lang="de-CH" smtClean="0"/>
-              <a:t>16</a:t>
+              <a:t>17</a:t>
             </a:fld>
             <a:endParaRPr lang="de-CH"/>
           </a:p>
@@ -1975,7 +2061,7 @@
     </p:spTree>
     <p:extLst>
       <p:ext uri="{BB962C8B-B14F-4D97-AF65-F5344CB8AC3E}">
-        <p14:creationId xmlns:p14="http://schemas.microsoft.com/office/powerpoint/2010/main" val="2267613444"/>
+        <p14:creationId xmlns:p14="http://schemas.microsoft.com/office/powerpoint/2010/main" val="3685268980"/>
       </p:ext>
     </p:extLst>
   </p:cSld>
@@ -2054,7 +2140,7 @@
           <a:p>
             <a:fld id="{37E44704-8E6D-4CF2-8CFA-A0F7BC751896}" type="slidenum">
               <a:rPr lang="de-CH" smtClean="0"/>
-              <a:t>17</a:t>
+              <a:t>18</a:t>
             </a:fld>
             <a:endParaRPr lang="de-CH"/>
           </a:p>
@@ -2063,7 +2149,7 @@
     </p:spTree>
     <p:extLst>
       <p:ext uri="{BB962C8B-B14F-4D97-AF65-F5344CB8AC3E}">
-        <p14:creationId xmlns:p14="http://schemas.microsoft.com/office/powerpoint/2010/main" val="3001186816"/>
+        <p14:creationId xmlns:p14="http://schemas.microsoft.com/office/powerpoint/2010/main" val="2267613444"/>
       </p:ext>
     </p:extLst>
   </p:cSld>
@@ -9652,7 +9738,73 @@
           <a:bodyPr/>
           <a:lstStyle/>
           <a:p>
-            <a:endParaRPr lang="de-CH"/>
+            <a:r>
+              <a:rPr lang="de-CH" dirty="0"/>
+              <a:t>Remove </a:t>
+            </a:r>
+            <a:r>
+              <a:rPr lang="de-CH" dirty="0" err="1"/>
+              <a:t>function</a:t>
+            </a:r>
+            <a:r>
+              <a:rPr lang="de-CH" dirty="0"/>
+              <a:t> </a:t>
+            </a:r>
+            <a:r>
+              <a:rPr lang="de-CH" dirty="0" err="1"/>
+              <a:t>for</a:t>
+            </a:r>
+            <a:r>
+              <a:rPr lang="de-CH" dirty="0"/>
+              <a:t> GUI </a:t>
+            </a:r>
+            <a:r>
+              <a:rPr lang="de-CH" dirty="0" err="1"/>
+              <a:t>MedicationListView</a:t>
+            </a:r>
+            <a:endParaRPr lang="de-CH" dirty="0"/>
+          </a:p>
+          <a:p>
+            <a:r>
+              <a:rPr lang="de-CH" dirty="0"/>
+              <a:t>Medicament.java</a:t>
+            </a:r>
+          </a:p>
+          <a:p>
+            <a:r>
+              <a:rPr lang="de-CH" dirty="0"/>
+              <a:t>Person.java</a:t>
+            </a:r>
+          </a:p>
+          <a:p>
+            <a:pPr lvl="1"/>
+            <a:r>
+              <a:rPr lang="de-CH" dirty="0"/>
+              <a:t>Patient.java</a:t>
+            </a:r>
+          </a:p>
+          <a:p>
+            <a:pPr lvl="1"/>
+            <a:r>
+              <a:rPr lang="de-CH" dirty="0"/>
+              <a:t>FamilyMember.java</a:t>
+            </a:r>
+          </a:p>
+          <a:p>
+            <a:pPr lvl="1"/>
+            <a:r>
+              <a:rPr lang="de-CH" dirty="0"/>
+              <a:t>Doctor.java</a:t>
+            </a:r>
+          </a:p>
+          <a:p>
+            <a:r>
+              <a:rPr lang="de-CH" dirty="0"/>
+              <a:t>Random GIF-Button</a:t>
+            </a:r>
+          </a:p>
+          <a:p>
+            <a:endParaRPr lang="de-CH" dirty="0"/>
           </a:p>
         </p:txBody>
       </p:sp>
@@ -9695,12 +9847,12 @@
       </p:grpSpPr>
       <p:sp>
         <p:nvSpPr>
-          <p:cNvPr id="6" name="Inhaltsplatzhalter 5"/>
+          <p:cNvPr id="3" name="Titel 2"/>
           <p:cNvSpPr>
             <a:spLocks noGrp="1"/>
           </p:cNvSpPr>
           <p:nvPr>
-            <p:ph sz="half" idx="1"/>
+            <p:ph type="ctrTitle"/>
           </p:nvPr>
         </p:nvSpPr>
         <p:spPr/>
@@ -9709,107 +9861,78 @@
           <a:lstStyle/>
           <a:p>
             <a:r>
-              <a:rPr lang="de-CH" dirty="0" smtClean="0"/>
-              <a:t>Schwierigkeiten</a:t>
-            </a:r>
-          </a:p>
-          <a:p>
-            <a:pPr lvl="1"/>
-            <a:r>
-              <a:rPr lang="de-CH" dirty="0" smtClean="0"/>
-              <a:t>Viele Unklarheiten Theorie-Praxis</a:t>
-            </a:r>
-          </a:p>
-          <a:p>
-            <a:pPr lvl="1"/>
-            <a:r>
-              <a:rPr lang="de-CH" dirty="0" smtClean="0"/>
-              <a:t>Fehlende Erfahrung</a:t>
-            </a:r>
-          </a:p>
-          <a:p>
-            <a:pPr lvl="1"/>
-            <a:r>
-              <a:rPr lang="de-CH" dirty="0" smtClean="0"/>
-              <a:t>Keine Vorstellung für Umsetzungsmöglichkeiten</a:t>
-            </a:r>
-          </a:p>
-          <a:p>
+              <a:rPr lang="de-DE" b="1" dirty="0" smtClean="0"/>
+              <a:t>Persönliche Beiträge</a:t>
+            </a:r>
             <a:endParaRPr lang="de-CH" dirty="0"/>
           </a:p>
-          <a:p>
-            <a:r>
-              <a:rPr lang="de-CH" dirty="0" err="1" smtClean="0"/>
-              <a:t>Lessons</a:t>
-            </a:r>
-            <a:r>
-              <a:rPr lang="de-CH" dirty="0" smtClean="0"/>
-              <a:t> </a:t>
-            </a:r>
-            <a:r>
-              <a:rPr lang="de-CH" dirty="0" err="1" smtClean="0"/>
-              <a:t>learned</a:t>
-            </a:r>
-            <a:endParaRPr lang="de-CH" dirty="0" smtClean="0"/>
-          </a:p>
-          <a:p>
-            <a:pPr lvl="1"/>
-            <a:r>
-              <a:rPr lang="de-CH" dirty="0" smtClean="0"/>
-              <a:t>Konsumentensicht</a:t>
-            </a:r>
-          </a:p>
-          <a:p>
-            <a:pPr lvl="1"/>
-            <a:r>
-              <a:rPr lang="de-CH" dirty="0" smtClean="0"/>
-              <a:t>Viele Ideen entwickeln</a:t>
-            </a:r>
-          </a:p>
-          <a:p>
-            <a:pPr lvl="1"/>
-            <a:r>
-              <a:rPr lang="de-CH" dirty="0" smtClean="0"/>
-              <a:t>Noch nicht an Umsetzung denken</a:t>
-            </a:r>
-          </a:p>
-        </p:txBody>
-      </p:sp>
-      <p:sp>
-        <p:nvSpPr>
-          <p:cNvPr id="5" name="Titel 4"/>
+        </p:txBody>
+      </p:sp>
+      <p:sp>
+        <p:nvSpPr>
+          <p:cNvPr id="5" name="Textplatzhalter 4"/>
           <p:cNvSpPr>
             <a:spLocks noGrp="1"/>
           </p:cNvSpPr>
           <p:nvPr>
-            <p:ph type="ctrTitle"/>
-          </p:nvPr>
-        </p:nvSpPr>
-        <p:spPr/>
+            <p:ph type="body" idx="1"/>
+          </p:nvPr>
+        </p:nvSpPr>
+        <p:spPr>
+          <a:xfrm>
+            <a:off x="468000" y="990000"/>
+            <a:ext cx="8100000" cy="540000"/>
+          </a:xfrm>
+        </p:spPr>
         <p:txBody>
           <a:bodyPr/>
           <a:lstStyle/>
           <a:p>
-            <a:pPr algn="ctr"/>
             <a:r>
               <a:rPr lang="de-CH" dirty="0" smtClean="0"/>
-              <a:t>Prozess </a:t>
-            </a:r>
-            <a:br>
-              <a:rPr lang="de-CH" dirty="0" smtClean="0"/>
-            </a:br>
-            <a:r>
-              <a:rPr lang="de-CH" sz="2000" dirty="0" smtClean="0"/>
-              <a:t>Storyboard</a:t>
-            </a:r>
-            <a:endParaRPr lang="de-CH" sz="2200" dirty="0"/>
-          </a:p>
-        </p:txBody>
-      </p:sp>
+              <a:t>Mauro - Navigator</a:t>
+            </a:r>
+            <a:endParaRPr lang="de-CH" dirty="0"/>
+          </a:p>
+          <a:p>
+            <a:endParaRPr lang="de-CH" dirty="0"/>
+          </a:p>
+        </p:txBody>
+      </p:sp>
+      <p:pic>
+        <p:nvPicPr>
+          <p:cNvPr id="9" name="Grafik 8"/>
+          <p:cNvPicPr>
+            <a:picLocks noChangeAspect="1"/>
+          </p:cNvPicPr>
+          <p:nvPr/>
+        </p:nvPicPr>
+        <p:blipFill>
+          <a:blip r:embed="rId2">
+            <a:extLst>
+              <a:ext uri="{28A0092B-C50C-407E-A947-70E740481C1C}">
+                <a14:useLocalDpi xmlns:a14="http://schemas.microsoft.com/office/drawing/2010/main" val="0"/>
+              </a:ext>
+            </a:extLst>
+          </a:blip>
+          <a:stretch>
+            <a:fillRect/>
+          </a:stretch>
+        </p:blipFill>
+        <p:spPr>
+          <a:xfrm>
+            <a:off x="468000" y="1530000"/>
+            <a:ext cx="7249537" cy="4810796"/>
+          </a:xfrm>
+          <a:prstGeom prst="rect">
+            <a:avLst/>
+          </a:prstGeom>
+        </p:spPr>
+      </p:pic>
     </p:spTree>
     <p:extLst>
       <p:ext uri="{BB962C8B-B14F-4D97-AF65-F5344CB8AC3E}">
-        <p14:creationId xmlns:p14="http://schemas.microsoft.com/office/powerpoint/2010/main" val="352211297"/>
+        <p14:creationId xmlns:p14="http://schemas.microsoft.com/office/powerpoint/2010/main" val="942917662"/>
       </p:ext>
     </p:extLst>
   </p:cSld>
@@ -9845,12 +9968,12 @@
       </p:grpSpPr>
       <p:sp>
         <p:nvSpPr>
-          <p:cNvPr id="6" name="Inhaltsplatzhalter 5"/>
+          <p:cNvPr id="3" name="Titel 2"/>
           <p:cNvSpPr>
             <a:spLocks noGrp="1"/>
           </p:cNvSpPr>
           <p:nvPr>
-            <p:ph sz="half" idx="1"/>
+            <p:ph type="ctrTitle"/>
           </p:nvPr>
         </p:nvSpPr>
         <p:spPr/>
@@ -9859,126 +9982,121 @@
           <a:lstStyle/>
           <a:p>
             <a:r>
-              <a:rPr lang="de-CH" dirty="0" smtClean="0"/>
-              <a:t>Schwierigkeiten</a:t>
-            </a:r>
-          </a:p>
-          <a:p>
-            <a:pPr lvl="1"/>
-            <a:r>
-              <a:rPr lang="de-CH" dirty="0" smtClean="0"/>
-              <a:t>Viele Einflussfaktoren</a:t>
-            </a:r>
-          </a:p>
-          <a:p>
-            <a:pPr lvl="1"/>
-            <a:r>
-              <a:rPr lang="de-CH" dirty="0" smtClean="0"/>
-              <a:t>Fehlende Erfahrung</a:t>
+              <a:rPr lang="de-DE" b="1" dirty="0" smtClean="0"/>
+              <a:t>Persönliche Beiträge</a:t>
             </a:r>
             <a:endParaRPr lang="de-CH" dirty="0"/>
           </a:p>
-          <a:p>
-            <a:pPr lvl="1"/>
-            <a:endParaRPr lang="de-CH" dirty="0" smtClean="0"/>
-          </a:p>
-          <a:p>
-            <a:r>
-              <a:rPr lang="de-CH" dirty="0" err="1" smtClean="0"/>
-              <a:t>Lessons</a:t>
-            </a:r>
-            <a:r>
-              <a:rPr lang="de-CH" dirty="0" smtClean="0"/>
-              <a:t> </a:t>
-            </a:r>
-            <a:r>
-              <a:rPr lang="de-CH" dirty="0" err="1" smtClean="0"/>
-              <a:t>learned</a:t>
-            </a:r>
-            <a:endParaRPr lang="de-CH" dirty="0" smtClean="0"/>
-          </a:p>
-          <a:p>
-            <a:pPr lvl="1"/>
-            <a:r>
-              <a:rPr lang="de-CH" dirty="0" smtClean="0"/>
-              <a:t>Grundlage des Projekts</a:t>
-            </a:r>
-          </a:p>
-          <a:p>
-            <a:pPr lvl="1"/>
-            <a:r>
-              <a:rPr lang="de-CH" dirty="0" smtClean="0"/>
-              <a:t>Alle Faktoren berücksichtigen</a:t>
-            </a:r>
-          </a:p>
-          <a:p>
-            <a:pPr lvl="2"/>
-            <a:r>
-              <a:rPr lang="de-CH" dirty="0" smtClean="0"/>
-              <a:t>Richtlinien</a:t>
-            </a:r>
-          </a:p>
-          <a:p>
-            <a:pPr lvl="2"/>
-            <a:r>
-              <a:rPr lang="de-CH" dirty="0" smtClean="0"/>
-              <a:t>Kundenanforderungen</a:t>
-            </a:r>
-          </a:p>
-          <a:p>
-            <a:pPr lvl="2"/>
-            <a:r>
-              <a:rPr lang="de-CH" dirty="0" smtClean="0"/>
-              <a:t>…</a:t>
-            </a:r>
-          </a:p>
-          <a:p>
-            <a:pPr lvl="1"/>
-            <a:endParaRPr lang="de-CH" dirty="0"/>
-          </a:p>
-        </p:txBody>
-      </p:sp>
-      <p:sp>
-        <p:nvSpPr>
-          <p:cNvPr id="5" name="Titel 4"/>
+        </p:txBody>
+      </p:sp>
+      <p:sp>
+        <p:nvSpPr>
+          <p:cNvPr id="5" name="Textplatzhalter 4"/>
           <p:cNvSpPr>
             <a:spLocks noGrp="1"/>
           </p:cNvSpPr>
           <p:nvPr>
-            <p:ph type="ctrTitle"/>
-          </p:nvPr>
-        </p:nvSpPr>
-        <p:spPr/>
+            <p:ph type="body" idx="1"/>
+          </p:nvPr>
+        </p:nvSpPr>
+        <p:spPr>
+          <a:xfrm>
+            <a:off x="468000" y="990000"/>
+            <a:ext cx="8100000" cy="540000"/>
+          </a:xfrm>
+        </p:spPr>
         <p:txBody>
           <a:bodyPr/>
           <a:lstStyle/>
           <a:p>
-            <a:pPr algn="ctr"/>
             <a:r>
               <a:rPr lang="de-CH" dirty="0" smtClean="0"/>
-              <a:t>Prozess </a:t>
-            </a:r>
-            <a:br>
-              <a:rPr lang="de-CH" dirty="0" smtClean="0"/>
-            </a:br>
-            <a:r>
-              <a:rPr lang="de-CH" sz="2000" dirty="0" err="1" smtClean="0"/>
-              <a:t>Requirements</a:t>
-            </a:r>
-            <a:endParaRPr lang="de-CH" sz="2200" dirty="0"/>
-          </a:p>
-        </p:txBody>
-      </p:sp>
+              <a:t>Mauro - Navigator</a:t>
+            </a:r>
+            <a:endParaRPr lang="de-CH" dirty="0"/>
+          </a:p>
+          <a:p>
+            <a:endParaRPr lang="de-CH" dirty="0"/>
+          </a:p>
+        </p:txBody>
+      </p:sp>
+      <p:pic>
+        <p:nvPicPr>
+          <p:cNvPr id="7" name="Grafik 6"/>
+          <p:cNvPicPr>
+            <a:picLocks noChangeAspect="1"/>
+          </p:cNvPicPr>
+          <p:nvPr/>
+        </p:nvPicPr>
+        <p:blipFill>
+          <a:blip r:embed="rId3">
+            <a:extLst>
+              <a:ext uri="{28A0092B-C50C-407E-A947-70E740481C1C}">
+                <a14:useLocalDpi xmlns:a14="http://schemas.microsoft.com/office/drawing/2010/main" val="0"/>
+              </a:ext>
+            </a:extLst>
+          </a:blip>
+          <a:stretch>
+            <a:fillRect/>
+          </a:stretch>
+        </p:blipFill>
+        <p:spPr>
+          <a:xfrm>
+            <a:off x="366400" y="2029253"/>
+            <a:ext cx="5792008" cy="4305901"/>
+          </a:xfrm>
+          <a:prstGeom prst="rect">
+            <a:avLst/>
+          </a:prstGeom>
+        </p:spPr>
+      </p:pic>
+      <p:pic>
+        <p:nvPicPr>
+          <p:cNvPr id="8" name="Grafik 7"/>
+          <p:cNvPicPr>
+            <a:picLocks noChangeAspect="1"/>
+          </p:cNvPicPr>
+          <p:nvPr/>
+        </p:nvPicPr>
+        <p:blipFill>
+          <a:blip r:embed="rId4">
+            <a:extLst>
+              <a:ext uri="{28A0092B-C50C-407E-A947-70E740481C1C}">
+                <a14:useLocalDpi xmlns:a14="http://schemas.microsoft.com/office/drawing/2010/main" val="0"/>
+              </a:ext>
+            </a:extLst>
+          </a:blip>
+          <a:stretch>
+            <a:fillRect/>
+          </a:stretch>
+        </p:blipFill>
+        <p:spPr>
+          <a:xfrm>
+            <a:off x="468000" y="1489253"/>
+            <a:ext cx="6134956" cy="485843"/>
+          </a:xfrm>
+          <a:prstGeom prst="rect">
+            <a:avLst/>
+          </a:prstGeom>
+        </p:spPr>
+      </p:pic>
     </p:spTree>
     <p:extLst>
       <p:ext uri="{BB962C8B-B14F-4D97-AF65-F5344CB8AC3E}">
-        <p14:creationId xmlns:p14="http://schemas.microsoft.com/office/powerpoint/2010/main" val="1331511723"/>
+        <p14:creationId xmlns:p14="http://schemas.microsoft.com/office/powerpoint/2010/main" val="2765508802"/>
       </p:ext>
     </p:extLst>
   </p:cSld>
   <p:clrMapOvr>
     <a:masterClrMapping/>
   </p:clrMapOvr>
+  <p:timing>
+    <p:tnLst>
+      <p:par>
+        <p:cTn id="1" dur="indefinite" restart="never" nodeType="tmRoot"/>
+      </p:par>
+    </p:tnLst>
+  </p:timing>
 </p:sld>
 </file>
 
@@ -10023,37 +10141,25 @@
             <a:pPr lvl="1"/>
             <a:r>
               <a:rPr lang="de-CH" dirty="0" smtClean="0"/>
+              <a:t>Viele Unklarheiten Theorie-Praxis</a:t>
+            </a:r>
+          </a:p>
+          <a:p>
+            <a:pPr lvl="1"/>
+            <a:r>
+              <a:rPr lang="de-CH" dirty="0" smtClean="0"/>
               <a:t>Fehlende Erfahrung</a:t>
             </a:r>
           </a:p>
           <a:p>
-            <a:pPr lvl="2"/>
+            <a:pPr lvl="1"/>
             <a:r>
               <a:rPr lang="de-CH" dirty="0" smtClean="0"/>
-              <a:t>Wichtige Punkte vergessen</a:t>
-            </a:r>
-          </a:p>
-          <a:p>
-            <a:pPr lvl="1"/>
-            <a:r>
-              <a:rPr lang="de-CH" dirty="0" smtClean="0"/>
-              <a:t>Überblick behalten</a:t>
-            </a:r>
-          </a:p>
-          <a:p>
-            <a:pPr lvl="1"/>
-            <a:r>
-              <a:rPr lang="de-CH" dirty="0" smtClean="0"/>
-              <a:t>Anbindung an </a:t>
-            </a:r>
-            <a:r>
-              <a:rPr lang="de-CH" dirty="0" err="1" smtClean="0"/>
-              <a:t>Vaadin</a:t>
-            </a:r>
+              <a:t>Keine Vorstellung für Umsetzungsmöglichkeiten</a:t>
+            </a:r>
+          </a:p>
+          <a:p>
             <a:endParaRPr lang="de-CH" dirty="0"/>
-          </a:p>
-          <a:p>
-            <a:endParaRPr lang="de-CH" dirty="0" smtClean="0"/>
           </a:p>
           <a:p>
             <a:r>
@@ -10074,19 +10180,22 @@
             <a:pPr lvl="1"/>
             <a:r>
               <a:rPr lang="de-CH" dirty="0" smtClean="0"/>
-              <a:t>Ressourcen abklären</a:t>
+              <a:t>Konsumentensicht</a:t>
             </a:r>
           </a:p>
           <a:p>
             <a:pPr lvl="1"/>
             <a:r>
               <a:rPr lang="de-CH" dirty="0" smtClean="0"/>
-              <a:t>Externe Frameworks sind gut aber…</a:t>
+              <a:t>Viele Ideen entwickeln</a:t>
             </a:r>
           </a:p>
           <a:p>
             <a:pPr lvl="1"/>
-            <a:endParaRPr lang="de-CH" dirty="0"/>
+            <a:r>
+              <a:rPr lang="de-CH" dirty="0" smtClean="0"/>
+              <a:t>Noch nicht an Umsetzung denken</a:t>
+            </a:r>
           </a:p>
         </p:txBody>
       </p:sp>
@@ -10115,7 +10224,7 @@
             </a:br>
             <a:r>
               <a:rPr lang="de-CH" sz="2000" dirty="0" smtClean="0"/>
-              <a:t>Design</a:t>
+              <a:t>Storyboard</a:t>
             </a:r>
             <a:endParaRPr lang="de-CH" sz="2200" dirty="0"/>
           </a:p>
@@ -10124,13 +10233,20 @@
     </p:spTree>
     <p:extLst>
       <p:ext uri="{BB962C8B-B14F-4D97-AF65-F5344CB8AC3E}">
-        <p14:creationId xmlns:p14="http://schemas.microsoft.com/office/powerpoint/2010/main" val="1305885463"/>
+        <p14:creationId xmlns:p14="http://schemas.microsoft.com/office/powerpoint/2010/main" val="352211297"/>
       </p:ext>
     </p:extLst>
   </p:cSld>
   <p:clrMapOvr>
     <a:masterClrMapping/>
   </p:clrMapOvr>
+  <p:timing>
+    <p:tnLst>
+      <p:par>
+        <p:cTn id="1" dur="indefinite" restart="never" nodeType="tmRoot"/>
+      </p:par>
+    </p:tnLst>
+  </p:timing>
 </p:sld>
 </file>
 
@@ -10175,7 +10291,7 @@
             <a:pPr lvl="1"/>
             <a:r>
               <a:rPr lang="de-CH" dirty="0" smtClean="0"/>
-              <a:t>Arbeitsaufteilung</a:t>
+              <a:t>Viele Einflussfaktoren</a:t>
             </a:r>
           </a:p>
           <a:p>
@@ -10184,23 +10300,10 @@
               <a:rPr lang="de-CH" dirty="0" smtClean="0"/>
               <a:t>Fehlende Erfahrung</a:t>
             </a:r>
+            <a:endParaRPr lang="de-CH" dirty="0"/>
           </a:p>
           <a:p>
             <a:pPr lvl="1"/>
-            <a:r>
-              <a:rPr lang="de-CH" dirty="0" smtClean="0"/>
-              <a:t>Aufwand schätzen</a:t>
-            </a:r>
-          </a:p>
-          <a:p>
-            <a:pPr lvl="1"/>
-            <a:r>
-              <a:rPr lang="de-CH" dirty="0" smtClean="0"/>
-              <a:t>Machbarkeit einschätzen</a:t>
-            </a:r>
-            <a:endParaRPr lang="de-CH" dirty="0"/>
-          </a:p>
-          <a:p>
             <a:endParaRPr lang="de-CH" dirty="0" smtClean="0"/>
           </a:p>
           <a:p>
@@ -10222,25 +10325,35 @@
             <a:pPr lvl="1"/>
             <a:r>
               <a:rPr lang="de-CH" dirty="0" smtClean="0"/>
-              <a:t>Umgang mit Ressourcen</a:t>
+              <a:t>Grundlage des Projekts</a:t>
             </a:r>
           </a:p>
           <a:p>
             <a:pPr lvl="1"/>
             <a:r>
               <a:rPr lang="de-CH" dirty="0" smtClean="0"/>
-              <a:t>Teamarbeit</a:t>
-            </a:r>
-          </a:p>
-          <a:p>
-            <a:pPr lvl="1"/>
-            <a:r>
-              <a:rPr lang="de-CH" dirty="0" err="1" smtClean="0"/>
-              <a:t>Scrum</a:t>
-            </a:r>
+              <a:t>Alle Faktoren berücksichtigen</a:t>
+            </a:r>
+          </a:p>
+          <a:p>
+            <a:pPr lvl="2"/>
             <a:r>
               <a:rPr lang="de-CH" dirty="0" smtClean="0"/>
-              <a:t>-Vorgehensweise</a:t>
+              <a:t>Richtlinien</a:t>
+            </a:r>
+          </a:p>
+          <a:p>
+            <a:pPr lvl="2"/>
+            <a:r>
+              <a:rPr lang="de-CH" dirty="0" smtClean="0"/>
+              <a:t>Kundenanforderungen</a:t>
+            </a:r>
+          </a:p>
+          <a:p>
+            <a:pPr lvl="2"/>
+            <a:r>
+              <a:rPr lang="de-CH" dirty="0" smtClean="0"/>
+              <a:t>…</a:t>
             </a:r>
           </a:p>
           <a:p>
@@ -10273,8 +10386,8 @@
               <a:rPr lang="de-CH" dirty="0" smtClean="0"/>
             </a:br>
             <a:r>
-              <a:rPr lang="de-CH" sz="2000" dirty="0" smtClean="0"/>
-              <a:t>Implementation</a:t>
+              <a:rPr lang="de-CH" sz="2000" dirty="0" err="1" smtClean="0"/>
+              <a:t>Requirements</a:t>
             </a:r>
             <a:endParaRPr lang="de-CH" sz="2200" dirty="0"/>
           </a:p>
@@ -10283,7 +10396,7 @@
     </p:spTree>
     <p:extLst>
       <p:ext uri="{BB962C8B-B14F-4D97-AF65-F5344CB8AC3E}">
-        <p14:creationId xmlns:p14="http://schemas.microsoft.com/office/powerpoint/2010/main" val="2523521946"/>
+        <p14:creationId xmlns:p14="http://schemas.microsoft.com/office/powerpoint/2010/main" val="1331511723"/>
       </p:ext>
     </p:extLst>
   </p:cSld>
@@ -10312,12 +10425,12 @@
       </p:grpSpPr>
       <p:sp>
         <p:nvSpPr>
-          <p:cNvPr id="3" name="Titel 2"/>
+          <p:cNvPr id="6" name="Inhaltsplatzhalter 5"/>
           <p:cNvSpPr>
             <a:spLocks noGrp="1"/>
           </p:cNvSpPr>
           <p:nvPr>
-            <p:ph type="ctrTitle"/>
+            <p:ph sz="half" idx="1"/>
           </p:nvPr>
         </p:nvSpPr>
         <p:spPr/>
@@ -10326,96 +10439,116 @@
           <a:lstStyle/>
           <a:p>
             <a:r>
-              <a:rPr lang="de-DE" b="1" dirty="0" err="1" smtClean="0"/>
-              <a:t>Scrum</a:t>
-            </a:r>
-            <a:r>
-              <a:rPr lang="de-DE" b="1" dirty="0" smtClean="0"/>
-              <a:t> Master</a:t>
+              <a:rPr lang="de-CH" dirty="0" smtClean="0"/>
+              <a:t>Schwierigkeiten</a:t>
+            </a:r>
+          </a:p>
+          <a:p>
+            <a:pPr lvl="1"/>
+            <a:r>
+              <a:rPr lang="de-CH" dirty="0" smtClean="0"/>
+              <a:t>Fehlende Erfahrung</a:t>
+            </a:r>
+          </a:p>
+          <a:p>
+            <a:pPr lvl="2"/>
+            <a:r>
+              <a:rPr lang="de-CH" dirty="0" smtClean="0"/>
+              <a:t>Wichtige Punkte vergessen</a:t>
+            </a:r>
+          </a:p>
+          <a:p>
+            <a:pPr lvl="1"/>
+            <a:r>
+              <a:rPr lang="de-CH" dirty="0" smtClean="0"/>
+              <a:t>Überblick behalten</a:t>
+            </a:r>
+          </a:p>
+          <a:p>
+            <a:pPr lvl="1"/>
+            <a:r>
+              <a:rPr lang="de-CH" dirty="0" smtClean="0"/>
+              <a:t>Anbindung an </a:t>
+            </a:r>
+            <a:r>
+              <a:rPr lang="de-CH" dirty="0" err="1" smtClean="0"/>
+              <a:t>Vaadin</a:t>
             </a:r>
             <a:endParaRPr lang="de-CH" dirty="0"/>
           </a:p>
-        </p:txBody>
-      </p:sp>
-      <p:sp>
-        <p:nvSpPr>
-          <p:cNvPr id="6" name="Inhaltsplatzhalter 5"/>
+          <a:p>
+            <a:endParaRPr lang="de-CH" dirty="0" smtClean="0"/>
+          </a:p>
+          <a:p>
+            <a:r>
+              <a:rPr lang="de-CH" dirty="0" err="1" smtClean="0"/>
+              <a:t>Lessons</a:t>
+            </a:r>
+            <a:r>
+              <a:rPr lang="de-CH" dirty="0" smtClean="0"/>
+              <a:t> </a:t>
+            </a:r>
+            <a:r>
+              <a:rPr lang="de-CH" dirty="0" err="1" smtClean="0"/>
+              <a:t>learned</a:t>
+            </a:r>
+            <a:endParaRPr lang="de-CH" dirty="0" smtClean="0"/>
+          </a:p>
+          <a:p>
+            <a:pPr lvl="1"/>
+            <a:r>
+              <a:rPr lang="de-CH" dirty="0" smtClean="0"/>
+              <a:t>Ressourcen abklären</a:t>
+            </a:r>
+          </a:p>
+          <a:p>
+            <a:pPr lvl="1"/>
+            <a:r>
+              <a:rPr lang="de-CH" dirty="0" smtClean="0"/>
+              <a:t>Externe Frameworks sind gut aber…</a:t>
+            </a:r>
+          </a:p>
+          <a:p>
+            <a:pPr lvl="1"/>
+            <a:endParaRPr lang="de-CH" dirty="0"/>
+          </a:p>
+        </p:txBody>
+      </p:sp>
+      <p:sp>
+        <p:nvSpPr>
+          <p:cNvPr id="5" name="Titel 4"/>
           <p:cNvSpPr>
             <a:spLocks noGrp="1"/>
           </p:cNvSpPr>
           <p:nvPr>
-            <p:ph sz="half" idx="13"/>
-          </p:nvPr>
-        </p:nvSpPr>
-        <p:spPr>
-          <a:xfrm>
-            <a:off x="468000" y="1099750"/>
-            <a:ext cx="8100000" cy="5020249"/>
-          </a:xfrm>
-        </p:spPr>
+            <p:ph type="ctrTitle"/>
+          </p:nvPr>
+        </p:nvSpPr>
+        <p:spPr/>
         <p:txBody>
           <a:bodyPr/>
           <a:lstStyle/>
           <a:p>
-            <a:r>
-              <a:rPr lang="de-CH" dirty="0" err="1" smtClean="0"/>
-              <a:t>Lessons</a:t>
-            </a:r>
+            <a:pPr algn="ctr"/>
             <a:r>
               <a:rPr lang="de-CH" dirty="0" smtClean="0"/>
-              <a:t> </a:t>
-            </a:r>
-            <a:r>
-              <a:rPr lang="de-CH" dirty="0" err="1" smtClean="0"/>
-              <a:t>learned</a:t>
-            </a:r>
-            <a:endParaRPr lang="de-CH" dirty="0" smtClean="0"/>
-          </a:p>
-          <a:p>
-            <a:pPr lvl="1"/>
-            <a:r>
+              <a:t>Prozess </a:t>
+            </a:r>
+            <a:br>
               <a:rPr lang="de-CH" dirty="0" smtClean="0"/>
-              <a:t>Unterschiedliche Fähigkeiten des Teams</a:t>
-            </a:r>
-          </a:p>
-          <a:p>
-            <a:pPr lvl="1"/>
-            <a:r>
-              <a:rPr lang="de-CH" dirty="0" smtClean="0"/>
-              <a:t>Zeitplanung</a:t>
-            </a:r>
-          </a:p>
-          <a:p>
-            <a:pPr lvl="1"/>
-            <a:r>
-              <a:rPr lang="de-CH" dirty="0" smtClean="0"/>
-              <a:t>Fehlende Erfahrung</a:t>
-            </a:r>
-          </a:p>
-          <a:p>
-            <a:pPr lvl="1"/>
-            <a:r>
-              <a:rPr lang="de-CH" dirty="0" smtClean="0"/>
-              <a:t>Prioritäten setzen</a:t>
-            </a:r>
-          </a:p>
-          <a:p>
-            <a:pPr lvl="1"/>
-            <a:r>
-              <a:rPr lang="de-CH" dirty="0" smtClean="0"/>
-              <a:t>Überblick behalten</a:t>
-            </a:r>
-          </a:p>
-          <a:p>
-            <a:pPr lvl="1"/>
-            <a:endParaRPr lang="de-CH" dirty="0" smtClean="0"/>
+            </a:br>
+            <a:r>
+              <a:rPr lang="de-CH" sz="2000" dirty="0" smtClean="0"/>
+              <a:t>Design</a:t>
+            </a:r>
+            <a:endParaRPr lang="de-CH" sz="2200" dirty="0"/>
           </a:p>
         </p:txBody>
       </p:sp>
     </p:spTree>
     <p:extLst>
       <p:ext uri="{BB962C8B-B14F-4D97-AF65-F5344CB8AC3E}">
-        <p14:creationId xmlns:p14="http://schemas.microsoft.com/office/powerpoint/2010/main" val="3305796004"/>
+        <p14:creationId xmlns:p14="http://schemas.microsoft.com/office/powerpoint/2010/main" val="1305885463"/>
       </p:ext>
     </p:extLst>
   </p:cSld>
@@ -10444,12 +10577,12 @@
       </p:grpSpPr>
       <p:sp>
         <p:nvSpPr>
-          <p:cNvPr id="3" name="Titel 2"/>
+          <p:cNvPr id="6" name="Inhaltsplatzhalter 5"/>
           <p:cNvSpPr>
             <a:spLocks noGrp="1"/>
           </p:cNvSpPr>
           <p:nvPr>
-            <p:ph type="ctrTitle"/>
+            <p:ph sz="half" idx="1"/>
           </p:nvPr>
         </p:nvSpPr>
         <p:spPr/>
@@ -10458,135 +10591,123 @@
           <a:lstStyle/>
           <a:p>
             <a:r>
-              <a:rPr lang="de-DE" b="1" dirty="0" err="1" smtClean="0"/>
+              <a:rPr lang="de-CH" dirty="0" smtClean="0"/>
+              <a:t>Schwierigkeiten</a:t>
+            </a:r>
+          </a:p>
+          <a:p>
+            <a:pPr lvl="1"/>
+            <a:r>
+              <a:rPr lang="de-CH" dirty="0" smtClean="0"/>
+              <a:t>Arbeitsaufteilung</a:t>
+            </a:r>
+          </a:p>
+          <a:p>
+            <a:pPr lvl="1"/>
+            <a:r>
+              <a:rPr lang="de-CH" dirty="0" smtClean="0"/>
+              <a:t>Fehlende Erfahrung</a:t>
+            </a:r>
+          </a:p>
+          <a:p>
+            <a:pPr lvl="1"/>
+            <a:r>
+              <a:rPr lang="de-CH" dirty="0" smtClean="0"/>
+              <a:t>Aufwand schätzen</a:t>
+            </a:r>
+          </a:p>
+          <a:p>
+            <a:pPr lvl="1"/>
+            <a:r>
+              <a:rPr lang="de-CH" dirty="0" smtClean="0"/>
+              <a:t>Machbarkeit einschätzen</a:t>
+            </a:r>
+            <a:endParaRPr lang="de-CH" dirty="0"/>
+          </a:p>
+          <a:p>
+            <a:endParaRPr lang="de-CH" dirty="0" smtClean="0"/>
+          </a:p>
+          <a:p>
+            <a:r>
+              <a:rPr lang="de-CH" dirty="0" err="1" smtClean="0"/>
+              <a:t>Lessons</a:t>
+            </a:r>
+            <a:r>
+              <a:rPr lang="de-CH" dirty="0" smtClean="0"/>
+              <a:t> </a:t>
+            </a:r>
+            <a:r>
+              <a:rPr lang="de-CH" dirty="0" err="1" smtClean="0"/>
+              <a:t>learned</a:t>
+            </a:r>
+            <a:endParaRPr lang="de-CH" dirty="0" smtClean="0"/>
+          </a:p>
+          <a:p>
+            <a:pPr lvl="1"/>
+            <a:r>
+              <a:rPr lang="de-CH" dirty="0" smtClean="0"/>
+              <a:t>Umgang mit Ressourcen</a:t>
+            </a:r>
+          </a:p>
+          <a:p>
+            <a:pPr lvl="1"/>
+            <a:r>
+              <a:rPr lang="de-CH" dirty="0" smtClean="0"/>
+              <a:t>Teamarbeit</a:t>
+            </a:r>
+          </a:p>
+          <a:p>
+            <a:pPr lvl="1"/>
+            <a:r>
+              <a:rPr lang="de-CH" dirty="0" err="1" smtClean="0"/>
               <a:t>Scrum</a:t>
             </a:r>
             <a:r>
-              <a:rPr lang="de-DE" b="1" dirty="0" smtClean="0"/>
-              <a:t> Member</a:t>
-            </a:r>
+              <a:rPr lang="de-CH" dirty="0" smtClean="0"/>
+              <a:t>-Vorgehensweise</a:t>
+            </a:r>
+          </a:p>
+          <a:p>
+            <a:pPr lvl="1"/>
             <a:endParaRPr lang="de-CH" dirty="0"/>
           </a:p>
         </p:txBody>
       </p:sp>
       <p:sp>
         <p:nvSpPr>
-          <p:cNvPr id="6" name="Inhaltsplatzhalter 5"/>
+          <p:cNvPr id="5" name="Titel 4"/>
           <p:cNvSpPr>
             <a:spLocks noGrp="1"/>
           </p:cNvSpPr>
           <p:nvPr>
-            <p:ph sz="half" idx="13"/>
-          </p:nvPr>
-        </p:nvSpPr>
-        <p:spPr>
-          <a:xfrm>
-            <a:off x="468000" y="1099750"/>
-            <a:ext cx="8100000" cy="5020249"/>
-          </a:xfrm>
-        </p:spPr>
+            <p:ph type="ctrTitle"/>
+          </p:nvPr>
+        </p:nvSpPr>
+        <p:spPr/>
         <p:txBody>
           <a:bodyPr/>
           <a:lstStyle/>
           <a:p>
-            <a:r>
-              <a:rPr lang="de-CH" dirty="0" err="1" smtClean="0"/>
-              <a:t>Lessons</a:t>
-            </a:r>
+            <a:pPr algn="ctr"/>
             <a:r>
               <a:rPr lang="de-CH" dirty="0" smtClean="0"/>
-              <a:t> </a:t>
-            </a:r>
-            <a:r>
-              <a:rPr lang="de-CH" dirty="0" err="1" smtClean="0"/>
-              <a:t>learned</a:t>
-            </a:r>
-            <a:endParaRPr lang="de-CH" dirty="0" smtClean="0"/>
-          </a:p>
-          <a:p>
-            <a:pPr lvl="1"/>
-            <a:r>
+              <a:t>Prozess </a:t>
+            </a:r>
+            <a:br>
               <a:rPr lang="de-CH" dirty="0" smtClean="0"/>
-              <a:t>Daily </a:t>
-            </a:r>
-            <a:r>
-              <a:rPr lang="de-CH" dirty="0" err="1" smtClean="0"/>
-              <a:t>Scrum</a:t>
-            </a:r>
-            <a:r>
-              <a:rPr lang="de-CH" dirty="0" smtClean="0"/>
-              <a:t> wichtig für</a:t>
-            </a:r>
-          </a:p>
-          <a:p>
-            <a:pPr lvl="2"/>
-            <a:r>
-              <a:rPr lang="de-CH" dirty="0" smtClean="0"/>
-              <a:t>Arbeitsaufteilung</a:t>
-            </a:r>
-          </a:p>
-          <a:p>
-            <a:pPr lvl="2"/>
-            <a:r>
-              <a:rPr lang="de-CH" dirty="0" smtClean="0"/>
-              <a:t>Fortschritt</a:t>
-            </a:r>
-          </a:p>
-          <a:p>
-            <a:pPr lvl="2"/>
-            <a:r>
-              <a:rPr lang="de-CH" dirty="0" smtClean="0"/>
-              <a:t>Lösungssuche</a:t>
-            </a:r>
-          </a:p>
-          <a:p>
-            <a:pPr lvl="1"/>
-            <a:r>
-              <a:rPr lang="de-CH" dirty="0" smtClean="0"/>
-              <a:t>Dokumente </a:t>
-            </a:r>
-            <a:r>
-              <a:rPr lang="de-CH" dirty="0" err="1" smtClean="0"/>
-              <a:t>up</a:t>
-            </a:r>
-            <a:r>
-              <a:rPr lang="de-CH" dirty="0" smtClean="0"/>
-              <a:t> </a:t>
-            </a:r>
-            <a:r>
-              <a:rPr lang="de-CH" dirty="0" err="1" smtClean="0"/>
-              <a:t>to</a:t>
-            </a:r>
-            <a:r>
-              <a:rPr lang="de-CH" dirty="0" smtClean="0"/>
-              <a:t> </a:t>
-            </a:r>
-            <a:r>
-              <a:rPr lang="de-CH" dirty="0" err="1" smtClean="0"/>
-              <a:t>date</a:t>
-            </a:r>
-            <a:r>
-              <a:rPr lang="de-CH" dirty="0" smtClean="0"/>
-              <a:t> halten</a:t>
-            </a:r>
-          </a:p>
-          <a:p>
-            <a:pPr lvl="1"/>
-            <a:r>
-              <a:rPr lang="de-CH" dirty="0" smtClean="0"/>
-              <a:t>Zeitplanung</a:t>
-            </a:r>
-          </a:p>
-          <a:p>
-            <a:pPr lvl="1"/>
-            <a:endParaRPr lang="de-CH" dirty="0"/>
+            </a:br>
+            <a:r>
+              <a:rPr lang="de-CH" sz="2000" dirty="0" smtClean="0"/>
+              <a:t>Implementation</a:t>
+            </a:r>
+            <a:endParaRPr lang="de-CH" sz="2200" dirty="0"/>
           </a:p>
         </p:txBody>
       </p:sp>
     </p:spTree>
     <p:extLst>
       <p:ext uri="{BB962C8B-B14F-4D97-AF65-F5344CB8AC3E}">
-        <p14:creationId xmlns:p14="http://schemas.microsoft.com/office/powerpoint/2010/main" val="611237871"/>
+        <p14:creationId xmlns:p14="http://schemas.microsoft.com/office/powerpoint/2010/main" val="2523521946"/>
       </p:ext>
     </p:extLst>
   </p:cSld>
@@ -10630,47 +10751,11 @@
           <a:p>
             <a:r>
               <a:rPr lang="de-DE" b="1" dirty="0" err="1" smtClean="0"/>
-              <a:t>You</a:t>
+              <a:t>Scrum</a:t>
             </a:r>
             <a:r>
               <a:rPr lang="de-DE" b="1" dirty="0" smtClean="0"/>
-              <a:t>, </a:t>
-            </a:r>
-            <a:r>
-              <a:rPr lang="de-DE" b="1" dirty="0" err="1" smtClean="0"/>
-              <a:t>your</a:t>
-            </a:r>
-            <a:r>
-              <a:rPr lang="de-DE" b="1" dirty="0" smtClean="0"/>
-              <a:t> </a:t>
-            </a:r>
-            <a:r>
-              <a:rPr lang="de-DE" b="1" dirty="0" err="1" smtClean="0"/>
-              <a:t>team</a:t>
-            </a:r>
-            <a:r>
-              <a:rPr lang="de-DE" b="1" dirty="0" smtClean="0"/>
-              <a:t> </a:t>
-            </a:r>
-            <a:r>
-              <a:rPr lang="de-DE" b="1" dirty="0" err="1" smtClean="0"/>
-              <a:t>and</a:t>
-            </a:r>
-            <a:r>
-              <a:rPr lang="de-DE" b="1" dirty="0" smtClean="0"/>
-              <a:t> </a:t>
-            </a:r>
-            <a:r>
-              <a:rPr lang="de-DE" b="1" dirty="0" err="1" smtClean="0"/>
-              <a:t>the</a:t>
-            </a:r>
-            <a:r>
-              <a:rPr lang="de-DE" b="1" dirty="0" smtClean="0"/>
-              <a:t> </a:t>
-            </a:r>
-            <a:r>
-              <a:rPr lang="de-DE" b="1" dirty="0" err="1" smtClean="0"/>
-              <a:t>course</a:t>
+              <a:t> Master</a:t>
             </a:r>
             <a:endParaRPr lang="de-CH" dirty="0"/>
           </a:p>
@@ -10696,71 +10781,65 @@
           <a:bodyPr/>
           <a:lstStyle/>
           <a:p>
+            <a:r>
+              <a:rPr lang="de-CH" dirty="0" err="1" smtClean="0"/>
+              <a:t>Lessons</a:t>
+            </a:r>
+            <a:r>
+              <a:rPr lang="de-CH" dirty="0" smtClean="0"/>
+              <a:t> </a:t>
+            </a:r>
+            <a:r>
+              <a:rPr lang="de-CH" dirty="0" err="1" smtClean="0"/>
+              <a:t>learned</a:t>
+            </a:r>
+            <a:endParaRPr lang="de-CH" dirty="0" smtClean="0"/>
+          </a:p>
+          <a:p>
             <a:pPr lvl="1"/>
             <a:r>
-              <a:rPr lang="de-CH" dirty="0"/>
-              <a:t>Eigenverantwortung </a:t>
-            </a:r>
-            <a:r>
               <a:rPr lang="de-CH" dirty="0" smtClean="0"/>
-              <a:t>für das gesamte Projekt</a:t>
+              <a:t>Unterschiedliche Fähigkeiten des Teams</a:t>
             </a:r>
           </a:p>
           <a:p>
             <a:pPr lvl="1"/>
             <a:r>
               <a:rPr lang="de-CH" dirty="0" smtClean="0"/>
-              <a:t>Unbekanntes Framework</a:t>
+              <a:t>Zeitplanung</a:t>
             </a:r>
           </a:p>
           <a:p>
             <a:pPr lvl="1"/>
             <a:r>
               <a:rPr lang="de-CH" dirty="0" smtClean="0"/>
-              <a:t>Umsetzung Theorie – Praxis</a:t>
-            </a:r>
-          </a:p>
-          <a:p>
-            <a:pPr lvl="2"/>
+              <a:t>Fehlende Erfahrung</a:t>
+            </a:r>
+          </a:p>
+          <a:p>
+            <a:pPr lvl="1"/>
             <a:r>
               <a:rPr lang="de-CH" dirty="0" smtClean="0"/>
-              <a:t>Klassendiagram</a:t>
-            </a:r>
-          </a:p>
-          <a:p>
-            <a:pPr lvl="2"/>
+              <a:t>Prioritäten setzen</a:t>
+            </a:r>
+          </a:p>
+          <a:p>
+            <a:pPr lvl="1"/>
             <a:r>
               <a:rPr lang="de-CH" dirty="0" smtClean="0"/>
-              <a:t>Medikamentenübersicht</a:t>
+              <a:t>Überblick behalten</a:t>
             </a:r>
           </a:p>
           <a:p>
             <a:pPr lvl="1"/>
-            <a:r>
-              <a:rPr lang="de-CH" dirty="0" smtClean="0"/>
-              <a:t>Semesterplanung</a:t>
-            </a:r>
-          </a:p>
-          <a:p>
-            <a:pPr lvl="2"/>
-            <a:r>
-              <a:rPr lang="de-CH" dirty="0" smtClean="0"/>
-              <a:t>Aufteilung Theorie – Projektarbeit</a:t>
-            </a:r>
-          </a:p>
-          <a:p>
-            <a:pPr lvl="1"/>
-            <a:r>
-              <a:rPr lang="de-CH" dirty="0" smtClean="0"/>
-              <a:t>Teamarbeit schwierig wenn Personen abwesend</a:t>
-            </a:r>
+            <a:endParaRPr lang="de-CH" dirty="0" smtClean="0"/>
           </a:p>
         </p:txBody>
       </p:sp>
     </p:spTree>
     <p:extLst>
       <p:ext uri="{BB962C8B-B14F-4D97-AF65-F5344CB8AC3E}">
-        <p14:creationId xmlns:p14="http://schemas.microsoft.com/office/powerpoint/2010/main" val="3438071427"/>
+        <p14:creationId xmlns:p14="http://schemas.microsoft.com/office/powerpoint/2010/main" val="3305796004"/>
       </p:ext>
     </p:extLst>
   </p:cSld>
@@ -11052,6 +11131,351 @@
 </file>
 
 <file path=ppt/slides/slide20.xml><?xml version="1.0" encoding="utf-8"?>
+<p:sld xmlns:a="http://schemas.openxmlformats.org/drawingml/2006/main" xmlns:r="http://schemas.openxmlformats.org/officeDocument/2006/relationships" xmlns:p="http://schemas.openxmlformats.org/presentationml/2006/main">
+  <p:cSld>
+    <p:spTree>
+      <p:nvGrpSpPr>
+        <p:cNvPr id="1" name=""/>
+        <p:cNvGrpSpPr/>
+        <p:nvPr/>
+      </p:nvGrpSpPr>
+      <p:grpSpPr>
+        <a:xfrm>
+          <a:off x="0" y="0"/>
+          <a:ext cx="0" cy="0"/>
+          <a:chOff x="0" y="0"/>
+          <a:chExt cx="0" cy="0"/>
+        </a:xfrm>
+      </p:grpSpPr>
+      <p:sp>
+        <p:nvSpPr>
+          <p:cNvPr id="3" name="Titel 2"/>
+          <p:cNvSpPr>
+            <a:spLocks noGrp="1"/>
+          </p:cNvSpPr>
+          <p:nvPr>
+            <p:ph type="ctrTitle"/>
+          </p:nvPr>
+        </p:nvSpPr>
+        <p:spPr/>
+        <p:txBody>
+          <a:bodyPr/>
+          <a:lstStyle/>
+          <a:p>
+            <a:r>
+              <a:rPr lang="de-DE" b="1" dirty="0" err="1" smtClean="0"/>
+              <a:t>Scrum</a:t>
+            </a:r>
+            <a:r>
+              <a:rPr lang="de-DE" b="1" dirty="0" smtClean="0"/>
+              <a:t> Member</a:t>
+            </a:r>
+            <a:endParaRPr lang="de-CH" dirty="0"/>
+          </a:p>
+        </p:txBody>
+      </p:sp>
+      <p:sp>
+        <p:nvSpPr>
+          <p:cNvPr id="6" name="Inhaltsplatzhalter 5"/>
+          <p:cNvSpPr>
+            <a:spLocks noGrp="1"/>
+          </p:cNvSpPr>
+          <p:nvPr>
+            <p:ph sz="half" idx="13"/>
+          </p:nvPr>
+        </p:nvSpPr>
+        <p:spPr>
+          <a:xfrm>
+            <a:off x="468000" y="1099750"/>
+            <a:ext cx="8100000" cy="5020249"/>
+          </a:xfrm>
+        </p:spPr>
+        <p:txBody>
+          <a:bodyPr/>
+          <a:lstStyle/>
+          <a:p>
+            <a:r>
+              <a:rPr lang="de-CH" dirty="0" err="1" smtClean="0"/>
+              <a:t>Lessons</a:t>
+            </a:r>
+            <a:r>
+              <a:rPr lang="de-CH" dirty="0" smtClean="0"/>
+              <a:t> </a:t>
+            </a:r>
+            <a:r>
+              <a:rPr lang="de-CH" dirty="0" err="1" smtClean="0"/>
+              <a:t>learned</a:t>
+            </a:r>
+            <a:endParaRPr lang="de-CH" dirty="0" smtClean="0"/>
+          </a:p>
+          <a:p>
+            <a:pPr lvl="1"/>
+            <a:r>
+              <a:rPr lang="de-CH" dirty="0" smtClean="0"/>
+              <a:t>Daily </a:t>
+            </a:r>
+            <a:r>
+              <a:rPr lang="de-CH" dirty="0" err="1" smtClean="0"/>
+              <a:t>Scrum</a:t>
+            </a:r>
+            <a:r>
+              <a:rPr lang="de-CH" dirty="0" smtClean="0"/>
+              <a:t> wichtig für</a:t>
+            </a:r>
+          </a:p>
+          <a:p>
+            <a:pPr lvl="2"/>
+            <a:r>
+              <a:rPr lang="de-CH" dirty="0" smtClean="0"/>
+              <a:t>Arbeitsaufteilung</a:t>
+            </a:r>
+          </a:p>
+          <a:p>
+            <a:pPr lvl="2"/>
+            <a:r>
+              <a:rPr lang="de-CH" dirty="0" smtClean="0"/>
+              <a:t>Fortschritt</a:t>
+            </a:r>
+          </a:p>
+          <a:p>
+            <a:pPr lvl="2"/>
+            <a:r>
+              <a:rPr lang="de-CH" dirty="0" smtClean="0"/>
+              <a:t>Lösungssuche</a:t>
+            </a:r>
+          </a:p>
+          <a:p>
+            <a:pPr lvl="1"/>
+            <a:r>
+              <a:rPr lang="de-CH" dirty="0" smtClean="0"/>
+              <a:t>Dokumente </a:t>
+            </a:r>
+            <a:r>
+              <a:rPr lang="de-CH" dirty="0" err="1" smtClean="0"/>
+              <a:t>up</a:t>
+            </a:r>
+            <a:r>
+              <a:rPr lang="de-CH" dirty="0" smtClean="0"/>
+              <a:t> </a:t>
+            </a:r>
+            <a:r>
+              <a:rPr lang="de-CH" dirty="0" err="1" smtClean="0"/>
+              <a:t>to</a:t>
+            </a:r>
+            <a:r>
+              <a:rPr lang="de-CH" dirty="0" smtClean="0"/>
+              <a:t> </a:t>
+            </a:r>
+            <a:r>
+              <a:rPr lang="de-CH" dirty="0" err="1" smtClean="0"/>
+              <a:t>date</a:t>
+            </a:r>
+            <a:r>
+              <a:rPr lang="de-CH" dirty="0" smtClean="0"/>
+              <a:t> halten</a:t>
+            </a:r>
+          </a:p>
+          <a:p>
+            <a:pPr lvl="1"/>
+            <a:r>
+              <a:rPr lang="de-CH" dirty="0" smtClean="0"/>
+              <a:t>Zeitplanung</a:t>
+            </a:r>
+          </a:p>
+          <a:p>
+            <a:pPr lvl="1"/>
+            <a:endParaRPr lang="de-CH" dirty="0"/>
+          </a:p>
+        </p:txBody>
+      </p:sp>
+    </p:spTree>
+    <p:extLst>
+      <p:ext uri="{BB962C8B-B14F-4D97-AF65-F5344CB8AC3E}">
+        <p14:creationId xmlns:p14="http://schemas.microsoft.com/office/powerpoint/2010/main" val="611237871"/>
+      </p:ext>
+    </p:extLst>
+  </p:cSld>
+  <p:clrMapOvr>
+    <a:masterClrMapping/>
+  </p:clrMapOvr>
+</p:sld>
+</file>
+
+<file path=ppt/slides/slide21.xml><?xml version="1.0" encoding="utf-8"?>
+<p:sld xmlns:a="http://schemas.openxmlformats.org/drawingml/2006/main" xmlns:r="http://schemas.openxmlformats.org/officeDocument/2006/relationships" xmlns:p="http://schemas.openxmlformats.org/presentationml/2006/main">
+  <p:cSld>
+    <p:spTree>
+      <p:nvGrpSpPr>
+        <p:cNvPr id="1" name=""/>
+        <p:cNvGrpSpPr/>
+        <p:nvPr/>
+      </p:nvGrpSpPr>
+      <p:grpSpPr>
+        <a:xfrm>
+          <a:off x="0" y="0"/>
+          <a:ext cx="0" cy="0"/>
+          <a:chOff x="0" y="0"/>
+          <a:chExt cx="0" cy="0"/>
+        </a:xfrm>
+      </p:grpSpPr>
+      <p:sp>
+        <p:nvSpPr>
+          <p:cNvPr id="3" name="Titel 2"/>
+          <p:cNvSpPr>
+            <a:spLocks noGrp="1"/>
+          </p:cNvSpPr>
+          <p:nvPr>
+            <p:ph type="ctrTitle"/>
+          </p:nvPr>
+        </p:nvSpPr>
+        <p:spPr/>
+        <p:txBody>
+          <a:bodyPr/>
+          <a:lstStyle/>
+          <a:p>
+            <a:r>
+              <a:rPr lang="de-DE" b="1" dirty="0" err="1" smtClean="0"/>
+              <a:t>You</a:t>
+            </a:r>
+            <a:r>
+              <a:rPr lang="de-DE" b="1" dirty="0" smtClean="0"/>
+              <a:t>, </a:t>
+            </a:r>
+            <a:r>
+              <a:rPr lang="de-DE" b="1" dirty="0" err="1" smtClean="0"/>
+              <a:t>your</a:t>
+            </a:r>
+            <a:r>
+              <a:rPr lang="de-DE" b="1" dirty="0" smtClean="0"/>
+              <a:t> </a:t>
+            </a:r>
+            <a:r>
+              <a:rPr lang="de-DE" b="1" dirty="0" err="1" smtClean="0"/>
+              <a:t>team</a:t>
+            </a:r>
+            <a:r>
+              <a:rPr lang="de-DE" b="1" dirty="0" smtClean="0"/>
+              <a:t> </a:t>
+            </a:r>
+            <a:r>
+              <a:rPr lang="de-DE" b="1" dirty="0" err="1" smtClean="0"/>
+              <a:t>and</a:t>
+            </a:r>
+            <a:r>
+              <a:rPr lang="de-DE" b="1" dirty="0" smtClean="0"/>
+              <a:t> </a:t>
+            </a:r>
+            <a:r>
+              <a:rPr lang="de-DE" b="1" dirty="0" err="1" smtClean="0"/>
+              <a:t>the</a:t>
+            </a:r>
+            <a:r>
+              <a:rPr lang="de-DE" b="1" dirty="0" smtClean="0"/>
+              <a:t> </a:t>
+            </a:r>
+            <a:r>
+              <a:rPr lang="de-DE" b="1" dirty="0" err="1" smtClean="0"/>
+              <a:t>course</a:t>
+            </a:r>
+            <a:endParaRPr lang="de-CH" dirty="0"/>
+          </a:p>
+        </p:txBody>
+      </p:sp>
+      <p:sp>
+        <p:nvSpPr>
+          <p:cNvPr id="6" name="Inhaltsplatzhalter 5"/>
+          <p:cNvSpPr>
+            <a:spLocks noGrp="1"/>
+          </p:cNvSpPr>
+          <p:nvPr>
+            <p:ph sz="half" idx="13"/>
+          </p:nvPr>
+        </p:nvSpPr>
+        <p:spPr>
+          <a:xfrm>
+            <a:off x="468000" y="1099750"/>
+            <a:ext cx="8100000" cy="5020249"/>
+          </a:xfrm>
+        </p:spPr>
+        <p:txBody>
+          <a:bodyPr/>
+          <a:lstStyle/>
+          <a:p>
+            <a:pPr lvl="1"/>
+            <a:r>
+              <a:rPr lang="de-CH" dirty="0"/>
+              <a:t>Eigenverantwortung </a:t>
+            </a:r>
+            <a:r>
+              <a:rPr lang="de-CH" dirty="0" smtClean="0"/>
+              <a:t>für das gesamte Projekt</a:t>
+            </a:r>
+          </a:p>
+          <a:p>
+            <a:pPr lvl="1"/>
+            <a:r>
+              <a:rPr lang="de-CH" dirty="0" smtClean="0"/>
+              <a:t>Unbekanntes Framework</a:t>
+            </a:r>
+          </a:p>
+          <a:p>
+            <a:pPr lvl="1"/>
+            <a:r>
+              <a:rPr lang="de-CH" dirty="0" smtClean="0"/>
+              <a:t>Umsetzung Theorie – Praxis</a:t>
+            </a:r>
+          </a:p>
+          <a:p>
+            <a:pPr lvl="2"/>
+            <a:r>
+              <a:rPr lang="de-CH" dirty="0" smtClean="0"/>
+              <a:t>Klassendiagram</a:t>
+            </a:r>
+          </a:p>
+          <a:p>
+            <a:pPr lvl="2"/>
+            <a:r>
+              <a:rPr lang="de-CH" dirty="0" smtClean="0"/>
+              <a:t>Medikamentenübersicht</a:t>
+            </a:r>
+          </a:p>
+          <a:p>
+            <a:pPr lvl="1"/>
+            <a:r>
+              <a:rPr lang="de-CH" dirty="0" smtClean="0"/>
+              <a:t>Semesterplanung</a:t>
+            </a:r>
+          </a:p>
+          <a:p>
+            <a:pPr lvl="2"/>
+            <a:r>
+              <a:rPr lang="de-CH" dirty="0" smtClean="0"/>
+              <a:t>Aufteilung Theorie – Projektarbeit</a:t>
+            </a:r>
+          </a:p>
+          <a:p>
+            <a:pPr lvl="1"/>
+            <a:r>
+              <a:rPr lang="de-CH" dirty="0" smtClean="0"/>
+              <a:t>Teamarbeit schwierig wenn Personen abwesend</a:t>
+            </a:r>
+          </a:p>
+        </p:txBody>
+      </p:sp>
+    </p:spTree>
+    <p:extLst>
+      <p:ext uri="{BB962C8B-B14F-4D97-AF65-F5344CB8AC3E}">
+        <p14:creationId xmlns:p14="http://schemas.microsoft.com/office/powerpoint/2010/main" val="3438071427"/>
+      </p:ext>
+    </p:extLst>
+  </p:cSld>
+  <p:clrMapOvr>
+    <a:masterClrMapping/>
+  </p:clrMapOvr>
+</p:sld>
+</file>
+
+<file path=ppt/slides/slide22.xml><?xml version="1.0" encoding="utf-8"?>
 <p:sld xmlns:a="http://schemas.openxmlformats.org/drawingml/2006/main" xmlns:r="http://schemas.openxmlformats.org/officeDocument/2006/relationships" xmlns:p="http://schemas.openxmlformats.org/presentationml/2006/main">
   <p:cSld>
     <p:spTree>
@@ -13332,11 +13756,12 @@
 </file>
 
 <file path=customXml/item1.xml><?xml version="1.0" encoding="utf-8"?>
-<p:properties xmlns:p="http://schemas.microsoft.com/office/2006/metadata/properties" xmlns:xsi="http://www.w3.org/2001/XMLSchema-instance">
-  <documentManagement>
-    <AVMTitle xmlns="5091c847-84be-4f4f-b16c-c018ad2ca66b">Präsentation BFH_2013</AVMTitle>
-  </documentManagement>
-</p:properties>
+<?mso-contentType ?>
+<FormTemplates xmlns="http://schemas.microsoft.com/sharepoint/v3/contenttype/forms">
+  <Display>DocumentLibraryForm</Display>
+  <Edit>DocumentLibraryForm</Edit>
+  <New>DocumentLibraryForm</New>
+</FormTemplates>
 </file>
 
 <file path=customXml/item2.xml><?xml version="1.0" encoding="utf-8"?>
@@ -13400,25 +13825,17 @@
 </file>
 
 <file path=customXml/item3.xml><?xml version="1.0" encoding="utf-8"?>
-<?mso-contentType ?>
-<FormTemplates xmlns="http://schemas.microsoft.com/sharepoint/v3/contenttype/forms">
-  <Display>DocumentLibraryForm</Display>
-  <Edit>DocumentLibraryForm</Edit>
-  <New>DocumentLibraryForm</New>
-</FormTemplates>
+<p:properties xmlns:p="http://schemas.microsoft.com/office/2006/metadata/properties" xmlns:xsi="http://www.w3.org/2001/XMLSchema-instance">
+  <documentManagement>
+    <AVMTitle xmlns="5091c847-84be-4f4f-b16c-c018ad2ca66b">Präsentation BFH_2013</AVMTitle>
+  </documentManagement>
+</p:properties>
 </file>
 
 <file path=customXml/itemProps1.xml><?xml version="1.0" encoding="utf-8"?>
-<ds:datastoreItem xmlns:ds="http://schemas.openxmlformats.org/officeDocument/2006/customXml" ds:itemID="{32991507-CB83-4F49-BAFB-D322B1D04098}">
+<ds:datastoreItem xmlns:ds="http://schemas.openxmlformats.org/officeDocument/2006/customXml" ds:itemID="{1851D33F-E468-417B-A30C-509B68D2BD09}">
   <ds:schemaRefs>
-    <ds:schemaRef ds:uri="http://purl.org/dc/terms/"/>
-    <ds:schemaRef ds:uri="http://purl.org/dc/elements/1.1/"/>
-    <ds:schemaRef ds:uri="http://www.w3.org/XML/1998/namespace"/>
-    <ds:schemaRef ds:uri="http://schemas.microsoft.com/office/2006/documentManagement/types"/>
-    <ds:schemaRef ds:uri="http://schemas.openxmlformats.org/package/2006/metadata/core-properties"/>
-    <ds:schemaRef ds:uri="5091c847-84be-4f4f-b16c-c018ad2ca66b"/>
-    <ds:schemaRef ds:uri="http://schemas.microsoft.com/office/2006/metadata/properties"/>
-    <ds:schemaRef ds:uri="http://purl.org/dc/dcmitype/"/>
+    <ds:schemaRef ds:uri="http://schemas.microsoft.com/sharepoint/v3/contenttype/forms"/>
   </ds:schemaRefs>
 </ds:datastoreItem>
 </file>
@@ -13441,9 +13858,16 @@
 </file>
 
 <file path=customXml/itemProps3.xml><?xml version="1.0" encoding="utf-8"?>
-<ds:datastoreItem xmlns:ds="http://schemas.openxmlformats.org/officeDocument/2006/customXml" ds:itemID="{1851D33F-E468-417B-A30C-509B68D2BD09}">
+<ds:datastoreItem xmlns:ds="http://schemas.openxmlformats.org/officeDocument/2006/customXml" ds:itemID="{32991507-CB83-4F49-BAFB-D322B1D04098}">
   <ds:schemaRefs>
-    <ds:schemaRef ds:uri="http://schemas.microsoft.com/sharepoint/v3/contenttype/forms"/>
+    <ds:schemaRef ds:uri="http://purl.org/dc/terms/"/>
+    <ds:schemaRef ds:uri="http://purl.org/dc/elements/1.1/"/>
+    <ds:schemaRef ds:uri="http://www.w3.org/XML/1998/namespace"/>
+    <ds:schemaRef ds:uri="http://schemas.microsoft.com/office/2006/documentManagement/types"/>
+    <ds:schemaRef ds:uri="http://schemas.openxmlformats.org/package/2006/metadata/core-properties"/>
+    <ds:schemaRef ds:uri="5091c847-84be-4f4f-b16c-c018ad2ca66b"/>
+    <ds:schemaRef ds:uri="http://schemas.microsoft.com/office/2006/metadata/properties"/>
+    <ds:schemaRef ds:uri="http://purl.org/dc/dcmitype/"/>
   </ds:schemaRefs>
 </ds:datastoreItem>
 </file>
--- a/doc/Task14/task14_presentation Schlurp.pptx
+++ b/doc/Task14/task14_presentation Schlurp.pptx
@@ -276,7 +276,7 @@
           <a:p>
             <a:fld id="{EFA0D184-D464-48E9-9CA0-A94E873F6C2C}" type="datetimeFigureOut">
               <a:rPr lang="de-CH" smtClean="0"/>
-              <a:t>20.01.2016</a:t>
+              <a:t>21.01.2016</a:t>
             </a:fld>
             <a:endParaRPr lang="de-CH"/>
           </a:p>
@@ -441,7 +441,7 @@
           <a:p>
             <a:fld id="{5AF2B663-2BA9-4D7E-8201-5DE4109E1EDD}" type="datetimeFigureOut">
               <a:rPr lang="de-CH" smtClean="0"/>
-              <a:t>20.01.2016</a:t>
+              <a:t>21.01.2016</a:t>
             </a:fld>
             <a:endParaRPr lang="de-CH"/>
           </a:p>
@@ -9740,11 +9740,72 @@
           <a:p>
             <a:r>
               <a:rPr lang="de-CH" dirty="0"/>
-              <a:t>Remove </a:t>
-            </a:r>
+              <a:t>Navigator um Views zu wechseln</a:t>
+            </a:r>
+          </a:p>
+          <a:p>
+            <a:pPr lvl="1"/>
+            <a:r>
+              <a:rPr lang="de-CH" dirty="0"/>
+              <a:t>Weiterleiten des Logins</a:t>
+            </a:r>
+          </a:p>
+          <a:p>
+            <a:r>
+              <a:rPr lang="de-CH" dirty="0"/>
+              <a:t>Grundkonzept Views</a:t>
+            </a:r>
+          </a:p>
+          <a:p>
+            <a:r>
+              <a:rPr lang="de-CH" dirty="0"/>
+              <a:t>UI </a:t>
+            </a:r>
+            <a:r>
+              <a:rPr lang="de-CH"/>
+              <a:t>Element </a:t>
+            </a:r>
+            <a:endParaRPr lang="de-CH" dirty="0"/>
+          </a:p>
+          <a:p>
             <a:r>
               <a:rPr lang="de-CH" dirty="0" err="1"/>
-              <a:t>function</a:t>
+              <a:t>MedicamentManager</a:t>
+            </a:r>
+            <a:endParaRPr lang="de-CH" dirty="0"/>
+          </a:p>
+          <a:p>
+            <a:r>
+              <a:rPr lang="de-CH" dirty="0" err="1"/>
+              <a:t>UserManager</a:t>
+            </a:r>
+            <a:endParaRPr lang="de-CH" dirty="0"/>
+          </a:p>
+          <a:p>
+            <a:r>
+              <a:rPr lang="de-CH" dirty="0" err="1"/>
+              <a:t>StatePattern</a:t>
+            </a:r>
+            <a:endParaRPr lang="de-CH" dirty="0"/>
+          </a:p>
+          <a:p>
+            <a:pPr lvl="1"/>
+            <a:r>
+              <a:rPr lang="de-CH" dirty="0"/>
+              <a:t>GUI</a:t>
+            </a:r>
+          </a:p>
+          <a:p>
+            <a:pPr lvl="1"/>
+            <a:r>
+              <a:rPr lang="de-CH" dirty="0"/>
+              <a:t>Funktionalität</a:t>
+            </a:r>
+          </a:p>
+          <a:p>
+            <a:r>
+              <a:rPr lang="de-CH" dirty="0" err="1"/>
+              <a:t>DailyView</a:t>
             </a:r>
             <a:r>
               <a:rPr lang="de-CH" dirty="0"/>
@@ -9752,58 +9813,8 @@
             </a:r>
             <a:r>
               <a:rPr lang="de-CH" dirty="0" err="1"/>
-              <a:t>for</a:t>
-            </a:r>
-            <a:r>
-              <a:rPr lang="de-CH" dirty="0"/>
-              <a:t> GUI </a:t>
-            </a:r>
-            <a:r>
-              <a:rPr lang="de-CH" dirty="0" err="1"/>
-              <a:t>MedicationListView</a:t>
-            </a:r>
-            <a:endParaRPr lang="de-CH" dirty="0"/>
-          </a:p>
-          <a:p>
-            <a:r>
-              <a:rPr lang="de-CH" dirty="0"/>
-              <a:t>Medicament.java</a:t>
-            </a:r>
-          </a:p>
-          <a:p>
-            <a:r>
-              <a:rPr lang="de-CH" dirty="0"/>
-              <a:t>Person.java</a:t>
-            </a:r>
-          </a:p>
-          <a:p>
-            <a:pPr lvl="1"/>
-            <a:r>
-              <a:rPr lang="de-CH" dirty="0"/>
-              <a:t>Patient.java</a:t>
-            </a:r>
-          </a:p>
-          <a:p>
-            <a:pPr lvl="1"/>
-            <a:r>
-              <a:rPr lang="de-CH" dirty="0"/>
-              <a:t>FamilyMember.java</a:t>
-            </a:r>
-          </a:p>
-          <a:p>
-            <a:pPr lvl="1"/>
-            <a:r>
-              <a:rPr lang="de-CH" dirty="0"/>
-              <a:t>Doctor.java</a:t>
-            </a:r>
-          </a:p>
-          <a:p>
-            <a:r>
-              <a:rPr lang="de-CH" dirty="0"/>
-              <a:t>Random GIF-Button</a:t>
-            </a:r>
-          </a:p>
-          <a:p>
+              <a:t>Medicaments</a:t>
+            </a:r>
             <a:endParaRPr lang="de-CH" dirty="0"/>
           </a:p>
         </p:txBody>
@@ -13765,6 +13776,14 @@
 </file>
 
 <file path=customXml/item2.xml><?xml version="1.0" encoding="utf-8"?>
+<p:properties xmlns:p="http://schemas.microsoft.com/office/2006/metadata/properties" xmlns:xsi="http://www.w3.org/2001/XMLSchema-instance">
+  <documentManagement>
+    <AVMTitle xmlns="5091c847-84be-4f4f-b16c-c018ad2ca66b">Präsentation BFH_2013</AVMTitle>
+  </documentManagement>
+</p:properties>
+</file>
+
+<file path=customXml/item3.xml><?xml version="1.0" encoding="utf-8"?>
 <ct:contentTypeSchema xmlns:ct="http://schemas.microsoft.com/office/2006/metadata/contentType" xmlns:ma="http://schemas.microsoft.com/office/2006/metadata/properties/metaAttributes" ct:_="" ma:_="" ma:contentTypeName="Dokument" ma:contentTypeID="0x010100EBE3A9EFF36793468C03E2811ACE2A2B" ma:contentTypeVersion="1" ma:contentTypeDescription="Ein neues Dokument erstellen." ma:contentTypeScope="" ma:versionID="e65be32cb1bfff77fc8c9c09bf542651">
   <xsd:schema xmlns:xsd="http://www.w3.org/2001/XMLSchema" xmlns:p="http://schemas.microsoft.com/office/2006/metadata/properties" xmlns:ns2="5091c847-84be-4f4f-b16c-c018ad2ca66b" targetNamespace="http://schemas.microsoft.com/office/2006/metadata/properties" ma:root="true" ma:fieldsID="7636c84aed5b7d09a166fcef888725d4" ns2:_="">
     <xsd:import namespace="5091c847-84be-4f4f-b16c-c018ad2ca66b"/>
@@ -13824,14 +13843,6 @@
 </ct:contentTypeSchema>
 </file>
 
-<file path=customXml/item3.xml><?xml version="1.0" encoding="utf-8"?>
-<p:properties xmlns:p="http://schemas.microsoft.com/office/2006/metadata/properties" xmlns:xsi="http://www.w3.org/2001/XMLSchema-instance">
-  <documentManagement>
-    <AVMTitle xmlns="5091c847-84be-4f4f-b16c-c018ad2ca66b">Präsentation BFH_2013</AVMTitle>
-  </documentManagement>
-</p:properties>
-</file>
-
 <file path=customXml/itemProps1.xml><?xml version="1.0" encoding="utf-8"?>
 <ds:datastoreItem xmlns:ds="http://schemas.openxmlformats.org/officeDocument/2006/customXml" ds:itemID="{1851D33F-E468-417B-A30C-509B68D2BD09}">
   <ds:schemaRefs>
@@ -13841,6 +13852,21 @@
 </file>
 
 <file path=customXml/itemProps2.xml><?xml version="1.0" encoding="utf-8"?>
+<ds:datastoreItem xmlns:ds="http://schemas.openxmlformats.org/officeDocument/2006/customXml" ds:itemID="{32991507-CB83-4F49-BAFB-D322B1D04098}">
+  <ds:schemaRefs>
+    <ds:schemaRef ds:uri="http://purl.org/dc/terms/"/>
+    <ds:schemaRef ds:uri="http://purl.org/dc/elements/1.1/"/>
+    <ds:schemaRef ds:uri="http://www.w3.org/XML/1998/namespace"/>
+    <ds:schemaRef ds:uri="http://schemas.microsoft.com/office/2006/documentManagement/types"/>
+    <ds:schemaRef ds:uri="http://schemas.openxmlformats.org/package/2006/metadata/core-properties"/>
+    <ds:schemaRef ds:uri="5091c847-84be-4f4f-b16c-c018ad2ca66b"/>
+    <ds:schemaRef ds:uri="http://schemas.microsoft.com/office/2006/metadata/properties"/>
+    <ds:schemaRef ds:uri="http://purl.org/dc/dcmitype/"/>
+  </ds:schemaRefs>
+</ds:datastoreItem>
+</file>
+
+<file path=customXml/itemProps3.xml><?xml version="1.0" encoding="utf-8"?>
 <ds:datastoreItem xmlns:ds="http://schemas.openxmlformats.org/officeDocument/2006/customXml" ds:itemID="{15287BEA-F3FF-4B87-929B-5D0092183197}">
   <ds:schemaRefs>
     <ds:schemaRef ds:uri="http://schemas.microsoft.com/office/2006/metadata/contentType"/>
@@ -13855,19 +13881,4 @@
     <ds:schemaRef ds:uri="http://schemas.microsoft.com/office/internal/2005/internalDocumentation"/>
   </ds:schemaRefs>
 </ds:datastoreItem>
-</file>
-
-<file path=customXml/itemProps3.xml><?xml version="1.0" encoding="utf-8"?>
-<ds:datastoreItem xmlns:ds="http://schemas.openxmlformats.org/officeDocument/2006/customXml" ds:itemID="{32991507-CB83-4F49-BAFB-D322B1D04098}">
-  <ds:schemaRefs>
-    <ds:schemaRef ds:uri="http://purl.org/dc/terms/"/>
-    <ds:schemaRef ds:uri="http://purl.org/dc/elements/1.1/"/>
-    <ds:schemaRef ds:uri="http://www.w3.org/XML/1998/namespace"/>
-    <ds:schemaRef ds:uri="http://schemas.microsoft.com/office/2006/documentManagement/types"/>
-    <ds:schemaRef ds:uri="http://schemas.openxmlformats.org/package/2006/metadata/core-properties"/>
-    <ds:schemaRef ds:uri="5091c847-84be-4f4f-b16c-c018ad2ca66b"/>
-    <ds:schemaRef ds:uri="http://schemas.microsoft.com/office/2006/metadata/properties"/>
-    <ds:schemaRef ds:uri="http://purl.org/dc/dcmitype/"/>
-  </ds:schemaRefs>
-</ds:datastoreItem>
 </file>
--- a/doc/Task14/task14_presentation Schlurp.pptx
+++ b/doc/Task14/task14_presentation Schlurp.pptx
@@ -1942,6 +1942,16 @@
             <a:r>
               <a:rPr lang="de-CH" dirty="0" smtClean="0"/>
               <a:t>Rea</a:t>
+            </a:r>
+          </a:p>
+          <a:p>
+            <a:r>
+              <a:rPr lang="de-CH" dirty="0" smtClean="0"/>
+              <a:t>Interview hat nicht viel gebracht – dachte App bringt nichts in </a:t>
+            </a:r>
+            <a:r>
+              <a:rPr lang="de-CH" smtClean="0"/>
+              <a:t>diesem Bereich</a:t>
             </a:r>
             <a:endParaRPr lang="de-CH" dirty="0"/>
           </a:p>
@@ -10309,7 +10319,25 @@
             <a:pPr lvl="1"/>
             <a:r>
               <a:rPr lang="de-CH" dirty="0" smtClean="0"/>
-              <a:t>Fehlende Erfahrung</a:t>
+              <a:t>Fehlende </a:t>
+            </a:r>
+            <a:r>
+              <a:rPr lang="de-CH" dirty="0" smtClean="0"/>
+              <a:t>Erfahrung</a:t>
+            </a:r>
+          </a:p>
+          <a:p>
+            <a:pPr lvl="1"/>
+            <a:r>
+              <a:rPr lang="de-CH" dirty="0" smtClean="0"/>
+              <a:t>Kein eigentlicher Kunde</a:t>
+            </a:r>
+          </a:p>
+          <a:p>
+            <a:pPr lvl="2"/>
+            <a:r>
+              <a:rPr lang="de-CH" dirty="0" smtClean="0"/>
+              <a:t>Schwierig den richtigen Fokus zu setzen</a:t>
             </a:r>
             <a:endParaRPr lang="de-CH" dirty="0"/>
           </a:p>
@@ -13767,20 +13795,20 @@
 </file>
 
 <file path=customXml/item1.xml><?xml version="1.0" encoding="utf-8"?>
+<p:properties xmlns:p="http://schemas.microsoft.com/office/2006/metadata/properties" xmlns:xsi="http://www.w3.org/2001/XMLSchema-instance">
+  <documentManagement>
+    <AVMTitle xmlns="5091c847-84be-4f4f-b16c-c018ad2ca66b">Präsentation BFH_2013</AVMTitle>
+  </documentManagement>
+</p:properties>
+</file>
+
+<file path=customXml/item2.xml><?xml version="1.0" encoding="utf-8"?>
 <?mso-contentType ?>
 <FormTemplates xmlns="http://schemas.microsoft.com/sharepoint/v3/contenttype/forms">
   <Display>DocumentLibraryForm</Display>
   <Edit>DocumentLibraryForm</Edit>
   <New>DocumentLibraryForm</New>
 </FormTemplates>
-</file>
-
-<file path=customXml/item2.xml><?xml version="1.0" encoding="utf-8"?>
-<p:properties xmlns:p="http://schemas.microsoft.com/office/2006/metadata/properties" xmlns:xsi="http://www.w3.org/2001/XMLSchema-instance">
-  <documentManagement>
-    <AVMTitle xmlns="5091c847-84be-4f4f-b16c-c018ad2ca66b">Präsentation BFH_2013</AVMTitle>
-  </documentManagement>
-</p:properties>
 </file>
 
 <file path=customXml/item3.xml><?xml version="1.0" encoding="utf-8"?>
@@ -13844,14 +13872,6 @@
 </file>
 
 <file path=customXml/itemProps1.xml><?xml version="1.0" encoding="utf-8"?>
-<ds:datastoreItem xmlns:ds="http://schemas.openxmlformats.org/officeDocument/2006/customXml" ds:itemID="{1851D33F-E468-417B-A30C-509B68D2BD09}">
-  <ds:schemaRefs>
-    <ds:schemaRef ds:uri="http://schemas.microsoft.com/sharepoint/v3/contenttype/forms"/>
-  </ds:schemaRefs>
-</ds:datastoreItem>
-</file>
-
-<file path=customXml/itemProps2.xml><?xml version="1.0" encoding="utf-8"?>
 <ds:datastoreItem xmlns:ds="http://schemas.openxmlformats.org/officeDocument/2006/customXml" ds:itemID="{32991507-CB83-4F49-BAFB-D322B1D04098}">
   <ds:schemaRefs>
     <ds:schemaRef ds:uri="http://purl.org/dc/terms/"/>
@@ -13862,6 +13882,14 @@
     <ds:schemaRef ds:uri="5091c847-84be-4f4f-b16c-c018ad2ca66b"/>
     <ds:schemaRef ds:uri="http://schemas.microsoft.com/office/2006/metadata/properties"/>
     <ds:schemaRef ds:uri="http://purl.org/dc/dcmitype/"/>
+  </ds:schemaRefs>
+</ds:datastoreItem>
+</file>
+
+<file path=customXml/itemProps2.xml><?xml version="1.0" encoding="utf-8"?>
+<ds:datastoreItem xmlns:ds="http://schemas.openxmlformats.org/officeDocument/2006/customXml" ds:itemID="{1851D33F-E468-417B-A30C-509B68D2BD09}">
+  <ds:schemaRefs>
+    <ds:schemaRef ds:uri="http://schemas.microsoft.com/sharepoint/v3/contenttype/forms"/>
   </ds:schemaRefs>
 </ds:datastoreItem>
 </file>

--- a/doc/Task14/task14_presentation Schlurp.pptx
+++ b/doc/Task14/task14_presentation Schlurp.pptx
@@ -276,7 +276,7 @@
           <a:p>
             <a:fld id="{EFA0D184-D464-48E9-9CA0-A94E873F6C2C}" type="datetimeFigureOut">
               <a:rPr lang="de-CH" smtClean="0"/>
-              <a:t>21.01.2016</a:t>
+              <a:t>tt.01.jjjj</a:t>
             </a:fld>
             <a:endParaRPr lang="de-CH"/>
           </a:p>
@@ -441,7 +441,7 @@
           <a:p>
             <a:fld id="{5AF2B663-2BA9-4D7E-8201-5DE4109E1EDD}" type="datetimeFigureOut">
               <a:rPr lang="de-CH" smtClean="0"/>
-              <a:t>21.01.2016</a:t>
+              <a:t>tt.01.jjjj</a:t>
             </a:fld>
             <a:endParaRPr lang="de-CH"/>
           </a:p>
@@ -8874,23 +8874,26 @@
           <a:p>
             <a:pPr lvl="1"/>
             <a:r>
+              <a:rPr lang="de-CH" dirty="0" err="1" smtClean="0"/>
+              <a:t>DrugTakeWrapper</a:t>
+            </a:r>
+            <a:endParaRPr lang="de-CH" dirty="0" smtClean="0"/>
+          </a:p>
+          <a:p>
+            <a:pPr lvl="1"/>
+            <a:r>
+              <a:rPr lang="de-CH" dirty="0" err="1" smtClean="0"/>
+              <a:t>DrugWrapper</a:t>
+            </a:r>
+            <a:endParaRPr lang="de-CH" dirty="0" smtClean="0"/>
+          </a:p>
+          <a:p>
+            <a:pPr lvl="1"/>
+            <a:r>
               <a:rPr lang="de-CH" dirty="0" smtClean="0"/>
-              <a:t>DrugTakeWrapper.java</a:t>
-            </a:r>
-          </a:p>
-          <a:p>
-            <a:pPr lvl="1"/>
-            <a:r>
-              <a:rPr lang="de-CH" dirty="0" smtClean="0"/>
-              <a:t>DrugWrapper.java</a:t>
-            </a:r>
-          </a:p>
-          <a:p>
-            <a:pPr lvl="1"/>
-            <a:r>
-              <a:rPr lang="de-CH" dirty="0" smtClean="0"/>
-              <a:t>Wrapper.java</a:t>
-            </a:r>
+              <a:t>Wrapper</a:t>
+            </a:r>
+            <a:endParaRPr lang="de-CH" dirty="0" smtClean="0"/>
           </a:p>
           <a:p>
             <a:r>
@@ -8901,29 +8904,32 @@
           <a:p>
             <a:pPr lvl="1"/>
             <a:r>
-              <a:rPr lang="de-CH" dirty="0" smtClean="0"/>
-              <a:t>HomeView.java</a:t>
-            </a:r>
+              <a:rPr lang="de-CH" dirty="0" err="1" smtClean="0"/>
+              <a:t>HomeView</a:t>
+            </a:r>
+            <a:endParaRPr lang="de-CH" dirty="0" smtClean="0"/>
           </a:p>
           <a:p>
             <a:pPr lvl="1"/>
             <a:r>
-              <a:rPr lang="de-CH" dirty="0" smtClean="0"/>
-              <a:t>InfoView.java</a:t>
-            </a:r>
+              <a:rPr lang="de-CH" dirty="0" err="1" smtClean="0"/>
+              <a:t>InfoView</a:t>
+            </a:r>
+            <a:endParaRPr lang="de-CH" dirty="0" smtClean="0"/>
           </a:p>
           <a:p>
             <a:pPr lvl="1"/>
             <a:r>
-              <a:rPr lang="de-CH" dirty="0" smtClean="0"/>
-              <a:t>MedicationsListView.java</a:t>
-            </a:r>
+              <a:rPr lang="de-CH" dirty="0" err="1" smtClean="0"/>
+              <a:t>MedicationsListView</a:t>
+            </a:r>
+            <a:endParaRPr lang="de-CH" dirty="0" smtClean="0"/>
           </a:p>
           <a:p>
             <a:pPr lvl="1"/>
             <a:r>
-              <a:rPr lang="de-CH" dirty="0" smtClean="0"/>
-              <a:t>MedicationsView.java </a:t>
+              <a:rPr lang="de-CH" dirty="0" err="1" smtClean="0"/>
+              <a:t>MedicationsView</a:t>
             </a:r>
             <a:endParaRPr lang="de-CH" dirty="0"/>
           </a:p>
@@ -8939,13 +8945,6 @@
   <p:clrMapOvr>
     <a:masterClrMapping/>
   </p:clrMapOvr>
-  <p:timing>
-    <p:tnLst>
-      <p:par>
-        <p:cTn id="1" dur="indefinite" restart="never" nodeType="tmRoot"/>
-      </p:par>
-    </p:tnLst>
-  </p:timing>
 </p:sld>
 </file>
 
@@ -9655,13 +9654,6 @@
   <p:clrMapOvr>
     <a:masterClrMapping/>
   </p:clrMapOvr>
-  <p:timing>
-    <p:tnLst>
-      <p:par>
-        <p:cTn id="1" dur="indefinite" restart="never" nodeType="tmRoot"/>
-      </p:par>
-    </p:tnLst>
-  </p:timing>
 </p:sld>
 </file>
 
@@ -9839,13 +9831,6 @@
   <p:clrMapOvr>
     <a:masterClrMapping/>
   </p:clrMapOvr>
-  <p:timing>
-    <p:tnLst>
-      <p:par>
-        <p:cTn id="1" dur="indefinite" restart="never" nodeType="tmRoot"/>
-      </p:par>
-    </p:tnLst>
-  </p:timing>
 </p:sld>
 </file>
 
@@ -9960,13 +9945,6 @@
   <p:clrMapOvr>
     <a:masterClrMapping/>
   </p:clrMapOvr>
-  <p:timing>
-    <p:tnLst>
-      <p:par>
-        <p:cTn id="1" dur="indefinite" restart="never" nodeType="tmRoot"/>
-      </p:par>
-    </p:tnLst>
-  </p:timing>
 </p:sld>
 </file>
 
@@ -10111,13 +10089,6 @@
   <p:clrMapOvr>
     <a:masterClrMapping/>
   </p:clrMapOvr>
-  <p:timing>
-    <p:tnLst>
-      <p:par>
-        <p:cTn id="1" dur="indefinite" restart="never" nodeType="tmRoot"/>
-      </p:par>
-    </p:tnLst>
-  </p:timing>
 </p:sld>
 </file>
 
@@ -10261,13 +10232,6 @@
   <p:clrMapOvr>
     <a:masterClrMapping/>
   </p:clrMapOvr>
-  <p:timing>
-    <p:tnLst>
-      <p:par>
-        <p:cTn id="1" dur="indefinite" restart="never" nodeType="tmRoot"/>
-      </p:par>
-    </p:tnLst>
-  </p:timing>
 </p:sld>
 </file>
 
@@ -10319,11 +10283,7 @@
             <a:pPr lvl="1"/>
             <a:r>
               <a:rPr lang="de-CH" dirty="0" smtClean="0"/>
-              <a:t>Fehlende </a:t>
-            </a:r>
-            <a:r>
-              <a:rPr lang="de-CH" dirty="0" smtClean="0"/>
-              <a:t>Erfahrung</a:t>
+              <a:t>Fehlende Erfahrung</a:t>
             </a:r>
           </a:p>
           <a:p>
@@ -10977,195 +10937,14 @@
   <p:clrMapOvr>
     <a:masterClrMapping/>
   </p:clrMapOvr>
-  <mc:AlternateContent xmlns:mc="http://schemas.openxmlformats.org/markup-compatibility/2006" xmlns:p14="http://schemas.microsoft.com/office/powerpoint/2010/main">
-    <mc:Choice Requires="p14">
-      <p:transition spd="med" p14:dur="700">
-        <p:fade/>
-      </p:transition>
+  <mc:AlternateContent xmlns:mc="http://schemas.openxmlformats.org/markup-compatibility/2006">
+    <mc:Choice xmlns:p14="http://schemas.microsoft.com/office/powerpoint/2010/main" Requires="p14">
+      <p:transition p14:dur="10"/>
     </mc:Choice>
-    <mc:Fallback xmlns="">
-      <p:transition spd="med">
-        <p:fade/>
-      </p:transition>
+    <mc:Fallback>
+      <p:transition/>
     </mc:Fallback>
   </mc:AlternateContent>
-  <p:timing>
-    <p:tnLst>
-      <p:par>
-        <p:cTn id="1" dur="indefinite" restart="never" nodeType="tmRoot">
-          <p:childTnLst>
-            <p:seq concurrent="1" nextAc="seek">
-              <p:cTn id="2" dur="indefinite" nodeType="mainSeq">
-                <p:childTnLst>
-                  <p:par>
-                    <p:cTn id="3" fill="hold">
-                      <p:stCondLst>
-                        <p:cond delay="indefinite"/>
-                      </p:stCondLst>
-                      <p:childTnLst>
-                        <p:par>
-                          <p:cTn id="4" fill="hold">
-                            <p:stCondLst>
-                              <p:cond delay="0"/>
-                            </p:stCondLst>
-                            <p:childTnLst>
-                              <p:par>
-                                <p:cTn id="5" presetID="1" presetClass="entr" presetSubtype="0" fill="hold" nodeType="clickEffect">
-                                  <p:stCondLst>
-                                    <p:cond delay="0"/>
-                                  </p:stCondLst>
-                                  <p:childTnLst>
-                                    <p:set>
-                                      <p:cBhvr>
-                                        <p:cTn id="6" dur="1" fill="hold">
-                                          <p:stCondLst>
-                                            <p:cond delay="0"/>
-                                          </p:stCondLst>
-                                        </p:cTn>
-                                        <p:tgtEl>
-                                          <p:spTgt spid="2">
-                                            <p:txEl>
-                                              <p:pRg st="0" end="0"/>
-                                            </p:txEl>
-                                          </p:spTgt>
-                                        </p:tgtEl>
-                                        <p:attrNameLst>
-                                          <p:attrName>style.visibility</p:attrName>
-                                        </p:attrNameLst>
-                                      </p:cBhvr>
-                                      <p:to>
-                                        <p:strVal val="visible"/>
-                                      </p:to>
-                                    </p:set>
-                                  </p:childTnLst>
-                                </p:cTn>
-                              </p:par>
-                            </p:childTnLst>
-                          </p:cTn>
-                        </p:par>
-                      </p:childTnLst>
-                    </p:cTn>
-                  </p:par>
-                  <p:par>
-                    <p:cTn id="7" fill="hold">
-                      <p:stCondLst>
-                        <p:cond delay="indefinite"/>
-                      </p:stCondLst>
-                      <p:childTnLst>
-                        <p:par>
-                          <p:cTn id="8" fill="hold">
-                            <p:stCondLst>
-                              <p:cond delay="0"/>
-                            </p:stCondLst>
-                            <p:childTnLst>
-                              <p:par>
-                                <p:cTn id="9" presetID="1" presetClass="entr" presetSubtype="0" fill="hold" nodeType="clickEffect">
-                                  <p:stCondLst>
-                                    <p:cond delay="0"/>
-                                  </p:stCondLst>
-                                  <p:childTnLst>
-                                    <p:set>
-                                      <p:cBhvr>
-                                        <p:cTn id="10" dur="1" fill="hold">
-                                          <p:stCondLst>
-                                            <p:cond delay="0"/>
-                                          </p:stCondLst>
-                                        </p:cTn>
-                                        <p:tgtEl>
-                                          <p:spTgt spid="2">
-                                            <p:txEl>
-                                              <p:pRg st="1" end="1"/>
-                                            </p:txEl>
-                                          </p:spTgt>
-                                        </p:tgtEl>
-                                        <p:attrNameLst>
-                                          <p:attrName>style.visibility</p:attrName>
-                                        </p:attrNameLst>
-                                      </p:cBhvr>
-                                      <p:to>
-                                        <p:strVal val="visible"/>
-                                      </p:to>
-                                    </p:set>
-                                  </p:childTnLst>
-                                </p:cTn>
-                              </p:par>
-                            </p:childTnLst>
-                          </p:cTn>
-                        </p:par>
-                      </p:childTnLst>
-                    </p:cTn>
-                  </p:par>
-                  <p:par>
-                    <p:cTn id="11" fill="hold">
-                      <p:stCondLst>
-                        <p:cond delay="indefinite"/>
-                      </p:stCondLst>
-                      <p:childTnLst>
-                        <p:par>
-                          <p:cTn id="12" fill="hold">
-                            <p:stCondLst>
-                              <p:cond delay="0"/>
-                            </p:stCondLst>
-                            <p:childTnLst>
-                              <p:par>
-                                <p:cTn id="13" presetID="1" presetClass="entr" presetSubtype="0" fill="hold" nodeType="clickEffect">
-                                  <p:stCondLst>
-                                    <p:cond delay="0"/>
-                                  </p:stCondLst>
-                                  <p:childTnLst>
-                                    <p:set>
-                                      <p:cBhvr>
-                                        <p:cTn id="14" dur="1" fill="hold">
-                                          <p:stCondLst>
-                                            <p:cond delay="0"/>
-                                          </p:stCondLst>
-                                        </p:cTn>
-                                        <p:tgtEl>
-                                          <p:spTgt spid="2">
-                                            <p:txEl>
-                                              <p:pRg st="2" end="2"/>
-                                            </p:txEl>
-                                          </p:spTgt>
-                                        </p:tgtEl>
-                                        <p:attrNameLst>
-                                          <p:attrName>style.visibility</p:attrName>
-                                        </p:attrNameLst>
-                                      </p:cBhvr>
-                                      <p:to>
-                                        <p:strVal val="visible"/>
-                                      </p:to>
-                                    </p:set>
-                                  </p:childTnLst>
-                                </p:cTn>
-                              </p:par>
-                            </p:childTnLst>
-                          </p:cTn>
-                        </p:par>
-                      </p:childTnLst>
-                    </p:cTn>
-                  </p:par>
-                </p:childTnLst>
-              </p:cTn>
-              <p:prevCondLst>
-                <p:cond evt="onPrev" delay="0">
-                  <p:tgtEl>
-                    <p:sldTgt/>
-                  </p:tgtEl>
-                </p:cond>
-              </p:prevCondLst>
-              <p:nextCondLst>
-                <p:cond evt="onNext" delay="0">
-                  <p:tgtEl>
-                    <p:sldTgt/>
-                  </p:tgtEl>
-                </p:cond>
-              </p:nextCondLst>
-            </p:seq>
-          </p:childTnLst>
-        </p:cTn>
-      </p:par>
-    </p:tnLst>
-  </p:timing>
 </p:sld>
 </file>
 
@@ -11757,13 +11536,6 @@
   <p:clrMapOvr>
     <a:masterClrMapping/>
   </p:clrMapOvr>
-  <p:timing>
-    <p:tnLst>
-      <p:par>
-        <p:cTn id="1" dur="indefinite" restart="never" nodeType="tmRoot"/>
-      </p:par>
-    </p:tnLst>
-  </p:timing>
 </p:sld>
 </file>
 
@@ -12212,36 +11984,41 @@
           <a:lstStyle/>
           <a:p>
             <a:r>
-              <a:rPr lang="de-CH" dirty="0"/>
-              <a:t>Medicament.java</a:t>
-            </a:r>
-          </a:p>
-          <a:p>
-            <a:r>
-              <a:rPr lang="de-CH" dirty="0"/>
-              <a:t>Person.java</a:t>
-            </a:r>
+              <a:rPr lang="de-CH" dirty="0" err="1" smtClean="0"/>
+              <a:t>Medicament</a:t>
+            </a:r>
+            <a:endParaRPr lang="de-CH" dirty="0" smtClean="0"/>
+          </a:p>
+          <a:p>
+            <a:r>
+              <a:rPr lang="de-CH" dirty="0" smtClean="0"/>
+              <a:t>Person</a:t>
+            </a:r>
+            <a:endParaRPr lang="de-CH" dirty="0"/>
           </a:p>
           <a:p>
             <a:pPr lvl="1"/>
             <a:r>
-              <a:rPr lang="de-CH" dirty="0"/>
-              <a:t>Patient.java</a:t>
-            </a:r>
+              <a:rPr lang="de-CH" dirty="0" smtClean="0"/>
+              <a:t>Patient</a:t>
+            </a:r>
+            <a:endParaRPr lang="de-CH" dirty="0"/>
           </a:p>
           <a:p>
             <a:pPr lvl="1"/>
             <a:r>
-              <a:rPr lang="de-CH" dirty="0"/>
-              <a:t>FamilyMember.java</a:t>
-            </a:r>
+              <a:rPr lang="de-CH" dirty="0" err="1" smtClean="0"/>
+              <a:t>FamilyMember</a:t>
+            </a:r>
+            <a:endParaRPr lang="de-CH" dirty="0"/>
           </a:p>
           <a:p>
             <a:pPr lvl="1"/>
             <a:r>
-              <a:rPr lang="de-CH" dirty="0"/>
-              <a:t>Doctor.java</a:t>
-            </a:r>
+              <a:rPr lang="de-CH" dirty="0" err="1" smtClean="0"/>
+              <a:t>Doctor</a:t>
+            </a:r>
+            <a:endParaRPr lang="de-CH" dirty="0"/>
           </a:p>
           <a:p>
             <a:r>
@@ -13795,23 +13572,6 @@
 </file>
 
 <file path=customXml/item1.xml><?xml version="1.0" encoding="utf-8"?>
-<p:properties xmlns:p="http://schemas.microsoft.com/office/2006/metadata/properties" xmlns:xsi="http://www.w3.org/2001/XMLSchema-instance">
-  <documentManagement>
-    <AVMTitle xmlns="5091c847-84be-4f4f-b16c-c018ad2ca66b">Präsentation BFH_2013</AVMTitle>
-  </documentManagement>
-</p:properties>
-</file>
-
-<file path=customXml/item2.xml><?xml version="1.0" encoding="utf-8"?>
-<?mso-contentType ?>
-<FormTemplates xmlns="http://schemas.microsoft.com/sharepoint/v3/contenttype/forms">
-  <Display>DocumentLibraryForm</Display>
-  <Edit>DocumentLibraryForm</Edit>
-  <New>DocumentLibraryForm</New>
-</FormTemplates>
-</file>
-
-<file path=customXml/item3.xml><?xml version="1.0" encoding="utf-8"?>
 <ct:contentTypeSchema xmlns:ct="http://schemas.microsoft.com/office/2006/metadata/contentType" xmlns:ma="http://schemas.microsoft.com/office/2006/metadata/properties/metaAttributes" ct:_="" ma:_="" ma:contentTypeName="Dokument" ma:contentTypeID="0x010100EBE3A9EFF36793468C03E2811ACE2A2B" ma:contentTypeVersion="1" ma:contentTypeDescription="Ein neues Dokument erstellen." ma:contentTypeScope="" ma:versionID="e65be32cb1bfff77fc8c9c09bf542651">
   <xsd:schema xmlns:xsd="http://www.w3.org/2001/XMLSchema" xmlns:p="http://schemas.microsoft.com/office/2006/metadata/properties" xmlns:ns2="5091c847-84be-4f4f-b16c-c018ad2ca66b" targetNamespace="http://schemas.microsoft.com/office/2006/metadata/properties" ma:root="true" ma:fieldsID="7636c84aed5b7d09a166fcef888725d4" ns2:_="">
     <xsd:import namespace="5091c847-84be-4f4f-b16c-c018ad2ca66b"/>
@@ -13871,30 +13631,24 @@
 </ct:contentTypeSchema>
 </file>
 
-<file path=customXml/itemProps1.xml><?xml version="1.0" encoding="utf-8"?>
-<ds:datastoreItem xmlns:ds="http://schemas.openxmlformats.org/officeDocument/2006/customXml" ds:itemID="{32991507-CB83-4F49-BAFB-D322B1D04098}">
-  <ds:schemaRefs>
-    <ds:schemaRef ds:uri="http://purl.org/dc/terms/"/>
-    <ds:schemaRef ds:uri="http://purl.org/dc/elements/1.1/"/>
-    <ds:schemaRef ds:uri="http://www.w3.org/XML/1998/namespace"/>
-    <ds:schemaRef ds:uri="http://schemas.microsoft.com/office/2006/documentManagement/types"/>
-    <ds:schemaRef ds:uri="http://schemas.openxmlformats.org/package/2006/metadata/core-properties"/>
-    <ds:schemaRef ds:uri="5091c847-84be-4f4f-b16c-c018ad2ca66b"/>
-    <ds:schemaRef ds:uri="http://schemas.microsoft.com/office/2006/metadata/properties"/>
-    <ds:schemaRef ds:uri="http://purl.org/dc/dcmitype/"/>
-  </ds:schemaRefs>
-</ds:datastoreItem>
+<file path=customXml/item2.xml><?xml version="1.0" encoding="utf-8"?>
+<?mso-contentType ?>
+<FormTemplates xmlns="http://schemas.microsoft.com/sharepoint/v3/contenttype/forms">
+  <Display>DocumentLibraryForm</Display>
+  <Edit>DocumentLibraryForm</Edit>
+  <New>DocumentLibraryForm</New>
+</FormTemplates>
 </file>
 
-<file path=customXml/itemProps2.xml><?xml version="1.0" encoding="utf-8"?>
-<ds:datastoreItem xmlns:ds="http://schemas.openxmlformats.org/officeDocument/2006/customXml" ds:itemID="{1851D33F-E468-417B-A30C-509B68D2BD09}">
-  <ds:schemaRefs>
-    <ds:schemaRef ds:uri="http://schemas.microsoft.com/sharepoint/v3/contenttype/forms"/>
-  </ds:schemaRefs>
-</ds:datastoreItem>
+<file path=customXml/item3.xml><?xml version="1.0" encoding="utf-8"?>
+<p:properties xmlns:p="http://schemas.microsoft.com/office/2006/metadata/properties" xmlns:xsi="http://www.w3.org/2001/XMLSchema-instance">
+  <documentManagement>
+    <AVMTitle xmlns="5091c847-84be-4f4f-b16c-c018ad2ca66b">Präsentation BFH_2013</AVMTitle>
+  </documentManagement>
+</p:properties>
 </file>
 
-<file path=customXml/itemProps3.xml><?xml version="1.0" encoding="utf-8"?>
+<file path=customXml/itemProps1.xml><?xml version="1.0" encoding="utf-8"?>
 <ds:datastoreItem xmlns:ds="http://schemas.openxmlformats.org/officeDocument/2006/customXml" ds:itemID="{15287BEA-F3FF-4B87-929B-5D0092183197}">
   <ds:schemaRefs>
     <ds:schemaRef ds:uri="http://schemas.microsoft.com/office/2006/metadata/contentType"/>
@@ -13909,4 +13663,27 @@
     <ds:schemaRef ds:uri="http://schemas.microsoft.com/office/internal/2005/internalDocumentation"/>
   </ds:schemaRefs>
 </ds:datastoreItem>
+</file>
+
+<file path=customXml/itemProps2.xml><?xml version="1.0" encoding="utf-8"?>
+<ds:datastoreItem xmlns:ds="http://schemas.openxmlformats.org/officeDocument/2006/customXml" ds:itemID="{1851D33F-E468-417B-A30C-509B68D2BD09}">
+  <ds:schemaRefs>
+    <ds:schemaRef ds:uri="http://schemas.microsoft.com/sharepoint/v3/contenttype/forms"/>
+  </ds:schemaRefs>
+</ds:datastoreItem>
+</file>
+
+<file path=customXml/itemProps3.xml><?xml version="1.0" encoding="utf-8"?>
+<ds:datastoreItem xmlns:ds="http://schemas.openxmlformats.org/officeDocument/2006/customXml" ds:itemID="{32991507-CB83-4F49-BAFB-D322B1D04098}">
+  <ds:schemaRefs>
+    <ds:schemaRef ds:uri="http://purl.org/dc/terms/"/>
+    <ds:schemaRef ds:uri="http://purl.org/dc/elements/1.1/"/>
+    <ds:schemaRef ds:uri="http://www.w3.org/XML/1998/namespace"/>
+    <ds:schemaRef ds:uri="http://schemas.microsoft.com/office/2006/documentManagement/types"/>
+    <ds:schemaRef ds:uri="http://schemas.openxmlformats.org/package/2006/metadata/core-properties"/>
+    <ds:schemaRef ds:uri="5091c847-84be-4f4f-b16c-c018ad2ca66b"/>
+    <ds:schemaRef ds:uri="http://schemas.microsoft.com/office/2006/metadata/properties"/>
+    <ds:schemaRef ds:uri="http://purl.org/dc/dcmitype/"/>
+  </ds:schemaRefs>
+</ds:datastoreItem>
 </file>